--- a/RelationDocuments/8组_唐诗生成系统的设计与实现.pptx
+++ b/RelationDocuments/8组_唐诗生成系统的设计与实现.pptx
@@ -5,20 +5,25 @@
     <p:sldMasterId id="2147483648" r:id="rId1"/>
   </p:sldMasterIdLst>
   <p:notesMasterIdLst>
-    <p:notesMasterId r:id="rId13"/>
+    <p:notesMasterId r:id="rId14"/>
   </p:notesMasterIdLst>
   <p:sldIdLst>
-    <p:sldId id="256" r:id="rId2"/>
-    <p:sldId id="269" r:id="rId3"/>
-    <p:sldId id="258" r:id="rId4"/>
-    <p:sldId id="1715" r:id="rId5"/>
-    <p:sldId id="1717" r:id="rId6"/>
-    <p:sldId id="1716" r:id="rId7"/>
-    <p:sldId id="1728" r:id="rId8"/>
-    <p:sldId id="1741" r:id="rId9"/>
-    <p:sldId id="1742" r:id="rId10"/>
-    <p:sldId id="1739" r:id="rId11"/>
-    <p:sldId id="1736" r:id="rId12"/>
+    <p:sldId id="256" r:id="rId3"/>
+    <p:sldId id="269" r:id="rId4"/>
+    <p:sldId id="258" r:id="rId5"/>
+    <p:sldId id="1715" r:id="rId6"/>
+    <p:sldId id="1717" r:id="rId7"/>
+    <p:sldId id="1716" r:id="rId8"/>
+    <p:sldId id="1728" r:id="rId9"/>
+    <p:sldId id="1741" r:id="rId10"/>
+    <p:sldId id="1742" r:id="rId11"/>
+    <p:sldId id="1739" r:id="rId12"/>
+    <p:sldId id="1745" r:id="rId13"/>
+    <p:sldId id="1746" r:id="rId15"/>
+    <p:sldId id="1747" r:id="rId16"/>
+    <p:sldId id="1748" r:id="rId17"/>
+    <p:sldId id="1749" r:id="rId18"/>
+    <p:sldId id="1736" r:id="rId19"/>
   </p:sldIdLst>
   <p:sldSz cx="12192000" cy="6858000"/>
   <p:notesSz cx="6858000" cy="9144000"/>
@@ -117,24 +122,13 @@
       </a:defRPr>
     </a:lvl9pPr>
   </p:defaultTextStyle>
-  <p:extLst>
-    <p:ext uri="{EFAFB233-063F-42B5-8137-9DF3F51BA10A}">
-      <p15:sldGuideLst xmlns:p15="http://schemas.microsoft.com/office/powerpoint/2012/main"/>
-    </p:ext>
-  </p:extLst>
 </p:presentation>
 </file>
 
 <file path=ppt/commentAuthors.xml><?xml version="1.0" encoding="utf-8"?>
 <p:cmAuthorLst xmlns:a="http://schemas.openxmlformats.org/drawingml/2006/main" xmlns:r="http://schemas.openxmlformats.org/officeDocument/2006/relationships" xmlns:p="http://schemas.openxmlformats.org/presentationml/2006/main">
   <p:cmAuthor id="1" name="Yuqing Wang" initials="YW" lastIdx="1" clrIdx="0"/>
-  <p:cmAuthor id="2" name="Yuqing Wang (International Supplier)" initials="YW(S" lastIdx="1" clrIdx="1">
-    <p:extLst>
-      <p:ext uri="{19B8F6BF-5375-455C-9EA6-DF929625EA0E}">
-        <p15:presenceInfo xmlns:p15="http://schemas.microsoft.com/office/powerpoint/2012/main" userId="S::v-yuqw@microsoft.com::f8d6a210-5909-4a09-adcf-2aa76d954a11" providerId="AD"/>
-      </p:ext>
-    </p:extLst>
-  </p:cmAuthor>
+  <p:cmAuthor id="2" name="Yuqing Wang (International Supplier)" initials="YW(S" lastIdx="1" clrIdx="1"/>
 </p:cmAuthorLst>
 </file>
 
@@ -145,117 +139,39 @@
   <dgm:catLst>
     <dgm:cat type="accent1" pri="11200"/>
   </dgm:catLst>
-  <dgm:styleLbl name="node0">
+  <dgm:styleLbl name="alignAcc1">
     <dgm:fillClrLst meth="repeat">
-      <a:schemeClr val="accent1"/>
-    </dgm:fillClrLst>
-    <dgm:linClrLst meth="repeat">
-      <a:schemeClr val="lt1"/>
-    </dgm:linClrLst>
-    <dgm:effectClrLst/>
-    <dgm:txLinClrLst/>
-    <dgm:txFillClrLst/>
-    <dgm:txEffectClrLst/>
-  </dgm:styleLbl>
-  <dgm:styleLbl name="alignNode1">
-    <dgm:fillClrLst meth="repeat">
-      <a:schemeClr val="accent1"/>
+      <a:schemeClr val="lt1">
+        <a:alpha val="90000"/>
+      </a:schemeClr>
     </dgm:fillClrLst>
     <dgm:linClrLst meth="repeat">
       <a:schemeClr val="accent1"/>
     </dgm:linClrLst>
     <dgm:effectClrLst/>
     <dgm:txLinClrLst/>
-    <dgm:txFillClrLst/>
+    <dgm:txFillClrLst meth="repeat">
+      <a:schemeClr val="dk1"/>
+    </dgm:txFillClrLst>
     <dgm:txEffectClrLst/>
   </dgm:styleLbl>
-  <dgm:styleLbl name="node1">
-    <dgm:fillClrLst meth="repeat">
-      <a:schemeClr val="accent1"/>
-    </dgm:fillClrLst>
-    <dgm:linClrLst meth="repeat">
-      <a:schemeClr val="lt1"/>
-    </dgm:linClrLst>
-    <dgm:effectClrLst/>
-    <dgm:txLinClrLst/>
-    <dgm:txFillClrLst/>
-    <dgm:txEffectClrLst/>
-  </dgm:styleLbl>
-  <dgm:styleLbl name="lnNode1">
-    <dgm:fillClrLst meth="repeat">
-      <a:schemeClr val="accent1"/>
-    </dgm:fillClrLst>
-    <dgm:linClrLst meth="repeat">
-      <a:schemeClr val="lt1"/>
-    </dgm:linClrLst>
-    <dgm:effectClrLst/>
-    <dgm:txLinClrLst/>
-    <dgm:txFillClrLst/>
-    <dgm:txEffectClrLst/>
-  </dgm:styleLbl>
-  <dgm:styleLbl name="vennNode1">
+  <dgm:styleLbl name="alignAccFollowNode1">
     <dgm:fillClrLst meth="repeat">
       <a:schemeClr val="accent1">
-        <a:alpha val="50000"/>
+        <a:alpha val="90000"/>
+        <a:tint val="40000"/>
       </a:schemeClr>
     </dgm:fillClrLst>
     <dgm:linClrLst meth="repeat">
-      <a:schemeClr val="lt1"/>
-    </dgm:linClrLst>
-    <dgm:effectClrLst/>
-    <dgm:txLinClrLst/>
-    <dgm:txFillClrLst/>
-    <dgm:txEffectClrLst/>
-  </dgm:styleLbl>
-  <dgm:styleLbl name="node2">
-    <dgm:fillClrLst meth="repeat">
-      <a:schemeClr val="accent1"/>
-    </dgm:fillClrLst>
-    <dgm:linClrLst meth="repeat">
-      <a:schemeClr val="lt1"/>
-    </dgm:linClrLst>
-    <dgm:effectClrLst/>
-    <dgm:txLinClrLst/>
-    <dgm:txFillClrLst/>
-    <dgm:txEffectClrLst/>
-  </dgm:styleLbl>
-  <dgm:styleLbl name="node3">
-    <dgm:fillClrLst meth="repeat">
-      <a:schemeClr val="accent1"/>
-    </dgm:fillClrLst>
-    <dgm:linClrLst meth="repeat">
-      <a:schemeClr val="lt1"/>
-    </dgm:linClrLst>
-    <dgm:effectClrLst/>
-    <dgm:txLinClrLst/>
-    <dgm:txFillClrLst/>
-    <dgm:txEffectClrLst/>
-  </dgm:styleLbl>
-  <dgm:styleLbl name="node4">
-    <dgm:fillClrLst meth="repeat">
-      <a:schemeClr val="accent1"/>
-    </dgm:fillClrLst>
-    <dgm:linClrLst meth="repeat">
-      <a:schemeClr val="lt1"/>
-    </dgm:linClrLst>
-    <dgm:effectClrLst/>
-    <dgm:txLinClrLst/>
-    <dgm:txFillClrLst/>
-    <dgm:txEffectClrLst/>
-  </dgm:styleLbl>
-  <dgm:styleLbl name="fgImgPlace1">
-    <dgm:fillClrLst meth="repeat">
       <a:schemeClr val="accent1">
-        <a:tint val="50000"/>
+        <a:alpha val="90000"/>
+        <a:tint val="40000"/>
       </a:schemeClr>
-    </dgm:fillClrLst>
-    <dgm:linClrLst meth="repeat">
-      <a:schemeClr val="lt1"/>
     </dgm:linClrLst>
     <dgm:effectClrLst/>
     <dgm:txLinClrLst/>
     <dgm:txFillClrLst meth="repeat">
-      <a:schemeClr val="lt1"/>
+      <a:schemeClr val="dk1"/>
     </dgm:txFillClrLst>
     <dgm:txEffectClrLst/>
   </dgm:styleLbl>
@@ -275,71 +191,7 @@
     </dgm:txFillClrLst>
     <dgm:txEffectClrLst/>
   </dgm:styleLbl>
-  <dgm:styleLbl name="bgImgPlace1">
-    <dgm:fillClrLst meth="repeat">
-      <a:schemeClr val="accent1">
-        <a:tint val="50000"/>
-      </a:schemeClr>
-    </dgm:fillClrLst>
-    <dgm:linClrLst meth="repeat">
-      <a:schemeClr val="lt1"/>
-    </dgm:linClrLst>
-    <dgm:effectClrLst/>
-    <dgm:txLinClrLst/>
-    <dgm:txFillClrLst meth="repeat">
-      <a:schemeClr val="lt1"/>
-    </dgm:txFillClrLst>
-    <dgm:txEffectClrLst/>
-  </dgm:styleLbl>
-  <dgm:styleLbl name="sibTrans2D1">
-    <dgm:fillClrLst meth="repeat">
-      <a:schemeClr val="accent1">
-        <a:tint val="60000"/>
-      </a:schemeClr>
-    </dgm:fillClrLst>
-    <dgm:linClrLst meth="repeat">
-      <a:schemeClr val="accent1">
-        <a:tint val="60000"/>
-      </a:schemeClr>
-    </dgm:linClrLst>
-    <dgm:effectClrLst/>
-    <dgm:txLinClrLst/>
-    <dgm:txFillClrLst/>
-    <dgm:txEffectClrLst/>
-  </dgm:styleLbl>
-  <dgm:styleLbl name="fgSibTrans2D1">
-    <dgm:fillClrLst meth="repeat">
-      <a:schemeClr val="accent1">
-        <a:tint val="60000"/>
-      </a:schemeClr>
-    </dgm:fillClrLst>
-    <dgm:linClrLst meth="repeat">
-      <a:schemeClr val="accent1">
-        <a:tint val="60000"/>
-      </a:schemeClr>
-    </dgm:linClrLst>
-    <dgm:effectClrLst/>
-    <dgm:txLinClrLst/>
-    <dgm:txFillClrLst/>
-    <dgm:txEffectClrLst/>
-  </dgm:styleLbl>
-  <dgm:styleLbl name="bgSibTrans2D1">
-    <dgm:fillClrLst meth="repeat">
-      <a:schemeClr val="accent1">
-        <a:tint val="60000"/>
-      </a:schemeClr>
-    </dgm:fillClrLst>
-    <dgm:linClrLst meth="repeat">
-      <a:schemeClr val="accent1">
-        <a:tint val="60000"/>
-      </a:schemeClr>
-    </dgm:linClrLst>
-    <dgm:effectClrLst/>
-    <dgm:txLinClrLst/>
-    <dgm:txFillClrLst/>
-    <dgm:txEffectClrLst/>
-  </dgm:styleLbl>
-  <dgm:styleLbl name="sibTrans1D1">
+  <dgm:styleLbl name="alignNode1">
     <dgm:fillClrLst meth="repeat">
       <a:schemeClr val="accent1"/>
     </dgm:fillClrLst>
@@ -348,25 +200,7 @@
     </dgm:linClrLst>
     <dgm:effectClrLst/>
     <dgm:txLinClrLst/>
-    <dgm:txFillClrLst meth="repeat">
-      <a:schemeClr val="tx1"/>
-    </dgm:txFillClrLst>
-    <dgm:txEffectClrLst/>
-  </dgm:styleLbl>
-  <dgm:styleLbl name="callout">
-    <dgm:fillClrLst meth="repeat">
-      <a:schemeClr val="accent1"/>
-    </dgm:fillClrLst>
-    <dgm:linClrLst meth="repeat">
-      <a:schemeClr val="accent1">
-        <a:tint val="50000"/>
-      </a:schemeClr>
-    </dgm:linClrLst>
-    <dgm:effectClrLst/>
-    <dgm:txLinClrLst/>
-    <dgm:txFillClrLst meth="repeat">
-      <a:schemeClr val="tx1"/>
-    </dgm:txFillClrLst>
+    <dgm:txFillClrLst/>
     <dgm:txEffectClrLst/>
   </dgm:styleLbl>
   <dgm:styleLbl name="asst0">
@@ -429,7 +263,75 @@
     <dgm:txFillClrLst/>
     <dgm:txEffectClrLst/>
   </dgm:styleLbl>
-  <dgm:styleLbl name="parChTrans2D1">
+  <dgm:styleLbl name="bgAcc1">
+    <dgm:fillClrLst meth="repeat">
+      <a:schemeClr val="lt1">
+        <a:alpha val="90000"/>
+      </a:schemeClr>
+    </dgm:fillClrLst>
+    <dgm:linClrLst meth="repeat">
+      <a:schemeClr val="accent1"/>
+    </dgm:linClrLst>
+    <dgm:effectClrLst/>
+    <dgm:txLinClrLst/>
+    <dgm:txFillClrLst meth="repeat">
+      <a:schemeClr val="dk1"/>
+    </dgm:txFillClrLst>
+    <dgm:txEffectClrLst/>
+  </dgm:styleLbl>
+  <dgm:styleLbl name="bgAccFollowNode1">
+    <dgm:fillClrLst meth="repeat">
+      <a:schemeClr val="accent1">
+        <a:alpha val="90000"/>
+        <a:tint val="40000"/>
+      </a:schemeClr>
+    </dgm:fillClrLst>
+    <dgm:linClrLst meth="repeat">
+      <a:schemeClr val="accent1">
+        <a:alpha val="90000"/>
+        <a:tint val="40000"/>
+      </a:schemeClr>
+    </dgm:linClrLst>
+    <dgm:effectClrLst/>
+    <dgm:txLinClrLst/>
+    <dgm:txFillClrLst meth="repeat">
+      <a:schemeClr val="dk1"/>
+    </dgm:txFillClrLst>
+    <dgm:txEffectClrLst/>
+  </dgm:styleLbl>
+  <dgm:styleLbl name="bgImgPlace1">
+    <dgm:fillClrLst meth="repeat">
+      <a:schemeClr val="accent1">
+        <a:tint val="50000"/>
+      </a:schemeClr>
+    </dgm:fillClrLst>
+    <dgm:linClrLst meth="repeat">
+      <a:schemeClr val="lt1"/>
+    </dgm:linClrLst>
+    <dgm:effectClrLst/>
+    <dgm:txLinClrLst/>
+    <dgm:txFillClrLst meth="repeat">
+      <a:schemeClr val="lt1"/>
+    </dgm:txFillClrLst>
+    <dgm:txEffectClrLst/>
+  </dgm:styleLbl>
+  <dgm:styleLbl name="bgShp">
+    <dgm:fillClrLst meth="repeat">
+      <a:schemeClr val="accent1">
+        <a:tint val="40000"/>
+      </a:schemeClr>
+    </dgm:fillClrLst>
+    <dgm:linClrLst meth="repeat">
+      <a:schemeClr val="accent1"/>
+    </dgm:linClrLst>
+    <dgm:effectClrLst/>
+    <dgm:txLinClrLst/>
+    <dgm:txFillClrLst meth="repeat">
+      <a:schemeClr val="dk1"/>
+    </dgm:txFillClrLst>
+    <dgm:txEffectClrLst/>
+  </dgm:styleLbl>
+  <dgm:styleLbl name="bgSibTrans2D1">
     <dgm:fillClrLst meth="repeat">
       <a:schemeClr val="accent1">
         <a:tint val="60000"/>
@@ -442,14 +344,46 @@
     </dgm:linClrLst>
     <dgm:effectClrLst/>
     <dgm:txLinClrLst/>
+    <dgm:txFillClrLst/>
+    <dgm:txEffectClrLst/>
+  </dgm:styleLbl>
+  <dgm:styleLbl name="callout">
+    <dgm:fillClrLst meth="repeat">
+      <a:schemeClr val="accent1"/>
+    </dgm:fillClrLst>
+    <dgm:linClrLst meth="repeat">
+      <a:schemeClr val="accent1">
+        <a:tint val="50000"/>
+      </a:schemeClr>
+    </dgm:linClrLst>
+    <dgm:effectClrLst/>
+    <dgm:txLinClrLst/>
     <dgm:txFillClrLst meth="repeat">
-      <a:schemeClr val="lt1"/>
+      <a:schemeClr val="tx1"/>
     </dgm:txFillClrLst>
     <dgm:txEffectClrLst/>
   </dgm:styleLbl>
-  <dgm:styleLbl name="parChTrans2D2">
+  <dgm:styleLbl name="conFgAcc1">
     <dgm:fillClrLst meth="repeat">
+      <a:schemeClr val="lt1">
+        <a:alpha val="90000"/>
+      </a:schemeClr>
+    </dgm:fillClrLst>
+    <dgm:linClrLst meth="repeat">
       <a:schemeClr val="accent1"/>
+    </dgm:linClrLst>
+    <dgm:effectClrLst/>
+    <dgm:txLinClrLst/>
+    <dgm:txFillClrLst meth="repeat">
+      <a:schemeClr val="dk1"/>
+    </dgm:txFillClrLst>
+    <dgm:txEffectClrLst/>
+  </dgm:styleLbl>
+  <dgm:styleLbl name="dkBgShp">
+    <dgm:fillClrLst meth="repeat">
+      <a:schemeClr val="accent1">
+        <a:shade val="80000"/>
+      </a:schemeClr>
     </dgm:fillClrLst>
     <dgm:linClrLst meth="repeat">
       <a:schemeClr val="accent1"/>
@@ -461,12 +395,114 @@
     </dgm:txFillClrLst>
     <dgm:txEffectClrLst/>
   </dgm:styleLbl>
-  <dgm:styleLbl name="parChTrans2D3">
+  <dgm:styleLbl name="fgAcc0">
     <dgm:fillClrLst meth="repeat">
-      <a:schemeClr val="accent1"/>
+      <a:schemeClr val="lt1">
+        <a:alpha val="90000"/>
+      </a:schemeClr>
     </dgm:fillClrLst>
     <dgm:linClrLst meth="repeat">
       <a:schemeClr val="accent1"/>
+    </dgm:linClrLst>
+    <dgm:effectClrLst/>
+    <dgm:txLinClrLst/>
+    <dgm:txFillClrLst meth="repeat">
+      <a:schemeClr val="dk1"/>
+    </dgm:txFillClrLst>
+    <dgm:txEffectClrLst/>
+  </dgm:styleLbl>
+  <dgm:styleLbl name="fgAcc1">
+    <dgm:fillClrLst meth="repeat">
+      <a:schemeClr val="lt1">
+        <a:alpha val="90000"/>
+      </a:schemeClr>
+    </dgm:fillClrLst>
+    <dgm:linClrLst meth="repeat">
+      <a:schemeClr val="accent1"/>
+    </dgm:linClrLst>
+    <dgm:effectClrLst/>
+    <dgm:txLinClrLst/>
+    <dgm:txFillClrLst meth="repeat">
+      <a:schemeClr val="dk1"/>
+    </dgm:txFillClrLst>
+    <dgm:txEffectClrLst/>
+  </dgm:styleLbl>
+  <dgm:styleLbl name="fgAcc2">
+    <dgm:fillClrLst meth="repeat">
+      <a:schemeClr val="lt1">
+        <a:alpha val="90000"/>
+      </a:schemeClr>
+    </dgm:fillClrLst>
+    <dgm:linClrLst meth="repeat">
+      <a:schemeClr val="accent1"/>
+    </dgm:linClrLst>
+    <dgm:effectClrLst/>
+    <dgm:txLinClrLst/>
+    <dgm:txFillClrLst meth="repeat">
+      <a:schemeClr val="dk1"/>
+    </dgm:txFillClrLst>
+    <dgm:txEffectClrLst/>
+  </dgm:styleLbl>
+  <dgm:styleLbl name="fgAcc3">
+    <dgm:fillClrLst meth="repeat">
+      <a:schemeClr val="lt1">
+        <a:alpha val="90000"/>
+      </a:schemeClr>
+    </dgm:fillClrLst>
+    <dgm:linClrLst meth="repeat">
+      <a:schemeClr val="accent1"/>
+    </dgm:linClrLst>
+    <dgm:effectClrLst/>
+    <dgm:txLinClrLst/>
+    <dgm:txFillClrLst meth="repeat">
+      <a:schemeClr val="dk1"/>
+    </dgm:txFillClrLst>
+    <dgm:txEffectClrLst/>
+  </dgm:styleLbl>
+  <dgm:styleLbl name="fgAcc4">
+    <dgm:fillClrLst meth="repeat">
+      <a:schemeClr val="lt1">
+        <a:alpha val="90000"/>
+      </a:schemeClr>
+    </dgm:fillClrLst>
+    <dgm:linClrLst meth="repeat">
+      <a:schemeClr val="accent1"/>
+    </dgm:linClrLst>
+    <dgm:effectClrLst/>
+    <dgm:txLinClrLst/>
+    <dgm:txFillClrLst meth="repeat">
+      <a:schemeClr val="dk1"/>
+    </dgm:txFillClrLst>
+    <dgm:txEffectClrLst/>
+  </dgm:styleLbl>
+  <dgm:styleLbl name="fgAccFollowNode1">
+    <dgm:fillClrLst meth="repeat">
+      <a:schemeClr val="accent1">
+        <a:alpha val="90000"/>
+        <a:tint val="40000"/>
+      </a:schemeClr>
+    </dgm:fillClrLst>
+    <dgm:linClrLst meth="repeat">
+      <a:schemeClr val="accent1">
+        <a:alpha val="90000"/>
+        <a:tint val="40000"/>
+      </a:schemeClr>
+    </dgm:linClrLst>
+    <dgm:effectClrLst/>
+    <dgm:txLinClrLst/>
+    <dgm:txFillClrLst meth="repeat">
+      <a:schemeClr val="dk1"/>
+    </dgm:txFillClrLst>
+    <dgm:txEffectClrLst/>
+  </dgm:styleLbl>
+  <dgm:styleLbl name="fgImgPlace1">
+    <dgm:fillClrLst meth="repeat">
+      <a:schemeClr val="accent1">
+        <a:tint val="50000"/>
+      </a:schemeClr>
+    </dgm:fillClrLst>
+    <dgm:linClrLst meth="repeat">
+      <a:schemeClr val="lt1"/>
     </dgm:linClrLst>
     <dgm:effectClrLst/>
     <dgm:txLinClrLst/>
@@ -475,18 +511,108 @@
     </dgm:txFillClrLst>
     <dgm:txEffectClrLst/>
   </dgm:styleLbl>
-  <dgm:styleLbl name="parChTrans2D4">
+  <dgm:styleLbl name="fgShp">
+    <dgm:fillClrLst meth="repeat">
+      <a:schemeClr val="accent1">
+        <a:tint val="60000"/>
+      </a:schemeClr>
+    </dgm:fillClrLst>
+    <dgm:linClrLst meth="repeat">
+      <a:schemeClr val="lt1"/>
+    </dgm:linClrLst>
+    <dgm:effectClrLst/>
+    <dgm:txLinClrLst/>
+    <dgm:txFillClrLst meth="repeat">
+      <a:schemeClr val="dk1"/>
+    </dgm:txFillClrLst>
+    <dgm:txEffectClrLst/>
+  </dgm:styleLbl>
+  <dgm:styleLbl name="fgSibTrans2D1">
+    <dgm:fillClrLst meth="repeat">
+      <a:schemeClr val="accent1">
+        <a:tint val="60000"/>
+      </a:schemeClr>
+    </dgm:fillClrLst>
+    <dgm:linClrLst meth="repeat">
+      <a:schemeClr val="accent1">
+        <a:tint val="60000"/>
+      </a:schemeClr>
+    </dgm:linClrLst>
+    <dgm:effectClrLst/>
+    <dgm:txLinClrLst/>
+    <dgm:txFillClrLst/>
+    <dgm:txEffectClrLst/>
+  </dgm:styleLbl>
+  <dgm:styleLbl name="lnNode1">
     <dgm:fillClrLst meth="repeat">
       <a:schemeClr val="accent1"/>
     </dgm:fillClrLst>
     <dgm:linClrLst meth="repeat">
-      <a:schemeClr val="accent1"/>
+      <a:schemeClr val="lt1"/>
     </dgm:linClrLst>
     <dgm:effectClrLst/>
     <dgm:txLinClrLst/>
-    <dgm:txFillClrLst meth="repeat">
+    <dgm:txFillClrLst/>
+    <dgm:txEffectClrLst/>
+  </dgm:styleLbl>
+  <dgm:styleLbl name="node0">
+    <dgm:fillClrLst meth="repeat">
+      <a:schemeClr val="accent1"/>
+    </dgm:fillClrLst>
+    <dgm:linClrLst meth="repeat">
       <a:schemeClr val="lt1"/>
-    </dgm:txFillClrLst>
+    </dgm:linClrLst>
+    <dgm:effectClrLst/>
+    <dgm:txLinClrLst/>
+    <dgm:txFillClrLst/>
+    <dgm:txEffectClrLst/>
+  </dgm:styleLbl>
+  <dgm:styleLbl name="node1">
+    <dgm:fillClrLst meth="repeat">
+      <a:schemeClr val="accent1"/>
+    </dgm:fillClrLst>
+    <dgm:linClrLst meth="repeat">
+      <a:schemeClr val="lt1"/>
+    </dgm:linClrLst>
+    <dgm:effectClrLst/>
+    <dgm:txLinClrLst/>
+    <dgm:txFillClrLst/>
+    <dgm:txEffectClrLst/>
+  </dgm:styleLbl>
+  <dgm:styleLbl name="node2">
+    <dgm:fillClrLst meth="repeat">
+      <a:schemeClr val="accent1"/>
+    </dgm:fillClrLst>
+    <dgm:linClrLst meth="repeat">
+      <a:schemeClr val="lt1"/>
+    </dgm:linClrLst>
+    <dgm:effectClrLst/>
+    <dgm:txLinClrLst/>
+    <dgm:txFillClrLst/>
+    <dgm:txEffectClrLst/>
+  </dgm:styleLbl>
+  <dgm:styleLbl name="node3">
+    <dgm:fillClrLst meth="repeat">
+      <a:schemeClr val="accent1"/>
+    </dgm:fillClrLst>
+    <dgm:linClrLst meth="repeat">
+      <a:schemeClr val="lt1"/>
+    </dgm:linClrLst>
+    <dgm:effectClrLst/>
+    <dgm:txLinClrLst/>
+    <dgm:txFillClrLst/>
+    <dgm:txEffectClrLst/>
+  </dgm:styleLbl>
+  <dgm:styleLbl name="node4">
+    <dgm:fillClrLst meth="repeat">
+      <a:schemeClr val="accent1"/>
+    </dgm:fillClrLst>
+    <dgm:linClrLst meth="repeat">
+      <a:schemeClr val="lt1"/>
+    </dgm:linClrLst>
+    <dgm:effectClrLst/>
+    <dgm:txLinClrLst/>
+    <dgm:txFillClrLst/>
     <dgm:txEffectClrLst/>
   </dgm:styleLbl>
   <dgm:styleLbl name="parChTrans1D1">
@@ -553,11 +679,27 @@
     </dgm:txFillClrLst>
     <dgm:txEffectClrLst/>
   </dgm:styleLbl>
-  <dgm:styleLbl name="fgAcc1">
+  <dgm:styleLbl name="parChTrans2D1">
     <dgm:fillClrLst meth="repeat">
-      <a:schemeClr val="lt1">
-        <a:alpha val="90000"/>
+      <a:schemeClr val="accent1">
+        <a:tint val="60000"/>
       </a:schemeClr>
+    </dgm:fillClrLst>
+    <dgm:linClrLst meth="repeat">
+      <a:schemeClr val="accent1">
+        <a:tint val="60000"/>
+      </a:schemeClr>
+    </dgm:linClrLst>
+    <dgm:effectClrLst/>
+    <dgm:txLinClrLst/>
+    <dgm:txFillClrLst meth="repeat">
+      <a:schemeClr val="lt1"/>
+    </dgm:txFillClrLst>
+    <dgm:txEffectClrLst/>
+  </dgm:styleLbl>
+  <dgm:styleLbl name="parChTrans2D2">
+    <dgm:fillClrLst meth="repeat">
+      <a:schemeClr val="accent1"/>
     </dgm:fillClrLst>
     <dgm:linClrLst meth="repeat">
       <a:schemeClr val="accent1"/>
@@ -565,15 +707,13 @@
     <dgm:effectClrLst/>
     <dgm:txLinClrLst/>
     <dgm:txFillClrLst meth="repeat">
-      <a:schemeClr val="dk1"/>
+      <a:schemeClr val="lt1"/>
     </dgm:txFillClrLst>
     <dgm:txEffectClrLst/>
   </dgm:styleLbl>
-  <dgm:styleLbl name="conFgAcc1">
+  <dgm:styleLbl name="parChTrans2D3">
     <dgm:fillClrLst meth="repeat">
-      <a:schemeClr val="lt1">
-        <a:alpha val="90000"/>
-      </a:schemeClr>
+      <a:schemeClr val="accent1"/>
     </dgm:fillClrLst>
     <dgm:linClrLst meth="repeat">
       <a:schemeClr val="accent1"/>
@@ -581,15 +721,13 @@
     <dgm:effectClrLst/>
     <dgm:txLinClrLst/>
     <dgm:txFillClrLst meth="repeat">
-      <a:schemeClr val="dk1"/>
+      <a:schemeClr val="lt1"/>
     </dgm:txFillClrLst>
     <dgm:txEffectClrLst/>
   </dgm:styleLbl>
-  <dgm:styleLbl name="alignAcc1">
+  <dgm:styleLbl name="parChTrans2D4">
     <dgm:fillClrLst meth="repeat">
-      <a:schemeClr val="lt1">
-        <a:alpha val="90000"/>
-      </a:schemeClr>
+      <a:schemeClr val="accent1"/>
     </dgm:fillClrLst>
     <dgm:linClrLst meth="repeat">
       <a:schemeClr val="accent1"/>
@@ -597,15 +735,31 @@
     <dgm:effectClrLst/>
     <dgm:txLinClrLst/>
     <dgm:txFillClrLst meth="repeat">
-      <a:schemeClr val="dk1"/>
+      <a:schemeClr val="lt1"/>
     </dgm:txFillClrLst>
     <dgm:txEffectClrLst/>
   </dgm:styleLbl>
-  <dgm:styleLbl name="trAlignAcc1">
+  <dgm:styleLbl name="revTx">
     <dgm:fillClrLst meth="repeat">
       <a:schemeClr val="lt1">
-        <a:alpha val="40000"/>
+        <a:alpha val="0"/>
       </a:schemeClr>
+    </dgm:fillClrLst>
+    <dgm:linClrLst meth="repeat">
+      <a:schemeClr val="dk1">
+        <a:alpha val="0"/>
+      </a:schemeClr>
+    </dgm:linClrLst>
+    <dgm:effectClrLst/>
+    <dgm:txLinClrLst/>
+    <dgm:txFillClrLst meth="repeat">
+      <a:schemeClr val="tx1"/>
+    </dgm:txFillClrLst>
+    <dgm:txEffectClrLst/>
+  </dgm:styleLbl>
+  <dgm:styleLbl name="sibTrans1D1">
+    <dgm:fillClrLst meth="repeat">
+      <a:schemeClr val="accent1"/>
     </dgm:fillClrLst>
     <dgm:linClrLst meth="repeat">
       <a:schemeClr val="accent1"/>
@@ -613,38 +767,24 @@
     <dgm:effectClrLst/>
     <dgm:txLinClrLst/>
     <dgm:txFillClrLst meth="repeat">
-      <a:schemeClr val="dk1"/>
+      <a:schemeClr val="tx1"/>
     </dgm:txFillClrLst>
     <dgm:txEffectClrLst/>
   </dgm:styleLbl>
-  <dgm:styleLbl name="bgAcc1">
+  <dgm:styleLbl name="sibTrans2D1">
     <dgm:fillClrLst meth="repeat">
-      <a:schemeClr val="lt1">
-        <a:alpha val="90000"/>
+      <a:schemeClr val="accent1">
+        <a:tint val="60000"/>
       </a:schemeClr>
     </dgm:fillClrLst>
     <dgm:linClrLst meth="repeat">
-      <a:schemeClr val="accent1"/>
+      <a:schemeClr val="accent1">
+        <a:tint val="60000"/>
+      </a:schemeClr>
     </dgm:linClrLst>
     <dgm:effectClrLst/>
     <dgm:txLinClrLst/>
-    <dgm:txFillClrLst meth="repeat">
-      <a:schemeClr val="dk1"/>
-    </dgm:txFillClrLst>
-    <dgm:txEffectClrLst/>
-  </dgm:styleLbl>
-  <dgm:styleLbl name="solidFgAcc1">
-    <dgm:fillClrLst meth="repeat">
-      <a:schemeClr val="lt1"/>
-    </dgm:fillClrLst>
-    <dgm:linClrLst meth="repeat">
-      <a:schemeClr val="accent1"/>
-    </dgm:linClrLst>
-    <dgm:effectClrLst/>
-    <dgm:txLinClrLst/>
-    <dgm:txFillClrLst meth="repeat">
-      <a:schemeClr val="dk1"/>
-    </dgm:txFillClrLst>
+    <dgm:txFillClrLst/>
     <dgm:txEffectClrLst/>
   </dgm:styleLbl>
   <dgm:styleLbl name="solidAlignAcc1">
@@ -675,71 +815,9 @@
     </dgm:txFillClrLst>
     <dgm:txEffectClrLst/>
   </dgm:styleLbl>
-  <dgm:styleLbl name="fgAccFollowNode1">
+  <dgm:styleLbl name="solidFgAcc1">
     <dgm:fillClrLst meth="repeat">
-      <a:schemeClr val="accent1">
-        <a:alpha val="90000"/>
-        <a:tint val="40000"/>
-      </a:schemeClr>
-    </dgm:fillClrLst>
-    <dgm:linClrLst meth="repeat">
-      <a:schemeClr val="accent1">
-        <a:alpha val="90000"/>
-        <a:tint val="40000"/>
-      </a:schemeClr>
-    </dgm:linClrLst>
-    <dgm:effectClrLst/>
-    <dgm:txLinClrLst/>
-    <dgm:txFillClrLst meth="repeat">
-      <a:schemeClr val="dk1"/>
-    </dgm:txFillClrLst>
-    <dgm:txEffectClrLst/>
-  </dgm:styleLbl>
-  <dgm:styleLbl name="alignAccFollowNode1">
-    <dgm:fillClrLst meth="repeat">
-      <a:schemeClr val="accent1">
-        <a:alpha val="90000"/>
-        <a:tint val="40000"/>
-      </a:schemeClr>
-    </dgm:fillClrLst>
-    <dgm:linClrLst meth="repeat">
-      <a:schemeClr val="accent1">
-        <a:alpha val="90000"/>
-        <a:tint val="40000"/>
-      </a:schemeClr>
-    </dgm:linClrLst>
-    <dgm:effectClrLst/>
-    <dgm:txLinClrLst/>
-    <dgm:txFillClrLst meth="repeat">
-      <a:schemeClr val="dk1"/>
-    </dgm:txFillClrLst>
-    <dgm:txEffectClrLst/>
-  </dgm:styleLbl>
-  <dgm:styleLbl name="bgAccFollowNode1">
-    <dgm:fillClrLst meth="repeat">
-      <a:schemeClr val="accent1">
-        <a:alpha val="90000"/>
-        <a:tint val="40000"/>
-      </a:schemeClr>
-    </dgm:fillClrLst>
-    <dgm:linClrLst meth="repeat">
-      <a:schemeClr val="accent1">
-        <a:alpha val="90000"/>
-        <a:tint val="40000"/>
-      </a:schemeClr>
-    </dgm:linClrLst>
-    <dgm:effectClrLst/>
-    <dgm:txLinClrLst/>
-    <dgm:txFillClrLst meth="repeat">
-      <a:schemeClr val="dk1"/>
-    </dgm:txFillClrLst>
-    <dgm:txEffectClrLst/>
-  </dgm:styleLbl>
-  <dgm:styleLbl name="fgAcc0">
-    <dgm:fillClrLst meth="repeat">
-      <a:schemeClr val="lt1">
-        <a:alpha val="90000"/>
-      </a:schemeClr>
+      <a:schemeClr val="lt1"/>
     </dgm:fillClrLst>
     <dgm:linClrLst meth="repeat">
       <a:schemeClr val="accent1"/>
@@ -751,10 +829,10 @@
     </dgm:txFillClrLst>
     <dgm:txEffectClrLst/>
   </dgm:styleLbl>
-  <dgm:styleLbl name="fgAcc2">
+  <dgm:styleLbl name="trAlignAcc1">
     <dgm:fillClrLst meth="repeat">
       <a:schemeClr val="lt1">
-        <a:alpha val="90000"/>
+        <a:alpha val="40000"/>
       </a:schemeClr>
     </dgm:fillClrLst>
     <dgm:linClrLst meth="repeat">
@@ -764,70 +842,6 @@
     <dgm:txLinClrLst/>
     <dgm:txFillClrLst meth="repeat">
       <a:schemeClr val="dk1"/>
-    </dgm:txFillClrLst>
-    <dgm:txEffectClrLst/>
-  </dgm:styleLbl>
-  <dgm:styleLbl name="fgAcc3">
-    <dgm:fillClrLst meth="repeat">
-      <a:schemeClr val="lt1">
-        <a:alpha val="90000"/>
-      </a:schemeClr>
-    </dgm:fillClrLst>
-    <dgm:linClrLst meth="repeat">
-      <a:schemeClr val="accent1"/>
-    </dgm:linClrLst>
-    <dgm:effectClrLst/>
-    <dgm:txLinClrLst/>
-    <dgm:txFillClrLst meth="repeat">
-      <a:schemeClr val="dk1"/>
-    </dgm:txFillClrLst>
-    <dgm:txEffectClrLst/>
-  </dgm:styleLbl>
-  <dgm:styleLbl name="fgAcc4">
-    <dgm:fillClrLst meth="repeat">
-      <a:schemeClr val="lt1">
-        <a:alpha val="90000"/>
-      </a:schemeClr>
-    </dgm:fillClrLst>
-    <dgm:linClrLst meth="repeat">
-      <a:schemeClr val="accent1"/>
-    </dgm:linClrLst>
-    <dgm:effectClrLst/>
-    <dgm:txLinClrLst/>
-    <dgm:txFillClrLst meth="repeat">
-      <a:schemeClr val="dk1"/>
-    </dgm:txFillClrLst>
-    <dgm:txEffectClrLst/>
-  </dgm:styleLbl>
-  <dgm:styleLbl name="bgShp">
-    <dgm:fillClrLst meth="repeat">
-      <a:schemeClr val="accent1">
-        <a:tint val="40000"/>
-      </a:schemeClr>
-    </dgm:fillClrLst>
-    <dgm:linClrLst meth="repeat">
-      <a:schemeClr val="accent1"/>
-    </dgm:linClrLst>
-    <dgm:effectClrLst/>
-    <dgm:txLinClrLst/>
-    <dgm:txFillClrLst meth="repeat">
-      <a:schemeClr val="dk1"/>
-    </dgm:txFillClrLst>
-    <dgm:txEffectClrLst/>
-  </dgm:styleLbl>
-  <dgm:styleLbl name="dkBgShp">
-    <dgm:fillClrLst meth="repeat">
-      <a:schemeClr val="accent1">
-        <a:shade val="80000"/>
-      </a:schemeClr>
-    </dgm:fillClrLst>
-    <dgm:linClrLst meth="repeat">
-      <a:schemeClr val="accent1"/>
-    </dgm:linClrLst>
-    <dgm:effectClrLst/>
-    <dgm:txLinClrLst/>
-    <dgm:txFillClrLst meth="repeat">
-      <a:schemeClr val="lt1"/>
     </dgm:txFillClrLst>
     <dgm:txEffectClrLst/>
   </dgm:styleLbl>
@@ -848,10 +862,10 @@
     </dgm:txFillClrLst>
     <dgm:txEffectClrLst/>
   </dgm:styleLbl>
-  <dgm:styleLbl name="fgShp">
+  <dgm:styleLbl name="vennNode1">
     <dgm:fillClrLst meth="repeat">
       <a:schemeClr val="accent1">
-        <a:tint val="60000"/>
+        <a:alpha val="50000"/>
       </a:schemeClr>
     </dgm:fillClrLst>
     <dgm:linClrLst meth="repeat">
@@ -859,27 +873,7 @@
     </dgm:linClrLst>
     <dgm:effectClrLst/>
     <dgm:txLinClrLst/>
-    <dgm:txFillClrLst meth="repeat">
-      <a:schemeClr val="dk1"/>
-    </dgm:txFillClrLst>
-    <dgm:txEffectClrLst/>
-  </dgm:styleLbl>
-  <dgm:styleLbl name="revTx">
-    <dgm:fillClrLst meth="repeat">
-      <a:schemeClr val="lt1">
-        <a:alpha val="0"/>
-      </a:schemeClr>
-    </dgm:fillClrLst>
-    <dgm:linClrLst meth="repeat">
-      <a:schemeClr val="dk1">
-        <a:alpha val="0"/>
-      </a:schemeClr>
-    </dgm:linClrLst>
-    <dgm:effectClrLst/>
-    <dgm:txLinClrLst/>
-    <dgm:txFillClrLst meth="repeat">
-      <a:schemeClr val="tx1"/>
-    </dgm:txFillClrLst>
+    <dgm:txFillClrLst/>
     <dgm:txEffectClrLst/>
   </dgm:styleLbl>
 </dgm:colorsDef>
@@ -914,7 +908,7 @@
         </a:p>
       </dgm:t>
     </dgm:pt>
-    <dgm:pt modelId="{89785933-5AE4-4C21-810E-06EC0BBE4931}" type="parTrans" cxnId="{F529E43C-B1E0-4DB4-AB64-7DCAA2291888}">
+    <dgm:pt modelId="{89785933-5AE4-4C21-810E-06EC0BBE4931}" cxnId="{F529E43C-B1E0-4DB4-AB64-7DCAA2291888}" type="parTrans">
       <dgm:prSet/>
       <dgm:spPr/>
       <dgm:t>
@@ -925,7 +919,7 @@
         </a:p>
       </dgm:t>
     </dgm:pt>
-    <dgm:pt modelId="{9991DC34-8968-4776-9C7C-51EDA450587E}" type="sibTrans" cxnId="{F529E43C-B1E0-4DB4-AB64-7DCAA2291888}">
+    <dgm:pt modelId="{9991DC34-8968-4776-9C7C-51EDA450587E}" cxnId="{F529E43C-B1E0-4DB4-AB64-7DCAA2291888}" type="sibTrans">
       <dgm:prSet/>
       <dgm:spPr/>
       <dgm:t>
@@ -1014,7 +1008,7 @@
         </a:p>
       </dgm:t>
     </dgm:pt>
-    <dgm:pt modelId="{4CC5FFD5-316E-4548-9F83-B997E94B89B0}" type="parTrans" cxnId="{40B7AA86-5C66-4E22-95A8-503C4973DEE2}">
+    <dgm:pt modelId="{4CC5FFD5-316E-4548-9F83-B997E94B89B0}" cxnId="{40B7AA86-5C66-4E22-95A8-503C4973DEE2}" type="parTrans">
       <dgm:prSet/>
       <dgm:spPr/>
       <dgm:t>
@@ -1025,7 +1019,7 @@
         </a:p>
       </dgm:t>
     </dgm:pt>
-    <dgm:pt modelId="{CB6DCD54-60B1-4F33-980E-39CE2A7D82EF}" type="sibTrans" cxnId="{40B7AA86-5C66-4E22-95A8-503C4973DEE2}">
+    <dgm:pt modelId="{CB6DCD54-60B1-4F33-980E-39CE2A7D82EF}" cxnId="{40B7AA86-5C66-4E22-95A8-503C4973DEE2}" type="sibTrans">
       <dgm:prSet/>
       <dgm:spPr/>
       <dgm:t>
@@ -1059,7 +1053,7 @@
         </a:p>
       </dgm:t>
     </dgm:pt>
-    <dgm:pt modelId="{6D709E5C-2A4B-41CE-A82E-08FA1214F243}" type="parTrans" cxnId="{CB0B2B36-C17C-47C6-944B-E02C08C479CB}">
+    <dgm:pt modelId="{6D709E5C-2A4B-41CE-A82E-08FA1214F243}" cxnId="{CB0B2B36-C17C-47C6-944B-E02C08C479CB}" type="parTrans">
       <dgm:prSet/>
       <dgm:spPr/>
       <dgm:t>
@@ -1070,7 +1064,7 @@
         </a:p>
       </dgm:t>
     </dgm:pt>
-    <dgm:pt modelId="{18336FC2-DAC8-428F-972C-22D22B880AE9}" type="sibTrans" cxnId="{CB0B2B36-C17C-47C6-944B-E02C08C479CB}">
+    <dgm:pt modelId="{18336FC2-DAC8-428F-972C-22D22B880AE9}" cxnId="{CB0B2B36-C17C-47C6-944B-E02C08C479CB}" type="sibTrans">
       <dgm:prSet/>
       <dgm:spPr/>
       <dgm:t>
@@ -1100,7 +1094,7 @@
         </a:p>
       </dgm:t>
     </dgm:pt>
-    <dgm:pt modelId="{3B92EAED-0776-4D1E-A696-A55407B92960}" type="parTrans" cxnId="{D30DD26F-CC50-4A02-BDB0-D550E4AD41DF}">
+    <dgm:pt modelId="{3B92EAED-0776-4D1E-A696-A55407B92960}" cxnId="{D30DD26F-CC50-4A02-BDB0-D550E4AD41DF}" type="parTrans">
       <dgm:prSet/>
       <dgm:spPr/>
       <dgm:t>
@@ -1111,7 +1105,7 @@
         </a:p>
       </dgm:t>
     </dgm:pt>
-    <dgm:pt modelId="{2BC20E87-EC8E-4754-90B1-F0FA0A7CD82B}" type="sibTrans" cxnId="{D30DD26F-CC50-4A02-BDB0-D550E4AD41DF}">
+    <dgm:pt modelId="{2BC20E87-EC8E-4754-90B1-F0FA0A7CD82B}" cxnId="{D30DD26F-CC50-4A02-BDB0-D550E4AD41DF}" type="sibTrans">
       <dgm:prSet/>
       <dgm:spPr/>
       <dgm:t>
@@ -1137,7 +1131,7 @@
         </a:p>
       </dgm:t>
     </dgm:pt>
-    <dgm:pt modelId="{83D96E27-F5E8-423F-9C2A-503E1D0001E4}" type="parTrans" cxnId="{60485614-0BF1-4057-8D94-5F14E3C286D5}">
+    <dgm:pt modelId="{83D96E27-F5E8-423F-9C2A-503E1D0001E4}" cxnId="{60485614-0BF1-4057-8D94-5F14E3C286D5}" type="parTrans">
       <dgm:prSet/>
       <dgm:spPr/>
       <dgm:t>
@@ -1148,7 +1142,7 @@
         </a:p>
       </dgm:t>
     </dgm:pt>
-    <dgm:pt modelId="{EF496E16-ED34-4AA0-940E-42C30B87D9FF}" type="sibTrans" cxnId="{60485614-0BF1-4057-8D94-5F14E3C286D5}">
+    <dgm:pt modelId="{EF496E16-ED34-4AA0-940E-42C30B87D9FF}" cxnId="{60485614-0BF1-4057-8D94-5F14E3C286D5}" type="sibTrans">
       <dgm:prSet/>
       <dgm:spPr/>
       <dgm:t>
@@ -1174,7 +1168,7 @@
         </a:p>
       </dgm:t>
     </dgm:pt>
-    <dgm:pt modelId="{508DB7A1-065D-49E7-8A41-D96E4361C8A1}" type="parTrans" cxnId="{FDC4813A-9492-4D8B-BA1E-9E5F62C1B551}">
+    <dgm:pt modelId="{508DB7A1-065D-49E7-8A41-D96E4361C8A1}" cxnId="{FDC4813A-9492-4D8B-BA1E-9E5F62C1B551}" type="parTrans">
       <dgm:prSet/>
       <dgm:spPr/>
       <dgm:t>
@@ -1185,7 +1179,7 @@
         </a:p>
       </dgm:t>
     </dgm:pt>
-    <dgm:pt modelId="{4D1AA03A-1A26-4E0F-9E40-88612850C8F3}" type="sibTrans" cxnId="{FDC4813A-9492-4D8B-BA1E-9E5F62C1B551}">
+    <dgm:pt modelId="{4D1AA03A-1A26-4E0F-9E40-88612850C8F3}" cxnId="{FDC4813A-9492-4D8B-BA1E-9E5F62C1B551}" type="sibTrans">
       <dgm:prSet/>
       <dgm:spPr/>
       <dgm:t>
@@ -1211,7 +1205,7 @@
         </a:p>
       </dgm:t>
     </dgm:pt>
-    <dgm:pt modelId="{19FF70F2-0A77-4C10-AC7A-27B1D267B0B8}" type="parTrans" cxnId="{D6D46CAA-EBDD-4D59-A4E3-B652564B8750}">
+    <dgm:pt modelId="{19FF70F2-0A77-4C10-AC7A-27B1D267B0B8}" cxnId="{D6D46CAA-EBDD-4D59-A4E3-B652564B8750}" type="parTrans">
       <dgm:prSet/>
       <dgm:spPr/>
       <dgm:t>
@@ -1222,7 +1216,7 @@
         </a:p>
       </dgm:t>
     </dgm:pt>
-    <dgm:pt modelId="{7A796420-6104-457F-A8D1-14BF748A168E}" type="sibTrans" cxnId="{D6D46CAA-EBDD-4D59-A4E3-B652564B8750}">
+    <dgm:pt modelId="{7A796420-6104-457F-A8D1-14BF748A168E}" cxnId="{D6D46CAA-EBDD-4D59-A4E3-B652564B8750}" type="sibTrans">
       <dgm:prSet/>
       <dgm:spPr/>
       <dgm:t>
@@ -1268,7 +1262,7 @@
         </a:p>
       </dgm:t>
     </dgm:pt>
-    <dgm:pt modelId="{D2CB6AA7-46E0-4B48-9149-7CB3C601F619}" type="parTrans" cxnId="{1F58A6A6-C90D-46AA-B655-E18B77F5CEE7}">
+    <dgm:pt modelId="{D2CB6AA7-46E0-4B48-9149-7CB3C601F619}" cxnId="{1F58A6A6-C90D-46AA-B655-E18B77F5CEE7}" type="parTrans">
       <dgm:prSet/>
       <dgm:spPr/>
       <dgm:t>
@@ -1279,7 +1273,7 @@
         </a:p>
       </dgm:t>
     </dgm:pt>
-    <dgm:pt modelId="{66C5ADDE-B42D-4F4D-A398-39424888232B}" type="sibTrans" cxnId="{1F58A6A6-C90D-46AA-B655-E18B77F5CEE7}">
+    <dgm:pt modelId="{66C5ADDE-B42D-4F4D-A398-39424888232B}" cxnId="{1F58A6A6-C90D-46AA-B655-E18B77F5CEE7}" type="sibTrans">
       <dgm:prSet/>
       <dgm:spPr/>
       <dgm:t>
@@ -1353,7 +1347,7 @@
         </a:p>
       </dgm:t>
     </dgm:pt>
-    <dgm:pt modelId="{E978728F-7F73-46B4-9CB2-24B6B07F550A}" type="parTrans" cxnId="{80C1D71A-9A89-4E6B-8670-53D09303CCCD}">
+    <dgm:pt modelId="{E978728F-7F73-46B4-9CB2-24B6B07F550A}" cxnId="{80C1D71A-9A89-4E6B-8670-53D09303CCCD}" type="parTrans">
       <dgm:prSet/>
       <dgm:spPr/>
       <dgm:t>
@@ -1364,7 +1358,7 @@
         </a:p>
       </dgm:t>
     </dgm:pt>
-    <dgm:pt modelId="{B092E527-62F1-4E3C-80FD-DEE2BBB981A9}" type="sibTrans" cxnId="{80C1D71A-9A89-4E6B-8670-53D09303CCCD}">
+    <dgm:pt modelId="{B092E527-62F1-4E3C-80FD-DEE2BBB981A9}" cxnId="{80C1D71A-9A89-4E6B-8670-53D09303CCCD}" type="sibTrans">
       <dgm:prSet/>
       <dgm:spPr/>
       <dgm:t>
@@ -1396,7 +1390,7 @@
         </a:p>
       </dgm:t>
     </dgm:pt>
-    <dgm:pt modelId="{7AC2A66C-BA22-458E-B2B6-C857C89E2E18}" type="parTrans" cxnId="{F3ACC138-32DA-4327-BE1B-476AEE725C47}">
+    <dgm:pt modelId="{7AC2A66C-BA22-458E-B2B6-C857C89E2E18}" cxnId="{F3ACC138-32DA-4327-BE1B-476AEE725C47}" type="parTrans">
       <dgm:prSet/>
       <dgm:spPr/>
       <dgm:t>
@@ -1407,7 +1401,7 @@
         </a:p>
       </dgm:t>
     </dgm:pt>
-    <dgm:pt modelId="{ADA5DFBC-B51B-4C1B-AE5D-64C77F556ACB}" type="sibTrans" cxnId="{F3ACC138-32DA-4327-BE1B-476AEE725C47}">
+    <dgm:pt modelId="{ADA5DFBC-B51B-4C1B-AE5D-64C77F556ACB}" cxnId="{F3ACC138-32DA-4327-BE1B-476AEE725C47}" type="sibTrans">
       <dgm:prSet/>
       <dgm:spPr/>
       <dgm:t>
@@ -1439,7 +1433,7 @@
         </a:p>
       </dgm:t>
     </dgm:pt>
-    <dgm:pt modelId="{8666CB0B-7901-472D-8B03-B5FBAA797DDA}" type="parTrans" cxnId="{616FD975-DBCE-40C4-804B-3A0043888F2D}">
+    <dgm:pt modelId="{8666CB0B-7901-472D-8B03-B5FBAA797DDA}" cxnId="{616FD975-DBCE-40C4-804B-3A0043888F2D}" type="parTrans">
       <dgm:prSet/>
       <dgm:spPr/>
       <dgm:t>
@@ -1450,7 +1444,7 @@
         </a:p>
       </dgm:t>
     </dgm:pt>
-    <dgm:pt modelId="{C39AE20C-27CE-4316-A6CA-51C49DD588DD}" type="sibTrans" cxnId="{616FD975-DBCE-40C4-804B-3A0043888F2D}">
+    <dgm:pt modelId="{C39AE20C-27CE-4316-A6CA-51C49DD588DD}" cxnId="{616FD975-DBCE-40C4-804B-3A0043888F2D}" type="sibTrans">
       <dgm:prSet/>
       <dgm:spPr/>
       <dgm:t>
@@ -1482,7 +1476,7 @@
         </a:p>
       </dgm:t>
     </dgm:pt>
-    <dgm:pt modelId="{6A44672E-6DF4-4F38-A483-FA961183A81B}" type="parTrans" cxnId="{DD1E0DA5-37C8-49FF-8FBF-6B9CFDBDA4F5}">
+    <dgm:pt modelId="{6A44672E-6DF4-4F38-A483-FA961183A81B}" cxnId="{DD1E0DA5-37C8-49FF-8FBF-6B9CFDBDA4F5}" type="parTrans">
       <dgm:prSet/>
       <dgm:spPr/>
       <dgm:t>
@@ -1493,7 +1487,7 @@
         </a:p>
       </dgm:t>
     </dgm:pt>
-    <dgm:pt modelId="{85942B9D-F3F9-43A4-A4C5-FDCE0D29CB73}" type="sibTrans" cxnId="{DD1E0DA5-37C8-49FF-8FBF-6B9CFDBDA4F5}">
+    <dgm:pt modelId="{85942B9D-F3F9-43A4-A4C5-FDCE0D29CB73}" cxnId="{DD1E0DA5-37C8-49FF-8FBF-6B9CFDBDA4F5}" type="sibTrans">
       <dgm:prSet/>
       <dgm:spPr/>
       <dgm:t>
@@ -1566,7 +1560,7 @@
         </a:p>
       </dgm:t>
     </dgm:pt>
-    <dgm:pt modelId="{8F5AE2DF-1EFD-44CA-9DFB-A41DE7060F0B}" type="parTrans" cxnId="{5E5D1E05-D15A-4668-B85D-39C555B270E0}">
+    <dgm:pt modelId="{8F5AE2DF-1EFD-44CA-9DFB-A41DE7060F0B}" cxnId="{5E5D1E05-D15A-4668-B85D-39C555B270E0}" type="parTrans">
       <dgm:prSet/>
       <dgm:spPr/>
       <dgm:t>
@@ -1577,7 +1571,7 @@
         </a:p>
       </dgm:t>
     </dgm:pt>
-    <dgm:pt modelId="{8191D2B1-401C-4BFC-B17A-348E7FD919DB}" type="sibTrans" cxnId="{5E5D1E05-D15A-4668-B85D-39C555B270E0}">
+    <dgm:pt modelId="{8191D2B1-401C-4BFC-B17A-348E7FD919DB}" cxnId="{5E5D1E05-D15A-4668-B85D-39C555B270E0}" type="sibTrans">
       <dgm:prSet/>
       <dgm:spPr/>
       <dgm:t>
@@ -1637,7 +1631,7 @@
         </a:p>
       </dgm:t>
     </dgm:pt>
-    <dgm:pt modelId="{0A6B9D50-940E-4A16-994D-B4D1451D4053}" type="parTrans" cxnId="{2BAEC81D-A2FA-4817-B46B-91060C93F8B9}">
+    <dgm:pt modelId="{0A6B9D50-940E-4A16-994D-B4D1451D4053}" cxnId="{2BAEC81D-A2FA-4817-B46B-91060C93F8B9}" type="parTrans">
       <dgm:prSet/>
       <dgm:spPr/>
       <dgm:t>
@@ -1648,7 +1642,7 @@
         </a:p>
       </dgm:t>
     </dgm:pt>
-    <dgm:pt modelId="{05842D97-F42A-4347-812E-07D04374C44A}" type="sibTrans" cxnId="{2BAEC81D-A2FA-4817-B46B-91060C93F8B9}">
+    <dgm:pt modelId="{05842D97-F42A-4347-812E-07D04374C44A}" cxnId="{2BAEC81D-A2FA-4817-B46B-91060C93F8B9}" type="sibTrans">
       <dgm:prSet/>
       <dgm:spPr/>
       <dgm:t>
@@ -1737,7 +1731,7 @@
         </a:p>
       </dgm:t>
     </dgm:pt>
-    <dgm:pt modelId="{03EEEC97-1AF1-4523-B72F-1836E0DAAB35}" type="parTrans" cxnId="{1BBFDA57-798A-42EC-9AD8-8D744BA7F38B}">
+    <dgm:pt modelId="{03EEEC97-1AF1-4523-B72F-1836E0DAAB35}" cxnId="{1BBFDA57-798A-42EC-9AD8-8D744BA7F38B}" type="parTrans">
       <dgm:prSet/>
       <dgm:spPr/>
       <dgm:t>
@@ -1748,7 +1742,7 @@
         </a:p>
       </dgm:t>
     </dgm:pt>
-    <dgm:pt modelId="{C01C9B3C-0788-42FB-A83E-AB89703AAEDD}" type="sibTrans" cxnId="{1BBFDA57-798A-42EC-9AD8-8D744BA7F38B}">
+    <dgm:pt modelId="{C01C9B3C-0788-42FB-A83E-AB89703AAEDD}" cxnId="{1BBFDA57-798A-42EC-9AD8-8D744BA7F38B}" type="sibTrans">
       <dgm:prSet/>
       <dgm:spPr/>
       <dgm:t>
@@ -1787,7 +1781,7 @@
         </a:p>
       </dgm:t>
     </dgm:pt>
-    <dgm:pt modelId="{90EDFFB6-0EF6-4CC1-91F6-A67CEC4C3CF5}" type="parTrans" cxnId="{AA9BDF19-98F6-4517-905D-FCFCE726DE59}">
+    <dgm:pt modelId="{90EDFFB6-0EF6-4CC1-91F6-A67CEC4C3CF5}" cxnId="{AA9BDF19-98F6-4517-905D-FCFCE726DE59}" type="parTrans">
       <dgm:prSet/>
       <dgm:spPr/>
       <dgm:t>
@@ -1798,7 +1792,7 @@
         </a:p>
       </dgm:t>
     </dgm:pt>
-    <dgm:pt modelId="{0A29E907-3EA1-46B2-8C69-141FE0B3B82C}" type="sibTrans" cxnId="{AA9BDF19-98F6-4517-905D-FCFCE726DE59}">
+    <dgm:pt modelId="{0A29E907-3EA1-46B2-8C69-141FE0B3B82C}" cxnId="{AA9BDF19-98F6-4517-905D-FCFCE726DE59}" type="sibTrans">
       <dgm:prSet/>
       <dgm:spPr/>
       <dgm:t>
@@ -1837,7 +1831,7 @@
         </a:p>
       </dgm:t>
     </dgm:pt>
-    <dgm:pt modelId="{9CE8E416-B41C-4D20-B35E-E2863839F80D}" type="parTrans" cxnId="{7AC43043-B904-4DAB-904F-4230CC634FE6}">
+    <dgm:pt modelId="{9CE8E416-B41C-4D20-B35E-E2863839F80D}" cxnId="{7AC43043-B904-4DAB-904F-4230CC634FE6}" type="parTrans">
       <dgm:prSet/>
       <dgm:spPr/>
       <dgm:t>
@@ -1848,7 +1842,7 @@
         </a:p>
       </dgm:t>
     </dgm:pt>
-    <dgm:pt modelId="{1C32FDCD-2A54-4534-B5A0-8166831EF474}" type="sibTrans" cxnId="{7AC43043-B904-4DAB-904F-4230CC634FE6}">
+    <dgm:pt modelId="{1C32FDCD-2A54-4534-B5A0-8166831EF474}" cxnId="{7AC43043-B904-4DAB-904F-4230CC634FE6}" type="sibTrans">
       <dgm:prSet/>
       <dgm:spPr/>
       <dgm:t>
@@ -1880,7 +1874,7 @@
         </a:p>
       </dgm:t>
     </dgm:pt>
-    <dgm:pt modelId="{A4381F65-E1F9-4F01-B1EA-ECC0C1612330}" type="parTrans" cxnId="{72E52B94-DD85-41D9-A73D-91AF76C8B793}">
+    <dgm:pt modelId="{A4381F65-E1F9-4F01-B1EA-ECC0C1612330}" cxnId="{72E52B94-DD85-41D9-A73D-91AF76C8B793}" type="parTrans">
       <dgm:prSet/>
       <dgm:spPr/>
       <dgm:t>
@@ -1891,7 +1885,7 @@
         </a:p>
       </dgm:t>
     </dgm:pt>
-    <dgm:pt modelId="{0DF80D42-6B9D-498C-802E-374A8D40FC43}" type="sibTrans" cxnId="{72E52B94-DD85-41D9-A73D-91AF76C8B793}">
+    <dgm:pt modelId="{0DF80D42-6B9D-498C-802E-374A8D40FC43}" cxnId="{72E52B94-DD85-41D9-A73D-91AF76C8B793}" type="sibTrans">
       <dgm:prSet/>
       <dgm:spPr/>
       <dgm:t>
@@ -1916,7 +1910,7 @@
         </a:p>
       </dgm:t>
     </dgm:pt>
-    <dgm:pt modelId="{983FF315-0430-4A0D-9DBB-6BCA3F8C61FF}" type="parTrans" cxnId="{F46E722C-4D97-479D-9BA2-BACA2DF79FC0}">
+    <dgm:pt modelId="{983FF315-0430-4A0D-9DBB-6BCA3F8C61FF}" cxnId="{F46E722C-4D97-479D-9BA2-BACA2DF79FC0}" type="parTrans">
       <dgm:prSet/>
       <dgm:spPr/>
       <dgm:t>
@@ -1927,7 +1921,7 @@
         </a:p>
       </dgm:t>
     </dgm:pt>
-    <dgm:pt modelId="{1BE5C39D-9CA0-4926-B893-7A63F9E8D062}" type="sibTrans" cxnId="{F46E722C-4D97-479D-9BA2-BACA2DF79FC0}">
+    <dgm:pt modelId="{1BE5C39D-9CA0-4926-B893-7A63F9E8D062}" cxnId="{F46E722C-4D97-479D-9BA2-BACA2DF79FC0}" type="sibTrans">
       <dgm:prSet/>
       <dgm:spPr/>
       <dgm:t>
@@ -1959,7 +1953,7 @@
         </a:p>
       </dgm:t>
     </dgm:pt>
-    <dgm:pt modelId="{85D68D7D-AE30-406E-B164-2B3F6EFB9506}" type="parTrans" cxnId="{35CE9CF5-DA55-4131-8983-859C0DE2AC81}">
+    <dgm:pt modelId="{85D68D7D-AE30-406E-B164-2B3F6EFB9506}" cxnId="{35CE9CF5-DA55-4131-8983-859C0DE2AC81}" type="parTrans">
       <dgm:prSet/>
       <dgm:spPr/>
       <dgm:t>
@@ -1970,7 +1964,7 @@
         </a:p>
       </dgm:t>
     </dgm:pt>
-    <dgm:pt modelId="{3CF954DE-FA87-4C27-814F-6DA6119C3C4D}" type="sibTrans" cxnId="{35CE9CF5-DA55-4131-8983-859C0DE2AC81}">
+    <dgm:pt modelId="{3CF954DE-FA87-4C27-814F-6DA6119C3C4D}" cxnId="{35CE9CF5-DA55-4131-8983-859C0DE2AC81}" type="sibTrans">
       <dgm:prSet/>
       <dgm:spPr/>
       <dgm:t>
@@ -2002,7 +1996,7 @@
         </a:p>
       </dgm:t>
     </dgm:pt>
-    <dgm:pt modelId="{781B9559-1B7B-4106-9606-4FD5B44856AA}" type="parTrans" cxnId="{FFDD7203-BC18-4DDE-93D9-5D20611ABF44}">
+    <dgm:pt modelId="{781B9559-1B7B-4106-9606-4FD5B44856AA}" cxnId="{FFDD7203-BC18-4DDE-93D9-5D20611ABF44}" type="parTrans">
       <dgm:prSet/>
       <dgm:spPr/>
       <dgm:t>
@@ -2013,7 +2007,7 @@
         </a:p>
       </dgm:t>
     </dgm:pt>
-    <dgm:pt modelId="{2015F317-4F28-4379-A473-F91FD240EEE4}" type="sibTrans" cxnId="{FFDD7203-BC18-4DDE-93D9-5D20611ABF44}">
+    <dgm:pt modelId="{2015F317-4F28-4379-A473-F91FD240EEE4}" cxnId="{FFDD7203-BC18-4DDE-93D9-5D20611ABF44}" type="sibTrans">
       <dgm:prSet/>
       <dgm:spPr/>
       <dgm:t>
@@ -2045,7 +2039,7 @@
         </a:p>
       </dgm:t>
     </dgm:pt>
-    <dgm:pt modelId="{77611221-6355-4772-91CE-28B920F449D2}" type="parTrans" cxnId="{2ADA69F6-EE41-4B97-A679-A5297268296A}">
+    <dgm:pt modelId="{77611221-6355-4772-91CE-28B920F449D2}" cxnId="{2ADA69F6-EE41-4B97-A679-A5297268296A}" type="parTrans">
       <dgm:prSet/>
       <dgm:spPr/>
       <dgm:t>
@@ -2056,7 +2050,7 @@
         </a:p>
       </dgm:t>
     </dgm:pt>
-    <dgm:pt modelId="{C33CE4CB-74F6-4E51-A6FB-71B737D4A2F2}" type="sibTrans" cxnId="{2ADA69F6-EE41-4B97-A679-A5297268296A}">
+    <dgm:pt modelId="{C33CE4CB-74F6-4E51-A6FB-71B737D4A2F2}" cxnId="{2ADA69F6-EE41-4B97-A679-A5297268296A}" type="sibTrans">
       <dgm:prSet/>
       <dgm:spPr/>
       <dgm:t>
@@ -2102,7 +2096,7 @@
         </a:p>
       </dgm:t>
     </dgm:pt>
-    <dgm:pt modelId="{808C58B4-6CC8-4F5A-B012-142BF382926E}" type="parTrans" cxnId="{D0BD2105-7806-461C-B736-CE4BB46BE862}">
+    <dgm:pt modelId="{808C58B4-6CC8-4F5A-B012-142BF382926E}" cxnId="{D0BD2105-7806-461C-B736-CE4BB46BE862}" type="parTrans">
       <dgm:prSet/>
       <dgm:spPr/>
       <dgm:t>
@@ -2113,7 +2107,7 @@
         </a:p>
       </dgm:t>
     </dgm:pt>
-    <dgm:pt modelId="{D6ABBE51-D0FD-4F05-88A2-8AE6EA0CFE93}" type="sibTrans" cxnId="{D0BD2105-7806-461C-B736-CE4BB46BE862}">
+    <dgm:pt modelId="{D6ABBE51-D0FD-4F05-88A2-8AE6EA0CFE93}" cxnId="{D0BD2105-7806-461C-B736-CE4BB46BE862}" type="sibTrans">
       <dgm:prSet/>
       <dgm:spPr/>
       <dgm:t>
@@ -2152,7 +2146,7 @@
         </a:p>
       </dgm:t>
     </dgm:pt>
-    <dgm:pt modelId="{2B3702F9-EAB7-4A8B-B645-52525EFB8965}" type="parTrans" cxnId="{AA8C8F12-E362-4113-9F3E-F0B0F6959206}">
+    <dgm:pt modelId="{2B3702F9-EAB7-4A8B-B645-52525EFB8965}" cxnId="{AA8C8F12-E362-4113-9F3E-F0B0F6959206}" type="parTrans">
       <dgm:prSet/>
       <dgm:spPr/>
       <dgm:t>
@@ -2163,7 +2157,7 @@
         </a:p>
       </dgm:t>
     </dgm:pt>
-    <dgm:pt modelId="{12BD24C7-F3F1-45A2-BBF1-B5AF2AD99E11}" type="sibTrans" cxnId="{AA8C8F12-E362-4113-9F3E-F0B0F6959206}">
+    <dgm:pt modelId="{12BD24C7-F3F1-45A2-BBF1-B5AF2AD99E11}" cxnId="{AA8C8F12-E362-4113-9F3E-F0B0F6959206}" type="sibTrans">
       <dgm:prSet/>
       <dgm:spPr/>
       <dgm:t>
@@ -2189,7 +2183,7 @@
         </a:p>
       </dgm:t>
     </dgm:pt>
-    <dgm:pt modelId="{03AF3346-8F26-4622-8048-D82F429D8F5B}" type="parTrans" cxnId="{9E5B18F7-A742-4183-994D-9367A81C6CCC}">
+    <dgm:pt modelId="{03AF3346-8F26-4622-8048-D82F429D8F5B}" cxnId="{9E5B18F7-A742-4183-994D-9367A81C6CCC}" type="parTrans">
       <dgm:prSet/>
       <dgm:spPr/>
       <dgm:t>
@@ -2200,7 +2194,7 @@
         </a:p>
       </dgm:t>
     </dgm:pt>
-    <dgm:pt modelId="{73AB7D9E-37CD-4F25-992C-DC07DEB3F000}" type="sibTrans" cxnId="{9E5B18F7-A742-4183-994D-9367A81C6CCC}">
+    <dgm:pt modelId="{73AB7D9E-37CD-4F25-992C-DC07DEB3F000}" cxnId="{9E5B18F7-A742-4183-994D-9367A81C6CCC}" type="sibTrans">
       <dgm:prSet/>
       <dgm:spPr/>
       <dgm:t>
@@ -2553,7 +2547,7 @@
   <dgm:whole/>
   <dgm:extLst>
     <a:ext uri="http://schemas.microsoft.com/office/drawing/2008/diagram">
-      <dsp:dataModelExt xmlns:dsp="http://schemas.microsoft.com/office/drawing/2008/diagram" relId="rId6" minVer="http://schemas.openxmlformats.org/drawingml/2006/diagram"/>
+      <dsp:dataModelExt xmlns:dsp="http://schemas.microsoft.com/office/drawing/2008/diagram" relId="rId5" minVer="http://schemas.openxmlformats.org/drawingml/2006/diagram"/>
     </a:ext>
   </dgm:extLst>
 </dgm:dataModel>
@@ -4466,9 +4460,9 @@
         <dgm:forEach name="Name8" axis="followSib" ptType="sibTrans" cnt="1">
           <dgm:layoutNode name="Name9">
             <dgm:alg type="conn">
-              <dgm:param type="connRout" val="curve"/>
               <dgm:param type="srcNode" val="parentNode1"/>
               <dgm:param type="dstNode" val="connSite2"/>
+              <dgm:param type="connRout" val="curve"/>
               <dgm:param type="begPts" val="bCtr"/>
               <dgm:param type="endPts" val="bCtr"/>
             </dgm:alg>
@@ -4648,9 +4642,9 @@
           <dgm:forEach name="Name17" axis="followSib" ptType="sibTrans" cnt="1">
             <dgm:layoutNode name="Name18">
               <dgm:alg type="conn">
-                <dgm:param type="connRout" val="curve"/>
                 <dgm:param type="srcNode" val="parentNode2"/>
                 <dgm:param type="dstNode" val="connSite1"/>
+                <dgm:param type="connRout" val="curve"/>
                 <dgm:param type="begPts" val="tCtr"/>
                 <dgm:param type="endPts" val="tCtr"/>
               </dgm:alg>
@@ -4703,15 +4697,503 @@
     <a:camera prst="orthographicFront"/>
     <a:lightRig rig="threePt" dir="t"/>
   </dgm:scene3d>
-  <dgm:styleLbl name="node0">
+  <dgm:styleLbl name="alignAcc1">
     <dgm:scene3d>
       <a:camera prst="orthographicFront"/>
       <a:lightRig rig="threePt" dir="t"/>
     </dgm:scene3d>
-    <dgm:sp3d/>
     <dgm:txPr/>
     <dgm:style>
       <a:lnRef idx="2">
+        <a:scrgbClr r="0" g="0" b="0"/>
+      </a:lnRef>
+      <a:fillRef idx="1">
+        <a:scrgbClr r="0" g="0" b="0"/>
+      </a:fillRef>
+      <a:effectRef idx="0">
+        <a:scrgbClr r="0" g="0" b="0"/>
+      </a:effectRef>
+      <a:fontRef idx="minor"/>
+    </dgm:style>
+  </dgm:styleLbl>
+  <dgm:styleLbl name="alignAccFollowNode1">
+    <dgm:scene3d>
+      <a:camera prst="orthographicFront"/>
+      <a:lightRig rig="threePt" dir="t"/>
+    </dgm:scene3d>
+    <dgm:txPr/>
+    <dgm:style>
+      <a:lnRef idx="2">
+        <a:scrgbClr r="0" g="0" b="0"/>
+      </a:lnRef>
+      <a:fillRef idx="1">
+        <a:scrgbClr r="0" g="0" b="0"/>
+      </a:fillRef>
+      <a:effectRef idx="0">
+        <a:scrgbClr r="0" g="0" b="0"/>
+      </a:effectRef>
+      <a:fontRef idx="minor"/>
+    </dgm:style>
+  </dgm:styleLbl>
+  <dgm:styleLbl name="alignImgPlace1">
+    <dgm:scene3d>
+      <a:camera prst="orthographicFront"/>
+      <a:lightRig rig="threePt" dir="t"/>
+    </dgm:scene3d>
+    <dgm:txPr/>
+    <dgm:style>
+      <a:lnRef idx="2">
+        <a:scrgbClr r="0" g="0" b="0"/>
+      </a:lnRef>
+      <a:fillRef idx="1">
+        <a:scrgbClr r="0" g="0" b="0"/>
+      </a:fillRef>
+      <a:effectRef idx="0">
+        <a:scrgbClr r="0" g="0" b="0"/>
+      </a:effectRef>
+      <a:fontRef idx="minor"/>
+    </dgm:style>
+  </dgm:styleLbl>
+  <dgm:styleLbl name="alignNode1">
+    <dgm:scene3d>
+      <a:camera prst="orthographicFront"/>
+      <a:lightRig rig="threePt" dir="t"/>
+    </dgm:scene3d>
+    <dgm:txPr/>
+    <dgm:style>
+      <a:lnRef idx="2">
+        <a:scrgbClr r="0" g="0" b="0"/>
+      </a:lnRef>
+      <a:fillRef idx="1">
+        <a:scrgbClr r="0" g="0" b="0"/>
+      </a:fillRef>
+      <a:effectRef idx="0">
+        <a:scrgbClr r="0" g="0" b="0"/>
+      </a:effectRef>
+      <a:fontRef idx="minor">
+        <a:schemeClr val="lt1"/>
+      </a:fontRef>
+    </dgm:style>
+  </dgm:styleLbl>
+  <dgm:styleLbl name="asst0">
+    <dgm:scene3d>
+      <a:camera prst="orthographicFront"/>
+      <a:lightRig rig="threePt" dir="t"/>
+    </dgm:scene3d>
+    <dgm:txPr/>
+    <dgm:style>
+      <a:lnRef idx="2">
+        <a:scrgbClr r="0" g="0" b="0"/>
+      </a:lnRef>
+      <a:fillRef idx="1">
+        <a:scrgbClr r="0" g="0" b="0"/>
+      </a:fillRef>
+      <a:effectRef idx="0">
+        <a:scrgbClr r="0" g="0" b="0"/>
+      </a:effectRef>
+      <a:fontRef idx="minor">
+        <a:schemeClr val="lt1"/>
+      </a:fontRef>
+    </dgm:style>
+  </dgm:styleLbl>
+  <dgm:styleLbl name="asst1">
+    <dgm:scene3d>
+      <a:camera prst="orthographicFront"/>
+      <a:lightRig rig="threePt" dir="t"/>
+    </dgm:scene3d>
+    <dgm:txPr/>
+    <dgm:style>
+      <a:lnRef idx="2">
+        <a:scrgbClr r="0" g="0" b="0"/>
+      </a:lnRef>
+      <a:fillRef idx="1">
+        <a:scrgbClr r="0" g="0" b="0"/>
+      </a:fillRef>
+      <a:effectRef idx="0">
+        <a:scrgbClr r="0" g="0" b="0"/>
+      </a:effectRef>
+      <a:fontRef idx="minor">
+        <a:schemeClr val="lt1"/>
+      </a:fontRef>
+    </dgm:style>
+  </dgm:styleLbl>
+  <dgm:styleLbl name="asst2">
+    <dgm:scene3d>
+      <a:camera prst="orthographicFront"/>
+      <a:lightRig rig="threePt" dir="t"/>
+    </dgm:scene3d>
+    <dgm:txPr/>
+    <dgm:style>
+      <a:lnRef idx="2">
+        <a:scrgbClr r="0" g="0" b="0"/>
+      </a:lnRef>
+      <a:fillRef idx="1">
+        <a:scrgbClr r="0" g="0" b="0"/>
+      </a:fillRef>
+      <a:effectRef idx="0">
+        <a:scrgbClr r="0" g="0" b="0"/>
+      </a:effectRef>
+      <a:fontRef idx="minor">
+        <a:schemeClr val="lt1"/>
+      </a:fontRef>
+    </dgm:style>
+  </dgm:styleLbl>
+  <dgm:styleLbl name="asst3">
+    <dgm:scene3d>
+      <a:camera prst="orthographicFront"/>
+      <a:lightRig rig="threePt" dir="t"/>
+    </dgm:scene3d>
+    <dgm:txPr/>
+    <dgm:style>
+      <a:lnRef idx="2">
+        <a:scrgbClr r="0" g="0" b="0"/>
+      </a:lnRef>
+      <a:fillRef idx="1">
+        <a:scrgbClr r="0" g="0" b="0"/>
+      </a:fillRef>
+      <a:effectRef idx="0">
+        <a:scrgbClr r="0" g="0" b="0"/>
+      </a:effectRef>
+      <a:fontRef idx="minor">
+        <a:schemeClr val="lt1"/>
+      </a:fontRef>
+    </dgm:style>
+  </dgm:styleLbl>
+  <dgm:styleLbl name="asst4">
+    <dgm:scene3d>
+      <a:camera prst="orthographicFront"/>
+      <a:lightRig rig="threePt" dir="t"/>
+    </dgm:scene3d>
+    <dgm:txPr/>
+    <dgm:style>
+      <a:lnRef idx="2">
+        <a:scrgbClr r="0" g="0" b="0"/>
+      </a:lnRef>
+      <a:fillRef idx="1">
+        <a:scrgbClr r="0" g="0" b="0"/>
+      </a:fillRef>
+      <a:effectRef idx="0">
+        <a:scrgbClr r="0" g="0" b="0"/>
+      </a:effectRef>
+      <a:fontRef idx="minor">
+        <a:schemeClr val="lt1"/>
+      </a:fontRef>
+    </dgm:style>
+  </dgm:styleLbl>
+  <dgm:styleLbl name="bgAcc1">
+    <dgm:scene3d>
+      <a:camera prst="orthographicFront"/>
+      <a:lightRig rig="threePt" dir="t"/>
+    </dgm:scene3d>
+    <dgm:txPr/>
+    <dgm:style>
+      <a:lnRef idx="2">
+        <a:scrgbClr r="0" g="0" b="0"/>
+      </a:lnRef>
+      <a:fillRef idx="1">
+        <a:scrgbClr r="0" g="0" b="0"/>
+      </a:fillRef>
+      <a:effectRef idx="0">
+        <a:scrgbClr r="0" g="0" b="0"/>
+      </a:effectRef>
+      <a:fontRef idx="minor"/>
+    </dgm:style>
+  </dgm:styleLbl>
+  <dgm:styleLbl name="bgAccFollowNode1">
+    <dgm:scene3d>
+      <a:camera prst="orthographicFront"/>
+      <a:lightRig rig="threePt" dir="t"/>
+    </dgm:scene3d>
+    <dgm:txPr/>
+    <dgm:style>
+      <a:lnRef idx="2">
+        <a:scrgbClr r="0" g="0" b="0"/>
+      </a:lnRef>
+      <a:fillRef idx="1">
+        <a:scrgbClr r="0" g="0" b="0"/>
+      </a:fillRef>
+      <a:effectRef idx="0">
+        <a:scrgbClr r="0" g="0" b="0"/>
+      </a:effectRef>
+      <a:fontRef idx="minor"/>
+    </dgm:style>
+  </dgm:styleLbl>
+  <dgm:styleLbl name="bgImgPlace1">
+    <dgm:scene3d>
+      <a:camera prst="orthographicFront"/>
+      <a:lightRig rig="threePt" dir="t"/>
+    </dgm:scene3d>
+    <dgm:txPr/>
+    <dgm:style>
+      <a:lnRef idx="2">
+        <a:scrgbClr r="0" g="0" b="0"/>
+      </a:lnRef>
+      <a:fillRef idx="1">
+        <a:scrgbClr r="0" g="0" b="0"/>
+      </a:fillRef>
+      <a:effectRef idx="0">
+        <a:scrgbClr r="0" g="0" b="0"/>
+      </a:effectRef>
+      <a:fontRef idx="minor"/>
+    </dgm:style>
+  </dgm:styleLbl>
+  <dgm:styleLbl name="bgShp">
+    <dgm:scene3d>
+      <a:camera prst="orthographicFront"/>
+      <a:lightRig rig="threePt" dir="t"/>
+    </dgm:scene3d>
+    <dgm:txPr/>
+    <dgm:style>
+      <a:lnRef idx="0">
+        <a:scrgbClr r="0" g="0" b="0"/>
+      </a:lnRef>
+      <a:fillRef idx="1">
+        <a:scrgbClr r="0" g="0" b="0"/>
+      </a:fillRef>
+      <a:effectRef idx="0">
+        <a:scrgbClr r="0" g="0" b="0"/>
+      </a:effectRef>
+      <a:fontRef idx="minor"/>
+    </dgm:style>
+  </dgm:styleLbl>
+  <dgm:styleLbl name="bgSibTrans2D1">
+    <dgm:scene3d>
+      <a:camera prst="orthographicFront"/>
+      <a:lightRig rig="threePt" dir="t"/>
+    </dgm:scene3d>
+    <dgm:txPr/>
+    <dgm:style>
+      <a:lnRef idx="0">
+        <a:scrgbClr r="0" g="0" b="0"/>
+      </a:lnRef>
+      <a:fillRef idx="1">
+        <a:scrgbClr r="0" g="0" b="0"/>
+      </a:fillRef>
+      <a:effectRef idx="0">
+        <a:scrgbClr r="0" g="0" b="0"/>
+      </a:effectRef>
+      <a:fontRef idx="minor">
+        <a:schemeClr val="lt1"/>
+      </a:fontRef>
+    </dgm:style>
+  </dgm:styleLbl>
+  <dgm:styleLbl name="callout">
+    <dgm:scene3d>
+      <a:camera prst="orthographicFront"/>
+      <a:lightRig rig="threePt" dir="t"/>
+    </dgm:scene3d>
+    <dgm:txPr/>
+    <dgm:style>
+      <a:lnRef idx="2">
+        <a:scrgbClr r="0" g="0" b="0"/>
+      </a:lnRef>
+      <a:fillRef idx="1">
+        <a:scrgbClr r="0" g="0" b="0"/>
+      </a:fillRef>
+      <a:effectRef idx="0">
+        <a:scrgbClr r="0" g="0" b="0"/>
+      </a:effectRef>
+      <a:fontRef idx="minor"/>
+    </dgm:style>
+  </dgm:styleLbl>
+  <dgm:styleLbl name="conFgAcc1">
+    <dgm:scene3d>
+      <a:camera prst="orthographicFront"/>
+      <a:lightRig rig="threePt" dir="t"/>
+    </dgm:scene3d>
+    <dgm:txPr/>
+    <dgm:style>
+      <a:lnRef idx="2">
+        <a:scrgbClr r="0" g="0" b="0"/>
+      </a:lnRef>
+      <a:fillRef idx="1">
+        <a:scrgbClr r="0" g="0" b="0"/>
+      </a:fillRef>
+      <a:effectRef idx="0">
+        <a:scrgbClr r="0" g="0" b="0"/>
+      </a:effectRef>
+      <a:fontRef idx="minor"/>
+    </dgm:style>
+  </dgm:styleLbl>
+  <dgm:styleLbl name="dkBgShp">
+    <dgm:scene3d>
+      <a:camera prst="orthographicFront"/>
+      <a:lightRig rig="threePt" dir="t"/>
+    </dgm:scene3d>
+    <dgm:txPr/>
+    <dgm:style>
+      <a:lnRef idx="0">
+        <a:scrgbClr r="0" g="0" b="0"/>
+      </a:lnRef>
+      <a:fillRef idx="1">
+        <a:scrgbClr r="0" g="0" b="0"/>
+      </a:fillRef>
+      <a:effectRef idx="0">
+        <a:scrgbClr r="0" g="0" b="0"/>
+      </a:effectRef>
+      <a:fontRef idx="minor"/>
+    </dgm:style>
+  </dgm:styleLbl>
+  <dgm:styleLbl name="fgAcc0">
+    <dgm:scene3d>
+      <a:camera prst="orthographicFront"/>
+      <a:lightRig rig="threePt" dir="t"/>
+    </dgm:scene3d>
+    <dgm:txPr/>
+    <dgm:style>
+      <a:lnRef idx="2">
+        <a:scrgbClr r="0" g="0" b="0"/>
+      </a:lnRef>
+      <a:fillRef idx="1">
+        <a:scrgbClr r="0" g="0" b="0"/>
+      </a:fillRef>
+      <a:effectRef idx="0">
+        <a:scrgbClr r="0" g="0" b="0"/>
+      </a:effectRef>
+      <a:fontRef idx="minor"/>
+    </dgm:style>
+  </dgm:styleLbl>
+  <dgm:styleLbl name="fgAcc1">
+    <dgm:scene3d>
+      <a:camera prst="orthographicFront"/>
+      <a:lightRig rig="threePt" dir="t"/>
+    </dgm:scene3d>
+    <dgm:txPr/>
+    <dgm:style>
+      <a:lnRef idx="2">
+        <a:scrgbClr r="0" g="0" b="0"/>
+      </a:lnRef>
+      <a:fillRef idx="1">
+        <a:scrgbClr r="0" g="0" b="0"/>
+      </a:fillRef>
+      <a:effectRef idx="0">
+        <a:scrgbClr r="0" g="0" b="0"/>
+      </a:effectRef>
+      <a:fontRef idx="minor"/>
+    </dgm:style>
+  </dgm:styleLbl>
+  <dgm:styleLbl name="fgAcc2">
+    <dgm:scene3d>
+      <a:camera prst="orthographicFront"/>
+      <a:lightRig rig="threePt" dir="t"/>
+    </dgm:scene3d>
+    <dgm:txPr/>
+    <dgm:style>
+      <a:lnRef idx="2">
+        <a:scrgbClr r="0" g="0" b="0"/>
+      </a:lnRef>
+      <a:fillRef idx="1">
+        <a:scrgbClr r="0" g="0" b="0"/>
+      </a:fillRef>
+      <a:effectRef idx="0">
+        <a:scrgbClr r="0" g="0" b="0"/>
+      </a:effectRef>
+      <a:fontRef idx="minor"/>
+    </dgm:style>
+  </dgm:styleLbl>
+  <dgm:styleLbl name="fgAcc3">
+    <dgm:scene3d>
+      <a:camera prst="orthographicFront"/>
+      <a:lightRig rig="threePt" dir="t"/>
+    </dgm:scene3d>
+    <dgm:txPr/>
+    <dgm:style>
+      <a:lnRef idx="2">
+        <a:scrgbClr r="0" g="0" b="0"/>
+      </a:lnRef>
+      <a:fillRef idx="1">
+        <a:scrgbClr r="0" g="0" b="0"/>
+      </a:fillRef>
+      <a:effectRef idx="0">
+        <a:scrgbClr r="0" g="0" b="0"/>
+      </a:effectRef>
+      <a:fontRef idx="minor"/>
+    </dgm:style>
+  </dgm:styleLbl>
+  <dgm:styleLbl name="fgAcc4">
+    <dgm:scene3d>
+      <a:camera prst="orthographicFront"/>
+      <a:lightRig rig="threePt" dir="t"/>
+    </dgm:scene3d>
+    <dgm:txPr/>
+    <dgm:style>
+      <a:lnRef idx="2">
+        <a:scrgbClr r="0" g="0" b="0"/>
+      </a:lnRef>
+      <a:fillRef idx="1">
+        <a:scrgbClr r="0" g="0" b="0"/>
+      </a:fillRef>
+      <a:effectRef idx="0">
+        <a:scrgbClr r="0" g="0" b="0"/>
+      </a:effectRef>
+      <a:fontRef idx="minor"/>
+    </dgm:style>
+  </dgm:styleLbl>
+  <dgm:styleLbl name="fgAccFollowNode1">
+    <dgm:scene3d>
+      <a:camera prst="orthographicFront"/>
+      <a:lightRig rig="threePt" dir="t"/>
+    </dgm:scene3d>
+    <dgm:txPr/>
+    <dgm:style>
+      <a:lnRef idx="2">
+        <a:scrgbClr r="0" g="0" b="0"/>
+      </a:lnRef>
+      <a:fillRef idx="1">
+        <a:scrgbClr r="0" g="0" b="0"/>
+      </a:fillRef>
+      <a:effectRef idx="0">
+        <a:scrgbClr r="0" g="0" b="0"/>
+      </a:effectRef>
+      <a:fontRef idx="minor"/>
+    </dgm:style>
+  </dgm:styleLbl>
+  <dgm:styleLbl name="fgImgPlace1">
+    <dgm:scene3d>
+      <a:camera prst="orthographicFront"/>
+      <a:lightRig rig="threePt" dir="t"/>
+    </dgm:scene3d>
+    <dgm:txPr/>
+    <dgm:style>
+      <a:lnRef idx="2">
+        <a:scrgbClr r="0" g="0" b="0"/>
+      </a:lnRef>
+      <a:fillRef idx="1">
+        <a:scrgbClr r="0" g="0" b="0"/>
+      </a:fillRef>
+      <a:effectRef idx="0">
+        <a:scrgbClr r="0" g="0" b="0"/>
+      </a:effectRef>
+      <a:fontRef idx="minor"/>
+    </dgm:style>
+  </dgm:styleLbl>
+  <dgm:styleLbl name="fgShp">
+    <dgm:scene3d>
+      <a:camera prst="orthographicFront"/>
+      <a:lightRig rig="threePt" dir="t"/>
+    </dgm:scene3d>
+    <dgm:txPr/>
+    <dgm:style>
+      <a:lnRef idx="2">
+        <a:scrgbClr r="0" g="0" b="0"/>
+      </a:lnRef>
+      <a:fillRef idx="1">
+        <a:scrgbClr r="0" g="0" b="0"/>
+      </a:fillRef>
+      <a:effectRef idx="0">
+        <a:scrgbClr r="0" g="0" b="0"/>
+      </a:effectRef>
+      <a:fontRef idx="minor"/>
+    </dgm:style>
+  </dgm:styleLbl>
+  <dgm:styleLbl name="fgSibTrans2D1">
+    <dgm:scene3d>
+      <a:camera prst="orthographicFront"/>
+      <a:lightRig rig="threePt" dir="t"/>
+    </dgm:scene3d>
+    <dgm:txPr/>
+    <dgm:style>
+      <a:lnRef idx="0">
         <a:scrgbClr r="0" g="0" b="0"/>
       </a:lnRef>
       <a:fillRef idx="1">
@@ -4730,7 +5212,6 @@
       <a:camera prst="orthographicFront"/>
       <a:lightRig rig="threePt" dir="t"/>
     </dgm:scene3d>
-    <dgm:sp3d/>
     <dgm:txPr/>
     <dgm:style>
       <a:lnRef idx="2">
@@ -4747,34 +5228,11 @@
       </a:fontRef>
     </dgm:style>
   </dgm:styleLbl>
-  <dgm:styleLbl name="vennNode1">
+  <dgm:styleLbl name="node0">
     <dgm:scene3d>
       <a:camera prst="orthographicFront"/>
       <a:lightRig rig="threePt" dir="t"/>
     </dgm:scene3d>
-    <dgm:sp3d/>
-    <dgm:txPr/>
-    <dgm:style>
-      <a:lnRef idx="2">
-        <a:scrgbClr r="0" g="0" b="0"/>
-      </a:lnRef>
-      <a:fillRef idx="1">
-        <a:scrgbClr r="0" g="0" b="0"/>
-      </a:fillRef>
-      <a:effectRef idx="0">
-        <a:scrgbClr r="0" g="0" b="0"/>
-      </a:effectRef>
-      <a:fontRef idx="minor">
-        <a:schemeClr val="tx1"/>
-      </a:fontRef>
-    </dgm:style>
-  </dgm:styleLbl>
-  <dgm:styleLbl name="alignNode1">
-    <dgm:scene3d>
-      <a:camera prst="orthographicFront"/>
-      <a:lightRig rig="threePt" dir="t"/>
-    </dgm:scene3d>
-    <dgm:sp3d/>
     <dgm:txPr/>
     <dgm:style>
       <a:lnRef idx="2">
@@ -4796,7 +5254,6 @@
       <a:camera prst="orthographicFront"/>
       <a:lightRig rig="threePt" dir="t"/>
     </dgm:scene3d>
-    <dgm:sp3d/>
     <dgm:txPr/>
     <dgm:style>
       <a:lnRef idx="2">
@@ -4818,7 +5275,6 @@
       <a:camera prst="orthographicFront"/>
       <a:lightRig rig="threePt" dir="t"/>
     </dgm:scene3d>
-    <dgm:sp3d/>
     <dgm:txPr/>
     <dgm:style>
       <a:lnRef idx="2">
@@ -4840,7 +5296,6 @@
       <a:camera prst="orthographicFront"/>
       <a:lightRig rig="threePt" dir="t"/>
     </dgm:scene3d>
-    <dgm:sp3d/>
     <dgm:txPr/>
     <dgm:style>
       <a:lnRef idx="2">
@@ -4862,7 +5317,6 @@
       <a:camera prst="orthographicFront"/>
       <a:lightRig rig="threePt" dir="t"/>
     </dgm:scene3d>
-    <dgm:sp3d/>
     <dgm:txPr/>
     <dgm:style>
       <a:lnRef idx="2">
@@ -4879,141 +5333,14 @@
       </a:fontRef>
     </dgm:style>
   </dgm:styleLbl>
-  <dgm:styleLbl name="fgImgPlace1">
+  <dgm:styleLbl name="parChTrans1D1">
     <dgm:scene3d>
       <a:camera prst="orthographicFront"/>
       <a:lightRig rig="threePt" dir="t"/>
     </dgm:scene3d>
-    <dgm:sp3d/>
     <dgm:txPr/>
     <dgm:style>
       <a:lnRef idx="2">
-        <a:scrgbClr r="0" g="0" b="0"/>
-      </a:lnRef>
-      <a:fillRef idx="1">
-        <a:scrgbClr r="0" g="0" b="0"/>
-      </a:fillRef>
-      <a:effectRef idx="0">
-        <a:scrgbClr r="0" g="0" b="0"/>
-      </a:effectRef>
-      <a:fontRef idx="minor"/>
-    </dgm:style>
-  </dgm:styleLbl>
-  <dgm:styleLbl name="alignImgPlace1">
-    <dgm:scene3d>
-      <a:camera prst="orthographicFront"/>
-      <a:lightRig rig="threePt" dir="t"/>
-    </dgm:scene3d>
-    <dgm:sp3d/>
-    <dgm:txPr/>
-    <dgm:style>
-      <a:lnRef idx="2">
-        <a:scrgbClr r="0" g="0" b="0"/>
-      </a:lnRef>
-      <a:fillRef idx="1">
-        <a:scrgbClr r="0" g="0" b="0"/>
-      </a:fillRef>
-      <a:effectRef idx="0">
-        <a:scrgbClr r="0" g="0" b="0"/>
-      </a:effectRef>
-      <a:fontRef idx="minor"/>
-    </dgm:style>
-  </dgm:styleLbl>
-  <dgm:styleLbl name="bgImgPlace1">
-    <dgm:scene3d>
-      <a:camera prst="orthographicFront"/>
-      <a:lightRig rig="threePt" dir="t"/>
-    </dgm:scene3d>
-    <dgm:sp3d/>
-    <dgm:txPr/>
-    <dgm:style>
-      <a:lnRef idx="2">
-        <a:scrgbClr r="0" g="0" b="0"/>
-      </a:lnRef>
-      <a:fillRef idx="1">
-        <a:scrgbClr r="0" g="0" b="0"/>
-      </a:fillRef>
-      <a:effectRef idx="0">
-        <a:scrgbClr r="0" g="0" b="0"/>
-      </a:effectRef>
-      <a:fontRef idx="minor"/>
-    </dgm:style>
-  </dgm:styleLbl>
-  <dgm:styleLbl name="sibTrans2D1">
-    <dgm:scene3d>
-      <a:camera prst="orthographicFront"/>
-      <a:lightRig rig="threePt" dir="t"/>
-    </dgm:scene3d>
-    <dgm:sp3d/>
-    <dgm:txPr/>
-    <dgm:style>
-      <a:lnRef idx="0">
-        <a:scrgbClr r="0" g="0" b="0"/>
-      </a:lnRef>
-      <a:fillRef idx="1">
-        <a:scrgbClr r="0" g="0" b="0"/>
-      </a:fillRef>
-      <a:effectRef idx="0">
-        <a:scrgbClr r="0" g="0" b="0"/>
-      </a:effectRef>
-      <a:fontRef idx="minor">
-        <a:schemeClr val="lt1"/>
-      </a:fontRef>
-    </dgm:style>
-  </dgm:styleLbl>
-  <dgm:styleLbl name="fgSibTrans2D1">
-    <dgm:scene3d>
-      <a:camera prst="orthographicFront"/>
-      <a:lightRig rig="threePt" dir="t"/>
-    </dgm:scene3d>
-    <dgm:sp3d/>
-    <dgm:txPr/>
-    <dgm:style>
-      <a:lnRef idx="0">
-        <a:scrgbClr r="0" g="0" b="0"/>
-      </a:lnRef>
-      <a:fillRef idx="1">
-        <a:scrgbClr r="0" g="0" b="0"/>
-      </a:fillRef>
-      <a:effectRef idx="0">
-        <a:scrgbClr r="0" g="0" b="0"/>
-      </a:effectRef>
-      <a:fontRef idx="minor">
-        <a:schemeClr val="lt1"/>
-      </a:fontRef>
-    </dgm:style>
-  </dgm:styleLbl>
-  <dgm:styleLbl name="bgSibTrans2D1">
-    <dgm:scene3d>
-      <a:camera prst="orthographicFront"/>
-      <a:lightRig rig="threePt" dir="t"/>
-    </dgm:scene3d>
-    <dgm:sp3d/>
-    <dgm:txPr/>
-    <dgm:style>
-      <a:lnRef idx="0">
-        <a:scrgbClr r="0" g="0" b="0"/>
-      </a:lnRef>
-      <a:fillRef idx="1">
-        <a:scrgbClr r="0" g="0" b="0"/>
-      </a:fillRef>
-      <a:effectRef idx="0">
-        <a:scrgbClr r="0" g="0" b="0"/>
-      </a:effectRef>
-      <a:fontRef idx="minor">
-        <a:schemeClr val="lt1"/>
-      </a:fontRef>
-    </dgm:style>
-  </dgm:styleLbl>
-  <dgm:styleLbl name="sibTrans1D1">
-    <dgm:scene3d>
-      <a:camera prst="orthographicFront"/>
-      <a:lightRig rig="threePt" dir="t"/>
-    </dgm:scene3d>
-    <dgm:sp3d/>
-    <dgm:txPr/>
-    <dgm:style>
-      <a:lnRef idx="1">
         <a:scrgbClr r="0" g="0" b="0"/>
       </a:lnRef>
       <a:fillRef idx="0">
@@ -5025,18 +5352,17 @@
       <a:fontRef idx="minor"/>
     </dgm:style>
   </dgm:styleLbl>
-  <dgm:styleLbl name="callout">
+  <dgm:styleLbl name="parChTrans1D2">
     <dgm:scene3d>
       <a:camera prst="orthographicFront"/>
       <a:lightRig rig="threePt" dir="t"/>
     </dgm:scene3d>
-    <dgm:sp3d/>
     <dgm:txPr/>
     <dgm:style>
       <a:lnRef idx="2">
         <a:scrgbClr r="0" g="0" b="0"/>
       </a:lnRef>
-      <a:fillRef idx="1">
+      <a:fillRef idx="0">
         <a:scrgbClr r="0" g="0" b="0"/>
       </a:fillRef>
       <a:effectRef idx="0">
@@ -5045,114 +5371,42 @@
       <a:fontRef idx="minor"/>
     </dgm:style>
   </dgm:styleLbl>
-  <dgm:styleLbl name="asst0">
+  <dgm:styleLbl name="parChTrans1D3">
     <dgm:scene3d>
       <a:camera prst="orthographicFront"/>
       <a:lightRig rig="threePt" dir="t"/>
     </dgm:scene3d>
-    <dgm:sp3d/>
     <dgm:txPr/>
     <dgm:style>
       <a:lnRef idx="2">
         <a:scrgbClr r="0" g="0" b="0"/>
       </a:lnRef>
-      <a:fillRef idx="1">
+      <a:fillRef idx="0">
         <a:scrgbClr r="0" g="0" b="0"/>
       </a:fillRef>
       <a:effectRef idx="0">
         <a:scrgbClr r="0" g="0" b="0"/>
       </a:effectRef>
-      <a:fontRef idx="minor">
-        <a:schemeClr val="lt1"/>
-      </a:fontRef>
+      <a:fontRef idx="minor"/>
     </dgm:style>
   </dgm:styleLbl>
-  <dgm:styleLbl name="asst1">
+  <dgm:styleLbl name="parChTrans1D4">
     <dgm:scene3d>
       <a:camera prst="orthographicFront"/>
       <a:lightRig rig="threePt" dir="t"/>
     </dgm:scene3d>
-    <dgm:sp3d/>
     <dgm:txPr/>
     <dgm:style>
       <a:lnRef idx="2">
         <a:scrgbClr r="0" g="0" b="0"/>
       </a:lnRef>
-      <a:fillRef idx="1">
+      <a:fillRef idx="0">
         <a:scrgbClr r="0" g="0" b="0"/>
       </a:fillRef>
       <a:effectRef idx="0">
         <a:scrgbClr r="0" g="0" b="0"/>
       </a:effectRef>
-      <a:fontRef idx="minor">
-        <a:schemeClr val="lt1"/>
-      </a:fontRef>
-    </dgm:style>
-  </dgm:styleLbl>
-  <dgm:styleLbl name="asst2">
-    <dgm:scene3d>
-      <a:camera prst="orthographicFront"/>
-      <a:lightRig rig="threePt" dir="t"/>
-    </dgm:scene3d>
-    <dgm:sp3d/>
-    <dgm:txPr/>
-    <dgm:style>
-      <a:lnRef idx="2">
-        <a:scrgbClr r="0" g="0" b="0"/>
-      </a:lnRef>
-      <a:fillRef idx="1">
-        <a:scrgbClr r="0" g="0" b="0"/>
-      </a:fillRef>
-      <a:effectRef idx="0">
-        <a:scrgbClr r="0" g="0" b="0"/>
-      </a:effectRef>
-      <a:fontRef idx="minor">
-        <a:schemeClr val="lt1"/>
-      </a:fontRef>
-    </dgm:style>
-  </dgm:styleLbl>
-  <dgm:styleLbl name="asst3">
-    <dgm:scene3d>
-      <a:camera prst="orthographicFront"/>
-      <a:lightRig rig="threePt" dir="t"/>
-    </dgm:scene3d>
-    <dgm:sp3d/>
-    <dgm:txPr/>
-    <dgm:style>
-      <a:lnRef idx="2">
-        <a:scrgbClr r="0" g="0" b="0"/>
-      </a:lnRef>
-      <a:fillRef idx="1">
-        <a:scrgbClr r="0" g="0" b="0"/>
-      </a:fillRef>
-      <a:effectRef idx="0">
-        <a:scrgbClr r="0" g="0" b="0"/>
-      </a:effectRef>
-      <a:fontRef idx="minor">
-        <a:schemeClr val="lt1"/>
-      </a:fontRef>
-    </dgm:style>
-  </dgm:styleLbl>
-  <dgm:styleLbl name="asst4">
-    <dgm:scene3d>
-      <a:camera prst="orthographicFront"/>
-      <a:lightRig rig="threePt" dir="t"/>
-    </dgm:scene3d>
-    <dgm:sp3d/>
-    <dgm:txPr/>
-    <dgm:style>
-      <a:lnRef idx="2">
-        <a:scrgbClr r="0" g="0" b="0"/>
-      </a:lnRef>
-      <a:fillRef idx="1">
-        <a:scrgbClr r="0" g="0" b="0"/>
-      </a:fillRef>
-      <a:effectRef idx="0">
-        <a:scrgbClr r="0" g="0" b="0"/>
-      </a:effectRef>
-      <a:fontRef idx="minor">
-        <a:schemeClr val="lt1"/>
-      </a:fontRef>
+      <a:fontRef idx="minor"/>
     </dgm:style>
   </dgm:styleLbl>
   <dgm:styleLbl name="parChTrans2D1">
@@ -5160,7 +5414,6 @@
       <a:camera prst="orthographicFront"/>
       <a:lightRig rig="threePt" dir="t"/>
     </dgm:scene3d>
-    <dgm:sp3d/>
     <dgm:txPr/>
     <dgm:style>
       <a:lnRef idx="2">
@@ -5182,7 +5435,6 @@
       <a:camera prst="orthographicFront"/>
       <a:lightRig rig="threePt" dir="t"/>
     </dgm:scene3d>
-    <dgm:sp3d/>
     <dgm:txPr/>
     <dgm:style>
       <a:lnRef idx="2">
@@ -5204,7 +5456,6 @@
       <a:camera prst="orthographicFront"/>
       <a:lightRig rig="threePt" dir="t"/>
     </dgm:scene3d>
-    <dgm:sp3d/>
     <dgm:txPr/>
     <dgm:style>
       <a:lnRef idx="2">
@@ -5226,7 +5477,6 @@
       <a:camera prst="orthographicFront"/>
       <a:lightRig rig="threePt" dir="t"/>
     </dgm:scene3d>
-    <dgm:sp3d/>
     <dgm:txPr/>
     <dgm:style>
       <a:lnRef idx="2">
@@ -5243,15 +5493,14 @@
       </a:fontRef>
     </dgm:style>
   </dgm:styleLbl>
-  <dgm:styleLbl name="parChTrans1D1">
+  <dgm:styleLbl name="revTx">
     <dgm:scene3d>
       <a:camera prst="orthographicFront"/>
       <a:lightRig rig="threePt" dir="t"/>
     </dgm:scene3d>
-    <dgm:sp3d/>
     <dgm:txPr/>
     <dgm:style>
-      <a:lnRef idx="2">
+      <a:lnRef idx="0">
         <a:scrgbClr r="0" g="0" b="0"/>
       </a:lnRef>
       <a:fillRef idx="0">
@@ -5263,15 +5512,14 @@
       <a:fontRef idx="minor"/>
     </dgm:style>
   </dgm:styleLbl>
-  <dgm:styleLbl name="parChTrans1D2">
+  <dgm:styleLbl name="sibTrans1D1">
     <dgm:scene3d>
       <a:camera prst="orthographicFront"/>
       <a:lightRig rig="threePt" dir="t"/>
     </dgm:scene3d>
-    <dgm:sp3d/>
     <dgm:txPr/>
     <dgm:style>
-      <a:lnRef idx="2">
+      <a:lnRef idx="1">
         <a:scrgbClr r="0" g="0" b="0"/>
       </a:lnRef>
       <a:fillRef idx="0">
@@ -5283,52 +5531,32 @@
       <a:fontRef idx="minor"/>
     </dgm:style>
   </dgm:styleLbl>
-  <dgm:styleLbl name="parChTrans1D3">
+  <dgm:styleLbl name="sibTrans2D1">
     <dgm:scene3d>
       <a:camera prst="orthographicFront"/>
       <a:lightRig rig="threePt" dir="t"/>
     </dgm:scene3d>
-    <dgm:sp3d/>
     <dgm:txPr/>
     <dgm:style>
-      <a:lnRef idx="2">
+      <a:lnRef idx="0">
         <a:scrgbClr r="0" g="0" b="0"/>
       </a:lnRef>
-      <a:fillRef idx="0">
+      <a:fillRef idx="1">
         <a:scrgbClr r="0" g="0" b="0"/>
       </a:fillRef>
       <a:effectRef idx="0">
         <a:scrgbClr r="0" g="0" b="0"/>
       </a:effectRef>
-      <a:fontRef idx="minor"/>
+      <a:fontRef idx="minor">
+        <a:schemeClr val="lt1"/>
+      </a:fontRef>
     </dgm:style>
   </dgm:styleLbl>
-  <dgm:styleLbl name="parChTrans1D4">
+  <dgm:styleLbl name="solidAlignAcc1">
     <dgm:scene3d>
       <a:camera prst="orthographicFront"/>
       <a:lightRig rig="threePt" dir="t"/>
     </dgm:scene3d>
-    <dgm:sp3d/>
-    <dgm:txPr/>
-    <dgm:style>
-      <a:lnRef idx="2">
-        <a:scrgbClr r="0" g="0" b="0"/>
-      </a:lnRef>
-      <a:fillRef idx="0">
-        <a:scrgbClr r="0" g="0" b="0"/>
-      </a:fillRef>
-      <a:effectRef idx="0">
-        <a:scrgbClr r="0" g="0" b="0"/>
-      </a:effectRef>
-      <a:fontRef idx="minor"/>
-    </dgm:style>
-  </dgm:styleLbl>
-  <dgm:styleLbl name="fgAcc1">
-    <dgm:scene3d>
-      <a:camera prst="orthographicFront"/>
-      <a:lightRig rig="threePt" dir="t"/>
-    </dgm:scene3d>
-    <dgm:sp3d/>
     <dgm:txPr/>
     <dgm:style>
       <a:lnRef idx="2">
@@ -5343,12 +5571,11 @@
       <a:fontRef idx="minor"/>
     </dgm:style>
   </dgm:styleLbl>
-  <dgm:styleLbl name="conFgAcc1">
+  <dgm:styleLbl name="solidBgAcc1">
     <dgm:scene3d>
       <a:camera prst="orthographicFront"/>
       <a:lightRig rig="threePt" dir="t"/>
     </dgm:scene3d>
-    <dgm:sp3d/>
     <dgm:txPr/>
     <dgm:style>
       <a:lnRef idx="2">
@@ -5363,12 +5590,11 @@
       <a:fontRef idx="minor"/>
     </dgm:style>
   </dgm:styleLbl>
-  <dgm:styleLbl name="alignAcc1">
+  <dgm:styleLbl name="solidFgAcc1">
     <dgm:scene3d>
       <a:camera prst="orthographicFront"/>
       <a:lightRig rig="threePt" dir="t"/>
     </dgm:scene3d>
-    <dgm:sp3d/>
     <dgm:txPr/>
     <dgm:style>
       <a:lnRef idx="2">
@@ -5388,270 +5614,9 @@
       <a:camera prst="orthographicFront"/>
       <a:lightRig rig="threePt" dir="t"/>
     </dgm:scene3d>
-    <dgm:sp3d/>
     <dgm:txPr/>
     <dgm:style>
       <a:lnRef idx="1">
-        <a:scrgbClr r="0" g="0" b="0"/>
-      </a:lnRef>
-      <a:fillRef idx="1">
-        <a:scrgbClr r="0" g="0" b="0"/>
-      </a:fillRef>
-      <a:effectRef idx="0">
-        <a:scrgbClr r="0" g="0" b="0"/>
-      </a:effectRef>
-      <a:fontRef idx="minor"/>
-    </dgm:style>
-  </dgm:styleLbl>
-  <dgm:styleLbl name="bgAcc1">
-    <dgm:scene3d>
-      <a:camera prst="orthographicFront"/>
-      <a:lightRig rig="threePt" dir="t"/>
-    </dgm:scene3d>
-    <dgm:sp3d/>
-    <dgm:txPr/>
-    <dgm:style>
-      <a:lnRef idx="2">
-        <a:scrgbClr r="0" g="0" b="0"/>
-      </a:lnRef>
-      <a:fillRef idx="1">
-        <a:scrgbClr r="0" g="0" b="0"/>
-      </a:fillRef>
-      <a:effectRef idx="0">
-        <a:scrgbClr r="0" g="0" b="0"/>
-      </a:effectRef>
-      <a:fontRef idx="minor"/>
-    </dgm:style>
-  </dgm:styleLbl>
-  <dgm:styleLbl name="solidFgAcc1">
-    <dgm:scene3d>
-      <a:camera prst="orthographicFront"/>
-      <a:lightRig rig="threePt" dir="t"/>
-    </dgm:scene3d>
-    <dgm:sp3d/>
-    <dgm:txPr/>
-    <dgm:style>
-      <a:lnRef idx="2">
-        <a:scrgbClr r="0" g="0" b="0"/>
-      </a:lnRef>
-      <a:fillRef idx="1">
-        <a:scrgbClr r="0" g="0" b="0"/>
-      </a:fillRef>
-      <a:effectRef idx="0">
-        <a:scrgbClr r="0" g="0" b="0"/>
-      </a:effectRef>
-      <a:fontRef idx="minor"/>
-    </dgm:style>
-  </dgm:styleLbl>
-  <dgm:styleLbl name="solidAlignAcc1">
-    <dgm:scene3d>
-      <a:camera prst="orthographicFront"/>
-      <a:lightRig rig="threePt" dir="t"/>
-    </dgm:scene3d>
-    <dgm:sp3d/>
-    <dgm:txPr/>
-    <dgm:style>
-      <a:lnRef idx="2">
-        <a:scrgbClr r="0" g="0" b="0"/>
-      </a:lnRef>
-      <a:fillRef idx="1">
-        <a:scrgbClr r="0" g="0" b="0"/>
-      </a:fillRef>
-      <a:effectRef idx="0">
-        <a:scrgbClr r="0" g="0" b="0"/>
-      </a:effectRef>
-      <a:fontRef idx="minor"/>
-    </dgm:style>
-  </dgm:styleLbl>
-  <dgm:styleLbl name="solidBgAcc1">
-    <dgm:scene3d>
-      <a:camera prst="orthographicFront"/>
-      <a:lightRig rig="threePt" dir="t"/>
-    </dgm:scene3d>
-    <dgm:sp3d/>
-    <dgm:txPr/>
-    <dgm:style>
-      <a:lnRef idx="2">
-        <a:scrgbClr r="0" g="0" b="0"/>
-      </a:lnRef>
-      <a:fillRef idx="1">
-        <a:scrgbClr r="0" g="0" b="0"/>
-      </a:fillRef>
-      <a:effectRef idx="0">
-        <a:scrgbClr r="0" g="0" b="0"/>
-      </a:effectRef>
-      <a:fontRef idx="minor"/>
-    </dgm:style>
-  </dgm:styleLbl>
-  <dgm:styleLbl name="fgAccFollowNode1">
-    <dgm:scene3d>
-      <a:camera prst="orthographicFront"/>
-      <a:lightRig rig="threePt" dir="t"/>
-    </dgm:scene3d>
-    <dgm:sp3d/>
-    <dgm:txPr/>
-    <dgm:style>
-      <a:lnRef idx="2">
-        <a:scrgbClr r="0" g="0" b="0"/>
-      </a:lnRef>
-      <a:fillRef idx="1">
-        <a:scrgbClr r="0" g="0" b="0"/>
-      </a:fillRef>
-      <a:effectRef idx="0">
-        <a:scrgbClr r="0" g="0" b="0"/>
-      </a:effectRef>
-      <a:fontRef idx="minor"/>
-    </dgm:style>
-  </dgm:styleLbl>
-  <dgm:styleLbl name="alignAccFollowNode1">
-    <dgm:scene3d>
-      <a:camera prst="orthographicFront"/>
-      <a:lightRig rig="threePt" dir="t"/>
-    </dgm:scene3d>
-    <dgm:sp3d/>
-    <dgm:txPr/>
-    <dgm:style>
-      <a:lnRef idx="2">
-        <a:scrgbClr r="0" g="0" b="0"/>
-      </a:lnRef>
-      <a:fillRef idx="1">
-        <a:scrgbClr r="0" g="0" b="0"/>
-      </a:fillRef>
-      <a:effectRef idx="0">
-        <a:scrgbClr r="0" g="0" b="0"/>
-      </a:effectRef>
-      <a:fontRef idx="minor"/>
-    </dgm:style>
-  </dgm:styleLbl>
-  <dgm:styleLbl name="bgAccFollowNode1">
-    <dgm:scene3d>
-      <a:camera prst="orthographicFront"/>
-      <a:lightRig rig="threePt" dir="t"/>
-    </dgm:scene3d>
-    <dgm:sp3d/>
-    <dgm:txPr/>
-    <dgm:style>
-      <a:lnRef idx="2">
-        <a:scrgbClr r="0" g="0" b="0"/>
-      </a:lnRef>
-      <a:fillRef idx="1">
-        <a:scrgbClr r="0" g="0" b="0"/>
-      </a:fillRef>
-      <a:effectRef idx="0">
-        <a:scrgbClr r="0" g="0" b="0"/>
-      </a:effectRef>
-      <a:fontRef idx="minor"/>
-    </dgm:style>
-  </dgm:styleLbl>
-  <dgm:styleLbl name="fgAcc0">
-    <dgm:scene3d>
-      <a:camera prst="orthographicFront"/>
-      <a:lightRig rig="threePt" dir="t"/>
-    </dgm:scene3d>
-    <dgm:sp3d/>
-    <dgm:txPr/>
-    <dgm:style>
-      <a:lnRef idx="2">
-        <a:scrgbClr r="0" g="0" b="0"/>
-      </a:lnRef>
-      <a:fillRef idx="1">
-        <a:scrgbClr r="0" g="0" b="0"/>
-      </a:fillRef>
-      <a:effectRef idx="0">
-        <a:scrgbClr r="0" g="0" b="0"/>
-      </a:effectRef>
-      <a:fontRef idx="minor"/>
-    </dgm:style>
-  </dgm:styleLbl>
-  <dgm:styleLbl name="fgAcc2">
-    <dgm:scene3d>
-      <a:camera prst="orthographicFront"/>
-      <a:lightRig rig="threePt" dir="t"/>
-    </dgm:scene3d>
-    <dgm:sp3d/>
-    <dgm:txPr/>
-    <dgm:style>
-      <a:lnRef idx="2">
-        <a:scrgbClr r="0" g="0" b="0"/>
-      </a:lnRef>
-      <a:fillRef idx="1">
-        <a:scrgbClr r="0" g="0" b="0"/>
-      </a:fillRef>
-      <a:effectRef idx="0">
-        <a:scrgbClr r="0" g="0" b="0"/>
-      </a:effectRef>
-      <a:fontRef idx="minor"/>
-    </dgm:style>
-  </dgm:styleLbl>
-  <dgm:styleLbl name="fgAcc3">
-    <dgm:scene3d>
-      <a:camera prst="orthographicFront"/>
-      <a:lightRig rig="threePt" dir="t"/>
-    </dgm:scene3d>
-    <dgm:sp3d/>
-    <dgm:txPr/>
-    <dgm:style>
-      <a:lnRef idx="2">
-        <a:scrgbClr r="0" g="0" b="0"/>
-      </a:lnRef>
-      <a:fillRef idx="1">
-        <a:scrgbClr r="0" g="0" b="0"/>
-      </a:fillRef>
-      <a:effectRef idx="0">
-        <a:scrgbClr r="0" g="0" b="0"/>
-      </a:effectRef>
-      <a:fontRef idx="minor"/>
-    </dgm:style>
-  </dgm:styleLbl>
-  <dgm:styleLbl name="fgAcc4">
-    <dgm:scene3d>
-      <a:camera prst="orthographicFront"/>
-      <a:lightRig rig="threePt" dir="t"/>
-    </dgm:scene3d>
-    <dgm:sp3d/>
-    <dgm:txPr/>
-    <dgm:style>
-      <a:lnRef idx="2">
-        <a:scrgbClr r="0" g="0" b="0"/>
-      </a:lnRef>
-      <a:fillRef idx="1">
-        <a:scrgbClr r="0" g="0" b="0"/>
-      </a:fillRef>
-      <a:effectRef idx="0">
-        <a:scrgbClr r="0" g="0" b="0"/>
-      </a:effectRef>
-      <a:fontRef idx="minor"/>
-    </dgm:style>
-  </dgm:styleLbl>
-  <dgm:styleLbl name="bgShp">
-    <dgm:scene3d>
-      <a:camera prst="orthographicFront"/>
-      <a:lightRig rig="threePt" dir="t"/>
-    </dgm:scene3d>
-    <dgm:sp3d/>
-    <dgm:txPr/>
-    <dgm:style>
-      <a:lnRef idx="0">
-        <a:scrgbClr r="0" g="0" b="0"/>
-      </a:lnRef>
-      <a:fillRef idx="1">
-        <a:scrgbClr r="0" g="0" b="0"/>
-      </a:fillRef>
-      <a:effectRef idx="0">
-        <a:scrgbClr r="0" g="0" b="0"/>
-      </a:effectRef>
-      <a:fontRef idx="minor"/>
-    </dgm:style>
-  </dgm:styleLbl>
-  <dgm:styleLbl name="dkBgShp">
-    <dgm:scene3d>
-      <a:camera prst="orthographicFront"/>
-      <a:lightRig rig="threePt" dir="t"/>
-    </dgm:scene3d>
-    <dgm:sp3d/>
-    <dgm:txPr/>
-    <dgm:style>
-      <a:lnRef idx="0">
         <a:scrgbClr r="0" g="0" b="0"/>
       </a:lnRef>
       <a:fillRef idx="1">
@@ -5668,7 +5633,6 @@
       <a:camera prst="orthographicFront"/>
       <a:lightRig rig="threePt" dir="t"/>
     </dgm:scene3d>
-    <dgm:sp3d/>
     <dgm:txPr/>
     <dgm:style>
       <a:lnRef idx="0">
@@ -5683,12 +5647,11 @@
       <a:fontRef idx="minor"/>
     </dgm:style>
   </dgm:styleLbl>
-  <dgm:styleLbl name="fgShp">
+  <dgm:styleLbl name="vennNode1">
     <dgm:scene3d>
       <a:camera prst="orthographicFront"/>
       <a:lightRig rig="threePt" dir="t"/>
     </dgm:scene3d>
-    <dgm:sp3d/>
     <dgm:txPr/>
     <dgm:style>
       <a:lnRef idx="2">
@@ -5700,27 +5663,9 @@
       <a:effectRef idx="0">
         <a:scrgbClr r="0" g="0" b="0"/>
       </a:effectRef>
-      <a:fontRef idx="minor"/>
-    </dgm:style>
-  </dgm:styleLbl>
-  <dgm:styleLbl name="revTx">
-    <dgm:scene3d>
-      <a:camera prst="orthographicFront"/>
-      <a:lightRig rig="threePt" dir="t"/>
-    </dgm:scene3d>
-    <dgm:sp3d/>
-    <dgm:txPr/>
-    <dgm:style>
-      <a:lnRef idx="0">
-        <a:scrgbClr r="0" g="0" b="0"/>
-      </a:lnRef>
-      <a:fillRef idx="0">
-        <a:scrgbClr r="0" g="0" b="0"/>
-      </a:fillRef>
-      <a:effectRef idx="0">
-        <a:scrgbClr r="0" g="0" b="0"/>
-      </a:effectRef>
-      <a:fontRef idx="minor"/>
+      <a:fontRef idx="minor">
+        <a:schemeClr val="tx1"/>
+      </a:fontRef>
     </dgm:style>
   </dgm:styleLbl>
 </dgm:styleDef>
@@ -5808,7 +5753,6 @@
           <a:p>
             <a:fld id="{EB5F2A4E-D34B-4806-99A1-02910183DDE4}" type="datetimeFigureOut">
               <a:rPr lang="zh-CN" altLang="en-US" smtClean="0"/>
-              <a:t>2019/6/26</a:t>
             </a:fld>
             <a:endParaRPr lang="zh-CN" altLang="en-US"/>
           </a:p>
@@ -5875,6 +5819,7 @@
               <a:rPr lang="zh-CN" altLang="en-US"/>
               <a:t>编辑母版文本样式</a:t>
             </a:r>
+            <a:endParaRPr lang="zh-CN" altLang="en-US"/>
           </a:p>
           <a:p>
             <a:pPr lvl="1"/>
@@ -5882,6 +5827,7 @@
               <a:rPr lang="zh-CN" altLang="en-US"/>
               <a:t>第二级</a:t>
             </a:r>
+            <a:endParaRPr lang="zh-CN" altLang="en-US"/>
           </a:p>
           <a:p>
             <a:pPr lvl="2"/>
@@ -5889,6 +5835,7 @@
               <a:rPr lang="zh-CN" altLang="en-US"/>
               <a:t>第三级</a:t>
             </a:r>
+            <a:endParaRPr lang="zh-CN" altLang="en-US"/>
           </a:p>
           <a:p>
             <a:pPr lvl="3"/>
@@ -5896,6 +5843,7 @@
               <a:rPr lang="zh-CN" altLang="en-US"/>
               <a:t>第四级</a:t>
             </a:r>
+            <a:endParaRPr lang="zh-CN" altLang="en-US"/>
           </a:p>
           <a:p>
             <a:pPr lvl="4"/>
@@ -5903,6 +5851,7 @@
               <a:rPr lang="zh-CN" altLang="en-US"/>
               <a:t>第五级</a:t>
             </a:r>
+            <a:endParaRPr lang="zh-CN" altLang="en-US"/>
           </a:p>
         </p:txBody>
       </p:sp>
@@ -5966,7 +5915,6 @@
           <a:p>
             <a:fld id="{FD1E3519-AA41-4C8F-81B1-98F81BDCD14B}" type="slidenum">
               <a:rPr lang="zh-CN" altLang="en-US" smtClean="0"/>
-              <a:t>‹#›</a:t>
             </a:fld>
             <a:endParaRPr lang="zh-CN" altLang="en-US"/>
           </a:p>
@@ -6070,8 +6018,96 @@
 </p:notesMaster>
 </file>
 
+<file path=ppt/notesSlides/notesSlide1.xml><?xml version="1.0" encoding="utf-8"?>
+<p:notes xmlns:a="http://schemas.openxmlformats.org/drawingml/2006/main" xmlns:r="http://schemas.openxmlformats.org/officeDocument/2006/relationships" xmlns:p="http://schemas.openxmlformats.org/presentationml/2006/main">
+  <p:cSld>
+    <p:spTree>
+      <p:nvGrpSpPr>
+        <p:cNvPr id="1" name=""/>
+        <p:cNvGrpSpPr/>
+        <p:nvPr/>
+      </p:nvGrpSpPr>
+      <p:grpSpPr/>
+      <p:sp>
+        <p:nvSpPr>
+          <p:cNvPr id="2" name="幻灯片图像占位符 1"/>
+          <p:cNvSpPr/>
+          <p:nvPr>
+            <p:ph type="sldImg" idx="2"/>
+          </p:nvPr>
+        </p:nvSpPr>
+        <p:spPr/>
+      </p:sp>
+      <p:sp>
+        <p:nvSpPr>
+          <p:cNvPr id="3" name="文本占位符 2"/>
+          <p:cNvSpPr/>
+          <p:nvPr>
+            <p:ph type="body" idx="3"/>
+          </p:nvPr>
+        </p:nvSpPr>
+        <p:spPr/>
+        <p:txBody>
+          <a:bodyPr/>
+          <a:p>
+            <a:endParaRPr lang="zh-CN" altLang="en-US"/>
+          </a:p>
+        </p:txBody>
+      </p:sp>
+    </p:spTree>
+  </p:cSld>
+  <p:clrMapOvr>
+    <a:masterClrMapping/>
+  </p:clrMapOvr>
+</p:notes>
+</file>
+
+<file path=ppt/notesSlides/notesSlide2.xml><?xml version="1.0" encoding="utf-8"?>
+<p:notes xmlns:a="http://schemas.openxmlformats.org/drawingml/2006/main" xmlns:r="http://schemas.openxmlformats.org/officeDocument/2006/relationships" xmlns:p="http://schemas.openxmlformats.org/presentationml/2006/main">
+  <p:cSld>
+    <p:spTree>
+      <p:nvGrpSpPr>
+        <p:cNvPr id="1" name=""/>
+        <p:cNvGrpSpPr/>
+        <p:nvPr/>
+      </p:nvGrpSpPr>
+      <p:grpSpPr/>
+      <p:sp>
+        <p:nvSpPr>
+          <p:cNvPr id="2" name="幻灯片图像占位符 1"/>
+          <p:cNvSpPr/>
+          <p:nvPr>
+            <p:ph type="sldImg" idx="2"/>
+          </p:nvPr>
+        </p:nvSpPr>
+        <p:spPr/>
+      </p:sp>
+      <p:sp>
+        <p:nvSpPr>
+          <p:cNvPr id="3" name="文本占位符 2"/>
+          <p:cNvSpPr/>
+          <p:nvPr>
+            <p:ph type="body" idx="3"/>
+          </p:nvPr>
+        </p:nvSpPr>
+        <p:spPr/>
+        <p:txBody>
+          <a:bodyPr/>
+          <a:p>
+            <a:endParaRPr lang="zh-CN" altLang="en-US"/>
+          </a:p>
+        </p:txBody>
+      </p:sp>
+    </p:spTree>
+  </p:cSld>
+  <p:clrMapOvr>
+    <a:masterClrMapping/>
+  </p:clrMapOvr>
+</p:notes>
+</file>
+
 <file path=ppt/slideLayouts/slideLayout1.xml><?xml version="1.0" encoding="utf-8"?>
-<p:sldLayout xmlns:a="http://schemas.openxmlformats.org/drawingml/2006/main" xmlns:r="http://schemas.openxmlformats.org/officeDocument/2006/relationships" xmlns:p="http://schemas.openxmlformats.org/presentationml/2006/main" showMasterSp="0" preserve="1" userDrawn="1">
+<p:sldLayout xmlns:a="http://schemas.openxmlformats.org/drawingml/2006/main" xmlns:r="http://schemas.openxmlformats.org/officeDocument/2006/relationships" xmlns:p="http://schemas.openxmlformats.org/presentationml/2006/main" preserve="1" showMasterSp="0" userDrawn="1">
   <p:cSld name="标题幻灯片">
     <p:bg>
       <p:bgRef idx="1001">
@@ -6125,7 +6161,7 @@
               </a:spcAft>
               <a:buClrTx/>
               <a:buSzTx/>
-              <a:buFont typeface="Arial" panose="020B0604020202020204" pitchFamily="34" charset="0"/>
+              <a:buFont typeface="Arial" panose="020B0604020202090204" pitchFamily="34" charset="0"/>
               <a:buNone/>
               <a:defRPr sz="1600">
                 <a:solidFill>
@@ -6179,7 +6215,7 @@
               </a:spcAft>
               <a:buClrTx/>
               <a:buSzTx/>
-              <a:buFont typeface="Arial" panose="020B0604020202020204" pitchFamily="34" charset="0"/>
+              <a:buFont typeface="Arial" panose="020B0604020202090204" pitchFamily="34" charset="0"/>
               <a:buNone/>
               <a:defRPr/>
             </a:pPr>
@@ -6187,6 +6223,7 @@
               <a:rPr lang="en-US" altLang="zh-CN" dirty="0"/>
               <a:t>Click to edit Master subtitle style</a:t>
             </a:r>
+            <a:endParaRPr lang="en-US" altLang="zh-CN" dirty="0"/>
           </a:p>
         </p:txBody>
       </p:sp>
@@ -6280,6 +6317,7 @@
               <a:rPr lang="en-US" altLang="zh-CN" dirty="0"/>
               <a:t>Signature</a:t>
             </a:r>
+            <a:endParaRPr lang="en-US" altLang="zh-CN" dirty="0"/>
           </a:p>
         </p:txBody>
       </p:sp>
@@ -18968,7 +19006,7 @@
 </file>
 
 <file path=ppt/slideLayouts/slideLayout2.xml><?xml version="1.0" encoding="utf-8"?>
-<p:sldLayout xmlns:a="http://schemas.openxmlformats.org/drawingml/2006/main" xmlns:r="http://schemas.openxmlformats.org/officeDocument/2006/relationships" xmlns:p="http://schemas.openxmlformats.org/presentationml/2006/main" showMasterSp="0" preserve="1" userDrawn="1">
+<p:sldLayout xmlns:a="http://schemas.openxmlformats.org/drawingml/2006/main" xmlns:r="http://schemas.openxmlformats.org/officeDocument/2006/relationships" xmlns:p="http://schemas.openxmlformats.org/presentationml/2006/main" preserve="1" showMasterSp="0" userDrawn="1">
   <p:cSld name="节标题">
     <p:bg>
       <p:bgRef idx="1001">
@@ -19143,6 +19181,7 @@
               <a:rPr lang="en-US" altLang="zh-CN" dirty="0"/>
               <a:t>Edit Master text styles</a:t>
             </a:r>
+            <a:endParaRPr lang="en-US" altLang="zh-CN" dirty="0"/>
           </a:p>
         </p:txBody>
       </p:sp>
@@ -20838,7 +20877,6 @@
           <a:p>
             <a:fld id="{6489D9C7-5DC6-4263-87FF-7C99F6FB63C3}" type="datetime1">
               <a:rPr lang="zh-CN" altLang="en-US" smtClean="0"/>
-              <a:t>2019/6/26</a:t>
             </a:fld>
             <a:endParaRPr lang="zh-CN" altLang="en-US"/>
           </a:p>
@@ -20884,7 +20922,6 @@
           <a:p>
             <a:fld id="{5DD3DB80-B894-403A-B48E-6FDC1A72010E}" type="slidenum">
               <a:rPr lang="zh-CN" altLang="en-US" smtClean="0"/>
-              <a:t>‹#›</a:t>
             </a:fld>
             <a:endParaRPr lang="zh-CN" altLang="en-US"/>
           </a:p>
@@ -20978,6 +21015,7 @@
               <a:rPr lang="en-US" altLang="zh-CN" dirty="0"/>
               <a:t>Edit Master text styles</a:t>
             </a:r>
+            <a:endParaRPr lang="en-US" altLang="zh-CN" dirty="0"/>
           </a:p>
           <a:p>
             <a:pPr lvl="1"/>
@@ -20985,6 +21023,7 @@
               <a:rPr lang="en-US" altLang="zh-CN" dirty="0"/>
               <a:t>Second level</a:t>
             </a:r>
+            <a:endParaRPr lang="en-US" altLang="zh-CN" dirty="0"/>
           </a:p>
           <a:p>
             <a:pPr lvl="2"/>
@@ -20992,6 +21031,7 @@
               <a:rPr lang="en-US" altLang="zh-CN" dirty="0"/>
               <a:t>Third level</a:t>
             </a:r>
+            <a:endParaRPr lang="en-US" altLang="zh-CN" dirty="0"/>
           </a:p>
           <a:p>
             <a:pPr lvl="3"/>
@@ -20999,6 +21039,7 @@
               <a:rPr lang="en-US" altLang="zh-CN" dirty="0"/>
               <a:t>Fourth level</a:t>
             </a:r>
+            <a:endParaRPr lang="en-US" altLang="zh-CN" dirty="0"/>
           </a:p>
           <a:p>
             <a:pPr lvl="4"/>
@@ -21027,7 +21068,6 @@
           <a:p>
             <a:fld id="{6489D9C7-5DC6-4263-87FF-7C99F6FB63C3}" type="datetime1">
               <a:rPr lang="zh-CN" altLang="en-US" smtClean="0"/>
-              <a:t>2019/6/26</a:t>
             </a:fld>
             <a:endParaRPr lang="zh-CN" altLang="en-US"/>
           </a:p>
@@ -21073,7 +21113,6 @@
           <a:p>
             <a:fld id="{5DD3DB80-B894-403A-B48E-6FDC1A72010E}" type="slidenum">
               <a:rPr lang="zh-CN" altLang="en-US" smtClean="0"/>
-              <a:t>‹#›</a:t>
             </a:fld>
             <a:endParaRPr lang="zh-CN" altLang="en-US"/>
           </a:p>
@@ -21088,7 +21127,7 @@
 </file>
 
 <file path=ppt/slideLayouts/slideLayout4.xml><?xml version="1.0" encoding="utf-8"?>
-<p:sldLayout xmlns:a="http://schemas.openxmlformats.org/drawingml/2006/main" xmlns:r="http://schemas.openxmlformats.org/officeDocument/2006/relationships" xmlns:p="http://schemas.openxmlformats.org/presentationml/2006/main" showMasterSp="0" type="titleOnly" preserve="1">
+<p:sldLayout xmlns:a="http://schemas.openxmlformats.org/drawingml/2006/main" xmlns:r="http://schemas.openxmlformats.org/officeDocument/2006/relationships" xmlns:p="http://schemas.openxmlformats.org/presentationml/2006/main" type="titleOnly" preserve="1" showMasterSp="0">
   <p:cSld name="仅标题">
     <p:spTree>
       <p:nvGrpSpPr>
@@ -21148,7 +21187,6 @@
           <a:p>
             <a:fld id="{6489D9C7-5DC6-4263-87FF-7C99F6FB63C3}" type="datetime1">
               <a:rPr lang="zh-CN" altLang="en-US" smtClean="0"/>
-              <a:t>2019/6/26</a:t>
             </a:fld>
             <a:endParaRPr lang="zh-CN" altLang="en-US"/>
           </a:p>
@@ -21194,7 +21232,6 @@
           <a:p>
             <a:fld id="{5DD3DB80-B894-403A-B48E-6FDC1A72010E}" type="slidenum">
               <a:rPr lang="zh-CN" altLang="en-US" smtClean="0"/>
-              <a:t>‹#›</a:t>
             </a:fld>
             <a:endParaRPr lang="zh-CN" altLang="en-US"/>
           </a:p>
@@ -21246,7 +21283,7 @@
 </file>
 
 <file path=ppt/slideLayouts/slideLayout5.xml><?xml version="1.0" encoding="utf-8"?>
-<p:sldLayout xmlns:a="http://schemas.openxmlformats.org/drawingml/2006/main" xmlns:r="http://schemas.openxmlformats.org/officeDocument/2006/relationships" xmlns:p="http://schemas.openxmlformats.org/presentationml/2006/main" showMasterSp="0" type="blank" preserve="1">
+<p:sldLayout xmlns:a="http://schemas.openxmlformats.org/drawingml/2006/main" xmlns:r="http://schemas.openxmlformats.org/officeDocument/2006/relationships" xmlns:p="http://schemas.openxmlformats.org/presentationml/2006/main" type="blank" preserve="1" showMasterSp="0">
   <p:cSld name="空白">
     <p:spTree>
       <p:nvGrpSpPr>
@@ -21271,7 +21308,7 @@
 </file>
 
 <file path=ppt/slideLayouts/slideLayout6.xml><?xml version="1.0" encoding="utf-8"?>
-<p:sldLayout xmlns:a="http://schemas.openxmlformats.org/drawingml/2006/main" xmlns:r="http://schemas.openxmlformats.org/officeDocument/2006/relationships" xmlns:p="http://schemas.openxmlformats.org/presentationml/2006/main" showMasterSp="0" preserve="1" userDrawn="1">
+<p:sldLayout xmlns:a="http://schemas.openxmlformats.org/drawingml/2006/main" xmlns:r="http://schemas.openxmlformats.org/officeDocument/2006/relationships" xmlns:p="http://schemas.openxmlformats.org/presentationml/2006/main" preserve="1" showMasterSp="0" userDrawn="1">
   <p:cSld name="末尾幻灯片">
     <p:bg>
       <p:bgRef idx="1001">
@@ -21314,7 +21351,7 @@
           </a:bodyPr>
           <a:lstStyle>
             <a:lvl1pPr marL="0" indent="0" algn="r">
-              <a:buFont typeface="Arial" panose="020B0604020202020204" pitchFamily="34" charset="0"/>
+              <a:buFont typeface="Arial" panose="020B0604020202090204" pitchFamily="34" charset="0"/>
               <a:buNone/>
               <a:defRPr sz="3200">
                 <a:solidFill>
@@ -21376,6 +21413,7 @@
               <a:rPr lang="en-US" altLang="zh-CN" dirty="0"/>
               <a:t>Signature</a:t>
             </a:r>
+            <a:endParaRPr lang="en-US" altLang="zh-CN" dirty="0"/>
           </a:p>
         </p:txBody>
       </p:sp>
@@ -21427,7 +21465,6 @@
             </a:pPr>
             <a:fld id="{CB3FFC9E-A4C1-40CB-8E0E-23B63E3543C5}" type="datetime1">
               <a:rPr lang="zh-CN" altLang="en-US" smtClean="0"/>
-              <a:t>​</a:t>
             </a:fld>
             <a:endParaRPr lang="en-US" altLang="zh-CN" dirty="0"/>
           </a:p>
@@ -33488,6 +33525,7 @@
               <a:rPr lang="en-US" altLang="zh-CN" dirty="0"/>
               <a:t>Edit Master text styles</a:t>
             </a:r>
+            <a:endParaRPr lang="en-US" altLang="zh-CN" dirty="0"/>
           </a:p>
           <a:p>
             <a:pPr lvl="1"/>
@@ -33495,6 +33533,7 @@
               <a:rPr lang="en-US" altLang="zh-CN" dirty="0"/>
               <a:t>Second level</a:t>
             </a:r>
+            <a:endParaRPr lang="en-US" altLang="zh-CN" dirty="0"/>
           </a:p>
           <a:p>
             <a:pPr lvl="2"/>
@@ -33502,6 +33541,7 @@
               <a:rPr lang="en-US" altLang="zh-CN" dirty="0"/>
               <a:t>Third level</a:t>
             </a:r>
+            <a:endParaRPr lang="en-US" altLang="zh-CN" dirty="0"/>
           </a:p>
           <a:p>
             <a:pPr lvl="3"/>
@@ -33509,6 +33549,7 @@
               <a:rPr lang="en-US" altLang="zh-CN" dirty="0"/>
               <a:t>Fourth level</a:t>
             </a:r>
+            <a:endParaRPr lang="en-US" altLang="zh-CN" dirty="0"/>
           </a:p>
           <a:p>
             <a:pPr lvl="4"/>
@@ -33556,7 +33597,6 @@
           <a:p>
             <a:fld id="{6489D9C7-5DC6-4263-87FF-7C99F6FB63C3}" type="datetime1">
               <a:rPr lang="zh-CN" altLang="en-US" smtClean="0"/>
-              <a:t>2019/6/26</a:t>
             </a:fld>
             <a:endParaRPr lang="zh-CN" altLang="en-US"/>
           </a:p>
@@ -33640,7 +33680,6 @@
           <a:p>
             <a:fld id="{5DD3DB80-B894-403A-B48E-6FDC1A72010E}" type="slidenum">
               <a:rPr lang="zh-CN" altLang="en-US" smtClean="0"/>
-              <a:t>‹#›</a:t>
             </a:fld>
             <a:endParaRPr lang="zh-CN" altLang="en-US"/>
           </a:p>
@@ -36245,7 +36284,7 @@
         <a:spcBef>
           <a:spcPts val="1000"/>
         </a:spcBef>
-        <a:buFont typeface="Arial" panose="020B0604020202020204" pitchFamily="34" charset="0"/>
+        <a:buFont typeface="Arial" panose="020B0604020202090204" pitchFamily="34" charset="0"/>
         <a:buChar char="•"/>
         <a:defRPr sz="2000" kern="1200">
           <a:solidFill>
@@ -36263,7 +36302,7 @@
         <a:spcBef>
           <a:spcPts val="500"/>
         </a:spcBef>
-        <a:buFont typeface="Arial" panose="020B0604020202020204" pitchFamily="34" charset="0"/>
+        <a:buFont typeface="Arial" panose="020B0604020202090204" pitchFamily="34" charset="0"/>
         <a:buChar char="•"/>
         <a:defRPr sz="1800" kern="1200">
           <a:solidFill>
@@ -36281,7 +36320,7 @@
         <a:spcBef>
           <a:spcPts val="500"/>
         </a:spcBef>
-        <a:buFont typeface="Arial" panose="020B0604020202020204" pitchFamily="34" charset="0"/>
+        <a:buFont typeface="Arial" panose="020B0604020202090204" pitchFamily="34" charset="0"/>
         <a:buChar char="•"/>
         <a:defRPr sz="1600" kern="1200">
           <a:solidFill>
@@ -36299,7 +36338,7 @@
         <a:spcBef>
           <a:spcPts val="500"/>
         </a:spcBef>
-        <a:buFont typeface="Arial" panose="020B0604020202020204" pitchFamily="34" charset="0"/>
+        <a:buFont typeface="Arial" panose="020B0604020202090204" pitchFamily="34" charset="0"/>
         <a:buChar char="•"/>
         <a:defRPr sz="1400" kern="1200">
           <a:solidFill>
@@ -36317,7 +36356,7 @@
         <a:spcBef>
           <a:spcPts val="500"/>
         </a:spcBef>
-        <a:buFont typeface="Arial" panose="020B0604020202020204" pitchFamily="34" charset="0"/>
+        <a:buFont typeface="Arial" panose="020B0604020202090204" pitchFamily="34" charset="0"/>
         <a:buChar char="•"/>
         <a:defRPr sz="1400" kern="1200">
           <a:solidFill>
@@ -36335,7 +36374,7 @@
         <a:spcBef>
           <a:spcPts val="500"/>
         </a:spcBef>
-        <a:buFont typeface="Arial" panose="020B0604020202020204" pitchFamily="34" charset="0"/>
+        <a:buFont typeface="Arial" panose="020B0604020202090204" pitchFamily="34" charset="0"/>
         <a:buChar char="•"/>
         <a:defRPr sz="1800" kern="1200">
           <a:solidFill>
@@ -36353,7 +36392,7 @@
         <a:spcBef>
           <a:spcPts val="500"/>
         </a:spcBef>
-        <a:buFont typeface="Arial" panose="020B0604020202020204" pitchFamily="34" charset="0"/>
+        <a:buFont typeface="Arial" panose="020B0604020202090204" pitchFamily="34" charset="0"/>
         <a:buChar char="•"/>
         <a:defRPr sz="1800" kern="1200">
           <a:solidFill>
@@ -36371,7 +36410,7 @@
         <a:spcBef>
           <a:spcPts val="500"/>
         </a:spcBef>
-        <a:buFont typeface="Arial" panose="020B0604020202020204" pitchFamily="34" charset="0"/>
+        <a:buFont typeface="Arial" panose="020B0604020202090204" pitchFamily="34" charset="0"/>
         <a:buChar char="•"/>
         <a:defRPr sz="1800" kern="1200">
           <a:solidFill>
@@ -36389,7 +36428,7 @@
         <a:spcBef>
           <a:spcPts val="500"/>
         </a:spcBef>
-        <a:buFont typeface="Arial" panose="020B0604020202020204" pitchFamily="34" charset="0"/>
+        <a:buFont typeface="Arial" panose="020B0604020202090204" pitchFamily="34" charset="0"/>
         <a:buChar char="•"/>
         <a:defRPr sz="1800" kern="1200">
           <a:solidFill>
@@ -36541,6 +36580,7 @@
               <a:rPr lang="zh-CN" altLang="en-US" dirty="0"/>
               <a:t>唐诗自动生成系统的设计与实现</a:t>
             </a:r>
+            <a:endParaRPr lang="zh-CN" altLang="en-US" dirty="0"/>
           </a:p>
         </p:txBody>
       </p:sp>
@@ -36574,6 +36614,7 @@
               <a:rPr lang="en-US" altLang="zh-CN" sz="1600" dirty="0"/>
               <a:t>ZF1821251</a:t>
             </a:r>
+            <a:endParaRPr lang="en-US" altLang="zh-CN" sz="1600" dirty="0"/>
           </a:p>
           <a:p>
             <a:r>
@@ -36584,6 +36625,7 @@
               <a:rPr lang="en-US" altLang="zh-CN" sz="1600" dirty="0"/>
               <a:t>ZF1821102</a:t>
             </a:r>
+            <a:endParaRPr lang="en-US" altLang="zh-CN" sz="1600" dirty="0"/>
           </a:p>
           <a:p>
             <a:r>
@@ -36594,6 +36636,7 @@
               <a:rPr lang="en-US" altLang="zh-CN" sz="1600" dirty="0"/>
               <a:t>ZF1821302</a:t>
             </a:r>
+            <a:endParaRPr lang="en-US" altLang="zh-CN" sz="1600" dirty="0"/>
           </a:p>
         </p:txBody>
       </p:sp>
@@ -36743,7 +36786,7 @@
                   <a:schemeClr val="accent1"/>
                 </a:solidFill>
                 <a:latin typeface="Impact" panose="020B0806030902050204" pitchFamily="34" charset="0"/>
-                <a:cs typeface="Arial" panose="020B0604020202020204" pitchFamily="34" charset="0"/>
+                <a:cs typeface="Arial" panose="020B0604020202090204" pitchFamily="34" charset="0"/>
               </a:rPr>
               <a:t>/04</a:t>
             </a:r>
@@ -36752,25 +36795,19 @@
                 <a:schemeClr val="accent1"/>
               </a:solidFill>
               <a:latin typeface="Impact" panose="020B0806030902050204" pitchFamily="34" charset="0"/>
-              <a:cs typeface="Arial" panose="020B0604020202020204" pitchFamily="34" charset="0"/>
+              <a:cs typeface="Arial" panose="020B0604020202090204" pitchFamily="34" charset="0"/>
             </a:endParaRPr>
           </a:p>
         </p:txBody>
       </p:sp>
       <p:pic>
         <p:nvPicPr>
-          <p:cNvPr id="10" name="Picture 9">
-            <a:extLst>
-              <a:ext uri="{FF2B5EF4-FFF2-40B4-BE49-F238E27FC236}">
-                <a16:creationId xmlns:a16="http://schemas.microsoft.com/office/drawing/2014/main" id="{6D8E855C-E35D-4AD2-960D-D7806B76A7B5}"/>
-              </a:ext>
-            </a:extLst>
-          </p:cNvPr>
+          <p:cNvPr id="10" name="Picture 9"/>
           <p:cNvPicPr/>
           <p:nvPr/>
         </p:nvPicPr>
         <p:blipFill>
-          <a:blip r:embed="rId3"/>
+          <a:blip r:embed="rId1"/>
           <a:stretch>
             <a:fillRect/>
           </a:stretch>
@@ -36786,11 +36823,6 @@
         </p:spPr>
       </p:pic>
     </p:spTree>
-    <p:extLst>
-      <p:ext uri="{BB962C8B-B14F-4D97-AF65-F5344CB8AC3E}">
-        <p14:creationId xmlns:p14="http://schemas.microsoft.com/office/powerpoint/2010/main" val="479311267"/>
-      </p:ext>
-    </p:extLst>
   </p:cSld>
   <p:clrMapOvr>
     <a:masterClrMapping/>
@@ -36799,6 +36831,1204 @@
 </file>
 
 <file path=ppt/slides/slide11.xml><?xml version="1.0" encoding="utf-8"?>
+<p:sld xmlns:a="http://schemas.openxmlformats.org/drawingml/2006/main" xmlns:r="http://schemas.openxmlformats.org/officeDocument/2006/relationships" xmlns:p="http://schemas.openxmlformats.org/presentationml/2006/main">
+  <p:cSld>
+    <p:spTree>
+      <p:nvGrpSpPr>
+        <p:cNvPr id="1" name=""/>
+        <p:cNvGrpSpPr/>
+        <p:nvPr/>
+      </p:nvGrpSpPr>
+      <p:grpSpPr>
+        <a:xfrm>
+          <a:off x="0" y="0"/>
+          <a:ext cx="0" cy="0"/>
+          <a:chOff x="0" y="0"/>
+          <a:chExt cx="0" cy="0"/>
+        </a:xfrm>
+      </p:grpSpPr>
+      <p:sp>
+        <p:nvSpPr>
+          <p:cNvPr id="7" name="标题 6"/>
+          <p:cNvSpPr>
+            <a:spLocks noGrp="1"/>
+          </p:cNvSpPr>
+          <p:nvPr>
+            <p:ph type="title"/>
+          </p:nvPr>
+        </p:nvSpPr>
+        <p:spPr>
+          <a:xfrm>
+            <a:off x="3578469" y="1674097"/>
+            <a:ext cx="8007668" cy="656792"/>
+          </a:xfrm>
+        </p:spPr>
+        <p:txBody>
+          <a:bodyPr>
+            <a:normAutofit/>
+          </a:bodyPr>
+          <a:lstStyle/>
+          <a:p>
+            <a:r>
+              <a:rPr lang="zh-CN" altLang="en-US" dirty="0"/>
+              <a:t>系统测试</a:t>
+            </a:r>
+            <a:endParaRPr lang="zh-CN" altLang="en-US" dirty="0"/>
+          </a:p>
+        </p:txBody>
+      </p:sp>
+      <p:cxnSp>
+        <p:nvCxnSpPr>
+          <p:cNvPr id="4" name="直接连接符 3"/>
+          <p:cNvCxnSpPr/>
+          <p:nvPr/>
+        </p:nvCxnSpPr>
+        <p:spPr>
+          <a:xfrm>
+            <a:off x="3578469" y="2288468"/>
+            <a:ext cx="7918205" cy="0"/>
+          </a:xfrm>
+          <a:prstGeom prst="line">
+            <a:avLst/>
+          </a:prstGeom>
+          <a:ln>
+            <a:solidFill>
+              <a:schemeClr val="bg1">
+                <a:lumMod val="50000"/>
+              </a:schemeClr>
+            </a:solidFill>
+          </a:ln>
+        </p:spPr>
+        <p:style>
+          <a:lnRef idx="1">
+            <a:schemeClr val="accent1"/>
+          </a:lnRef>
+          <a:fillRef idx="0">
+            <a:schemeClr val="accent1"/>
+          </a:fillRef>
+          <a:effectRef idx="0">
+            <a:schemeClr val="accent1"/>
+          </a:effectRef>
+          <a:fontRef idx="minor">
+            <a:schemeClr val="tx1"/>
+          </a:fontRef>
+        </p:style>
+      </p:cxnSp>
+      <p:sp>
+        <p:nvSpPr>
+          <p:cNvPr id="5" name="文本框 4"/>
+          <p:cNvSpPr txBox="1"/>
+          <p:nvPr/>
+        </p:nvSpPr>
+        <p:spPr>
+          <a:xfrm>
+            <a:off x="3715158" y="1085996"/>
+            <a:ext cx="616420" cy="535955"/>
+          </a:xfrm>
+          <a:prstGeom prst="rect">
+            <a:avLst/>
+          </a:prstGeom>
+          <a:noFill/>
+          <a:ln w="117475">
+            <a:noFill/>
+          </a:ln>
+        </p:spPr>
+        <p:txBody>
+          <a:bodyPr wrap="none" rtlCol="0">
+            <a:prstTxWarp prst="textPlain">
+              <a:avLst/>
+            </a:prstTxWarp>
+            <a:spAutoFit/>
+          </a:bodyPr>
+          <a:lstStyle/>
+          <a:p>
+            <a:r>
+              <a:rPr lang="en-US" altLang="zh-CN" spc="100" dirty="0">
+                <a:solidFill>
+                  <a:schemeClr val="accent1"/>
+                </a:solidFill>
+                <a:latin typeface="Impact" panose="020B0806030902050204" pitchFamily="34" charset="0"/>
+                <a:cs typeface="Arial" panose="020B0604020202090204" pitchFamily="34" charset="0"/>
+              </a:rPr>
+              <a:t>/05</a:t>
+            </a:r>
+            <a:endParaRPr lang="zh-CN" altLang="en-US" spc="100" dirty="0">
+              <a:solidFill>
+                <a:schemeClr val="accent1"/>
+              </a:solidFill>
+              <a:latin typeface="Impact" panose="020B0806030902050204" pitchFamily="34" charset="0"/>
+              <a:cs typeface="Arial" panose="020B0604020202090204" pitchFamily="34" charset="0"/>
+            </a:endParaRPr>
+          </a:p>
+        </p:txBody>
+      </p:sp>
+      <p:sp>
+        <p:nvSpPr>
+          <p:cNvPr id="2" name="TextBox 1"/>
+          <p:cNvSpPr txBox="1"/>
+          <p:nvPr/>
+        </p:nvSpPr>
+        <p:spPr>
+          <a:xfrm>
+            <a:off x="3517830" y="2427125"/>
+            <a:ext cx="6681637" cy="891540"/>
+          </a:xfrm>
+          <a:prstGeom prst="rect">
+            <a:avLst/>
+          </a:prstGeom>
+          <a:noFill/>
+        </p:spPr>
+        <p:txBody>
+          <a:bodyPr wrap="square" rtlCol="0">
+            <a:spAutoFit/>
+          </a:bodyPr>
+          <a:lstStyle/>
+          <a:p>
+            <a:pPr indent="457200">
+              <a:lnSpc>
+                <a:spcPct val="160000"/>
+              </a:lnSpc>
+            </a:pPr>
+            <a:endParaRPr lang="zh-CN" altLang="zh-CN" sz="2000" dirty="0"/>
+          </a:p>
+          <a:p>
+            <a:endParaRPr lang="zh-CN" altLang="en-US" sz="2000" dirty="0"/>
+          </a:p>
+        </p:txBody>
+      </p:sp>
+      <p:sp>
+        <p:nvSpPr>
+          <p:cNvPr id="10" name="文本框 9"/>
+          <p:cNvSpPr txBox="1"/>
+          <p:nvPr/>
+        </p:nvSpPr>
+        <p:spPr>
+          <a:xfrm>
+            <a:off x="3715385" y="2660650"/>
+            <a:ext cx="2934335" cy="1938020"/>
+          </a:xfrm>
+          <a:prstGeom prst="rect">
+            <a:avLst/>
+          </a:prstGeom>
+          <a:noFill/>
+        </p:spPr>
+        <p:txBody>
+          <a:bodyPr wrap="square" rtlCol="0" anchor="t">
+            <a:spAutoFit/>
+          </a:bodyPr>
+          <a:p>
+            <a:r>
+              <a:rPr lang="en-US" altLang="zh-CN" sz="2400"/>
+              <a:t>1. </a:t>
+            </a:r>
+            <a:r>
+              <a:rPr lang="zh-CN" altLang="en-US" sz="2400"/>
+              <a:t>数据库测试</a:t>
+            </a:r>
+            <a:endParaRPr lang="zh-CN" altLang="en-US" sz="2400"/>
+          </a:p>
+          <a:p>
+            <a:endParaRPr lang="zh-CN" altLang="en-US" sz="2400"/>
+          </a:p>
+          <a:p>
+            <a:r>
+              <a:rPr lang="en-US" altLang="zh-CN" sz="2400"/>
+              <a:t>2. </a:t>
+            </a:r>
+            <a:r>
+              <a:rPr lang="zh-CN" altLang="en-US" sz="2400"/>
+              <a:t>接口测试</a:t>
+            </a:r>
+            <a:endParaRPr lang="zh-CN" altLang="en-US" sz="2400"/>
+          </a:p>
+          <a:p>
+            <a:endParaRPr lang="en-US" altLang="zh-CN" sz="2400"/>
+          </a:p>
+          <a:p>
+            <a:r>
+              <a:rPr lang="en-US" altLang="zh-CN" sz="2400"/>
+              <a:t>3. </a:t>
+            </a:r>
+            <a:r>
+              <a:rPr lang="zh-CN" altLang="en-US" sz="2400"/>
+              <a:t>功能测试</a:t>
+            </a:r>
+            <a:endParaRPr lang="zh-CN" altLang="en-US" sz="2400"/>
+          </a:p>
+        </p:txBody>
+      </p:sp>
+    </p:spTree>
+  </p:cSld>
+  <p:clrMapOvr>
+    <a:masterClrMapping/>
+  </p:clrMapOvr>
+</p:sld>
+</file>
+
+<file path=ppt/slides/slide12.xml><?xml version="1.0" encoding="utf-8"?>
+<p:sld xmlns:a="http://schemas.openxmlformats.org/drawingml/2006/main" xmlns:r="http://schemas.openxmlformats.org/officeDocument/2006/relationships" xmlns:p="http://schemas.openxmlformats.org/presentationml/2006/main">
+  <p:cSld>
+    <p:spTree>
+      <p:nvGrpSpPr>
+        <p:cNvPr id="1" name=""/>
+        <p:cNvGrpSpPr/>
+        <p:nvPr/>
+      </p:nvGrpSpPr>
+      <p:grpSpPr>
+        <a:xfrm>
+          <a:off x="0" y="0"/>
+          <a:ext cx="0" cy="0"/>
+          <a:chOff x="0" y="0"/>
+          <a:chExt cx="0" cy="0"/>
+        </a:xfrm>
+      </p:grpSpPr>
+      <p:sp>
+        <p:nvSpPr>
+          <p:cNvPr id="4" name="Slide Number Placeholder 3"/>
+          <p:cNvSpPr>
+            <a:spLocks noGrp="1"/>
+          </p:cNvSpPr>
+          <p:nvPr>
+            <p:ph type="sldNum" sz="quarter" idx="12"/>
+          </p:nvPr>
+        </p:nvSpPr>
+        <p:spPr/>
+        <p:txBody>
+          <a:bodyPr/>
+          <a:lstStyle/>
+          <a:p>
+            <a:fld id="{5DD3DB80-B894-403A-B48E-6FDC1A72010E}" type="slidenum">
+              <a:rPr lang="zh-CN" altLang="en-US" smtClean="0"/>
+            </a:fld>
+            <a:endParaRPr lang="zh-CN" altLang="en-US"/>
+          </a:p>
+        </p:txBody>
+      </p:sp>
+      <p:sp>
+        <p:nvSpPr>
+          <p:cNvPr id="5" name="文本框 7"/>
+          <p:cNvSpPr txBox="1"/>
+          <p:nvPr/>
+        </p:nvSpPr>
+        <p:spPr>
+          <a:xfrm>
+            <a:off x="944018" y="444646"/>
+            <a:ext cx="616420" cy="535955"/>
+          </a:xfrm>
+          <a:prstGeom prst="rect">
+            <a:avLst/>
+          </a:prstGeom>
+          <a:noFill/>
+          <a:ln w="117475">
+            <a:noFill/>
+          </a:ln>
+        </p:spPr>
+        <p:txBody>
+          <a:bodyPr wrap="none" rtlCol="0">
+            <a:prstTxWarp prst="textPlain">
+              <a:avLst/>
+            </a:prstTxWarp>
+            <a:spAutoFit/>
+          </a:bodyPr>
+          <a:lstStyle/>
+          <a:p>
+            <a:r>
+              <a:rPr lang="en-US" altLang="zh-CN" spc="100" dirty="0">
+                <a:solidFill>
+                  <a:schemeClr val="accent1"/>
+                </a:solidFill>
+                <a:latin typeface="Impact" panose="020B0806030902050204" pitchFamily="34" charset="0"/>
+                <a:cs typeface="Arial" panose="020B0604020202090204" pitchFamily="34" charset="0"/>
+              </a:rPr>
+              <a:t>/05</a:t>
+            </a:r>
+            <a:endParaRPr lang="zh-CN" altLang="en-US" spc="100" dirty="0">
+              <a:solidFill>
+                <a:schemeClr val="accent1"/>
+              </a:solidFill>
+              <a:latin typeface="Impact" panose="020B0806030902050204" pitchFamily="34" charset="0"/>
+              <a:cs typeface="Arial" panose="020B0604020202090204" pitchFamily="34" charset="0"/>
+            </a:endParaRPr>
+          </a:p>
+        </p:txBody>
+      </p:sp>
+      <p:sp>
+        <p:nvSpPr>
+          <p:cNvPr id="6" name="标题 6"/>
+          <p:cNvSpPr>
+            <a:spLocks noGrp="1"/>
+          </p:cNvSpPr>
+          <p:nvPr/>
+        </p:nvSpPr>
+        <p:spPr>
+          <a:xfrm>
+            <a:off x="2113280" y="489585"/>
+            <a:ext cx="8258810" cy="490855"/>
+          </a:xfrm>
+          <a:prstGeom prst="rect">
+            <a:avLst/>
+          </a:prstGeom>
+        </p:spPr>
+        <p:txBody>
+          <a:bodyPr vert="horz" lIns="91440" tIns="45720" rIns="91440" bIns="45720" rtlCol="0" anchor="b">
+            <a:normAutofit/>
+          </a:bodyPr>
+          <a:lstStyle>
+            <a:lvl1pPr algn="l" defTabSz="913765" rtl="0" eaLnBrk="1" latinLnBrk="0" hangingPunct="1">
+              <a:lnSpc>
+                <a:spcPct val="90000"/>
+              </a:lnSpc>
+              <a:spcBef>
+                <a:spcPct val="0"/>
+              </a:spcBef>
+              <a:buNone/>
+              <a:defRPr sz="2400" b="1" kern="1200">
+                <a:solidFill>
+                  <a:sysClr val="windowText" lastClr="000000"/>
+                </a:solidFill>
+                <a:latin typeface="+mj-lt"/>
+                <a:ea typeface="+mj-ea"/>
+                <a:cs typeface="+mj-cs"/>
+              </a:defRPr>
+            </a:lvl1pPr>
+          </a:lstStyle>
+          <a:p>
+            <a:r>
+              <a:rPr lang="en-US" altLang="zh-CN" sz="2000" dirty="0">
+                <a:sym typeface="+mn-ea"/>
+              </a:rPr>
+              <a:t>5.1 </a:t>
+            </a:r>
+            <a:r>
+              <a:rPr lang="zh-CN" altLang="en-US" sz="2000" dirty="0">
+                <a:sym typeface="+mn-ea"/>
+              </a:rPr>
+              <a:t>数据库</a:t>
+            </a:r>
+            <a:r>
+              <a:rPr lang="zh-CN" altLang="en-US" sz="2000" dirty="0">
+                <a:sym typeface="+mn-ea"/>
+              </a:rPr>
+              <a:t>测试</a:t>
+            </a:r>
+            <a:endParaRPr lang="zh-CN" altLang="en-US" sz="2000" dirty="0">
+              <a:sym typeface="+mn-ea"/>
+            </a:endParaRPr>
+          </a:p>
+        </p:txBody>
+      </p:sp>
+      <p:sp>
+        <p:nvSpPr>
+          <p:cNvPr id="7" name="文本框 6"/>
+          <p:cNvSpPr txBox="1"/>
+          <p:nvPr/>
+        </p:nvSpPr>
+        <p:spPr>
+          <a:xfrm>
+            <a:off x="1189355" y="4076700"/>
+            <a:ext cx="7955280" cy="2276475"/>
+          </a:xfrm>
+          <a:prstGeom prst="rect">
+            <a:avLst/>
+          </a:prstGeom>
+          <a:noFill/>
+        </p:spPr>
+        <p:txBody>
+          <a:bodyPr wrap="none" rtlCol="0">
+            <a:spAutoFit/>
+          </a:bodyPr>
+          <a:p>
+            <a:pPr algn="l"/>
+            <a:r>
+              <a:rPr lang="zh-CN" altLang="en-US"/>
+              <a:t>在本环节测试中，由于create.py中的sql语句：</a:t>
+            </a:r>
+            <a:endParaRPr lang="zh-CN" altLang="en-US"/>
+          </a:p>
+          <a:p>
+            <a:pPr algn="l"/>
+            <a:endParaRPr lang="zh-CN" altLang="en-US"/>
+          </a:p>
+          <a:p>
+            <a:pPr lvl="1" algn="l"/>
+            <a:r>
+              <a:rPr lang="zh-CN" altLang="en-US" sz="1400"/>
+              <a:t>create table if not exists result_id(id int not null AUTO_INCREMENT，</a:t>
+            </a:r>
+            <a:endParaRPr lang="zh-CN" altLang="en-US" sz="1400"/>
+          </a:p>
+          <a:p>
+            <a:pPr lvl="1" algn="l"/>
+            <a:r>
+              <a:rPr lang="zh-CN" altLang="en-US" sz="1400"/>
+              <a:t>        user_id VARCHAR(45) NULL，</a:t>
+            </a:r>
+            <a:endParaRPr lang="zh-CN" altLang="en-US" sz="1400"/>
+          </a:p>
+          <a:p>
+            <a:pPr lvl="1" algn="l"/>
+            <a:r>
+              <a:rPr lang="zh-CN" altLang="en-US" sz="1400"/>
+              <a:t>        celery_id VARCHAR(45) NULL，</a:t>
+            </a:r>
+            <a:endParaRPr lang="zh-CN" altLang="en-US" sz="1400"/>
+          </a:p>
+          <a:p>
+            <a:pPr lvl="1" algn="l"/>
+            <a:r>
+              <a:rPr lang="zh-CN" altLang="en-US" sz="1400"/>
+              <a:t>        list_num VARCHAR(45) NULL，</a:t>
+            </a:r>
+            <a:endParaRPr lang="zh-CN" altLang="en-US" sz="1400"/>
+          </a:p>
+          <a:p>
+            <a:pPr lvl="1" algn="l"/>
+            <a:r>
+              <a:rPr lang="zh-CN" altLang="en-US" sz="1400"/>
+              <a:t>        PRIMARY KEY (`id`))</a:t>
+            </a:r>
+            <a:endParaRPr lang="zh-CN" altLang="en-US" sz="1400"/>
+          </a:p>
+          <a:p>
+            <a:pPr algn="l"/>
+            <a:endParaRPr lang="zh-CN" altLang="en-US"/>
+          </a:p>
+          <a:p>
+            <a:pPr algn="l"/>
+            <a:r>
+              <a:rPr lang="zh-CN" altLang="en-US"/>
+              <a:t>字符集编码未定义，导致创建数据库表失败，修改为以utf-8为默认编码后成功</a:t>
+            </a:r>
+            <a:endParaRPr lang="zh-CN" altLang="en-US"/>
+          </a:p>
+        </p:txBody>
+      </p:sp>
+      <p:pic>
+        <p:nvPicPr>
+          <p:cNvPr id="55" name="图片 12"/>
+          <p:cNvPicPr>
+            <a:picLocks noChangeAspect="1"/>
+          </p:cNvPicPr>
+          <p:nvPr/>
+        </p:nvPicPr>
+        <p:blipFill>
+          <a:blip r:embed="rId1"/>
+          <a:stretch>
+            <a:fillRect/>
+          </a:stretch>
+        </p:blipFill>
+        <p:spPr>
+          <a:xfrm>
+            <a:off x="1189355" y="1396365"/>
+            <a:ext cx="8337550" cy="2265045"/>
+          </a:xfrm>
+          <a:prstGeom prst="rect">
+            <a:avLst/>
+          </a:prstGeom>
+          <a:noFill/>
+          <a:ln w="9525">
+            <a:noFill/>
+          </a:ln>
+        </p:spPr>
+      </p:pic>
+    </p:spTree>
+  </p:cSld>
+  <p:clrMapOvr>
+    <a:masterClrMapping/>
+  </p:clrMapOvr>
+</p:sld>
+</file>
+
+<file path=ppt/slides/slide13.xml><?xml version="1.0" encoding="utf-8"?>
+<p:sld xmlns:a="http://schemas.openxmlformats.org/drawingml/2006/main" xmlns:r="http://schemas.openxmlformats.org/officeDocument/2006/relationships" xmlns:p="http://schemas.openxmlformats.org/presentationml/2006/main">
+  <p:cSld>
+    <p:spTree>
+      <p:nvGrpSpPr>
+        <p:cNvPr id="1" name=""/>
+        <p:cNvGrpSpPr/>
+        <p:nvPr/>
+      </p:nvGrpSpPr>
+      <p:grpSpPr>
+        <a:xfrm>
+          <a:off x="0" y="0"/>
+          <a:ext cx="0" cy="0"/>
+          <a:chOff x="0" y="0"/>
+          <a:chExt cx="0" cy="0"/>
+        </a:xfrm>
+      </p:grpSpPr>
+      <p:sp>
+        <p:nvSpPr>
+          <p:cNvPr id="4" name="Slide Number Placeholder 3"/>
+          <p:cNvSpPr>
+            <a:spLocks noGrp="1"/>
+          </p:cNvSpPr>
+          <p:nvPr>
+            <p:ph type="sldNum" sz="quarter" idx="12"/>
+          </p:nvPr>
+        </p:nvSpPr>
+        <p:spPr/>
+        <p:txBody>
+          <a:bodyPr/>
+          <a:lstStyle/>
+          <a:p>
+            <a:fld id="{5DD3DB80-B894-403A-B48E-6FDC1A72010E}" type="slidenum">
+              <a:rPr lang="zh-CN" altLang="en-US" smtClean="0"/>
+            </a:fld>
+            <a:endParaRPr lang="zh-CN" altLang="en-US"/>
+          </a:p>
+        </p:txBody>
+      </p:sp>
+      <p:sp>
+        <p:nvSpPr>
+          <p:cNvPr id="5" name="文本框 7"/>
+          <p:cNvSpPr txBox="1"/>
+          <p:nvPr/>
+        </p:nvSpPr>
+        <p:spPr>
+          <a:xfrm>
+            <a:off x="944018" y="444646"/>
+            <a:ext cx="616420" cy="535955"/>
+          </a:xfrm>
+          <a:prstGeom prst="rect">
+            <a:avLst/>
+          </a:prstGeom>
+          <a:noFill/>
+          <a:ln w="117475">
+            <a:noFill/>
+          </a:ln>
+        </p:spPr>
+        <p:txBody>
+          <a:bodyPr wrap="none" rtlCol="0">
+            <a:prstTxWarp prst="textPlain">
+              <a:avLst/>
+            </a:prstTxWarp>
+            <a:spAutoFit/>
+          </a:bodyPr>
+          <a:lstStyle/>
+          <a:p>
+            <a:r>
+              <a:rPr lang="en-US" altLang="zh-CN" spc="100" dirty="0">
+                <a:solidFill>
+                  <a:schemeClr val="accent1"/>
+                </a:solidFill>
+                <a:latin typeface="Impact" panose="020B0806030902050204" pitchFamily="34" charset="0"/>
+                <a:cs typeface="Arial" panose="020B0604020202090204" pitchFamily="34" charset="0"/>
+              </a:rPr>
+              <a:t>/05</a:t>
+            </a:r>
+            <a:endParaRPr lang="zh-CN" altLang="en-US" spc="100" dirty="0">
+              <a:solidFill>
+                <a:schemeClr val="accent1"/>
+              </a:solidFill>
+              <a:latin typeface="Impact" panose="020B0806030902050204" pitchFamily="34" charset="0"/>
+              <a:cs typeface="Arial" panose="020B0604020202090204" pitchFamily="34" charset="0"/>
+            </a:endParaRPr>
+          </a:p>
+        </p:txBody>
+      </p:sp>
+      <p:sp>
+        <p:nvSpPr>
+          <p:cNvPr id="6" name="标题 6"/>
+          <p:cNvSpPr>
+            <a:spLocks noGrp="1"/>
+          </p:cNvSpPr>
+          <p:nvPr/>
+        </p:nvSpPr>
+        <p:spPr>
+          <a:xfrm>
+            <a:off x="2113280" y="489585"/>
+            <a:ext cx="8258810" cy="490855"/>
+          </a:xfrm>
+          <a:prstGeom prst="rect">
+            <a:avLst/>
+          </a:prstGeom>
+        </p:spPr>
+        <p:txBody>
+          <a:bodyPr vert="horz" lIns="91440" tIns="45720" rIns="91440" bIns="45720" rtlCol="0" anchor="b">
+            <a:normAutofit/>
+          </a:bodyPr>
+          <a:lstStyle>
+            <a:lvl1pPr algn="l" defTabSz="913765" rtl="0" eaLnBrk="1" latinLnBrk="0" hangingPunct="1">
+              <a:lnSpc>
+                <a:spcPct val="90000"/>
+              </a:lnSpc>
+              <a:spcBef>
+                <a:spcPct val="0"/>
+              </a:spcBef>
+              <a:buNone/>
+              <a:defRPr sz="2400" b="1" kern="1200">
+                <a:solidFill>
+                  <a:sysClr val="windowText" lastClr="000000"/>
+                </a:solidFill>
+                <a:latin typeface="+mj-lt"/>
+                <a:ea typeface="+mj-ea"/>
+                <a:cs typeface="+mj-cs"/>
+              </a:defRPr>
+            </a:lvl1pPr>
+          </a:lstStyle>
+          <a:p>
+            <a:r>
+              <a:rPr lang="en-US" altLang="zh-CN" sz="2000" dirty="0">
+                <a:sym typeface="+mn-ea"/>
+              </a:rPr>
+              <a:t>5.2 </a:t>
+            </a:r>
+            <a:r>
+              <a:rPr lang="zh-CN" altLang="en-US" sz="2000" dirty="0">
+                <a:sym typeface="+mn-ea"/>
+              </a:rPr>
+              <a:t>接口</a:t>
+            </a:r>
+            <a:r>
+              <a:rPr lang="zh-CN" altLang="en-US" sz="2000" dirty="0">
+                <a:sym typeface="+mn-ea"/>
+              </a:rPr>
+              <a:t>测试</a:t>
+            </a:r>
+            <a:endParaRPr lang="zh-CN" altLang="en-US" sz="2000" dirty="0">
+              <a:sym typeface="+mn-ea"/>
+            </a:endParaRPr>
+          </a:p>
+        </p:txBody>
+      </p:sp>
+      <p:sp>
+        <p:nvSpPr>
+          <p:cNvPr id="7" name="文本框 6"/>
+          <p:cNvSpPr txBox="1"/>
+          <p:nvPr/>
+        </p:nvSpPr>
+        <p:spPr>
+          <a:xfrm>
+            <a:off x="1423035" y="5478145"/>
+            <a:ext cx="5440680" cy="368300"/>
+          </a:xfrm>
+          <a:prstGeom prst="rect">
+            <a:avLst/>
+          </a:prstGeom>
+          <a:noFill/>
+        </p:spPr>
+        <p:txBody>
+          <a:bodyPr wrap="none" rtlCol="0">
+            <a:spAutoFit/>
+          </a:bodyPr>
+          <a:p>
+            <a:pPr algn="l"/>
+            <a:r>
+              <a:rPr lang="zh-CN" altLang="en-US"/>
+              <a:t>经过测试，接口功能能够正常调用，参数也并无问题</a:t>
+            </a:r>
+            <a:endParaRPr lang="zh-CN" altLang="en-US"/>
+          </a:p>
+        </p:txBody>
+      </p:sp>
+      <p:pic>
+        <p:nvPicPr>
+          <p:cNvPr id="3" name="图片 2"/>
+          <p:cNvPicPr>
+            <a:picLocks noChangeAspect="1"/>
+          </p:cNvPicPr>
+          <p:nvPr/>
+        </p:nvPicPr>
+        <p:blipFill>
+          <a:blip r:embed="rId1"/>
+          <a:stretch>
+            <a:fillRect/>
+          </a:stretch>
+        </p:blipFill>
+        <p:spPr>
+          <a:xfrm>
+            <a:off x="1189355" y="1276350"/>
+            <a:ext cx="6800850" cy="3514090"/>
+          </a:xfrm>
+          <a:prstGeom prst="rect">
+            <a:avLst/>
+          </a:prstGeom>
+        </p:spPr>
+      </p:pic>
+    </p:spTree>
+  </p:cSld>
+  <p:clrMapOvr>
+    <a:masterClrMapping/>
+  </p:clrMapOvr>
+</p:sld>
+</file>
+
+<file path=ppt/slides/slide14.xml><?xml version="1.0" encoding="utf-8"?>
+<p:sld xmlns:a="http://schemas.openxmlformats.org/drawingml/2006/main" xmlns:r="http://schemas.openxmlformats.org/officeDocument/2006/relationships" xmlns:p="http://schemas.openxmlformats.org/presentationml/2006/main">
+  <p:cSld>
+    <p:spTree>
+      <p:nvGrpSpPr>
+        <p:cNvPr id="1" name=""/>
+        <p:cNvGrpSpPr/>
+        <p:nvPr/>
+      </p:nvGrpSpPr>
+      <p:grpSpPr>
+        <a:xfrm>
+          <a:off x="0" y="0"/>
+          <a:ext cx="0" cy="0"/>
+          <a:chOff x="0" y="0"/>
+          <a:chExt cx="0" cy="0"/>
+        </a:xfrm>
+      </p:grpSpPr>
+      <p:sp>
+        <p:nvSpPr>
+          <p:cNvPr id="4" name="Slide Number Placeholder 3"/>
+          <p:cNvSpPr>
+            <a:spLocks noGrp="1"/>
+          </p:cNvSpPr>
+          <p:nvPr>
+            <p:ph type="sldNum" sz="quarter" idx="12"/>
+          </p:nvPr>
+        </p:nvSpPr>
+        <p:spPr/>
+        <p:txBody>
+          <a:bodyPr/>
+          <a:lstStyle/>
+          <a:p>
+            <a:fld id="{5DD3DB80-B894-403A-B48E-6FDC1A72010E}" type="slidenum">
+              <a:rPr lang="zh-CN" altLang="en-US" smtClean="0"/>
+            </a:fld>
+            <a:endParaRPr lang="zh-CN" altLang="en-US"/>
+          </a:p>
+        </p:txBody>
+      </p:sp>
+      <p:sp>
+        <p:nvSpPr>
+          <p:cNvPr id="5" name="文本框 7"/>
+          <p:cNvSpPr txBox="1"/>
+          <p:nvPr/>
+        </p:nvSpPr>
+        <p:spPr>
+          <a:xfrm>
+            <a:off x="944018" y="444646"/>
+            <a:ext cx="616420" cy="535955"/>
+          </a:xfrm>
+          <a:prstGeom prst="rect">
+            <a:avLst/>
+          </a:prstGeom>
+          <a:noFill/>
+          <a:ln w="117475">
+            <a:noFill/>
+          </a:ln>
+        </p:spPr>
+        <p:txBody>
+          <a:bodyPr wrap="none" rtlCol="0">
+            <a:prstTxWarp prst="textPlain">
+              <a:avLst/>
+            </a:prstTxWarp>
+            <a:spAutoFit/>
+          </a:bodyPr>
+          <a:lstStyle/>
+          <a:p>
+            <a:r>
+              <a:rPr lang="en-US" altLang="zh-CN" spc="100" dirty="0">
+                <a:solidFill>
+                  <a:schemeClr val="accent1"/>
+                </a:solidFill>
+                <a:latin typeface="Impact" panose="020B0806030902050204" pitchFamily="34" charset="0"/>
+                <a:cs typeface="Arial" panose="020B0604020202090204" pitchFamily="34" charset="0"/>
+              </a:rPr>
+              <a:t>/05</a:t>
+            </a:r>
+            <a:endParaRPr lang="zh-CN" altLang="en-US" spc="100" dirty="0">
+              <a:solidFill>
+                <a:schemeClr val="accent1"/>
+              </a:solidFill>
+              <a:latin typeface="Impact" panose="020B0806030902050204" pitchFamily="34" charset="0"/>
+              <a:cs typeface="Arial" panose="020B0604020202090204" pitchFamily="34" charset="0"/>
+            </a:endParaRPr>
+          </a:p>
+        </p:txBody>
+      </p:sp>
+      <p:sp>
+        <p:nvSpPr>
+          <p:cNvPr id="6" name="标题 6"/>
+          <p:cNvSpPr>
+            <a:spLocks noGrp="1"/>
+          </p:cNvSpPr>
+          <p:nvPr/>
+        </p:nvSpPr>
+        <p:spPr>
+          <a:xfrm>
+            <a:off x="2113280" y="489585"/>
+            <a:ext cx="8258810" cy="490855"/>
+          </a:xfrm>
+          <a:prstGeom prst="rect">
+            <a:avLst/>
+          </a:prstGeom>
+        </p:spPr>
+        <p:txBody>
+          <a:bodyPr vert="horz" lIns="91440" tIns="45720" rIns="91440" bIns="45720" rtlCol="0" anchor="b">
+            <a:normAutofit/>
+          </a:bodyPr>
+          <a:lstStyle>
+            <a:lvl1pPr algn="l" defTabSz="913765" rtl="0" eaLnBrk="1" latinLnBrk="0" hangingPunct="1">
+              <a:lnSpc>
+                <a:spcPct val="90000"/>
+              </a:lnSpc>
+              <a:spcBef>
+                <a:spcPct val="0"/>
+              </a:spcBef>
+              <a:buNone/>
+              <a:defRPr sz="2400" b="1" kern="1200">
+                <a:solidFill>
+                  <a:sysClr val="windowText" lastClr="000000"/>
+                </a:solidFill>
+                <a:latin typeface="+mj-lt"/>
+                <a:ea typeface="+mj-ea"/>
+                <a:cs typeface="+mj-cs"/>
+              </a:defRPr>
+            </a:lvl1pPr>
+          </a:lstStyle>
+          <a:p>
+            <a:r>
+              <a:rPr lang="en-US" altLang="zh-CN" sz="2000" dirty="0">
+                <a:sym typeface="+mn-ea"/>
+              </a:rPr>
+              <a:t>5.3 </a:t>
+            </a:r>
+            <a:r>
+              <a:rPr lang="zh-CN" altLang="en-US" sz="2000" dirty="0">
+                <a:sym typeface="+mn-ea"/>
+              </a:rPr>
+              <a:t>功能测试</a:t>
+            </a:r>
+            <a:endParaRPr lang="zh-CN" altLang="en-US" sz="2000" dirty="0">
+              <a:sym typeface="+mn-ea"/>
+            </a:endParaRPr>
+          </a:p>
+        </p:txBody>
+      </p:sp>
+      <p:sp>
+        <p:nvSpPr>
+          <p:cNvPr id="7" name="文本框 6"/>
+          <p:cNvSpPr txBox="1"/>
+          <p:nvPr/>
+        </p:nvSpPr>
+        <p:spPr>
+          <a:xfrm>
+            <a:off x="7023100" y="1900555"/>
+            <a:ext cx="4497705" cy="2861310"/>
+          </a:xfrm>
+          <a:prstGeom prst="rect">
+            <a:avLst/>
+          </a:prstGeom>
+          <a:noFill/>
+        </p:spPr>
+        <p:txBody>
+          <a:bodyPr wrap="square" rtlCol="0">
+            <a:spAutoFit/>
+          </a:bodyPr>
+          <a:p>
+            <a:pPr algn="l"/>
+            <a:r>
+              <a:rPr lang="zh-CN" altLang="en-US"/>
+              <a:t>在生成图片时，</a:t>
+            </a:r>
+            <a:r>
+              <a:rPr lang="zh-CN" altLang="en-US"/>
+              <a:t>当诗句不足四行时，点击生成图片程序则会报错，原因是生成图片时产生了数组越界</a:t>
+            </a:r>
+            <a:endParaRPr lang="zh-CN" altLang="en-US"/>
+          </a:p>
+          <a:p>
+            <a:pPr algn="l"/>
+            <a:endParaRPr lang="zh-CN" altLang="en-US"/>
+          </a:p>
+          <a:p>
+            <a:pPr algn="l"/>
+            <a:endParaRPr lang="zh-CN" altLang="en-US"/>
+          </a:p>
+          <a:p>
+            <a:pPr algn="l"/>
+            <a:endParaRPr lang="zh-CN" altLang="en-US"/>
+          </a:p>
+          <a:p>
+            <a:pPr algn="l"/>
+            <a:endParaRPr lang="zh-CN" altLang="en-US"/>
+          </a:p>
+          <a:p>
+            <a:pPr algn="l"/>
+            <a:endParaRPr lang="zh-CN" altLang="en-US"/>
+          </a:p>
+          <a:p>
+            <a:pPr algn="l"/>
+            <a:r>
+              <a:rPr lang="zh-CN" altLang="en-US"/>
+              <a:t>对此我们已经进行了优化处理，解决了当诗句不足四行时程序报错。</a:t>
+            </a:r>
+            <a:endParaRPr lang="zh-CN" altLang="en-US"/>
+          </a:p>
+        </p:txBody>
+      </p:sp>
+      <p:pic>
+        <p:nvPicPr>
+          <p:cNvPr id="70" name="图片 27"/>
+          <p:cNvPicPr>
+            <a:picLocks noChangeAspect="1"/>
+          </p:cNvPicPr>
+          <p:nvPr/>
+        </p:nvPicPr>
+        <p:blipFill>
+          <a:blip r:embed="rId1"/>
+          <a:stretch>
+            <a:fillRect/>
+          </a:stretch>
+        </p:blipFill>
+        <p:spPr>
+          <a:xfrm>
+            <a:off x="944245" y="1491615"/>
+            <a:ext cx="6071235" cy="4511675"/>
+          </a:xfrm>
+          <a:prstGeom prst="rect">
+            <a:avLst/>
+          </a:prstGeom>
+          <a:noFill/>
+          <a:ln w="9525">
+            <a:noFill/>
+          </a:ln>
+        </p:spPr>
+      </p:pic>
+      <p:pic>
+        <p:nvPicPr>
+          <p:cNvPr id="69" name="图片 26"/>
+          <p:cNvPicPr>
+            <a:picLocks noChangeAspect="1"/>
+          </p:cNvPicPr>
+          <p:nvPr/>
+        </p:nvPicPr>
+        <p:blipFill>
+          <a:blip r:embed="rId2"/>
+          <a:stretch>
+            <a:fillRect/>
+          </a:stretch>
+        </p:blipFill>
+        <p:spPr>
+          <a:xfrm>
+            <a:off x="7023100" y="2931160"/>
+            <a:ext cx="5031105" cy="1146175"/>
+          </a:xfrm>
+          <a:prstGeom prst="rect">
+            <a:avLst/>
+          </a:prstGeom>
+          <a:noFill/>
+          <a:ln w="9525">
+            <a:noFill/>
+          </a:ln>
+        </p:spPr>
+      </p:pic>
+    </p:spTree>
+  </p:cSld>
+  <p:clrMapOvr>
+    <a:masterClrMapping/>
+  </p:clrMapOvr>
+</p:sld>
+</file>
+
+<file path=ppt/slides/slide15.xml><?xml version="1.0" encoding="utf-8"?>
+<p:sld xmlns:a="http://schemas.openxmlformats.org/drawingml/2006/main" xmlns:r="http://schemas.openxmlformats.org/officeDocument/2006/relationships" xmlns:p="http://schemas.openxmlformats.org/presentationml/2006/main">
+  <p:cSld>
+    <p:spTree>
+      <p:nvGrpSpPr>
+        <p:cNvPr id="1" name=""/>
+        <p:cNvGrpSpPr/>
+        <p:nvPr/>
+      </p:nvGrpSpPr>
+      <p:grpSpPr>
+        <a:xfrm>
+          <a:off x="0" y="0"/>
+          <a:ext cx="0" cy="0"/>
+          <a:chOff x="0" y="0"/>
+          <a:chExt cx="0" cy="0"/>
+        </a:xfrm>
+      </p:grpSpPr>
+      <p:sp>
+        <p:nvSpPr>
+          <p:cNvPr id="7" name="标题 6"/>
+          <p:cNvSpPr>
+            <a:spLocks noGrp="1"/>
+          </p:cNvSpPr>
+          <p:nvPr>
+            <p:ph type="title"/>
+          </p:nvPr>
+        </p:nvSpPr>
+        <p:spPr>
+          <a:xfrm>
+            <a:off x="3578469" y="1674097"/>
+            <a:ext cx="8007668" cy="656792"/>
+          </a:xfrm>
+        </p:spPr>
+        <p:txBody>
+          <a:bodyPr>
+            <a:normAutofit/>
+          </a:bodyPr>
+          <a:lstStyle/>
+          <a:p>
+            <a:r>
+              <a:rPr lang="zh-CN" altLang="en-US" dirty="0"/>
+              <a:t>效果展示</a:t>
+            </a:r>
+            <a:endParaRPr lang="zh-CN" altLang="en-US" dirty="0"/>
+          </a:p>
+        </p:txBody>
+      </p:sp>
+      <p:cxnSp>
+        <p:nvCxnSpPr>
+          <p:cNvPr id="4" name="直接连接符 3"/>
+          <p:cNvCxnSpPr/>
+          <p:nvPr/>
+        </p:nvCxnSpPr>
+        <p:spPr>
+          <a:xfrm>
+            <a:off x="3578469" y="2288468"/>
+            <a:ext cx="7918205" cy="0"/>
+          </a:xfrm>
+          <a:prstGeom prst="line">
+            <a:avLst/>
+          </a:prstGeom>
+          <a:ln>
+            <a:solidFill>
+              <a:schemeClr val="bg1">
+                <a:lumMod val="50000"/>
+              </a:schemeClr>
+            </a:solidFill>
+          </a:ln>
+        </p:spPr>
+        <p:style>
+          <a:lnRef idx="1">
+            <a:schemeClr val="accent1"/>
+          </a:lnRef>
+          <a:fillRef idx="0">
+            <a:schemeClr val="accent1"/>
+          </a:fillRef>
+          <a:effectRef idx="0">
+            <a:schemeClr val="accent1"/>
+          </a:effectRef>
+          <a:fontRef idx="minor">
+            <a:schemeClr val="tx1"/>
+          </a:fontRef>
+        </p:style>
+      </p:cxnSp>
+      <p:sp>
+        <p:nvSpPr>
+          <p:cNvPr id="5" name="文本框 4"/>
+          <p:cNvSpPr txBox="1"/>
+          <p:nvPr/>
+        </p:nvSpPr>
+        <p:spPr>
+          <a:xfrm>
+            <a:off x="3715158" y="1085996"/>
+            <a:ext cx="616420" cy="535955"/>
+          </a:xfrm>
+          <a:prstGeom prst="rect">
+            <a:avLst/>
+          </a:prstGeom>
+          <a:noFill/>
+          <a:ln w="117475">
+            <a:noFill/>
+          </a:ln>
+        </p:spPr>
+        <p:txBody>
+          <a:bodyPr wrap="none" rtlCol="0">
+            <a:prstTxWarp prst="textPlain">
+              <a:avLst/>
+            </a:prstTxWarp>
+            <a:spAutoFit/>
+          </a:bodyPr>
+          <a:lstStyle/>
+          <a:p>
+            <a:r>
+              <a:rPr lang="en-US" altLang="zh-CN" spc="100" dirty="0">
+                <a:solidFill>
+                  <a:schemeClr val="accent1"/>
+                </a:solidFill>
+                <a:latin typeface="Impact" panose="020B0806030902050204" pitchFamily="34" charset="0"/>
+                <a:cs typeface="Arial" panose="020B0604020202090204" pitchFamily="34" charset="0"/>
+              </a:rPr>
+              <a:t>/06</a:t>
+            </a:r>
+            <a:endParaRPr lang="zh-CN" altLang="en-US" spc="100" dirty="0">
+              <a:solidFill>
+                <a:schemeClr val="accent1"/>
+              </a:solidFill>
+              <a:latin typeface="Impact" panose="020B0806030902050204" pitchFamily="34" charset="0"/>
+              <a:cs typeface="Arial" panose="020B0604020202090204" pitchFamily="34" charset="0"/>
+            </a:endParaRPr>
+          </a:p>
+        </p:txBody>
+      </p:sp>
+      <p:sp>
+        <p:nvSpPr>
+          <p:cNvPr id="2" name="TextBox 1"/>
+          <p:cNvSpPr txBox="1"/>
+          <p:nvPr/>
+        </p:nvSpPr>
+        <p:spPr>
+          <a:xfrm>
+            <a:off x="3517830" y="2427125"/>
+            <a:ext cx="6681637" cy="891540"/>
+          </a:xfrm>
+          <a:prstGeom prst="rect">
+            <a:avLst/>
+          </a:prstGeom>
+          <a:noFill/>
+        </p:spPr>
+        <p:txBody>
+          <a:bodyPr wrap="square" rtlCol="0">
+            <a:spAutoFit/>
+          </a:bodyPr>
+          <a:lstStyle/>
+          <a:p>
+            <a:pPr indent="457200">
+              <a:lnSpc>
+                <a:spcPct val="160000"/>
+              </a:lnSpc>
+            </a:pPr>
+            <a:endParaRPr lang="zh-CN" altLang="zh-CN" sz="2000" dirty="0"/>
+          </a:p>
+          <a:p>
+            <a:endParaRPr lang="zh-CN" altLang="en-US" sz="2000" dirty="0"/>
+          </a:p>
+        </p:txBody>
+      </p:sp>
+      <p:sp>
+        <p:nvSpPr>
+          <p:cNvPr id="10" name="文本框 9"/>
+          <p:cNvSpPr txBox="1"/>
+          <p:nvPr/>
+        </p:nvSpPr>
+        <p:spPr>
+          <a:xfrm>
+            <a:off x="3578225" y="3764280"/>
+            <a:ext cx="2934335" cy="460375"/>
+          </a:xfrm>
+          <a:prstGeom prst="rect">
+            <a:avLst/>
+          </a:prstGeom>
+          <a:noFill/>
+        </p:spPr>
+        <p:txBody>
+          <a:bodyPr wrap="square" rtlCol="0" anchor="t">
+            <a:spAutoFit/>
+          </a:bodyPr>
+          <a:p>
+            <a:r>
+              <a:rPr lang="zh-CN" altLang="en-US" sz="2400"/>
+              <a:t>请看演示</a:t>
+            </a:r>
+            <a:endParaRPr lang="zh-CN" altLang="en-US" sz="2400"/>
+          </a:p>
+        </p:txBody>
+      </p:sp>
+    </p:spTree>
+  </p:cSld>
+  <p:clrMapOvr>
+    <a:masterClrMapping/>
+  </p:clrMapOvr>
+</p:sld>
+</file>
+
+<file path=ppt/slides/slide16.xml><?xml version="1.0" encoding="utf-8"?>
 <p:sld xmlns:a="http://schemas.openxmlformats.org/drawingml/2006/main" xmlns:r="http://schemas.openxmlformats.org/officeDocument/2006/relationships" xmlns:p="http://schemas.openxmlformats.org/presentationml/2006/main">
   <p:cSld>
     <p:spTree>
@@ -36928,13 +38158,7 @@
       </p:sp>
       <p:sp>
         <p:nvSpPr>
-          <p:cNvPr id="3" name="Rectangle 2">
-            <a:extLst>
-              <a:ext uri="{FF2B5EF4-FFF2-40B4-BE49-F238E27FC236}">
-                <a16:creationId xmlns:a16="http://schemas.microsoft.com/office/drawing/2014/main" id="{CCCF5F1F-4BFE-455F-BD1E-602B18259E51}"/>
-              </a:ext>
-            </a:extLst>
-          </p:cNvPr>
+          <p:cNvPr id="3" name="Rectangle 2"/>
           <p:cNvSpPr/>
           <p:nvPr/>
         </p:nvSpPr>
@@ -36972,6 +38196,20 @@
               </a:rPr>
               <a:t>Thank You !</a:t>
             </a:r>
+            <a:endParaRPr lang="en-US" altLang="zh-CN" sz="5400" b="1" dirty="0">
+              <a:ln w="22225">
+                <a:solidFill>
+                  <a:schemeClr val="accent2"/>
+                </a:solidFill>
+                <a:prstDash val="solid"/>
+              </a:ln>
+              <a:solidFill>
+                <a:schemeClr val="accent2">
+                  <a:lumMod val="40000"/>
+                  <a:lumOff val="60000"/>
+                </a:schemeClr>
+              </a:solidFill>
+            </a:endParaRPr>
           </a:p>
         </p:txBody>
       </p:sp>
@@ -37060,7 +38298,7 @@
                 </a:defPPr>
                 <a:lvl1pPr>
                   <a:defRPr sz="1600" b="1">
-                    <a:latin typeface="Arial" panose="020B0604020202020204" pitchFamily="34" charset="0"/>
+                    <a:latin typeface="Arial" panose="020B0604020202090204" pitchFamily="34" charset="0"/>
                     <a:ea typeface="微软雅黑" panose="020B0503020204020204" pitchFamily="34" charset="-122"/>
                     <a:cs typeface="+mn-ea"/>
                   </a:defRPr>
@@ -37070,7 +38308,7 @@
                     <a:solidFill>
                       <a:srgbClr val="4D4D4D"/>
                     </a:solidFill>
-                    <a:latin typeface="Arial" panose="020B0604020202020204" pitchFamily="34" charset="0"/>
+                    <a:latin typeface="Arial" panose="020B0604020202090204" pitchFamily="34" charset="0"/>
                     <a:ea typeface="黑体" panose="02010609060101010101" pitchFamily="49" charset="-122"/>
                   </a:defRPr>
                 </a:lvl2pPr>
@@ -37079,7 +38317,7 @@
                     <a:solidFill>
                       <a:srgbClr val="4D4D4D"/>
                     </a:solidFill>
-                    <a:latin typeface="Arial" panose="020B0604020202020204" pitchFamily="34" charset="0"/>
+                    <a:latin typeface="Arial" panose="020B0604020202090204" pitchFamily="34" charset="0"/>
                     <a:ea typeface="黑体" panose="02010609060101010101" pitchFamily="49" charset="-122"/>
                   </a:defRPr>
                 </a:lvl3pPr>
@@ -37088,7 +38326,7 @@
                     <a:solidFill>
                       <a:srgbClr val="4D4D4D"/>
                     </a:solidFill>
-                    <a:latin typeface="Arial" panose="020B0604020202020204" pitchFamily="34" charset="0"/>
+                    <a:latin typeface="Arial" panose="020B0604020202090204" pitchFamily="34" charset="0"/>
                     <a:ea typeface="黑体" panose="02010609060101010101" pitchFamily="49" charset="-122"/>
                   </a:defRPr>
                 </a:lvl4pPr>
@@ -37097,7 +38335,7 @@
                     <a:solidFill>
                       <a:srgbClr val="4D4D4D"/>
                     </a:solidFill>
-                    <a:latin typeface="Arial" panose="020B0604020202020204" pitchFamily="34" charset="0"/>
+                    <a:latin typeface="Arial" panose="020B0604020202090204" pitchFamily="34" charset="0"/>
                     <a:ea typeface="黑体" panose="02010609060101010101" pitchFamily="49" charset="-122"/>
                   </a:defRPr>
                 </a:lvl5pPr>
@@ -37112,7 +38350,7 @@
                     <a:solidFill>
                       <a:srgbClr val="4D4D4D"/>
                     </a:solidFill>
-                    <a:latin typeface="Arial" panose="020B0604020202020204" pitchFamily="34" charset="0"/>
+                    <a:latin typeface="Arial" panose="020B0604020202090204" pitchFamily="34" charset="0"/>
                     <a:ea typeface="黑体" panose="02010609060101010101" pitchFamily="49" charset="-122"/>
                   </a:defRPr>
                 </a:lvl6pPr>
@@ -37127,7 +38365,7 @@
                     <a:solidFill>
                       <a:srgbClr val="4D4D4D"/>
                     </a:solidFill>
-                    <a:latin typeface="Arial" panose="020B0604020202020204" pitchFamily="34" charset="0"/>
+                    <a:latin typeface="Arial" panose="020B0604020202090204" pitchFamily="34" charset="0"/>
                     <a:ea typeface="黑体" panose="02010609060101010101" pitchFamily="49" charset="-122"/>
                   </a:defRPr>
                 </a:lvl7pPr>
@@ -37142,7 +38380,7 @@
                     <a:solidFill>
                       <a:srgbClr val="4D4D4D"/>
                     </a:solidFill>
-                    <a:latin typeface="Arial" panose="020B0604020202020204" pitchFamily="34" charset="0"/>
+                    <a:latin typeface="Arial" panose="020B0604020202090204" pitchFamily="34" charset="0"/>
                     <a:ea typeface="黑体" panose="02010609060101010101" pitchFamily="49" charset="-122"/>
                   </a:defRPr>
                 </a:lvl8pPr>
@@ -37157,7 +38395,7 @@
                     <a:solidFill>
                       <a:srgbClr val="4D4D4D"/>
                     </a:solidFill>
-                    <a:latin typeface="Arial" panose="020B0604020202020204" pitchFamily="34" charset="0"/>
+                    <a:latin typeface="Arial" panose="020B0604020202090204" pitchFamily="34" charset="0"/>
                     <a:ea typeface="黑体" panose="02010609060101010101" pitchFamily="49" charset="-122"/>
                   </a:defRPr>
                 </a:lvl9pPr>
@@ -38020,6 +39258,7 @@
               <a:rPr lang="zh-CN" altLang="en-US" dirty="0"/>
               <a:t>项目背景及意义</a:t>
             </a:r>
+            <a:endParaRPr lang="zh-CN" altLang="en-US" dirty="0"/>
           </a:p>
         </p:txBody>
       </p:sp>
@@ -38094,7 +39333,7 @@
                   <a:schemeClr val="accent1"/>
                 </a:solidFill>
                 <a:latin typeface="Impact" panose="020B0806030902050204" pitchFamily="34" charset="0"/>
-                <a:cs typeface="Arial" panose="020B0604020202020204" pitchFamily="34" charset="0"/>
+                <a:cs typeface="Arial" panose="020B0604020202090204" pitchFamily="34" charset="0"/>
               </a:rPr>
               <a:t>/01</a:t>
             </a:r>
@@ -38103,7 +39342,7 @@
                 <a:schemeClr val="accent1"/>
               </a:solidFill>
               <a:latin typeface="Impact" panose="020B0806030902050204" pitchFamily="34" charset="0"/>
-              <a:cs typeface="Arial" panose="020B0604020202020204" pitchFamily="34" charset="0"/>
+              <a:cs typeface="Arial" panose="020B0604020202090204" pitchFamily="34" charset="0"/>
             </a:endParaRPr>
           </a:p>
         </p:txBody>
@@ -38207,6 +39446,7 @@
               <a:rPr lang="zh-CN" altLang="zh-CN" sz="2000" dirty="0"/>
               <a:t>七言唐诗</a:t>
             </a:r>
+            <a:endParaRPr lang="zh-CN" altLang="zh-CN" sz="2000" dirty="0"/>
           </a:p>
           <a:p>
             <a:endParaRPr lang="zh-CN" altLang="en-US" sz="2000" dirty="0"/>
@@ -38354,7 +39594,7 @@
                   <a:schemeClr val="accent1"/>
                 </a:solidFill>
                 <a:latin typeface="Impact" panose="020B0806030902050204" pitchFamily="34" charset="0"/>
-                <a:cs typeface="Arial" panose="020B0604020202020204" pitchFamily="34" charset="0"/>
+                <a:cs typeface="Arial" panose="020B0604020202090204" pitchFamily="34" charset="0"/>
               </a:rPr>
               <a:t>/02</a:t>
             </a:r>
@@ -38363,25 +39603,19 @@
                 <a:schemeClr val="accent1"/>
               </a:solidFill>
               <a:latin typeface="Impact" panose="020B0806030902050204" pitchFamily="34" charset="0"/>
-              <a:cs typeface="Arial" panose="020B0604020202020204" pitchFamily="34" charset="0"/>
+              <a:cs typeface="Arial" panose="020B0604020202090204" pitchFamily="34" charset="0"/>
             </a:endParaRPr>
           </a:p>
         </p:txBody>
       </p:sp>
       <p:pic>
         <p:nvPicPr>
-          <p:cNvPr id="9" name="图片 3">
-            <a:extLst>
-              <a:ext uri="{FF2B5EF4-FFF2-40B4-BE49-F238E27FC236}">
-                <a16:creationId xmlns:a16="http://schemas.microsoft.com/office/drawing/2014/main" id="{7B3906B3-CA5D-4629-99D3-4EBF5B161AEC}"/>
-              </a:ext>
-            </a:extLst>
-          </p:cNvPr>
+          <p:cNvPr id="9" name="图片 3"/>
           <p:cNvPicPr/>
           <p:nvPr/>
         </p:nvPicPr>
         <p:blipFill>
-          <a:blip r:embed="rId3">
+          <a:blip r:embed="rId1">
             <a:extLst>
               <a:ext uri="{28A0092B-C50C-407E-A947-70E740481C1C}">
                 <a14:useLocalDpi xmlns:a14="http://schemas.microsoft.com/office/drawing/2010/main" val="0"/>
@@ -38548,7 +39782,7 @@
                   <a:schemeClr val="accent1"/>
                 </a:solidFill>
                 <a:latin typeface="Impact" panose="020B0806030902050204" pitchFamily="34" charset="0"/>
-                <a:cs typeface="Arial" panose="020B0604020202020204" pitchFamily="34" charset="0"/>
+                <a:cs typeface="Arial" panose="020B0604020202090204" pitchFamily="34" charset="0"/>
               </a:rPr>
               <a:t>/02</a:t>
             </a:r>
@@ -38557,25 +39791,19 @@
                 <a:schemeClr val="accent1"/>
               </a:solidFill>
               <a:latin typeface="Impact" panose="020B0806030902050204" pitchFamily="34" charset="0"/>
-              <a:cs typeface="Arial" panose="020B0604020202020204" pitchFamily="34" charset="0"/>
+              <a:cs typeface="Arial" panose="020B0604020202090204" pitchFamily="34" charset="0"/>
             </a:endParaRPr>
           </a:p>
         </p:txBody>
       </p:sp>
       <p:pic>
         <p:nvPicPr>
-          <p:cNvPr id="6" name="图片 1">
-            <a:extLst>
-              <a:ext uri="{FF2B5EF4-FFF2-40B4-BE49-F238E27FC236}">
-                <a16:creationId xmlns:a16="http://schemas.microsoft.com/office/drawing/2014/main" id="{E765537D-0DF0-432A-9F42-286125D17950}"/>
-              </a:ext>
-            </a:extLst>
-          </p:cNvPr>
+          <p:cNvPr id="6" name="图片 1"/>
           <p:cNvPicPr/>
           <p:nvPr/>
         </p:nvPicPr>
         <p:blipFill>
-          <a:blip r:embed="rId3" cstate="print">
+          <a:blip r:embed="rId1" cstate="print">
             <a:extLst>
               <a:ext uri="{28A0092B-C50C-407E-A947-70E740481C1C}">
                 <a14:useLocalDpi xmlns:a14="http://schemas.microsoft.com/office/drawing/2010/main" val="0"/>
@@ -38656,6 +39884,7 @@
               <a:rPr lang="zh-CN" altLang="en-US" dirty="0"/>
               <a:t>系统总体架构图</a:t>
             </a:r>
+            <a:endParaRPr lang="zh-CN" altLang="en-US" dirty="0"/>
           </a:p>
         </p:txBody>
       </p:sp>
@@ -38730,7 +39959,7 @@
                   <a:schemeClr val="accent1"/>
                 </a:solidFill>
                 <a:latin typeface="Impact" panose="020B0806030902050204" pitchFamily="34" charset="0"/>
-                <a:cs typeface="Arial" panose="020B0604020202020204" pitchFamily="34" charset="0"/>
+                <a:cs typeface="Arial" panose="020B0604020202090204" pitchFamily="34" charset="0"/>
               </a:rPr>
               <a:t>/03</a:t>
             </a:r>
@@ -38739,25 +39968,19 @@
                 <a:schemeClr val="accent1"/>
               </a:solidFill>
               <a:latin typeface="Impact" panose="020B0806030902050204" pitchFamily="34" charset="0"/>
-              <a:cs typeface="Arial" panose="020B0604020202020204" pitchFamily="34" charset="0"/>
+              <a:cs typeface="Arial" panose="020B0604020202090204" pitchFamily="34" charset="0"/>
             </a:endParaRPr>
           </a:p>
         </p:txBody>
       </p:sp>
       <p:pic>
         <p:nvPicPr>
-          <p:cNvPr id="8" name="Picture 7">
-            <a:extLst>
-              <a:ext uri="{FF2B5EF4-FFF2-40B4-BE49-F238E27FC236}">
-                <a16:creationId xmlns:a16="http://schemas.microsoft.com/office/drawing/2014/main" id="{A70B1363-2FED-4F6D-B101-66BA5DFFBB56}"/>
-              </a:ext>
-            </a:extLst>
-          </p:cNvPr>
+          <p:cNvPr id="8" name="Picture 7"/>
           <p:cNvPicPr/>
           <p:nvPr/>
         </p:nvPicPr>
         <p:blipFill>
-          <a:blip r:embed="rId3"/>
+          <a:blip r:embed="rId1"/>
           <a:stretch>
             <a:fillRect/>
           </a:stretch>
@@ -38774,13 +39997,7 @@
       </p:pic>
       <p:sp>
         <p:nvSpPr>
-          <p:cNvPr id="3" name="TextBox 2">
-            <a:extLst>
-              <a:ext uri="{FF2B5EF4-FFF2-40B4-BE49-F238E27FC236}">
-                <a16:creationId xmlns:a16="http://schemas.microsoft.com/office/drawing/2014/main" id="{3CA29E66-6C52-4878-8D4A-268380B5788B}"/>
-              </a:ext>
-            </a:extLst>
-          </p:cNvPr>
+          <p:cNvPr id="3" name="TextBox 2"/>
           <p:cNvSpPr txBox="1"/>
           <p:nvPr/>
         </p:nvSpPr>
@@ -38974,6 +40191,7 @@
               <a:rPr lang="zh-CN" altLang="en-US" dirty="0"/>
               <a:t>系统整体技术图</a:t>
             </a:r>
+            <a:endParaRPr lang="zh-CN" altLang="en-US" dirty="0"/>
           </a:p>
         </p:txBody>
       </p:sp>
@@ -39048,7 +40266,7 @@
                   <a:schemeClr val="accent1"/>
                 </a:solidFill>
                 <a:latin typeface="Impact" panose="020B0806030902050204" pitchFamily="34" charset="0"/>
-                <a:cs typeface="Arial" panose="020B0604020202020204" pitchFamily="34" charset="0"/>
+                <a:cs typeface="Arial" panose="020B0604020202090204" pitchFamily="34" charset="0"/>
               </a:rPr>
               <a:t>/03</a:t>
             </a:r>
@@ -39057,25 +40275,19 @@
                 <a:schemeClr val="accent1"/>
               </a:solidFill>
               <a:latin typeface="Impact" panose="020B0806030902050204" pitchFamily="34" charset="0"/>
-              <a:cs typeface="Arial" panose="020B0604020202020204" pitchFamily="34" charset="0"/>
+              <a:cs typeface="Arial" panose="020B0604020202090204" pitchFamily="34" charset="0"/>
             </a:endParaRPr>
           </a:p>
         </p:txBody>
       </p:sp>
       <p:pic>
         <p:nvPicPr>
-          <p:cNvPr id="6" name="Picture 5">
-            <a:extLst>
-              <a:ext uri="{FF2B5EF4-FFF2-40B4-BE49-F238E27FC236}">
-                <a16:creationId xmlns:a16="http://schemas.microsoft.com/office/drawing/2014/main" id="{803885AB-36DE-4151-A866-D45BD800E086}"/>
-              </a:ext>
-            </a:extLst>
-          </p:cNvPr>
+          <p:cNvPr id="6" name="Picture 5"/>
           <p:cNvPicPr/>
           <p:nvPr/>
         </p:nvPicPr>
         <p:blipFill>
-          <a:blip r:embed="rId3"/>
+          <a:blip r:embed="rId1"/>
           <a:stretch>
             <a:fillRect/>
           </a:stretch>
@@ -39132,7 +40344,6 @@
           <a:p>
             <a:fld id="{5DD3DB80-B894-403A-B48E-6FDC1A72010E}" type="slidenum">
               <a:rPr lang="zh-CN" altLang="en-US" smtClean="0"/>
-              <a:t>8</a:t>
             </a:fld>
             <a:endParaRPr lang="zh-CN" altLang="en-US"/>
           </a:p>
@@ -39172,7 +40383,7 @@
                   <a:schemeClr val="accent1"/>
                 </a:solidFill>
                 <a:latin typeface="Impact" panose="020B0806030902050204" pitchFamily="34" charset="0"/>
-                <a:cs typeface="Arial" panose="020B0604020202020204" pitchFamily="34" charset="0"/>
+                <a:cs typeface="Arial" panose="020B0604020202090204" pitchFamily="34" charset="0"/>
               </a:rPr>
               <a:t>/04</a:t>
             </a:r>
@@ -39181,7 +40392,7 @@
                 <a:schemeClr val="accent1"/>
               </a:solidFill>
               <a:latin typeface="Impact" panose="020B0806030902050204" pitchFamily="34" charset="0"/>
-              <a:cs typeface="Arial" panose="020B0604020202020204" pitchFamily="34" charset="0"/>
+              <a:cs typeface="Arial" panose="020B0604020202090204" pitchFamily="34" charset="0"/>
             </a:endParaRPr>
           </a:p>
         </p:txBody>
@@ -39253,21 +40464,9 @@
       </p:sp>
       <p:graphicFrame>
         <p:nvGraphicFramePr>
-          <p:cNvPr id="6" name="Diagram 5">
-            <a:extLst>
-              <a:ext uri="{FF2B5EF4-FFF2-40B4-BE49-F238E27FC236}">
-                <a16:creationId xmlns:a16="http://schemas.microsoft.com/office/drawing/2014/main" id="{02C48319-CD0D-482F-8CD6-22EADF6E4F03}"/>
-              </a:ext>
-            </a:extLst>
-          </p:cNvPr>
+          <p:cNvPr id="6" name="Diagram 5"/>
           <p:cNvGraphicFramePr/>
-          <p:nvPr>
-            <p:extLst>
-              <p:ext uri="{D42A27DB-BD31-4B8C-83A1-F6EECF244321}">
-                <p14:modId xmlns:p14="http://schemas.microsoft.com/office/powerpoint/2010/main" val="311499302"/>
-              </p:ext>
-            </p:extLst>
-          </p:nvPr>
+          <p:nvPr/>
         </p:nvGraphicFramePr>
         <p:xfrm>
           <a:off x="1624105" y="1347197"/>
@@ -39275,16 +40474,11 @@
         </p:xfrm>
         <a:graphic>
           <a:graphicData uri="http://schemas.openxmlformats.org/drawingml/2006/diagram">
-            <dgm:relIds xmlns:dgm="http://schemas.openxmlformats.org/drawingml/2006/diagram" xmlns:r="http://schemas.openxmlformats.org/officeDocument/2006/relationships" r:dm="rId2" r:lo="rId3" r:qs="rId4" r:cs="rId5"/>
+            <dgm:relIds xmlns:dgm="http://schemas.openxmlformats.org/drawingml/2006/diagram" xmlns:r="http://schemas.openxmlformats.org/officeDocument/2006/relationships" r:dm="rId1" r:lo="rId2" r:qs="rId3" r:cs="rId4"/>
           </a:graphicData>
         </a:graphic>
       </p:graphicFrame>
     </p:spTree>
-    <p:extLst>
-      <p:ext uri="{BB962C8B-B14F-4D97-AF65-F5344CB8AC3E}">
-        <p14:creationId xmlns:p14="http://schemas.microsoft.com/office/powerpoint/2010/main" val="204091401"/>
-      </p:ext>
-    </p:extLst>
   </p:cSld>
   <p:clrMapOvr>
     <a:masterClrMapping/>
@@ -39311,42 +40505,7 @@
       </p:grpSpPr>
       <p:sp>
         <p:nvSpPr>
-          <p:cNvPr id="3" name="Footer Placeholder 2">
-            <a:extLst>
-              <a:ext uri="{FF2B5EF4-FFF2-40B4-BE49-F238E27FC236}">
-                <a16:creationId xmlns:a16="http://schemas.microsoft.com/office/drawing/2014/main" id="{B39539F0-24EE-4FFA-BC93-D3C2CF31832C}"/>
-              </a:ext>
-            </a:extLst>
-          </p:cNvPr>
-          <p:cNvSpPr>
-            <a:spLocks noGrp="1"/>
-          </p:cNvSpPr>
-          <p:nvPr>
-            <p:ph type="ftr" sz="quarter" idx="11"/>
-          </p:nvPr>
-        </p:nvSpPr>
-        <p:spPr/>
-        <p:txBody>
-          <a:bodyPr/>
-          <a:lstStyle/>
-          <a:p>
-            <a:r>
-              <a:rPr lang="en-US" altLang="zh-CN"/>
-              <a:t>www.islide.cc</a:t>
-            </a:r>
-            <a:endParaRPr lang="zh-CN" altLang="en-US" dirty="0"/>
-          </a:p>
-        </p:txBody>
-      </p:sp>
-      <p:sp>
-        <p:nvSpPr>
-          <p:cNvPr id="4" name="Slide Number Placeholder 3">
-            <a:extLst>
-              <a:ext uri="{FF2B5EF4-FFF2-40B4-BE49-F238E27FC236}">
-                <a16:creationId xmlns:a16="http://schemas.microsoft.com/office/drawing/2014/main" id="{3B1F234E-E9B5-46C5-BE03-EC34E837C58B}"/>
-              </a:ext>
-            </a:extLst>
-          </p:cNvPr>
+          <p:cNvPr id="4" name="Slide Number Placeholder 3"/>
           <p:cNvSpPr>
             <a:spLocks noGrp="1"/>
           </p:cNvSpPr>
@@ -39361,7 +40520,6 @@
           <a:p>
             <a:fld id="{5DD3DB80-B894-403A-B48E-6FDC1A72010E}" type="slidenum">
               <a:rPr lang="zh-CN" altLang="en-US" smtClean="0"/>
-              <a:t>9</a:t>
             </a:fld>
             <a:endParaRPr lang="zh-CN" altLang="en-US"/>
           </a:p>
@@ -39369,13 +40527,7 @@
       </p:sp>
       <p:sp>
         <p:nvSpPr>
-          <p:cNvPr id="5" name="文本框 7">
-            <a:extLst>
-              <a:ext uri="{FF2B5EF4-FFF2-40B4-BE49-F238E27FC236}">
-                <a16:creationId xmlns:a16="http://schemas.microsoft.com/office/drawing/2014/main" id="{AED89D27-D262-4551-A989-E3981A972BB8}"/>
-              </a:ext>
-            </a:extLst>
-          </p:cNvPr>
+          <p:cNvPr id="5" name="文本框 7"/>
           <p:cNvSpPr txBox="1"/>
           <p:nvPr/>
         </p:nvSpPr>
@@ -39407,7 +40559,7 @@
                   <a:schemeClr val="accent1"/>
                 </a:solidFill>
                 <a:latin typeface="Impact" panose="020B0806030902050204" pitchFamily="34" charset="0"/>
-                <a:cs typeface="Arial" panose="020B0604020202020204" pitchFamily="34" charset="0"/>
+                <a:cs typeface="Arial" panose="020B0604020202090204" pitchFamily="34" charset="0"/>
               </a:rPr>
               <a:t>/04</a:t>
             </a:r>
@@ -39416,20 +40568,14 @@
                 <a:schemeClr val="accent1"/>
               </a:solidFill>
               <a:latin typeface="Impact" panose="020B0806030902050204" pitchFamily="34" charset="0"/>
-              <a:cs typeface="Arial" panose="020B0604020202020204" pitchFamily="34" charset="0"/>
+              <a:cs typeface="Arial" panose="020B0604020202090204" pitchFamily="34" charset="0"/>
             </a:endParaRPr>
           </a:p>
         </p:txBody>
       </p:sp>
       <p:sp>
         <p:nvSpPr>
-          <p:cNvPr id="6" name="标题 6">
-            <a:extLst>
-              <a:ext uri="{FF2B5EF4-FFF2-40B4-BE49-F238E27FC236}">
-                <a16:creationId xmlns:a16="http://schemas.microsoft.com/office/drawing/2014/main" id="{3A69FE04-A413-41DE-8770-5FFF0DBE17E9}"/>
-              </a:ext>
-            </a:extLst>
-          </p:cNvPr>
+          <p:cNvPr id="6" name="标题 6"/>
           <p:cNvSpPr>
             <a:spLocks noGrp="1"/>
           </p:cNvSpPr>
@@ -39486,20 +40632,14 @@
       </p:sp>
       <p:pic>
         <p:nvPicPr>
-          <p:cNvPr id="8" name="Picture 7" descr="A close up of a logo&#10;&#10;Description automatically generated">
-            <a:extLst>
-              <a:ext uri="{FF2B5EF4-FFF2-40B4-BE49-F238E27FC236}">
-                <a16:creationId xmlns:a16="http://schemas.microsoft.com/office/drawing/2014/main" id="{E1FB1127-8551-4CEF-B411-6F1F99FE6975}"/>
-              </a:ext>
-            </a:extLst>
-          </p:cNvPr>
+          <p:cNvPr id="8" name="Picture 7" descr="A close up of a logo&#10;&#10;Description automatically generated"/>
           <p:cNvPicPr>
             <a:picLocks noChangeAspect="1"/>
           </p:cNvPicPr>
           <p:nvPr/>
         </p:nvPicPr>
         <p:blipFill>
-          <a:blip r:embed="rId2">
+          <a:blip r:embed="rId1">
             <a:extLst>
               <a:ext uri="{28A0092B-C50C-407E-A947-70E740481C1C}">
                 <a14:useLocalDpi xmlns:a14="http://schemas.microsoft.com/office/drawing/2010/main" val="0"/>
@@ -39522,13 +40662,7 @@
       </p:pic>
       <p:sp>
         <p:nvSpPr>
-          <p:cNvPr id="9" name="TextBox 8">
-            <a:extLst>
-              <a:ext uri="{FF2B5EF4-FFF2-40B4-BE49-F238E27FC236}">
-                <a16:creationId xmlns:a16="http://schemas.microsoft.com/office/drawing/2014/main" id="{C5CE375E-4BB7-44AB-878F-8AA6470EE459}"/>
-              </a:ext>
-            </a:extLst>
-          </p:cNvPr>
+          <p:cNvPr id="9" name="TextBox 8"/>
           <p:cNvSpPr txBox="1"/>
           <p:nvPr/>
         </p:nvSpPr>
@@ -39556,6 +40690,7 @@
               <a:rPr lang="en-US" altLang="zh-CN" b="1" dirty="0"/>
               <a:t>Tasks</a:t>
             </a:r>
+            <a:endParaRPr lang="en-US" altLang="zh-CN" b="1" dirty="0"/>
           </a:p>
           <a:p>
             <a:r>
@@ -39679,13 +40814,7 @@
       </p:sp>
       <p:sp>
         <p:nvSpPr>
-          <p:cNvPr id="10" name="TextBox 9">
-            <a:extLst>
-              <a:ext uri="{FF2B5EF4-FFF2-40B4-BE49-F238E27FC236}">
-                <a16:creationId xmlns:a16="http://schemas.microsoft.com/office/drawing/2014/main" id="{8F877687-3CC6-4B28-B375-D7BEE32743DF}"/>
-              </a:ext>
-            </a:extLst>
-          </p:cNvPr>
+          <p:cNvPr id="10" name="TextBox 9"/>
           <p:cNvSpPr txBox="1"/>
           <p:nvPr/>
         </p:nvSpPr>
@@ -39718,11 +40847,6 @@
         </p:txBody>
       </p:sp>
     </p:spTree>
-    <p:extLst>
-      <p:ext uri="{BB962C8B-B14F-4D97-AF65-F5344CB8AC3E}">
-        <p14:creationId xmlns:p14="http://schemas.microsoft.com/office/powerpoint/2010/main" val="3130972916"/>
-      </p:ext>
-    </p:extLst>
   </p:cSld>
   <p:clrMapOvr>
     <a:masterClrMapping/>
@@ -39731,7 +40855,7 @@
 </file>
 
 <file path=ppt/tags/tag1.xml><?xml version="1.0" encoding="utf-8"?>
-<p:tagLst xmlns:a="http://schemas.openxmlformats.org/drawingml/2006/main" xmlns:r="http://schemas.openxmlformats.org/officeDocument/2006/relationships" xmlns:p="http://schemas.openxmlformats.org/presentationml/2006/main">
+<p:tagLst xmlns:p="http://schemas.openxmlformats.org/presentationml/2006/main">
   <p:tag name="ISLIDE.DIAGRAM" val="2b751056-6b97-492c-b763-340acee7e99d"/>
 </p:tagLst>
 </file>
@@ -39927,8 +41051,6 @@
       </a:bgFillStyleLst>
     </a:fmtScheme>
   </a:themeElements>
-  <a:objectDefaults/>
-  <a:extraClrSchemeLst/>
   <a:extLst>
     <a:ext uri="{05A4C25C-085E-4340-85A3-A5531E510DB2}">
       <thm15:themeFamily xmlns:thm15="http://schemas.microsoft.com/office/thememl/2012/main" name="Office Theme" id="{62F939B6-93AF-4DB8-9C6B-D6C7DFDC589F}" vid="{4A3C46E8-61CC-4603-A589-7422A47A8E4A}"/>
@@ -40188,8 +41310,6 @@
       </a:bgFillStyleLst>
     </a:fmtScheme>
   </a:themeElements>
-  <a:objectDefaults/>
-  <a:extraClrSchemeLst/>
   <a:extLst>
     <a:ext uri="{05A4C25C-085E-4340-85A3-A5531E510DB2}">
       <thm15:themeFamily xmlns:thm15="http://schemas.microsoft.com/office/thememl/2012/main" name="Office Theme" id="{62F939B6-93AF-4DB8-9C6B-D6C7DFDC589F}" vid="{4A3C46E8-61CC-4603-A589-7422A47A8E4A}"/>
@@ -40199,6 +41319,49 @@
 </file>
 
 <file path=ppt/theme/themeOverride1.xml><?xml version="1.0" encoding="utf-8"?>
+<a:themeOverride xmlns:a="http://schemas.openxmlformats.org/drawingml/2006/main">
+  <a:clrScheme name="协鑫">
+    <a:dk1>
+      <a:srgbClr val="000000"/>
+    </a:dk1>
+    <a:lt1>
+      <a:srgbClr val="FFFFFF"/>
+    </a:lt1>
+    <a:dk2>
+      <a:srgbClr val="778495"/>
+    </a:dk2>
+    <a:lt2>
+      <a:srgbClr val="F0F0F0"/>
+    </a:lt2>
+    <a:accent1>
+      <a:srgbClr val="548BB7"/>
+    </a:accent1>
+    <a:accent2>
+      <a:srgbClr val="DD8047"/>
+    </a:accent2>
+    <a:accent3>
+      <a:srgbClr val="A5AB81"/>
+    </a:accent3>
+    <a:accent4>
+      <a:srgbClr val="D8B25C"/>
+    </a:accent4>
+    <a:accent5>
+      <a:srgbClr val="7BA79D"/>
+    </a:accent5>
+    <a:accent6>
+      <a:srgbClr val="968C8C"/>
+    </a:accent6>
+    <a:hlink>
+      <a:srgbClr val="548BB7"/>
+    </a:hlink>
+    <a:folHlink>
+      <a:srgbClr val="BFBFBF"/>
+    </a:folHlink>
+  </a:clrScheme>
+</a:themeOverride>
+</file>
+
+<file path=ppt/theme/themeOverride10.xml><?xml version="1.0" encoding="utf-8"?>
 <a:themeOverride xmlns:a="http://schemas.openxmlformats.org/drawingml/2006/main">
   <a:clrScheme name="协鑫">
     <a:dk1>
@@ -40540,4 +41703,47 @@
     </a:folHlink>
   </a:clrScheme>
 </a:themeOverride>
+</file>
+
+<file path=ppt/theme/themeOverride9.xml><?xml version="1.0" encoding="utf-8"?>
+<a:themeOverride xmlns:a="http://schemas.openxmlformats.org/drawingml/2006/main">
+  <a:clrScheme name="协鑫">
+    <a:dk1>
+      <a:srgbClr val="000000"/>
+    </a:dk1>
+    <a:lt1>
+      <a:srgbClr val="FFFFFF"/>
+    </a:lt1>
+    <a:dk2>
+      <a:srgbClr val="778495"/>
+    </a:dk2>
+    <a:lt2>
+      <a:srgbClr val="F0F0F0"/>
+    </a:lt2>
+    <a:accent1>
+      <a:srgbClr val="548BB7"/>
+    </a:accent1>
+    <a:accent2>
+      <a:srgbClr val="DD8047"/>
+    </a:accent2>
+    <a:accent3>
+      <a:srgbClr val="A5AB81"/>
+    </a:accent3>
+    <a:accent4>
+      <a:srgbClr val="D8B25C"/>
+    </a:accent4>
+    <a:accent5>
+      <a:srgbClr val="7BA79D"/>
+    </a:accent5>
+    <a:accent6>
+      <a:srgbClr val="968C8C"/>
+    </a:accent6>
+    <a:hlink>
+      <a:srgbClr val="548BB7"/>
+    </a:hlink>
+    <a:folHlink>
+      <a:srgbClr val="BFBFBF"/>
+    </a:folHlink>
+  </a:clrScheme>
+</a:themeOverride>
 </file>
--- a/RelationDocuments/8组_唐诗生成系统的设计与实现.pptx
+++ b/RelationDocuments/8组_唐诗生成系统的设计与实现.pptx
@@ -37707,7 +37707,7 @@
         </p:nvSpPr>
         <p:spPr>
           <a:xfrm>
-            <a:off x="7023100" y="1900555"/>
+            <a:off x="7023100" y="1998345"/>
             <a:ext cx="4497705" cy="2861310"/>
           </a:xfrm>
           <a:prstGeom prst="rect">
@@ -37763,7 +37763,7 @@
       </p:sp>
       <p:pic>
         <p:nvPicPr>
-          <p:cNvPr id="70" name="图片 27"/>
+          <p:cNvPr id="69" name="图片 26"/>
           <p:cNvPicPr>
             <a:picLocks noChangeAspect="1"/>
           </p:cNvPicPr>
@@ -37771,34 +37771,6 @@
         </p:nvPicPr>
         <p:blipFill>
           <a:blip r:embed="rId1"/>
-          <a:stretch>
-            <a:fillRect/>
-          </a:stretch>
-        </p:blipFill>
-        <p:spPr>
-          <a:xfrm>
-            <a:off x="944245" y="1491615"/>
-            <a:ext cx="6071235" cy="4511675"/>
-          </a:xfrm>
-          <a:prstGeom prst="rect">
-            <a:avLst/>
-          </a:prstGeom>
-          <a:noFill/>
-          <a:ln w="9525">
-            <a:noFill/>
-          </a:ln>
-        </p:spPr>
-      </p:pic>
-      <p:pic>
-        <p:nvPicPr>
-          <p:cNvPr id="69" name="图片 26"/>
-          <p:cNvPicPr>
-            <a:picLocks noChangeAspect="1"/>
-          </p:cNvPicPr>
-          <p:nvPr/>
-        </p:nvPicPr>
-        <p:blipFill>
-          <a:blip r:embed="rId2"/>
           <a:stretch>
             <a:fillRect/>
           </a:stretch>
@@ -37815,6 +37787,30 @@
           <a:ln w="9525">
             <a:noFill/>
           </a:ln>
+        </p:spPr>
+      </p:pic>
+      <p:pic>
+        <p:nvPicPr>
+          <p:cNvPr id="3" name="图片 2"/>
+          <p:cNvPicPr>
+            <a:picLocks noChangeAspect="1"/>
+          </p:cNvPicPr>
+          <p:nvPr/>
+        </p:nvPicPr>
+        <p:blipFill>
+          <a:blip r:embed="rId2"/>
+          <a:stretch>
+            <a:fillRect/>
+          </a:stretch>
+        </p:blipFill>
+        <p:spPr>
+          <a:xfrm>
+            <a:off x="944245" y="1598930"/>
+            <a:ext cx="5973445" cy="4843780"/>
+          </a:xfrm>
+          <a:prstGeom prst="rect">
+            <a:avLst/>
+          </a:prstGeom>
         </p:spPr>
       </p:pic>
     </p:spTree>

--- a/RelationDocuments/8组_唐诗生成系统的设计与实现.pptx
+++ b/RelationDocuments/8组_唐诗生成系统的设计与实现.pptx
@@ -1,29 +1,29 @@
 
 <file path=ppt/presentation.xml><?xml version="1.0" encoding="utf-8"?>
-<p:presentation xmlns:a="http://schemas.openxmlformats.org/drawingml/2006/main" xmlns:r="http://schemas.openxmlformats.org/officeDocument/2006/relationships" xmlns:p="http://schemas.openxmlformats.org/presentationml/2006/main" showSpecialPlsOnTitleSld="0">
+<p:presentation xmlns:a="http://schemas.openxmlformats.org/drawingml/2006/main" xmlns:r="http://schemas.openxmlformats.org/officeDocument/2006/relationships" xmlns:p="http://schemas.openxmlformats.org/presentationml/2006/main" showSpecialPlsOnTitleSld="0" saveSubsetFonts="1">
   <p:sldMasterIdLst>
     <p:sldMasterId id="2147483648" r:id="rId1"/>
   </p:sldMasterIdLst>
   <p:notesMasterIdLst>
-    <p:notesMasterId r:id="rId14"/>
+    <p:notesMasterId r:id="rId18"/>
   </p:notesMasterIdLst>
   <p:sldIdLst>
-    <p:sldId id="256" r:id="rId3"/>
-    <p:sldId id="269" r:id="rId4"/>
-    <p:sldId id="258" r:id="rId5"/>
-    <p:sldId id="1715" r:id="rId6"/>
-    <p:sldId id="1717" r:id="rId7"/>
-    <p:sldId id="1716" r:id="rId8"/>
-    <p:sldId id="1728" r:id="rId9"/>
-    <p:sldId id="1741" r:id="rId10"/>
-    <p:sldId id="1742" r:id="rId11"/>
-    <p:sldId id="1739" r:id="rId12"/>
-    <p:sldId id="1745" r:id="rId13"/>
-    <p:sldId id="1746" r:id="rId15"/>
-    <p:sldId id="1747" r:id="rId16"/>
-    <p:sldId id="1748" r:id="rId17"/>
-    <p:sldId id="1749" r:id="rId18"/>
-    <p:sldId id="1736" r:id="rId19"/>
+    <p:sldId id="256" r:id="rId2"/>
+    <p:sldId id="269" r:id="rId3"/>
+    <p:sldId id="258" r:id="rId4"/>
+    <p:sldId id="1715" r:id="rId5"/>
+    <p:sldId id="1717" r:id="rId6"/>
+    <p:sldId id="1716" r:id="rId7"/>
+    <p:sldId id="1728" r:id="rId8"/>
+    <p:sldId id="1741" r:id="rId9"/>
+    <p:sldId id="1742" r:id="rId10"/>
+    <p:sldId id="1739" r:id="rId11"/>
+    <p:sldId id="1745" r:id="rId12"/>
+    <p:sldId id="1746" r:id="rId13"/>
+    <p:sldId id="1747" r:id="rId14"/>
+    <p:sldId id="1748" r:id="rId15"/>
+    <p:sldId id="1749" r:id="rId16"/>
+    <p:sldId id="1736" r:id="rId17"/>
   </p:sldIdLst>
   <p:sldSz cx="12192000" cy="6858000"/>
   <p:notesSz cx="6858000" cy="9144000"/>
@@ -122,6 +122,11 @@
       </a:defRPr>
     </a:lvl9pPr>
   </p:defaultTextStyle>
+  <p:extLst>
+    <p:ext uri="{EFAFB233-063F-42B5-8137-9DF3F51BA10A}">
+      <p15:sldGuideLst xmlns:p15="http://schemas.microsoft.com/office/powerpoint/2012/main"/>
+    </p:ext>
+  </p:extLst>
 </p:presentation>
 </file>
 
@@ -134,6 +139,753 @@
 
 <file path=ppt/diagrams/colors1.xml><?xml version="1.0" encoding="utf-8"?>
 <dgm:colorsDef xmlns:dgm="http://schemas.openxmlformats.org/drawingml/2006/diagram" xmlns:a="http://schemas.openxmlformats.org/drawingml/2006/main" uniqueId="urn:microsoft.com/office/officeart/2005/8/colors/accent1_2">
+  <dgm:title val=""/>
+  <dgm:desc val=""/>
+  <dgm:catLst>
+    <dgm:cat type="accent1" pri="11200"/>
+  </dgm:catLst>
+  <dgm:styleLbl name="node0">
+    <dgm:fillClrLst meth="repeat">
+      <a:schemeClr val="accent1"/>
+    </dgm:fillClrLst>
+    <dgm:linClrLst meth="repeat">
+      <a:schemeClr val="lt1"/>
+    </dgm:linClrLst>
+    <dgm:effectClrLst/>
+    <dgm:txLinClrLst/>
+    <dgm:txFillClrLst/>
+    <dgm:txEffectClrLst/>
+  </dgm:styleLbl>
+  <dgm:styleLbl name="alignNode1">
+    <dgm:fillClrLst meth="repeat">
+      <a:schemeClr val="accent1"/>
+    </dgm:fillClrLst>
+    <dgm:linClrLst meth="repeat">
+      <a:schemeClr val="accent1"/>
+    </dgm:linClrLst>
+    <dgm:effectClrLst/>
+    <dgm:txLinClrLst/>
+    <dgm:txFillClrLst/>
+    <dgm:txEffectClrLst/>
+  </dgm:styleLbl>
+  <dgm:styleLbl name="node1">
+    <dgm:fillClrLst meth="repeat">
+      <a:schemeClr val="accent1"/>
+    </dgm:fillClrLst>
+    <dgm:linClrLst meth="repeat">
+      <a:schemeClr val="lt1"/>
+    </dgm:linClrLst>
+    <dgm:effectClrLst/>
+    <dgm:txLinClrLst/>
+    <dgm:txFillClrLst/>
+    <dgm:txEffectClrLst/>
+  </dgm:styleLbl>
+  <dgm:styleLbl name="lnNode1">
+    <dgm:fillClrLst meth="repeat">
+      <a:schemeClr val="accent1"/>
+    </dgm:fillClrLst>
+    <dgm:linClrLst meth="repeat">
+      <a:schemeClr val="lt1"/>
+    </dgm:linClrLst>
+    <dgm:effectClrLst/>
+    <dgm:txLinClrLst/>
+    <dgm:txFillClrLst/>
+    <dgm:txEffectClrLst/>
+  </dgm:styleLbl>
+  <dgm:styleLbl name="vennNode1">
+    <dgm:fillClrLst meth="repeat">
+      <a:schemeClr val="accent1">
+        <a:alpha val="50000"/>
+      </a:schemeClr>
+    </dgm:fillClrLst>
+    <dgm:linClrLst meth="repeat">
+      <a:schemeClr val="lt1"/>
+    </dgm:linClrLst>
+    <dgm:effectClrLst/>
+    <dgm:txLinClrLst/>
+    <dgm:txFillClrLst/>
+    <dgm:txEffectClrLst/>
+  </dgm:styleLbl>
+  <dgm:styleLbl name="node2">
+    <dgm:fillClrLst meth="repeat">
+      <a:schemeClr val="accent1"/>
+    </dgm:fillClrLst>
+    <dgm:linClrLst meth="repeat">
+      <a:schemeClr val="lt1"/>
+    </dgm:linClrLst>
+    <dgm:effectClrLst/>
+    <dgm:txLinClrLst/>
+    <dgm:txFillClrLst/>
+    <dgm:txEffectClrLst/>
+  </dgm:styleLbl>
+  <dgm:styleLbl name="node3">
+    <dgm:fillClrLst meth="repeat">
+      <a:schemeClr val="accent1"/>
+    </dgm:fillClrLst>
+    <dgm:linClrLst meth="repeat">
+      <a:schemeClr val="lt1"/>
+    </dgm:linClrLst>
+    <dgm:effectClrLst/>
+    <dgm:txLinClrLst/>
+    <dgm:txFillClrLst/>
+    <dgm:txEffectClrLst/>
+  </dgm:styleLbl>
+  <dgm:styleLbl name="node4">
+    <dgm:fillClrLst meth="repeat">
+      <a:schemeClr val="accent1"/>
+    </dgm:fillClrLst>
+    <dgm:linClrLst meth="repeat">
+      <a:schemeClr val="lt1"/>
+    </dgm:linClrLst>
+    <dgm:effectClrLst/>
+    <dgm:txLinClrLst/>
+    <dgm:txFillClrLst/>
+    <dgm:txEffectClrLst/>
+  </dgm:styleLbl>
+  <dgm:styleLbl name="fgImgPlace1">
+    <dgm:fillClrLst meth="repeat">
+      <a:schemeClr val="accent1">
+        <a:tint val="50000"/>
+      </a:schemeClr>
+    </dgm:fillClrLst>
+    <dgm:linClrLst meth="repeat">
+      <a:schemeClr val="lt1"/>
+    </dgm:linClrLst>
+    <dgm:effectClrLst/>
+    <dgm:txLinClrLst/>
+    <dgm:txFillClrLst meth="repeat">
+      <a:schemeClr val="lt1"/>
+    </dgm:txFillClrLst>
+    <dgm:txEffectClrLst/>
+  </dgm:styleLbl>
+  <dgm:styleLbl name="alignImgPlace1">
+    <dgm:fillClrLst meth="repeat">
+      <a:schemeClr val="accent1">
+        <a:tint val="50000"/>
+      </a:schemeClr>
+    </dgm:fillClrLst>
+    <dgm:linClrLst meth="repeat">
+      <a:schemeClr val="lt1"/>
+    </dgm:linClrLst>
+    <dgm:effectClrLst/>
+    <dgm:txLinClrLst/>
+    <dgm:txFillClrLst meth="repeat">
+      <a:schemeClr val="lt1"/>
+    </dgm:txFillClrLst>
+    <dgm:txEffectClrLst/>
+  </dgm:styleLbl>
+  <dgm:styleLbl name="bgImgPlace1">
+    <dgm:fillClrLst meth="repeat">
+      <a:schemeClr val="accent1">
+        <a:tint val="50000"/>
+      </a:schemeClr>
+    </dgm:fillClrLst>
+    <dgm:linClrLst meth="repeat">
+      <a:schemeClr val="lt1"/>
+    </dgm:linClrLst>
+    <dgm:effectClrLst/>
+    <dgm:txLinClrLst/>
+    <dgm:txFillClrLst meth="repeat">
+      <a:schemeClr val="lt1"/>
+    </dgm:txFillClrLst>
+    <dgm:txEffectClrLst/>
+  </dgm:styleLbl>
+  <dgm:styleLbl name="sibTrans2D1">
+    <dgm:fillClrLst meth="repeat">
+      <a:schemeClr val="accent1">
+        <a:tint val="60000"/>
+      </a:schemeClr>
+    </dgm:fillClrLst>
+    <dgm:linClrLst meth="repeat">
+      <a:schemeClr val="accent1">
+        <a:tint val="60000"/>
+      </a:schemeClr>
+    </dgm:linClrLst>
+    <dgm:effectClrLst/>
+    <dgm:txLinClrLst/>
+    <dgm:txFillClrLst/>
+    <dgm:txEffectClrLst/>
+  </dgm:styleLbl>
+  <dgm:styleLbl name="fgSibTrans2D1">
+    <dgm:fillClrLst meth="repeat">
+      <a:schemeClr val="accent1">
+        <a:tint val="60000"/>
+      </a:schemeClr>
+    </dgm:fillClrLst>
+    <dgm:linClrLst meth="repeat">
+      <a:schemeClr val="accent1">
+        <a:tint val="60000"/>
+      </a:schemeClr>
+    </dgm:linClrLst>
+    <dgm:effectClrLst/>
+    <dgm:txLinClrLst/>
+    <dgm:txFillClrLst/>
+    <dgm:txEffectClrLst/>
+  </dgm:styleLbl>
+  <dgm:styleLbl name="bgSibTrans2D1">
+    <dgm:fillClrLst meth="repeat">
+      <a:schemeClr val="accent1">
+        <a:tint val="60000"/>
+      </a:schemeClr>
+    </dgm:fillClrLst>
+    <dgm:linClrLst meth="repeat">
+      <a:schemeClr val="accent1">
+        <a:tint val="60000"/>
+      </a:schemeClr>
+    </dgm:linClrLst>
+    <dgm:effectClrLst/>
+    <dgm:txLinClrLst/>
+    <dgm:txFillClrLst/>
+    <dgm:txEffectClrLst/>
+  </dgm:styleLbl>
+  <dgm:styleLbl name="sibTrans1D1">
+    <dgm:fillClrLst meth="repeat">
+      <a:schemeClr val="accent1"/>
+    </dgm:fillClrLst>
+    <dgm:linClrLst meth="repeat">
+      <a:schemeClr val="accent1"/>
+    </dgm:linClrLst>
+    <dgm:effectClrLst/>
+    <dgm:txLinClrLst/>
+    <dgm:txFillClrLst meth="repeat">
+      <a:schemeClr val="tx1"/>
+    </dgm:txFillClrLst>
+    <dgm:txEffectClrLst/>
+  </dgm:styleLbl>
+  <dgm:styleLbl name="callout">
+    <dgm:fillClrLst meth="repeat">
+      <a:schemeClr val="accent1"/>
+    </dgm:fillClrLst>
+    <dgm:linClrLst meth="repeat">
+      <a:schemeClr val="accent1">
+        <a:tint val="50000"/>
+      </a:schemeClr>
+    </dgm:linClrLst>
+    <dgm:effectClrLst/>
+    <dgm:txLinClrLst/>
+    <dgm:txFillClrLst meth="repeat">
+      <a:schemeClr val="tx1"/>
+    </dgm:txFillClrLst>
+    <dgm:txEffectClrLst/>
+  </dgm:styleLbl>
+  <dgm:styleLbl name="asst0">
+    <dgm:fillClrLst meth="repeat">
+      <a:schemeClr val="accent1"/>
+    </dgm:fillClrLst>
+    <dgm:linClrLst meth="repeat">
+      <a:schemeClr val="lt1"/>
+    </dgm:linClrLst>
+    <dgm:effectClrLst/>
+    <dgm:txLinClrLst/>
+    <dgm:txFillClrLst/>
+    <dgm:txEffectClrLst/>
+  </dgm:styleLbl>
+  <dgm:styleLbl name="asst1">
+    <dgm:fillClrLst meth="repeat">
+      <a:schemeClr val="accent1"/>
+    </dgm:fillClrLst>
+    <dgm:linClrLst meth="repeat">
+      <a:schemeClr val="lt1"/>
+    </dgm:linClrLst>
+    <dgm:effectClrLst/>
+    <dgm:txLinClrLst/>
+    <dgm:txFillClrLst/>
+    <dgm:txEffectClrLst/>
+  </dgm:styleLbl>
+  <dgm:styleLbl name="asst2">
+    <dgm:fillClrLst meth="repeat">
+      <a:schemeClr val="accent1"/>
+    </dgm:fillClrLst>
+    <dgm:linClrLst meth="repeat">
+      <a:schemeClr val="lt1"/>
+    </dgm:linClrLst>
+    <dgm:effectClrLst/>
+    <dgm:txLinClrLst/>
+    <dgm:txFillClrLst/>
+    <dgm:txEffectClrLst/>
+  </dgm:styleLbl>
+  <dgm:styleLbl name="asst3">
+    <dgm:fillClrLst meth="repeat">
+      <a:schemeClr val="accent1"/>
+    </dgm:fillClrLst>
+    <dgm:linClrLst meth="repeat">
+      <a:schemeClr val="lt1"/>
+    </dgm:linClrLst>
+    <dgm:effectClrLst/>
+    <dgm:txLinClrLst/>
+    <dgm:txFillClrLst/>
+    <dgm:txEffectClrLst/>
+  </dgm:styleLbl>
+  <dgm:styleLbl name="asst4">
+    <dgm:fillClrLst meth="repeat">
+      <a:schemeClr val="accent1"/>
+    </dgm:fillClrLst>
+    <dgm:linClrLst meth="repeat">
+      <a:schemeClr val="lt1"/>
+    </dgm:linClrLst>
+    <dgm:effectClrLst/>
+    <dgm:txLinClrLst/>
+    <dgm:txFillClrLst/>
+    <dgm:txEffectClrLst/>
+  </dgm:styleLbl>
+  <dgm:styleLbl name="parChTrans2D1">
+    <dgm:fillClrLst meth="repeat">
+      <a:schemeClr val="accent1">
+        <a:tint val="60000"/>
+      </a:schemeClr>
+    </dgm:fillClrLst>
+    <dgm:linClrLst meth="repeat">
+      <a:schemeClr val="accent1">
+        <a:tint val="60000"/>
+      </a:schemeClr>
+    </dgm:linClrLst>
+    <dgm:effectClrLst/>
+    <dgm:txLinClrLst/>
+    <dgm:txFillClrLst meth="repeat">
+      <a:schemeClr val="lt1"/>
+    </dgm:txFillClrLst>
+    <dgm:txEffectClrLst/>
+  </dgm:styleLbl>
+  <dgm:styleLbl name="parChTrans2D2">
+    <dgm:fillClrLst meth="repeat">
+      <a:schemeClr val="accent1"/>
+    </dgm:fillClrLst>
+    <dgm:linClrLst meth="repeat">
+      <a:schemeClr val="accent1"/>
+    </dgm:linClrLst>
+    <dgm:effectClrLst/>
+    <dgm:txLinClrLst/>
+    <dgm:txFillClrLst meth="repeat">
+      <a:schemeClr val="lt1"/>
+    </dgm:txFillClrLst>
+    <dgm:txEffectClrLst/>
+  </dgm:styleLbl>
+  <dgm:styleLbl name="parChTrans2D3">
+    <dgm:fillClrLst meth="repeat">
+      <a:schemeClr val="accent1"/>
+    </dgm:fillClrLst>
+    <dgm:linClrLst meth="repeat">
+      <a:schemeClr val="accent1"/>
+    </dgm:linClrLst>
+    <dgm:effectClrLst/>
+    <dgm:txLinClrLst/>
+    <dgm:txFillClrLst meth="repeat">
+      <a:schemeClr val="lt1"/>
+    </dgm:txFillClrLst>
+    <dgm:txEffectClrLst/>
+  </dgm:styleLbl>
+  <dgm:styleLbl name="parChTrans2D4">
+    <dgm:fillClrLst meth="repeat">
+      <a:schemeClr val="accent1"/>
+    </dgm:fillClrLst>
+    <dgm:linClrLst meth="repeat">
+      <a:schemeClr val="accent1"/>
+    </dgm:linClrLst>
+    <dgm:effectClrLst/>
+    <dgm:txLinClrLst/>
+    <dgm:txFillClrLst meth="repeat">
+      <a:schemeClr val="lt1"/>
+    </dgm:txFillClrLst>
+    <dgm:txEffectClrLst/>
+  </dgm:styleLbl>
+  <dgm:styleLbl name="parChTrans1D1">
+    <dgm:fillClrLst meth="repeat">
+      <a:schemeClr val="accent1"/>
+    </dgm:fillClrLst>
+    <dgm:linClrLst meth="repeat">
+      <a:schemeClr val="accent1">
+        <a:shade val="60000"/>
+      </a:schemeClr>
+    </dgm:linClrLst>
+    <dgm:effectClrLst/>
+    <dgm:txLinClrLst/>
+    <dgm:txFillClrLst meth="repeat">
+      <a:schemeClr val="tx1"/>
+    </dgm:txFillClrLst>
+    <dgm:txEffectClrLst/>
+  </dgm:styleLbl>
+  <dgm:styleLbl name="parChTrans1D2">
+    <dgm:fillClrLst meth="repeat">
+      <a:schemeClr val="accent1"/>
+    </dgm:fillClrLst>
+    <dgm:linClrLst meth="repeat">
+      <a:schemeClr val="accent1">
+        <a:shade val="60000"/>
+      </a:schemeClr>
+    </dgm:linClrLst>
+    <dgm:effectClrLst/>
+    <dgm:txLinClrLst/>
+    <dgm:txFillClrLst meth="repeat">
+      <a:schemeClr val="tx1"/>
+    </dgm:txFillClrLst>
+    <dgm:txEffectClrLst/>
+  </dgm:styleLbl>
+  <dgm:styleLbl name="parChTrans1D3">
+    <dgm:fillClrLst meth="repeat">
+      <a:schemeClr val="accent1"/>
+    </dgm:fillClrLst>
+    <dgm:linClrLst meth="repeat">
+      <a:schemeClr val="accent1">
+        <a:shade val="80000"/>
+      </a:schemeClr>
+    </dgm:linClrLst>
+    <dgm:effectClrLst/>
+    <dgm:txLinClrLst/>
+    <dgm:txFillClrLst meth="repeat">
+      <a:schemeClr val="tx1"/>
+    </dgm:txFillClrLst>
+    <dgm:txEffectClrLst/>
+  </dgm:styleLbl>
+  <dgm:styleLbl name="parChTrans1D4">
+    <dgm:fillClrLst meth="repeat">
+      <a:schemeClr val="accent1"/>
+    </dgm:fillClrLst>
+    <dgm:linClrLst meth="repeat">
+      <a:schemeClr val="accent1">
+        <a:shade val="80000"/>
+      </a:schemeClr>
+    </dgm:linClrLst>
+    <dgm:effectClrLst/>
+    <dgm:txLinClrLst/>
+    <dgm:txFillClrLst meth="repeat">
+      <a:schemeClr val="tx1"/>
+    </dgm:txFillClrLst>
+    <dgm:txEffectClrLst/>
+  </dgm:styleLbl>
+  <dgm:styleLbl name="fgAcc1">
+    <dgm:fillClrLst meth="repeat">
+      <a:schemeClr val="lt1">
+        <a:alpha val="90000"/>
+      </a:schemeClr>
+    </dgm:fillClrLst>
+    <dgm:linClrLst meth="repeat">
+      <a:schemeClr val="accent1"/>
+    </dgm:linClrLst>
+    <dgm:effectClrLst/>
+    <dgm:txLinClrLst/>
+    <dgm:txFillClrLst meth="repeat">
+      <a:schemeClr val="dk1"/>
+    </dgm:txFillClrLst>
+    <dgm:txEffectClrLst/>
+  </dgm:styleLbl>
+  <dgm:styleLbl name="conFgAcc1">
+    <dgm:fillClrLst meth="repeat">
+      <a:schemeClr val="lt1">
+        <a:alpha val="90000"/>
+      </a:schemeClr>
+    </dgm:fillClrLst>
+    <dgm:linClrLst meth="repeat">
+      <a:schemeClr val="accent1"/>
+    </dgm:linClrLst>
+    <dgm:effectClrLst/>
+    <dgm:txLinClrLst/>
+    <dgm:txFillClrLst meth="repeat">
+      <a:schemeClr val="dk1"/>
+    </dgm:txFillClrLst>
+    <dgm:txEffectClrLst/>
+  </dgm:styleLbl>
+  <dgm:styleLbl name="alignAcc1">
+    <dgm:fillClrLst meth="repeat">
+      <a:schemeClr val="lt1">
+        <a:alpha val="90000"/>
+      </a:schemeClr>
+    </dgm:fillClrLst>
+    <dgm:linClrLst meth="repeat">
+      <a:schemeClr val="accent1"/>
+    </dgm:linClrLst>
+    <dgm:effectClrLst/>
+    <dgm:txLinClrLst/>
+    <dgm:txFillClrLst meth="repeat">
+      <a:schemeClr val="dk1"/>
+    </dgm:txFillClrLst>
+    <dgm:txEffectClrLst/>
+  </dgm:styleLbl>
+  <dgm:styleLbl name="trAlignAcc1">
+    <dgm:fillClrLst meth="repeat">
+      <a:schemeClr val="lt1">
+        <a:alpha val="40000"/>
+      </a:schemeClr>
+    </dgm:fillClrLst>
+    <dgm:linClrLst meth="repeat">
+      <a:schemeClr val="accent1"/>
+    </dgm:linClrLst>
+    <dgm:effectClrLst/>
+    <dgm:txLinClrLst/>
+    <dgm:txFillClrLst meth="repeat">
+      <a:schemeClr val="dk1"/>
+    </dgm:txFillClrLst>
+    <dgm:txEffectClrLst/>
+  </dgm:styleLbl>
+  <dgm:styleLbl name="bgAcc1">
+    <dgm:fillClrLst meth="repeat">
+      <a:schemeClr val="lt1">
+        <a:alpha val="90000"/>
+      </a:schemeClr>
+    </dgm:fillClrLst>
+    <dgm:linClrLst meth="repeat">
+      <a:schemeClr val="accent1"/>
+    </dgm:linClrLst>
+    <dgm:effectClrLst/>
+    <dgm:txLinClrLst/>
+    <dgm:txFillClrLst meth="repeat">
+      <a:schemeClr val="dk1"/>
+    </dgm:txFillClrLst>
+    <dgm:txEffectClrLst/>
+  </dgm:styleLbl>
+  <dgm:styleLbl name="solidFgAcc1">
+    <dgm:fillClrLst meth="repeat">
+      <a:schemeClr val="lt1"/>
+    </dgm:fillClrLst>
+    <dgm:linClrLst meth="repeat">
+      <a:schemeClr val="accent1"/>
+    </dgm:linClrLst>
+    <dgm:effectClrLst/>
+    <dgm:txLinClrLst/>
+    <dgm:txFillClrLst meth="repeat">
+      <a:schemeClr val="dk1"/>
+    </dgm:txFillClrLst>
+    <dgm:txEffectClrLst/>
+  </dgm:styleLbl>
+  <dgm:styleLbl name="solidAlignAcc1">
+    <dgm:fillClrLst meth="repeat">
+      <a:schemeClr val="lt1"/>
+    </dgm:fillClrLst>
+    <dgm:linClrLst meth="repeat">
+      <a:schemeClr val="accent1"/>
+    </dgm:linClrLst>
+    <dgm:effectClrLst/>
+    <dgm:txLinClrLst/>
+    <dgm:txFillClrLst meth="repeat">
+      <a:schemeClr val="dk1"/>
+    </dgm:txFillClrLst>
+    <dgm:txEffectClrLst/>
+  </dgm:styleLbl>
+  <dgm:styleLbl name="solidBgAcc1">
+    <dgm:fillClrLst meth="repeat">
+      <a:schemeClr val="lt1"/>
+    </dgm:fillClrLst>
+    <dgm:linClrLst meth="repeat">
+      <a:schemeClr val="accent1"/>
+    </dgm:linClrLst>
+    <dgm:effectClrLst/>
+    <dgm:txLinClrLst/>
+    <dgm:txFillClrLst meth="repeat">
+      <a:schemeClr val="dk1"/>
+    </dgm:txFillClrLst>
+    <dgm:txEffectClrLst/>
+  </dgm:styleLbl>
+  <dgm:styleLbl name="fgAccFollowNode1">
+    <dgm:fillClrLst meth="repeat">
+      <a:schemeClr val="accent1">
+        <a:alpha val="90000"/>
+        <a:tint val="40000"/>
+      </a:schemeClr>
+    </dgm:fillClrLst>
+    <dgm:linClrLst meth="repeat">
+      <a:schemeClr val="accent1">
+        <a:alpha val="90000"/>
+        <a:tint val="40000"/>
+      </a:schemeClr>
+    </dgm:linClrLst>
+    <dgm:effectClrLst/>
+    <dgm:txLinClrLst/>
+    <dgm:txFillClrLst meth="repeat">
+      <a:schemeClr val="dk1"/>
+    </dgm:txFillClrLst>
+    <dgm:txEffectClrLst/>
+  </dgm:styleLbl>
+  <dgm:styleLbl name="alignAccFollowNode1">
+    <dgm:fillClrLst meth="repeat">
+      <a:schemeClr val="accent1">
+        <a:alpha val="90000"/>
+        <a:tint val="40000"/>
+      </a:schemeClr>
+    </dgm:fillClrLst>
+    <dgm:linClrLst meth="repeat">
+      <a:schemeClr val="accent1">
+        <a:alpha val="90000"/>
+        <a:tint val="40000"/>
+      </a:schemeClr>
+    </dgm:linClrLst>
+    <dgm:effectClrLst/>
+    <dgm:txLinClrLst/>
+    <dgm:txFillClrLst meth="repeat">
+      <a:schemeClr val="dk1"/>
+    </dgm:txFillClrLst>
+    <dgm:txEffectClrLst/>
+  </dgm:styleLbl>
+  <dgm:styleLbl name="bgAccFollowNode1">
+    <dgm:fillClrLst meth="repeat">
+      <a:schemeClr val="accent1">
+        <a:alpha val="90000"/>
+        <a:tint val="40000"/>
+      </a:schemeClr>
+    </dgm:fillClrLst>
+    <dgm:linClrLst meth="repeat">
+      <a:schemeClr val="accent1">
+        <a:alpha val="90000"/>
+        <a:tint val="40000"/>
+      </a:schemeClr>
+    </dgm:linClrLst>
+    <dgm:effectClrLst/>
+    <dgm:txLinClrLst/>
+    <dgm:txFillClrLst meth="repeat">
+      <a:schemeClr val="dk1"/>
+    </dgm:txFillClrLst>
+    <dgm:txEffectClrLst/>
+  </dgm:styleLbl>
+  <dgm:styleLbl name="fgAcc0">
+    <dgm:fillClrLst meth="repeat">
+      <a:schemeClr val="lt1">
+        <a:alpha val="90000"/>
+      </a:schemeClr>
+    </dgm:fillClrLst>
+    <dgm:linClrLst meth="repeat">
+      <a:schemeClr val="accent1"/>
+    </dgm:linClrLst>
+    <dgm:effectClrLst/>
+    <dgm:txLinClrLst/>
+    <dgm:txFillClrLst meth="repeat">
+      <a:schemeClr val="dk1"/>
+    </dgm:txFillClrLst>
+    <dgm:txEffectClrLst/>
+  </dgm:styleLbl>
+  <dgm:styleLbl name="fgAcc2">
+    <dgm:fillClrLst meth="repeat">
+      <a:schemeClr val="lt1">
+        <a:alpha val="90000"/>
+      </a:schemeClr>
+    </dgm:fillClrLst>
+    <dgm:linClrLst meth="repeat">
+      <a:schemeClr val="accent1"/>
+    </dgm:linClrLst>
+    <dgm:effectClrLst/>
+    <dgm:txLinClrLst/>
+    <dgm:txFillClrLst meth="repeat">
+      <a:schemeClr val="dk1"/>
+    </dgm:txFillClrLst>
+    <dgm:txEffectClrLst/>
+  </dgm:styleLbl>
+  <dgm:styleLbl name="fgAcc3">
+    <dgm:fillClrLst meth="repeat">
+      <a:schemeClr val="lt1">
+        <a:alpha val="90000"/>
+      </a:schemeClr>
+    </dgm:fillClrLst>
+    <dgm:linClrLst meth="repeat">
+      <a:schemeClr val="accent1"/>
+    </dgm:linClrLst>
+    <dgm:effectClrLst/>
+    <dgm:txLinClrLst/>
+    <dgm:txFillClrLst meth="repeat">
+      <a:schemeClr val="dk1"/>
+    </dgm:txFillClrLst>
+    <dgm:txEffectClrLst/>
+  </dgm:styleLbl>
+  <dgm:styleLbl name="fgAcc4">
+    <dgm:fillClrLst meth="repeat">
+      <a:schemeClr val="lt1">
+        <a:alpha val="90000"/>
+      </a:schemeClr>
+    </dgm:fillClrLst>
+    <dgm:linClrLst meth="repeat">
+      <a:schemeClr val="accent1"/>
+    </dgm:linClrLst>
+    <dgm:effectClrLst/>
+    <dgm:txLinClrLst/>
+    <dgm:txFillClrLst meth="repeat">
+      <a:schemeClr val="dk1"/>
+    </dgm:txFillClrLst>
+    <dgm:txEffectClrLst/>
+  </dgm:styleLbl>
+  <dgm:styleLbl name="bgShp">
+    <dgm:fillClrLst meth="repeat">
+      <a:schemeClr val="accent1">
+        <a:tint val="40000"/>
+      </a:schemeClr>
+    </dgm:fillClrLst>
+    <dgm:linClrLst meth="repeat">
+      <a:schemeClr val="accent1"/>
+    </dgm:linClrLst>
+    <dgm:effectClrLst/>
+    <dgm:txLinClrLst/>
+    <dgm:txFillClrLst meth="repeat">
+      <a:schemeClr val="dk1"/>
+    </dgm:txFillClrLst>
+    <dgm:txEffectClrLst/>
+  </dgm:styleLbl>
+  <dgm:styleLbl name="dkBgShp">
+    <dgm:fillClrLst meth="repeat">
+      <a:schemeClr val="accent1">
+        <a:shade val="80000"/>
+      </a:schemeClr>
+    </dgm:fillClrLst>
+    <dgm:linClrLst meth="repeat">
+      <a:schemeClr val="accent1"/>
+    </dgm:linClrLst>
+    <dgm:effectClrLst/>
+    <dgm:txLinClrLst/>
+    <dgm:txFillClrLst meth="repeat">
+      <a:schemeClr val="lt1"/>
+    </dgm:txFillClrLst>
+    <dgm:txEffectClrLst/>
+  </dgm:styleLbl>
+  <dgm:styleLbl name="trBgShp">
+    <dgm:fillClrLst meth="repeat">
+      <a:schemeClr val="accent1">
+        <a:tint val="50000"/>
+        <a:alpha val="40000"/>
+      </a:schemeClr>
+    </dgm:fillClrLst>
+    <dgm:linClrLst meth="repeat">
+      <a:schemeClr val="accent1"/>
+    </dgm:linClrLst>
+    <dgm:effectClrLst/>
+    <dgm:txLinClrLst/>
+    <dgm:txFillClrLst meth="repeat">
+      <a:schemeClr val="lt1"/>
+    </dgm:txFillClrLst>
+    <dgm:txEffectClrLst/>
+  </dgm:styleLbl>
+  <dgm:styleLbl name="fgShp">
+    <dgm:fillClrLst meth="repeat">
+      <a:schemeClr val="accent1">
+        <a:tint val="60000"/>
+      </a:schemeClr>
+    </dgm:fillClrLst>
+    <dgm:linClrLst meth="repeat">
+      <a:schemeClr val="lt1"/>
+    </dgm:linClrLst>
+    <dgm:effectClrLst/>
+    <dgm:txLinClrLst/>
+    <dgm:txFillClrLst meth="repeat">
+      <a:schemeClr val="dk1"/>
+    </dgm:txFillClrLst>
+    <dgm:txEffectClrLst/>
+  </dgm:styleLbl>
+  <dgm:styleLbl name="revTx">
+    <dgm:fillClrLst meth="repeat">
+      <a:schemeClr val="lt1">
+        <a:alpha val="0"/>
+      </a:schemeClr>
+    </dgm:fillClrLst>
+    <dgm:linClrLst meth="repeat">
+      <a:schemeClr val="dk1">
+        <a:alpha val="0"/>
+      </a:schemeClr>
+    </dgm:linClrLst>
+    <dgm:effectClrLst/>
+    <dgm:txLinClrLst/>
+    <dgm:txFillClrLst meth="repeat">
+      <a:schemeClr val="tx1"/>
+    </dgm:txFillClrLst>
+    <dgm:txEffectClrLst/>
+  </dgm:styleLbl>
+</dgm:colorsDef>
+</file>
+
+<file path=ppt/diagrams/colors2.xml><?xml version="1.0" encoding="utf-8"?>
+<dgm:colorsDef xmlns:dgm="http://schemas.openxmlformats.org/drawingml/2006/diagram" xmlns:a="http://schemas.openxmlformats.org/drawingml/2006/main" uniqueId="urn:microsoft.com/office/officeart/2005/8/colors/accent1_2#1">
   <dgm:title val=""/>
   <dgm:desc val=""/>
   <dgm:catLst>
@@ -882,8 +1634,558 @@
 <file path=ppt/diagrams/data1.xml><?xml version="1.0" encoding="utf-8"?>
 <dgm:dataModel xmlns:dgm="http://schemas.openxmlformats.org/drawingml/2006/diagram" xmlns:a="http://schemas.openxmlformats.org/drawingml/2006/main">
   <dgm:ptLst>
+    <dgm:pt modelId="{2ABC4EB4-3F6E-DF4D-856E-7FD543576C80}" type="doc">
+      <dgm:prSet loTypeId="urn:microsoft.com/office/officeart/2005/8/layout/cycle4" loCatId="" qsTypeId="urn:microsoft.com/office/officeart/2005/8/quickstyle/simple4" qsCatId="simple" csTypeId="urn:microsoft.com/office/officeart/2005/8/colors/accent1_2" csCatId="accent1" phldr="1"/>
+      <dgm:spPr/>
+      <dgm:t>
+        <a:bodyPr/>
+        <a:lstStyle/>
+        <a:p>
+          <a:endParaRPr lang="zh-CN" altLang="en-US"/>
+        </a:p>
+      </dgm:t>
+    </dgm:pt>
+    <dgm:pt modelId="{09B2EDFE-F8E6-F342-972B-E0E6DE99E6F9}">
+      <dgm:prSet phldrT="[文本]"/>
+      <dgm:spPr/>
+      <dgm:t>
+        <a:bodyPr/>
+        <a:lstStyle/>
+        <a:p>
+          <a:r>
+            <a:rPr lang="zh-CN" altLang="en-US" dirty="0" smtClean="0"/>
+            <a:t>易用性</a:t>
+          </a:r>
+          <a:endParaRPr lang="zh-CN" altLang="en-US" dirty="0"/>
+        </a:p>
+      </dgm:t>
+    </dgm:pt>
+    <dgm:pt modelId="{B6589EDB-CFBB-2243-8E11-40E827CBAB43}" type="parTrans" cxnId="{409C1A96-B284-F444-BC8B-07DC1CD72E6E}">
+      <dgm:prSet/>
+      <dgm:spPr/>
+      <dgm:t>
+        <a:bodyPr/>
+        <a:lstStyle/>
+        <a:p>
+          <a:endParaRPr lang="zh-CN" altLang="en-US"/>
+        </a:p>
+      </dgm:t>
+    </dgm:pt>
+    <dgm:pt modelId="{A1F6711C-A614-3343-8C4B-367465A5DF12}" type="sibTrans" cxnId="{409C1A96-B284-F444-BC8B-07DC1CD72E6E}">
+      <dgm:prSet/>
+      <dgm:spPr/>
+      <dgm:t>
+        <a:bodyPr/>
+        <a:lstStyle/>
+        <a:p>
+          <a:endParaRPr lang="zh-CN" altLang="en-US"/>
+        </a:p>
+      </dgm:t>
+    </dgm:pt>
+    <dgm:pt modelId="{97F92224-B5BB-B447-8D7D-E73254FA7336}">
+      <dgm:prSet phldrT="[文本]"/>
+      <dgm:spPr/>
+      <dgm:t>
+        <a:bodyPr/>
+        <a:lstStyle/>
+        <a:p>
+          <a:r>
+            <a:rPr lang="zh-CN" altLang="en-US" dirty="0" smtClean="0"/>
+            <a:t>兼容性</a:t>
+          </a:r>
+          <a:endParaRPr lang="zh-CN" altLang="en-US" dirty="0"/>
+        </a:p>
+      </dgm:t>
+    </dgm:pt>
+    <dgm:pt modelId="{CE26C8B1-D5B1-0542-AA1D-B1BA0BF70C06}" type="parTrans" cxnId="{F6A36F3A-2CD3-E742-8EC9-FB5AE6A2B0C1}">
+      <dgm:prSet/>
+      <dgm:spPr/>
+      <dgm:t>
+        <a:bodyPr/>
+        <a:lstStyle/>
+        <a:p>
+          <a:endParaRPr lang="zh-CN" altLang="en-US"/>
+        </a:p>
+      </dgm:t>
+    </dgm:pt>
+    <dgm:pt modelId="{971B2D31-DD63-C44B-BD23-F3441373773E}" type="sibTrans" cxnId="{F6A36F3A-2CD3-E742-8EC9-FB5AE6A2B0C1}">
+      <dgm:prSet/>
+      <dgm:spPr/>
+      <dgm:t>
+        <a:bodyPr/>
+        <a:lstStyle/>
+        <a:p>
+          <a:endParaRPr lang="zh-CN" altLang="en-US"/>
+        </a:p>
+      </dgm:t>
+    </dgm:pt>
+    <dgm:pt modelId="{91989D48-03BC-3442-8C32-6876CE8C6FCE}">
+      <dgm:prSet phldrT="[文本]"/>
+      <dgm:spPr/>
+      <dgm:t>
+        <a:bodyPr/>
+        <a:lstStyle/>
+        <a:p>
+          <a:r>
+            <a:rPr lang="zh-CN" altLang="en-US" dirty="0" smtClean="0"/>
+            <a:t>健壮性</a:t>
+          </a:r>
+          <a:endParaRPr lang="zh-CN" altLang="en-US" dirty="0"/>
+        </a:p>
+      </dgm:t>
+    </dgm:pt>
+    <dgm:pt modelId="{0024CDD7-9E21-2A4C-9F96-917ED4A84930}" type="parTrans" cxnId="{904A56A4-F82E-AB43-905C-77E8B2A6512F}">
+      <dgm:prSet/>
+      <dgm:spPr/>
+      <dgm:t>
+        <a:bodyPr/>
+        <a:lstStyle/>
+        <a:p>
+          <a:endParaRPr lang="zh-CN" altLang="en-US"/>
+        </a:p>
+      </dgm:t>
+    </dgm:pt>
+    <dgm:pt modelId="{9C1968CF-1A7E-EE40-8EAD-ED7ACC8D209F}" type="sibTrans" cxnId="{904A56A4-F82E-AB43-905C-77E8B2A6512F}">
+      <dgm:prSet/>
+      <dgm:spPr/>
+      <dgm:t>
+        <a:bodyPr/>
+        <a:lstStyle/>
+        <a:p>
+          <a:endParaRPr lang="zh-CN" altLang="en-US"/>
+        </a:p>
+      </dgm:t>
+    </dgm:pt>
+    <dgm:pt modelId="{A9BD28BE-B715-5647-B5B8-A709E68185BB}">
+      <dgm:prSet phldrT="[文本]"/>
+      <dgm:spPr/>
+      <dgm:t>
+        <a:bodyPr/>
+        <a:lstStyle/>
+        <a:p>
+          <a:r>
+            <a:rPr lang="zh-CN" altLang="en-US" dirty="0" smtClean="0"/>
+            <a:t>性能体验</a:t>
+          </a:r>
+          <a:endParaRPr lang="zh-CN" altLang="en-US" dirty="0"/>
+        </a:p>
+      </dgm:t>
+    </dgm:pt>
+    <dgm:pt modelId="{4B0D7E35-BF22-4546-8DF0-C18B7DC98A98}" type="parTrans" cxnId="{E5FDF2E3-768A-7943-9260-AB9302DB6493}">
+      <dgm:prSet/>
+      <dgm:spPr/>
+      <dgm:t>
+        <a:bodyPr/>
+        <a:lstStyle/>
+        <a:p>
+          <a:endParaRPr lang="zh-CN" altLang="en-US"/>
+        </a:p>
+      </dgm:t>
+    </dgm:pt>
+    <dgm:pt modelId="{420A43FB-070B-7A4F-88C9-406B082D7EFD}" type="sibTrans" cxnId="{E5FDF2E3-768A-7943-9260-AB9302DB6493}">
+      <dgm:prSet/>
+      <dgm:spPr/>
+      <dgm:t>
+        <a:bodyPr/>
+        <a:lstStyle/>
+        <a:p>
+          <a:endParaRPr lang="zh-CN" altLang="en-US"/>
+        </a:p>
+      </dgm:t>
+    </dgm:pt>
+    <dgm:pt modelId="{E3A9C0AC-2985-9748-9A3D-A7EA523BE588}">
+      <dgm:prSet custT="1"/>
+      <dgm:spPr/>
+      <dgm:t>
+        <a:bodyPr/>
+        <a:lstStyle/>
+        <a:p>
+          <a:r>
+            <a:rPr lang="zh-CN" altLang="en-US" sz="2000" dirty="0" smtClean="0"/>
+            <a:t>易操作</a:t>
+          </a:r>
+          <a:endParaRPr lang="zh-CN" altLang="en-US" sz="2000" dirty="0"/>
+        </a:p>
+      </dgm:t>
+    </dgm:pt>
+    <dgm:pt modelId="{81A81A2A-BC2E-D746-8550-46F89F68093B}" type="parTrans" cxnId="{7C1221F1-B253-4D49-9379-881131FC7E2E}">
+      <dgm:prSet/>
+      <dgm:spPr/>
+      <dgm:t>
+        <a:bodyPr/>
+        <a:lstStyle/>
+        <a:p>
+          <a:endParaRPr lang="zh-CN" altLang="en-US"/>
+        </a:p>
+      </dgm:t>
+    </dgm:pt>
+    <dgm:pt modelId="{73FADB23-336B-4746-8B7A-69EEC90EE353}" type="sibTrans" cxnId="{7C1221F1-B253-4D49-9379-881131FC7E2E}">
+      <dgm:prSet/>
+      <dgm:spPr/>
+      <dgm:t>
+        <a:bodyPr/>
+        <a:lstStyle/>
+        <a:p>
+          <a:endParaRPr lang="zh-CN" altLang="en-US"/>
+        </a:p>
+      </dgm:t>
+    </dgm:pt>
+    <dgm:pt modelId="{8FC1F4D4-29DD-6148-B001-BF4346F1AA1E}">
+      <dgm:prSet/>
+      <dgm:spPr/>
+      <dgm:t>
+        <a:bodyPr/>
+        <a:lstStyle/>
+        <a:p>
+          <a:r>
+            <a:rPr lang="zh-CN" altLang="en-US" dirty="0" smtClean="0"/>
+            <a:t>兼容主流浏览器</a:t>
+          </a:r>
+          <a:endParaRPr lang="zh-CN" altLang="en-US" dirty="0"/>
+        </a:p>
+      </dgm:t>
+    </dgm:pt>
+    <dgm:pt modelId="{127B7232-0DD7-7941-B496-D9295C3FFC63}" type="parTrans" cxnId="{A5995EDB-0F53-CD44-9AC3-77B735F6287B}">
+      <dgm:prSet/>
+      <dgm:spPr/>
+      <dgm:t>
+        <a:bodyPr/>
+        <a:lstStyle/>
+        <a:p>
+          <a:endParaRPr lang="zh-CN" altLang="en-US"/>
+        </a:p>
+      </dgm:t>
+    </dgm:pt>
+    <dgm:pt modelId="{8A424D5A-F1BA-2D48-AEF5-710B4A6AD54F}" type="sibTrans" cxnId="{A5995EDB-0F53-CD44-9AC3-77B735F6287B}">
+      <dgm:prSet/>
+      <dgm:spPr/>
+      <dgm:t>
+        <a:bodyPr/>
+        <a:lstStyle/>
+        <a:p>
+          <a:endParaRPr lang="zh-CN" altLang="en-US"/>
+        </a:p>
+      </dgm:t>
+    </dgm:pt>
+    <dgm:pt modelId="{B75C7F80-57A3-4F49-BE73-6D52F251B644}">
+      <dgm:prSet/>
+      <dgm:spPr/>
+      <dgm:t>
+        <a:bodyPr/>
+        <a:lstStyle/>
+        <a:p>
+          <a:r>
+            <a:rPr lang="zh-CN" altLang="en-US" dirty="0" smtClean="0"/>
+            <a:t>速度达标</a:t>
+          </a:r>
+          <a:endParaRPr lang="zh-CN" altLang="en-US" dirty="0"/>
+        </a:p>
+      </dgm:t>
+    </dgm:pt>
+    <dgm:pt modelId="{7C423B07-21EA-9149-93E2-431055B024D0}" type="parTrans" cxnId="{C4FEE5C4-2CB6-2042-A668-FF31B18489C1}">
+      <dgm:prSet/>
+      <dgm:spPr/>
+      <dgm:t>
+        <a:bodyPr/>
+        <a:lstStyle/>
+        <a:p>
+          <a:endParaRPr lang="zh-CN" altLang="en-US"/>
+        </a:p>
+      </dgm:t>
+    </dgm:pt>
+    <dgm:pt modelId="{7D188ECC-55B4-A744-8A40-3BD64ACBF74C}" type="sibTrans" cxnId="{C4FEE5C4-2CB6-2042-A668-FF31B18489C1}">
+      <dgm:prSet/>
+      <dgm:spPr/>
+      <dgm:t>
+        <a:bodyPr/>
+        <a:lstStyle/>
+        <a:p>
+          <a:endParaRPr lang="zh-CN" altLang="en-US"/>
+        </a:p>
+      </dgm:t>
+    </dgm:pt>
+    <dgm:pt modelId="{D35F00D1-B677-1040-AFFB-656C8B66B5CB}">
+      <dgm:prSet/>
+      <dgm:spPr/>
+      <dgm:t>
+        <a:bodyPr/>
+        <a:lstStyle/>
+        <a:p>
+          <a:r>
+            <a:rPr lang="zh-CN" altLang="en-US" dirty="0" smtClean="0"/>
+            <a:t>稳定无异常</a:t>
+          </a:r>
+          <a:endParaRPr lang="zh-CN" altLang="en-US" dirty="0"/>
+        </a:p>
+      </dgm:t>
+    </dgm:pt>
+    <dgm:pt modelId="{FEF04160-4052-024E-BB4D-1B174362A932}" type="parTrans" cxnId="{BA763FA0-7BBC-8840-B1B2-B02F70D575C5}">
+      <dgm:prSet/>
+      <dgm:spPr/>
+      <dgm:t>
+        <a:bodyPr/>
+        <a:lstStyle/>
+        <a:p>
+          <a:endParaRPr lang="zh-CN" altLang="en-US"/>
+        </a:p>
+      </dgm:t>
+    </dgm:pt>
+    <dgm:pt modelId="{69D50985-5C20-F841-9894-7E0D1FBFD807}" type="sibTrans" cxnId="{BA763FA0-7BBC-8840-B1B2-B02F70D575C5}">
+      <dgm:prSet/>
+      <dgm:spPr/>
+      <dgm:t>
+        <a:bodyPr/>
+        <a:lstStyle/>
+        <a:p>
+          <a:endParaRPr lang="zh-CN" altLang="en-US"/>
+        </a:p>
+      </dgm:t>
+    </dgm:pt>
+    <dgm:pt modelId="{9BACF3A6-9089-214A-B9BE-DA93EB68FB0B}" type="pres">
+      <dgm:prSet presAssocID="{2ABC4EB4-3F6E-DF4D-856E-7FD543576C80}" presName="cycleMatrixDiagram" presStyleCnt="0">
+        <dgm:presLayoutVars>
+          <dgm:chMax val="1"/>
+          <dgm:dir/>
+          <dgm:animLvl val="lvl"/>
+          <dgm:resizeHandles val="exact"/>
+        </dgm:presLayoutVars>
+      </dgm:prSet>
+      <dgm:spPr/>
+    </dgm:pt>
+    <dgm:pt modelId="{15638F01-E562-F64E-B3D9-E2E01944ABB6}" type="pres">
+      <dgm:prSet presAssocID="{2ABC4EB4-3F6E-DF4D-856E-7FD543576C80}" presName="children" presStyleCnt="0"/>
+      <dgm:spPr/>
+    </dgm:pt>
+    <dgm:pt modelId="{ADB2ADAC-649D-CB4A-9C8A-0B0B9E2B44E9}" type="pres">
+      <dgm:prSet presAssocID="{2ABC4EB4-3F6E-DF4D-856E-7FD543576C80}" presName="child1group" presStyleCnt="0"/>
+      <dgm:spPr/>
+    </dgm:pt>
+    <dgm:pt modelId="{F2EDB17F-4769-6F42-A789-388E4E49784D}" type="pres">
+      <dgm:prSet presAssocID="{2ABC4EB4-3F6E-DF4D-856E-7FD543576C80}" presName="child1" presStyleLbl="bgAcc1" presStyleIdx="0" presStyleCnt="4"/>
+      <dgm:spPr/>
+      <dgm:t>
+        <a:bodyPr/>
+        <a:lstStyle/>
+        <a:p>
+          <a:endParaRPr lang="zh-CN" altLang="en-US"/>
+        </a:p>
+      </dgm:t>
+    </dgm:pt>
+    <dgm:pt modelId="{32531D89-2601-2648-9256-53406600E79A}" type="pres">
+      <dgm:prSet presAssocID="{2ABC4EB4-3F6E-DF4D-856E-7FD543576C80}" presName="child1Text" presStyleLbl="bgAcc1" presStyleIdx="0" presStyleCnt="4">
+        <dgm:presLayoutVars>
+          <dgm:bulletEnabled val="1"/>
+        </dgm:presLayoutVars>
+      </dgm:prSet>
+      <dgm:spPr/>
+      <dgm:t>
+        <a:bodyPr/>
+        <a:lstStyle/>
+        <a:p>
+          <a:endParaRPr lang="zh-CN" altLang="en-US"/>
+        </a:p>
+      </dgm:t>
+    </dgm:pt>
+    <dgm:pt modelId="{691ADFCC-004C-CE4C-A438-492DC749284C}" type="pres">
+      <dgm:prSet presAssocID="{2ABC4EB4-3F6E-DF4D-856E-7FD543576C80}" presName="child2group" presStyleCnt="0"/>
+      <dgm:spPr/>
+    </dgm:pt>
+    <dgm:pt modelId="{BADA15AD-23FD-8C4E-9168-EAFC4C0D34F0}" type="pres">
+      <dgm:prSet presAssocID="{2ABC4EB4-3F6E-DF4D-856E-7FD543576C80}" presName="child2" presStyleLbl="bgAcc1" presStyleIdx="1" presStyleCnt="4"/>
+      <dgm:spPr/>
+      <dgm:t>
+        <a:bodyPr/>
+        <a:lstStyle/>
+        <a:p>
+          <a:endParaRPr lang="zh-CN" altLang="en-US"/>
+        </a:p>
+      </dgm:t>
+    </dgm:pt>
+    <dgm:pt modelId="{445BBD25-C3B3-9F44-95C8-0CD63C6B4849}" type="pres">
+      <dgm:prSet presAssocID="{2ABC4EB4-3F6E-DF4D-856E-7FD543576C80}" presName="child2Text" presStyleLbl="bgAcc1" presStyleIdx="1" presStyleCnt="4">
+        <dgm:presLayoutVars>
+          <dgm:bulletEnabled val="1"/>
+        </dgm:presLayoutVars>
+      </dgm:prSet>
+      <dgm:spPr/>
+    </dgm:pt>
+    <dgm:pt modelId="{3E2061F2-6068-CD46-9E37-7E04A7F0FC01}" type="pres">
+      <dgm:prSet presAssocID="{2ABC4EB4-3F6E-DF4D-856E-7FD543576C80}" presName="child3group" presStyleCnt="0"/>
+      <dgm:spPr/>
+    </dgm:pt>
+    <dgm:pt modelId="{7AEF4479-B363-514E-865A-6BA79DFBD4DE}" type="pres">
+      <dgm:prSet presAssocID="{2ABC4EB4-3F6E-DF4D-856E-7FD543576C80}" presName="child3" presStyleLbl="bgAcc1" presStyleIdx="2" presStyleCnt="4"/>
+      <dgm:spPr/>
+      <dgm:t>
+        <a:bodyPr/>
+        <a:lstStyle/>
+        <a:p>
+          <a:endParaRPr lang="zh-CN" altLang="en-US"/>
+        </a:p>
+      </dgm:t>
+    </dgm:pt>
+    <dgm:pt modelId="{596CBF44-C16C-644C-A6AC-F5C4BEAB2EBF}" type="pres">
+      <dgm:prSet presAssocID="{2ABC4EB4-3F6E-DF4D-856E-7FD543576C80}" presName="child3Text" presStyleLbl="bgAcc1" presStyleIdx="2" presStyleCnt="4">
+        <dgm:presLayoutVars>
+          <dgm:bulletEnabled val="1"/>
+        </dgm:presLayoutVars>
+      </dgm:prSet>
+      <dgm:spPr/>
+      <dgm:t>
+        <a:bodyPr/>
+        <a:lstStyle/>
+        <a:p>
+          <a:endParaRPr lang="zh-CN" altLang="en-US"/>
+        </a:p>
+      </dgm:t>
+    </dgm:pt>
+    <dgm:pt modelId="{DE2E3A50-73DC-334D-A90F-D7FEEF425437}" type="pres">
+      <dgm:prSet presAssocID="{2ABC4EB4-3F6E-DF4D-856E-7FD543576C80}" presName="child4group" presStyleCnt="0"/>
+      <dgm:spPr/>
+    </dgm:pt>
+    <dgm:pt modelId="{14073936-5319-7F42-B873-D3E9746BF551}" type="pres">
+      <dgm:prSet presAssocID="{2ABC4EB4-3F6E-DF4D-856E-7FD543576C80}" presName="child4" presStyleLbl="bgAcc1" presStyleIdx="3" presStyleCnt="4"/>
+      <dgm:spPr/>
+      <dgm:t>
+        <a:bodyPr/>
+        <a:lstStyle/>
+        <a:p>
+          <a:endParaRPr lang="zh-CN" altLang="en-US"/>
+        </a:p>
+      </dgm:t>
+    </dgm:pt>
+    <dgm:pt modelId="{B01519E8-4849-144E-A0F7-7734D1E04CCB}" type="pres">
+      <dgm:prSet presAssocID="{2ABC4EB4-3F6E-DF4D-856E-7FD543576C80}" presName="child4Text" presStyleLbl="bgAcc1" presStyleIdx="3" presStyleCnt="4">
+        <dgm:presLayoutVars>
+          <dgm:bulletEnabled val="1"/>
+        </dgm:presLayoutVars>
+      </dgm:prSet>
+      <dgm:spPr/>
+      <dgm:t>
+        <a:bodyPr/>
+        <a:lstStyle/>
+        <a:p>
+          <a:endParaRPr lang="zh-CN" altLang="en-US"/>
+        </a:p>
+      </dgm:t>
+    </dgm:pt>
+    <dgm:pt modelId="{BFCF0D74-669E-0940-BC66-4D8C78EC971A}" type="pres">
+      <dgm:prSet presAssocID="{2ABC4EB4-3F6E-DF4D-856E-7FD543576C80}" presName="childPlaceholder" presStyleCnt="0"/>
+      <dgm:spPr/>
+    </dgm:pt>
+    <dgm:pt modelId="{9722D883-FF49-AF43-A8F2-5496D30381F3}" type="pres">
+      <dgm:prSet presAssocID="{2ABC4EB4-3F6E-DF4D-856E-7FD543576C80}" presName="circle" presStyleCnt="0"/>
+      <dgm:spPr/>
+    </dgm:pt>
+    <dgm:pt modelId="{295DA211-510E-3F48-B816-95B10DE3D4AF}" type="pres">
+      <dgm:prSet presAssocID="{2ABC4EB4-3F6E-DF4D-856E-7FD543576C80}" presName="quadrant1" presStyleLbl="node1" presStyleIdx="0" presStyleCnt="4">
+        <dgm:presLayoutVars>
+          <dgm:chMax val="1"/>
+          <dgm:bulletEnabled val="1"/>
+        </dgm:presLayoutVars>
+      </dgm:prSet>
+      <dgm:spPr/>
+    </dgm:pt>
+    <dgm:pt modelId="{43728F47-5CBA-514E-BE78-A91513AB7D66}" type="pres">
+      <dgm:prSet presAssocID="{2ABC4EB4-3F6E-DF4D-856E-7FD543576C80}" presName="quadrant2" presStyleLbl="node1" presStyleIdx="1" presStyleCnt="4">
+        <dgm:presLayoutVars>
+          <dgm:chMax val="1"/>
+          <dgm:bulletEnabled val="1"/>
+        </dgm:presLayoutVars>
+      </dgm:prSet>
+      <dgm:spPr/>
+    </dgm:pt>
+    <dgm:pt modelId="{3B4D8E00-1FFC-0E49-8389-C92A4F9E88C3}" type="pres">
+      <dgm:prSet presAssocID="{2ABC4EB4-3F6E-DF4D-856E-7FD543576C80}" presName="quadrant3" presStyleLbl="node1" presStyleIdx="2" presStyleCnt="4">
+        <dgm:presLayoutVars>
+          <dgm:chMax val="1"/>
+          <dgm:bulletEnabled val="1"/>
+        </dgm:presLayoutVars>
+      </dgm:prSet>
+      <dgm:spPr/>
+    </dgm:pt>
+    <dgm:pt modelId="{8D5B65D1-6328-4843-A06C-16E41F9DAC1B}" type="pres">
+      <dgm:prSet presAssocID="{2ABC4EB4-3F6E-DF4D-856E-7FD543576C80}" presName="quadrant4" presStyleLbl="node1" presStyleIdx="3" presStyleCnt="4">
+        <dgm:presLayoutVars>
+          <dgm:chMax val="1"/>
+          <dgm:bulletEnabled val="1"/>
+        </dgm:presLayoutVars>
+      </dgm:prSet>
+      <dgm:spPr/>
+    </dgm:pt>
+    <dgm:pt modelId="{445C8F3F-B00D-A347-A4C8-62BA02C89F0D}" type="pres">
+      <dgm:prSet presAssocID="{2ABC4EB4-3F6E-DF4D-856E-7FD543576C80}" presName="quadrantPlaceholder" presStyleCnt="0"/>
+      <dgm:spPr/>
+    </dgm:pt>
+    <dgm:pt modelId="{90855219-6404-3D40-8146-ECE4F4DC656E}" type="pres">
+      <dgm:prSet presAssocID="{2ABC4EB4-3F6E-DF4D-856E-7FD543576C80}" presName="center1" presStyleLbl="fgShp" presStyleIdx="0" presStyleCnt="2"/>
+      <dgm:spPr/>
+    </dgm:pt>
+    <dgm:pt modelId="{FF989D32-2A85-0543-A1D0-2568A881F07D}" type="pres">
+      <dgm:prSet presAssocID="{2ABC4EB4-3F6E-DF4D-856E-7FD543576C80}" presName="center2" presStyleLbl="fgShp" presStyleIdx="1" presStyleCnt="2"/>
+      <dgm:spPr/>
+    </dgm:pt>
+  </dgm:ptLst>
+  <dgm:cxnLst>
+    <dgm:cxn modelId="{4120BCD4-C2F9-E54B-91B6-1D25D39A9737}" type="presOf" srcId="{A9BD28BE-B715-5647-B5B8-A709E68185BB}" destId="{8D5B65D1-6328-4843-A06C-16E41F9DAC1B}" srcOrd="0" destOrd="0" presId="urn:microsoft.com/office/officeart/2005/8/layout/cycle4"/>
+    <dgm:cxn modelId="{C4FEE5C4-2CB6-2042-A668-FF31B18489C1}" srcId="{A9BD28BE-B715-5647-B5B8-A709E68185BB}" destId="{B75C7F80-57A3-4F49-BE73-6D52F251B644}" srcOrd="0" destOrd="0" parTransId="{7C423B07-21EA-9149-93E2-431055B024D0}" sibTransId="{7D188ECC-55B4-A744-8A40-3BD64ACBF74C}"/>
+    <dgm:cxn modelId="{B40EB6CD-AB68-4B4E-BC32-6EB319123F36}" type="presOf" srcId="{91989D48-03BC-3442-8C32-6876CE8C6FCE}" destId="{3B4D8E00-1FFC-0E49-8389-C92A4F9E88C3}" srcOrd="0" destOrd="0" presId="urn:microsoft.com/office/officeart/2005/8/layout/cycle4"/>
+    <dgm:cxn modelId="{FFF0E220-5BF1-394C-A9CC-B285B907E348}" type="presOf" srcId="{B75C7F80-57A3-4F49-BE73-6D52F251B644}" destId="{14073936-5319-7F42-B873-D3E9746BF551}" srcOrd="0" destOrd="0" presId="urn:microsoft.com/office/officeart/2005/8/layout/cycle4"/>
+    <dgm:cxn modelId="{BA763FA0-7BBC-8840-B1B2-B02F70D575C5}" srcId="{91989D48-03BC-3442-8C32-6876CE8C6FCE}" destId="{D35F00D1-B677-1040-AFFB-656C8B66B5CB}" srcOrd="0" destOrd="0" parTransId="{FEF04160-4052-024E-BB4D-1B174362A932}" sibTransId="{69D50985-5C20-F841-9894-7E0D1FBFD807}"/>
+    <dgm:cxn modelId="{DE50EF89-0690-0D4D-B915-EC2E7C84033C}" type="presOf" srcId="{E3A9C0AC-2985-9748-9A3D-A7EA523BE588}" destId="{F2EDB17F-4769-6F42-A789-388E4E49784D}" srcOrd="0" destOrd="0" presId="urn:microsoft.com/office/officeart/2005/8/layout/cycle4"/>
+    <dgm:cxn modelId="{A5995EDB-0F53-CD44-9AC3-77B735F6287B}" srcId="{97F92224-B5BB-B447-8D7D-E73254FA7336}" destId="{8FC1F4D4-29DD-6148-B001-BF4346F1AA1E}" srcOrd="0" destOrd="0" parTransId="{127B7232-0DD7-7941-B496-D9295C3FFC63}" sibTransId="{8A424D5A-F1BA-2D48-AEF5-710B4A6AD54F}"/>
+    <dgm:cxn modelId="{1BA291B2-B867-8D44-BC69-952FFE909A95}" type="presOf" srcId="{8FC1F4D4-29DD-6148-B001-BF4346F1AA1E}" destId="{445BBD25-C3B3-9F44-95C8-0CD63C6B4849}" srcOrd="1" destOrd="0" presId="urn:microsoft.com/office/officeart/2005/8/layout/cycle4"/>
+    <dgm:cxn modelId="{F6A36F3A-2CD3-E742-8EC9-FB5AE6A2B0C1}" srcId="{2ABC4EB4-3F6E-DF4D-856E-7FD543576C80}" destId="{97F92224-B5BB-B447-8D7D-E73254FA7336}" srcOrd="1" destOrd="0" parTransId="{CE26C8B1-D5B1-0542-AA1D-B1BA0BF70C06}" sibTransId="{971B2D31-DD63-C44B-BD23-F3441373773E}"/>
+    <dgm:cxn modelId="{851CD64A-A11D-C144-B369-F998F8C0F687}" type="presOf" srcId="{97F92224-B5BB-B447-8D7D-E73254FA7336}" destId="{43728F47-5CBA-514E-BE78-A91513AB7D66}" srcOrd="0" destOrd="0" presId="urn:microsoft.com/office/officeart/2005/8/layout/cycle4"/>
+    <dgm:cxn modelId="{271106F1-0A0D-5C45-9263-6EE525920AA0}" type="presOf" srcId="{2ABC4EB4-3F6E-DF4D-856E-7FD543576C80}" destId="{9BACF3A6-9089-214A-B9BE-DA93EB68FB0B}" srcOrd="0" destOrd="0" presId="urn:microsoft.com/office/officeart/2005/8/layout/cycle4"/>
+    <dgm:cxn modelId="{7C1221F1-B253-4D49-9379-881131FC7E2E}" srcId="{09B2EDFE-F8E6-F342-972B-E0E6DE99E6F9}" destId="{E3A9C0AC-2985-9748-9A3D-A7EA523BE588}" srcOrd="0" destOrd="0" parTransId="{81A81A2A-BC2E-D746-8550-46F89F68093B}" sibTransId="{73FADB23-336B-4746-8B7A-69EEC90EE353}"/>
+    <dgm:cxn modelId="{FCD1AADC-2E3A-C246-A905-FC5E3EF6043F}" type="presOf" srcId="{09B2EDFE-F8E6-F342-972B-E0E6DE99E6F9}" destId="{295DA211-510E-3F48-B816-95B10DE3D4AF}" srcOrd="0" destOrd="0" presId="urn:microsoft.com/office/officeart/2005/8/layout/cycle4"/>
+    <dgm:cxn modelId="{CF42EC88-225D-5D47-BE71-E190B2F12A75}" type="presOf" srcId="{E3A9C0AC-2985-9748-9A3D-A7EA523BE588}" destId="{32531D89-2601-2648-9256-53406600E79A}" srcOrd="1" destOrd="0" presId="urn:microsoft.com/office/officeart/2005/8/layout/cycle4"/>
+    <dgm:cxn modelId="{47558C47-8AAC-E14F-B3DA-ED6978D9A276}" type="presOf" srcId="{D35F00D1-B677-1040-AFFB-656C8B66B5CB}" destId="{7AEF4479-B363-514E-865A-6BA79DFBD4DE}" srcOrd="0" destOrd="0" presId="urn:microsoft.com/office/officeart/2005/8/layout/cycle4"/>
+    <dgm:cxn modelId="{76CE6086-164D-834E-9251-0B076B1113A5}" type="presOf" srcId="{8FC1F4D4-29DD-6148-B001-BF4346F1AA1E}" destId="{BADA15AD-23FD-8C4E-9168-EAFC4C0D34F0}" srcOrd="0" destOrd="0" presId="urn:microsoft.com/office/officeart/2005/8/layout/cycle4"/>
+    <dgm:cxn modelId="{409C1A96-B284-F444-BC8B-07DC1CD72E6E}" srcId="{2ABC4EB4-3F6E-DF4D-856E-7FD543576C80}" destId="{09B2EDFE-F8E6-F342-972B-E0E6DE99E6F9}" srcOrd="0" destOrd="0" parTransId="{B6589EDB-CFBB-2243-8E11-40E827CBAB43}" sibTransId="{A1F6711C-A614-3343-8C4B-367465A5DF12}"/>
+    <dgm:cxn modelId="{B89DF01D-3501-2242-9439-F47E8F5FF595}" type="presOf" srcId="{B75C7F80-57A3-4F49-BE73-6D52F251B644}" destId="{B01519E8-4849-144E-A0F7-7734D1E04CCB}" srcOrd="1" destOrd="0" presId="urn:microsoft.com/office/officeart/2005/8/layout/cycle4"/>
+    <dgm:cxn modelId="{904A56A4-F82E-AB43-905C-77E8B2A6512F}" srcId="{2ABC4EB4-3F6E-DF4D-856E-7FD543576C80}" destId="{91989D48-03BC-3442-8C32-6876CE8C6FCE}" srcOrd="2" destOrd="0" parTransId="{0024CDD7-9E21-2A4C-9F96-917ED4A84930}" sibTransId="{9C1968CF-1A7E-EE40-8EAD-ED7ACC8D209F}"/>
+    <dgm:cxn modelId="{ADEEF0B2-23A2-0746-B20D-95B548FC653A}" type="presOf" srcId="{D35F00D1-B677-1040-AFFB-656C8B66B5CB}" destId="{596CBF44-C16C-644C-A6AC-F5C4BEAB2EBF}" srcOrd="1" destOrd="0" presId="urn:microsoft.com/office/officeart/2005/8/layout/cycle4"/>
+    <dgm:cxn modelId="{E5FDF2E3-768A-7943-9260-AB9302DB6493}" srcId="{2ABC4EB4-3F6E-DF4D-856E-7FD543576C80}" destId="{A9BD28BE-B715-5647-B5B8-A709E68185BB}" srcOrd="3" destOrd="0" parTransId="{4B0D7E35-BF22-4546-8DF0-C18B7DC98A98}" sibTransId="{420A43FB-070B-7A4F-88C9-406B082D7EFD}"/>
+    <dgm:cxn modelId="{726C8F5F-43EF-5F42-8D01-31887AED322E}" type="presParOf" srcId="{9BACF3A6-9089-214A-B9BE-DA93EB68FB0B}" destId="{15638F01-E562-F64E-B3D9-E2E01944ABB6}" srcOrd="0" destOrd="0" presId="urn:microsoft.com/office/officeart/2005/8/layout/cycle4"/>
+    <dgm:cxn modelId="{AF00DFC8-67D9-F64C-90EE-8CBC89D29407}" type="presParOf" srcId="{15638F01-E562-F64E-B3D9-E2E01944ABB6}" destId="{ADB2ADAC-649D-CB4A-9C8A-0B0B9E2B44E9}" srcOrd="0" destOrd="0" presId="urn:microsoft.com/office/officeart/2005/8/layout/cycle4"/>
+    <dgm:cxn modelId="{D9F220E4-0A37-184F-9C10-41D84E1BF90C}" type="presParOf" srcId="{ADB2ADAC-649D-CB4A-9C8A-0B0B9E2B44E9}" destId="{F2EDB17F-4769-6F42-A789-388E4E49784D}" srcOrd="0" destOrd="0" presId="urn:microsoft.com/office/officeart/2005/8/layout/cycle4"/>
+    <dgm:cxn modelId="{F45F1793-B8C3-4148-82D8-8549BA649DAB}" type="presParOf" srcId="{ADB2ADAC-649D-CB4A-9C8A-0B0B9E2B44E9}" destId="{32531D89-2601-2648-9256-53406600E79A}" srcOrd="1" destOrd="0" presId="urn:microsoft.com/office/officeart/2005/8/layout/cycle4"/>
+    <dgm:cxn modelId="{523F1F78-6139-4740-BA24-F81D81CF1E4F}" type="presParOf" srcId="{15638F01-E562-F64E-B3D9-E2E01944ABB6}" destId="{691ADFCC-004C-CE4C-A438-492DC749284C}" srcOrd="1" destOrd="0" presId="urn:microsoft.com/office/officeart/2005/8/layout/cycle4"/>
+    <dgm:cxn modelId="{FED2C7E8-58CC-F64C-A174-9401D04D5D6F}" type="presParOf" srcId="{691ADFCC-004C-CE4C-A438-492DC749284C}" destId="{BADA15AD-23FD-8C4E-9168-EAFC4C0D34F0}" srcOrd="0" destOrd="0" presId="urn:microsoft.com/office/officeart/2005/8/layout/cycle4"/>
+    <dgm:cxn modelId="{41F4C1A9-FE51-B440-A750-AC08A070CD5D}" type="presParOf" srcId="{691ADFCC-004C-CE4C-A438-492DC749284C}" destId="{445BBD25-C3B3-9F44-95C8-0CD63C6B4849}" srcOrd="1" destOrd="0" presId="urn:microsoft.com/office/officeart/2005/8/layout/cycle4"/>
+    <dgm:cxn modelId="{5564C393-D7F7-694A-8C5C-2E349D4FBAC3}" type="presParOf" srcId="{15638F01-E562-F64E-B3D9-E2E01944ABB6}" destId="{3E2061F2-6068-CD46-9E37-7E04A7F0FC01}" srcOrd="2" destOrd="0" presId="urn:microsoft.com/office/officeart/2005/8/layout/cycle4"/>
+    <dgm:cxn modelId="{0AB801AC-79FC-6F4A-8EB6-3E1813EAF212}" type="presParOf" srcId="{3E2061F2-6068-CD46-9E37-7E04A7F0FC01}" destId="{7AEF4479-B363-514E-865A-6BA79DFBD4DE}" srcOrd="0" destOrd="0" presId="urn:microsoft.com/office/officeart/2005/8/layout/cycle4"/>
+    <dgm:cxn modelId="{DECA0075-9705-5A42-A64A-ADF2DA754730}" type="presParOf" srcId="{3E2061F2-6068-CD46-9E37-7E04A7F0FC01}" destId="{596CBF44-C16C-644C-A6AC-F5C4BEAB2EBF}" srcOrd="1" destOrd="0" presId="urn:microsoft.com/office/officeart/2005/8/layout/cycle4"/>
+    <dgm:cxn modelId="{FD2B77E7-5E83-5843-9DCA-242CD4FA29D4}" type="presParOf" srcId="{15638F01-E562-F64E-B3D9-E2E01944ABB6}" destId="{DE2E3A50-73DC-334D-A90F-D7FEEF425437}" srcOrd="3" destOrd="0" presId="urn:microsoft.com/office/officeart/2005/8/layout/cycle4"/>
+    <dgm:cxn modelId="{2215A89D-F69B-A745-B0C0-C01759834946}" type="presParOf" srcId="{DE2E3A50-73DC-334D-A90F-D7FEEF425437}" destId="{14073936-5319-7F42-B873-D3E9746BF551}" srcOrd="0" destOrd="0" presId="urn:microsoft.com/office/officeart/2005/8/layout/cycle4"/>
+    <dgm:cxn modelId="{433FB12C-6375-424B-9F5E-1E6CF40F2784}" type="presParOf" srcId="{DE2E3A50-73DC-334D-A90F-D7FEEF425437}" destId="{B01519E8-4849-144E-A0F7-7734D1E04CCB}" srcOrd="1" destOrd="0" presId="urn:microsoft.com/office/officeart/2005/8/layout/cycle4"/>
+    <dgm:cxn modelId="{69D4D0B9-4B4B-1E4B-AC25-914C1EBB061B}" type="presParOf" srcId="{15638F01-E562-F64E-B3D9-E2E01944ABB6}" destId="{BFCF0D74-669E-0940-BC66-4D8C78EC971A}" srcOrd="4" destOrd="0" presId="urn:microsoft.com/office/officeart/2005/8/layout/cycle4"/>
+    <dgm:cxn modelId="{942CF03E-44A5-4248-8B7F-1A70A901145B}" type="presParOf" srcId="{9BACF3A6-9089-214A-B9BE-DA93EB68FB0B}" destId="{9722D883-FF49-AF43-A8F2-5496D30381F3}" srcOrd="1" destOrd="0" presId="urn:microsoft.com/office/officeart/2005/8/layout/cycle4"/>
+    <dgm:cxn modelId="{1EC6C4D8-3DE9-4447-9ECE-5033B30EAA4D}" type="presParOf" srcId="{9722D883-FF49-AF43-A8F2-5496D30381F3}" destId="{295DA211-510E-3F48-B816-95B10DE3D4AF}" srcOrd="0" destOrd="0" presId="urn:microsoft.com/office/officeart/2005/8/layout/cycle4"/>
+    <dgm:cxn modelId="{1414D299-2327-E046-9B74-4A11937F38C2}" type="presParOf" srcId="{9722D883-FF49-AF43-A8F2-5496D30381F3}" destId="{43728F47-5CBA-514E-BE78-A91513AB7D66}" srcOrd="1" destOrd="0" presId="urn:microsoft.com/office/officeart/2005/8/layout/cycle4"/>
+    <dgm:cxn modelId="{EE0BD84F-2578-1B4C-9A0D-998B8B68B8FC}" type="presParOf" srcId="{9722D883-FF49-AF43-A8F2-5496D30381F3}" destId="{3B4D8E00-1FFC-0E49-8389-C92A4F9E88C3}" srcOrd="2" destOrd="0" presId="urn:microsoft.com/office/officeart/2005/8/layout/cycle4"/>
+    <dgm:cxn modelId="{1C82D84D-740F-4D46-BF22-2C519F6015FD}" type="presParOf" srcId="{9722D883-FF49-AF43-A8F2-5496D30381F3}" destId="{8D5B65D1-6328-4843-A06C-16E41F9DAC1B}" srcOrd="3" destOrd="0" presId="urn:microsoft.com/office/officeart/2005/8/layout/cycle4"/>
+    <dgm:cxn modelId="{C8971CAB-681D-FC4E-B8AD-6CC704DE9966}" type="presParOf" srcId="{9722D883-FF49-AF43-A8F2-5496D30381F3}" destId="{445C8F3F-B00D-A347-A4C8-62BA02C89F0D}" srcOrd="4" destOrd="0" presId="urn:microsoft.com/office/officeart/2005/8/layout/cycle4"/>
+    <dgm:cxn modelId="{F855C821-49F9-3F47-8769-EED888DBB4F4}" type="presParOf" srcId="{9BACF3A6-9089-214A-B9BE-DA93EB68FB0B}" destId="{90855219-6404-3D40-8146-ECE4F4DC656E}" srcOrd="2" destOrd="0" presId="urn:microsoft.com/office/officeart/2005/8/layout/cycle4"/>
+    <dgm:cxn modelId="{DD577852-99D3-E441-A504-B82873362FD1}" type="presParOf" srcId="{9BACF3A6-9089-214A-B9BE-DA93EB68FB0B}" destId="{FF989D32-2A85-0543-A1D0-2568A881F07D}" srcOrd="3" destOrd="0" presId="urn:microsoft.com/office/officeart/2005/8/layout/cycle4"/>
+  </dgm:cxnLst>
+  <dgm:bg/>
+  <dgm:whole/>
+  <dgm:extLst>
+    <a:ext uri="http://schemas.microsoft.com/office/drawing/2008/diagram">
+      <dsp:dataModelExt xmlns:dsp="http://schemas.microsoft.com/office/drawing/2008/diagram" relId="rId7" minVer="http://schemas.openxmlformats.org/drawingml/2006/diagram"/>
+    </a:ext>
+  </dgm:extLst>
+</dgm:dataModel>
+</file>
+
+<file path=ppt/diagrams/data2.xml><?xml version="1.0" encoding="utf-8"?>
+<dgm:dataModel xmlns:dgm="http://schemas.openxmlformats.org/drawingml/2006/diagram" xmlns:a="http://schemas.openxmlformats.org/drawingml/2006/main">
+  <dgm:ptLst>
     <dgm:pt modelId="{303AFAEF-C613-415C-88AA-EC91B1262FED}" type="doc">
-      <dgm:prSet loTypeId="urn:microsoft.com/office/officeart/2005/8/layout/hProcess4" loCatId="process" qsTypeId="urn:microsoft.com/office/officeart/2005/8/quickstyle/simple1" qsCatId="simple" csTypeId="urn:microsoft.com/office/officeart/2005/8/colors/accent1_2" csCatId="accent1" phldr="1"/>
+      <dgm:prSet loTypeId="urn:microsoft.com/office/officeart/2005/8/layout/hProcess4#1" loCatId="process" qsTypeId="urn:microsoft.com/office/officeart/2005/8/quickstyle/simple1#1" qsCatId="simple" csTypeId="urn:microsoft.com/office/officeart/2005/8/colors/accent1_2#1" csCatId="accent1" phldr="1"/>
       <dgm:spPr/>
       <dgm:t>
         <a:bodyPr/>
@@ -908,7 +2210,7 @@
         </a:p>
       </dgm:t>
     </dgm:pt>
-    <dgm:pt modelId="{89785933-5AE4-4C21-810E-06EC0BBE4931}" cxnId="{F529E43C-B1E0-4DB4-AB64-7DCAA2291888}" type="parTrans">
+    <dgm:pt modelId="{89785933-5AE4-4C21-810E-06EC0BBE4931}" type="parTrans" cxnId="{F529E43C-B1E0-4DB4-AB64-7DCAA2291888}">
       <dgm:prSet/>
       <dgm:spPr/>
       <dgm:t>
@@ -919,7 +2221,7 @@
         </a:p>
       </dgm:t>
     </dgm:pt>
-    <dgm:pt modelId="{9991DC34-8968-4776-9C7C-51EDA450587E}" cxnId="{F529E43C-B1E0-4DB4-AB64-7DCAA2291888}" type="sibTrans">
+    <dgm:pt modelId="{9991DC34-8968-4776-9C7C-51EDA450587E}" type="sibTrans" cxnId="{F529E43C-B1E0-4DB4-AB64-7DCAA2291888}">
       <dgm:prSet/>
       <dgm:spPr/>
       <dgm:t>
@@ -1008,7 +2310,7 @@
         </a:p>
       </dgm:t>
     </dgm:pt>
-    <dgm:pt modelId="{4CC5FFD5-316E-4548-9F83-B997E94B89B0}" cxnId="{40B7AA86-5C66-4E22-95A8-503C4973DEE2}" type="parTrans">
+    <dgm:pt modelId="{4CC5FFD5-316E-4548-9F83-B997E94B89B0}" type="parTrans" cxnId="{40B7AA86-5C66-4E22-95A8-503C4973DEE2}">
       <dgm:prSet/>
       <dgm:spPr/>
       <dgm:t>
@@ -1019,7 +2321,7 @@
         </a:p>
       </dgm:t>
     </dgm:pt>
-    <dgm:pt modelId="{CB6DCD54-60B1-4F33-980E-39CE2A7D82EF}" cxnId="{40B7AA86-5C66-4E22-95A8-503C4973DEE2}" type="sibTrans">
+    <dgm:pt modelId="{CB6DCD54-60B1-4F33-980E-39CE2A7D82EF}" type="sibTrans" cxnId="{40B7AA86-5C66-4E22-95A8-503C4973DEE2}">
       <dgm:prSet/>
       <dgm:spPr/>
       <dgm:t>
@@ -1053,7 +2355,7 @@
         </a:p>
       </dgm:t>
     </dgm:pt>
-    <dgm:pt modelId="{6D709E5C-2A4B-41CE-A82E-08FA1214F243}" cxnId="{CB0B2B36-C17C-47C6-944B-E02C08C479CB}" type="parTrans">
+    <dgm:pt modelId="{6D709E5C-2A4B-41CE-A82E-08FA1214F243}" type="parTrans" cxnId="{CB0B2B36-C17C-47C6-944B-E02C08C479CB}">
       <dgm:prSet/>
       <dgm:spPr/>
       <dgm:t>
@@ -1064,7 +2366,7 @@
         </a:p>
       </dgm:t>
     </dgm:pt>
-    <dgm:pt modelId="{18336FC2-DAC8-428F-972C-22D22B880AE9}" cxnId="{CB0B2B36-C17C-47C6-944B-E02C08C479CB}" type="sibTrans">
+    <dgm:pt modelId="{18336FC2-DAC8-428F-972C-22D22B880AE9}" type="sibTrans" cxnId="{CB0B2B36-C17C-47C6-944B-E02C08C479CB}">
       <dgm:prSet/>
       <dgm:spPr/>
       <dgm:t>
@@ -1094,7 +2396,7 @@
         </a:p>
       </dgm:t>
     </dgm:pt>
-    <dgm:pt modelId="{3B92EAED-0776-4D1E-A696-A55407B92960}" cxnId="{D30DD26F-CC50-4A02-BDB0-D550E4AD41DF}" type="parTrans">
+    <dgm:pt modelId="{3B92EAED-0776-4D1E-A696-A55407B92960}" type="parTrans" cxnId="{D30DD26F-CC50-4A02-BDB0-D550E4AD41DF}">
       <dgm:prSet/>
       <dgm:spPr/>
       <dgm:t>
@@ -1105,7 +2407,7 @@
         </a:p>
       </dgm:t>
     </dgm:pt>
-    <dgm:pt modelId="{2BC20E87-EC8E-4754-90B1-F0FA0A7CD82B}" cxnId="{D30DD26F-CC50-4A02-BDB0-D550E4AD41DF}" type="sibTrans">
+    <dgm:pt modelId="{2BC20E87-EC8E-4754-90B1-F0FA0A7CD82B}" type="sibTrans" cxnId="{D30DD26F-CC50-4A02-BDB0-D550E4AD41DF}">
       <dgm:prSet/>
       <dgm:spPr/>
       <dgm:t>
@@ -1131,7 +2433,7 @@
         </a:p>
       </dgm:t>
     </dgm:pt>
-    <dgm:pt modelId="{83D96E27-F5E8-423F-9C2A-503E1D0001E4}" cxnId="{60485614-0BF1-4057-8D94-5F14E3C286D5}" type="parTrans">
+    <dgm:pt modelId="{83D96E27-F5E8-423F-9C2A-503E1D0001E4}" type="parTrans" cxnId="{60485614-0BF1-4057-8D94-5F14E3C286D5}">
       <dgm:prSet/>
       <dgm:spPr/>
       <dgm:t>
@@ -1142,7 +2444,7 @@
         </a:p>
       </dgm:t>
     </dgm:pt>
-    <dgm:pt modelId="{EF496E16-ED34-4AA0-940E-42C30B87D9FF}" cxnId="{60485614-0BF1-4057-8D94-5F14E3C286D5}" type="sibTrans">
+    <dgm:pt modelId="{EF496E16-ED34-4AA0-940E-42C30B87D9FF}" type="sibTrans" cxnId="{60485614-0BF1-4057-8D94-5F14E3C286D5}">
       <dgm:prSet/>
       <dgm:spPr/>
       <dgm:t>
@@ -1168,7 +2470,7 @@
         </a:p>
       </dgm:t>
     </dgm:pt>
-    <dgm:pt modelId="{508DB7A1-065D-49E7-8A41-D96E4361C8A1}" cxnId="{FDC4813A-9492-4D8B-BA1E-9E5F62C1B551}" type="parTrans">
+    <dgm:pt modelId="{508DB7A1-065D-49E7-8A41-D96E4361C8A1}" type="parTrans" cxnId="{FDC4813A-9492-4D8B-BA1E-9E5F62C1B551}">
       <dgm:prSet/>
       <dgm:spPr/>
       <dgm:t>
@@ -1179,7 +2481,7 @@
         </a:p>
       </dgm:t>
     </dgm:pt>
-    <dgm:pt modelId="{4D1AA03A-1A26-4E0F-9E40-88612850C8F3}" cxnId="{FDC4813A-9492-4D8B-BA1E-9E5F62C1B551}" type="sibTrans">
+    <dgm:pt modelId="{4D1AA03A-1A26-4E0F-9E40-88612850C8F3}" type="sibTrans" cxnId="{FDC4813A-9492-4D8B-BA1E-9E5F62C1B551}">
       <dgm:prSet/>
       <dgm:spPr/>
       <dgm:t>
@@ -1205,7 +2507,7 @@
         </a:p>
       </dgm:t>
     </dgm:pt>
-    <dgm:pt modelId="{19FF70F2-0A77-4C10-AC7A-27B1D267B0B8}" cxnId="{D6D46CAA-EBDD-4D59-A4E3-B652564B8750}" type="parTrans">
+    <dgm:pt modelId="{19FF70F2-0A77-4C10-AC7A-27B1D267B0B8}" type="parTrans" cxnId="{D6D46CAA-EBDD-4D59-A4E3-B652564B8750}">
       <dgm:prSet/>
       <dgm:spPr/>
       <dgm:t>
@@ -1216,7 +2518,7 @@
         </a:p>
       </dgm:t>
     </dgm:pt>
-    <dgm:pt modelId="{7A796420-6104-457F-A8D1-14BF748A168E}" cxnId="{D6D46CAA-EBDD-4D59-A4E3-B652564B8750}" type="sibTrans">
+    <dgm:pt modelId="{7A796420-6104-457F-A8D1-14BF748A168E}" type="sibTrans" cxnId="{D6D46CAA-EBDD-4D59-A4E3-B652564B8750}">
       <dgm:prSet/>
       <dgm:spPr/>
       <dgm:t>
@@ -1262,7 +2564,7 @@
         </a:p>
       </dgm:t>
     </dgm:pt>
-    <dgm:pt modelId="{D2CB6AA7-46E0-4B48-9149-7CB3C601F619}" cxnId="{1F58A6A6-C90D-46AA-B655-E18B77F5CEE7}" type="parTrans">
+    <dgm:pt modelId="{D2CB6AA7-46E0-4B48-9149-7CB3C601F619}" type="parTrans" cxnId="{1F58A6A6-C90D-46AA-B655-E18B77F5CEE7}">
       <dgm:prSet/>
       <dgm:spPr/>
       <dgm:t>
@@ -1273,7 +2575,7 @@
         </a:p>
       </dgm:t>
     </dgm:pt>
-    <dgm:pt modelId="{66C5ADDE-B42D-4F4D-A398-39424888232B}" cxnId="{1F58A6A6-C90D-46AA-B655-E18B77F5CEE7}" type="sibTrans">
+    <dgm:pt modelId="{66C5ADDE-B42D-4F4D-A398-39424888232B}" type="sibTrans" cxnId="{1F58A6A6-C90D-46AA-B655-E18B77F5CEE7}">
       <dgm:prSet/>
       <dgm:spPr/>
       <dgm:t>
@@ -1347,7 +2649,7 @@
         </a:p>
       </dgm:t>
     </dgm:pt>
-    <dgm:pt modelId="{E978728F-7F73-46B4-9CB2-24B6B07F550A}" cxnId="{80C1D71A-9A89-4E6B-8670-53D09303CCCD}" type="parTrans">
+    <dgm:pt modelId="{E978728F-7F73-46B4-9CB2-24B6B07F550A}" type="parTrans" cxnId="{80C1D71A-9A89-4E6B-8670-53D09303CCCD}">
       <dgm:prSet/>
       <dgm:spPr/>
       <dgm:t>
@@ -1358,7 +2660,7 @@
         </a:p>
       </dgm:t>
     </dgm:pt>
-    <dgm:pt modelId="{B092E527-62F1-4E3C-80FD-DEE2BBB981A9}" cxnId="{80C1D71A-9A89-4E6B-8670-53D09303CCCD}" type="sibTrans">
+    <dgm:pt modelId="{B092E527-62F1-4E3C-80FD-DEE2BBB981A9}" type="sibTrans" cxnId="{80C1D71A-9A89-4E6B-8670-53D09303CCCD}">
       <dgm:prSet/>
       <dgm:spPr/>
       <dgm:t>
@@ -1390,7 +2692,7 @@
         </a:p>
       </dgm:t>
     </dgm:pt>
-    <dgm:pt modelId="{7AC2A66C-BA22-458E-B2B6-C857C89E2E18}" cxnId="{F3ACC138-32DA-4327-BE1B-476AEE725C47}" type="parTrans">
+    <dgm:pt modelId="{7AC2A66C-BA22-458E-B2B6-C857C89E2E18}" type="parTrans" cxnId="{F3ACC138-32DA-4327-BE1B-476AEE725C47}">
       <dgm:prSet/>
       <dgm:spPr/>
       <dgm:t>
@@ -1401,7 +2703,7 @@
         </a:p>
       </dgm:t>
     </dgm:pt>
-    <dgm:pt modelId="{ADA5DFBC-B51B-4C1B-AE5D-64C77F556ACB}" cxnId="{F3ACC138-32DA-4327-BE1B-476AEE725C47}" type="sibTrans">
+    <dgm:pt modelId="{ADA5DFBC-B51B-4C1B-AE5D-64C77F556ACB}" type="sibTrans" cxnId="{F3ACC138-32DA-4327-BE1B-476AEE725C47}">
       <dgm:prSet/>
       <dgm:spPr/>
       <dgm:t>
@@ -1433,7 +2735,7 @@
         </a:p>
       </dgm:t>
     </dgm:pt>
-    <dgm:pt modelId="{8666CB0B-7901-472D-8B03-B5FBAA797DDA}" cxnId="{616FD975-DBCE-40C4-804B-3A0043888F2D}" type="parTrans">
+    <dgm:pt modelId="{8666CB0B-7901-472D-8B03-B5FBAA797DDA}" type="parTrans" cxnId="{616FD975-DBCE-40C4-804B-3A0043888F2D}">
       <dgm:prSet/>
       <dgm:spPr/>
       <dgm:t>
@@ -1444,7 +2746,7 @@
         </a:p>
       </dgm:t>
     </dgm:pt>
-    <dgm:pt modelId="{C39AE20C-27CE-4316-A6CA-51C49DD588DD}" cxnId="{616FD975-DBCE-40C4-804B-3A0043888F2D}" type="sibTrans">
+    <dgm:pt modelId="{C39AE20C-27CE-4316-A6CA-51C49DD588DD}" type="sibTrans" cxnId="{616FD975-DBCE-40C4-804B-3A0043888F2D}">
       <dgm:prSet/>
       <dgm:spPr/>
       <dgm:t>
@@ -1476,7 +2778,7 @@
         </a:p>
       </dgm:t>
     </dgm:pt>
-    <dgm:pt modelId="{6A44672E-6DF4-4F38-A483-FA961183A81B}" cxnId="{DD1E0DA5-37C8-49FF-8FBF-6B9CFDBDA4F5}" type="parTrans">
+    <dgm:pt modelId="{6A44672E-6DF4-4F38-A483-FA961183A81B}" type="parTrans" cxnId="{DD1E0DA5-37C8-49FF-8FBF-6B9CFDBDA4F5}">
       <dgm:prSet/>
       <dgm:spPr/>
       <dgm:t>
@@ -1487,7 +2789,7 @@
         </a:p>
       </dgm:t>
     </dgm:pt>
-    <dgm:pt modelId="{85942B9D-F3F9-43A4-A4C5-FDCE0D29CB73}" cxnId="{DD1E0DA5-37C8-49FF-8FBF-6B9CFDBDA4F5}" type="sibTrans">
+    <dgm:pt modelId="{85942B9D-F3F9-43A4-A4C5-FDCE0D29CB73}" type="sibTrans" cxnId="{DD1E0DA5-37C8-49FF-8FBF-6B9CFDBDA4F5}">
       <dgm:prSet/>
       <dgm:spPr/>
       <dgm:t>
@@ -1560,7 +2862,7 @@
         </a:p>
       </dgm:t>
     </dgm:pt>
-    <dgm:pt modelId="{8F5AE2DF-1EFD-44CA-9DFB-A41DE7060F0B}" cxnId="{5E5D1E05-D15A-4668-B85D-39C555B270E0}" type="parTrans">
+    <dgm:pt modelId="{8F5AE2DF-1EFD-44CA-9DFB-A41DE7060F0B}" type="parTrans" cxnId="{5E5D1E05-D15A-4668-B85D-39C555B270E0}">
       <dgm:prSet/>
       <dgm:spPr/>
       <dgm:t>
@@ -1571,7 +2873,7 @@
         </a:p>
       </dgm:t>
     </dgm:pt>
-    <dgm:pt modelId="{8191D2B1-401C-4BFC-B17A-348E7FD919DB}" cxnId="{5E5D1E05-D15A-4668-B85D-39C555B270E0}" type="sibTrans">
+    <dgm:pt modelId="{8191D2B1-401C-4BFC-B17A-348E7FD919DB}" type="sibTrans" cxnId="{5E5D1E05-D15A-4668-B85D-39C555B270E0}">
       <dgm:prSet/>
       <dgm:spPr/>
       <dgm:t>
@@ -1631,7 +2933,7 @@
         </a:p>
       </dgm:t>
     </dgm:pt>
-    <dgm:pt modelId="{0A6B9D50-940E-4A16-994D-B4D1451D4053}" cxnId="{2BAEC81D-A2FA-4817-B46B-91060C93F8B9}" type="parTrans">
+    <dgm:pt modelId="{0A6B9D50-940E-4A16-994D-B4D1451D4053}" type="parTrans" cxnId="{2BAEC81D-A2FA-4817-B46B-91060C93F8B9}">
       <dgm:prSet/>
       <dgm:spPr/>
       <dgm:t>
@@ -1642,7 +2944,7 @@
         </a:p>
       </dgm:t>
     </dgm:pt>
-    <dgm:pt modelId="{05842D97-F42A-4347-812E-07D04374C44A}" cxnId="{2BAEC81D-A2FA-4817-B46B-91060C93F8B9}" type="sibTrans">
+    <dgm:pt modelId="{05842D97-F42A-4347-812E-07D04374C44A}" type="sibTrans" cxnId="{2BAEC81D-A2FA-4817-B46B-91060C93F8B9}">
       <dgm:prSet/>
       <dgm:spPr/>
       <dgm:t>
@@ -1731,7 +3033,7 @@
         </a:p>
       </dgm:t>
     </dgm:pt>
-    <dgm:pt modelId="{03EEEC97-1AF1-4523-B72F-1836E0DAAB35}" cxnId="{1BBFDA57-798A-42EC-9AD8-8D744BA7F38B}" type="parTrans">
+    <dgm:pt modelId="{03EEEC97-1AF1-4523-B72F-1836E0DAAB35}" type="parTrans" cxnId="{1BBFDA57-798A-42EC-9AD8-8D744BA7F38B}">
       <dgm:prSet/>
       <dgm:spPr/>
       <dgm:t>
@@ -1742,7 +3044,7 @@
         </a:p>
       </dgm:t>
     </dgm:pt>
-    <dgm:pt modelId="{C01C9B3C-0788-42FB-A83E-AB89703AAEDD}" cxnId="{1BBFDA57-798A-42EC-9AD8-8D744BA7F38B}" type="sibTrans">
+    <dgm:pt modelId="{C01C9B3C-0788-42FB-A83E-AB89703AAEDD}" type="sibTrans" cxnId="{1BBFDA57-798A-42EC-9AD8-8D744BA7F38B}">
       <dgm:prSet/>
       <dgm:spPr/>
       <dgm:t>
@@ -1781,7 +3083,7 @@
         </a:p>
       </dgm:t>
     </dgm:pt>
-    <dgm:pt modelId="{90EDFFB6-0EF6-4CC1-91F6-A67CEC4C3CF5}" cxnId="{AA9BDF19-98F6-4517-905D-FCFCE726DE59}" type="parTrans">
+    <dgm:pt modelId="{90EDFFB6-0EF6-4CC1-91F6-A67CEC4C3CF5}" type="parTrans" cxnId="{AA9BDF19-98F6-4517-905D-FCFCE726DE59}">
       <dgm:prSet/>
       <dgm:spPr/>
       <dgm:t>
@@ -1792,7 +3094,7 @@
         </a:p>
       </dgm:t>
     </dgm:pt>
-    <dgm:pt modelId="{0A29E907-3EA1-46B2-8C69-141FE0B3B82C}" cxnId="{AA9BDF19-98F6-4517-905D-FCFCE726DE59}" type="sibTrans">
+    <dgm:pt modelId="{0A29E907-3EA1-46B2-8C69-141FE0B3B82C}" type="sibTrans" cxnId="{AA9BDF19-98F6-4517-905D-FCFCE726DE59}">
       <dgm:prSet/>
       <dgm:spPr/>
       <dgm:t>
@@ -1831,7 +3133,7 @@
         </a:p>
       </dgm:t>
     </dgm:pt>
-    <dgm:pt modelId="{9CE8E416-B41C-4D20-B35E-E2863839F80D}" cxnId="{7AC43043-B904-4DAB-904F-4230CC634FE6}" type="parTrans">
+    <dgm:pt modelId="{9CE8E416-B41C-4D20-B35E-E2863839F80D}" type="parTrans" cxnId="{7AC43043-B904-4DAB-904F-4230CC634FE6}">
       <dgm:prSet/>
       <dgm:spPr/>
       <dgm:t>
@@ -1842,7 +3144,7 @@
         </a:p>
       </dgm:t>
     </dgm:pt>
-    <dgm:pt modelId="{1C32FDCD-2A54-4534-B5A0-8166831EF474}" cxnId="{7AC43043-B904-4DAB-904F-4230CC634FE6}" type="sibTrans">
+    <dgm:pt modelId="{1C32FDCD-2A54-4534-B5A0-8166831EF474}" type="sibTrans" cxnId="{7AC43043-B904-4DAB-904F-4230CC634FE6}">
       <dgm:prSet/>
       <dgm:spPr/>
       <dgm:t>
@@ -1874,7 +3176,7 @@
         </a:p>
       </dgm:t>
     </dgm:pt>
-    <dgm:pt modelId="{A4381F65-E1F9-4F01-B1EA-ECC0C1612330}" cxnId="{72E52B94-DD85-41D9-A73D-91AF76C8B793}" type="parTrans">
+    <dgm:pt modelId="{A4381F65-E1F9-4F01-B1EA-ECC0C1612330}" type="parTrans" cxnId="{72E52B94-DD85-41D9-A73D-91AF76C8B793}">
       <dgm:prSet/>
       <dgm:spPr/>
       <dgm:t>
@@ -1885,7 +3187,7 @@
         </a:p>
       </dgm:t>
     </dgm:pt>
-    <dgm:pt modelId="{0DF80D42-6B9D-498C-802E-374A8D40FC43}" cxnId="{72E52B94-DD85-41D9-A73D-91AF76C8B793}" type="sibTrans">
+    <dgm:pt modelId="{0DF80D42-6B9D-498C-802E-374A8D40FC43}" type="sibTrans" cxnId="{72E52B94-DD85-41D9-A73D-91AF76C8B793}">
       <dgm:prSet/>
       <dgm:spPr/>
       <dgm:t>
@@ -1910,7 +3212,7 @@
         </a:p>
       </dgm:t>
     </dgm:pt>
-    <dgm:pt modelId="{983FF315-0430-4A0D-9DBB-6BCA3F8C61FF}" cxnId="{F46E722C-4D97-479D-9BA2-BACA2DF79FC0}" type="parTrans">
+    <dgm:pt modelId="{983FF315-0430-4A0D-9DBB-6BCA3F8C61FF}" type="parTrans" cxnId="{F46E722C-4D97-479D-9BA2-BACA2DF79FC0}">
       <dgm:prSet/>
       <dgm:spPr/>
       <dgm:t>
@@ -1921,7 +3223,7 @@
         </a:p>
       </dgm:t>
     </dgm:pt>
-    <dgm:pt modelId="{1BE5C39D-9CA0-4926-B893-7A63F9E8D062}" cxnId="{F46E722C-4D97-479D-9BA2-BACA2DF79FC0}" type="sibTrans">
+    <dgm:pt modelId="{1BE5C39D-9CA0-4926-B893-7A63F9E8D062}" type="sibTrans" cxnId="{F46E722C-4D97-479D-9BA2-BACA2DF79FC0}">
       <dgm:prSet/>
       <dgm:spPr/>
       <dgm:t>
@@ -1953,7 +3255,7 @@
         </a:p>
       </dgm:t>
     </dgm:pt>
-    <dgm:pt modelId="{85D68D7D-AE30-406E-B164-2B3F6EFB9506}" cxnId="{35CE9CF5-DA55-4131-8983-859C0DE2AC81}" type="parTrans">
+    <dgm:pt modelId="{85D68D7D-AE30-406E-B164-2B3F6EFB9506}" type="parTrans" cxnId="{35CE9CF5-DA55-4131-8983-859C0DE2AC81}">
       <dgm:prSet/>
       <dgm:spPr/>
       <dgm:t>
@@ -1964,7 +3266,7 @@
         </a:p>
       </dgm:t>
     </dgm:pt>
-    <dgm:pt modelId="{3CF954DE-FA87-4C27-814F-6DA6119C3C4D}" cxnId="{35CE9CF5-DA55-4131-8983-859C0DE2AC81}" type="sibTrans">
+    <dgm:pt modelId="{3CF954DE-FA87-4C27-814F-6DA6119C3C4D}" type="sibTrans" cxnId="{35CE9CF5-DA55-4131-8983-859C0DE2AC81}">
       <dgm:prSet/>
       <dgm:spPr/>
       <dgm:t>
@@ -1996,7 +3298,7 @@
         </a:p>
       </dgm:t>
     </dgm:pt>
-    <dgm:pt modelId="{781B9559-1B7B-4106-9606-4FD5B44856AA}" cxnId="{FFDD7203-BC18-4DDE-93D9-5D20611ABF44}" type="parTrans">
+    <dgm:pt modelId="{781B9559-1B7B-4106-9606-4FD5B44856AA}" type="parTrans" cxnId="{FFDD7203-BC18-4DDE-93D9-5D20611ABF44}">
       <dgm:prSet/>
       <dgm:spPr/>
       <dgm:t>
@@ -2007,7 +3309,7 @@
         </a:p>
       </dgm:t>
     </dgm:pt>
-    <dgm:pt modelId="{2015F317-4F28-4379-A473-F91FD240EEE4}" cxnId="{FFDD7203-BC18-4DDE-93D9-5D20611ABF44}" type="sibTrans">
+    <dgm:pt modelId="{2015F317-4F28-4379-A473-F91FD240EEE4}" type="sibTrans" cxnId="{FFDD7203-BC18-4DDE-93D9-5D20611ABF44}">
       <dgm:prSet/>
       <dgm:spPr/>
       <dgm:t>
@@ -2039,7 +3341,7 @@
         </a:p>
       </dgm:t>
     </dgm:pt>
-    <dgm:pt modelId="{77611221-6355-4772-91CE-28B920F449D2}" cxnId="{2ADA69F6-EE41-4B97-A679-A5297268296A}" type="parTrans">
+    <dgm:pt modelId="{77611221-6355-4772-91CE-28B920F449D2}" type="parTrans" cxnId="{2ADA69F6-EE41-4B97-A679-A5297268296A}">
       <dgm:prSet/>
       <dgm:spPr/>
       <dgm:t>
@@ -2050,7 +3352,7 @@
         </a:p>
       </dgm:t>
     </dgm:pt>
-    <dgm:pt modelId="{C33CE4CB-74F6-4E51-A6FB-71B737D4A2F2}" cxnId="{2ADA69F6-EE41-4B97-A679-A5297268296A}" type="sibTrans">
+    <dgm:pt modelId="{C33CE4CB-74F6-4E51-A6FB-71B737D4A2F2}" type="sibTrans" cxnId="{2ADA69F6-EE41-4B97-A679-A5297268296A}">
       <dgm:prSet/>
       <dgm:spPr/>
       <dgm:t>
@@ -2096,7 +3398,7 @@
         </a:p>
       </dgm:t>
     </dgm:pt>
-    <dgm:pt modelId="{808C58B4-6CC8-4F5A-B012-142BF382926E}" cxnId="{D0BD2105-7806-461C-B736-CE4BB46BE862}" type="parTrans">
+    <dgm:pt modelId="{808C58B4-6CC8-4F5A-B012-142BF382926E}" type="parTrans" cxnId="{D0BD2105-7806-461C-B736-CE4BB46BE862}">
       <dgm:prSet/>
       <dgm:spPr/>
       <dgm:t>
@@ -2107,7 +3409,7 @@
         </a:p>
       </dgm:t>
     </dgm:pt>
-    <dgm:pt modelId="{D6ABBE51-D0FD-4F05-88A2-8AE6EA0CFE93}" cxnId="{D0BD2105-7806-461C-B736-CE4BB46BE862}" type="sibTrans">
+    <dgm:pt modelId="{D6ABBE51-D0FD-4F05-88A2-8AE6EA0CFE93}" type="sibTrans" cxnId="{D0BD2105-7806-461C-B736-CE4BB46BE862}">
       <dgm:prSet/>
       <dgm:spPr/>
       <dgm:t>
@@ -2146,7 +3448,7 @@
         </a:p>
       </dgm:t>
     </dgm:pt>
-    <dgm:pt modelId="{2B3702F9-EAB7-4A8B-B645-52525EFB8965}" cxnId="{AA8C8F12-E362-4113-9F3E-F0B0F6959206}" type="parTrans">
+    <dgm:pt modelId="{2B3702F9-EAB7-4A8B-B645-52525EFB8965}" type="parTrans" cxnId="{AA8C8F12-E362-4113-9F3E-F0B0F6959206}">
       <dgm:prSet/>
       <dgm:spPr/>
       <dgm:t>
@@ -2157,7 +3459,7 @@
         </a:p>
       </dgm:t>
     </dgm:pt>
-    <dgm:pt modelId="{12BD24C7-F3F1-45A2-BBF1-B5AF2AD99E11}" cxnId="{AA8C8F12-E362-4113-9F3E-F0B0F6959206}" type="sibTrans">
+    <dgm:pt modelId="{12BD24C7-F3F1-45A2-BBF1-B5AF2AD99E11}" type="sibTrans" cxnId="{AA8C8F12-E362-4113-9F3E-F0B0F6959206}">
       <dgm:prSet/>
       <dgm:spPr/>
       <dgm:t>
@@ -2183,7 +3485,7 @@
         </a:p>
       </dgm:t>
     </dgm:pt>
-    <dgm:pt modelId="{03AF3346-8F26-4622-8048-D82F429D8F5B}" cxnId="{9E5B18F7-A742-4183-994D-9367A81C6CCC}" type="parTrans">
+    <dgm:pt modelId="{03AF3346-8F26-4622-8048-D82F429D8F5B}" type="parTrans" cxnId="{9E5B18F7-A742-4183-994D-9367A81C6CCC}">
       <dgm:prSet/>
       <dgm:spPr/>
       <dgm:t>
@@ -2194,7 +3496,7 @@
         </a:p>
       </dgm:t>
     </dgm:pt>
-    <dgm:pt modelId="{73AB7D9E-37CD-4F25-992C-DC07DEB3F000}" cxnId="{9E5B18F7-A742-4183-994D-9367A81C6CCC}" type="sibTrans">
+    <dgm:pt modelId="{73AB7D9E-37CD-4F25-992C-DC07DEB3F000}" type="sibTrans" cxnId="{9E5B18F7-A742-4183-994D-9367A81C6CCC}">
       <dgm:prSet/>
       <dgm:spPr/>
       <dgm:t>
@@ -2214,6 +3516,13 @@
         </dgm:presLayoutVars>
       </dgm:prSet>
       <dgm:spPr/>
+      <dgm:t>
+        <a:bodyPr/>
+        <a:lstStyle/>
+        <a:p>
+          <a:endParaRPr lang="zh-CN" altLang="en-US"/>
+        </a:p>
+      </dgm:t>
     </dgm:pt>
     <dgm:pt modelId="{8E5C478E-D80B-41EF-A94C-E948E36B59C0}" type="pres">
       <dgm:prSet presAssocID="{303AFAEF-C613-415C-88AA-EC91B1262FED}" presName="tSp" presStyleCnt="0"/>
@@ -2242,6 +3551,13 @@
         </dgm:presLayoutVars>
       </dgm:prSet>
       <dgm:spPr/>
+      <dgm:t>
+        <a:bodyPr/>
+        <a:lstStyle/>
+        <a:p>
+          <a:endParaRPr lang="zh-CN" altLang="en-US"/>
+        </a:p>
+      </dgm:t>
     </dgm:pt>
     <dgm:pt modelId="{22BD2250-C9DC-4294-9AC9-94FB314FCCC9}" type="pres">
       <dgm:prSet presAssocID="{BEE0B429-5DEE-4AC1-B8F1-F057F97D77AD}" presName="childNode1tx" presStyleLbl="bgAcc1" presStyleIdx="0" presStyleCnt="5">
@@ -2250,6 +3566,13 @@
         </dgm:presLayoutVars>
       </dgm:prSet>
       <dgm:spPr/>
+      <dgm:t>
+        <a:bodyPr/>
+        <a:lstStyle/>
+        <a:p>
+          <a:endParaRPr lang="zh-CN" altLang="en-US"/>
+        </a:p>
+      </dgm:t>
     </dgm:pt>
     <dgm:pt modelId="{18474A94-2007-47C0-92BC-26B7DB8AE5DB}" type="pres">
       <dgm:prSet presAssocID="{BEE0B429-5DEE-4AC1-B8F1-F057F97D77AD}" presName="parentNode1" presStyleLbl="node1" presStyleIdx="0" presStyleCnt="5" custScaleX="106580" custScaleY="134159" custLinFactY="35976" custLinFactNeighborX="17432" custLinFactNeighborY="100000">
@@ -2259,6 +3582,13 @@
         </dgm:presLayoutVars>
       </dgm:prSet>
       <dgm:spPr/>
+      <dgm:t>
+        <a:bodyPr/>
+        <a:lstStyle/>
+        <a:p>
+          <a:endParaRPr lang="zh-CN" altLang="en-US"/>
+        </a:p>
+      </dgm:t>
     </dgm:pt>
     <dgm:pt modelId="{C7512345-8823-437F-A76A-5FA38F1D5756}" type="pres">
       <dgm:prSet presAssocID="{BEE0B429-5DEE-4AC1-B8F1-F057F97D77AD}" presName="connSite1" presStyleCnt="0"/>
@@ -2267,6 +3597,13 @@
     <dgm:pt modelId="{EA524D5B-25AE-4841-840A-DCF5BD829AD0}" type="pres">
       <dgm:prSet presAssocID="{9991DC34-8968-4776-9C7C-51EDA450587E}" presName="Name9" presStyleLbl="sibTrans2D1" presStyleIdx="0" presStyleCnt="4" custAng="570261" custScaleX="129329" custLinFactNeighborX="6004" custLinFactNeighborY="3464"/>
       <dgm:spPr/>
+      <dgm:t>
+        <a:bodyPr/>
+        <a:lstStyle/>
+        <a:p>
+          <a:endParaRPr lang="zh-CN" altLang="en-US"/>
+        </a:p>
+      </dgm:t>
     </dgm:pt>
     <dgm:pt modelId="{CE3BD715-4BBA-4519-A709-FBA2BDADB775}" type="pres">
       <dgm:prSet presAssocID="{72734D70-D7C6-48DF-8782-AF8596BD6ED3}" presName="composite2" presStyleCnt="0"/>
@@ -2283,6 +3620,13 @@
         </dgm:presLayoutVars>
       </dgm:prSet>
       <dgm:spPr/>
+      <dgm:t>
+        <a:bodyPr/>
+        <a:lstStyle/>
+        <a:p>
+          <a:endParaRPr lang="zh-CN" altLang="en-US"/>
+        </a:p>
+      </dgm:t>
     </dgm:pt>
     <dgm:pt modelId="{0EFAE6D7-5B6B-4409-834F-589B06F1616E}" type="pres">
       <dgm:prSet presAssocID="{72734D70-D7C6-48DF-8782-AF8596BD6ED3}" presName="childNode2tx" presStyleLbl="bgAcc1" presStyleIdx="1" presStyleCnt="5">
@@ -2291,6 +3635,13 @@
         </dgm:presLayoutVars>
       </dgm:prSet>
       <dgm:spPr/>
+      <dgm:t>
+        <a:bodyPr/>
+        <a:lstStyle/>
+        <a:p>
+          <a:endParaRPr lang="zh-CN" altLang="en-US"/>
+        </a:p>
+      </dgm:t>
     </dgm:pt>
     <dgm:pt modelId="{043ADA9E-D830-466D-9CF6-6468D6758FEF}" type="pres">
       <dgm:prSet presAssocID="{72734D70-D7C6-48DF-8782-AF8596BD6ED3}" presName="parentNode2" presStyleLbl="node1" presStyleIdx="1" presStyleCnt="5" custScaleY="109709" custLinFactY="-41805" custLinFactNeighborX="6185" custLinFactNeighborY="-100000">
@@ -2300,6 +3651,13 @@
         </dgm:presLayoutVars>
       </dgm:prSet>
       <dgm:spPr/>
+      <dgm:t>
+        <a:bodyPr/>
+        <a:lstStyle/>
+        <a:p>
+          <a:endParaRPr lang="zh-CN" altLang="en-US"/>
+        </a:p>
+      </dgm:t>
     </dgm:pt>
     <dgm:pt modelId="{936D091A-45F2-41B9-B8BD-D0C2ADDDC0DE}" type="pres">
       <dgm:prSet presAssocID="{72734D70-D7C6-48DF-8782-AF8596BD6ED3}" presName="connSite2" presStyleCnt="0"/>
@@ -2308,6 +3666,13 @@
     <dgm:pt modelId="{5521A904-781C-4789-848B-4B2150C451FF}" type="pres">
       <dgm:prSet presAssocID="{4D1AA03A-1A26-4E0F-9E40-88612850C8F3}" presName="Name18" presStyleLbl="sibTrans2D1" presStyleIdx="1" presStyleCnt="4" custAng="20849744" custScaleX="115166" custScaleY="99324" custLinFactNeighborX="7210" custLinFactNeighborY="-6575"/>
       <dgm:spPr/>
+      <dgm:t>
+        <a:bodyPr/>
+        <a:lstStyle/>
+        <a:p>
+          <a:endParaRPr lang="zh-CN" altLang="en-US"/>
+        </a:p>
+      </dgm:t>
     </dgm:pt>
     <dgm:pt modelId="{20201607-7FCB-4E63-B6AD-FC49B1EA9765}" type="pres">
       <dgm:prSet presAssocID="{210FE4F8-7C37-4809-87AD-C89289A227A9}" presName="composite1" presStyleCnt="0"/>
@@ -2324,6 +3689,13 @@
         </dgm:presLayoutVars>
       </dgm:prSet>
       <dgm:spPr/>
+      <dgm:t>
+        <a:bodyPr/>
+        <a:lstStyle/>
+        <a:p>
+          <a:endParaRPr lang="zh-CN" altLang="en-US"/>
+        </a:p>
+      </dgm:t>
     </dgm:pt>
     <dgm:pt modelId="{884B42FE-C313-4F0B-ADC8-6D5EC9178039}" type="pres">
       <dgm:prSet presAssocID="{210FE4F8-7C37-4809-87AD-C89289A227A9}" presName="childNode1tx" presStyleLbl="bgAcc1" presStyleIdx="2" presStyleCnt="5">
@@ -2332,6 +3704,13 @@
         </dgm:presLayoutVars>
       </dgm:prSet>
       <dgm:spPr/>
+      <dgm:t>
+        <a:bodyPr/>
+        <a:lstStyle/>
+        <a:p>
+          <a:endParaRPr lang="zh-CN" altLang="en-US"/>
+        </a:p>
+      </dgm:t>
     </dgm:pt>
     <dgm:pt modelId="{AA15F692-0E57-4AE4-9148-DD16F8E7412C}" type="pres">
       <dgm:prSet presAssocID="{210FE4F8-7C37-4809-87AD-C89289A227A9}" presName="parentNode1" presStyleLbl="node1" presStyleIdx="2" presStyleCnt="5" custLinFactNeighborX="8766" custLinFactNeighborY="88174">
@@ -2341,6 +3720,13 @@
         </dgm:presLayoutVars>
       </dgm:prSet>
       <dgm:spPr/>
+      <dgm:t>
+        <a:bodyPr/>
+        <a:lstStyle/>
+        <a:p>
+          <a:endParaRPr lang="zh-CN" altLang="en-US"/>
+        </a:p>
+      </dgm:t>
     </dgm:pt>
     <dgm:pt modelId="{50949886-0801-43F8-8A48-801119441CF8}" type="pres">
       <dgm:prSet presAssocID="{210FE4F8-7C37-4809-87AD-C89289A227A9}" presName="connSite1" presStyleCnt="0"/>
@@ -2349,6 +3735,13 @@
     <dgm:pt modelId="{7934F4A9-4D1D-470B-99F6-EE7AC1DE1470}" type="pres">
       <dgm:prSet presAssocID="{18336FC2-DAC8-428F-972C-22D22B880AE9}" presName="Name9" presStyleLbl="sibTrans2D1" presStyleIdx="2" presStyleCnt="4" custAng="489214" custLinFactNeighborX="14355" custLinFactNeighborY="6669"/>
       <dgm:spPr/>
+      <dgm:t>
+        <a:bodyPr/>
+        <a:lstStyle/>
+        <a:p>
+          <a:endParaRPr lang="zh-CN" altLang="en-US"/>
+        </a:p>
+      </dgm:t>
     </dgm:pt>
     <dgm:pt modelId="{CEF7E8DD-63EE-4FCA-A62D-D294B4FB4C3B}" type="pres">
       <dgm:prSet presAssocID="{24CBC319-9912-46CD-A81D-38C2BB713844}" presName="composite2" presStyleCnt="0"/>
@@ -2365,6 +3758,13 @@
         </dgm:presLayoutVars>
       </dgm:prSet>
       <dgm:spPr/>
+      <dgm:t>
+        <a:bodyPr/>
+        <a:lstStyle/>
+        <a:p>
+          <a:endParaRPr lang="zh-CN" altLang="en-US"/>
+        </a:p>
+      </dgm:t>
     </dgm:pt>
     <dgm:pt modelId="{52A82C79-9754-40B7-AAB2-3758014C650E}" type="pres">
       <dgm:prSet presAssocID="{24CBC319-9912-46CD-A81D-38C2BB713844}" presName="childNode2tx" presStyleLbl="bgAcc1" presStyleIdx="3" presStyleCnt="5">
@@ -2373,6 +3773,13 @@
         </dgm:presLayoutVars>
       </dgm:prSet>
       <dgm:spPr/>
+      <dgm:t>
+        <a:bodyPr/>
+        <a:lstStyle/>
+        <a:p>
+          <a:endParaRPr lang="zh-CN" altLang="en-US"/>
+        </a:p>
+      </dgm:t>
     </dgm:pt>
     <dgm:pt modelId="{750AE5F0-1562-42E6-A85E-1006048A4ABB}" type="pres">
       <dgm:prSet presAssocID="{24CBC319-9912-46CD-A81D-38C2BB713844}" presName="parentNode2" presStyleLbl="node1" presStyleIdx="3" presStyleCnt="5" custScaleY="94905" custLinFactY="-14300" custLinFactNeighborX="11688" custLinFactNeighborY="-100000">
@@ -2382,6 +3789,13 @@
         </dgm:presLayoutVars>
       </dgm:prSet>
       <dgm:spPr/>
+      <dgm:t>
+        <a:bodyPr/>
+        <a:lstStyle/>
+        <a:p>
+          <a:endParaRPr lang="zh-CN" altLang="en-US"/>
+        </a:p>
+      </dgm:t>
     </dgm:pt>
     <dgm:pt modelId="{F5CD7A39-85D9-4B94-AD19-F2DB85971665}" type="pres">
       <dgm:prSet presAssocID="{24CBC319-9912-46CD-A81D-38C2BB713844}" presName="connSite2" presStyleCnt="0"/>
@@ -2390,6 +3804,13 @@
     <dgm:pt modelId="{28C2E68D-D3EB-4419-BCC8-92D68E4A7601}" type="pres">
       <dgm:prSet presAssocID="{EF496E16-ED34-4AA0-940E-42C30B87D9FF}" presName="Name18" presStyleLbl="sibTrans2D1" presStyleIdx="3" presStyleCnt="4"/>
       <dgm:spPr/>
+      <dgm:t>
+        <a:bodyPr/>
+        <a:lstStyle/>
+        <a:p>
+          <a:endParaRPr lang="zh-CN" altLang="en-US"/>
+        </a:p>
+      </dgm:t>
     </dgm:pt>
     <dgm:pt modelId="{89CCAB77-2630-468B-B30B-71D33231C39F}" type="pres">
       <dgm:prSet presAssocID="{E958A7C6-418E-46BB-973B-85764549DF17}" presName="composite1" presStyleCnt="0"/>
@@ -2406,6 +3827,13 @@
         </dgm:presLayoutVars>
       </dgm:prSet>
       <dgm:spPr/>
+      <dgm:t>
+        <a:bodyPr/>
+        <a:lstStyle/>
+        <a:p>
+          <a:endParaRPr lang="zh-CN" altLang="en-US"/>
+        </a:p>
+      </dgm:t>
     </dgm:pt>
     <dgm:pt modelId="{E405F61A-488A-4779-837A-6A97BA10590B}" type="pres">
       <dgm:prSet presAssocID="{E958A7C6-418E-46BB-973B-85764549DF17}" presName="childNode1tx" presStyleLbl="bgAcc1" presStyleIdx="4" presStyleCnt="5">
@@ -2414,6 +3842,13 @@
         </dgm:presLayoutVars>
       </dgm:prSet>
       <dgm:spPr/>
+      <dgm:t>
+        <a:bodyPr/>
+        <a:lstStyle/>
+        <a:p>
+          <a:endParaRPr lang="zh-CN" altLang="en-US"/>
+        </a:p>
+      </dgm:t>
     </dgm:pt>
     <dgm:pt modelId="{26C43FB0-B911-43DB-A84F-27E616B7B27C}" type="pres">
       <dgm:prSet presAssocID="{E958A7C6-418E-46BB-973B-85764549DF17}" presName="parentNode1" presStyleLbl="node1" presStyleIdx="4" presStyleCnt="5" custLinFactNeighborX="1157" custLinFactNeighborY="75643">
@@ -2423,6 +3858,13 @@
         </dgm:presLayoutVars>
       </dgm:prSet>
       <dgm:spPr/>
+      <dgm:t>
+        <a:bodyPr/>
+        <a:lstStyle/>
+        <a:p>
+          <a:endParaRPr lang="zh-CN" altLang="en-US"/>
+        </a:p>
+      </dgm:t>
     </dgm:pt>
     <dgm:pt modelId="{7C2B59CD-186D-41AA-95AA-E3E1E05BBF42}" type="pres">
       <dgm:prSet presAssocID="{E958A7C6-418E-46BB-973B-85764549DF17}" presName="connSite1" presStyleCnt="0"/>
@@ -2430,130 +3872,1002 @@
     </dgm:pt>
   </dgm:ptLst>
   <dgm:cxnLst>
+    <dgm:cxn modelId="{95502B81-0DED-4547-9BF6-BA8AE34F05E4}" type="presOf" srcId="{03721F47-C015-49C6-AA50-836A5282A095}" destId="{0595DFF3-DEB1-43BD-90A3-F691C69EDB59}" srcOrd="0" destOrd="1" presId="urn:microsoft.com/office/officeart/2005/8/layout/hProcess4#1"/>
+    <dgm:cxn modelId="{C2AA74C7-C186-4CBB-86A4-578A4DB18C80}" type="presOf" srcId="{21FFCBF9-D079-4228-A051-ACD0652BD1E7}" destId="{884B42FE-C313-4F0B-ADC8-6D5EC9178039}" srcOrd="1" destOrd="0" presId="urn:microsoft.com/office/officeart/2005/8/layout/hProcess4#1"/>
+    <dgm:cxn modelId="{616FD975-DBCE-40C4-804B-3A0043888F2D}" srcId="{BEE0B429-5DEE-4AC1-B8F1-F057F97D77AD}" destId="{591971BB-762B-49C3-BA83-96F86A469157}" srcOrd="3" destOrd="0" parTransId="{8666CB0B-7901-472D-8B03-B5FBAA797DDA}" sibTransId="{C39AE20C-27CE-4316-A6CA-51C49DD588DD}"/>
+    <dgm:cxn modelId="{08E16F75-60E8-46F8-B783-1EFBEBC0C2EC}" type="presOf" srcId="{9991DC34-8968-4776-9C7C-51EDA450587E}" destId="{EA524D5B-25AE-4841-840A-DCF5BD829AD0}" srcOrd="0" destOrd="0" presId="urn:microsoft.com/office/officeart/2005/8/layout/hProcess4#1"/>
+    <dgm:cxn modelId="{7AC43043-B904-4DAB-904F-4230CC634FE6}" srcId="{210FE4F8-7C37-4809-87AD-C89289A227A9}" destId="{02503B8C-D262-4294-BA8B-FF80D6486BE2}" srcOrd="1" destOrd="0" parTransId="{9CE8E416-B41C-4D20-B35E-E2863839F80D}" sibTransId="{1C32FDCD-2A54-4534-B5A0-8166831EF474}"/>
+    <dgm:cxn modelId="{F9F4A15D-A5F7-464B-A4D7-DFDABFE20F3F}" type="presOf" srcId="{B1B88494-BC93-4F9F-87F8-20971375A771}" destId="{99F40193-91A9-4512-9F43-43938D3C98C1}" srcOrd="0" destOrd="3" presId="urn:microsoft.com/office/officeart/2005/8/layout/hProcess4#1"/>
+    <dgm:cxn modelId="{9C6DAC0E-2092-472F-B156-0716AB66342C}" type="presOf" srcId="{87EB56C3-82D4-47B9-8BB7-D921D577E5ED}" destId="{22BD2250-C9DC-4294-9AC9-94FB314FCCC9}" srcOrd="1" destOrd="0" presId="urn:microsoft.com/office/officeart/2005/8/layout/hProcess4#1"/>
+    <dgm:cxn modelId="{6504876A-A6AD-4E87-8849-88B4198FF4F5}" type="presOf" srcId="{BEF0E031-6BEE-4360-820C-385C31E2501C}" destId="{5EDB0FCE-5C77-4B2A-8A6D-5F7C98CFF9CB}" srcOrd="0" destOrd="0" presId="urn:microsoft.com/office/officeart/2005/8/layout/hProcess4#1"/>
+    <dgm:cxn modelId="{6442F73C-68DC-4265-9B08-776B3FADEEBC}" type="presOf" srcId="{EBA30CB4-1BEB-42F1-88EA-5548F95C9EF4}" destId="{0EFAE6D7-5B6B-4409-834F-589B06F1616E}" srcOrd="1" destOrd="0" presId="urn:microsoft.com/office/officeart/2005/8/layout/hProcess4#1"/>
+    <dgm:cxn modelId="{E0A465B3-D54B-4F39-A90B-572DD4FF1029}" type="presOf" srcId="{47F0CC13-BB65-41FF-A01A-451FFCF31494}" destId="{22BD2250-C9DC-4294-9AC9-94FB314FCCC9}" srcOrd="1" destOrd="2" presId="urn:microsoft.com/office/officeart/2005/8/layout/hProcess4#1"/>
+    <dgm:cxn modelId="{ADDEA037-585C-40A7-86BA-AD65244CA0D2}" type="presOf" srcId="{B3B43E7B-6B7B-4A75-A7C9-094982CD456E}" destId="{0EFAE6D7-5B6B-4409-834F-589B06F1616E}" srcOrd="1" destOrd="1" presId="urn:microsoft.com/office/officeart/2005/8/layout/hProcess4#1"/>
+    <dgm:cxn modelId="{6D359E99-8816-4CF9-AE86-541234EA071B}" type="presOf" srcId="{B1B88494-BC93-4F9F-87F8-20971375A771}" destId="{0EFAE6D7-5B6B-4409-834F-589B06F1616E}" srcOrd="1" destOrd="3" presId="urn:microsoft.com/office/officeart/2005/8/layout/hProcess4#1"/>
+    <dgm:cxn modelId="{9808A753-695C-4545-B5B5-7D5902DBC165}" type="presOf" srcId="{E5D9B38E-8538-4F47-AC47-B9BE80497391}" destId="{0595DFF3-DEB1-43BD-90A3-F691C69EDB59}" srcOrd="0" destOrd="0" presId="urn:microsoft.com/office/officeart/2005/8/layout/hProcess4#1"/>
+    <dgm:cxn modelId="{AD8C1FB3-9E8A-4C1B-85B4-2D8E8FC9098C}" type="presOf" srcId="{AC6D6280-1457-4331-B947-203AB828256A}" destId="{0EFAE6D7-5B6B-4409-834F-589B06F1616E}" srcOrd="1" destOrd="2" presId="urn:microsoft.com/office/officeart/2005/8/layout/hProcess4#1"/>
+    <dgm:cxn modelId="{F529E43C-B1E0-4DB4-AB64-7DCAA2291888}" srcId="{303AFAEF-C613-415C-88AA-EC91B1262FED}" destId="{BEE0B429-5DEE-4AC1-B8F1-F057F97D77AD}" srcOrd="0" destOrd="0" parTransId="{89785933-5AE4-4C21-810E-06EC0BBE4931}" sibTransId="{9991DC34-8968-4776-9C7C-51EDA450587E}"/>
+    <dgm:cxn modelId="{9206F1E5-5398-47BA-9959-0718D001A323}" type="presOf" srcId="{0E57DC64-DC5B-416C-857D-3FC104E8162A}" destId="{BBC1F3A4-4FFE-461B-8077-246A544B16C4}" srcOrd="0" destOrd="3" presId="urn:microsoft.com/office/officeart/2005/8/layout/hProcess4#1"/>
+    <dgm:cxn modelId="{80C1D71A-9A89-4E6B-8670-53D09303CCCD}" srcId="{BEE0B429-5DEE-4AC1-B8F1-F057F97D77AD}" destId="{1E3BDD9A-81CE-4940-8A57-A762F3654446}" srcOrd="1" destOrd="0" parTransId="{E978728F-7F73-46B4-9CB2-24B6B07F550A}" sibTransId="{B092E527-62F1-4E3C-80FD-DEE2BBB981A9}"/>
+    <dgm:cxn modelId="{1BBFDA57-798A-42EC-9AD8-8D744BA7F38B}" srcId="{72734D70-D7C6-48DF-8782-AF8596BD6ED3}" destId="{B3B43E7B-6B7B-4A75-A7C9-094982CD456E}" srcOrd="1" destOrd="0" parTransId="{03EEEC97-1AF1-4523-B72F-1836E0DAAB35}" sibTransId="{C01C9B3C-0788-42FB-A83E-AB89703AAEDD}"/>
+    <dgm:cxn modelId="{0775D876-621B-48F6-B0AF-7BBC1FE4FBFB}" type="presOf" srcId="{EF496E16-ED34-4AA0-940E-42C30B87D9FF}" destId="{28C2E68D-D3EB-4419-BCC8-92D68E4A7601}" srcOrd="0" destOrd="0" presId="urn:microsoft.com/office/officeart/2005/8/layout/hProcess4#1"/>
+    <dgm:cxn modelId="{9E5B18F7-A742-4183-994D-9367A81C6CCC}" srcId="{E958A7C6-418E-46BB-973B-85764549DF17}" destId="{90931715-5D7E-45DC-87BB-AC5FB1FFD782}" srcOrd="1" destOrd="0" parTransId="{03AF3346-8F26-4622-8048-D82F429D8F5B}" sibTransId="{73AB7D9E-37CD-4F25-992C-DC07DEB3F000}"/>
+    <dgm:cxn modelId="{2E0F9388-7049-4801-B7F0-6A7D3E217915}" type="presOf" srcId="{02503B8C-D262-4294-BA8B-FF80D6486BE2}" destId="{884B42FE-C313-4F0B-ADC8-6D5EC9178039}" srcOrd="1" destOrd="1" presId="urn:microsoft.com/office/officeart/2005/8/layout/hProcess4#1"/>
+    <dgm:cxn modelId="{58C52E30-26D3-4C03-BC79-45FDE138882F}" type="presOf" srcId="{C9BF9BCD-BF72-4067-8E8B-013B58DDE495}" destId="{0595DFF3-DEB1-43BD-90A3-F691C69EDB59}" srcOrd="0" destOrd="3" presId="urn:microsoft.com/office/officeart/2005/8/layout/hProcess4#1"/>
+    <dgm:cxn modelId="{BCF24C79-0BFA-4417-8909-2A373FCDC8BD}" type="presOf" srcId="{591971BB-762B-49C3-BA83-96F86A469157}" destId="{22BD2250-C9DC-4294-9AC9-94FB314FCCC9}" srcOrd="1" destOrd="3" presId="urn:microsoft.com/office/officeart/2005/8/layout/hProcess4#1"/>
+    <dgm:cxn modelId="{CAB599F3-6976-4013-A9E6-2DD56B016B12}" type="presOf" srcId="{58E59BFD-E7D0-4244-B993-05079F6230E2}" destId="{BBC1F3A4-4FFE-461B-8077-246A544B16C4}" srcOrd="0" destOrd="2" presId="urn:microsoft.com/office/officeart/2005/8/layout/hProcess4#1"/>
+    <dgm:cxn modelId="{F9470A16-85E4-43D0-A47D-9A8B44C3843A}" type="presOf" srcId="{18336FC2-DAC8-428F-972C-22D22B880AE9}" destId="{7934F4A9-4D1D-470B-99F6-EE7AC1DE1470}" srcOrd="0" destOrd="0" presId="urn:microsoft.com/office/officeart/2005/8/layout/hProcess4#1"/>
+    <dgm:cxn modelId="{77B61EED-DED8-4158-9C2E-619A95188BA3}" type="presOf" srcId="{BEE0B429-5DEE-4AC1-B8F1-F057F97D77AD}" destId="{18474A94-2007-47C0-92BC-26B7DB8AE5DB}" srcOrd="0" destOrd="0" presId="urn:microsoft.com/office/officeart/2005/8/layout/hProcess4#1"/>
+    <dgm:cxn modelId="{0062EDBC-B6DF-4F15-A4CE-9837A33EE710}" type="presOf" srcId="{33EAB5D2-4105-4924-92A0-E4A092D8765F}" destId="{0595DFF3-DEB1-43BD-90A3-F691C69EDB59}" srcOrd="0" destOrd="2" presId="urn:microsoft.com/office/officeart/2005/8/layout/hProcess4#1"/>
+    <dgm:cxn modelId="{27FFA7F2-0D42-4347-835C-8B915E5E2EDC}" type="presOf" srcId="{EBA30CB4-1BEB-42F1-88EA-5548F95C9EF4}" destId="{99F40193-91A9-4512-9F43-43938D3C98C1}" srcOrd="0" destOrd="0" presId="urn:microsoft.com/office/officeart/2005/8/layout/hProcess4#1"/>
+    <dgm:cxn modelId="{255EC1D9-D84C-415C-BD65-CF218E442EAD}" type="presOf" srcId="{72734D70-D7C6-48DF-8782-AF8596BD6ED3}" destId="{043ADA9E-D830-466D-9CF6-6468D6758FEF}" srcOrd="0" destOrd="0" presId="urn:microsoft.com/office/officeart/2005/8/layout/hProcess4#1"/>
+    <dgm:cxn modelId="{F46E722C-4D97-479D-9BA2-BACA2DF79FC0}" srcId="{210FE4F8-7C37-4809-87AD-C89289A227A9}" destId="{0E57DC64-DC5B-416C-857D-3FC104E8162A}" srcOrd="3" destOrd="0" parTransId="{983FF315-0430-4A0D-9DBB-6BCA3F8C61FF}" sibTransId="{1BE5C39D-9CA0-4926-B893-7A63F9E8D062}"/>
+    <dgm:cxn modelId="{0C1C6A59-730C-4CA0-AAA9-8EF146452B55}" type="presOf" srcId="{03721F47-C015-49C6-AA50-836A5282A095}" destId="{52A82C79-9754-40B7-AAB2-3758014C650E}" srcOrd="1" destOrd="1" presId="urn:microsoft.com/office/officeart/2005/8/layout/hProcess4#1"/>
+    <dgm:cxn modelId="{2BAEC81D-A2FA-4817-B46B-91060C93F8B9}" srcId="{72734D70-D7C6-48DF-8782-AF8596BD6ED3}" destId="{B1B88494-BC93-4F9F-87F8-20971375A771}" srcOrd="3" destOrd="0" parTransId="{0A6B9D50-940E-4A16-994D-B4D1451D4053}" sibTransId="{05842D97-F42A-4347-812E-07D04374C44A}"/>
+    <dgm:cxn modelId="{D30DD26F-CC50-4A02-BDB0-D550E4AD41DF}" srcId="{E958A7C6-418E-46BB-973B-85764549DF17}" destId="{BEF0E031-6BEE-4360-820C-385C31E2501C}" srcOrd="0" destOrd="0" parTransId="{3B92EAED-0776-4D1E-A696-A55407B92960}" sibTransId="{2BC20E87-EC8E-4754-90B1-F0FA0A7CD82B}"/>
+    <dgm:cxn modelId="{8189F3B4-985C-40BC-B8EF-27C5FBD3AA83}" type="presOf" srcId="{87EB56C3-82D4-47B9-8BB7-D921D577E5ED}" destId="{0BE3C607-E9DE-488E-BF96-B45696799A2B}" srcOrd="0" destOrd="0" presId="urn:microsoft.com/office/officeart/2005/8/layout/hProcess4#1"/>
+    <dgm:cxn modelId="{5974E3B9-2032-4F2B-8540-5A59D463B623}" type="presOf" srcId="{24CBC319-9912-46CD-A81D-38C2BB713844}" destId="{750AE5F0-1562-42E6-A85E-1006048A4ABB}" srcOrd="0" destOrd="0" presId="urn:microsoft.com/office/officeart/2005/8/layout/hProcess4#1"/>
+    <dgm:cxn modelId="{60485614-0BF1-4057-8D94-5F14E3C286D5}" srcId="{303AFAEF-C613-415C-88AA-EC91B1262FED}" destId="{24CBC319-9912-46CD-A81D-38C2BB713844}" srcOrd="3" destOrd="0" parTransId="{83D96E27-F5E8-423F-9C2A-503E1D0001E4}" sibTransId="{EF496E16-ED34-4AA0-940E-42C30B87D9FF}"/>
+    <dgm:cxn modelId="{5AA58F62-05A8-4D56-B85C-C03F4662C6FF}" type="presOf" srcId="{210FE4F8-7C37-4809-87AD-C89289A227A9}" destId="{AA15F692-0E57-4AE4-9148-DD16F8E7412C}" srcOrd="0" destOrd="0" presId="urn:microsoft.com/office/officeart/2005/8/layout/hProcess4#1"/>
+    <dgm:cxn modelId="{1D673294-94DC-48A2-ADB3-7EF0114F61DC}" type="presOf" srcId="{02503B8C-D262-4294-BA8B-FF80D6486BE2}" destId="{BBC1F3A4-4FFE-461B-8077-246A544B16C4}" srcOrd="0" destOrd="1" presId="urn:microsoft.com/office/officeart/2005/8/layout/hProcess4#1"/>
+    <dgm:cxn modelId="{72E52B94-DD85-41D9-A73D-91AF76C8B793}" srcId="{210FE4F8-7C37-4809-87AD-C89289A227A9}" destId="{58E59BFD-E7D0-4244-B993-05079F6230E2}" srcOrd="2" destOrd="0" parTransId="{A4381F65-E1F9-4F01-B1EA-ECC0C1612330}" sibTransId="{0DF80D42-6B9D-498C-802E-374A8D40FC43}"/>
+    <dgm:cxn modelId="{9F671D79-735A-497B-AA37-F960C1DB6521}" type="presOf" srcId="{5162DC90-8C3B-44F3-A773-70EB6F341F56}" destId="{0BE3C607-E9DE-488E-BF96-B45696799A2B}" srcOrd="0" destOrd="4" presId="urn:microsoft.com/office/officeart/2005/8/layout/hProcess4#1"/>
+    <dgm:cxn modelId="{40B7AA86-5C66-4E22-95A8-503C4973DEE2}" srcId="{72734D70-D7C6-48DF-8782-AF8596BD6ED3}" destId="{EBA30CB4-1BEB-42F1-88EA-5548F95C9EF4}" srcOrd="0" destOrd="0" parTransId="{4CC5FFD5-316E-4548-9F83-B997E94B89B0}" sibTransId="{CB6DCD54-60B1-4F33-980E-39CE2A7D82EF}"/>
+    <dgm:cxn modelId="{E3B383CF-61C8-49DD-AA2A-505BAE4235FC}" type="presOf" srcId="{303AFAEF-C613-415C-88AA-EC91B1262FED}" destId="{8933267D-5B01-4E46-8868-F4A87687B514}" srcOrd="0" destOrd="0" presId="urn:microsoft.com/office/officeart/2005/8/layout/hProcess4#1"/>
+    <dgm:cxn modelId="{35CE9CF5-DA55-4131-8983-859C0DE2AC81}" srcId="{24CBC319-9912-46CD-A81D-38C2BB713844}" destId="{E5D9B38E-8538-4F47-AC47-B9BE80497391}" srcOrd="0" destOrd="0" parTransId="{85D68D7D-AE30-406E-B164-2B3F6EFB9506}" sibTransId="{3CF954DE-FA87-4C27-814F-6DA6119C3C4D}"/>
+    <dgm:cxn modelId="{FDC4813A-9492-4D8B-BA1E-9E5F62C1B551}" srcId="{303AFAEF-C613-415C-88AA-EC91B1262FED}" destId="{72734D70-D7C6-48DF-8782-AF8596BD6ED3}" srcOrd="1" destOrd="0" parTransId="{508DB7A1-065D-49E7-8A41-D96E4361C8A1}" sibTransId="{4D1AA03A-1A26-4E0F-9E40-88612850C8F3}"/>
+    <dgm:cxn modelId="{C4DE2CD9-F9C1-4E12-BF33-C16E965418FF}" type="presOf" srcId="{1E3BDD9A-81CE-4940-8A57-A762F3654446}" destId="{0BE3C607-E9DE-488E-BF96-B45696799A2B}" srcOrd="0" destOrd="1" presId="urn:microsoft.com/office/officeart/2005/8/layout/hProcess4#1"/>
+    <dgm:cxn modelId="{6CD2A6B0-B677-4922-A5B1-C37CB4947F46}" type="presOf" srcId="{58E59BFD-E7D0-4244-B993-05079F6230E2}" destId="{884B42FE-C313-4F0B-ADC8-6D5EC9178039}" srcOrd="1" destOrd="2" presId="urn:microsoft.com/office/officeart/2005/8/layout/hProcess4#1"/>
+    <dgm:cxn modelId="{6EE337CC-5C9E-49F8-A3DD-5A68E0AA8C94}" type="presOf" srcId="{B3B43E7B-6B7B-4A75-A7C9-094982CD456E}" destId="{99F40193-91A9-4512-9F43-43938D3C98C1}" srcOrd="0" destOrd="1" presId="urn:microsoft.com/office/officeart/2005/8/layout/hProcess4#1"/>
+    <dgm:cxn modelId="{D6D46CAA-EBDD-4D59-A4E3-B652564B8750}" srcId="{303AFAEF-C613-415C-88AA-EC91B1262FED}" destId="{E958A7C6-418E-46BB-973B-85764549DF17}" srcOrd="4" destOrd="0" parTransId="{19FF70F2-0A77-4C10-AC7A-27B1D267B0B8}" sibTransId="{7A796420-6104-457F-A8D1-14BF748A168E}"/>
+    <dgm:cxn modelId="{B951AFF6-0BF2-49BE-B5C9-A5EA5D8D6066}" type="presOf" srcId="{BEF0E031-6BEE-4360-820C-385C31E2501C}" destId="{E405F61A-488A-4779-837A-6A97BA10590B}" srcOrd="1" destOrd="0" presId="urn:microsoft.com/office/officeart/2005/8/layout/hProcess4#1"/>
+    <dgm:cxn modelId="{EDB52757-5983-4D2E-9824-7342A52FB3CF}" type="presOf" srcId="{0E57DC64-DC5B-416C-857D-3FC104E8162A}" destId="{884B42FE-C313-4F0B-ADC8-6D5EC9178039}" srcOrd="1" destOrd="3" presId="urn:microsoft.com/office/officeart/2005/8/layout/hProcess4#1"/>
+    <dgm:cxn modelId="{AA9BDF19-98F6-4517-905D-FCFCE726DE59}" srcId="{210FE4F8-7C37-4809-87AD-C89289A227A9}" destId="{21FFCBF9-D079-4228-A051-ACD0652BD1E7}" srcOrd="0" destOrd="0" parTransId="{90EDFFB6-0EF6-4CC1-91F6-A67CEC4C3CF5}" sibTransId="{0A29E907-3EA1-46B2-8C69-141FE0B3B82C}"/>
+    <dgm:cxn modelId="{8BD3D4B4-065E-4D47-949B-345A13E495D1}" type="presOf" srcId="{21FFCBF9-D079-4228-A051-ACD0652BD1E7}" destId="{BBC1F3A4-4FFE-461B-8077-246A544B16C4}" srcOrd="0" destOrd="0" presId="urn:microsoft.com/office/officeart/2005/8/layout/hProcess4#1"/>
+    <dgm:cxn modelId="{CB0B2B36-C17C-47C6-944B-E02C08C479CB}" srcId="{303AFAEF-C613-415C-88AA-EC91B1262FED}" destId="{210FE4F8-7C37-4809-87AD-C89289A227A9}" srcOrd="2" destOrd="0" parTransId="{6D709E5C-2A4B-41CE-A82E-08FA1214F243}" sibTransId="{18336FC2-DAC8-428F-972C-22D22B880AE9}"/>
+    <dgm:cxn modelId="{D0BD2105-7806-461C-B736-CE4BB46BE862}" srcId="{24CBC319-9912-46CD-A81D-38C2BB713844}" destId="{C9BF9BCD-BF72-4067-8E8B-013B58DDE495}" srcOrd="3" destOrd="0" parTransId="{808C58B4-6CC8-4F5A-B012-142BF382926E}" sibTransId="{D6ABBE51-D0FD-4F05-88A2-8AE6EA0CFE93}"/>
+    <dgm:cxn modelId="{303A0152-1B31-4E43-AD2F-910148251EF2}" type="presOf" srcId="{591971BB-762B-49C3-BA83-96F86A469157}" destId="{0BE3C607-E9DE-488E-BF96-B45696799A2B}" srcOrd="0" destOrd="3" presId="urn:microsoft.com/office/officeart/2005/8/layout/hProcess4#1"/>
+    <dgm:cxn modelId="{ECE27196-CCB0-4575-95C0-827E05B117EA}" type="presOf" srcId="{90931715-5D7E-45DC-87BB-AC5FB1FFD782}" destId="{E405F61A-488A-4779-837A-6A97BA10590B}" srcOrd="1" destOrd="1" presId="urn:microsoft.com/office/officeart/2005/8/layout/hProcess4#1"/>
+    <dgm:cxn modelId="{B1A6D78D-0D67-4A8E-A8B5-0C85B85BC0B1}" type="presOf" srcId="{1E3BDD9A-81CE-4940-8A57-A762F3654446}" destId="{22BD2250-C9DC-4294-9AC9-94FB314FCCC9}" srcOrd="1" destOrd="1" presId="urn:microsoft.com/office/officeart/2005/8/layout/hProcess4#1"/>
+    <dgm:cxn modelId="{E59F014F-1D85-47D4-8FC6-834B3DE6260B}" type="presOf" srcId="{90931715-5D7E-45DC-87BB-AC5FB1FFD782}" destId="{5EDB0FCE-5C77-4B2A-8A6D-5F7C98CFF9CB}" srcOrd="0" destOrd="1" presId="urn:microsoft.com/office/officeart/2005/8/layout/hProcess4#1"/>
+    <dgm:cxn modelId="{F3ACC138-32DA-4327-BE1B-476AEE725C47}" srcId="{BEE0B429-5DEE-4AC1-B8F1-F057F97D77AD}" destId="{47F0CC13-BB65-41FF-A01A-451FFCF31494}" srcOrd="2" destOrd="0" parTransId="{7AC2A66C-BA22-458E-B2B6-C857C89E2E18}" sibTransId="{ADA5DFBC-B51B-4C1B-AE5D-64C77F556ACB}"/>
+    <dgm:cxn modelId="{1F58A6A6-C90D-46AA-B655-E18B77F5CEE7}" srcId="{BEE0B429-5DEE-4AC1-B8F1-F057F97D77AD}" destId="{87EB56C3-82D4-47B9-8BB7-D921D577E5ED}" srcOrd="0" destOrd="0" parTransId="{D2CB6AA7-46E0-4B48-9149-7CB3C601F619}" sibTransId="{66C5ADDE-B42D-4F4D-A398-39424888232B}"/>
+    <dgm:cxn modelId="{AA8C8F12-E362-4113-9F3E-F0B0F6959206}" srcId="{24CBC319-9912-46CD-A81D-38C2BB713844}" destId="{A2650D99-F3BE-4CC9-AE0F-0CA322826589}" srcOrd="4" destOrd="0" parTransId="{2B3702F9-EAB7-4A8B-B645-52525EFB8965}" sibTransId="{12BD24C7-F3F1-45A2-BBF1-B5AF2AD99E11}"/>
     <dgm:cxn modelId="{FFDD7203-BC18-4DDE-93D9-5D20611ABF44}" srcId="{24CBC319-9912-46CD-A81D-38C2BB713844}" destId="{03721F47-C015-49C6-AA50-836A5282A095}" srcOrd="1" destOrd="0" parTransId="{781B9559-1B7B-4106-9606-4FD5B44856AA}" sibTransId="{2015F317-4F28-4379-A473-F91FD240EEE4}"/>
+    <dgm:cxn modelId="{245C66F8-D593-4001-82EF-0B8642BE7996}" type="presOf" srcId="{C9BF9BCD-BF72-4067-8E8B-013B58DDE495}" destId="{52A82C79-9754-40B7-AAB2-3758014C650E}" srcOrd="1" destOrd="3" presId="urn:microsoft.com/office/officeart/2005/8/layout/hProcess4#1"/>
     <dgm:cxn modelId="{5E5D1E05-D15A-4668-B85D-39C555B270E0}" srcId="{72734D70-D7C6-48DF-8782-AF8596BD6ED3}" destId="{AC6D6280-1457-4331-B947-203AB828256A}" srcOrd="2" destOrd="0" parTransId="{8F5AE2DF-1EFD-44CA-9DFB-A41DE7060F0B}" sibTransId="{8191D2B1-401C-4BFC-B17A-348E7FD919DB}"/>
-    <dgm:cxn modelId="{D0BD2105-7806-461C-B736-CE4BB46BE862}" srcId="{24CBC319-9912-46CD-A81D-38C2BB713844}" destId="{C9BF9BCD-BF72-4067-8E8B-013B58DDE495}" srcOrd="3" destOrd="0" parTransId="{808C58B4-6CC8-4F5A-B012-142BF382926E}" sibTransId="{D6ABBE51-D0FD-4F05-88A2-8AE6EA0CFE93}"/>
-    <dgm:cxn modelId="{1ADD1B09-AB09-4DDD-B173-508165F3C9CA}" type="presOf" srcId="{4D1AA03A-1A26-4E0F-9E40-88612850C8F3}" destId="{5521A904-781C-4789-848B-4B2150C451FF}" srcOrd="0" destOrd="0" presId="urn:microsoft.com/office/officeart/2005/8/layout/hProcess4"/>
-    <dgm:cxn modelId="{9C6DAC0E-2092-472F-B156-0716AB66342C}" type="presOf" srcId="{87EB56C3-82D4-47B9-8BB7-D921D577E5ED}" destId="{22BD2250-C9DC-4294-9AC9-94FB314FCCC9}" srcOrd="1" destOrd="0" presId="urn:microsoft.com/office/officeart/2005/8/layout/hProcess4"/>
-    <dgm:cxn modelId="{AA8C8F12-E362-4113-9F3E-F0B0F6959206}" srcId="{24CBC319-9912-46CD-A81D-38C2BB713844}" destId="{A2650D99-F3BE-4CC9-AE0F-0CA322826589}" srcOrd="4" destOrd="0" parTransId="{2B3702F9-EAB7-4A8B-B645-52525EFB8965}" sibTransId="{12BD24C7-F3F1-45A2-BBF1-B5AF2AD99E11}"/>
-    <dgm:cxn modelId="{60485614-0BF1-4057-8D94-5F14E3C286D5}" srcId="{303AFAEF-C613-415C-88AA-EC91B1262FED}" destId="{24CBC319-9912-46CD-A81D-38C2BB713844}" srcOrd="3" destOrd="0" parTransId="{83D96E27-F5E8-423F-9C2A-503E1D0001E4}" sibTransId="{EF496E16-ED34-4AA0-940E-42C30B87D9FF}"/>
-    <dgm:cxn modelId="{F9470A16-85E4-43D0-A47D-9A8B44C3843A}" type="presOf" srcId="{18336FC2-DAC8-428F-972C-22D22B880AE9}" destId="{7934F4A9-4D1D-470B-99F6-EE7AC1DE1470}" srcOrd="0" destOrd="0" presId="urn:microsoft.com/office/officeart/2005/8/layout/hProcess4"/>
-    <dgm:cxn modelId="{AA9BDF19-98F6-4517-905D-FCFCE726DE59}" srcId="{210FE4F8-7C37-4809-87AD-C89289A227A9}" destId="{21FFCBF9-D079-4228-A051-ACD0652BD1E7}" srcOrd="0" destOrd="0" parTransId="{90EDFFB6-0EF6-4CC1-91F6-A67CEC4C3CF5}" sibTransId="{0A29E907-3EA1-46B2-8C69-141FE0B3B82C}"/>
-    <dgm:cxn modelId="{80C1D71A-9A89-4E6B-8670-53D09303CCCD}" srcId="{BEE0B429-5DEE-4AC1-B8F1-F057F97D77AD}" destId="{1E3BDD9A-81CE-4940-8A57-A762F3654446}" srcOrd="1" destOrd="0" parTransId="{E978728F-7F73-46B4-9CB2-24B6B07F550A}" sibTransId="{B092E527-62F1-4E3C-80FD-DEE2BBB981A9}"/>
-    <dgm:cxn modelId="{2BAEC81D-A2FA-4817-B46B-91060C93F8B9}" srcId="{72734D70-D7C6-48DF-8782-AF8596BD6ED3}" destId="{B1B88494-BC93-4F9F-87F8-20971375A771}" srcOrd="3" destOrd="0" parTransId="{0A6B9D50-940E-4A16-994D-B4D1451D4053}" sibTransId="{05842D97-F42A-4347-812E-07D04374C44A}"/>
-    <dgm:cxn modelId="{F46E722C-4D97-479D-9BA2-BACA2DF79FC0}" srcId="{210FE4F8-7C37-4809-87AD-C89289A227A9}" destId="{0E57DC64-DC5B-416C-857D-3FC104E8162A}" srcOrd="3" destOrd="0" parTransId="{983FF315-0430-4A0D-9DBB-6BCA3F8C61FF}" sibTransId="{1BE5C39D-9CA0-4926-B893-7A63F9E8D062}"/>
-    <dgm:cxn modelId="{58C52E30-26D3-4C03-BC79-45FDE138882F}" type="presOf" srcId="{C9BF9BCD-BF72-4067-8E8B-013B58DDE495}" destId="{0595DFF3-DEB1-43BD-90A3-F691C69EDB59}" srcOrd="0" destOrd="3" presId="urn:microsoft.com/office/officeart/2005/8/layout/hProcess4"/>
-    <dgm:cxn modelId="{CB0B2B36-C17C-47C6-944B-E02C08C479CB}" srcId="{303AFAEF-C613-415C-88AA-EC91B1262FED}" destId="{210FE4F8-7C37-4809-87AD-C89289A227A9}" srcOrd="2" destOrd="0" parTransId="{6D709E5C-2A4B-41CE-A82E-08FA1214F243}" sibTransId="{18336FC2-DAC8-428F-972C-22D22B880AE9}"/>
-    <dgm:cxn modelId="{ADDEA037-585C-40A7-86BA-AD65244CA0D2}" type="presOf" srcId="{B3B43E7B-6B7B-4A75-A7C9-094982CD456E}" destId="{0EFAE6D7-5B6B-4409-834F-589B06F1616E}" srcOrd="1" destOrd="1" presId="urn:microsoft.com/office/officeart/2005/8/layout/hProcess4"/>
-    <dgm:cxn modelId="{F3ACC138-32DA-4327-BE1B-476AEE725C47}" srcId="{BEE0B429-5DEE-4AC1-B8F1-F057F97D77AD}" destId="{47F0CC13-BB65-41FF-A01A-451FFCF31494}" srcOrd="2" destOrd="0" parTransId="{7AC2A66C-BA22-458E-B2B6-C857C89E2E18}" sibTransId="{ADA5DFBC-B51B-4C1B-AE5D-64C77F556ACB}"/>
-    <dgm:cxn modelId="{FDC4813A-9492-4D8B-BA1E-9E5F62C1B551}" srcId="{303AFAEF-C613-415C-88AA-EC91B1262FED}" destId="{72734D70-D7C6-48DF-8782-AF8596BD6ED3}" srcOrd="1" destOrd="0" parTransId="{508DB7A1-065D-49E7-8A41-D96E4361C8A1}" sibTransId="{4D1AA03A-1A26-4E0F-9E40-88612850C8F3}"/>
-    <dgm:cxn modelId="{F529E43C-B1E0-4DB4-AB64-7DCAA2291888}" srcId="{303AFAEF-C613-415C-88AA-EC91B1262FED}" destId="{BEE0B429-5DEE-4AC1-B8F1-F057F97D77AD}" srcOrd="0" destOrd="0" parTransId="{89785933-5AE4-4C21-810E-06EC0BBE4931}" sibTransId="{9991DC34-8968-4776-9C7C-51EDA450587E}"/>
-    <dgm:cxn modelId="{6442F73C-68DC-4265-9B08-776B3FADEEBC}" type="presOf" srcId="{EBA30CB4-1BEB-42F1-88EA-5548F95C9EF4}" destId="{0EFAE6D7-5B6B-4409-834F-589B06F1616E}" srcOrd="1" destOrd="0" presId="urn:microsoft.com/office/officeart/2005/8/layout/hProcess4"/>
-    <dgm:cxn modelId="{ABFB683F-DF10-47D2-8DDC-FF21DE7B29B4}" type="presOf" srcId="{E958A7C6-418E-46BB-973B-85764549DF17}" destId="{26C43FB0-B911-43DB-A84F-27E616B7B27C}" srcOrd="0" destOrd="0" presId="urn:microsoft.com/office/officeart/2005/8/layout/hProcess4"/>
-    <dgm:cxn modelId="{F9F4A15D-A5F7-464B-A4D7-DFDABFE20F3F}" type="presOf" srcId="{B1B88494-BC93-4F9F-87F8-20971375A771}" destId="{99F40193-91A9-4512-9F43-43938D3C98C1}" srcOrd="0" destOrd="3" presId="urn:microsoft.com/office/officeart/2005/8/layout/hProcess4"/>
-    <dgm:cxn modelId="{5AA58F62-05A8-4D56-B85C-C03F4662C6FF}" type="presOf" srcId="{210FE4F8-7C37-4809-87AD-C89289A227A9}" destId="{AA15F692-0E57-4AE4-9148-DD16F8E7412C}" srcOrd="0" destOrd="0" presId="urn:microsoft.com/office/officeart/2005/8/layout/hProcess4"/>
-    <dgm:cxn modelId="{7AC43043-B904-4DAB-904F-4230CC634FE6}" srcId="{210FE4F8-7C37-4809-87AD-C89289A227A9}" destId="{02503B8C-D262-4294-BA8B-FF80D6486BE2}" srcOrd="1" destOrd="0" parTransId="{9CE8E416-B41C-4D20-B35E-E2863839F80D}" sibTransId="{1C32FDCD-2A54-4534-B5A0-8166831EF474}"/>
-    <dgm:cxn modelId="{6504876A-A6AD-4E87-8849-88B4198FF4F5}" type="presOf" srcId="{BEF0E031-6BEE-4360-820C-385C31E2501C}" destId="{5EDB0FCE-5C77-4B2A-8A6D-5F7C98CFF9CB}" srcOrd="0" destOrd="0" presId="urn:microsoft.com/office/officeart/2005/8/layout/hProcess4"/>
-    <dgm:cxn modelId="{E59F014F-1D85-47D4-8FC6-834B3DE6260B}" type="presOf" srcId="{90931715-5D7E-45DC-87BB-AC5FB1FFD782}" destId="{5EDB0FCE-5C77-4B2A-8A6D-5F7C98CFF9CB}" srcOrd="0" destOrd="1" presId="urn:microsoft.com/office/officeart/2005/8/layout/hProcess4"/>
-    <dgm:cxn modelId="{D30DD26F-CC50-4A02-BDB0-D550E4AD41DF}" srcId="{E958A7C6-418E-46BB-973B-85764549DF17}" destId="{BEF0E031-6BEE-4360-820C-385C31E2501C}" srcOrd="0" destOrd="0" parTransId="{3B92EAED-0776-4D1E-A696-A55407B92960}" sibTransId="{2BC20E87-EC8E-4754-90B1-F0FA0A7CD82B}"/>
-    <dgm:cxn modelId="{303A0152-1B31-4E43-AD2F-910148251EF2}" type="presOf" srcId="{591971BB-762B-49C3-BA83-96F86A469157}" destId="{0BE3C607-E9DE-488E-BF96-B45696799A2B}" srcOrd="0" destOrd="3" presId="urn:microsoft.com/office/officeart/2005/8/layout/hProcess4"/>
-    <dgm:cxn modelId="{9808A753-695C-4545-B5B5-7D5902DBC165}" type="presOf" srcId="{E5D9B38E-8538-4F47-AC47-B9BE80497391}" destId="{0595DFF3-DEB1-43BD-90A3-F691C69EDB59}" srcOrd="0" destOrd="0" presId="urn:microsoft.com/office/officeart/2005/8/layout/hProcess4"/>
-    <dgm:cxn modelId="{D4247074-0180-4846-B7CB-FE040FC57E19}" type="presOf" srcId="{A2650D99-F3BE-4CC9-AE0F-0CA322826589}" destId="{52A82C79-9754-40B7-AAB2-3758014C650E}" srcOrd="1" destOrd="4" presId="urn:microsoft.com/office/officeart/2005/8/layout/hProcess4"/>
-    <dgm:cxn modelId="{08E16F75-60E8-46F8-B783-1EFBEBC0C2EC}" type="presOf" srcId="{9991DC34-8968-4776-9C7C-51EDA450587E}" destId="{EA524D5B-25AE-4841-840A-DCF5BD829AD0}" srcOrd="0" destOrd="0" presId="urn:microsoft.com/office/officeart/2005/8/layout/hProcess4"/>
-    <dgm:cxn modelId="{616FD975-DBCE-40C4-804B-3A0043888F2D}" srcId="{BEE0B429-5DEE-4AC1-B8F1-F057F97D77AD}" destId="{591971BB-762B-49C3-BA83-96F86A469157}" srcOrd="3" destOrd="0" parTransId="{8666CB0B-7901-472D-8B03-B5FBAA797DDA}" sibTransId="{C39AE20C-27CE-4316-A6CA-51C49DD588DD}"/>
-    <dgm:cxn modelId="{0775D876-621B-48F6-B0AF-7BBC1FE4FBFB}" type="presOf" srcId="{EF496E16-ED34-4AA0-940E-42C30B87D9FF}" destId="{28C2E68D-D3EB-4419-BCC8-92D68E4A7601}" srcOrd="0" destOrd="0" presId="urn:microsoft.com/office/officeart/2005/8/layout/hProcess4"/>
-    <dgm:cxn modelId="{EDB52757-5983-4D2E-9824-7342A52FB3CF}" type="presOf" srcId="{0E57DC64-DC5B-416C-857D-3FC104E8162A}" destId="{884B42FE-C313-4F0B-ADC8-6D5EC9178039}" srcOrd="1" destOrd="3" presId="urn:microsoft.com/office/officeart/2005/8/layout/hProcess4"/>
-    <dgm:cxn modelId="{1BBFDA57-798A-42EC-9AD8-8D744BA7F38B}" srcId="{72734D70-D7C6-48DF-8782-AF8596BD6ED3}" destId="{B3B43E7B-6B7B-4A75-A7C9-094982CD456E}" srcOrd="1" destOrd="0" parTransId="{03EEEC97-1AF1-4523-B72F-1836E0DAAB35}" sibTransId="{C01C9B3C-0788-42FB-A83E-AB89703AAEDD}"/>
-    <dgm:cxn modelId="{9F671D79-735A-497B-AA37-F960C1DB6521}" type="presOf" srcId="{5162DC90-8C3B-44F3-A773-70EB6F341F56}" destId="{0BE3C607-E9DE-488E-BF96-B45696799A2B}" srcOrd="0" destOrd="4" presId="urn:microsoft.com/office/officeart/2005/8/layout/hProcess4"/>
-    <dgm:cxn modelId="{0C1C6A59-730C-4CA0-AAA9-8EF146452B55}" type="presOf" srcId="{03721F47-C015-49C6-AA50-836A5282A095}" destId="{52A82C79-9754-40B7-AAB2-3758014C650E}" srcOrd="1" destOrd="1" presId="urn:microsoft.com/office/officeart/2005/8/layout/hProcess4"/>
-    <dgm:cxn modelId="{BCF24C79-0BFA-4417-8909-2A373FCDC8BD}" type="presOf" srcId="{591971BB-762B-49C3-BA83-96F86A469157}" destId="{22BD2250-C9DC-4294-9AC9-94FB314FCCC9}" srcOrd="1" destOrd="3" presId="urn:microsoft.com/office/officeart/2005/8/layout/hProcess4"/>
-    <dgm:cxn modelId="{95502B81-0DED-4547-9BF6-BA8AE34F05E4}" type="presOf" srcId="{03721F47-C015-49C6-AA50-836A5282A095}" destId="{0595DFF3-DEB1-43BD-90A3-F691C69EDB59}" srcOrd="0" destOrd="1" presId="urn:microsoft.com/office/officeart/2005/8/layout/hProcess4"/>
-    <dgm:cxn modelId="{40B7AA86-5C66-4E22-95A8-503C4973DEE2}" srcId="{72734D70-D7C6-48DF-8782-AF8596BD6ED3}" destId="{EBA30CB4-1BEB-42F1-88EA-5548F95C9EF4}" srcOrd="0" destOrd="0" parTransId="{4CC5FFD5-316E-4548-9F83-B997E94B89B0}" sibTransId="{CB6DCD54-60B1-4F33-980E-39CE2A7D82EF}"/>
-    <dgm:cxn modelId="{2E0F9388-7049-4801-B7F0-6A7D3E217915}" type="presOf" srcId="{02503B8C-D262-4294-BA8B-FF80D6486BE2}" destId="{884B42FE-C313-4F0B-ADC8-6D5EC9178039}" srcOrd="1" destOrd="1" presId="urn:microsoft.com/office/officeart/2005/8/layout/hProcess4"/>
-    <dgm:cxn modelId="{B1A6D78D-0D67-4A8E-A8B5-0C85B85BC0B1}" type="presOf" srcId="{1E3BDD9A-81CE-4940-8A57-A762F3654446}" destId="{22BD2250-C9DC-4294-9AC9-94FB314FCCC9}" srcOrd="1" destOrd="1" presId="urn:microsoft.com/office/officeart/2005/8/layout/hProcess4"/>
-    <dgm:cxn modelId="{72E52B94-DD85-41D9-A73D-91AF76C8B793}" srcId="{210FE4F8-7C37-4809-87AD-C89289A227A9}" destId="{58E59BFD-E7D0-4244-B993-05079F6230E2}" srcOrd="2" destOrd="0" parTransId="{A4381F65-E1F9-4F01-B1EA-ECC0C1612330}" sibTransId="{0DF80D42-6B9D-498C-802E-374A8D40FC43}"/>
-    <dgm:cxn modelId="{1D673294-94DC-48A2-ADB3-7EF0114F61DC}" type="presOf" srcId="{02503B8C-D262-4294-BA8B-FF80D6486BE2}" destId="{BBC1F3A4-4FFE-461B-8077-246A544B16C4}" srcOrd="0" destOrd="1" presId="urn:microsoft.com/office/officeart/2005/8/layout/hProcess4"/>
-    <dgm:cxn modelId="{ECE27196-CCB0-4575-95C0-827E05B117EA}" type="presOf" srcId="{90931715-5D7E-45DC-87BB-AC5FB1FFD782}" destId="{E405F61A-488A-4779-837A-6A97BA10590B}" srcOrd="1" destOrd="1" presId="urn:microsoft.com/office/officeart/2005/8/layout/hProcess4"/>
-    <dgm:cxn modelId="{6D359E99-8816-4CF9-AE86-541234EA071B}" type="presOf" srcId="{B1B88494-BC93-4F9F-87F8-20971375A771}" destId="{0EFAE6D7-5B6B-4409-834F-589B06F1616E}" srcOrd="1" destOrd="3" presId="urn:microsoft.com/office/officeart/2005/8/layout/hProcess4"/>
-    <dgm:cxn modelId="{C10EDB9F-9FD0-4803-8B55-CD5D19789188}" type="presOf" srcId="{A2650D99-F3BE-4CC9-AE0F-0CA322826589}" destId="{0595DFF3-DEB1-43BD-90A3-F691C69EDB59}" srcOrd="0" destOrd="4" presId="urn:microsoft.com/office/officeart/2005/8/layout/hProcess4"/>
+    <dgm:cxn modelId="{E2F9E6C9-D138-4041-8C6F-0C04F67A3E62}" type="presOf" srcId="{E5D9B38E-8538-4F47-AC47-B9BE80497391}" destId="{52A82C79-9754-40B7-AAB2-3758014C650E}" srcOrd="1" destOrd="0" presId="urn:microsoft.com/office/officeart/2005/8/layout/hProcess4#1"/>
+    <dgm:cxn modelId="{ABFB683F-DF10-47D2-8DDC-FF21DE7B29B4}" type="presOf" srcId="{E958A7C6-418E-46BB-973B-85764549DF17}" destId="{26C43FB0-B911-43DB-A84F-27E616B7B27C}" srcOrd="0" destOrd="0" presId="urn:microsoft.com/office/officeart/2005/8/layout/hProcess4#1"/>
     <dgm:cxn modelId="{DD1E0DA5-37C8-49FF-8FBF-6B9CFDBDA4F5}" srcId="{BEE0B429-5DEE-4AC1-B8F1-F057F97D77AD}" destId="{5162DC90-8C3B-44F3-A773-70EB6F341F56}" srcOrd="4" destOrd="0" parTransId="{6A44672E-6DF4-4F38-A483-FA961183A81B}" sibTransId="{85942B9D-F3F9-43A4-A4C5-FDCE0D29CB73}"/>
-    <dgm:cxn modelId="{1F58A6A6-C90D-46AA-B655-E18B77F5CEE7}" srcId="{BEE0B429-5DEE-4AC1-B8F1-F057F97D77AD}" destId="{87EB56C3-82D4-47B9-8BB7-D921D577E5ED}" srcOrd="0" destOrd="0" parTransId="{D2CB6AA7-46E0-4B48-9149-7CB3C601F619}" sibTransId="{66C5ADDE-B42D-4F4D-A398-39424888232B}"/>
-    <dgm:cxn modelId="{D6D46CAA-EBDD-4D59-A4E3-B652564B8750}" srcId="{303AFAEF-C613-415C-88AA-EC91B1262FED}" destId="{E958A7C6-418E-46BB-973B-85764549DF17}" srcOrd="4" destOrd="0" parTransId="{19FF70F2-0A77-4C10-AC7A-27B1D267B0B8}" sibTransId="{7A796420-6104-457F-A8D1-14BF748A168E}"/>
-    <dgm:cxn modelId="{6CD2A6B0-B677-4922-A5B1-C37CB4947F46}" type="presOf" srcId="{58E59BFD-E7D0-4244-B993-05079F6230E2}" destId="{884B42FE-C313-4F0B-ADC8-6D5EC9178039}" srcOrd="1" destOrd="2" presId="urn:microsoft.com/office/officeart/2005/8/layout/hProcess4"/>
-    <dgm:cxn modelId="{AD8C1FB3-9E8A-4C1B-85B4-2D8E8FC9098C}" type="presOf" srcId="{AC6D6280-1457-4331-B947-203AB828256A}" destId="{0EFAE6D7-5B6B-4409-834F-589B06F1616E}" srcOrd="1" destOrd="2" presId="urn:microsoft.com/office/officeart/2005/8/layout/hProcess4"/>
-    <dgm:cxn modelId="{E0A465B3-D54B-4F39-A90B-572DD4FF1029}" type="presOf" srcId="{47F0CC13-BB65-41FF-A01A-451FFCF31494}" destId="{22BD2250-C9DC-4294-9AC9-94FB314FCCC9}" srcOrd="1" destOrd="2" presId="urn:microsoft.com/office/officeart/2005/8/layout/hProcess4"/>
-    <dgm:cxn modelId="{8BD3D4B4-065E-4D47-949B-345A13E495D1}" type="presOf" srcId="{21FFCBF9-D079-4228-A051-ACD0652BD1E7}" destId="{BBC1F3A4-4FFE-461B-8077-246A544B16C4}" srcOrd="0" destOrd="0" presId="urn:microsoft.com/office/officeart/2005/8/layout/hProcess4"/>
-    <dgm:cxn modelId="{8189F3B4-985C-40BC-B8EF-27C5FBD3AA83}" type="presOf" srcId="{87EB56C3-82D4-47B9-8BB7-D921D577E5ED}" destId="{0BE3C607-E9DE-488E-BF96-B45696799A2B}" srcOrd="0" destOrd="0" presId="urn:microsoft.com/office/officeart/2005/8/layout/hProcess4"/>
-    <dgm:cxn modelId="{5974E3B9-2032-4F2B-8540-5A59D463B623}" type="presOf" srcId="{24CBC319-9912-46CD-A81D-38C2BB713844}" destId="{750AE5F0-1562-42E6-A85E-1006048A4ABB}" srcOrd="0" destOrd="0" presId="urn:microsoft.com/office/officeart/2005/8/layout/hProcess4"/>
-    <dgm:cxn modelId="{96DB6FBC-F0B2-421F-8B8A-22BDB754E2AA}" type="presOf" srcId="{47F0CC13-BB65-41FF-A01A-451FFCF31494}" destId="{0BE3C607-E9DE-488E-BF96-B45696799A2B}" srcOrd="0" destOrd="2" presId="urn:microsoft.com/office/officeart/2005/8/layout/hProcess4"/>
-    <dgm:cxn modelId="{0062EDBC-B6DF-4F15-A4CE-9837A33EE710}" type="presOf" srcId="{33EAB5D2-4105-4924-92A0-E4A092D8765F}" destId="{0595DFF3-DEB1-43BD-90A3-F691C69EDB59}" srcOrd="0" destOrd="2" presId="urn:microsoft.com/office/officeart/2005/8/layout/hProcess4"/>
-    <dgm:cxn modelId="{C2AA74C7-C186-4CBB-86A4-578A4DB18C80}" type="presOf" srcId="{21FFCBF9-D079-4228-A051-ACD0652BD1E7}" destId="{884B42FE-C313-4F0B-ADC8-6D5EC9178039}" srcOrd="1" destOrd="0" presId="urn:microsoft.com/office/officeart/2005/8/layout/hProcess4"/>
-    <dgm:cxn modelId="{84E9C2C7-809D-4D95-966F-BC8BD80B5DFF}" type="presOf" srcId="{5162DC90-8C3B-44F3-A773-70EB6F341F56}" destId="{22BD2250-C9DC-4294-9AC9-94FB314FCCC9}" srcOrd="1" destOrd="4" presId="urn:microsoft.com/office/officeart/2005/8/layout/hProcess4"/>
-    <dgm:cxn modelId="{E2F9E6C9-D138-4041-8C6F-0C04F67A3E62}" type="presOf" srcId="{E5D9B38E-8538-4F47-AC47-B9BE80497391}" destId="{52A82C79-9754-40B7-AAB2-3758014C650E}" srcOrd="1" destOrd="0" presId="urn:microsoft.com/office/officeart/2005/8/layout/hProcess4"/>
-    <dgm:cxn modelId="{6EE337CC-5C9E-49F8-A3DD-5A68E0AA8C94}" type="presOf" srcId="{B3B43E7B-6B7B-4A75-A7C9-094982CD456E}" destId="{99F40193-91A9-4512-9F43-43938D3C98C1}" srcOrd="0" destOrd="1" presId="urn:microsoft.com/office/officeart/2005/8/layout/hProcess4"/>
-    <dgm:cxn modelId="{E3B383CF-61C8-49DD-AA2A-505BAE4235FC}" type="presOf" srcId="{303AFAEF-C613-415C-88AA-EC91B1262FED}" destId="{8933267D-5B01-4E46-8868-F4A87687B514}" srcOrd="0" destOrd="0" presId="urn:microsoft.com/office/officeart/2005/8/layout/hProcess4"/>
-    <dgm:cxn modelId="{C4DE2CD9-F9C1-4E12-BF33-C16E965418FF}" type="presOf" srcId="{1E3BDD9A-81CE-4940-8A57-A762F3654446}" destId="{0BE3C607-E9DE-488E-BF96-B45696799A2B}" srcOrd="0" destOrd="1" presId="urn:microsoft.com/office/officeart/2005/8/layout/hProcess4"/>
-    <dgm:cxn modelId="{255EC1D9-D84C-415C-BD65-CF218E442EAD}" type="presOf" srcId="{72734D70-D7C6-48DF-8782-AF8596BD6ED3}" destId="{043ADA9E-D830-466D-9CF6-6468D6758FEF}" srcOrd="0" destOrd="0" presId="urn:microsoft.com/office/officeart/2005/8/layout/hProcess4"/>
-    <dgm:cxn modelId="{643D4DE1-4A45-4018-A490-7C696FA0AED1}" type="presOf" srcId="{AC6D6280-1457-4331-B947-203AB828256A}" destId="{99F40193-91A9-4512-9F43-43938D3C98C1}" srcOrd="0" destOrd="2" presId="urn:microsoft.com/office/officeart/2005/8/layout/hProcess4"/>
-    <dgm:cxn modelId="{9206F1E5-5398-47BA-9959-0718D001A323}" type="presOf" srcId="{0E57DC64-DC5B-416C-857D-3FC104E8162A}" destId="{BBC1F3A4-4FFE-461B-8077-246A544B16C4}" srcOrd="0" destOrd="3" presId="urn:microsoft.com/office/officeart/2005/8/layout/hProcess4"/>
-    <dgm:cxn modelId="{77B61EED-DED8-4158-9C2E-619A95188BA3}" type="presOf" srcId="{BEE0B429-5DEE-4AC1-B8F1-F057F97D77AD}" destId="{18474A94-2007-47C0-92BC-26B7DB8AE5DB}" srcOrd="0" destOrd="0" presId="urn:microsoft.com/office/officeart/2005/8/layout/hProcess4"/>
-    <dgm:cxn modelId="{71D723F2-DA86-40A2-A808-7C775BD148EB}" type="presOf" srcId="{33EAB5D2-4105-4924-92A0-E4A092D8765F}" destId="{52A82C79-9754-40B7-AAB2-3758014C650E}" srcOrd="1" destOrd="2" presId="urn:microsoft.com/office/officeart/2005/8/layout/hProcess4"/>
-    <dgm:cxn modelId="{27FFA7F2-0D42-4347-835C-8B915E5E2EDC}" type="presOf" srcId="{EBA30CB4-1BEB-42F1-88EA-5548F95C9EF4}" destId="{99F40193-91A9-4512-9F43-43938D3C98C1}" srcOrd="0" destOrd="0" presId="urn:microsoft.com/office/officeart/2005/8/layout/hProcess4"/>
-    <dgm:cxn modelId="{CAB599F3-6976-4013-A9E6-2DD56B016B12}" type="presOf" srcId="{58E59BFD-E7D0-4244-B993-05079F6230E2}" destId="{BBC1F3A4-4FFE-461B-8077-246A544B16C4}" srcOrd="0" destOrd="2" presId="urn:microsoft.com/office/officeart/2005/8/layout/hProcess4"/>
-    <dgm:cxn modelId="{35CE9CF5-DA55-4131-8983-859C0DE2AC81}" srcId="{24CBC319-9912-46CD-A81D-38C2BB713844}" destId="{E5D9B38E-8538-4F47-AC47-B9BE80497391}" srcOrd="0" destOrd="0" parTransId="{85D68D7D-AE30-406E-B164-2B3F6EFB9506}" sibTransId="{3CF954DE-FA87-4C27-814F-6DA6119C3C4D}"/>
+    <dgm:cxn modelId="{84E9C2C7-809D-4D95-966F-BC8BD80B5DFF}" type="presOf" srcId="{5162DC90-8C3B-44F3-A773-70EB6F341F56}" destId="{22BD2250-C9DC-4294-9AC9-94FB314FCCC9}" srcOrd="1" destOrd="4" presId="urn:microsoft.com/office/officeart/2005/8/layout/hProcess4#1"/>
+    <dgm:cxn modelId="{643D4DE1-4A45-4018-A490-7C696FA0AED1}" type="presOf" srcId="{AC6D6280-1457-4331-B947-203AB828256A}" destId="{99F40193-91A9-4512-9F43-43938D3C98C1}" srcOrd="0" destOrd="2" presId="urn:microsoft.com/office/officeart/2005/8/layout/hProcess4#1"/>
+    <dgm:cxn modelId="{1ADD1B09-AB09-4DDD-B173-508165F3C9CA}" type="presOf" srcId="{4D1AA03A-1A26-4E0F-9E40-88612850C8F3}" destId="{5521A904-781C-4789-848B-4B2150C451FF}" srcOrd="0" destOrd="0" presId="urn:microsoft.com/office/officeart/2005/8/layout/hProcess4#1"/>
+    <dgm:cxn modelId="{C10EDB9F-9FD0-4803-8B55-CD5D19789188}" type="presOf" srcId="{A2650D99-F3BE-4CC9-AE0F-0CA322826589}" destId="{0595DFF3-DEB1-43BD-90A3-F691C69EDB59}" srcOrd="0" destOrd="4" presId="urn:microsoft.com/office/officeart/2005/8/layout/hProcess4#1"/>
+    <dgm:cxn modelId="{96DB6FBC-F0B2-421F-8B8A-22BDB754E2AA}" type="presOf" srcId="{47F0CC13-BB65-41FF-A01A-451FFCF31494}" destId="{0BE3C607-E9DE-488E-BF96-B45696799A2B}" srcOrd="0" destOrd="2" presId="urn:microsoft.com/office/officeart/2005/8/layout/hProcess4#1"/>
+    <dgm:cxn modelId="{71D723F2-DA86-40A2-A808-7C775BD148EB}" type="presOf" srcId="{33EAB5D2-4105-4924-92A0-E4A092D8765F}" destId="{52A82C79-9754-40B7-AAB2-3758014C650E}" srcOrd="1" destOrd="2" presId="urn:microsoft.com/office/officeart/2005/8/layout/hProcess4#1"/>
     <dgm:cxn modelId="{2ADA69F6-EE41-4B97-A679-A5297268296A}" srcId="{24CBC319-9912-46CD-A81D-38C2BB713844}" destId="{33EAB5D2-4105-4924-92A0-E4A092D8765F}" srcOrd="2" destOrd="0" parTransId="{77611221-6355-4772-91CE-28B920F449D2}" sibTransId="{C33CE4CB-74F6-4E51-A6FB-71B737D4A2F2}"/>
-    <dgm:cxn modelId="{B951AFF6-0BF2-49BE-B5C9-A5EA5D8D6066}" type="presOf" srcId="{BEF0E031-6BEE-4360-820C-385C31E2501C}" destId="{E405F61A-488A-4779-837A-6A97BA10590B}" srcOrd="1" destOrd="0" presId="urn:microsoft.com/office/officeart/2005/8/layout/hProcess4"/>
-    <dgm:cxn modelId="{9E5B18F7-A742-4183-994D-9367A81C6CCC}" srcId="{E958A7C6-418E-46BB-973B-85764549DF17}" destId="{90931715-5D7E-45DC-87BB-AC5FB1FFD782}" srcOrd="1" destOrd="0" parTransId="{03AF3346-8F26-4622-8048-D82F429D8F5B}" sibTransId="{73AB7D9E-37CD-4F25-992C-DC07DEB3F000}"/>
-    <dgm:cxn modelId="{245C66F8-D593-4001-82EF-0B8642BE7996}" type="presOf" srcId="{C9BF9BCD-BF72-4067-8E8B-013B58DDE495}" destId="{52A82C79-9754-40B7-AAB2-3758014C650E}" srcOrd="1" destOrd="3" presId="urn:microsoft.com/office/officeart/2005/8/layout/hProcess4"/>
-    <dgm:cxn modelId="{32E9BBB7-EAA5-4207-B0B5-DFD65036897D}" type="presParOf" srcId="{8933267D-5B01-4E46-8868-F4A87687B514}" destId="{8E5C478E-D80B-41EF-A94C-E948E36B59C0}" srcOrd="0" destOrd="0" presId="urn:microsoft.com/office/officeart/2005/8/layout/hProcess4"/>
-    <dgm:cxn modelId="{455B607E-C90C-4D92-84CA-A278D72AEA7C}" type="presParOf" srcId="{8933267D-5B01-4E46-8868-F4A87687B514}" destId="{9BFC3A4E-44CC-4402-A76E-6E74AB5417AB}" srcOrd="1" destOrd="0" presId="urn:microsoft.com/office/officeart/2005/8/layout/hProcess4"/>
-    <dgm:cxn modelId="{5799DCDA-6F1A-46ED-BB75-A0F48076CAAF}" type="presParOf" srcId="{8933267D-5B01-4E46-8868-F4A87687B514}" destId="{4D7FEF73-9295-4115-8289-4AF0D9122F53}" srcOrd="2" destOrd="0" presId="urn:microsoft.com/office/officeart/2005/8/layout/hProcess4"/>
-    <dgm:cxn modelId="{2F5C816F-4A51-4D2B-BD8E-01A3C509D9A8}" type="presParOf" srcId="{4D7FEF73-9295-4115-8289-4AF0D9122F53}" destId="{6FB99093-9A51-437D-A1B7-E8D1675700F4}" srcOrd="0" destOrd="0" presId="urn:microsoft.com/office/officeart/2005/8/layout/hProcess4"/>
-    <dgm:cxn modelId="{CA21A9FA-F7FD-465E-BFC4-53881EC129B3}" type="presParOf" srcId="{6FB99093-9A51-437D-A1B7-E8D1675700F4}" destId="{C7F7DEF7-0970-46EE-9A77-5ABB3E493285}" srcOrd="0" destOrd="0" presId="urn:microsoft.com/office/officeart/2005/8/layout/hProcess4"/>
-    <dgm:cxn modelId="{32B13FD2-D4C9-41B6-ABAB-AE609850EB65}" type="presParOf" srcId="{6FB99093-9A51-437D-A1B7-E8D1675700F4}" destId="{0BE3C607-E9DE-488E-BF96-B45696799A2B}" srcOrd="1" destOrd="0" presId="urn:microsoft.com/office/officeart/2005/8/layout/hProcess4"/>
-    <dgm:cxn modelId="{90C8BDD0-E7D7-4FEB-AC48-9423CBF5CAFF}" type="presParOf" srcId="{6FB99093-9A51-437D-A1B7-E8D1675700F4}" destId="{22BD2250-C9DC-4294-9AC9-94FB314FCCC9}" srcOrd="2" destOrd="0" presId="urn:microsoft.com/office/officeart/2005/8/layout/hProcess4"/>
-    <dgm:cxn modelId="{D1447685-4633-4BB0-895A-440161688082}" type="presParOf" srcId="{6FB99093-9A51-437D-A1B7-E8D1675700F4}" destId="{18474A94-2007-47C0-92BC-26B7DB8AE5DB}" srcOrd="3" destOrd="0" presId="urn:microsoft.com/office/officeart/2005/8/layout/hProcess4"/>
-    <dgm:cxn modelId="{F95BA20C-6AF0-4D1A-91AA-C4F00282DE91}" type="presParOf" srcId="{6FB99093-9A51-437D-A1B7-E8D1675700F4}" destId="{C7512345-8823-437F-A76A-5FA38F1D5756}" srcOrd="4" destOrd="0" presId="urn:microsoft.com/office/officeart/2005/8/layout/hProcess4"/>
-    <dgm:cxn modelId="{DE5ECF8D-6B8E-4B32-A129-9E029286A132}" type="presParOf" srcId="{4D7FEF73-9295-4115-8289-4AF0D9122F53}" destId="{EA524D5B-25AE-4841-840A-DCF5BD829AD0}" srcOrd="1" destOrd="0" presId="urn:microsoft.com/office/officeart/2005/8/layout/hProcess4"/>
-    <dgm:cxn modelId="{5D604F64-0652-4144-8A93-B3960327935C}" type="presParOf" srcId="{4D7FEF73-9295-4115-8289-4AF0D9122F53}" destId="{CE3BD715-4BBA-4519-A709-FBA2BDADB775}" srcOrd="2" destOrd="0" presId="urn:microsoft.com/office/officeart/2005/8/layout/hProcess4"/>
-    <dgm:cxn modelId="{F8C7860E-A893-4889-87E6-0798C2A5A952}" type="presParOf" srcId="{CE3BD715-4BBA-4519-A709-FBA2BDADB775}" destId="{B3150A5B-AD5E-4BB2-AE98-DBA977B6E7CF}" srcOrd="0" destOrd="0" presId="urn:microsoft.com/office/officeart/2005/8/layout/hProcess4"/>
-    <dgm:cxn modelId="{9DB9448C-C985-42DD-B8DA-3CA95D69168E}" type="presParOf" srcId="{CE3BD715-4BBA-4519-A709-FBA2BDADB775}" destId="{99F40193-91A9-4512-9F43-43938D3C98C1}" srcOrd="1" destOrd="0" presId="urn:microsoft.com/office/officeart/2005/8/layout/hProcess4"/>
-    <dgm:cxn modelId="{4D239E2B-7F6E-49F6-808E-422BDAB9FDB6}" type="presParOf" srcId="{CE3BD715-4BBA-4519-A709-FBA2BDADB775}" destId="{0EFAE6D7-5B6B-4409-834F-589B06F1616E}" srcOrd="2" destOrd="0" presId="urn:microsoft.com/office/officeart/2005/8/layout/hProcess4"/>
-    <dgm:cxn modelId="{2B34FEB1-1747-4EC0-983D-9FED3A8B96A5}" type="presParOf" srcId="{CE3BD715-4BBA-4519-A709-FBA2BDADB775}" destId="{043ADA9E-D830-466D-9CF6-6468D6758FEF}" srcOrd="3" destOrd="0" presId="urn:microsoft.com/office/officeart/2005/8/layout/hProcess4"/>
-    <dgm:cxn modelId="{0CFDC8A3-15C3-4C17-AD36-EA9D7D480A65}" type="presParOf" srcId="{CE3BD715-4BBA-4519-A709-FBA2BDADB775}" destId="{936D091A-45F2-41B9-B8BD-D0C2ADDDC0DE}" srcOrd="4" destOrd="0" presId="urn:microsoft.com/office/officeart/2005/8/layout/hProcess4"/>
-    <dgm:cxn modelId="{40A72A72-7472-4E48-9F4E-347DC16BA476}" type="presParOf" srcId="{4D7FEF73-9295-4115-8289-4AF0D9122F53}" destId="{5521A904-781C-4789-848B-4B2150C451FF}" srcOrd="3" destOrd="0" presId="urn:microsoft.com/office/officeart/2005/8/layout/hProcess4"/>
-    <dgm:cxn modelId="{30461FC7-9333-414E-B1ED-9E241F2100C5}" type="presParOf" srcId="{4D7FEF73-9295-4115-8289-4AF0D9122F53}" destId="{20201607-7FCB-4E63-B6AD-FC49B1EA9765}" srcOrd="4" destOrd="0" presId="urn:microsoft.com/office/officeart/2005/8/layout/hProcess4"/>
-    <dgm:cxn modelId="{3E65D505-A6C9-4BC0-A374-5ECBA75079DE}" type="presParOf" srcId="{20201607-7FCB-4E63-B6AD-FC49B1EA9765}" destId="{B57FF3F2-FFA8-4D91-B4BB-EC2189BFC3AB}" srcOrd="0" destOrd="0" presId="urn:microsoft.com/office/officeart/2005/8/layout/hProcess4"/>
-    <dgm:cxn modelId="{1A952722-5C02-4432-BD49-70BF8FE02F2B}" type="presParOf" srcId="{20201607-7FCB-4E63-B6AD-FC49B1EA9765}" destId="{BBC1F3A4-4FFE-461B-8077-246A544B16C4}" srcOrd="1" destOrd="0" presId="urn:microsoft.com/office/officeart/2005/8/layout/hProcess4"/>
-    <dgm:cxn modelId="{81C3B1A6-D4E4-4102-A840-BC2386E1F924}" type="presParOf" srcId="{20201607-7FCB-4E63-B6AD-FC49B1EA9765}" destId="{884B42FE-C313-4F0B-ADC8-6D5EC9178039}" srcOrd="2" destOrd="0" presId="urn:microsoft.com/office/officeart/2005/8/layout/hProcess4"/>
-    <dgm:cxn modelId="{BBF61C36-FD8F-4AB8-87BA-9C53B470A242}" type="presParOf" srcId="{20201607-7FCB-4E63-B6AD-FC49B1EA9765}" destId="{AA15F692-0E57-4AE4-9148-DD16F8E7412C}" srcOrd="3" destOrd="0" presId="urn:microsoft.com/office/officeart/2005/8/layout/hProcess4"/>
-    <dgm:cxn modelId="{771DC505-EC63-40C6-9401-75AAADDD3610}" type="presParOf" srcId="{20201607-7FCB-4E63-B6AD-FC49B1EA9765}" destId="{50949886-0801-43F8-8A48-801119441CF8}" srcOrd="4" destOrd="0" presId="urn:microsoft.com/office/officeart/2005/8/layout/hProcess4"/>
-    <dgm:cxn modelId="{26A1A92D-0368-4494-B44E-9C2A11DA5D3D}" type="presParOf" srcId="{4D7FEF73-9295-4115-8289-4AF0D9122F53}" destId="{7934F4A9-4D1D-470B-99F6-EE7AC1DE1470}" srcOrd="5" destOrd="0" presId="urn:microsoft.com/office/officeart/2005/8/layout/hProcess4"/>
-    <dgm:cxn modelId="{DD811BA4-36D2-4529-8B02-05A372DA5726}" type="presParOf" srcId="{4D7FEF73-9295-4115-8289-4AF0D9122F53}" destId="{CEF7E8DD-63EE-4FCA-A62D-D294B4FB4C3B}" srcOrd="6" destOrd="0" presId="urn:microsoft.com/office/officeart/2005/8/layout/hProcess4"/>
-    <dgm:cxn modelId="{4DAF9A34-B5B5-48DD-A0CC-C762C7FF753C}" type="presParOf" srcId="{CEF7E8DD-63EE-4FCA-A62D-D294B4FB4C3B}" destId="{75A55C8C-5C99-4868-ACDA-FD7516F176C8}" srcOrd="0" destOrd="0" presId="urn:microsoft.com/office/officeart/2005/8/layout/hProcess4"/>
-    <dgm:cxn modelId="{A7B03012-8887-42FE-BC5D-8AF1453DE75E}" type="presParOf" srcId="{CEF7E8DD-63EE-4FCA-A62D-D294B4FB4C3B}" destId="{0595DFF3-DEB1-43BD-90A3-F691C69EDB59}" srcOrd="1" destOrd="0" presId="urn:microsoft.com/office/officeart/2005/8/layout/hProcess4"/>
-    <dgm:cxn modelId="{61C541B7-6F0C-4581-9CC2-E85E45692F94}" type="presParOf" srcId="{CEF7E8DD-63EE-4FCA-A62D-D294B4FB4C3B}" destId="{52A82C79-9754-40B7-AAB2-3758014C650E}" srcOrd="2" destOrd="0" presId="urn:microsoft.com/office/officeart/2005/8/layout/hProcess4"/>
-    <dgm:cxn modelId="{4C7907EF-ACCD-426A-90DE-B1F535A031C1}" type="presParOf" srcId="{CEF7E8DD-63EE-4FCA-A62D-D294B4FB4C3B}" destId="{750AE5F0-1562-42E6-A85E-1006048A4ABB}" srcOrd="3" destOrd="0" presId="urn:microsoft.com/office/officeart/2005/8/layout/hProcess4"/>
-    <dgm:cxn modelId="{4B557966-53BA-4D7F-8E18-0E3928446C02}" type="presParOf" srcId="{CEF7E8DD-63EE-4FCA-A62D-D294B4FB4C3B}" destId="{F5CD7A39-85D9-4B94-AD19-F2DB85971665}" srcOrd="4" destOrd="0" presId="urn:microsoft.com/office/officeart/2005/8/layout/hProcess4"/>
-    <dgm:cxn modelId="{447F4397-C3C0-4B49-8090-5CD7E4D0E3CE}" type="presParOf" srcId="{4D7FEF73-9295-4115-8289-4AF0D9122F53}" destId="{28C2E68D-D3EB-4419-BCC8-92D68E4A7601}" srcOrd="7" destOrd="0" presId="urn:microsoft.com/office/officeart/2005/8/layout/hProcess4"/>
-    <dgm:cxn modelId="{C0570430-4A53-4615-BAE0-5119DE4D3E9E}" type="presParOf" srcId="{4D7FEF73-9295-4115-8289-4AF0D9122F53}" destId="{89CCAB77-2630-468B-B30B-71D33231C39F}" srcOrd="8" destOrd="0" presId="urn:microsoft.com/office/officeart/2005/8/layout/hProcess4"/>
-    <dgm:cxn modelId="{4067EF2A-3F32-4719-883B-9D9A677E8574}" type="presParOf" srcId="{89CCAB77-2630-468B-B30B-71D33231C39F}" destId="{DF6A3892-5319-4591-BB1E-C5CE12BA6276}" srcOrd="0" destOrd="0" presId="urn:microsoft.com/office/officeart/2005/8/layout/hProcess4"/>
-    <dgm:cxn modelId="{B7363782-0808-4AF7-9DBF-4C8763DCEEAA}" type="presParOf" srcId="{89CCAB77-2630-468B-B30B-71D33231C39F}" destId="{5EDB0FCE-5C77-4B2A-8A6D-5F7C98CFF9CB}" srcOrd="1" destOrd="0" presId="urn:microsoft.com/office/officeart/2005/8/layout/hProcess4"/>
-    <dgm:cxn modelId="{9377E395-F873-4028-BAF3-F5719F41EE86}" type="presParOf" srcId="{89CCAB77-2630-468B-B30B-71D33231C39F}" destId="{E405F61A-488A-4779-837A-6A97BA10590B}" srcOrd="2" destOrd="0" presId="urn:microsoft.com/office/officeart/2005/8/layout/hProcess4"/>
-    <dgm:cxn modelId="{C02E343A-FD7F-4D51-8E4E-30C8718461DB}" type="presParOf" srcId="{89CCAB77-2630-468B-B30B-71D33231C39F}" destId="{26C43FB0-B911-43DB-A84F-27E616B7B27C}" srcOrd="3" destOrd="0" presId="urn:microsoft.com/office/officeart/2005/8/layout/hProcess4"/>
-    <dgm:cxn modelId="{FCBF94B3-B07E-4AC6-8E5A-A96A81749EE7}" type="presParOf" srcId="{89CCAB77-2630-468B-B30B-71D33231C39F}" destId="{7C2B59CD-186D-41AA-95AA-E3E1E05BBF42}" srcOrd="4" destOrd="0" presId="urn:microsoft.com/office/officeart/2005/8/layout/hProcess4"/>
+    <dgm:cxn modelId="{D4247074-0180-4846-B7CB-FE040FC57E19}" type="presOf" srcId="{A2650D99-F3BE-4CC9-AE0F-0CA322826589}" destId="{52A82C79-9754-40B7-AAB2-3758014C650E}" srcOrd="1" destOrd="4" presId="urn:microsoft.com/office/officeart/2005/8/layout/hProcess4#1"/>
+    <dgm:cxn modelId="{32E9BBB7-EAA5-4207-B0B5-DFD65036897D}" type="presParOf" srcId="{8933267D-5B01-4E46-8868-F4A87687B514}" destId="{8E5C478E-D80B-41EF-A94C-E948E36B59C0}" srcOrd="0" destOrd="0" presId="urn:microsoft.com/office/officeart/2005/8/layout/hProcess4#1"/>
+    <dgm:cxn modelId="{455B607E-C90C-4D92-84CA-A278D72AEA7C}" type="presParOf" srcId="{8933267D-5B01-4E46-8868-F4A87687B514}" destId="{9BFC3A4E-44CC-4402-A76E-6E74AB5417AB}" srcOrd="1" destOrd="0" presId="urn:microsoft.com/office/officeart/2005/8/layout/hProcess4#1"/>
+    <dgm:cxn modelId="{5799DCDA-6F1A-46ED-BB75-A0F48076CAAF}" type="presParOf" srcId="{8933267D-5B01-4E46-8868-F4A87687B514}" destId="{4D7FEF73-9295-4115-8289-4AF0D9122F53}" srcOrd="2" destOrd="0" presId="urn:microsoft.com/office/officeart/2005/8/layout/hProcess4#1"/>
+    <dgm:cxn modelId="{2F5C816F-4A51-4D2B-BD8E-01A3C509D9A8}" type="presParOf" srcId="{4D7FEF73-9295-4115-8289-4AF0D9122F53}" destId="{6FB99093-9A51-437D-A1B7-E8D1675700F4}" srcOrd="0" destOrd="0" presId="urn:microsoft.com/office/officeart/2005/8/layout/hProcess4#1"/>
+    <dgm:cxn modelId="{CA21A9FA-F7FD-465E-BFC4-53881EC129B3}" type="presParOf" srcId="{6FB99093-9A51-437D-A1B7-E8D1675700F4}" destId="{C7F7DEF7-0970-46EE-9A77-5ABB3E493285}" srcOrd="0" destOrd="0" presId="urn:microsoft.com/office/officeart/2005/8/layout/hProcess4#1"/>
+    <dgm:cxn modelId="{32B13FD2-D4C9-41B6-ABAB-AE609850EB65}" type="presParOf" srcId="{6FB99093-9A51-437D-A1B7-E8D1675700F4}" destId="{0BE3C607-E9DE-488E-BF96-B45696799A2B}" srcOrd="1" destOrd="0" presId="urn:microsoft.com/office/officeart/2005/8/layout/hProcess4#1"/>
+    <dgm:cxn modelId="{90C8BDD0-E7D7-4FEB-AC48-9423CBF5CAFF}" type="presParOf" srcId="{6FB99093-9A51-437D-A1B7-E8D1675700F4}" destId="{22BD2250-C9DC-4294-9AC9-94FB314FCCC9}" srcOrd="2" destOrd="0" presId="urn:microsoft.com/office/officeart/2005/8/layout/hProcess4#1"/>
+    <dgm:cxn modelId="{D1447685-4633-4BB0-895A-440161688082}" type="presParOf" srcId="{6FB99093-9A51-437D-A1B7-E8D1675700F4}" destId="{18474A94-2007-47C0-92BC-26B7DB8AE5DB}" srcOrd="3" destOrd="0" presId="urn:microsoft.com/office/officeart/2005/8/layout/hProcess4#1"/>
+    <dgm:cxn modelId="{F95BA20C-6AF0-4D1A-91AA-C4F00282DE91}" type="presParOf" srcId="{6FB99093-9A51-437D-A1B7-E8D1675700F4}" destId="{C7512345-8823-437F-A76A-5FA38F1D5756}" srcOrd="4" destOrd="0" presId="urn:microsoft.com/office/officeart/2005/8/layout/hProcess4#1"/>
+    <dgm:cxn modelId="{DE5ECF8D-6B8E-4B32-A129-9E029286A132}" type="presParOf" srcId="{4D7FEF73-9295-4115-8289-4AF0D9122F53}" destId="{EA524D5B-25AE-4841-840A-DCF5BD829AD0}" srcOrd="1" destOrd="0" presId="urn:microsoft.com/office/officeart/2005/8/layout/hProcess4#1"/>
+    <dgm:cxn modelId="{5D604F64-0652-4144-8A93-B3960327935C}" type="presParOf" srcId="{4D7FEF73-9295-4115-8289-4AF0D9122F53}" destId="{CE3BD715-4BBA-4519-A709-FBA2BDADB775}" srcOrd="2" destOrd="0" presId="urn:microsoft.com/office/officeart/2005/8/layout/hProcess4#1"/>
+    <dgm:cxn modelId="{F8C7860E-A893-4889-87E6-0798C2A5A952}" type="presParOf" srcId="{CE3BD715-4BBA-4519-A709-FBA2BDADB775}" destId="{B3150A5B-AD5E-4BB2-AE98-DBA977B6E7CF}" srcOrd="0" destOrd="0" presId="urn:microsoft.com/office/officeart/2005/8/layout/hProcess4#1"/>
+    <dgm:cxn modelId="{9DB9448C-C985-42DD-B8DA-3CA95D69168E}" type="presParOf" srcId="{CE3BD715-4BBA-4519-A709-FBA2BDADB775}" destId="{99F40193-91A9-4512-9F43-43938D3C98C1}" srcOrd="1" destOrd="0" presId="urn:microsoft.com/office/officeart/2005/8/layout/hProcess4#1"/>
+    <dgm:cxn modelId="{4D239E2B-7F6E-49F6-808E-422BDAB9FDB6}" type="presParOf" srcId="{CE3BD715-4BBA-4519-A709-FBA2BDADB775}" destId="{0EFAE6D7-5B6B-4409-834F-589B06F1616E}" srcOrd="2" destOrd="0" presId="urn:microsoft.com/office/officeart/2005/8/layout/hProcess4#1"/>
+    <dgm:cxn modelId="{2B34FEB1-1747-4EC0-983D-9FED3A8B96A5}" type="presParOf" srcId="{CE3BD715-4BBA-4519-A709-FBA2BDADB775}" destId="{043ADA9E-D830-466D-9CF6-6468D6758FEF}" srcOrd="3" destOrd="0" presId="urn:microsoft.com/office/officeart/2005/8/layout/hProcess4#1"/>
+    <dgm:cxn modelId="{0CFDC8A3-15C3-4C17-AD36-EA9D7D480A65}" type="presParOf" srcId="{CE3BD715-4BBA-4519-A709-FBA2BDADB775}" destId="{936D091A-45F2-41B9-B8BD-D0C2ADDDC0DE}" srcOrd="4" destOrd="0" presId="urn:microsoft.com/office/officeart/2005/8/layout/hProcess4#1"/>
+    <dgm:cxn modelId="{40A72A72-7472-4E48-9F4E-347DC16BA476}" type="presParOf" srcId="{4D7FEF73-9295-4115-8289-4AF0D9122F53}" destId="{5521A904-781C-4789-848B-4B2150C451FF}" srcOrd="3" destOrd="0" presId="urn:microsoft.com/office/officeart/2005/8/layout/hProcess4#1"/>
+    <dgm:cxn modelId="{30461FC7-9333-414E-B1ED-9E241F2100C5}" type="presParOf" srcId="{4D7FEF73-9295-4115-8289-4AF0D9122F53}" destId="{20201607-7FCB-4E63-B6AD-FC49B1EA9765}" srcOrd="4" destOrd="0" presId="urn:microsoft.com/office/officeart/2005/8/layout/hProcess4#1"/>
+    <dgm:cxn modelId="{3E65D505-A6C9-4BC0-A374-5ECBA75079DE}" type="presParOf" srcId="{20201607-7FCB-4E63-B6AD-FC49B1EA9765}" destId="{B57FF3F2-FFA8-4D91-B4BB-EC2189BFC3AB}" srcOrd="0" destOrd="0" presId="urn:microsoft.com/office/officeart/2005/8/layout/hProcess4#1"/>
+    <dgm:cxn modelId="{1A952722-5C02-4432-BD49-70BF8FE02F2B}" type="presParOf" srcId="{20201607-7FCB-4E63-B6AD-FC49B1EA9765}" destId="{BBC1F3A4-4FFE-461B-8077-246A544B16C4}" srcOrd="1" destOrd="0" presId="urn:microsoft.com/office/officeart/2005/8/layout/hProcess4#1"/>
+    <dgm:cxn modelId="{81C3B1A6-D4E4-4102-A840-BC2386E1F924}" type="presParOf" srcId="{20201607-7FCB-4E63-B6AD-FC49B1EA9765}" destId="{884B42FE-C313-4F0B-ADC8-6D5EC9178039}" srcOrd="2" destOrd="0" presId="urn:microsoft.com/office/officeart/2005/8/layout/hProcess4#1"/>
+    <dgm:cxn modelId="{BBF61C36-FD8F-4AB8-87BA-9C53B470A242}" type="presParOf" srcId="{20201607-7FCB-4E63-B6AD-FC49B1EA9765}" destId="{AA15F692-0E57-4AE4-9148-DD16F8E7412C}" srcOrd="3" destOrd="0" presId="urn:microsoft.com/office/officeart/2005/8/layout/hProcess4#1"/>
+    <dgm:cxn modelId="{771DC505-EC63-40C6-9401-75AAADDD3610}" type="presParOf" srcId="{20201607-7FCB-4E63-B6AD-FC49B1EA9765}" destId="{50949886-0801-43F8-8A48-801119441CF8}" srcOrd="4" destOrd="0" presId="urn:microsoft.com/office/officeart/2005/8/layout/hProcess4#1"/>
+    <dgm:cxn modelId="{26A1A92D-0368-4494-B44E-9C2A11DA5D3D}" type="presParOf" srcId="{4D7FEF73-9295-4115-8289-4AF0D9122F53}" destId="{7934F4A9-4D1D-470B-99F6-EE7AC1DE1470}" srcOrd="5" destOrd="0" presId="urn:microsoft.com/office/officeart/2005/8/layout/hProcess4#1"/>
+    <dgm:cxn modelId="{DD811BA4-36D2-4529-8B02-05A372DA5726}" type="presParOf" srcId="{4D7FEF73-9295-4115-8289-4AF0D9122F53}" destId="{CEF7E8DD-63EE-4FCA-A62D-D294B4FB4C3B}" srcOrd="6" destOrd="0" presId="urn:microsoft.com/office/officeart/2005/8/layout/hProcess4#1"/>
+    <dgm:cxn modelId="{4DAF9A34-B5B5-48DD-A0CC-C762C7FF753C}" type="presParOf" srcId="{CEF7E8DD-63EE-4FCA-A62D-D294B4FB4C3B}" destId="{75A55C8C-5C99-4868-ACDA-FD7516F176C8}" srcOrd="0" destOrd="0" presId="urn:microsoft.com/office/officeart/2005/8/layout/hProcess4#1"/>
+    <dgm:cxn modelId="{A7B03012-8887-42FE-BC5D-8AF1453DE75E}" type="presParOf" srcId="{CEF7E8DD-63EE-4FCA-A62D-D294B4FB4C3B}" destId="{0595DFF3-DEB1-43BD-90A3-F691C69EDB59}" srcOrd="1" destOrd="0" presId="urn:microsoft.com/office/officeart/2005/8/layout/hProcess4#1"/>
+    <dgm:cxn modelId="{61C541B7-6F0C-4581-9CC2-E85E45692F94}" type="presParOf" srcId="{CEF7E8DD-63EE-4FCA-A62D-D294B4FB4C3B}" destId="{52A82C79-9754-40B7-AAB2-3758014C650E}" srcOrd="2" destOrd="0" presId="urn:microsoft.com/office/officeart/2005/8/layout/hProcess4#1"/>
+    <dgm:cxn modelId="{4C7907EF-ACCD-426A-90DE-B1F535A031C1}" type="presParOf" srcId="{CEF7E8DD-63EE-4FCA-A62D-D294B4FB4C3B}" destId="{750AE5F0-1562-42E6-A85E-1006048A4ABB}" srcOrd="3" destOrd="0" presId="urn:microsoft.com/office/officeart/2005/8/layout/hProcess4#1"/>
+    <dgm:cxn modelId="{4B557966-53BA-4D7F-8E18-0E3928446C02}" type="presParOf" srcId="{CEF7E8DD-63EE-4FCA-A62D-D294B4FB4C3B}" destId="{F5CD7A39-85D9-4B94-AD19-F2DB85971665}" srcOrd="4" destOrd="0" presId="urn:microsoft.com/office/officeart/2005/8/layout/hProcess4#1"/>
+    <dgm:cxn modelId="{447F4397-C3C0-4B49-8090-5CD7E4D0E3CE}" type="presParOf" srcId="{4D7FEF73-9295-4115-8289-4AF0D9122F53}" destId="{28C2E68D-D3EB-4419-BCC8-92D68E4A7601}" srcOrd="7" destOrd="0" presId="urn:microsoft.com/office/officeart/2005/8/layout/hProcess4#1"/>
+    <dgm:cxn modelId="{C0570430-4A53-4615-BAE0-5119DE4D3E9E}" type="presParOf" srcId="{4D7FEF73-9295-4115-8289-4AF0D9122F53}" destId="{89CCAB77-2630-468B-B30B-71D33231C39F}" srcOrd="8" destOrd="0" presId="urn:microsoft.com/office/officeart/2005/8/layout/hProcess4#1"/>
+    <dgm:cxn modelId="{4067EF2A-3F32-4719-883B-9D9A677E8574}" type="presParOf" srcId="{89CCAB77-2630-468B-B30B-71D33231C39F}" destId="{DF6A3892-5319-4591-BB1E-C5CE12BA6276}" srcOrd="0" destOrd="0" presId="urn:microsoft.com/office/officeart/2005/8/layout/hProcess4#1"/>
+    <dgm:cxn modelId="{B7363782-0808-4AF7-9DBF-4C8763DCEEAA}" type="presParOf" srcId="{89CCAB77-2630-468B-B30B-71D33231C39F}" destId="{5EDB0FCE-5C77-4B2A-8A6D-5F7C98CFF9CB}" srcOrd="1" destOrd="0" presId="urn:microsoft.com/office/officeart/2005/8/layout/hProcess4#1"/>
+    <dgm:cxn modelId="{9377E395-F873-4028-BAF3-F5719F41EE86}" type="presParOf" srcId="{89CCAB77-2630-468B-B30B-71D33231C39F}" destId="{E405F61A-488A-4779-837A-6A97BA10590B}" srcOrd="2" destOrd="0" presId="urn:microsoft.com/office/officeart/2005/8/layout/hProcess4#1"/>
+    <dgm:cxn modelId="{C02E343A-FD7F-4D51-8E4E-30C8718461DB}" type="presParOf" srcId="{89CCAB77-2630-468B-B30B-71D33231C39F}" destId="{26C43FB0-B911-43DB-A84F-27E616B7B27C}" srcOrd="3" destOrd="0" presId="urn:microsoft.com/office/officeart/2005/8/layout/hProcess4#1"/>
+    <dgm:cxn modelId="{FCBF94B3-B07E-4AC6-8E5A-A96A81749EE7}" type="presParOf" srcId="{89CCAB77-2630-468B-B30B-71D33231C39F}" destId="{7C2B59CD-186D-41AA-95AA-E3E1E05BBF42}" srcOrd="4" destOrd="0" presId="urn:microsoft.com/office/officeart/2005/8/layout/hProcess4#1"/>
   </dgm:cxnLst>
   <dgm:bg/>
   <dgm:whole/>
   <dgm:extLst>
     <a:ext uri="http://schemas.microsoft.com/office/drawing/2008/diagram">
-      <dsp:dataModelExt xmlns:dsp="http://schemas.microsoft.com/office/drawing/2008/diagram" relId="rId5" minVer="http://schemas.openxmlformats.org/drawingml/2006/diagram"/>
+      <dsp:dataModelExt xmlns:dsp="http://schemas.microsoft.com/office/drawing/2008/diagram" relId="rId6" minVer="http://schemas.openxmlformats.org/drawingml/2006/diagram"/>
     </a:ext>
   </dgm:extLst>
 </dgm:dataModel>
 </file>
 
 <file path=ppt/diagrams/drawing1.xml><?xml version="1.0" encoding="utf-8"?>
+<dsp:drawing xmlns:dgm="http://schemas.openxmlformats.org/drawingml/2006/diagram" xmlns:dsp="http://schemas.microsoft.com/office/drawing/2008/diagram" xmlns:a="http://schemas.openxmlformats.org/drawingml/2006/main">
+  <dsp:spTree>
+    <dsp:nvGrpSpPr>
+      <dsp:cNvPr id="0" name=""/>
+      <dsp:cNvGrpSpPr/>
+    </dsp:nvGrpSpPr>
+    <dsp:grpSpPr/>
+    <dsp:sp modelId="{7AEF4479-B363-514E-865A-6BA79DFBD4DE}">
+      <dsp:nvSpPr>
+        <dsp:cNvPr id="0" name=""/>
+        <dsp:cNvSpPr/>
+      </dsp:nvSpPr>
+      <dsp:spPr>
+        <a:xfrm>
+          <a:off x="4245782" y="3272468"/>
+          <a:ext cx="2377352" cy="1539985"/>
+        </a:xfrm>
+        <a:prstGeom prst="roundRect">
+          <a:avLst>
+            <a:gd name="adj" fmla="val 10000"/>
+          </a:avLst>
+        </a:prstGeom>
+        <a:solidFill>
+          <a:schemeClr val="lt1">
+            <a:alpha val="90000"/>
+            <a:hueOff val="0"/>
+            <a:satOff val="0"/>
+            <a:lumOff val="0"/>
+            <a:alphaOff val="0"/>
+          </a:schemeClr>
+        </a:solidFill>
+        <a:ln w="6350" cap="flat" cmpd="sng" algn="ctr">
+          <a:solidFill>
+            <a:schemeClr val="accent1">
+              <a:hueOff val="0"/>
+              <a:satOff val="0"/>
+              <a:lumOff val="0"/>
+              <a:alphaOff val="0"/>
+            </a:schemeClr>
+          </a:solidFill>
+          <a:prstDash val="solid"/>
+          <a:miter lim="800000"/>
+        </a:ln>
+        <a:effectLst/>
+      </dsp:spPr>
+      <dsp:style>
+        <a:lnRef idx="1">
+          <a:scrgbClr r="0" g="0" b="0"/>
+        </a:lnRef>
+        <a:fillRef idx="1">
+          <a:scrgbClr r="0" g="0" b="0"/>
+        </a:fillRef>
+        <a:effectRef idx="0">
+          <a:scrgbClr r="0" g="0" b="0"/>
+        </a:effectRef>
+        <a:fontRef idx="minor"/>
+      </dsp:style>
+      <dsp:txBody>
+        <a:bodyPr spcFirstLastPara="0" vert="horz" wrap="square" lIns="102870" tIns="102870" rIns="102870" bIns="102870" numCol="1" spcCol="1270" anchor="t" anchorCtr="0">
+          <a:noAutofit/>
+        </a:bodyPr>
+        <a:lstStyle/>
+        <a:p>
+          <a:pPr marL="228600" lvl="1" indent="-228600" algn="l" defTabSz="933450">
+            <a:lnSpc>
+              <a:spcPct val="90000"/>
+            </a:lnSpc>
+            <a:spcBef>
+              <a:spcPct val="0"/>
+            </a:spcBef>
+            <a:spcAft>
+              <a:spcPct val="15000"/>
+            </a:spcAft>
+            <a:buChar char="•"/>
+          </a:pPr>
+          <a:r>
+            <a:rPr lang="zh-CN" altLang="en-US" sz="2100" kern="1200" dirty="0" smtClean="0"/>
+            <a:t>稳定无异常</a:t>
+          </a:r>
+          <a:endParaRPr lang="zh-CN" altLang="en-US" sz="2100" kern="1200" dirty="0"/>
+        </a:p>
+      </dsp:txBody>
+      <dsp:txXfrm>
+        <a:off x="4992816" y="3691293"/>
+        <a:ext cx="1596490" cy="1087332"/>
+      </dsp:txXfrm>
+    </dsp:sp>
+    <dsp:sp modelId="{14073936-5319-7F42-B873-D3E9746BF551}">
+      <dsp:nvSpPr>
+        <dsp:cNvPr id="0" name=""/>
+        <dsp:cNvSpPr/>
+      </dsp:nvSpPr>
+      <dsp:spPr>
+        <a:xfrm>
+          <a:off x="366944" y="3272468"/>
+          <a:ext cx="2377352" cy="1539985"/>
+        </a:xfrm>
+        <a:prstGeom prst="roundRect">
+          <a:avLst>
+            <a:gd name="adj" fmla="val 10000"/>
+          </a:avLst>
+        </a:prstGeom>
+        <a:solidFill>
+          <a:schemeClr val="lt1">
+            <a:alpha val="90000"/>
+            <a:hueOff val="0"/>
+            <a:satOff val="0"/>
+            <a:lumOff val="0"/>
+            <a:alphaOff val="0"/>
+          </a:schemeClr>
+        </a:solidFill>
+        <a:ln w="6350" cap="flat" cmpd="sng" algn="ctr">
+          <a:solidFill>
+            <a:schemeClr val="accent1">
+              <a:hueOff val="0"/>
+              <a:satOff val="0"/>
+              <a:lumOff val="0"/>
+              <a:alphaOff val="0"/>
+            </a:schemeClr>
+          </a:solidFill>
+          <a:prstDash val="solid"/>
+          <a:miter lim="800000"/>
+        </a:ln>
+        <a:effectLst/>
+      </dsp:spPr>
+      <dsp:style>
+        <a:lnRef idx="1">
+          <a:scrgbClr r="0" g="0" b="0"/>
+        </a:lnRef>
+        <a:fillRef idx="1">
+          <a:scrgbClr r="0" g="0" b="0"/>
+        </a:fillRef>
+        <a:effectRef idx="0">
+          <a:scrgbClr r="0" g="0" b="0"/>
+        </a:effectRef>
+        <a:fontRef idx="minor"/>
+      </dsp:style>
+      <dsp:txBody>
+        <a:bodyPr spcFirstLastPara="0" vert="horz" wrap="square" lIns="102870" tIns="102870" rIns="102870" bIns="102870" numCol="1" spcCol="1270" anchor="t" anchorCtr="0">
+          <a:noAutofit/>
+        </a:bodyPr>
+        <a:lstStyle/>
+        <a:p>
+          <a:pPr marL="228600" lvl="1" indent="-228600" algn="l" defTabSz="933450">
+            <a:lnSpc>
+              <a:spcPct val="90000"/>
+            </a:lnSpc>
+            <a:spcBef>
+              <a:spcPct val="0"/>
+            </a:spcBef>
+            <a:spcAft>
+              <a:spcPct val="15000"/>
+            </a:spcAft>
+            <a:buChar char="•"/>
+          </a:pPr>
+          <a:r>
+            <a:rPr lang="zh-CN" altLang="en-US" sz="2100" kern="1200" dirty="0" smtClean="0"/>
+            <a:t>速度达标</a:t>
+          </a:r>
+          <a:endParaRPr lang="zh-CN" altLang="en-US" sz="2100" kern="1200" dirty="0"/>
+        </a:p>
+      </dsp:txBody>
+      <dsp:txXfrm>
+        <a:off x="400772" y="3691293"/>
+        <a:ext cx="1596490" cy="1087332"/>
+      </dsp:txXfrm>
+    </dsp:sp>
+    <dsp:sp modelId="{BADA15AD-23FD-8C4E-9168-EAFC4C0D34F0}">
+      <dsp:nvSpPr>
+        <dsp:cNvPr id="0" name=""/>
+        <dsp:cNvSpPr/>
+      </dsp:nvSpPr>
+      <dsp:spPr>
+        <a:xfrm>
+          <a:off x="4245782" y="0"/>
+          <a:ext cx="2377352" cy="1539985"/>
+        </a:xfrm>
+        <a:prstGeom prst="roundRect">
+          <a:avLst>
+            <a:gd name="adj" fmla="val 10000"/>
+          </a:avLst>
+        </a:prstGeom>
+        <a:solidFill>
+          <a:schemeClr val="lt1">
+            <a:alpha val="90000"/>
+            <a:hueOff val="0"/>
+            <a:satOff val="0"/>
+            <a:lumOff val="0"/>
+            <a:alphaOff val="0"/>
+          </a:schemeClr>
+        </a:solidFill>
+        <a:ln w="6350" cap="flat" cmpd="sng" algn="ctr">
+          <a:solidFill>
+            <a:schemeClr val="accent1">
+              <a:hueOff val="0"/>
+              <a:satOff val="0"/>
+              <a:lumOff val="0"/>
+              <a:alphaOff val="0"/>
+            </a:schemeClr>
+          </a:solidFill>
+          <a:prstDash val="solid"/>
+          <a:miter lim="800000"/>
+        </a:ln>
+        <a:effectLst/>
+      </dsp:spPr>
+      <dsp:style>
+        <a:lnRef idx="1">
+          <a:scrgbClr r="0" g="0" b="0"/>
+        </a:lnRef>
+        <a:fillRef idx="1">
+          <a:scrgbClr r="0" g="0" b="0"/>
+        </a:fillRef>
+        <a:effectRef idx="0">
+          <a:scrgbClr r="0" g="0" b="0"/>
+        </a:effectRef>
+        <a:fontRef idx="minor"/>
+      </dsp:style>
+      <dsp:txBody>
+        <a:bodyPr spcFirstLastPara="0" vert="horz" wrap="square" lIns="102870" tIns="102870" rIns="102870" bIns="102870" numCol="1" spcCol="1270" anchor="t" anchorCtr="0">
+          <a:noAutofit/>
+        </a:bodyPr>
+        <a:lstStyle/>
+        <a:p>
+          <a:pPr marL="228600" lvl="1" indent="-228600" algn="l" defTabSz="933450">
+            <a:lnSpc>
+              <a:spcPct val="90000"/>
+            </a:lnSpc>
+            <a:spcBef>
+              <a:spcPct val="0"/>
+            </a:spcBef>
+            <a:spcAft>
+              <a:spcPct val="15000"/>
+            </a:spcAft>
+            <a:buChar char="•"/>
+          </a:pPr>
+          <a:r>
+            <a:rPr lang="zh-CN" altLang="en-US" sz="2100" kern="1200" dirty="0" smtClean="0"/>
+            <a:t>兼容主流浏览器</a:t>
+          </a:r>
+          <a:endParaRPr lang="zh-CN" altLang="en-US" sz="2100" kern="1200" dirty="0"/>
+        </a:p>
+      </dsp:txBody>
+      <dsp:txXfrm>
+        <a:off x="4992816" y="33828"/>
+        <a:ext cx="1596490" cy="1087332"/>
+      </dsp:txXfrm>
+    </dsp:sp>
+    <dsp:sp modelId="{F2EDB17F-4769-6F42-A789-388E4E49784D}">
+      <dsp:nvSpPr>
+        <dsp:cNvPr id="0" name=""/>
+        <dsp:cNvSpPr/>
+      </dsp:nvSpPr>
+      <dsp:spPr>
+        <a:xfrm>
+          <a:off x="366944" y="0"/>
+          <a:ext cx="2377352" cy="1539985"/>
+        </a:xfrm>
+        <a:prstGeom prst="roundRect">
+          <a:avLst>
+            <a:gd name="adj" fmla="val 10000"/>
+          </a:avLst>
+        </a:prstGeom>
+        <a:solidFill>
+          <a:schemeClr val="lt1">
+            <a:alpha val="90000"/>
+            <a:hueOff val="0"/>
+            <a:satOff val="0"/>
+            <a:lumOff val="0"/>
+            <a:alphaOff val="0"/>
+          </a:schemeClr>
+        </a:solidFill>
+        <a:ln w="6350" cap="flat" cmpd="sng" algn="ctr">
+          <a:solidFill>
+            <a:schemeClr val="accent1">
+              <a:hueOff val="0"/>
+              <a:satOff val="0"/>
+              <a:lumOff val="0"/>
+              <a:alphaOff val="0"/>
+            </a:schemeClr>
+          </a:solidFill>
+          <a:prstDash val="solid"/>
+          <a:miter lim="800000"/>
+        </a:ln>
+        <a:effectLst/>
+      </dsp:spPr>
+      <dsp:style>
+        <a:lnRef idx="1">
+          <a:scrgbClr r="0" g="0" b="0"/>
+        </a:lnRef>
+        <a:fillRef idx="1">
+          <a:scrgbClr r="0" g="0" b="0"/>
+        </a:fillRef>
+        <a:effectRef idx="0">
+          <a:scrgbClr r="0" g="0" b="0"/>
+        </a:effectRef>
+        <a:fontRef idx="minor"/>
+      </dsp:style>
+      <dsp:txBody>
+        <a:bodyPr spcFirstLastPara="0" vert="horz" wrap="square" lIns="76200" tIns="76200" rIns="76200" bIns="76200" numCol="1" spcCol="1270" anchor="t" anchorCtr="0">
+          <a:noAutofit/>
+        </a:bodyPr>
+        <a:lstStyle/>
+        <a:p>
+          <a:pPr marL="228600" lvl="1" indent="-228600" algn="l" defTabSz="889000">
+            <a:lnSpc>
+              <a:spcPct val="90000"/>
+            </a:lnSpc>
+            <a:spcBef>
+              <a:spcPct val="0"/>
+            </a:spcBef>
+            <a:spcAft>
+              <a:spcPct val="15000"/>
+            </a:spcAft>
+            <a:buChar char="•"/>
+          </a:pPr>
+          <a:r>
+            <a:rPr lang="zh-CN" altLang="en-US" sz="2000" kern="1200" dirty="0" smtClean="0"/>
+            <a:t>易操作</a:t>
+          </a:r>
+          <a:endParaRPr lang="zh-CN" altLang="en-US" sz="2000" kern="1200" dirty="0"/>
+        </a:p>
+      </dsp:txBody>
+      <dsp:txXfrm>
+        <a:off x="400772" y="33828"/>
+        <a:ext cx="1596490" cy="1087332"/>
+      </dsp:txXfrm>
+    </dsp:sp>
+    <dsp:sp modelId="{295DA211-510E-3F48-B816-95B10DE3D4AF}">
+      <dsp:nvSpPr>
+        <dsp:cNvPr id="0" name=""/>
+        <dsp:cNvSpPr/>
+      </dsp:nvSpPr>
+      <dsp:spPr>
+        <a:xfrm>
+          <a:off x="1363122" y="274309"/>
+          <a:ext cx="2083792" cy="2083792"/>
+        </a:xfrm>
+        <a:prstGeom prst="pieWedge">
+          <a:avLst/>
+        </a:prstGeom>
+        <a:gradFill rotWithShape="0">
+          <a:gsLst>
+            <a:gs pos="0">
+              <a:schemeClr val="accent1">
+                <a:hueOff val="0"/>
+                <a:satOff val="0"/>
+                <a:lumOff val="0"/>
+                <a:alphaOff val="0"/>
+                <a:satMod val="103000"/>
+                <a:lumMod val="102000"/>
+                <a:tint val="94000"/>
+              </a:schemeClr>
+            </a:gs>
+            <a:gs pos="50000">
+              <a:schemeClr val="accent1">
+                <a:hueOff val="0"/>
+                <a:satOff val="0"/>
+                <a:lumOff val="0"/>
+                <a:alphaOff val="0"/>
+                <a:satMod val="110000"/>
+                <a:lumMod val="100000"/>
+                <a:shade val="100000"/>
+              </a:schemeClr>
+            </a:gs>
+            <a:gs pos="100000">
+              <a:schemeClr val="accent1">
+                <a:hueOff val="0"/>
+                <a:satOff val="0"/>
+                <a:lumOff val="0"/>
+                <a:alphaOff val="0"/>
+                <a:lumMod val="99000"/>
+                <a:satMod val="120000"/>
+                <a:shade val="78000"/>
+              </a:schemeClr>
+            </a:gs>
+          </a:gsLst>
+          <a:lin ang="5400000" scaled="0"/>
+        </a:gradFill>
+        <a:ln>
+          <a:noFill/>
+        </a:ln>
+        <a:effectLst/>
+      </dsp:spPr>
+      <dsp:style>
+        <a:lnRef idx="0">
+          <a:scrgbClr r="0" g="0" b="0"/>
+        </a:lnRef>
+        <a:fillRef idx="3">
+          <a:scrgbClr r="0" g="0" b="0"/>
+        </a:fillRef>
+        <a:effectRef idx="2">
+          <a:scrgbClr r="0" g="0" b="0"/>
+        </a:effectRef>
+        <a:fontRef idx="minor">
+          <a:schemeClr val="lt1"/>
+        </a:fontRef>
+      </dsp:style>
+      <dsp:txBody>
+        <a:bodyPr spcFirstLastPara="0" vert="horz" wrap="square" lIns="192024" tIns="192024" rIns="192024" bIns="192024" numCol="1" spcCol="1270" anchor="ctr" anchorCtr="0">
+          <a:noAutofit/>
+        </a:bodyPr>
+        <a:lstStyle/>
+        <a:p>
+          <a:pPr lvl="0" algn="ctr" defTabSz="1200150">
+            <a:lnSpc>
+              <a:spcPct val="90000"/>
+            </a:lnSpc>
+            <a:spcBef>
+              <a:spcPct val="0"/>
+            </a:spcBef>
+            <a:spcAft>
+              <a:spcPct val="35000"/>
+            </a:spcAft>
+          </a:pPr>
+          <a:r>
+            <a:rPr lang="zh-CN" altLang="en-US" sz="2700" kern="1200" dirty="0" smtClean="0"/>
+            <a:t>易用性</a:t>
+          </a:r>
+          <a:endParaRPr lang="zh-CN" altLang="en-US" sz="2700" kern="1200" dirty="0"/>
+        </a:p>
+      </dsp:txBody>
+      <dsp:txXfrm>
+        <a:off x="1973451" y="884638"/>
+        <a:ext cx="1473463" cy="1473463"/>
+      </dsp:txXfrm>
+    </dsp:sp>
+    <dsp:sp modelId="{43728F47-5CBA-514E-BE78-A91513AB7D66}">
+      <dsp:nvSpPr>
+        <dsp:cNvPr id="0" name=""/>
+        <dsp:cNvSpPr/>
+      </dsp:nvSpPr>
+      <dsp:spPr>
+        <a:xfrm rot="5400000">
+          <a:off x="3543164" y="274309"/>
+          <a:ext cx="2083792" cy="2083792"/>
+        </a:xfrm>
+        <a:prstGeom prst="pieWedge">
+          <a:avLst/>
+        </a:prstGeom>
+        <a:gradFill rotWithShape="0">
+          <a:gsLst>
+            <a:gs pos="0">
+              <a:schemeClr val="accent1">
+                <a:hueOff val="0"/>
+                <a:satOff val="0"/>
+                <a:lumOff val="0"/>
+                <a:alphaOff val="0"/>
+                <a:satMod val="103000"/>
+                <a:lumMod val="102000"/>
+                <a:tint val="94000"/>
+              </a:schemeClr>
+            </a:gs>
+            <a:gs pos="50000">
+              <a:schemeClr val="accent1">
+                <a:hueOff val="0"/>
+                <a:satOff val="0"/>
+                <a:lumOff val="0"/>
+                <a:alphaOff val="0"/>
+                <a:satMod val="110000"/>
+                <a:lumMod val="100000"/>
+                <a:shade val="100000"/>
+              </a:schemeClr>
+            </a:gs>
+            <a:gs pos="100000">
+              <a:schemeClr val="accent1">
+                <a:hueOff val="0"/>
+                <a:satOff val="0"/>
+                <a:lumOff val="0"/>
+                <a:alphaOff val="0"/>
+                <a:lumMod val="99000"/>
+                <a:satMod val="120000"/>
+                <a:shade val="78000"/>
+              </a:schemeClr>
+            </a:gs>
+          </a:gsLst>
+          <a:lin ang="5400000" scaled="0"/>
+        </a:gradFill>
+        <a:ln>
+          <a:noFill/>
+        </a:ln>
+        <a:effectLst/>
+      </dsp:spPr>
+      <dsp:style>
+        <a:lnRef idx="0">
+          <a:scrgbClr r="0" g="0" b="0"/>
+        </a:lnRef>
+        <a:fillRef idx="3">
+          <a:scrgbClr r="0" g="0" b="0"/>
+        </a:fillRef>
+        <a:effectRef idx="2">
+          <a:scrgbClr r="0" g="0" b="0"/>
+        </a:effectRef>
+        <a:fontRef idx="minor">
+          <a:schemeClr val="lt1"/>
+        </a:fontRef>
+      </dsp:style>
+      <dsp:txBody>
+        <a:bodyPr spcFirstLastPara="0" vert="horz" wrap="square" lIns="192024" tIns="192024" rIns="192024" bIns="192024" numCol="1" spcCol="1270" anchor="ctr" anchorCtr="0">
+          <a:noAutofit/>
+        </a:bodyPr>
+        <a:lstStyle/>
+        <a:p>
+          <a:pPr lvl="0" algn="ctr" defTabSz="1200150">
+            <a:lnSpc>
+              <a:spcPct val="90000"/>
+            </a:lnSpc>
+            <a:spcBef>
+              <a:spcPct val="0"/>
+            </a:spcBef>
+            <a:spcAft>
+              <a:spcPct val="35000"/>
+            </a:spcAft>
+          </a:pPr>
+          <a:r>
+            <a:rPr lang="zh-CN" altLang="en-US" sz="2700" kern="1200" dirty="0" smtClean="0"/>
+            <a:t>兼容性</a:t>
+          </a:r>
+          <a:endParaRPr lang="zh-CN" altLang="en-US" sz="2700" kern="1200" dirty="0"/>
+        </a:p>
+      </dsp:txBody>
+      <dsp:txXfrm rot="-5400000">
+        <a:off x="3543164" y="884638"/>
+        <a:ext cx="1473463" cy="1473463"/>
+      </dsp:txXfrm>
+    </dsp:sp>
+    <dsp:sp modelId="{3B4D8E00-1FFC-0E49-8389-C92A4F9E88C3}">
+      <dsp:nvSpPr>
+        <dsp:cNvPr id="0" name=""/>
+        <dsp:cNvSpPr/>
+      </dsp:nvSpPr>
+      <dsp:spPr>
+        <a:xfrm rot="10800000">
+          <a:off x="3543164" y="2454351"/>
+          <a:ext cx="2083792" cy="2083792"/>
+        </a:xfrm>
+        <a:prstGeom prst="pieWedge">
+          <a:avLst/>
+        </a:prstGeom>
+        <a:gradFill rotWithShape="0">
+          <a:gsLst>
+            <a:gs pos="0">
+              <a:schemeClr val="accent1">
+                <a:hueOff val="0"/>
+                <a:satOff val="0"/>
+                <a:lumOff val="0"/>
+                <a:alphaOff val="0"/>
+                <a:satMod val="103000"/>
+                <a:lumMod val="102000"/>
+                <a:tint val="94000"/>
+              </a:schemeClr>
+            </a:gs>
+            <a:gs pos="50000">
+              <a:schemeClr val="accent1">
+                <a:hueOff val="0"/>
+                <a:satOff val="0"/>
+                <a:lumOff val="0"/>
+                <a:alphaOff val="0"/>
+                <a:satMod val="110000"/>
+                <a:lumMod val="100000"/>
+                <a:shade val="100000"/>
+              </a:schemeClr>
+            </a:gs>
+            <a:gs pos="100000">
+              <a:schemeClr val="accent1">
+                <a:hueOff val="0"/>
+                <a:satOff val="0"/>
+                <a:lumOff val="0"/>
+                <a:alphaOff val="0"/>
+                <a:lumMod val="99000"/>
+                <a:satMod val="120000"/>
+                <a:shade val="78000"/>
+              </a:schemeClr>
+            </a:gs>
+          </a:gsLst>
+          <a:lin ang="5400000" scaled="0"/>
+        </a:gradFill>
+        <a:ln>
+          <a:noFill/>
+        </a:ln>
+        <a:effectLst/>
+      </dsp:spPr>
+      <dsp:style>
+        <a:lnRef idx="0">
+          <a:scrgbClr r="0" g="0" b="0"/>
+        </a:lnRef>
+        <a:fillRef idx="3">
+          <a:scrgbClr r="0" g="0" b="0"/>
+        </a:fillRef>
+        <a:effectRef idx="2">
+          <a:scrgbClr r="0" g="0" b="0"/>
+        </a:effectRef>
+        <a:fontRef idx="minor">
+          <a:schemeClr val="lt1"/>
+        </a:fontRef>
+      </dsp:style>
+      <dsp:txBody>
+        <a:bodyPr spcFirstLastPara="0" vert="horz" wrap="square" lIns="192024" tIns="192024" rIns="192024" bIns="192024" numCol="1" spcCol="1270" anchor="ctr" anchorCtr="0">
+          <a:noAutofit/>
+        </a:bodyPr>
+        <a:lstStyle/>
+        <a:p>
+          <a:pPr lvl="0" algn="ctr" defTabSz="1200150">
+            <a:lnSpc>
+              <a:spcPct val="90000"/>
+            </a:lnSpc>
+            <a:spcBef>
+              <a:spcPct val="0"/>
+            </a:spcBef>
+            <a:spcAft>
+              <a:spcPct val="35000"/>
+            </a:spcAft>
+          </a:pPr>
+          <a:r>
+            <a:rPr lang="zh-CN" altLang="en-US" sz="2700" kern="1200" dirty="0" smtClean="0"/>
+            <a:t>健壮性</a:t>
+          </a:r>
+          <a:endParaRPr lang="zh-CN" altLang="en-US" sz="2700" kern="1200" dirty="0"/>
+        </a:p>
+      </dsp:txBody>
+      <dsp:txXfrm rot="10800000">
+        <a:off x="3543164" y="2454351"/>
+        <a:ext cx="1473463" cy="1473463"/>
+      </dsp:txXfrm>
+    </dsp:sp>
+    <dsp:sp modelId="{8D5B65D1-6328-4843-A06C-16E41F9DAC1B}">
+      <dsp:nvSpPr>
+        <dsp:cNvPr id="0" name=""/>
+        <dsp:cNvSpPr/>
+      </dsp:nvSpPr>
+      <dsp:spPr>
+        <a:xfrm rot="16200000">
+          <a:off x="1363122" y="2454351"/>
+          <a:ext cx="2083792" cy="2083792"/>
+        </a:xfrm>
+        <a:prstGeom prst="pieWedge">
+          <a:avLst/>
+        </a:prstGeom>
+        <a:gradFill rotWithShape="0">
+          <a:gsLst>
+            <a:gs pos="0">
+              <a:schemeClr val="accent1">
+                <a:hueOff val="0"/>
+                <a:satOff val="0"/>
+                <a:lumOff val="0"/>
+                <a:alphaOff val="0"/>
+                <a:satMod val="103000"/>
+                <a:lumMod val="102000"/>
+                <a:tint val="94000"/>
+              </a:schemeClr>
+            </a:gs>
+            <a:gs pos="50000">
+              <a:schemeClr val="accent1">
+                <a:hueOff val="0"/>
+                <a:satOff val="0"/>
+                <a:lumOff val="0"/>
+                <a:alphaOff val="0"/>
+                <a:satMod val="110000"/>
+                <a:lumMod val="100000"/>
+                <a:shade val="100000"/>
+              </a:schemeClr>
+            </a:gs>
+            <a:gs pos="100000">
+              <a:schemeClr val="accent1">
+                <a:hueOff val="0"/>
+                <a:satOff val="0"/>
+                <a:lumOff val="0"/>
+                <a:alphaOff val="0"/>
+                <a:lumMod val="99000"/>
+                <a:satMod val="120000"/>
+                <a:shade val="78000"/>
+              </a:schemeClr>
+            </a:gs>
+          </a:gsLst>
+          <a:lin ang="5400000" scaled="0"/>
+        </a:gradFill>
+        <a:ln>
+          <a:noFill/>
+        </a:ln>
+        <a:effectLst/>
+      </dsp:spPr>
+      <dsp:style>
+        <a:lnRef idx="0">
+          <a:scrgbClr r="0" g="0" b="0"/>
+        </a:lnRef>
+        <a:fillRef idx="3">
+          <a:scrgbClr r="0" g="0" b="0"/>
+        </a:fillRef>
+        <a:effectRef idx="2">
+          <a:scrgbClr r="0" g="0" b="0"/>
+        </a:effectRef>
+        <a:fontRef idx="minor">
+          <a:schemeClr val="lt1"/>
+        </a:fontRef>
+      </dsp:style>
+      <dsp:txBody>
+        <a:bodyPr spcFirstLastPara="0" vert="horz" wrap="square" lIns="192024" tIns="192024" rIns="192024" bIns="192024" numCol="1" spcCol="1270" anchor="ctr" anchorCtr="0">
+          <a:noAutofit/>
+        </a:bodyPr>
+        <a:lstStyle/>
+        <a:p>
+          <a:pPr lvl="0" algn="ctr" defTabSz="1200150">
+            <a:lnSpc>
+              <a:spcPct val="90000"/>
+            </a:lnSpc>
+            <a:spcBef>
+              <a:spcPct val="0"/>
+            </a:spcBef>
+            <a:spcAft>
+              <a:spcPct val="35000"/>
+            </a:spcAft>
+          </a:pPr>
+          <a:r>
+            <a:rPr lang="zh-CN" altLang="en-US" sz="2700" kern="1200" dirty="0" smtClean="0"/>
+            <a:t>性能体验</a:t>
+          </a:r>
+          <a:endParaRPr lang="zh-CN" altLang="en-US" sz="2700" kern="1200" dirty="0"/>
+        </a:p>
+      </dsp:txBody>
+      <dsp:txXfrm rot="5400000">
+        <a:off x="1973451" y="2454351"/>
+        <a:ext cx="1473463" cy="1473463"/>
+      </dsp:txXfrm>
+    </dsp:sp>
+    <dsp:sp modelId="{90855219-6404-3D40-8146-ECE4F4DC656E}">
+      <dsp:nvSpPr>
+        <dsp:cNvPr id="0" name=""/>
+        <dsp:cNvSpPr/>
+      </dsp:nvSpPr>
+      <dsp:spPr>
+        <a:xfrm>
+          <a:off x="3135309" y="1973106"/>
+          <a:ext cx="719461" cy="625619"/>
+        </a:xfrm>
+        <a:prstGeom prst="circularArrow">
+          <a:avLst/>
+        </a:prstGeom>
+        <a:gradFill rotWithShape="0">
+          <a:gsLst>
+            <a:gs pos="0">
+              <a:schemeClr val="accent1">
+                <a:tint val="60000"/>
+                <a:hueOff val="0"/>
+                <a:satOff val="0"/>
+                <a:lumOff val="0"/>
+                <a:alphaOff val="0"/>
+                <a:satMod val="103000"/>
+                <a:lumMod val="102000"/>
+                <a:tint val="94000"/>
+              </a:schemeClr>
+            </a:gs>
+            <a:gs pos="50000">
+              <a:schemeClr val="accent1">
+                <a:tint val="60000"/>
+                <a:hueOff val="0"/>
+                <a:satOff val="0"/>
+                <a:lumOff val="0"/>
+                <a:alphaOff val="0"/>
+                <a:satMod val="110000"/>
+                <a:lumMod val="100000"/>
+                <a:shade val="100000"/>
+              </a:schemeClr>
+            </a:gs>
+            <a:gs pos="100000">
+              <a:schemeClr val="accent1">
+                <a:tint val="60000"/>
+                <a:hueOff val="0"/>
+                <a:satOff val="0"/>
+                <a:lumOff val="0"/>
+                <a:alphaOff val="0"/>
+                <a:lumMod val="99000"/>
+                <a:satMod val="120000"/>
+                <a:shade val="78000"/>
+              </a:schemeClr>
+            </a:gs>
+          </a:gsLst>
+          <a:lin ang="5400000" scaled="0"/>
+        </a:gradFill>
+        <a:ln>
+          <a:noFill/>
+        </a:ln>
+        <a:effectLst/>
+      </dsp:spPr>
+      <dsp:style>
+        <a:lnRef idx="0">
+          <a:scrgbClr r="0" g="0" b="0"/>
+        </a:lnRef>
+        <a:fillRef idx="3">
+          <a:scrgbClr r="0" g="0" b="0"/>
+        </a:fillRef>
+        <a:effectRef idx="2">
+          <a:scrgbClr r="0" g="0" b="0"/>
+        </a:effectRef>
+        <a:fontRef idx="minor"/>
+      </dsp:style>
+    </dsp:sp>
+    <dsp:sp modelId="{FF989D32-2A85-0543-A1D0-2568A881F07D}">
+      <dsp:nvSpPr>
+        <dsp:cNvPr id="0" name=""/>
+        <dsp:cNvSpPr/>
+      </dsp:nvSpPr>
+      <dsp:spPr>
+        <a:xfrm rot="10800000">
+          <a:off x="3135309" y="2213728"/>
+          <a:ext cx="719461" cy="625619"/>
+        </a:xfrm>
+        <a:prstGeom prst="circularArrow">
+          <a:avLst/>
+        </a:prstGeom>
+        <a:gradFill rotWithShape="0">
+          <a:gsLst>
+            <a:gs pos="0">
+              <a:schemeClr val="accent1">
+                <a:tint val="60000"/>
+                <a:hueOff val="0"/>
+                <a:satOff val="0"/>
+                <a:lumOff val="0"/>
+                <a:alphaOff val="0"/>
+                <a:satMod val="103000"/>
+                <a:lumMod val="102000"/>
+                <a:tint val="94000"/>
+              </a:schemeClr>
+            </a:gs>
+            <a:gs pos="50000">
+              <a:schemeClr val="accent1">
+                <a:tint val="60000"/>
+                <a:hueOff val="0"/>
+                <a:satOff val="0"/>
+                <a:lumOff val="0"/>
+                <a:alphaOff val="0"/>
+                <a:satMod val="110000"/>
+                <a:lumMod val="100000"/>
+                <a:shade val="100000"/>
+              </a:schemeClr>
+            </a:gs>
+            <a:gs pos="100000">
+              <a:schemeClr val="accent1">
+                <a:tint val="60000"/>
+                <a:hueOff val="0"/>
+                <a:satOff val="0"/>
+                <a:lumOff val="0"/>
+                <a:alphaOff val="0"/>
+                <a:lumMod val="99000"/>
+                <a:satMod val="120000"/>
+                <a:shade val="78000"/>
+              </a:schemeClr>
+            </a:gs>
+          </a:gsLst>
+          <a:lin ang="5400000" scaled="0"/>
+        </a:gradFill>
+        <a:ln>
+          <a:noFill/>
+        </a:ln>
+        <a:effectLst/>
+      </dsp:spPr>
+      <dsp:style>
+        <a:lnRef idx="0">
+          <a:scrgbClr r="0" g="0" b="0"/>
+        </a:lnRef>
+        <a:fillRef idx="3">
+          <a:scrgbClr r="0" g="0" b="0"/>
+        </a:fillRef>
+        <a:effectRef idx="2">
+          <a:scrgbClr r="0" g="0" b="0"/>
+        </a:effectRef>
+        <a:fontRef idx="minor"/>
+      </dsp:style>
+    </dsp:sp>
+  </dsp:spTree>
+</dsp:drawing>
+</file>
+
+<file path=ppt/diagrams/drawing2.xml><?xml version="1.0" encoding="utf-8"?>
 <dsp:drawing xmlns:dgm="http://schemas.openxmlformats.org/drawingml/2006/diagram" xmlns:dsp="http://schemas.microsoft.com/office/drawing/2008/diagram" xmlns:a="http://schemas.openxmlformats.org/drawingml/2006/main">
   <dsp:spTree>
     <dsp:nvGrpSpPr>
@@ -2908,7 +5222,7 @@
         </a:bodyPr>
         <a:lstStyle/>
         <a:p>
-          <a:pPr marL="0" lvl="0" indent="0" algn="ctr" defTabSz="711200">
+          <a:pPr lvl="0" algn="ctr" defTabSz="711200">
             <a:lnSpc>
               <a:spcPct val="90000"/>
             </a:lnSpc>
@@ -2918,7 +5232,6 @@
             <a:spcAft>
               <a:spcPct val="35000"/>
             </a:spcAft>
-            <a:buNone/>
           </a:pPr>
           <a:r>
             <a:rPr lang="zh-CN" altLang="en-US" sz="1600" kern="1200" dirty="0"/>
@@ -3289,7 +5602,7 @@
         </a:bodyPr>
         <a:lstStyle/>
         <a:p>
-          <a:pPr marL="0" lvl="0" indent="0" algn="ctr" defTabSz="622300">
+          <a:pPr lvl="0" algn="ctr" defTabSz="622300">
             <a:lnSpc>
               <a:spcPct val="90000"/>
             </a:lnSpc>
@@ -3299,7 +5612,6 @@
             <a:spcAft>
               <a:spcPct val="35000"/>
             </a:spcAft>
-            <a:buNone/>
           </a:pPr>
           <a:r>
             <a:rPr lang="zh-CN" altLang="en-US" sz="1400" kern="1200" dirty="0"/>
@@ -3586,7 +5898,7 @@
         </a:bodyPr>
         <a:lstStyle/>
         <a:p>
-          <a:pPr marL="0" lvl="0" indent="0" algn="ctr" defTabSz="622300">
+          <a:pPr lvl="0" algn="ctr" defTabSz="622300">
             <a:lnSpc>
               <a:spcPct val="90000"/>
             </a:lnSpc>
@@ -3596,7 +5908,6 @@
             <a:spcAft>
               <a:spcPct val="35000"/>
             </a:spcAft>
-            <a:buNone/>
           </a:pPr>
           <a:r>
             <a:rPr lang="zh-CN" altLang="en-US" sz="1400" kern="1200" dirty="0"/>
@@ -3930,7 +6241,7 @@
         </a:bodyPr>
         <a:lstStyle/>
         <a:p>
-          <a:pPr marL="0" lvl="0" indent="0" algn="ctr" defTabSz="622300">
+          <a:pPr lvl="0" algn="ctr" defTabSz="622300">
             <a:lnSpc>
               <a:spcPct val="90000"/>
             </a:lnSpc>
@@ -3940,7 +6251,6 @@
             <a:spcAft>
               <a:spcPct val="35000"/>
             </a:spcAft>
-            <a:buNone/>
           </a:pPr>
           <a:r>
             <a:rPr lang="zh-CN" altLang="en-US" sz="1400" kern="1200" dirty="0"/>
@@ -4114,7 +6424,7 @@
         </a:bodyPr>
         <a:lstStyle/>
         <a:p>
-          <a:pPr marL="0" lvl="0" indent="0" algn="ctr" defTabSz="622300">
+          <a:pPr lvl="0" algn="ctr" defTabSz="622300">
             <a:lnSpc>
               <a:spcPct val="90000"/>
             </a:lnSpc>
@@ -4124,7 +6434,6 @@
             <a:spcAft>
               <a:spcPct val="35000"/>
             </a:spcAft>
-            <a:buNone/>
           </a:pPr>
           <a:r>
             <a:rPr lang="zh-CN" altLang="en-US" sz="1400" kern="1200" dirty="0"/>
@@ -4143,7 +6452,732 @@
 </file>
 
 <file path=ppt/diagrams/layout1.xml><?xml version="1.0" encoding="utf-8"?>
-<dgm:layoutDef xmlns:dgm="http://schemas.openxmlformats.org/drawingml/2006/diagram" xmlns:a="http://schemas.openxmlformats.org/drawingml/2006/main" uniqueId="urn:microsoft.com/office/officeart/2005/8/layout/hProcess4">
+<dgm:layoutDef xmlns:dgm="http://schemas.openxmlformats.org/drawingml/2006/diagram" xmlns:a="http://schemas.openxmlformats.org/drawingml/2006/main" uniqueId="urn:microsoft.com/office/officeart/2005/8/layout/cycle4">
+  <dgm:title val=""/>
+  <dgm:desc val=""/>
+  <dgm:catLst>
+    <dgm:cat type="relationship" pri="26000"/>
+    <dgm:cat type="cycle" pri="13000"/>
+    <dgm:cat type="matrix" pri="4000"/>
+  </dgm:catLst>
+  <dgm:sampData>
+    <dgm:dataModel>
+      <dgm:ptLst>
+        <dgm:pt modelId="0" type="doc"/>
+        <dgm:pt modelId="1">
+          <dgm:prSet phldr="1"/>
+        </dgm:pt>
+        <dgm:pt modelId="11">
+          <dgm:prSet phldr="1"/>
+        </dgm:pt>
+        <dgm:pt modelId="2">
+          <dgm:prSet phldr="1"/>
+        </dgm:pt>
+        <dgm:pt modelId="21">
+          <dgm:prSet phldr="1"/>
+        </dgm:pt>
+        <dgm:pt modelId="3">
+          <dgm:prSet phldr="1"/>
+        </dgm:pt>
+        <dgm:pt modelId="31">
+          <dgm:prSet phldr="1"/>
+        </dgm:pt>
+        <dgm:pt modelId="4">
+          <dgm:prSet phldr="1"/>
+        </dgm:pt>
+        <dgm:pt modelId="41">
+          <dgm:prSet phldr="1"/>
+        </dgm:pt>
+      </dgm:ptLst>
+      <dgm:cxnLst>
+        <dgm:cxn modelId="5" srcId="0" destId="1" srcOrd="0" destOrd="0"/>
+        <dgm:cxn modelId="6" srcId="0" destId="2" srcOrd="1" destOrd="0"/>
+        <dgm:cxn modelId="7" srcId="0" destId="3" srcOrd="2" destOrd="0"/>
+        <dgm:cxn modelId="8" srcId="0" destId="4" srcOrd="3" destOrd="0"/>
+        <dgm:cxn modelId="13" srcId="1" destId="11" srcOrd="0" destOrd="0"/>
+        <dgm:cxn modelId="23" srcId="2" destId="21" srcOrd="0" destOrd="0"/>
+        <dgm:cxn modelId="33" srcId="3" destId="31" srcOrd="0" destOrd="0"/>
+        <dgm:cxn modelId="43" srcId="4" destId="41" srcOrd="0" destOrd="0"/>
+      </dgm:cxnLst>
+      <dgm:bg/>
+      <dgm:whole/>
+    </dgm:dataModel>
+  </dgm:sampData>
+  <dgm:styleData>
+    <dgm:dataModel>
+      <dgm:ptLst>
+        <dgm:pt modelId="0" type="doc"/>
+        <dgm:pt modelId="1"/>
+        <dgm:pt modelId="11"/>
+        <dgm:pt modelId="2"/>
+        <dgm:pt modelId="21"/>
+        <dgm:pt modelId="3"/>
+        <dgm:pt modelId="31"/>
+        <dgm:pt modelId="4"/>
+        <dgm:pt modelId="41"/>
+      </dgm:ptLst>
+      <dgm:cxnLst>
+        <dgm:cxn modelId="5" srcId="0" destId="1" srcOrd="0" destOrd="0"/>
+        <dgm:cxn modelId="6" srcId="0" destId="2" srcOrd="1" destOrd="0"/>
+        <dgm:cxn modelId="7" srcId="0" destId="3" srcOrd="2" destOrd="0"/>
+        <dgm:cxn modelId="8" srcId="0" destId="4" srcOrd="3" destOrd="0"/>
+        <dgm:cxn modelId="13" srcId="1" destId="11" srcOrd="0" destOrd="0"/>
+        <dgm:cxn modelId="23" srcId="2" destId="21" srcOrd="0" destOrd="0"/>
+        <dgm:cxn modelId="33" srcId="3" destId="31" srcOrd="0" destOrd="0"/>
+        <dgm:cxn modelId="43" srcId="4" destId="41" srcOrd="0" destOrd="0"/>
+      </dgm:cxnLst>
+      <dgm:bg/>
+      <dgm:whole/>
+    </dgm:dataModel>
+  </dgm:styleData>
+  <dgm:clrData>
+    <dgm:dataModel>
+      <dgm:ptLst>
+        <dgm:pt modelId="0" type="doc"/>
+        <dgm:pt modelId="1"/>
+        <dgm:pt modelId="11"/>
+        <dgm:pt modelId="2"/>
+        <dgm:pt modelId="21"/>
+        <dgm:pt modelId="3"/>
+        <dgm:pt modelId="31"/>
+        <dgm:pt modelId="4"/>
+        <dgm:pt modelId="41"/>
+      </dgm:ptLst>
+      <dgm:cxnLst>
+        <dgm:cxn modelId="5" srcId="0" destId="1" srcOrd="0" destOrd="0"/>
+        <dgm:cxn modelId="6" srcId="0" destId="2" srcOrd="1" destOrd="0"/>
+        <dgm:cxn modelId="7" srcId="0" destId="3" srcOrd="2" destOrd="0"/>
+        <dgm:cxn modelId="8" srcId="0" destId="4" srcOrd="3" destOrd="0"/>
+        <dgm:cxn modelId="13" srcId="1" destId="11" srcOrd="0" destOrd="0"/>
+        <dgm:cxn modelId="23" srcId="2" destId="21" srcOrd="0" destOrd="0"/>
+        <dgm:cxn modelId="33" srcId="3" destId="31" srcOrd="0" destOrd="0"/>
+        <dgm:cxn modelId="43" srcId="4" destId="41" srcOrd="0" destOrd="0"/>
+      </dgm:cxnLst>
+      <dgm:bg/>
+      <dgm:whole/>
+    </dgm:dataModel>
+  </dgm:clrData>
+  <dgm:layoutNode name="cycleMatrixDiagram">
+    <dgm:varLst>
+      <dgm:chMax val="1"/>
+      <dgm:dir/>
+      <dgm:animLvl val="lvl"/>
+      <dgm:resizeHandles val="exact"/>
+    </dgm:varLst>
+    <dgm:alg type="composite">
+      <dgm:param type="ar" val="1.3"/>
+    </dgm:alg>
+    <dgm:shape xmlns:r="http://schemas.openxmlformats.org/officeDocument/2006/relationships" r:blip="">
+      <dgm:adjLst/>
+    </dgm:shape>
+    <dgm:presOf/>
+    <dgm:constrLst>
+      <dgm:constr type="w" for="ch" forName="children" refType="w"/>
+      <dgm:constr type="h" for="ch" forName="children" refType="w" refFor="ch" refForName="children" fact="0.77"/>
+      <dgm:constr type="ctrX" for="ch" forName="children" refType="w" fact="0.5"/>
+      <dgm:constr type="ctrY" for="ch" forName="children" refType="h" fact="0.5"/>
+      <dgm:constr type="w" for="ch" forName="circle" refType="w"/>
+      <dgm:constr type="h" for="ch" forName="circle" refType="h"/>
+      <dgm:constr type="ctrX" for="ch" forName="circle" refType="w" fact="0.5"/>
+      <dgm:constr type="ctrY" for="ch" forName="circle" refType="h" fact="0.5"/>
+      <dgm:constr type="w" for="ch" forName="center1" refType="w" fact="0.115"/>
+      <dgm:constr type="h" for="ch" forName="center1" refType="w" fact="0.1"/>
+      <dgm:constr type="ctrX" for="ch" forName="center1" refType="w" fact="0.5"/>
+      <dgm:constr type="ctrY" for="ch" forName="center1" refType="h" fact="0.475"/>
+      <dgm:constr type="w" for="ch" forName="center2" refType="w" fact="0.115"/>
+      <dgm:constr type="h" for="ch" forName="center2" refType="w" fact="0.1"/>
+      <dgm:constr type="ctrX" for="ch" forName="center2" refType="w" fact="0.5"/>
+      <dgm:constr type="ctrY" for="ch" forName="center2" refType="h" fact="0.525"/>
+    </dgm:constrLst>
+    <dgm:ruleLst/>
+    <dgm:choose name="Name0">
+      <dgm:if name="Name1" axis="ch" ptType="node" func="cnt" op="gte" val="1">
+        <dgm:layoutNode name="children">
+          <dgm:alg type="composite">
+            <dgm:param type="ar" val="1.3"/>
+          </dgm:alg>
+          <dgm:shape xmlns:r="http://schemas.openxmlformats.org/officeDocument/2006/relationships" r:blip="">
+            <dgm:adjLst/>
+          </dgm:shape>
+          <dgm:presOf/>
+          <dgm:choose name="Name2">
+            <dgm:if name="Name3" func="var" arg="dir" op="equ" val="norm">
+              <dgm:constrLst>
+                <dgm:constr type="primFontSz" for="des" ptType="node" op="equ" val="65"/>
+                <dgm:constr type="w" for="ch" forName="child1group" refType="w" fact="0.38"/>
+                <dgm:constr type="h" for="ch" forName="child1group" refType="h" fact="0.32"/>
+                <dgm:constr type="t" for="ch" forName="child1group"/>
+                <dgm:constr type="l" for="ch" forName="child1group"/>
+                <dgm:constr type="w" for="ch" forName="child2group" refType="w" fact="0.38"/>
+                <dgm:constr type="h" for="ch" forName="child2group" refType="h" fact="0.32"/>
+                <dgm:constr type="t" for="ch" forName="child2group"/>
+                <dgm:constr type="r" for="ch" forName="child2group" refType="w"/>
+                <dgm:constr type="w" for="ch" forName="child3group" refType="w" fact="0.38"/>
+                <dgm:constr type="h" for="ch" forName="child3group" refType="h" fact="0.32"/>
+                <dgm:constr type="b" for="ch" forName="child3group" refType="h"/>
+                <dgm:constr type="r" for="ch" forName="child3group" refType="w"/>
+                <dgm:constr type="w" for="ch" forName="child4group" refType="w" fact="0.38"/>
+                <dgm:constr type="h" for="ch" forName="child4group" refType="h" fact="0.32"/>
+                <dgm:constr type="b" for="ch" forName="child4group" refType="h"/>
+                <dgm:constr type="l" for="ch" forName="child4group"/>
+              </dgm:constrLst>
+            </dgm:if>
+            <dgm:else name="Name4">
+              <dgm:constrLst>
+                <dgm:constr type="primFontSz" for="des" ptType="node" op="equ" val="65"/>
+                <dgm:constr type="w" for="ch" forName="child1group" refType="w" fact="0.38"/>
+                <dgm:constr type="h" for="ch" forName="child1group" refType="h" fact="0.32"/>
+                <dgm:constr type="t" for="ch" forName="child1group"/>
+                <dgm:constr type="r" for="ch" forName="child1group" refType="w"/>
+                <dgm:constr type="w" for="ch" forName="child2group" refType="w" fact="0.38"/>
+                <dgm:constr type="h" for="ch" forName="child2group" refType="h" fact="0.32"/>
+                <dgm:constr type="t" for="ch" forName="child2group"/>
+                <dgm:constr type="l" for="ch" forName="child2group"/>
+                <dgm:constr type="w" for="ch" forName="child3group" refType="w" fact="0.38"/>
+                <dgm:constr type="h" for="ch" forName="child3group" refType="h" fact="0.32"/>
+                <dgm:constr type="b" for="ch" forName="child3group" refType="h"/>
+                <dgm:constr type="l" for="ch" forName="child3group"/>
+                <dgm:constr type="w" for="ch" forName="child4group" refType="w" fact="0.38"/>
+                <dgm:constr type="h" for="ch" forName="child4group" refType="h" fact="0.32"/>
+                <dgm:constr type="b" for="ch" forName="child4group" refType="h"/>
+                <dgm:constr type="r" for="ch" forName="child4group" refType="w"/>
+              </dgm:constrLst>
+            </dgm:else>
+          </dgm:choose>
+          <dgm:ruleLst/>
+          <dgm:choose name="Name5">
+            <dgm:if name="Name6" axis="ch ch" ptType="node node" st="1 1" cnt="1 0" func="cnt" op="gte" val="1">
+              <dgm:layoutNode name="child1group">
+                <dgm:alg type="composite">
+                  <dgm:param type="horzAlign" val="none"/>
+                  <dgm:param type="vertAlign" val="none"/>
+                </dgm:alg>
+                <dgm:shape xmlns:r="http://schemas.openxmlformats.org/officeDocument/2006/relationships" r:blip="">
+                  <dgm:adjLst/>
+                </dgm:shape>
+                <dgm:presOf/>
+                <dgm:choose name="Name7">
+                  <dgm:if name="Name8" func="var" arg="dir" op="equ" val="norm">
+                    <dgm:constrLst>
+                      <dgm:constr type="w" for="ch" forName="child1" refType="w"/>
+                      <dgm:constr type="h" for="ch" forName="child1" refType="h"/>
+                      <dgm:constr type="t" for="ch" forName="child1"/>
+                      <dgm:constr type="l" for="ch" forName="child1"/>
+                      <dgm:constr type="w" for="ch" forName="child1Text" refType="w" fact="0.7"/>
+                      <dgm:constr type="h" for="ch" forName="child1Text" refType="h" fact="0.75"/>
+                      <dgm:constr type="t" for="ch" forName="child1Text"/>
+                      <dgm:constr type="l" for="ch" forName="child1Text"/>
+                    </dgm:constrLst>
+                  </dgm:if>
+                  <dgm:else name="Name9">
+                    <dgm:constrLst>
+                      <dgm:constr type="w" for="ch" forName="child1" refType="w"/>
+                      <dgm:constr type="h" for="ch" forName="child1" refType="h"/>
+                      <dgm:constr type="t" for="ch" forName="child1"/>
+                      <dgm:constr type="r" for="ch" forName="child1" refType="w"/>
+                      <dgm:constr type="w" for="ch" forName="child1Text" refType="w" fact="0.7"/>
+                      <dgm:constr type="h" for="ch" forName="child1Text" refType="h" fact="0.75"/>
+                      <dgm:constr type="t" for="ch" forName="child1Text"/>
+                      <dgm:constr type="r" for="ch" forName="child1Text" refType="w"/>
+                    </dgm:constrLst>
+                  </dgm:else>
+                </dgm:choose>
+                <dgm:ruleLst/>
+                <dgm:layoutNode name="child1" styleLbl="bgAcc1">
+                  <dgm:alg type="sp"/>
+                  <dgm:shape xmlns:r="http://schemas.openxmlformats.org/officeDocument/2006/relationships" type="roundRect" r:blip="" zOrderOff="-2">
+                    <dgm:adjLst>
+                      <dgm:adj idx="1" val="0.1"/>
+                    </dgm:adjLst>
+                  </dgm:shape>
+                  <dgm:presOf axis="ch des" ptType="node node" st="1 1" cnt="1 0"/>
+                  <dgm:constrLst/>
+                  <dgm:ruleLst/>
+                </dgm:layoutNode>
+                <dgm:layoutNode name="child1Text" styleLbl="bgAcc1">
+                  <dgm:varLst>
+                    <dgm:bulletEnabled val="1"/>
+                  </dgm:varLst>
+                  <dgm:alg type="tx">
+                    <dgm:param type="stBulletLvl" val="1"/>
+                  </dgm:alg>
+                  <dgm:shape xmlns:r="http://schemas.openxmlformats.org/officeDocument/2006/relationships" type="roundRect" r:blip="" zOrderOff="-2" hideGeom="1">
+                    <dgm:adjLst>
+                      <dgm:adj idx="1" val="0.1"/>
+                    </dgm:adjLst>
+                  </dgm:shape>
+                  <dgm:presOf axis="ch des" ptType="node node" st="1 1" cnt="1 0"/>
+                  <dgm:constrLst>
+                    <dgm:constr type="tMarg" refType="primFontSz" fact="0.3"/>
+                    <dgm:constr type="bMarg" refType="primFontSz" fact="0.3"/>
+                    <dgm:constr type="lMarg" refType="primFontSz" fact="0.3"/>
+                    <dgm:constr type="rMarg" refType="primFontSz" fact="0.3"/>
+                  </dgm:constrLst>
+                  <dgm:ruleLst>
+                    <dgm:rule type="primFontSz" val="5" fact="NaN" max="NaN"/>
+                  </dgm:ruleLst>
+                </dgm:layoutNode>
+              </dgm:layoutNode>
+            </dgm:if>
+            <dgm:else name="Name10"/>
+          </dgm:choose>
+          <dgm:choose name="Name11">
+            <dgm:if name="Name12" axis="ch ch" ptType="node node" st="2 1" cnt="1 0" func="cnt" op="gte" val="1">
+              <dgm:layoutNode name="child2group">
+                <dgm:alg type="composite">
+                  <dgm:param type="horzAlign" val="none"/>
+                  <dgm:param type="vertAlign" val="none"/>
+                </dgm:alg>
+                <dgm:shape xmlns:r="http://schemas.openxmlformats.org/officeDocument/2006/relationships" r:blip="">
+                  <dgm:adjLst/>
+                </dgm:shape>
+                <dgm:choose name="Name13">
+                  <dgm:if name="Name14" func="var" arg="dir" op="equ" val="norm">
+                    <dgm:constrLst>
+                      <dgm:constr type="w" for="ch" forName="child2" refType="w"/>
+                      <dgm:constr type="h" for="ch" forName="child2" refType="h"/>
+                      <dgm:constr type="t" for="ch" forName="child2"/>
+                      <dgm:constr type="r" for="ch" forName="child2" refType="w"/>
+                      <dgm:constr type="w" for="ch" forName="child2Text" refType="w" fact="0.7"/>
+                      <dgm:constr type="h" for="ch" forName="child2Text" refType="h" fact="0.75"/>
+                      <dgm:constr type="t" for="ch" forName="child2Text"/>
+                      <dgm:constr type="r" for="ch" forName="child2Text" refType="w"/>
+                    </dgm:constrLst>
+                  </dgm:if>
+                  <dgm:else name="Name15">
+                    <dgm:constrLst>
+                      <dgm:constr type="w" for="ch" forName="child2" refType="w"/>
+                      <dgm:constr type="h" for="ch" forName="child2" refType="h"/>
+                      <dgm:constr type="t" for="ch" forName="child2"/>
+                      <dgm:constr type="l" for="ch" forName="child2"/>
+                      <dgm:constr type="w" for="ch" forName="child2Text" refType="w" fact="0.7"/>
+                      <dgm:constr type="h" for="ch" forName="child2Text" refType="h" fact="0.75"/>
+                      <dgm:constr type="t" for="ch" forName="child2Text"/>
+                      <dgm:constr type="l" for="ch" forName="child2Text"/>
+                    </dgm:constrLst>
+                  </dgm:else>
+                </dgm:choose>
+                <dgm:ruleLst/>
+                <dgm:layoutNode name="child2" styleLbl="bgAcc1">
+                  <dgm:alg type="sp"/>
+                  <dgm:shape xmlns:r="http://schemas.openxmlformats.org/officeDocument/2006/relationships" type="roundRect" r:blip="" zOrderOff="-2">
+                    <dgm:adjLst>
+                      <dgm:adj idx="1" val="0.1"/>
+                    </dgm:adjLst>
+                  </dgm:shape>
+                  <dgm:presOf axis="ch des" ptType="node node" st="2 1" cnt="1 0"/>
+                  <dgm:constrLst/>
+                  <dgm:ruleLst/>
+                </dgm:layoutNode>
+                <dgm:layoutNode name="child2Text" styleLbl="bgAcc1">
+                  <dgm:varLst>
+                    <dgm:bulletEnabled val="1"/>
+                  </dgm:varLst>
+                  <dgm:alg type="tx">
+                    <dgm:param type="stBulletLvl" val="1"/>
+                  </dgm:alg>
+                  <dgm:shape xmlns:r="http://schemas.openxmlformats.org/officeDocument/2006/relationships" type="roundRect" r:blip="" zOrderOff="-2" hideGeom="1">
+                    <dgm:adjLst>
+                      <dgm:adj idx="1" val="0.1"/>
+                    </dgm:adjLst>
+                  </dgm:shape>
+                  <dgm:presOf axis="ch des" ptType="node node" st="2 1" cnt="1 0"/>
+                  <dgm:constrLst>
+                    <dgm:constr type="tMarg" refType="primFontSz" fact="0.3"/>
+                    <dgm:constr type="bMarg" refType="primFontSz" fact="0.3"/>
+                    <dgm:constr type="lMarg" refType="primFontSz" fact="0.3"/>
+                    <dgm:constr type="rMarg" refType="primFontSz" fact="0.3"/>
+                  </dgm:constrLst>
+                  <dgm:ruleLst>
+                    <dgm:rule type="primFontSz" val="5" fact="NaN" max="NaN"/>
+                  </dgm:ruleLst>
+                </dgm:layoutNode>
+              </dgm:layoutNode>
+            </dgm:if>
+            <dgm:else name="Name16"/>
+          </dgm:choose>
+          <dgm:choose name="Name17">
+            <dgm:if name="Name18" axis="ch ch" ptType="node node" st="3 1" cnt="1 0" func="cnt" op="gte" val="1">
+              <dgm:layoutNode name="child3group">
+                <dgm:alg type="composite">
+                  <dgm:param type="horzAlign" val="none"/>
+                  <dgm:param type="vertAlign" val="none"/>
+                </dgm:alg>
+                <dgm:shape xmlns:r="http://schemas.openxmlformats.org/officeDocument/2006/relationships" r:blip="">
+                  <dgm:adjLst/>
+                </dgm:shape>
+                <dgm:presOf/>
+                <dgm:choose name="Name19">
+                  <dgm:if name="Name20" func="var" arg="dir" op="equ" val="norm">
+                    <dgm:constrLst>
+                      <dgm:constr type="w" for="ch" forName="child3" refType="w"/>
+                      <dgm:constr type="h" for="ch" forName="child3" refType="h"/>
+                      <dgm:constr type="b" for="ch" forName="child3" refType="h"/>
+                      <dgm:constr type="r" for="ch" forName="child3" refType="w"/>
+                      <dgm:constr type="w" for="ch" forName="child3Text" refType="w" fact="0.7"/>
+                      <dgm:constr type="h" for="ch" forName="child3Text" refType="h" fact="0.75"/>
+                      <dgm:constr type="b" for="ch" forName="child3Text" refType="h"/>
+                      <dgm:constr type="r" for="ch" forName="child3Text" refType="w"/>
+                    </dgm:constrLst>
+                  </dgm:if>
+                  <dgm:else name="Name21">
+                    <dgm:constrLst>
+                      <dgm:constr type="w" for="ch" forName="child3" refType="w"/>
+                      <dgm:constr type="h" for="ch" forName="child3" refType="h"/>
+                      <dgm:constr type="b" for="ch" forName="child3" refType="h"/>
+                      <dgm:constr type="l" for="ch" forName="child3"/>
+                      <dgm:constr type="w" for="ch" forName="child3Text" refType="w" fact="0.7"/>
+                      <dgm:constr type="h" for="ch" forName="child3Text" refType="h" fact="0.75"/>
+                      <dgm:constr type="b" for="ch" forName="child3Text" refType="h"/>
+                      <dgm:constr type="l" for="ch" forName="child3Text"/>
+                    </dgm:constrLst>
+                  </dgm:else>
+                </dgm:choose>
+                <dgm:ruleLst/>
+                <dgm:layoutNode name="child3" styleLbl="bgAcc1">
+                  <dgm:alg type="sp"/>
+                  <dgm:shape xmlns:r="http://schemas.openxmlformats.org/officeDocument/2006/relationships" type="roundRect" r:blip="" zOrderOff="-4">
+                    <dgm:adjLst>
+                      <dgm:adj idx="1" val="0.1"/>
+                    </dgm:adjLst>
+                  </dgm:shape>
+                  <dgm:presOf axis="ch des" ptType="node node" st="3 1" cnt="1 0"/>
+                  <dgm:constrLst/>
+                  <dgm:ruleLst/>
+                </dgm:layoutNode>
+                <dgm:layoutNode name="child3Text" styleLbl="bgAcc1">
+                  <dgm:varLst>
+                    <dgm:bulletEnabled val="1"/>
+                  </dgm:varLst>
+                  <dgm:alg type="tx">
+                    <dgm:param type="stBulletLvl" val="1"/>
+                  </dgm:alg>
+                  <dgm:shape xmlns:r="http://schemas.openxmlformats.org/officeDocument/2006/relationships" type="roundRect" r:blip="" zOrderOff="-4" hideGeom="1">
+                    <dgm:adjLst>
+                      <dgm:adj idx="1" val="0.1"/>
+                    </dgm:adjLst>
+                  </dgm:shape>
+                  <dgm:presOf axis="ch des" ptType="node node" st="3 1" cnt="1 0"/>
+                  <dgm:constrLst>
+                    <dgm:constr type="tMarg" refType="primFontSz" fact="0.3"/>
+                    <dgm:constr type="bMarg" refType="primFontSz" fact="0.3"/>
+                    <dgm:constr type="lMarg" refType="primFontSz" fact="0.3"/>
+                    <dgm:constr type="rMarg" refType="primFontSz" fact="0.3"/>
+                  </dgm:constrLst>
+                  <dgm:ruleLst>
+                    <dgm:rule type="primFontSz" val="5" fact="NaN" max="NaN"/>
+                  </dgm:ruleLst>
+                </dgm:layoutNode>
+              </dgm:layoutNode>
+            </dgm:if>
+            <dgm:else name="Name22"/>
+          </dgm:choose>
+          <dgm:choose name="Name23">
+            <dgm:if name="Name24" axis="ch ch" ptType="node node" st="4 1" cnt="1 0" func="cnt" op="gte" val="1">
+              <dgm:layoutNode name="child4group">
+                <dgm:alg type="composite">
+                  <dgm:param type="horzAlign" val="none"/>
+                  <dgm:param type="vertAlign" val="none"/>
+                </dgm:alg>
+                <dgm:shape xmlns:r="http://schemas.openxmlformats.org/officeDocument/2006/relationships" r:blip="">
+                  <dgm:adjLst/>
+                </dgm:shape>
+                <dgm:presOf/>
+                <dgm:choose name="Name25">
+                  <dgm:if name="Name26" func="var" arg="dir" op="equ" val="norm">
+                    <dgm:constrLst>
+                      <dgm:constr type="w" for="ch" forName="child4" refType="w"/>
+                      <dgm:constr type="h" for="ch" forName="child4" refType="h"/>
+                      <dgm:constr type="b" for="ch" forName="child4" refType="h"/>
+                      <dgm:constr type="l" for="ch" forName="child4"/>
+                      <dgm:constr type="w" for="ch" forName="child4Text" refType="w" fact="0.7"/>
+                      <dgm:constr type="h" for="ch" forName="child4Text" refType="h" fact="0.75"/>
+                      <dgm:constr type="b" for="ch" forName="child4Text" refType="h"/>
+                      <dgm:constr type="l" for="ch" forName="child4Text"/>
+                    </dgm:constrLst>
+                  </dgm:if>
+                  <dgm:else name="Name27">
+                    <dgm:constrLst>
+                      <dgm:constr type="w" for="ch" forName="child4" refType="w"/>
+                      <dgm:constr type="h" for="ch" forName="child4" refType="h"/>
+                      <dgm:constr type="b" for="ch" forName="child4" refType="h"/>
+                      <dgm:constr type="r" for="ch" forName="child4" refType="w"/>
+                      <dgm:constr type="w" for="ch" forName="child4Text" refType="w" fact="0.7"/>
+                      <dgm:constr type="h" for="ch" forName="child4Text" refType="h" fact="0.75"/>
+                      <dgm:constr type="b" for="ch" forName="child4Text" refType="h"/>
+                      <dgm:constr type="r" for="ch" forName="child4Text" refType="w"/>
+                    </dgm:constrLst>
+                  </dgm:else>
+                </dgm:choose>
+                <dgm:ruleLst/>
+                <dgm:layoutNode name="child4" styleLbl="bgAcc1">
+                  <dgm:alg type="sp"/>
+                  <dgm:shape xmlns:r="http://schemas.openxmlformats.org/officeDocument/2006/relationships" type="roundRect" r:blip="" zOrderOff="-4">
+                    <dgm:adjLst>
+                      <dgm:adj idx="1" val="0.1"/>
+                    </dgm:adjLst>
+                  </dgm:shape>
+                  <dgm:presOf axis="ch des" ptType="node node" st="4 1" cnt="1 0"/>
+                  <dgm:constrLst/>
+                  <dgm:ruleLst/>
+                </dgm:layoutNode>
+                <dgm:layoutNode name="child4Text" styleLbl="bgAcc1">
+                  <dgm:varLst>
+                    <dgm:bulletEnabled val="1"/>
+                  </dgm:varLst>
+                  <dgm:alg type="tx">
+                    <dgm:param type="stBulletLvl" val="1"/>
+                  </dgm:alg>
+                  <dgm:shape xmlns:r="http://schemas.openxmlformats.org/officeDocument/2006/relationships" type="roundRect" r:blip="" zOrderOff="-4" hideGeom="1">
+                    <dgm:adjLst>
+                      <dgm:adj idx="1" val="0.1"/>
+                    </dgm:adjLst>
+                  </dgm:shape>
+                  <dgm:presOf axis="ch des" ptType="node node" st="4 1" cnt="1 0"/>
+                  <dgm:constrLst>
+                    <dgm:constr type="tMarg" refType="primFontSz" fact="0.3"/>
+                    <dgm:constr type="bMarg" refType="primFontSz" fact="0.3"/>
+                    <dgm:constr type="lMarg" refType="primFontSz" fact="0.3"/>
+                    <dgm:constr type="rMarg" refType="primFontSz" fact="0.3"/>
+                  </dgm:constrLst>
+                  <dgm:ruleLst>
+                    <dgm:rule type="primFontSz" val="5" fact="NaN" max="NaN"/>
+                  </dgm:ruleLst>
+                </dgm:layoutNode>
+              </dgm:layoutNode>
+            </dgm:if>
+            <dgm:else name="Name28"/>
+          </dgm:choose>
+          <dgm:layoutNode name="childPlaceholder">
+            <dgm:alg type="sp"/>
+            <dgm:shape xmlns:r="http://schemas.openxmlformats.org/officeDocument/2006/relationships" r:blip="">
+              <dgm:adjLst/>
+            </dgm:shape>
+            <dgm:presOf/>
+            <dgm:constrLst/>
+            <dgm:ruleLst/>
+          </dgm:layoutNode>
+        </dgm:layoutNode>
+        <dgm:layoutNode name="circle">
+          <dgm:alg type="composite">
+            <dgm:param type="ar" val="1"/>
+          </dgm:alg>
+          <dgm:shape xmlns:r="http://schemas.openxmlformats.org/officeDocument/2006/relationships" r:blip="">
+            <dgm:adjLst/>
+          </dgm:shape>
+          <dgm:presOf/>
+          <dgm:choose name="Name29">
+            <dgm:if name="Name30" func="var" arg="dir" op="equ" val="norm">
+              <dgm:constrLst>
+                <dgm:constr type="primFontSz" for="ch" ptType="node" op="equ" val="65"/>
+                <dgm:constr type="w" for="ch" forName="quadrant1" refType="w" fact="0.433"/>
+                <dgm:constr type="h" for="ch" forName="quadrant1" refType="h" fact="0.433"/>
+                <dgm:constr type="b" for="ch" forName="quadrant1" refType="h" fact="0.5"/>
+                <dgm:constr type="bOff" for="ch" forName="quadrant1" refType="h" fact="-0.01"/>
+                <dgm:constr type="r" for="ch" forName="quadrant1" refType="w" fact="0.5"/>
+                <dgm:constr type="rOff" for="ch" forName="quadrant1" refType="w" fact="-0.01"/>
+                <dgm:constr type="w" for="ch" forName="quadrant2" refType="w" fact="0.433"/>
+                <dgm:constr type="h" for="ch" forName="quadrant2" refType="h" fact="0.433"/>
+                <dgm:constr type="b" for="ch" forName="quadrant2" refType="h" fact="0.5"/>
+                <dgm:constr type="bOff" for="ch" forName="quadrant2" refType="h" fact="-0.01"/>
+                <dgm:constr type="l" for="ch" forName="quadrant2" refType="w" fact="0.5"/>
+                <dgm:constr type="lOff" for="ch" forName="quadrant2" refType="w" fact="0.01"/>
+                <dgm:constr type="w" for="ch" forName="quadrant3" refType="w" fact="0.433"/>
+                <dgm:constr type="h" for="ch" forName="quadrant3" refType="h" fact="0.433"/>
+                <dgm:constr type="t" for="ch" forName="quadrant3" refType="h" fact="0.5"/>
+                <dgm:constr type="tOff" for="ch" forName="quadrant3" refType="h" fact="0.01"/>
+                <dgm:constr type="l" for="ch" forName="quadrant3" refType="w" fact="0.5"/>
+                <dgm:constr type="lOff" for="ch" forName="quadrant3" refType="w" fact="0.01"/>
+                <dgm:constr type="w" for="ch" forName="quadrant4" refType="w" fact="0.433"/>
+                <dgm:constr type="h" for="ch" forName="quadrant4" refType="h" fact="0.433"/>
+                <dgm:constr type="t" for="ch" forName="quadrant4" refType="h" fact="0.5"/>
+                <dgm:constr type="tOff" for="ch" forName="quadrant4" refType="h" fact="0.01"/>
+                <dgm:constr type="r" for="ch" forName="quadrant4" refType="w" fact="0.5"/>
+                <dgm:constr type="rOff" for="ch" forName="quadrant4" refType="w" fact="-0.01"/>
+              </dgm:constrLst>
+            </dgm:if>
+            <dgm:else name="Name31">
+              <dgm:constrLst>
+                <dgm:constr type="primFontSz" for="ch" ptType="node" op="equ" val="65"/>
+                <dgm:constr type="w" for="ch" forName="quadrant1" refType="w" fact="0.433"/>
+                <dgm:constr type="h" for="ch" forName="quadrant1" refType="h" fact="0.433"/>
+                <dgm:constr type="b" for="ch" forName="quadrant1" refType="h" fact="0.5"/>
+                <dgm:constr type="bOff" for="ch" forName="quadrant1" refType="h" fact="-0.01"/>
+                <dgm:constr type="l" for="ch" forName="quadrant1" refType="w" fact="0.5"/>
+                <dgm:constr type="lOff" for="ch" forName="quadrant1" refType="w" fact="0.01"/>
+                <dgm:constr type="w" for="ch" forName="quadrant2" refType="w" fact="0.433"/>
+                <dgm:constr type="h" for="ch" forName="quadrant2" refType="h" fact="0.433"/>
+                <dgm:constr type="b" for="ch" forName="quadrant2" refType="h" fact="0.5"/>
+                <dgm:constr type="bOff" for="ch" forName="quadrant2" refType="h" fact="-0.01"/>
+                <dgm:constr type="r" for="ch" forName="quadrant2" refType="w" fact="0.5"/>
+                <dgm:constr type="rOff" for="ch" forName="quadrant2" refType="w" fact="-0.01"/>
+                <dgm:constr type="w" for="ch" forName="quadrant3" refType="w" fact="0.433"/>
+                <dgm:constr type="h" for="ch" forName="quadrant3" refType="h" fact="0.433"/>
+                <dgm:constr type="t" for="ch" forName="quadrant3" refType="h" fact="0.5"/>
+                <dgm:constr type="tOff" for="ch" forName="quadrant3" refType="h" fact="0.01"/>
+                <dgm:constr type="r" for="ch" forName="quadrant3" refType="w" fact="0.5"/>
+                <dgm:constr type="rOff" for="ch" forName="quadrant3" refType="w" fact="-0.01"/>
+                <dgm:constr type="w" for="ch" forName="quadrant4" refType="w" fact="0.433"/>
+                <dgm:constr type="h" for="ch" forName="quadrant4" refType="h" fact="0.433"/>
+                <dgm:constr type="t" for="ch" forName="quadrant4" refType="h" fact="0.5"/>
+                <dgm:constr type="tOff" for="ch" forName="quadrant4" refType="h" fact="0.01"/>
+                <dgm:constr type="l" for="ch" forName="quadrant4" refType="w" fact="0.5"/>
+                <dgm:constr type="lOff" for="ch" forName="quadrant4" refType="w" fact="0.01"/>
+              </dgm:constrLst>
+            </dgm:else>
+          </dgm:choose>
+          <dgm:ruleLst/>
+          <dgm:layoutNode name="quadrant1" styleLbl="node1">
+            <dgm:varLst>
+              <dgm:chMax val="1"/>
+              <dgm:bulletEnabled val="1"/>
+            </dgm:varLst>
+            <dgm:alg type="tx"/>
+            <dgm:choose name="Name32">
+              <dgm:if name="Name33" func="var" arg="dir" op="equ" val="norm">
+                <dgm:shape xmlns:r="http://schemas.openxmlformats.org/officeDocument/2006/relationships" type="pieWedge" r:blip="">
+                  <dgm:adjLst/>
+                </dgm:shape>
+              </dgm:if>
+              <dgm:else name="Name34">
+                <dgm:shape xmlns:r="http://schemas.openxmlformats.org/officeDocument/2006/relationships" rot="90" type="pieWedge" r:blip="">
+                  <dgm:adjLst/>
+                </dgm:shape>
+              </dgm:else>
+            </dgm:choose>
+            <dgm:presOf axis="ch" ptType="node" cnt="1"/>
+            <dgm:constrLst/>
+            <dgm:ruleLst>
+              <dgm:rule type="primFontSz" val="5" fact="NaN" max="NaN"/>
+            </dgm:ruleLst>
+          </dgm:layoutNode>
+          <dgm:layoutNode name="quadrant2" styleLbl="node1">
+            <dgm:varLst>
+              <dgm:chMax val="1"/>
+              <dgm:bulletEnabled val="1"/>
+            </dgm:varLst>
+            <dgm:alg type="tx"/>
+            <dgm:choose name="Name35">
+              <dgm:if name="Name36" func="var" arg="dir" op="equ" val="norm">
+                <dgm:shape xmlns:r="http://schemas.openxmlformats.org/officeDocument/2006/relationships" rot="90" type="pieWedge" r:blip="">
+                  <dgm:adjLst/>
+                </dgm:shape>
+              </dgm:if>
+              <dgm:else name="Name37">
+                <dgm:shape xmlns:r="http://schemas.openxmlformats.org/officeDocument/2006/relationships" type="pieWedge" r:blip="">
+                  <dgm:adjLst/>
+                </dgm:shape>
+              </dgm:else>
+            </dgm:choose>
+            <dgm:presOf axis="ch" ptType="node" st="2" cnt="1"/>
+            <dgm:constrLst/>
+            <dgm:ruleLst>
+              <dgm:rule type="primFontSz" val="5" fact="NaN" max="NaN"/>
+            </dgm:ruleLst>
+          </dgm:layoutNode>
+          <dgm:layoutNode name="quadrant3" styleLbl="node1">
+            <dgm:varLst>
+              <dgm:chMax val="1"/>
+              <dgm:bulletEnabled val="1"/>
+            </dgm:varLst>
+            <dgm:alg type="tx"/>
+            <dgm:choose name="Name38">
+              <dgm:if name="Name39" func="var" arg="dir" op="equ" val="norm">
+                <dgm:shape xmlns:r="http://schemas.openxmlformats.org/officeDocument/2006/relationships" rot="180" type="pieWedge" r:blip="">
+                  <dgm:adjLst/>
+                </dgm:shape>
+              </dgm:if>
+              <dgm:else name="Name40">
+                <dgm:shape xmlns:r="http://schemas.openxmlformats.org/officeDocument/2006/relationships" rot="270" type="pieWedge" r:blip="">
+                  <dgm:adjLst/>
+                </dgm:shape>
+              </dgm:else>
+            </dgm:choose>
+            <dgm:presOf axis="ch" ptType="node" st="3" cnt="1"/>
+            <dgm:constrLst/>
+            <dgm:ruleLst>
+              <dgm:rule type="primFontSz" val="5" fact="NaN" max="NaN"/>
+            </dgm:ruleLst>
+          </dgm:layoutNode>
+          <dgm:layoutNode name="quadrant4" styleLbl="node1">
+            <dgm:varLst>
+              <dgm:chMax val="1"/>
+              <dgm:bulletEnabled val="1"/>
+            </dgm:varLst>
+            <dgm:alg type="tx"/>
+            <dgm:choose name="Name41">
+              <dgm:if name="Name42" func="var" arg="dir" op="equ" val="norm">
+                <dgm:shape xmlns:r="http://schemas.openxmlformats.org/officeDocument/2006/relationships" rot="270" type="pieWedge" r:blip="">
+                  <dgm:adjLst/>
+                </dgm:shape>
+              </dgm:if>
+              <dgm:else name="Name43">
+                <dgm:shape xmlns:r="http://schemas.openxmlformats.org/officeDocument/2006/relationships" rot="180" type="pieWedge" r:blip="">
+                  <dgm:adjLst/>
+                </dgm:shape>
+              </dgm:else>
+            </dgm:choose>
+            <dgm:presOf axis="ch" ptType="node" st="4" cnt="1"/>
+            <dgm:constrLst/>
+            <dgm:ruleLst>
+              <dgm:rule type="primFontSz" val="5" fact="NaN" max="NaN"/>
+            </dgm:ruleLst>
+          </dgm:layoutNode>
+          <dgm:layoutNode name="quadrantPlaceholder">
+            <dgm:alg type="sp"/>
+            <dgm:shape xmlns:r="http://schemas.openxmlformats.org/officeDocument/2006/relationships" r:blip="">
+              <dgm:adjLst/>
+            </dgm:shape>
+            <dgm:presOf/>
+            <dgm:constrLst/>
+            <dgm:ruleLst/>
+          </dgm:layoutNode>
+        </dgm:layoutNode>
+        <dgm:layoutNode name="center1" styleLbl="fgShp">
+          <dgm:alg type="sp"/>
+          <dgm:choose name="Name44">
+            <dgm:if name="Name45" func="var" arg="dir" op="equ" val="norm">
+              <dgm:shape xmlns:r="http://schemas.openxmlformats.org/officeDocument/2006/relationships" type="circularArrow" r:blip="" zOrderOff="16">
+                <dgm:adjLst/>
+              </dgm:shape>
+            </dgm:if>
+            <dgm:else name="Name46">
+              <dgm:shape xmlns:r="http://schemas.openxmlformats.org/officeDocument/2006/relationships" rot="180" type="leftCircularArrow" r:blip="" zOrderOff="16">
+                <dgm:adjLst/>
+              </dgm:shape>
+            </dgm:else>
+          </dgm:choose>
+          <dgm:presOf/>
+          <dgm:constrLst/>
+          <dgm:ruleLst/>
+        </dgm:layoutNode>
+        <dgm:layoutNode name="center2" styleLbl="fgShp">
+          <dgm:alg type="sp"/>
+          <dgm:choose name="Name47">
+            <dgm:if name="Name48" func="var" arg="dir" op="equ" val="norm">
+              <dgm:shape xmlns:r="http://schemas.openxmlformats.org/officeDocument/2006/relationships" rot="180" type="circularArrow" r:blip="" zOrderOff="16">
+                <dgm:adjLst/>
+              </dgm:shape>
+            </dgm:if>
+            <dgm:else name="Name49">
+              <dgm:shape xmlns:r="http://schemas.openxmlformats.org/officeDocument/2006/relationships" type="leftCircularArrow" r:blip="" zOrderOff="16">
+                <dgm:adjLst/>
+              </dgm:shape>
+            </dgm:else>
+          </dgm:choose>
+          <dgm:presOf/>
+          <dgm:constrLst/>
+          <dgm:ruleLst/>
+        </dgm:layoutNode>
+      </dgm:if>
+      <dgm:else name="Name50"/>
+    </dgm:choose>
+  </dgm:layoutNode>
+</dgm:layoutDef>
+</file>
+
+<file path=ppt/diagrams/layout2.xml><?xml version="1.0" encoding="utf-8"?>
+<dgm:layoutDef xmlns:dgm="http://schemas.openxmlformats.org/drawingml/2006/diagram" xmlns:a="http://schemas.openxmlformats.org/drawingml/2006/main" uniqueId="urn:microsoft.com/office/officeart/2005/8/layout/hProcess4#1">
   <dgm:title val=""/>
   <dgm:desc val=""/>
   <dgm:catLst>
@@ -4687,7 +7721,1041 @@
 </file>
 
 <file path=ppt/diagrams/quickStyle1.xml><?xml version="1.0" encoding="utf-8"?>
-<dgm:styleDef xmlns:dgm="http://schemas.openxmlformats.org/drawingml/2006/diagram" xmlns:a="http://schemas.openxmlformats.org/drawingml/2006/main" uniqueId="urn:microsoft.com/office/officeart/2005/8/quickstyle/simple1">
+<dgm:styleDef xmlns:dgm="http://schemas.openxmlformats.org/drawingml/2006/diagram" xmlns:a="http://schemas.openxmlformats.org/drawingml/2006/main" uniqueId="urn:microsoft.com/office/officeart/2005/8/quickstyle/simple4">
+  <dgm:title val=""/>
+  <dgm:desc val=""/>
+  <dgm:catLst>
+    <dgm:cat type="simple" pri="10400"/>
+  </dgm:catLst>
+  <dgm:scene3d>
+    <a:camera prst="orthographicFront"/>
+    <a:lightRig rig="threePt" dir="t"/>
+  </dgm:scene3d>
+  <dgm:styleLbl name="node0">
+    <dgm:scene3d>
+      <a:camera prst="orthographicFront"/>
+      <a:lightRig rig="threePt" dir="t"/>
+    </dgm:scene3d>
+    <dgm:sp3d/>
+    <dgm:txPr/>
+    <dgm:style>
+      <a:lnRef idx="0">
+        <a:scrgbClr r="0" g="0" b="0"/>
+      </a:lnRef>
+      <a:fillRef idx="3">
+        <a:scrgbClr r="0" g="0" b="0"/>
+      </a:fillRef>
+      <a:effectRef idx="2">
+        <a:scrgbClr r="0" g="0" b="0"/>
+      </a:effectRef>
+      <a:fontRef idx="minor">
+        <a:schemeClr val="lt1"/>
+      </a:fontRef>
+    </dgm:style>
+  </dgm:styleLbl>
+  <dgm:styleLbl name="lnNode1">
+    <dgm:scene3d>
+      <a:camera prst="orthographicFront"/>
+      <a:lightRig rig="threePt" dir="t"/>
+    </dgm:scene3d>
+    <dgm:sp3d/>
+    <dgm:txPr/>
+    <dgm:style>
+      <a:lnRef idx="1">
+        <a:scrgbClr r="0" g="0" b="0"/>
+      </a:lnRef>
+      <a:fillRef idx="3">
+        <a:scrgbClr r="0" g="0" b="0"/>
+      </a:fillRef>
+      <a:effectRef idx="2">
+        <a:scrgbClr r="0" g="0" b="0"/>
+      </a:effectRef>
+      <a:fontRef idx="minor">
+        <a:schemeClr val="lt1"/>
+      </a:fontRef>
+    </dgm:style>
+  </dgm:styleLbl>
+  <dgm:styleLbl name="vennNode1">
+    <dgm:scene3d>
+      <a:camera prst="orthographicFront"/>
+      <a:lightRig rig="threePt" dir="t"/>
+    </dgm:scene3d>
+    <dgm:sp3d/>
+    <dgm:txPr/>
+    <dgm:style>
+      <a:lnRef idx="0">
+        <a:scrgbClr r="0" g="0" b="0"/>
+      </a:lnRef>
+      <a:fillRef idx="3">
+        <a:scrgbClr r="0" g="0" b="0"/>
+      </a:fillRef>
+      <a:effectRef idx="0">
+        <a:scrgbClr r="0" g="0" b="0"/>
+      </a:effectRef>
+      <a:fontRef idx="minor">
+        <a:schemeClr val="tx1"/>
+      </a:fontRef>
+    </dgm:style>
+  </dgm:styleLbl>
+  <dgm:styleLbl name="alignNode1">
+    <dgm:scene3d>
+      <a:camera prst="orthographicFront"/>
+      <a:lightRig rig="threePt" dir="t"/>
+    </dgm:scene3d>
+    <dgm:sp3d/>
+    <dgm:txPr/>
+    <dgm:style>
+      <a:lnRef idx="1">
+        <a:scrgbClr r="0" g="0" b="0"/>
+      </a:lnRef>
+      <a:fillRef idx="3">
+        <a:scrgbClr r="0" g="0" b="0"/>
+      </a:fillRef>
+      <a:effectRef idx="2">
+        <a:scrgbClr r="0" g="0" b="0"/>
+      </a:effectRef>
+      <a:fontRef idx="minor">
+        <a:schemeClr val="lt1"/>
+      </a:fontRef>
+    </dgm:style>
+  </dgm:styleLbl>
+  <dgm:styleLbl name="node1">
+    <dgm:scene3d>
+      <a:camera prst="orthographicFront"/>
+      <a:lightRig rig="threePt" dir="t"/>
+    </dgm:scene3d>
+    <dgm:sp3d/>
+    <dgm:txPr/>
+    <dgm:style>
+      <a:lnRef idx="0">
+        <a:scrgbClr r="0" g="0" b="0"/>
+      </a:lnRef>
+      <a:fillRef idx="3">
+        <a:scrgbClr r="0" g="0" b="0"/>
+      </a:fillRef>
+      <a:effectRef idx="2">
+        <a:scrgbClr r="0" g="0" b="0"/>
+      </a:effectRef>
+      <a:fontRef idx="minor">
+        <a:schemeClr val="lt1"/>
+      </a:fontRef>
+    </dgm:style>
+  </dgm:styleLbl>
+  <dgm:styleLbl name="node2">
+    <dgm:scene3d>
+      <a:camera prst="orthographicFront"/>
+      <a:lightRig rig="threePt" dir="t"/>
+    </dgm:scene3d>
+    <dgm:sp3d/>
+    <dgm:txPr/>
+    <dgm:style>
+      <a:lnRef idx="0">
+        <a:scrgbClr r="0" g="0" b="0"/>
+      </a:lnRef>
+      <a:fillRef idx="3">
+        <a:scrgbClr r="0" g="0" b="0"/>
+      </a:fillRef>
+      <a:effectRef idx="2">
+        <a:scrgbClr r="0" g="0" b="0"/>
+      </a:effectRef>
+      <a:fontRef idx="minor">
+        <a:schemeClr val="lt1"/>
+      </a:fontRef>
+    </dgm:style>
+  </dgm:styleLbl>
+  <dgm:styleLbl name="node3">
+    <dgm:scene3d>
+      <a:camera prst="orthographicFront"/>
+      <a:lightRig rig="threePt" dir="t"/>
+    </dgm:scene3d>
+    <dgm:sp3d/>
+    <dgm:txPr/>
+    <dgm:style>
+      <a:lnRef idx="0">
+        <a:scrgbClr r="0" g="0" b="0"/>
+      </a:lnRef>
+      <a:fillRef idx="3">
+        <a:scrgbClr r="0" g="0" b="0"/>
+      </a:fillRef>
+      <a:effectRef idx="2">
+        <a:scrgbClr r="0" g="0" b="0"/>
+      </a:effectRef>
+      <a:fontRef idx="minor">
+        <a:schemeClr val="lt1"/>
+      </a:fontRef>
+    </dgm:style>
+  </dgm:styleLbl>
+  <dgm:styleLbl name="node4">
+    <dgm:scene3d>
+      <a:camera prst="orthographicFront"/>
+      <a:lightRig rig="threePt" dir="t"/>
+    </dgm:scene3d>
+    <dgm:sp3d/>
+    <dgm:txPr/>
+    <dgm:style>
+      <a:lnRef idx="0">
+        <a:scrgbClr r="0" g="0" b="0"/>
+      </a:lnRef>
+      <a:fillRef idx="3">
+        <a:scrgbClr r="0" g="0" b="0"/>
+      </a:fillRef>
+      <a:effectRef idx="2">
+        <a:scrgbClr r="0" g="0" b="0"/>
+      </a:effectRef>
+      <a:fontRef idx="minor">
+        <a:schemeClr val="lt1"/>
+      </a:fontRef>
+    </dgm:style>
+  </dgm:styleLbl>
+  <dgm:styleLbl name="fgImgPlace1">
+    <dgm:scene3d>
+      <a:camera prst="orthographicFront"/>
+      <a:lightRig rig="threePt" dir="t"/>
+    </dgm:scene3d>
+    <dgm:sp3d/>
+    <dgm:txPr/>
+    <dgm:style>
+      <a:lnRef idx="0">
+        <a:scrgbClr r="0" g="0" b="0"/>
+      </a:lnRef>
+      <a:fillRef idx="1">
+        <a:scrgbClr r="0" g="0" b="0"/>
+      </a:fillRef>
+      <a:effectRef idx="2">
+        <a:scrgbClr r="0" g="0" b="0"/>
+      </a:effectRef>
+      <a:fontRef idx="minor"/>
+    </dgm:style>
+  </dgm:styleLbl>
+  <dgm:styleLbl name="alignImgPlace1">
+    <dgm:scene3d>
+      <a:camera prst="orthographicFront"/>
+      <a:lightRig rig="threePt" dir="t"/>
+    </dgm:scene3d>
+    <dgm:sp3d/>
+    <dgm:txPr/>
+    <dgm:style>
+      <a:lnRef idx="0">
+        <a:scrgbClr r="0" g="0" b="0"/>
+      </a:lnRef>
+      <a:fillRef idx="1">
+        <a:scrgbClr r="0" g="0" b="0"/>
+      </a:fillRef>
+      <a:effectRef idx="2">
+        <a:scrgbClr r="0" g="0" b="0"/>
+      </a:effectRef>
+      <a:fontRef idx="minor"/>
+    </dgm:style>
+  </dgm:styleLbl>
+  <dgm:styleLbl name="bgImgPlace1">
+    <dgm:scene3d>
+      <a:camera prst="orthographicFront"/>
+      <a:lightRig rig="threePt" dir="t"/>
+    </dgm:scene3d>
+    <dgm:sp3d/>
+    <dgm:txPr/>
+    <dgm:style>
+      <a:lnRef idx="0">
+        <a:scrgbClr r="0" g="0" b="0"/>
+      </a:lnRef>
+      <a:fillRef idx="1">
+        <a:scrgbClr r="0" g="0" b="0"/>
+      </a:fillRef>
+      <a:effectRef idx="2">
+        <a:scrgbClr r="0" g="0" b="0"/>
+      </a:effectRef>
+      <a:fontRef idx="minor"/>
+    </dgm:style>
+  </dgm:styleLbl>
+  <dgm:styleLbl name="sibTrans2D1">
+    <dgm:scene3d>
+      <a:camera prst="orthographicFront"/>
+      <a:lightRig rig="threePt" dir="t"/>
+    </dgm:scene3d>
+    <dgm:sp3d/>
+    <dgm:txPr/>
+    <dgm:style>
+      <a:lnRef idx="0">
+        <a:scrgbClr r="0" g="0" b="0"/>
+      </a:lnRef>
+      <a:fillRef idx="3">
+        <a:scrgbClr r="0" g="0" b="0"/>
+      </a:fillRef>
+      <a:effectRef idx="2">
+        <a:scrgbClr r="0" g="0" b="0"/>
+      </a:effectRef>
+      <a:fontRef idx="minor">
+        <a:schemeClr val="lt1"/>
+      </a:fontRef>
+    </dgm:style>
+  </dgm:styleLbl>
+  <dgm:styleLbl name="fgSibTrans2D1">
+    <dgm:scene3d>
+      <a:camera prst="orthographicFront"/>
+      <a:lightRig rig="threePt" dir="t"/>
+    </dgm:scene3d>
+    <dgm:sp3d/>
+    <dgm:txPr/>
+    <dgm:style>
+      <a:lnRef idx="0">
+        <a:scrgbClr r="0" g="0" b="0"/>
+      </a:lnRef>
+      <a:fillRef idx="3">
+        <a:scrgbClr r="0" g="0" b="0"/>
+      </a:fillRef>
+      <a:effectRef idx="2">
+        <a:scrgbClr r="0" g="0" b="0"/>
+      </a:effectRef>
+      <a:fontRef idx="minor">
+        <a:schemeClr val="lt1"/>
+      </a:fontRef>
+    </dgm:style>
+  </dgm:styleLbl>
+  <dgm:styleLbl name="bgSibTrans2D1">
+    <dgm:scene3d>
+      <a:camera prst="orthographicFront"/>
+      <a:lightRig rig="threePt" dir="t"/>
+    </dgm:scene3d>
+    <dgm:sp3d/>
+    <dgm:txPr/>
+    <dgm:style>
+      <a:lnRef idx="0">
+        <a:scrgbClr r="0" g="0" b="0"/>
+      </a:lnRef>
+      <a:fillRef idx="3">
+        <a:scrgbClr r="0" g="0" b="0"/>
+      </a:fillRef>
+      <a:effectRef idx="2">
+        <a:scrgbClr r="0" g="0" b="0"/>
+      </a:effectRef>
+      <a:fontRef idx="minor">
+        <a:schemeClr val="lt1"/>
+      </a:fontRef>
+    </dgm:style>
+  </dgm:styleLbl>
+  <dgm:styleLbl name="sibTrans1D1">
+    <dgm:scene3d>
+      <a:camera prst="orthographicFront"/>
+      <a:lightRig rig="threePt" dir="t"/>
+    </dgm:scene3d>
+    <dgm:sp3d/>
+    <dgm:txPr/>
+    <dgm:style>
+      <a:lnRef idx="1">
+        <a:scrgbClr r="0" g="0" b="0"/>
+      </a:lnRef>
+      <a:fillRef idx="0">
+        <a:scrgbClr r="0" g="0" b="0"/>
+      </a:fillRef>
+      <a:effectRef idx="0">
+        <a:scrgbClr r="0" g="0" b="0"/>
+      </a:effectRef>
+      <a:fontRef idx="minor"/>
+    </dgm:style>
+  </dgm:styleLbl>
+  <dgm:styleLbl name="callout">
+    <dgm:scene3d>
+      <a:camera prst="orthographicFront"/>
+      <a:lightRig rig="threePt" dir="t"/>
+    </dgm:scene3d>
+    <dgm:sp3d/>
+    <dgm:txPr/>
+    <dgm:style>
+      <a:lnRef idx="2">
+        <a:scrgbClr r="0" g="0" b="0"/>
+      </a:lnRef>
+      <a:fillRef idx="1">
+        <a:scrgbClr r="0" g="0" b="0"/>
+      </a:fillRef>
+      <a:effectRef idx="1">
+        <a:scrgbClr r="0" g="0" b="0"/>
+      </a:effectRef>
+      <a:fontRef idx="minor"/>
+    </dgm:style>
+  </dgm:styleLbl>
+  <dgm:styleLbl name="asst0">
+    <dgm:scene3d>
+      <a:camera prst="orthographicFront"/>
+      <a:lightRig rig="threePt" dir="t"/>
+    </dgm:scene3d>
+    <dgm:sp3d/>
+    <dgm:txPr/>
+    <dgm:style>
+      <a:lnRef idx="0">
+        <a:scrgbClr r="0" g="0" b="0"/>
+      </a:lnRef>
+      <a:fillRef idx="3">
+        <a:scrgbClr r="0" g="0" b="0"/>
+      </a:fillRef>
+      <a:effectRef idx="2">
+        <a:scrgbClr r="0" g="0" b="0"/>
+      </a:effectRef>
+      <a:fontRef idx="minor">
+        <a:schemeClr val="lt1"/>
+      </a:fontRef>
+    </dgm:style>
+  </dgm:styleLbl>
+  <dgm:styleLbl name="asst1">
+    <dgm:scene3d>
+      <a:camera prst="orthographicFront"/>
+      <a:lightRig rig="threePt" dir="t"/>
+    </dgm:scene3d>
+    <dgm:sp3d/>
+    <dgm:txPr/>
+    <dgm:style>
+      <a:lnRef idx="0">
+        <a:scrgbClr r="0" g="0" b="0"/>
+      </a:lnRef>
+      <a:fillRef idx="3">
+        <a:scrgbClr r="0" g="0" b="0"/>
+      </a:fillRef>
+      <a:effectRef idx="2">
+        <a:scrgbClr r="0" g="0" b="0"/>
+      </a:effectRef>
+      <a:fontRef idx="minor">
+        <a:schemeClr val="lt1"/>
+      </a:fontRef>
+    </dgm:style>
+  </dgm:styleLbl>
+  <dgm:styleLbl name="asst2">
+    <dgm:scene3d>
+      <a:camera prst="orthographicFront"/>
+      <a:lightRig rig="threePt" dir="t"/>
+    </dgm:scene3d>
+    <dgm:sp3d/>
+    <dgm:txPr/>
+    <dgm:style>
+      <a:lnRef idx="0">
+        <a:scrgbClr r="0" g="0" b="0"/>
+      </a:lnRef>
+      <a:fillRef idx="3">
+        <a:scrgbClr r="0" g="0" b="0"/>
+      </a:fillRef>
+      <a:effectRef idx="2">
+        <a:scrgbClr r="0" g="0" b="0"/>
+      </a:effectRef>
+      <a:fontRef idx="minor">
+        <a:schemeClr val="lt1"/>
+      </a:fontRef>
+    </dgm:style>
+  </dgm:styleLbl>
+  <dgm:styleLbl name="asst3">
+    <dgm:scene3d>
+      <a:camera prst="orthographicFront"/>
+      <a:lightRig rig="threePt" dir="t"/>
+    </dgm:scene3d>
+    <dgm:sp3d/>
+    <dgm:txPr/>
+    <dgm:style>
+      <a:lnRef idx="0">
+        <a:scrgbClr r="0" g="0" b="0"/>
+      </a:lnRef>
+      <a:fillRef idx="3">
+        <a:scrgbClr r="0" g="0" b="0"/>
+      </a:fillRef>
+      <a:effectRef idx="2">
+        <a:scrgbClr r="0" g="0" b="0"/>
+      </a:effectRef>
+      <a:fontRef idx="minor">
+        <a:schemeClr val="lt1"/>
+      </a:fontRef>
+    </dgm:style>
+  </dgm:styleLbl>
+  <dgm:styleLbl name="asst4">
+    <dgm:scene3d>
+      <a:camera prst="orthographicFront"/>
+      <a:lightRig rig="threePt" dir="t"/>
+    </dgm:scene3d>
+    <dgm:sp3d/>
+    <dgm:txPr/>
+    <dgm:style>
+      <a:lnRef idx="0">
+        <a:scrgbClr r="0" g="0" b="0"/>
+      </a:lnRef>
+      <a:fillRef idx="3">
+        <a:scrgbClr r="0" g="0" b="0"/>
+      </a:fillRef>
+      <a:effectRef idx="2">
+        <a:scrgbClr r="0" g="0" b="0"/>
+      </a:effectRef>
+      <a:fontRef idx="minor">
+        <a:schemeClr val="lt1"/>
+      </a:fontRef>
+    </dgm:style>
+  </dgm:styleLbl>
+  <dgm:styleLbl name="parChTrans2D1">
+    <dgm:scene3d>
+      <a:camera prst="orthographicFront"/>
+      <a:lightRig rig="threePt" dir="t"/>
+    </dgm:scene3d>
+    <dgm:sp3d/>
+    <dgm:txPr/>
+    <dgm:style>
+      <a:lnRef idx="0">
+        <a:scrgbClr r="0" g="0" b="0"/>
+      </a:lnRef>
+      <a:fillRef idx="3">
+        <a:scrgbClr r="0" g="0" b="0"/>
+      </a:fillRef>
+      <a:effectRef idx="2">
+        <a:scrgbClr r="0" g="0" b="0"/>
+      </a:effectRef>
+      <a:fontRef idx="minor">
+        <a:schemeClr val="lt1"/>
+      </a:fontRef>
+    </dgm:style>
+  </dgm:styleLbl>
+  <dgm:styleLbl name="parChTrans2D2">
+    <dgm:scene3d>
+      <a:camera prst="orthographicFront"/>
+      <a:lightRig rig="threePt" dir="t"/>
+    </dgm:scene3d>
+    <dgm:sp3d/>
+    <dgm:txPr/>
+    <dgm:style>
+      <a:lnRef idx="0">
+        <a:scrgbClr r="0" g="0" b="0"/>
+      </a:lnRef>
+      <a:fillRef idx="3">
+        <a:scrgbClr r="0" g="0" b="0"/>
+      </a:fillRef>
+      <a:effectRef idx="2">
+        <a:scrgbClr r="0" g="0" b="0"/>
+      </a:effectRef>
+      <a:fontRef idx="minor">
+        <a:schemeClr val="lt1"/>
+      </a:fontRef>
+    </dgm:style>
+  </dgm:styleLbl>
+  <dgm:styleLbl name="parChTrans2D3">
+    <dgm:scene3d>
+      <a:camera prst="orthographicFront"/>
+      <a:lightRig rig="threePt" dir="t"/>
+    </dgm:scene3d>
+    <dgm:sp3d/>
+    <dgm:txPr/>
+    <dgm:style>
+      <a:lnRef idx="1">
+        <a:scrgbClr r="0" g="0" b="0"/>
+      </a:lnRef>
+      <a:fillRef idx="3">
+        <a:scrgbClr r="0" g="0" b="0"/>
+      </a:fillRef>
+      <a:effectRef idx="2">
+        <a:scrgbClr r="0" g="0" b="0"/>
+      </a:effectRef>
+      <a:fontRef idx="minor">
+        <a:schemeClr val="lt1"/>
+      </a:fontRef>
+    </dgm:style>
+  </dgm:styleLbl>
+  <dgm:styleLbl name="parChTrans2D4">
+    <dgm:scene3d>
+      <a:camera prst="orthographicFront"/>
+      <a:lightRig rig="threePt" dir="t"/>
+    </dgm:scene3d>
+    <dgm:sp3d/>
+    <dgm:txPr/>
+    <dgm:style>
+      <a:lnRef idx="1">
+        <a:scrgbClr r="0" g="0" b="0"/>
+      </a:lnRef>
+      <a:fillRef idx="3">
+        <a:scrgbClr r="0" g="0" b="0"/>
+      </a:fillRef>
+      <a:effectRef idx="2">
+        <a:scrgbClr r="0" g="0" b="0"/>
+      </a:effectRef>
+      <a:fontRef idx="minor">
+        <a:schemeClr val="lt1"/>
+      </a:fontRef>
+    </dgm:style>
+  </dgm:styleLbl>
+  <dgm:styleLbl name="parChTrans1D1">
+    <dgm:scene3d>
+      <a:camera prst="orthographicFront"/>
+      <a:lightRig rig="threePt" dir="t"/>
+    </dgm:scene3d>
+    <dgm:sp3d/>
+    <dgm:txPr/>
+    <dgm:style>
+      <a:lnRef idx="1">
+        <a:scrgbClr r="0" g="0" b="0"/>
+      </a:lnRef>
+      <a:fillRef idx="0">
+        <a:scrgbClr r="0" g="0" b="0"/>
+      </a:fillRef>
+      <a:effectRef idx="0">
+        <a:scrgbClr r="0" g="0" b="0"/>
+      </a:effectRef>
+      <a:fontRef idx="minor"/>
+    </dgm:style>
+  </dgm:styleLbl>
+  <dgm:styleLbl name="parChTrans1D2">
+    <dgm:scene3d>
+      <a:camera prst="orthographicFront"/>
+      <a:lightRig rig="threePt" dir="t"/>
+    </dgm:scene3d>
+    <dgm:sp3d/>
+    <dgm:txPr/>
+    <dgm:style>
+      <a:lnRef idx="1">
+        <a:scrgbClr r="0" g="0" b="0"/>
+      </a:lnRef>
+      <a:fillRef idx="0">
+        <a:scrgbClr r="0" g="0" b="0"/>
+      </a:fillRef>
+      <a:effectRef idx="0">
+        <a:scrgbClr r="0" g="0" b="0"/>
+      </a:effectRef>
+      <a:fontRef idx="minor"/>
+    </dgm:style>
+  </dgm:styleLbl>
+  <dgm:styleLbl name="parChTrans1D3">
+    <dgm:scene3d>
+      <a:camera prst="orthographicFront"/>
+      <a:lightRig rig="threePt" dir="t"/>
+    </dgm:scene3d>
+    <dgm:sp3d/>
+    <dgm:txPr/>
+    <dgm:style>
+      <a:lnRef idx="1">
+        <a:scrgbClr r="0" g="0" b="0"/>
+      </a:lnRef>
+      <a:fillRef idx="0">
+        <a:scrgbClr r="0" g="0" b="0"/>
+      </a:fillRef>
+      <a:effectRef idx="0">
+        <a:scrgbClr r="0" g="0" b="0"/>
+      </a:effectRef>
+      <a:fontRef idx="minor"/>
+    </dgm:style>
+  </dgm:styleLbl>
+  <dgm:styleLbl name="parChTrans1D4">
+    <dgm:scene3d>
+      <a:camera prst="orthographicFront"/>
+      <a:lightRig rig="threePt" dir="t"/>
+    </dgm:scene3d>
+    <dgm:sp3d/>
+    <dgm:txPr/>
+    <dgm:style>
+      <a:lnRef idx="1">
+        <a:scrgbClr r="0" g="0" b="0"/>
+      </a:lnRef>
+      <a:fillRef idx="0">
+        <a:scrgbClr r="0" g="0" b="0"/>
+      </a:fillRef>
+      <a:effectRef idx="0">
+        <a:scrgbClr r="0" g="0" b="0"/>
+      </a:effectRef>
+      <a:fontRef idx="minor"/>
+    </dgm:style>
+  </dgm:styleLbl>
+  <dgm:styleLbl name="fgAcc1">
+    <dgm:scene3d>
+      <a:camera prst="orthographicFront"/>
+      <a:lightRig rig="threePt" dir="t"/>
+    </dgm:scene3d>
+    <dgm:sp3d/>
+    <dgm:txPr/>
+    <dgm:style>
+      <a:lnRef idx="1">
+        <a:scrgbClr r="0" g="0" b="0"/>
+      </a:lnRef>
+      <a:fillRef idx="1">
+        <a:scrgbClr r="0" g="0" b="0"/>
+      </a:fillRef>
+      <a:effectRef idx="0">
+        <a:scrgbClr r="0" g="0" b="0"/>
+      </a:effectRef>
+      <a:fontRef idx="minor"/>
+    </dgm:style>
+  </dgm:styleLbl>
+  <dgm:styleLbl name="conFgAcc1">
+    <dgm:scene3d>
+      <a:camera prst="orthographicFront"/>
+      <a:lightRig rig="threePt" dir="t"/>
+    </dgm:scene3d>
+    <dgm:sp3d/>
+    <dgm:txPr/>
+    <dgm:style>
+      <a:lnRef idx="1">
+        <a:scrgbClr r="0" g="0" b="0"/>
+      </a:lnRef>
+      <a:fillRef idx="1">
+        <a:scrgbClr r="0" g="0" b="0"/>
+      </a:fillRef>
+      <a:effectRef idx="0">
+        <a:scrgbClr r="0" g="0" b="0"/>
+      </a:effectRef>
+      <a:fontRef idx="minor"/>
+    </dgm:style>
+  </dgm:styleLbl>
+  <dgm:styleLbl name="alignAcc1">
+    <dgm:scene3d>
+      <a:camera prst="orthographicFront"/>
+      <a:lightRig rig="threePt" dir="t"/>
+    </dgm:scene3d>
+    <dgm:sp3d/>
+    <dgm:txPr/>
+    <dgm:style>
+      <a:lnRef idx="1">
+        <a:scrgbClr r="0" g="0" b="0"/>
+      </a:lnRef>
+      <a:fillRef idx="1">
+        <a:scrgbClr r="0" g="0" b="0"/>
+      </a:fillRef>
+      <a:effectRef idx="0">
+        <a:scrgbClr r="0" g="0" b="0"/>
+      </a:effectRef>
+      <a:fontRef idx="minor"/>
+    </dgm:style>
+  </dgm:styleLbl>
+  <dgm:styleLbl name="trAlignAcc1">
+    <dgm:scene3d>
+      <a:camera prst="orthographicFront"/>
+      <a:lightRig rig="threePt" dir="t"/>
+    </dgm:scene3d>
+    <dgm:sp3d/>
+    <dgm:txPr/>
+    <dgm:style>
+      <a:lnRef idx="1">
+        <a:scrgbClr r="0" g="0" b="0"/>
+      </a:lnRef>
+      <a:fillRef idx="1">
+        <a:scrgbClr r="0" g="0" b="0"/>
+      </a:fillRef>
+      <a:effectRef idx="0">
+        <a:scrgbClr r="0" g="0" b="0"/>
+      </a:effectRef>
+      <a:fontRef idx="minor"/>
+    </dgm:style>
+  </dgm:styleLbl>
+  <dgm:styleLbl name="bgAcc1">
+    <dgm:scene3d>
+      <a:camera prst="orthographicFront"/>
+      <a:lightRig rig="threePt" dir="t"/>
+    </dgm:scene3d>
+    <dgm:sp3d/>
+    <dgm:txPr/>
+    <dgm:style>
+      <a:lnRef idx="1">
+        <a:scrgbClr r="0" g="0" b="0"/>
+      </a:lnRef>
+      <a:fillRef idx="1">
+        <a:scrgbClr r="0" g="0" b="0"/>
+      </a:fillRef>
+      <a:effectRef idx="0">
+        <a:scrgbClr r="0" g="0" b="0"/>
+      </a:effectRef>
+      <a:fontRef idx="minor"/>
+    </dgm:style>
+  </dgm:styleLbl>
+  <dgm:styleLbl name="solidFgAcc1">
+    <dgm:scene3d>
+      <a:camera prst="orthographicFront"/>
+      <a:lightRig rig="threePt" dir="t"/>
+    </dgm:scene3d>
+    <dgm:sp3d/>
+    <dgm:txPr/>
+    <dgm:style>
+      <a:lnRef idx="1">
+        <a:scrgbClr r="0" g="0" b="0"/>
+      </a:lnRef>
+      <a:fillRef idx="1">
+        <a:scrgbClr r="0" g="0" b="0"/>
+      </a:fillRef>
+      <a:effectRef idx="0">
+        <a:scrgbClr r="0" g="0" b="0"/>
+      </a:effectRef>
+      <a:fontRef idx="minor"/>
+    </dgm:style>
+  </dgm:styleLbl>
+  <dgm:styleLbl name="solidAlignAcc1">
+    <dgm:scene3d>
+      <a:camera prst="orthographicFront"/>
+      <a:lightRig rig="threePt" dir="t"/>
+    </dgm:scene3d>
+    <dgm:sp3d/>
+    <dgm:txPr/>
+    <dgm:style>
+      <a:lnRef idx="1">
+        <a:scrgbClr r="0" g="0" b="0"/>
+      </a:lnRef>
+      <a:fillRef idx="1">
+        <a:scrgbClr r="0" g="0" b="0"/>
+      </a:fillRef>
+      <a:effectRef idx="0">
+        <a:scrgbClr r="0" g="0" b="0"/>
+      </a:effectRef>
+      <a:fontRef idx="minor"/>
+    </dgm:style>
+  </dgm:styleLbl>
+  <dgm:styleLbl name="solidBgAcc1">
+    <dgm:scene3d>
+      <a:camera prst="orthographicFront"/>
+      <a:lightRig rig="threePt" dir="t"/>
+    </dgm:scene3d>
+    <dgm:sp3d/>
+    <dgm:txPr/>
+    <dgm:style>
+      <a:lnRef idx="1">
+        <a:scrgbClr r="0" g="0" b="0"/>
+      </a:lnRef>
+      <a:fillRef idx="1">
+        <a:scrgbClr r="0" g="0" b="0"/>
+      </a:fillRef>
+      <a:effectRef idx="0">
+        <a:scrgbClr r="0" g="0" b="0"/>
+      </a:effectRef>
+      <a:fontRef idx="minor"/>
+    </dgm:style>
+  </dgm:styleLbl>
+  <dgm:styleLbl name="fgAccFollowNode1">
+    <dgm:scene3d>
+      <a:camera prst="orthographicFront"/>
+      <a:lightRig rig="threePt" dir="t"/>
+    </dgm:scene3d>
+    <dgm:sp3d/>
+    <dgm:txPr/>
+    <dgm:style>
+      <a:lnRef idx="1">
+        <a:scrgbClr r="0" g="0" b="0"/>
+      </a:lnRef>
+      <a:fillRef idx="1">
+        <a:scrgbClr r="0" g="0" b="0"/>
+      </a:fillRef>
+      <a:effectRef idx="0">
+        <a:scrgbClr r="0" g="0" b="0"/>
+      </a:effectRef>
+      <a:fontRef idx="minor"/>
+    </dgm:style>
+  </dgm:styleLbl>
+  <dgm:styleLbl name="alignAccFollowNode1">
+    <dgm:scene3d>
+      <a:camera prst="orthographicFront"/>
+      <a:lightRig rig="threePt" dir="t"/>
+    </dgm:scene3d>
+    <dgm:sp3d/>
+    <dgm:txPr/>
+    <dgm:style>
+      <a:lnRef idx="1">
+        <a:scrgbClr r="0" g="0" b="0"/>
+      </a:lnRef>
+      <a:fillRef idx="1">
+        <a:scrgbClr r="0" g="0" b="0"/>
+      </a:fillRef>
+      <a:effectRef idx="0">
+        <a:scrgbClr r="0" g="0" b="0"/>
+      </a:effectRef>
+      <a:fontRef idx="minor"/>
+    </dgm:style>
+  </dgm:styleLbl>
+  <dgm:styleLbl name="bgAccFollowNode1">
+    <dgm:scene3d>
+      <a:camera prst="orthographicFront"/>
+      <a:lightRig rig="threePt" dir="t"/>
+    </dgm:scene3d>
+    <dgm:sp3d/>
+    <dgm:txPr/>
+    <dgm:style>
+      <a:lnRef idx="1">
+        <a:scrgbClr r="0" g="0" b="0"/>
+      </a:lnRef>
+      <a:fillRef idx="1">
+        <a:scrgbClr r="0" g="0" b="0"/>
+      </a:fillRef>
+      <a:effectRef idx="0">
+        <a:scrgbClr r="0" g="0" b="0"/>
+      </a:effectRef>
+      <a:fontRef idx="minor"/>
+    </dgm:style>
+  </dgm:styleLbl>
+  <dgm:styleLbl name="fgAcc0">
+    <dgm:scene3d>
+      <a:camera prst="orthographicFront"/>
+      <a:lightRig rig="threePt" dir="t"/>
+    </dgm:scene3d>
+    <dgm:sp3d/>
+    <dgm:txPr/>
+    <dgm:style>
+      <a:lnRef idx="1">
+        <a:scrgbClr r="0" g="0" b="0"/>
+      </a:lnRef>
+      <a:fillRef idx="1">
+        <a:scrgbClr r="0" g="0" b="0"/>
+      </a:fillRef>
+      <a:effectRef idx="0">
+        <a:scrgbClr r="0" g="0" b="0"/>
+      </a:effectRef>
+      <a:fontRef idx="minor"/>
+    </dgm:style>
+  </dgm:styleLbl>
+  <dgm:styleLbl name="fgAcc2">
+    <dgm:scene3d>
+      <a:camera prst="orthographicFront"/>
+      <a:lightRig rig="threePt" dir="t"/>
+    </dgm:scene3d>
+    <dgm:sp3d/>
+    <dgm:txPr/>
+    <dgm:style>
+      <a:lnRef idx="1">
+        <a:scrgbClr r="0" g="0" b="0"/>
+      </a:lnRef>
+      <a:fillRef idx="1">
+        <a:scrgbClr r="0" g="0" b="0"/>
+      </a:fillRef>
+      <a:effectRef idx="0">
+        <a:scrgbClr r="0" g="0" b="0"/>
+      </a:effectRef>
+      <a:fontRef idx="minor"/>
+    </dgm:style>
+  </dgm:styleLbl>
+  <dgm:styleLbl name="fgAcc3">
+    <dgm:scene3d>
+      <a:camera prst="orthographicFront"/>
+      <a:lightRig rig="threePt" dir="t"/>
+    </dgm:scene3d>
+    <dgm:sp3d/>
+    <dgm:txPr/>
+    <dgm:style>
+      <a:lnRef idx="1">
+        <a:scrgbClr r="0" g="0" b="0"/>
+      </a:lnRef>
+      <a:fillRef idx="1">
+        <a:scrgbClr r="0" g="0" b="0"/>
+      </a:fillRef>
+      <a:effectRef idx="0">
+        <a:scrgbClr r="0" g="0" b="0"/>
+      </a:effectRef>
+      <a:fontRef idx="minor"/>
+    </dgm:style>
+  </dgm:styleLbl>
+  <dgm:styleLbl name="fgAcc4">
+    <dgm:scene3d>
+      <a:camera prst="orthographicFront"/>
+      <a:lightRig rig="threePt" dir="t"/>
+    </dgm:scene3d>
+    <dgm:sp3d/>
+    <dgm:txPr/>
+    <dgm:style>
+      <a:lnRef idx="1">
+        <a:scrgbClr r="0" g="0" b="0"/>
+      </a:lnRef>
+      <a:fillRef idx="1">
+        <a:scrgbClr r="0" g="0" b="0"/>
+      </a:fillRef>
+      <a:effectRef idx="0">
+        <a:scrgbClr r="0" g="0" b="0"/>
+      </a:effectRef>
+      <a:fontRef idx="minor"/>
+    </dgm:style>
+  </dgm:styleLbl>
+  <dgm:styleLbl name="bgShp">
+    <dgm:scene3d>
+      <a:camera prst="orthographicFront"/>
+      <a:lightRig rig="threePt" dir="t"/>
+    </dgm:scene3d>
+    <dgm:sp3d/>
+    <dgm:txPr/>
+    <dgm:style>
+      <a:lnRef idx="0">
+        <a:scrgbClr r="0" g="0" b="0"/>
+      </a:lnRef>
+      <a:fillRef idx="1">
+        <a:scrgbClr r="0" g="0" b="0"/>
+      </a:fillRef>
+      <a:effectRef idx="2">
+        <a:scrgbClr r="0" g="0" b="0"/>
+      </a:effectRef>
+      <a:fontRef idx="minor"/>
+    </dgm:style>
+  </dgm:styleLbl>
+  <dgm:styleLbl name="dkBgShp">
+    <dgm:scene3d>
+      <a:camera prst="orthographicFront"/>
+      <a:lightRig rig="threePt" dir="t"/>
+    </dgm:scene3d>
+    <dgm:sp3d/>
+    <dgm:txPr/>
+    <dgm:style>
+      <a:lnRef idx="0">
+        <a:scrgbClr r="0" g="0" b="0"/>
+      </a:lnRef>
+      <a:fillRef idx="1">
+        <a:scrgbClr r="0" g="0" b="0"/>
+      </a:fillRef>
+      <a:effectRef idx="2">
+        <a:scrgbClr r="0" g="0" b="0"/>
+      </a:effectRef>
+      <a:fontRef idx="minor"/>
+    </dgm:style>
+  </dgm:styleLbl>
+  <dgm:styleLbl name="trBgShp">
+    <dgm:scene3d>
+      <a:camera prst="orthographicFront"/>
+      <a:lightRig rig="threePt" dir="t"/>
+    </dgm:scene3d>
+    <dgm:sp3d/>
+    <dgm:txPr/>
+    <dgm:style>
+      <a:lnRef idx="0">
+        <a:scrgbClr r="0" g="0" b="0"/>
+      </a:lnRef>
+      <a:fillRef idx="1">
+        <a:scrgbClr r="0" g="0" b="0"/>
+      </a:fillRef>
+      <a:effectRef idx="0">
+        <a:scrgbClr r="0" g="0" b="0"/>
+      </a:effectRef>
+      <a:fontRef idx="minor"/>
+    </dgm:style>
+  </dgm:styleLbl>
+  <dgm:styleLbl name="fgShp">
+    <dgm:scene3d>
+      <a:camera prst="orthographicFront"/>
+      <a:lightRig rig="threePt" dir="t"/>
+    </dgm:scene3d>
+    <dgm:sp3d/>
+    <dgm:txPr/>
+    <dgm:style>
+      <a:lnRef idx="0">
+        <a:scrgbClr r="0" g="0" b="0"/>
+      </a:lnRef>
+      <a:fillRef idx="3">
+        <a:scrgbClr r="0" g="0" b="0"/>
+      </a:fillRef>
+      <a:effectRef idx="2">
+        <a:scrgbClr r="0" g="0" b="0"/>
+      </a:effectRef>
+      <a:fontRef idx="minor"/>
+    </dgm:style>
+  </dgm:styleLbl>
+  <dgm:styleLbl name="revTx">
+    <dgm:scene3d>
+      <a:camera prst="orthographicFront"/>
+      <a:lightRig rig="threePt" dir="t"/>
+    </dgm:scene3d>
+    <dgm:sp3d/>
+    <dgm:txPr/>
+    <dgm:style>
+      <a:lnRef idx="0">
+        <a:scrgbClr r="0" g="0" b="0"/>
+      </a:lnRef>
+      <a:fillRef idx="0">
+        <a:scrgbClr r="0" g="0" b="0"/>
+      </a:fillRef>
+      <a:effectRef idx="0">
+        <a:scrgbClr r="0" g="0" b="0"/>
+      </a:effectRef>
+      <a:fontRef idx="minor"/>
+    </dgm:style>
+  </dgm:styleLbl>
+</dgm:styleDef>
+</file>
+
+<file path=ppt/diagrams/quickStyle2.xml><?xml version="1.0" encoding="utf-8"?>
+<dgm:styleDef xmlns:dgm="http://schemas.openxmlformats.org/drawingml/2006/diagram" xmlns:a="http://schemas.openxmlformats.org/drawingml/2006/main" uniqueId="urn:microsoft.com/office/officeart/2005/8/quickstyle/simple1#1">
   <dgm:title val=""/>
   <dgm:desc val=""/>
   <dgm:catLst>
@@ -4702,6 +8770,7 @@
       <a:camera prst="orthographicFront"/>
       <a:lightRig rig="threePt" dir="t"/>
     </dgm:scene3d>
+    <dgm:sp3d/>
     <dgm:txPr/>
     <dgm:style>
       <a:lnRef idx="2">
@@ -4721,6 +8790,7 @@
       <a:camera prst="orthographicFront"/>
       <a:lightRig rig="threePt" dir="t"/>
     </dgm:scene3d>
+    <dgm:sp3d/>
     <dgm:txPr/>
     <dgm:style>
       <a:lnRef idx="2">
@@ -4740,6 +8810,7 @@
       <a:camera prst="orthographicFront"/>
       <a:lightRig rig="threePt" dir="t"/>
     </dgm:scene3d>
+    <dgm:sp3d/>
     <dgm:txPr/>
     <dgm:style>
       <a:lnRef idx="2">
@@ -4759,6 +8830,7 @@
       <a:camera prst="orthographicFront"/>
       <a:lightRig rig="threePt" dir="t"/>
     </dgm:scene3d>
+    <dgm:sp3d/>
     <dgm:txPr/>
     <dgm:style>
       <a:lnRef idx="2">
@@ -4780,6 +8852,7 @@
       <a:camera prst="orthographicFront"/>
       <a:lightRig rig="threePt" dir="t"/>
     </dgm:scene3d>
+    <dgm:sp3d/>
     <dgm:txPr/>
     <dgm:style>
       <a:lnRef idx="2">
@@ -4801,6 +8874,7 @@
       <a:camera prst="orthographicFront"/>
       <a:lightRig rig="threePt" dir="t"/>
     </dgm:scene3d>
+    <dgm:sp3d/>
     <dgm:txPr/>
     <dgm:style>
       <a:lnRef idx="2">
@@ -4822,6 +8896,7 @@
       <a:camera prst="orthographicFront"/>
       <a:lightRig rig="threePt" dir="t"/>
     </dgm:scene3d>
+    <dgm:sp3d/>
     <dgm:txPr/>
     <dgm:style>
       <a:lnRef idx="2">
@@ -4843,6 +8918,7 @@
       <a:camera prst="orthographicFront"/>
       <a:lightRig rig="threePt" dir="t"/>
     </dgm:scene3d>
+    <dgm:sp3d/>
     <dgm:txPr/>
     <dgm:style>
       <a:lnRef idx="2">
@@ -4864,6 +8940,7 @@
       <a:camera prst="orthographicFront"/>
       <a:lightRig rig="threePt" dir="t"/>
     </dgm:scene3d>
+    <dgm:sp3d/>
     <dgm:txPr/>
     <dgm:style>
       <a:lnRef idx="2">
@@ -4885,6 +8962,7 @@
       <a:camera prst="orthographicFront"/>
       <a:lightRig rig="threePt" dir="t"/>
     </dgm:scene3d>
+    <dgm:sp3d/>
     <dgm:txPr/>
     <dgm:style>
       <a:lnRef idx="2">
@@ -4904,6 +8982,7 @@
       <a:camera prst="orthographicFront"/>
       <a:lightRig rig="threePt" dir="t"/>
     </dgm:scene3d>
+    <dgm:sp3d/>
     <dgm:txPr/>
     <dgm:style>
       <a:lnRef idx="2">
@@ -4923,6 +9002,7 @@
       <a:camera prst="orthographicFront"/>
       <a:lightRig rig="threePt" dir="t"/>
     </dgm:scene3d>
+    <dgm:sp3d/>
     <dgm:txPr/>
     <dgm:style>
       <a:lnRef idx="2">
@@ -4942,6 +9022,7 @@
       <a:camera prst="orthographicFront"/>
       <a:lightRig rig="threePt" dir="t"/>
     </dgm:scene3d>
+    <dgm:sp3d/>
     <dgm:txPr/>
     <dgm:style>
       <a:lnRef idx="0">
@@ -4961,6 +9042,7 @@
       <a:camera prst="orthographicFront"/>
       <a:lightRig rig="threePt" dir="t"/>
     </dgm:scene3d>
+    <dgm:sp3d/>
     <dgm:txPr/>
     <dgm:style>
       <a:lnRef idx="0">
@@ -4982,6 +9064,7 @@
       <a:camera prst="orthographicFront"/>
       <a:lightRig rig="threePt" dir="t"/>
     </dgm:scene3d>
+    <dgm:sp3d/>
     <dgm:txPr/>
     <dgm:style>
       <a:lnRef idx="2">
@@ -5001,6 +9084,7 @@
       <a:camera prst="orthographicFront"/>
       <a:lightRig rig="threePt" dir="t"/>
     </dgm:scene3d>
+    <dgm:sp3d/>
     <dgm:txPr/>
     <dgm:style>
       <a:lnRef idx="2">
@@ -5020,6 +9104,7 @@
       <a:camera prst="orthographicFront"/>
       <a:lightRig rig="threePt" dir="t"/>
     </dgm:scene3d>
+    <dgm:sp3d/>
     <dgm:txPr/>
     <dgm:style>
       <a:lnRef idx="0">
@@ -5039,6 +9124,7 @@
       <a:camera prst="orthographicFront"/>
       <a:lightRig rig="threePt" dir="t"/>
     </dgm:scene3d>
+    <dgm:sp3d/>
     <dgm:txPr/>
     <dgm:style>
       <a:lnRef idx="2">
@@ -5058,6 +9144,7 @@
       <a:camera prst="orthographicFront"/>
       <a:lightRig rig="threePt" dir="t"/>
     </dgm:scene3d>
+    <dgm:sp3d/>
     <dgm:txPr/>
     <dgm:style>
       <a:lnRef idx="2">
@@ -5077,6 +9164,7 @@
       <a:camera prst="orthographicFront"/>
       <a:lightRig rig="threePt" dir="t"/>
     </dgm:scene3d>
+    <dgm:sp3d/>
     <dgm:txPr/>
     <dgm:style>
       <a:lnRef idx="2">
@@ -5096,6 +9184,7 @@
       <a:camera prst="orthographicFront"/>
       <a:lightRig rig="threePt" dir="t"/>
     </dgm:scene3d>
+    <dgm:sp3d/>
     <dgm:txPr/>
     <dgm:style>
       <a:lnRef idx="2">
@@ -5115,6 +9204,7 @@
       <a:camera prst="orthographicFront"/>
       <a:lightRig rig="threePt" dir="t"/>
     </dgm:scene3d>
+    <dgm:sp3d/>
     <dgm:txPr/>
     <dgm:style>
       <a:lnRef idx="2">
@@ -5134,6 +9224,7 @@
       <a:camera prst="orthographicFront"/>
       <a:lightRig rig="threePt" dir="t"/>
     </dgm:scene3d>
+    <dgm:sp3d/>
     <dgm:txPr/>
     <dgm:style>
       <a:lnRef idx="2">
@@ -5153,6 +9244,7 @@
       <a:camera prst="orthographicFront"/>
       <a:lightRig rig="threePt" dir="t"/>
     </dgm:scene3d>
+    <dgm:sp3d/>
     <dgm:txPr/>
     <dgm:style>
       <a:lnRef idx="2">
@@ -5172,6 +9264,7 @@
       <a:camera prst="orthographicFront"/>
       <a:lightRig rig="threePt" dir="t"/>
     </dgm:scene3d>
+    <dgm:sp3d/>
     <dgm:txPr/>
     <dgm:style>
       <a:lnRef idx="2">
@@ -5191,6 +9284,7 @@
       <a:camera prst="orthographicFront"/>
       <a:lightRig rig="threePt" dir="t"/>
     </dgm:scene3d>
+    <dgm:sp3d/>
     <dgm:txPr/>
     <dgm:style>
       <a:lnRef idx="0">
@@ -5212,6 +9306,7 @@
       <a:camera prst="orthographicFront"/>
       <a:lightRig rig="threePt" dir="t"/>
     </dgm:scene3d>
+    <dgm:sp3d/>
     <dgm:txPr/>
     <dgm:style>
       <a:lnRef idx="2">
@@ -5233,6 +9328,7 @@
       <a:camera prst="orthographicFront"/>
       <a:lightRig rig="threePt" dir="t"/>
     </dgm:scene3d>
+    <dgm:sp3d/>
     <dgm:txPr/>
     <dgm:style>
       <a:lnRef idx="2">
@@ -5254,6 +9350,7 @@
       <a:camera prst="orthographicFront"/>
       <a:lightRig rig="threePt" dir="t"/>
     </dgm:scene3d>
+    <dgm:sp3d/>
     <dgm:txPr/>
     <dgm:style>
       <a:lnRef idx="2">
@@ -5275,6 +9372,7 @@
       <a:camera prst="orthographicFront"/>
       <a:lightRig rig="threePt" dir="t"/>
     </dgm:scene3d>
+    <dgm:sp3d/>
     <dgm:txPr/>
     <dgm:style>
       <a:lnRef idx="2">
@@ -5296,6 +9394,7 @@
       <a:camera prst="orthographicFront"/>
       <a:lightRig rig="threePt" dir="t"/>
     </dgm:scene3d>
+    <dgm:sp3d/>
     <dgm:txPr/>
     <dgm:style>
       <a:lnRef idx="2">
@@ -5317,6 +9416,7 @@
       <a:camera prst="orthographicFront"/>
       <a:lightRig rig="threePt" dir="t"/>
     </dgm:scene3d>
+    <dgm:sp3d/>
     <dgm:txPr/>
     <dgm:style>
       <a:lnRef idx="2">
@@ -5338,6 +9438,7 @@
       <a:camera prst="orthographicFront"/>
       <a:lightRig rig="threePt" dir="t"/>
     </dgm:scene3d>
+    <dgm:sp3d/>
     <dgm:txPr/>
     <dgm:style>
       <a:lnRef idx="2">
@@ -5357,6 +9458,7 @@
       <a:camera prst="orthographicFront"/>
       <a:lightRig rig="threePt" dir="t"/>
     </dgm:scene3d>
+    <dgm:sp3d/>
     <dgm:txPr/>
     <dgm:style>
       <a:lnRef idx="2">
@@ -5376,6 +9478,7 @@
       <a:camera prst="orthographicFront"/>
       <a:lightRig rig="threePt" dir="t"/>
     </dgm:scene3d>
+    <dgm:sp3d/>
     <dgm:txPr/>
     <dgm:style>
       <a:lnRef idx="2">
@@ -5395,6 +9498,7 @@
       <a:camera prst="orthographicFront"/>
       <a:lightRig rig="threePt" dir="t"/>
     </dgm:scene3d>
+    <dgm:sp3d/>
     <dgm:txPr/>
     <dgm:style>
       <a:lnRef idx="2">
@@ -5414,6 +9518,7 @@
       <a:camera prst="orthographicFront"/>
       <a:lightRig rig="threePt" dir="t"/>
     </dgm:scene3d>
+    <dgm:sp3d/>
     <dgm:txPr/>
     <dgm:style>
       <a:lnRef idx="2">
@@ -5435,6 +9540,7 @@
       <a:camera prst="orthographicFront"/>
       <a:lightRig rig="threePt" dir="t"/>
     </dgm:scene3d>
+    <dgm:sp3d/>
     <dgm:txPr/>
     <dgm:style>
       <a:lnRef idx="2">
@@ -5456,6 +9562,7 @@
       <a:camera prst="orthographicFront"/>
       <a:lightRig rig="threePt" dir="t"/>
     </dgm:scene3d>
+    <dgm:sp3d/>
     <dgm:txPr/>
     <dgm:style>
       <a:lnRef idx="2">
@@ -5477,6 +9584,7 @@
       <a:camera prst="orthographicFront"/>
       <a:lightRig rig="threePt" dir="t"/>
     </dgm:scene3d>
+    <dgm:sp3d/>
     <dgm:txPr/>
     <dgm:style>
       <a:lnRef idx="2">
@@ -5498,6 +9606,7 @@
       <a:camera prst="orthographicFront"/>
       <a:lightRig rig="threePt" dir="t"/>
     </dgm:scene3d>
+    <dgm:sp3d/>
     <dgm:txPr/>
     <dgm:style>
       <a:lnRef idx="0">
@@ -5517,6 +9626,7 @@
       <a:camera prst="orthographicFront"/>
       <a:lightRig rig="threePt" dir="t"/>
     </dgm:scene3d>
+    <dgm:sp3d/>
     <dgm:txPr/>
     <dgm:style>
       <a:lnRef idx="1">
@@ -5536,6 +9646,7 @@
       <a:camera prst="orthographicFront"/>
       <a:lightRig rig="threePt" dir="t"/>
     </dgm:scene3d>
+    <dgm:sp3d/>
     <dgm:txPr/>
     <dgm:style>
       <a:lnRef idx="0">
@@ -5557,6 +9668,7 @@
       <a:camera prst="orthographicFront"/>
       <a:lightRig rig="threePt" dir="t"/>
     </dgm:scene3d>
+    <dgm:sp3d/>
     <dgm:txPr/>
     <dgm:style>
       <a:lnRef idx="2">
@@ -5576,6 +9688,7 @@
       <a:camera prst="orthographicFront"/>
       <a:lightRig rig="threePt" dir="t"/>
     </dgm:scene3d>
+    <dgm:sp3d/>
     <dgm:txPr/>
     <dgm:style>
       <a:lnRef idx="2">
@@ -5595,6 +9708,7 @@
       <a:camera prst="orthographicFront"/>
       <a:lightRig rig="threePt" dir="t"/>
     </dgm:scene3d>
+    <dgm:sp3d/>
     <dgm:txPr/>
     <dgm:style>
       <a:lnRef idx="2">
@@ -5614,6 +9728,7 @@
       <a:camera prst="orthographicFront"/>
       <a:lightRig rig="threePt" dir="t"/>
     </dgm:scene3d>
+    <dgm:sp3d/>
     <dgm:txPr/>
     <dgm:style>
       <a:lnRef idx="1">
@@ -5633,6 +9748,7 @@
       <a:camera prst="orthographicFront"/>
       <a:lightRig rig="threePt" dir="t"/>
     </dgm:scene3d>
+    <dgm:sp3d/>
     <dgm:txPr/>
     <dgm:style>
       <a:lnRef idx="0">
@@ -5652,6 +9768,7 @@
       <a:camera prst="orthographicFront"/>
       <a:lightRig rig="threePt" dir="t"/>
     </dgm:scene3d>
+    <dgm:sp3d/>
     <dgm:txPr/>
     <dgm:style>
       <a:lnRef idx="2">
@@ -5753,6 +9870,7 @@
           <a:p>
             <a:fld id="{EB5F2A4E-D34B-4806-99A1-02910183DDE4}" type="datetimeFigureOut">
               <a:rPr lang="zh-CN" altLang="en-US" smtClean="0"/>
+              <a:t>2019/9/6</a:t>
             </a:fld>
             <a:endParaRPr lang="zh-CN" altLang="en-US"/>
           </a:p>
@@ -5819,7 +9937,6 @@
               <a:rPr lang="zh-CN" altLang="en-US"/>
               <a:t>编辑母版文本样式</a:t>
             </a:r>
-            <a:endParaRPr lang="zh-CN" altLang="en-US"/>
           </a:p>
           <a:p>
             <a:pPr lvl="1"/>
@@ -5827,7 +9944,6 @@
               <a:rPr lang="zh-CN" altLang="en-US"/>
               <a:t>第二级</a:t>
             </a:r>
-            <a:endParaRPr lang="zh-CN" altLang="en-US"/>
           </a:p>
           <a:p>
             <a:pPr lvl="2"/>
@@ -5835,7 +9951,6 @@
               <a:rPr lang="zh-CN" altLang="en-US"/>
               <a:t>第三级</a:t>
             </a:r>
-            <a:endParaRPr lang="zh-CN" altLang="en-US"/>
           </a:p>
           <a:p>
             <a:pPr lvl="3"/>
@@ -5843,7 +9958,6 @@
               <a:rPr lang="zh-CN" altLang="en-US"/>
               <a:t>第四级</a:t>
             </a:r>
-            <a:endParaRPr lang="zh-CN" altLang="en-US"/>
           </a:p>
           <a:p>
             <a:pPr lvl="4"/>
@@ -5851,7 +9965,6 @@
               <a:rPr lang="zh-CN" altLang="en-US"/>
               <a:t>第五级</a:t>
             </a:r>
-            <a:endParaRPr lang="zh-CN" altLang="en-US"/>
           </a:p>
         </p:txBody>
       </p:sp>
@@ -5915,6 +10028,7 @@
           <a:p>
             <a:fld id="{FD1E3519-AA41-4C8F-81B1-98F81BDCD14B}" type="slidenum">
               <a:rPr lang="zh-CN" altLang="en-US" smtClean="0"/>
+              <a:t>‹#›</a:t>
             </a:fld>
             <a:endParaRPr lang="zh-CN" altLang="en-US"/>
           </a:p>
@@ -6027,11 +10141,20 @@
         <p:cNvGrpSpPr/>
         <p:nvPr/>
       </p:nvGrpSpPr>
-      <p:grpSpPr/>
+      <p:grpSpPr>
+        <a:xfrm>
+          <a:off x="0" y="0"/>
+          <a:ext cx="0" cy="0"/>
+          <a:chOff x="0" y="0"/>
+          <a:chExt cx="0" cy="0"/>
+        </a:xfrm>
+      </p:grpSpPr>
       <p:sp>
         <p:nvSpPr>
           <p:cNvPr id="2" name="幻灯片图像占位符 1"/>
-          <p:cNvSpPr/>
+          <p:cNvSpPr>
+            <a:spLocks noGrp="1" noRot="1" noChangeAspect="1"/>
+          </p:cNvSpPr>
           <p:nvPr>
             <p:ph type="sldImg" idx="2"/>
           </p:nvPr>
@@ -6041,7 +10164,9 @@
       <p:sp>
         <p:nvSpPr>
           <p:cNvPr id="3" name="文本占位符 2"/>
-          <p:cNvSpPr/>
+          <p:cNvSpPr>
+            <a:spLocks noGrp="1"/>
+          </p:cNvSpPr>
           <p:nvPr>
             <p:ph type="body" idx="3"/>
           </p:nvPr>
@@ -6049,6 +10174,7 @@
         <p:spPr/>
         <p:txBody>
           <a:bodyPr/>
+          <a:lstStyle/>
           <a:p>
             <a:endParaRPr lang="zh-CN" altLang="en-US"/>
           </a:p>
@@ -6071,11 +10197,20 @@
         <p:cNvGrpSpPr/>
         <p:nvPr/>
       </p:nvGrpSpPr>
-      <p:grpSpPr/>
+      <p:grpSpPr>
+        <a:xfrm>
+          <a:off x="0" y="0"/>
+          <a:ext cx="0" cy="0"/>
+          <a:chOff x="0" y="0"/>
+          <a:chExt cx="0" cy="0"/>
+        </a:xfrm>
+      </p:grpSpPr>
       <p:sp>
         <p:nvSpPr>
           <p:cNvPr id="2" name="幻灯片图像占位符 1"/>
-          <p:cNvSpPr/>
+          <p:cNvSpPr>
+            <a:spLocks noGrp="1" noRot="1" noChangeAspect="1"/>
+          </p:cNvSpPr>
           <p:nvPr>
             <p:ph type="sldImg" idx="2"/>
           </p:nvPr>
@@ -6085,7 +10220,9 @@
       <p:sp>
         <p:nvSpPr>
           <p:cNvPr id="3" name="文本占位符 2"/>
-          <p:cNvSpPr/>
+          <p:cNvSpPr>
+            <a:spLocks noGrp="1"/>
+          </p:cNvSpPr>
           <p:nvPr>
             <p:ph type="body" idx="3"/>
           </p:nvPr>
@@ -6093,6 +10230,7 @@
         <p:spPr/>
         <p:txBody>
           <a:bodyPr/>
+          <a:lstStyle/>
           <a:p>
             <a:endParaRPr lang="zh-CN" altLang="en-US"/>
           </a:p>
@@ -6107,7 +10245,7 @@
 </file>
 
 <file path=ppt/slideLayouts/slideLayout1.xml><?xml version="1.0" encoding="utf-8"?>
-<p:sldLayout xmlns:a="http://schemas.openxmlformats.org/drawingml/2006/main" xmlns:r="http://schemas.openxmlformats.org/officeDocument/2006/relationships" xmlns:p="http://schemas.openxmlformats.org/presentationml/2006/main" preserve="1" showMasterSp="0" userDrawn="1">
+<p:sldLayout xmlns:a="http://schemas.openxmlformats.org/drawingml/2006/main" xmlns:r="http://schemas.openxmlformats.org/officeDocument/2006/relationships" xmlns:p="http://schemas.openxmlformats.org/presentationml/2006/main" showMasterSp="0" preserve="1" userDrawn="1">
   <p:cSld name="标题幻灯片">
     <p:bg>
       <p:bgRef idx="1001">
@@ -6223,7 +10361,6 @@
               <a:rPr lang="en-US" altLang="zh-CN" dirty="0"/>
               <a:t>Click to edit Master subtitle style</a:t>
             </a:r>
-            <a:endParaRPr lang="en-US" altLang="zh-CN" dirty="0"/>
           </a:p>
         </p:txBody>
       </p:sp>
@@ -6317,7 +10454,6 @@
               <a:rPr lang="en-US" altLang="zh-CN" dirty="0"/>
               <a:t>Signature</a:t>
             </a:r>
-            <a:endParaRPr lang="en-US" altLang="zh-CN" dirty="0"/>
           </a:p>
         </p:txBody>
       </p:sp>
@@ -19006,7 +23142,7 @@
 </file>
 
 <file path=ppt/slideLayouts/slideLayout2.xml><?xml version="1.0" encoding="utf-8"?>
-<p:sldLayout xmlns:a="http://schemas.openxmlformats.org/drawingml/2006/main" xmlns:r="http://schemas.openxmlformats.org/officeDocument/2006/relationships" xmlns:p="http://schemas.openxmlformats.org/presentationml/2006/main" preserve="1" showMasterSp="0" userDrawn="1">
+<p:sldLayout xmlns:a="http://schemas.openxmlformats.org/drawingml/2006/main" xmlns:r="http://schemas.openxmlformats.org/officeDocument/2006/relationships" xmlns:p="http://schemas.openxmlformats.org/presentationml/2006/main" showMasterSp="0" preserve="1" userDrawn="1">
   <p:cSld name="节标题">
     <p:bg>
       <p:bgRef idx="1001">
@@ -19181,7 +23317,6 @@
               <a:rPr lang="en-US" altLang="zh-CN" dirty="0"/>
               <a:t>Edit Master text styles</a:t>
             </a:r>
-            <a:endParaRPr lang="en-US" altLang="zh-CN" dirty="0"/>
           </a:p>
         </p:txBody>
       </p:sp>
@@ -20877,6 +25012,7 @@
           <a:p>
             <a:fld id="{6489D9C7-5DC6-4263-87FF-7C99F6FB63C3}" type="datetime1">
               <a:rPr lang="zh-CN" altLang="en-US" smtClean="0"/>
+              <a:t>2019/9/6</a:t>
             </a:fld>
             <a:endParaRPr lang="zh-CN" altLang="en-US"/>
           </a:p>
@@ -20922,6 +25058,7 @@
           <a:p>
             <a:fld id="{5DD3DB80-B894-403A-B48E-6FDC1A72010E}" type="slidenum">
               <a:rPr lang="zh-CN" altLang="en-US" smtClean="0"/>
+              <a:t>‹#›</a:t>
             </a:fld>
             <a:endParaRPr lang="zh-CN" altLang="en-US"/>
           </a:p>
@@ -21015,7 +25152,6 @@
               <a:rPr lang="en-US" altLang="zh-CN" dirty="0"/>
               <a:t>Edit Master text styles</a:t>
             </a:r>
-            <a:endParaRPr lang="en-US" altLang="zh-CN" dirty="0"/>
           </a:p>
           <a:p>
             <a:pPr lvl="1"/>
@@ -21023,7 +25159,6 @@
               <a:rPr lang="en-US" altLang="zh-CN" dirty="0"/>
               <a:t>Second level</a:t>
             </a:r>
-            <a:endParaRPr lang="en-US" altLang="zh-CN" dirty="0"/>
           </a:p>
           <a:p>
             <a:pPr lvl="2"/>
@@ -21031,7 +25166,6 @@
               <a:rPr lang="en-US" altLang="zh-CN" dirty="0"/>
               <a:t>Third level</a:t>
             </a:r>
-            <a:endParaRPr lang="en-US" altLang="zh-CN" dirty="0"/>
           </a:p>
           <a:p>
             <a:pPr lvl="3"/>
@@ -21039,7 +25173,6 @@
               <a:rPr lang="en-US" altLang="zh-CN" dirty="0"/>
               <a:t>Fourth level</a:t>
             </a:r>
-            <a:endParaRPr lang="en-US" altLang="zh-CN" dirty="0"/>
           </a:p>
           <a:p>
             <a:pPr lvl="4"/>
@@ -21068,6 +25201,7 @@
           <a:p>
             <a:fld id="{6489D9C7-5DC6-4263-87FF-7C99F6FB63C3}" type="datetime1">
               <a:rPr lang="zh-CN" altLang="en-US" smtClean="0"/>
+              <a:t>2019/9/6</a:t>
             </a:fld>
             <a:endParaRPr lang="zh-CN" altLang="en-US"/>
           </a:p>
@@ -21113,6 +25247,7 @@
           <a:p>
             <a:fld id="{5DD3DB80-B894-403A-B48E-6FDC1A72010E}" type="slidenum">
               <a:rPr lang="zh-CN" altLang="en-US" smtClean="0"/>
+              <a:t>‹#›</a:t>
             </a:fld>
             <a:endParaRPr lang="zh-CN" altLang="en-US"/>
           </a:p>
@@ -21127,7 +25262,7 @@
 </file>
 
 <file path=ppt/slideLayouts/slideLayout4.xml><?xml version="1.0" encoding="utf-8"?>
-<p:sldLayout xmlns:a="http://schemas.openxmlformats.org/drawingml/2006/main" xmlns:r="http://schemas.openxmlformats.org/officeDocument/2006/relationships" xmlns:p="http://schemas.openxmlformats.org/presentationml/2006/main" type="titleOnly" preserve="1" showMasterSp="0">
+<p:sldLayout xmlns:a="http://schemas.openxmlformats.org/drawingml/2006/main" xmlns:r="http://schemas.openxmlformats.org/officeDocument/2006/relationships" xmlns:p="http://schemas.openxmlformats.org/presentationml/2006/main" showMasterSp="0" type="titleOnly" preserve="1">
   <p:cSld name="仅标题">
     <p:spTree>
       <p:nvGrpSpPr>
@@ -21187,6 +25322,7 @@
           <a:p>
             <a:fld id="{6489D9C7-5DC6-4263-87FF-7C99F6FB63C3}" type="datetime1">
               <a:rPr lang="zh-CN" altLang="en-US" smtClean="0"/>
+              <a:t>2019/9/6</a:t>
             </a:fld>
             <a:endParaRPr lang="zh-CN" altLang="en-US"/>
           </a:p>
@@ -21232,6 +25368,7 @@
           <a:p>
             <a:fld id="{5DD3DB80-B894-403A-B48E-6FDC1A72010E}" type="slidenum">
               <a:rPr lang="zh-CN" altLang="en-US" smtClean="0"/>
+              <a:t>‹#›</a:t>
             </a:fld>
             <a:endParaRPr lang="zh-CN" altLang="en-US"/>
           </a:p>
@@ -21283,7 +25420,7 @@
 </file>
 
 <file path=ppt/slideLayouts/slideLayout5.xml><?xml version="1.0" encoding="utf-8"?>
-<p:sldLayout xmlns:a="http://schemas.openxmlformats.org/drawingml/2006/main" xmlns:r="http://schemas.openxmlformats.org/officeDocument/2006/relationships" xmlns:p="http://schemas.openxmlformats.org/presentationml/2006/main" type="blank" preserve="1" showMasterSp="0">
+<p:sldLayout xmlns:a="http://schemas.openxmlformats.org/drawingml/2006/main" xmlns:r="http://schemas.openxmlformats.org/officeDocument/2006/relationships" xmlns:p="http://schemas.openxmlformats.org/presentationml/2006/main" showMasterSp="0" type="blank" preserve="1">
   <p:cSld name="空白">
     <p:spTree>
       <p:nvGrpSpPr>
@@ -21308,7 +25445,7 @@
 </file>
 
 <file path=ppt/slideLayouts/slideLayout6.xml><?xml version="1.0" encoding="utf-8"?>
-<p:sldLayout xmlns:a="http://schemas.openxmlformats.org/drawingml/2006/main" xmlns:r="http://schemas.openxmlformats.org/officeDocument/2006/relationships" xmlns:p="http://schemas.openxmlformats.org/presentationml/2006/main" preserve="1" showMasterSp="0" userDrawn="1">
+<p:sldLayout xmlns:a="http://schemas.openxmlformats.org/drawingml/2006/main" xmlns:r="http://schemas.openxmlformats.org/officeDocument/2006/relationships" xmlns:p="http://schemas.openxmlformats.org/presentationml/2006/main" showMasterSp="0" preserve="1" userDrawn="1">
   <p:cSld name="末尾幻灯片">
     <p:bg>
       <p:bgRef idx="1001">
@@ -21413,7 +25550,6 @@
               <a:rPr lang="en-US" altLang="zh-CN" dirty="0"/>
               <a:t>Signature</a:t>
             </a:r>
-            <a:endParaRPr lang="en-US" altLang="zh-CN" dirty="0"/>
           </a:p>
         </p:txBody>
       </p:sp>
@@ -21465,6 +25601,7 @@
             </a:pPr>
             <a:fld id="{CB3FFC9E-A4C1-40CB-8E0E-23B63E3543C5}" type="datetime1">
               <a:rPr lang="zh-CN" altLang="en-US" smtClean="0"/>
+              <a:t>​</a:t>
             </a:fld>
             <a:endParaRPr lang="en-US" altLang="zh-CN" dirty="0"/>
           </a:p>
@@ -33525,7 +37662,6 @@
               <a:rPr lang="en-US" altLang="zh-CN" dirty="0"/>
               <a:t>Edit Master text styles</a:t>
             </a:r>
-            <a:endParaRPr lang="en-US" altLang="zh-CN" dirty="0"/>
           </a:p>
           <a:p>
             <a:pPr lvl="1"/>
@@ -33533,7 +37669,6 @@
               <a:rPr lang="en-US" altLang="zh-CN" dirty="0"/>
               <a:t>Second level</a:t>
             </a:r>
-            <a:endParaRPr lang="en-US" altLang="zh-CN" dirty="0"/>
           </a:p>
           <a:p>
             <a:pPr lvl="2"/>
@@ -33541,7 +37676,6 @@
               <a:rPr lang="en-US" altLang="zh-CN" dirty="0"/>
               <a:t>Third level</a:t>
             </a:r>
-            <a:endParaRPr lang="en-US" altLang="zh-CN" dirty="0"/>
           </a:p>
           <a:p>
             <a:pPr lvl="3"/>
@@ -33549,7 +37683,6 @@
               <a:rPr lang="en-US" altLang="zh-CN" dirty="0"/>
               <a:t>Fourth level</a:t>
             </a:r>
-            <a:endParaRPr lang="en-US" altLang="zh-CN" dirty="0"/>
           </a:p>
           <a:p>
             <a:pPr lvl="4"/>
@@ -33597,6 +37730,7 @@
           <a:p>
             <a:fld id="{6489D9C7-5DC6-4263-87FF-7C99F6FB63C3}" type="datetime1">
               <a:rPr lang="zh-CN" altLang="en-US" smtClean="0"/>
+              <a:t>2019/9/6</a:t>
             </a:fld>
             <a:endParaRPr lang="zh-CN" altLang="en-US"/>
           </a:p>
@@ -33680,6 +37814,7 @@
           <a:p>
             <a:fld id="{5DD3DB80-B894-403A-B48E-6FDC1A72010E}" type="slidenum">
               <a:rPr lang="zh-CN" altLang="en-US" smtClean="0"/>
+              <a:t>‹#›</a:t>
             </a:fld>
             <a:endParaRPr lang="zh-CN" altLang="en-US"/>
           </a:p>
@@ -36580,7 +40715,6 @@
               <a:rPr lang="zh-CN" altLang="en-US" dirty="0"/>
               <a:t>唐诗自动生成系统的设计与实现</a:t>
             </a:r>
-            <a:endParaRPr lang="zh-CN" altLang="en-US" dirty="0"/>
           </a:p>
         </p:txBody>
       </p:sp>
@@ -36614,7 +40748,6 @@
               <a:rPr lang="en-US" altLang="zh-CN" sz="1600" dirty="0"/>
               <a:t>ZF1821251</a:t>
             </a:r>
-            <a:endParaRPr lang="en-US" altLang="zh-CN" sz="1600" dirty="0"/>
           </a:p>
           <a:p>
             <a:r>
@@ -36625,7 +40758,6 @@
               <a:rPr lang="en-US" altLang="zh-CN" sz="1600" dirty="0"/>
               <a:t>ZF1821102</a:t>
             </a:r>
-            <a:endParaRPr lang="en-US" altLang="zh-CN" sz="1600" dirty="0"/>
           </a:p>
           <a:p>
             <a:r>
@@ -36636,7 +40768,6 @@
               <a:rPr lang="en-US" altLang="zh-CN" sz="1600" dirty="0"/>
               <a:t>ZF1821302</a:t>
             </a:r>
-            <a:endParaRPr lang="en-US" altLang="zh-CN" sz="1600" dirty="0"/>
           </a:p>
         </p:txBody>
       </p:sp>
@@ -36807,7 +40938,7 @@
           <p:nvPr/>
         </p:nvPicPr>
         <p:blipFill>
-          <a:blip r:embed="rId1"/>
+          <a:blip r:embed="rId3"/>
           <a:stretch>
             <a:fillRect/>
           </a:stretch>
@@ -36873,7 +41004,6 @@
               <a:rPr lang="zh-CN" altLang="en-US" dirty="0"/>
               <a:t>系统测试</a:t>
             </a:r>
-            <a:endParaRPr lang="zh-CN" altLang="en-US" dirty="0"/>
           </a:p>
         </p:txBody>
       </p:sp>
@@ -37016,6 +41146,7 @@
           <a:bodyPr wrap="square" rtlCol="0" anchor="t">
             <a:spAutoFit/>
           </a:bodyPr>
+          <a:lstStyle/>
           <a:p>
             <a:r>
               <a:rPr lang="en-US" altLang="zh-CN" sz="2400"/>
@@ -37025,7 +41156,6 @@
               <a:rPr lang="zh-CN" altLang="en-US" sz="2400"/>
               <a:t>数据库测试</a:t>
             </a:r>
-            <a:endParaRPr lang="zh-CN" altLang="en-US" sz="2400"/>
           </a:p>
           <a:p>
             <a:endParaRPr lang="zh-CN" altLang="en-US" sz="2400"/>
@@ -37039,7 +41169,6 @@
               <a:rPr lang="zh-CN" altLang="en-US" sz="2400"/>
               <a:t>接口测试</a:t>
             </a:r>
-            <a:endParaRPr lang="zh-CN" altLang="en-US" sz="2400"/>
           </a:p>
           <a:p>
             <a:endParaRPr lang="en-US" altLang="zh-CN" sz="2400"/>
@@ -37053,7 +41182,6 @@
               <a:rPr lang="zh-CN" altLang="en-US" sz="2400"/>
               <a:t>功能测试</a:t>
             </a:r>
-            <a:endParaRPr lang="zh-CN" altLang="en-US" sz="2400"/>
           </a:p>
         </p:txBody>
       </p:sp>
@@ -37099,6 +41227,7 @@
           <a:p>
             <a:fld id="{5DD3DB80-B894-403A-B48E-6FDC1A72010E}" type="slidenum">
               <a:rPr lang="zh-CN" altLang="en-US" smtClean="0"/>
+              <a:t>12</a:t>
             </a:fld>
             <a:endParaRPr lang="zh-CN" altLang="en-US"/>
           </a:p>
@@ -37203,17 +41332,8 @@
               <a:rPr lang="zh-CN" altLang="en-US" sz="2000" dirty="0">
                 <a:sym typeface="+mn-ea"/>
               </a:rPr>
-              <a:t>数据库</a:t>
+              <a:t>数据库测试</a:t>
             </a:r>
-            <a:r>
-              <a:rPr lang="zh-CN" altLang="en-US" sz="2000" dirty="0">
-                <a:sym typeface="+mn-ea"/>
-              </a:rPr>
-              <a:t>测试</a:t>
-            </a:r>
-            <a:endParaRPr lang="zh-CN" altLang="en-US" sz="2000" dirty="0">
-              <a:sym typeface="+mn-ea"/>
-            </a:endParaRPr>
           </a:p>
         </p:txBody>
       </p:sp>
@@ -37237,13 +41357,13 @@
           <a:bodyPr wrap="none" rtlCol="0">
             <a:spAutoFit/>
           </a:bodyPr>
+          <a:lstStyle/>
           <a:p>
             <a:pPr algn="l"/>
             <a:r>
               <a:rPr lang="zh-CN" altLang="en-US"/>
               <a:t>在本环节测试中，由于create.py中的sql语句：</a:t>
             </a:r>
-            <a:endParaRPr lang="zh-CN" altLang="en-US"/>
           </a:p>
           <a:p>
             <a:pPr algn="l"/>
@@ -37255,7 +41375,6 @@
               <a:rPr lang="zh-CN" altLang="en-US" sz="1400"/>
               <a:t>create table if not exists result_id(id int not null AUTO_INCREMENT，</a:t>
             </a:r>
-            <a:endParaRPr lang="zh-CN" altLang="en-US" sz="1400"/>
           </a:p>
           <a:p>
             <a:pPr lvl="1" algn="l"/>
@@ -37263,7 +41382,6 @@
               <a:rPr lang="zh-CN" altLang="en-US" sz="1400"/>
               <a:t>        user_id VARCHAR(45) NULL，</a:t>
             </a:r>
-            <a:endParaRPr lang="zh-CN" altLang="en-US" sz="1400"/>
           </a:p>
           <a:p>
             <a:pPr lvl="1" algn="l"/>
@@ -37271,7 +41389,6 @@
               <a:rPr lang="zh-CN" altLang="en-US" sz="1400"/>
               <a:t>        celery_id VARCHAR(45) NULL，</a:t>
             </a:r>
-            <a:endParaRPr lang="zh-CN" altLang="en-US" sz="1400"/>
           </a:p>
           <a:p>
             <a:pPr lvl="1" algn="l"/>
@@ -37279,7 +41396,6 @@
               <a:rPr lang="zh-CN" altLang="en-US" sz="1400"/>
               <a:t>        list_num VARCHAR(45) NULL，</a:t>
             </a:r>
-            <a:endParaRPr lang="zh-CN" altLang="en-US" sz="1400"/>
           </a:p>
           <a:p>
             <a:pPr lvl="1" algn="l"/>
@@ -37287,7 +41403,6 @@
               <a:rPr lang="zh-CN" altLang="en-US" sz="1400"/>
               <a:t>        PRIMARY KEY (`id`))</a:t>
             </a:r>
-            <a:endParaRPr lang="zh-CN" altLang="en-US" sz="1400"/>
           </a:p>
           <a:p>
             <a:pPr algn="l"/>
@@ -37299,7 +41414,6 @@
               <a:rPr lang="zh-CN" altLang="en-US"/>
               <a:t>字符集编码未定义，导致创建数据库表失败，修改为以utf-8为默认编码后成功</a:t>
             </a:r>
-            <a:endParaRPr lang="zh-CN" altLang="en-US"/>
           </a:p>
         </p:txBody>
       </p:sp>
@@ -37312,7 +41426,7 @@
           <p:nvPr/>
         </p:nvPicPr>
         <p:blipFill>
-          <a:blip r:embed="rId1"/>
+          <a:blip r:embed="rId2"/>
           <a:stretch>
             <a:fillRect/>
           </a:stretch>
@@ -37373,6 +41487,7 @@
           <a:p>
             <a:fld id="{5DD3DB80-B894-403A-B48E-6FDC1A72010E}" type="slidenum">
               <a:rPr lang="zh-CN" altLang="en-US" smtClean="0"/>
+              <a:t>13</a:t>
             </a:fld>
             <a:endParaRPr lang="zh-CN" altLang="en-US"/>
           </a:p>
@@ -37477,17 +41592,8 @@
               <a:rPr lang="zh-CN" altLang="en-US" sz="2000" dirty="0">
                 <a:sym typeface="+mn-ea"/>
               </a:rPr>
-              <a:t>接口</a:t>
+              <a:t>接口测试</a:t>
             </a:r>
-            <a:r>
-              <a:rPr lang="zh-CN" altLang="en-US" sz="2000" dirty="0">
-                <a:sym typeface="+mn-ea"/>
-              </a:rPr>
-              <a:t>测试</a:t>
-            </a:r>
-            <a:endParaRPr lang="zh-CN" altLang="en-US" sz="2000" dirty="0">
-              <a:sym typeface="+mn-ea"/>
-            </a:endParaRPr>
           </a:p>
         </p:txBody>
       </p:sp>
@@ -37511,13 +41617,13 @@
           <a:bodyPr wrap="none" rtlCol="0">
             <a:spAutoFit/>
           </a:bodyPr>
+          <a:lstStyle/>
           <a:p>
             <a:pPr algn="l"/>
             <a:r>
               <a:rPr lang="zh-CN" altLang="en-US"/>
               <a:t>经过测试，接口功能能够正常调用，参数也并无问题</a:t>
             </a:r>
-            <a:endParaRPr lang="zh-CN" altLang="en-US"/>
           </a:p>
         </p:txBody>
       </p:sp>
@@ -37530,7 +41636,7 @@
           <p:nvPr/>
         </p:nvPicPr>
         <p:blipFill>
-          <a:blip r:embed="rId1"/>
+          <a:blip r:embed="rId2"/>
           <a:stretch>
             <a:fillRect/>
           </a:stretch>
@@ -37587,6 +41693,7 @@
           <a:p>
             <a:fld id="{5DD3DB80-B894-403A-B48E-6FDC1A72010E}" type="slidenum">
               <a:rPr lang="zh-CN" altLang="en-US" smtClean="0"/>
+              <a:t>14</a:t>
             </a:fld>
             <a:endParaRPr lang="zh-CN" altLang="en-US"/>
           </a:p>
@@ -37693,9 +41800,6 @@
               </a:rPr>
               <a:t>功能测试</a:t>
             </a:r>
-            <a:endParaRPr lang="zh-CN" altLang="en-US" sz="2000" dirty="0">
-              <a:sym typeface="+mn-ea"/>
-            </a:endParaRPr>
           </a:p>
         </p:txBody>
       </p:sp>
@@ -37719,17 +41823,13 @@
           <a:bodyPr wrap="square" rtlCol="0">
             <a:spAutoFit/>
           </a:bodyPr>
+          <a:lstStyle/>
           <a:p>
             <a:pPr algn="l"/>
             <a:r>
               <a:rPr lang="zh-CN" altLang="en-US"/>
-              <a:t>在生成图片时，</a:t>
+              <a:t>在生成图片时，当诗句不足四行时，点击生成图片程序则会报错，原因是生成图片时产生了数组越界</a:t>
             </a:r>
-            <a:r>
-              <a:rPr lang="zh-CN" altLang="en-US"/>
-              <a:t>当诗句不足四行时，点击生成图片程序则会报错，原因是生成图片时产生了数组越界</a:t>
-            </a:r>
-            <a:endParaRPr lang="zh-CN" altLang="en-US"/>
           </a:p>
           <a:p>
             <a:pPr algn="l"/>
@@ -37757,7 +41857,6 @@
               <a:rPr lang="zh-CN" altLang="en-US"/>
               <a:t>对此我们已经进行了优化处理，解决了当诗句不足四行时程序报错。</a:t>
             </a:r>
-            <a:endParaRPr lang="zh-CN" altLang="en-US"/>
           </a:p>
         </p:txBody>
       </p:sp>
@@ -37770,7 +41869,7 @@
           <p:nvPr/>
         </p:nvPicPr>
         <p:blipFill>
-          <a:blip r:embed="rId1"/>
+          <a:blip r:embed="rId2"/>
           <a:stretch>
             <a:fillRect/>
           </a:stretch>
@@ -37798,7 +41897,7 @@
           <p:nvPr/>
         </p:nvPicPr>
         <p:blipFill>
-          <a:blip r:embed="rId2"/>
+          <a:blip r:embed="rId3"/>
           <a:stretch>
             <a:fillRect/>
           </a:stretch>
@@ -37864,7 +41963,6 @@
               <a:rPr lang="zh-CN" altLang="en-US" dirty="0"/>
               <a:t>效果展示</a:t>
             </a:r>
-            <a:endParaRPr lang="zh-CN" altLang="en-US" dirty="0"/>
           </a:p>
         </p:txBody>
       </p:sp>
@@ -38007,12 +42105,12 @@
           <a:bodyPr wrap="square" rtlCol="0" anchor="t">
             <a:spAutoFit/>
           </a:bodyPr>
+          <a:lstStyle/>
           <a:p>
             <a:r>
               <a:rPr lang="zh-CN" altLang="en-US" sz="2400"/>
               <a:t>请看演示</a:t>
             </a:r>
-            <a:endParaRPr lang="zh-CN" altLang="en-US" sz="2400"/>
           </a:p>
         </p:txBody>
       </p:sp>
@@ -38145,6 +42243,10 @@
           </a:bodyPr>
           <a:lstStyle/>
           <a:p>
+            <a:r>
+              <a:rPr lang="zh-CN" altLang="en-US" dirty="0"/>
+              <a:t/>
+            </a:r>
             <a:br>
               <a:rPr lang="zh-CN" altLang="en-US" dirty="0"/>
             </a:br>
@@ -38192,20 +42294,6 @@
               </a:rPr>
               <a:t>Thank You !</a:t>
             </a:r>
-            <a:endParaRPr lang="en-US" altLang="zh-CN" sz="5400" b="1" dirty="0">
-              <a:ln w="22225">
-                <a:solidFill>
-                  <a:schemeClr val="accent2"/>
-                </a:solidFill>
-                <a:prstDash val="solid"/>
-              </a:ln>
-              <a:solidFill>
-                <a:schemeClr val="accent2">
-                  <a:lumMod val="40000"/>
-                  <a:lumOff val="60000"/>
-                </a:schemeClr>
-              </a:solidFill>
-            </a:endParaRPr>
           </a:p>
         </p:txBody>
       </p:sp>
@@ -39254,7 +43342,6 @@
               <a:rPr lang="zh-CN" altLang="en-US" dirty="0"/>
               <a:t>项目背景及意义</a:t>
             </a:r>
-            <a:endParaRPr lang="zh-CN" altLang="en-US" dirty="0"/>
           </a:p>
         </p:txBody>
       </p:sp>
@@ -39442,7 +43529,6 @@
               <a:rPr lang="zh-CN" altLang="zh-CN" sz="2000" dirty="0"/>
               <a:t>七言唐诗</a:t>
             </a:r>
-            <a:endParaRPr lang="zh-CN" altLang="zh-CN" sz="2000" dirty="0"/>
           </a:p>
           <a:p>
             <a:endParaRPr lang="zh-CN" altLang="en-US" sz="2000" dirty="0"/>
@@ -39511,7 +43597,19 @@
               <a:rPr lang="zh-CN" altLang="en-US" dirty="0">
                 <a:sym typeface="+mn-lt"/>
               </a:rPr>
-              <a:t>系统功能</a:t>
+              <a:t>系统</a:t>
+            </a:r>
+            <a:r>
+              <a:rPr lang="zh-CN" altLang="en-US" dirty="0" smtClean="0">
+                <a:sym typeface="+mn-lt"/>
+              </a:rPr>
+              <a:t>功能</a:t>
+            </a:r>
+            <a:r>
+              <a:rPr lang="zh-CN" altLang="en-US" dirty="0" smtClean="0">
+                <a:sym typeface="+mn-lt"/>
+              </a:rPr>
+              <a:t>性需求</a:t>
             </a:r>
             <a:endParaRPr lang="en-US" altLang="zh-CN" dirty="0">
               <a:sym typeface="+mn-lt"/>
@@ -39606,35 +43704,26 @@
       </p:sp>
       <p:pic>
         <p:nvPicPr>
-          <p:cNvPr id="9" name="图片 3"/>
-          <p:cNvPicPr/>
+          <p:cNvPr id="2" name="图片 1"/>
+          <p:cNvPicPr>
+            <a:picLocks noChangeAspect="1"/>
+          </p:cNvPicPr>
           <p:nvPr/>
         </p:nvPicPr>
         <p:blipFill>
-          <a:blip r:embed="rId1">
-            <a:extLst>
-              <a:ext uri="{28A0092B-C50C-407E-A947-70E740481C1C}">
-                <a14:useLocalDpi xmlns:a14="http://schemas.microsoft.com/office/drawing/2010/main" val="0"/>
-              </a:ext>
-            </a:extLst>
-          </a:blip>
-          <a:srcRect/>
+          <a:blip r:embed="rId3"/>
           <a:stretch>
             <a:fillRect/>
           </a:stretch>
         </p:blipFill>
         <p:spPr>
           <a:xfrm>
-            <a:off x="3292007" y="2330889"/>
-            <a:ext cx="6856040" cy="3941565"/>
+            <a:off x="4707890" y="2330889"/>
+            <a:ext cx="4344670" cy="4317796"/>
           </a:xfrm>
           <a:prstGeom prst="rect">
             <a:avLst/>
           </a:prstGeom>
-          <a:noFill/>
-          <a:ln>
-            <a:noFill/>
-          </a:ln>
         </p:spPr>
       </p:pic>
     </p:spTree>
@@ -39696,10 +43785,16 @@
               <a:t>2.2</a:t>
             </a:r>
             <a:r>
-              <a:rPr lang="zh-CN" altLang="en-US" dirty="0">
+              <a:rPr lang="zh-CN" altLang="en-US" dirty="0" smtClean="0">
                 <a:sym typeface="+mn-lt"/>
               </a:rPr>
-              <a:t>系统需求流程</a:t>
+              <a:t>系统</a:t>
+            </a:r>
+            <a:r>
+              <a:rPr lang="zh-CN" altLang="en-US" dirty="0" smtClean="0">
+                <a:sym typeface="+mn-lt"/>
+              </a:rPr>
+              <a:t>非功能性需求</a:t>
             </a:r>
             <a:endParaRPr lang="en-US" altLang="zh-CN" dirty="0">
               <a:sym typeface="+mn-lt"/>
@@ -39792,39 +43887,28 @@
           </a:p>
         </p:txBody>
       </p:sp>
-      <p:pic>
-        <p:nvPicPr>
-          <p:cNvPr id="6" name="图片 1"/>
-          <p:cNvPicPr/>
-          <p:nvPr/>
-        </p:nvPicPr>
-        <p:blipFill>
-          <a:blip r:embed="rId1" cstate="print">
-            <a:extLst>
-              <a:ext uri="{28A0092B-C50C-407E-A947-70E740481C1C}">
-                <a14:useLocalDpi xmlns:a14="http://schemas.microsoft.com/office/drawing/2010/main" val="0"/>
-              </a:ext>
-            </a:extLst>
-          </a:blip>
-          <a:srcRect/>
-          <a:stretch>
-            <a:fillRect/>
-          </a:stretch>
-        </p:blipFill>
-        <p:spPr>
-          <a:xfrm>
-            <a:off x="3349407" y="1982812"/>
-            <a:ext cx="6713476" cy="4562363"/>
-          </a:xfrm>
-          <a:prstGeom prst="rect">
-            <a:avLst/>
-          </a:prstGeom>
-          <a:noFill/>
-          <a:ln>
-            <a:noFill/>
-          </a:ln>
-        </p:spPr>
-      </p:pic>
+      <p:graphicFrame>
+        <p:nvGraphicFramePr>
+          <p:cNvPr id="2" name="图表 1"/>
+          <p:cNvGraphicFramePr/>
+          <p:nvPr>
+            <p:extLst>
+              <p:ext uri="{D42A27DB-BD31-4B8C-83A1-F6EECF244321}">
+                <p14:modId xmlns:p14="http://schemas.microsoft.com/office/powerpoint/2010/main" val="1671187317"/>
+              </p:ext>
+            </p:extLst>
+          </p:nvPr>
+        </p:nvGraphicFramePr>
+        <p:xfrm>
+          <a:off x="3365621" y="1904245"/>
+          <a:ext cx="6990080" cy="4812454"/>
+        </p:xfrm>
+        <a:graphic>
+          <a:graphicData uri="http://schemas.openxmlformats.org/drawingml/2006/diagram">
+            <dgm:relIds xmlns:dgm="http://schemas.openxmlformats.org/drawingml/2006/diagram" xmlns:r="http://schemas.openxmlformats.org/officeDocument/2006/relationships" r:dm="rId3" r:lo="rId4" r:qs="rId5" r:cs="rId6"/>
+          </a:graphicData>
+        </a:graphic>
+      </p:graphicFrame>
     </p:spTree>
   </p:cSld>
   <p:clrMapOvr>
@@ -39880,7 +43964,6 @@
               <a:rPr lang="zh-CN" altLang="en-US" dirty="0"/>
               <a:t>系统总体架构图</a:t>
             </a:r>
-            <a:endParaRPr lang="zh-CN" altLang="en-US" dirty="0"/>
           </a:p>
         </p:txBody>
       </p:sp>
@@ -39976,7 +44059,7 @@
           <p:nvPr/>
         </p:nvPicPr>
         <p:blipFill>
-          <a:blip r:embed="rId1"/>
+          <a:blip r:embed="rId3"/>
           <a:stretch>
             <a:fillRect/>
           </a:stretch>
@@ -40187,7 +44270,6 @@
               <a:rPr lang="zh-CN" altLang="en-US" dirty="0"/>
               <a:t>系统整体技术图</a:t>
             </a:r>
-            <a:endParaRPr lang="zh-CN" altLang="en-US" dirty="0"/>
           </a:p>
         </p:txBody>
       </p:sp>
@@ -40283,7 +44365,7 @@
           <p:nvPr/>
         </p:nvPicPr>
         <p:blipFill>
-          <a:blip r:embed="rId1"/>
+          <a:blip r:embed="rId3"/>
           <a:stretch>
             <a:fillRect/>
           </a:stretch>
@@ -40340,6 +44422,7 @@
           <a:p>
             <a:fld id="{5DD3DB80-B894-403A-B48E-6FDC1A72010E}" type="slidenum">
               <a:rPr lang="zh-CN" altLang="en-US" smtClean="0"/>
+              <a:t>8</a:t>
             </a:fld>
             <a:endParaRPr lang="zh-CN" altLang="en-US"/>
           </a:p>
@@ -40470,7 +44553,7 @@
         </p:xfrm>
         <a:graphic>
           <a:graphicData uri="http://schemas.openxmlformats.org/drawingml/2006/diagram">
-            <dgm:relIds xmlns:dgm="http://schemas.openxmlformats.org/drawingml/2006/diagram" xmlns:r="http://schemas.openxmlformats.org/officeDocument/2006/relationships" r:dm="rId1" r:lo="rId2" r:qs="rId3" r:cs="rId4"/>
+            <dgm:relIds xmlns:dgm="http://schemas.openxmlformats.org/drawingml/2006/diagram" xmlns:r="http://schemas.openxmlformats.org/officeDocument/2006/relationships" r:dm="rId2" r:lo="rId3" r:qs="rId4" r:cs="rId5"/>
           </a:graphicData>
         </a:graphic>
       </p:graphicFrame>
@@ -40516,6 +44599,7 @@
           <a:p>
             <a:fld id="{5DD3DB80-B894-403A-B48E-6FDC1A72010E}" type="slidenum">
               <a:rPr lang="zh-CN" altLang="en-US" smtClean="0"/>
+              <a:t>9</a:t>
             </a:fld>
             <a:endParaRPr lang="zh-CN" altLang="en-US"/>
           </a:p>
@@ -40635,7 +44719,7 @@
           <p:nvPr/>
         </p:nvPicPr>
         <p:blipFill>
-          <a:blip r:embed="rId1">
+          <a:blip r:embed="rId2">
             <a:extLst>
               <a:ext uri="{28A0092B-C50C-407E-A947-70E740481C1C}">
                 <a14:useLocalDpi xmlns:a14="http://schemas.microsoft.com/office/drawing/2010/main" val="0"/>
@@ -40686,7 +44770,6 @@
               <a:rPr lang="en-US" altLang="zh-CN" b="1" dirty="0"/>
               <a:t>Tasks</a:t>
             </a:r>
-            <a:endParaRPr lang="en-US" altLang="zh-CN" b="1" dirty="0"/>
           </a:p>
           <a:p>
             <a:r>
@@ -40851,7 +44934,7 @@
 </file>
 
 <file path=ppt/tags/tag1.xml><?xml version="1.0" encoding="utf-8"?>
-<p:tagLst xmlns:p="http://schemas.openxmlformats.org/presentationml/2006/main">
+<p:tagLst xmlns:a="http://schemas.openxmlformats.org/drawingml/2006/main" xmlns:r="http://schemas.openxmlformats.org/officeDocument/2006/relationships" xmlns:p="http://schemas.openxmlformats.org/presentationml/2006/main">
   <p:tag name="ISLIDE.DIAGRAM" val="2b751056-6b97-492c-b763-340acee7e99d"/>
 </p:tagLst>
 </file>
@@ -41047,6 +45130,8 @@
       </a:bgFillStyleLst>
     </a:fmtScheme>
   </a:themeElements>
+  <a:objectDefaults/>
+  <a:extraClrSchemeLst/>
   <a:extLst>
     <a:ext uri="{05A4C25C-085E-4340-85A3-A5531E510DB2}">
       <thm15:themeFamily xmlns:thm15="http://schemas.microsoft.com/office/thememl/2012/main" name="Office Theme" id="{62F939B6-93AF-4DB8-9C6B-D6C7DFDC589F}" vid="{4A3C46E8-61CC-4603-A589-7422A47A8E4A}"/>
@@ -41306,6 +45391,8 @@
       </a:bgFillStyleLst>
     </a:fmtScheme>
   </a:themeElements>
+  <a:objectDefaults/>
+  <a:extraClrSchemeLst/>
   <a:extLst>
     <a:ext uri="{05A4C25C-085E-4340-85A3-A5531E510DB2}">
       <thm15:themeFamily xmlns:thm15="http://schemas.microsoft.com/office/thememl/2012/main" name="Office Theme" id="{62F939B6-93AF-4DB8-9C6B-D6C7DFDC589F}" vid="{4A3C46E8-61CC-4603-A589-7422A47A8E4A}"/>

--- a/RelationDocuments/8组_唐诗生成系统的设计与实现.pptx
+++ b/RelationDocuments/8组_唐诗生成系统的设计与实现.pptx
@@ -5,7 +5,7 @@
     <p:sldMasterId id="2147483648" r:id="rId1"/>
   </p:sldMasterIdLst>
   <p:notesMasterIdLst>
-    <p:notesMasterId r:id="rId18"/>
+    <p:notesMasterId r:id="rId19"/>
   </p:notesMasterIdLst>
   <p:sldIdLst>
     <p:sldId id="256" r:id="rId2"/>
@@ -22,8 +22,9 @@
     <p:sldId id="1746" r:id="rId13"/>
     <p:sldId id="1747" r:id="rId14"/>
     <p:sldId id="1748" r:id="rId15"/>
-    <p:sldId id="1749" r:id="rId16"/>
-    <p:sldId id="1736" r:id="rId17"/>
+    <p:sldId id="1750" r:id="rId16"/>
+    <p:sldId id="1749" r:id="rId17"/>
+    <p:sldId id="1736" r:id="rId18"/>
   </p:sldIdLst>
   <p:sldSz cx="12192000" cy="6858000"/>
   <p:notesSz cx="6858000" cy="9144000"/>
@@ -1626,6 +1627,753 @@
     <dgm:effectClrLst/>
     <dgm:txLinClrLst/>
     <dgm:txFillClrLst/>
+    <dgm:txEffectClrLst/>
+  </dgm:styleLbl>
+</dgm:colorsDef>
+</file>
+
+<file path=ppt/diagrams/colors3.xml><?xml version="1.0" encoding="utf-8"?>
+<dgm:colorsDef xmlns:dgm="http://schemas.openxmlformats.org/drawingml/2006/diagram" xmlns:a="http://schemas.openxmlformats.org/drawingml/2006/main" uniqueId="urn:microsoft.com/office/officeart/2005/8/colors/accent1_2">
+  <dgm:title val=""/>
+  <dgm:desc val=""/>
+  <dgm:catLst>
+    <dgm:cat type="accent1" pri="11200"/>
+  </dgm:catLst>
+  <dgm:styleLbl name="node0">
+    <dgm:fillClrLst meth="repeat">
+      <a:schemeClr val="accent1"/>
+    </dgm:fillClrLst>
+    <dgm:linClrLst meth="repeat">
+      <a:schemeClr val="lt1"/>
+    </dgm:linClrLst>
+    <dgm:effectClrLst/>
+    <dgm:txLinClrLst/>
+    <dgm:txFillClrLst/>
+    <dgm:txEffectClrLst/>
+  </dgm:styleLbl>
+  <dgm:styleLbl name="alignNode1">
+    <dgm:fillClrLst meth="repeat">
+      <a:schemeClr val="accent1"/>
+    </dgm:fillClrLst>
+    <dgm:linClrLst meth="repeat">
+      <a:schemeClr val="accent1"/>
+    </dgm:linClrLst>
+    <dgm:effectClrLst/>
+    <dgm:txLinClrLst/>
+    <dgm:txFillClrLst/>
+    <dgm:txEffectClrLst/>
+  </dgm:styleLbl>
+  <dgm:styleLbl name="node1">
+    <dgm:fillClrLst meth="repeat">
+      <a:schemeClr val="accent1"/>
+    </dgm:fillClrLst>
+    <dgm:linClrLst meth="repeat">
+      <a:schemeClr val="lt1"/>
+    </dgm:linClrLst>
+    <dgm:effectClrLst/>
+    <dgm:txLinClrLst/>
+    <dgm:txFillClrLst/>
+    <dgm:txEffectClrLst/>
+  </dgm:styleLbl>
+  <dgm:styleLbl name="lnNode1">
+    <dgm:fillClrLst meth="repeat">
+      <a:schemeClr val="accent1"/>
+    </dgm:fillClrLst>
+    <dgm:linClrLst meth="repeat">
+      <a:schemeClr val="lt1"/>
+    </dgm:linClrLst>
+    <dgm:effectClrLst/>
+    <dgm:txLinClrLst/>
+    <dgm:txFillClrLst/>
+    <dgm:txEffectClrLst/>
+  </dgm:styleLbl>
+  <dgm:styleLbl name="vennNode1">
+    <dgm:fillClrLst meth="repeat">
+      <a:schemeClr val="accent1">
+        <a:alpha val="50000"/>
+      </a:schemeClr>
+    </dgm:fillClrLst>
+    <dgm:linClrLst meth="repeat">
+      <a:schemeClr val="lt1"/>
+    </dgm:linClrLst>
+    <dgm:effectClrLst/>
+    <dgm:txLinClrLst/>
+    <dgm:txFillClrLst/>
+    <dgm:txEffectClrLst/>
+  </dgm:styleLbl>
+  <dgm:styleLbl name="node2">
+    <dgm:fillClrLst meth="repeat">
+      <a:schemeClr val="accent1"/>
+    </dgm:fillClrLst>
+    <dgm:linClrLst meth="repeat">
+      <a:schemeClr val="lt1"/>
+    </dgm:linClrLst>
+    <dgm:effectClrLst/>
+    <dgm:txLinClrLst/>
+    <dgm:txFillClrLst/>
+    <dgm:txEffectClrLst/>
+  </dgm:styleLbl>
+  <dgm:styleLbl name="node3">
+    <dgm:fillClrLst meth="repeat">
+      <a:schemeClr val="accent1"/>
+    </dgm:fillClrLst>
+    <dgm:linClrLst meth="repeat">
+      <a:schemeClr val="lt1"/>
+    </dgm:linClrLst>
+    <dgm:effectClrLst/>
+    <dgm:txLinClrLst/>
+    <dgm:txFillClrLst/>
+    <dgm:txEffectClrLst/>
+  </dgm:styleLbl>
+  <dgm:styleLbl name="node4">
+    <dgm:fillClrLst meth="repeat">
+      <a:schemeClr val="accent1"/>
+    </dgm:fillClrLst>
+    <dgm:linClrLst meth="repeat">
+      <a:schemeClr val="lt1"/>
+    </dgm:linClrLst>
+    <dgm:effectClrLst/>
+    <dgm:txLinClrLst/>
+    <dgm:txFillClrLst/>
+    <dgm:txEffectClrLst/>
+  </dgm:styleLbl>
+  <dgm:styleLbl name="fgImgPlace1">
+    <dgm:fillClrLst meth="repeat">
+      <a:schemeClr val="accent1">
+        <a:tint val="50000"/>
+      </a:schemeClr>
+    </dgm:fillClrLst>
+    <dgm:linClrLst meth="repeat">
+      <a:schemeClr val="lt1"/>
+    </dgm:linClrLst>
+    <dgm:effectClrLst/>
+    <dgm:txLinClrLst/>
+    <dgm:txFillClrLst meth="repeat">
+      <a:schemeClr val="lt1"/>
+    </dgm:txFillClrLst>
+    <dgm:txEffectClrLst/>
+  </dgm:styleLbl>
+  <dgm:styleLbl name="alignImgPlace1">
+    <dgm:fillClrLst meth="repeat">
+      <a:schemeClr val="accent1">
+        <a:tint val="50000"/>
+      </a:schemeClr>
+    </dgm:fillClrLst>
+    <dgm:linClrLst meth="repeat">
+      <a:schemeClr val="lt1"/>
+    </dgm:linClrLst>
+    <dgm:effectClrLst/>
+    <dgm:txLinClrLst/>
+    <dgm:txFillClrLst meth="repeat">
+      <a:schemeClr val="lt1"/>
+    </dgm:txFillClrLst>
+    <dgm:txEffectClrLst/>
+  </dgm:styleLbl>
+  <dgm:styleLbl name="bgImgPlace1">
+    <dgm:fillClrLst meth="repeat">
+      <a:schemeClr val="accent1">
+        <a:tint val="50000"/>
+      </a:schemeClr>
+    </dgm:fillClrLst>
+    <dgm:linClrLst meth="repeat">
+      <a:schemeClr val="lt1"/>
+    </dgm:linClrLst>
+    <dgm:effectClrLst/>
+    <dgm:txLinClrLst/>
+    <dgm:txFillClrLst meth="repeat">
+      <a:schemeClr val="lt1"/>
+    </dgm:txFillClrLst>
+    <dgm:txEffectClrLst/>
+  </dgm:styleLbl>
+  <dgm:styleLbl name="sibTrans2D1">
+    <dgm:fillClrLst meth="repeat">
+      <a:schemeClr val="accent1">
+        <a:tint val="60000"/>
+      </a:schemeClr>
+    </dgm:fillClrLst>
+    <dgm:linClrLst meth="repeat">
+      <a:schemeClr val="accent1">
+        <a:tint val="60000"/>
+      </a:schemeClr>
+    </dgm:linClrLst>
+    <dgm:effectClrLst/>
+    <dgm:txLinClrLst/>
+    <dgm:txFillClrLst/>
+    <dgm:txEffectClrLst/>
+  </dgm:styleLbl>
+  <dgm:styleLbl name="fgSibTrans2D1">
+    <dgm:fillClrLst meth="repeat">
+      <a:schemeClr val="accent1">
+        <a:tint val="60000"/>
+      </a:schemeClr>
+    </dgm:fillClrLst>
+    <dgm:linClrLst meth="repeat">
+      <a:schemeClr val="accent1">
+        <a:tint val="60000"/>
+      </a:schemeClr>
+    </dgm:linClrLst>
+    <dgm:effectClrLst/>
+    <dgm:txLinClrLst/>
+    <dgm:txFillClrLst/>
+    <dgm:txEffectClrLst/>
+  </dgm:styleLbl>
+  <dgm:styleLbl name="bgSibTrans2D1">
+    <dgm:fillClrLst meth="repeat">
+      <a:schemeClr val="accent1">
+        <a:tint val="60000"/>
+      </a:schemeClr>
+    </dgm:fillClrLst>
+    <dgm:linClrLst meth="repeat">
+      <a:schemeClr val="accent1">
+        <a:tint val="60000"/>
+      </a:schemeClr>
+    </dgm:linClrLst>
+    <dgm:effectClrLst/>
+    <dgm:txLinClrLst/>
+    <dgm:txFillClrLst/>
+    <dgm:txEffectClrLst/>
+  </dgm:styleLbl>
+  <dgm:styleLbl name="sibTrans1D1">
+    <dgm:fillClrLst meth="repeat">
+      <a:schemeClr val="accent1"/>
+    </dgm:fillClrLst>
+    <dgm:linClrLst meth="repeat">
+      <a:schemeClr val="accent1"/>
+    </dgm:linClrLst>
+    <dgm:effectClrLst/>
+    <dgm:txLinClrLst/>
+    <dgm:txFillClrLst meth="repeat">
+      <a:schemeClr val="tx1"/>
+    </dgm:txFillClrLst>
+    <dgm:txEffectClrLst/>
+  </dgm:styleLbl>
+  <dgm:styleLbl name="callout">
+    <dgm:fillClrLst meth="repeat">
+      <a:schemeClr val="accent1"/>
+    </dgm:fillClrLst>
+    <dgm:linClrLst meth="repeat">
+      <a:schemeClr val="accent1">
+        <a:tint val="50000"/>
+      </a:schemeClr>
+    </dgm:linClrLst>
+    <dgm:effectClrLst/>
+    <dgm:txLinClrLst/>
+    <dgm:txFillClrLst meth="repeat">
+      <a:schemeClr val="tx1"/>
+    </dgm:txFillClrLst>
+    <dgm:txEffectClrLst/>
+  </dgm:styleLbl>
+  <dgm:styleLbl name="asst0">
+    <dgm:fillClrLst meth="repeat">
+      <a:schemeClr val="accent1"/>
+    </dgm:fillClrLst>
+    <dgm:linClrLst meth="repeat">
+      <a:schemeClr val="lt1"/>
+    </dgm:linClrLst>
+    <dgm:effectClrLst/>
+    <dgm:txLinClrLst/>
+    <dgm:txFillClrLst/>
+    <dgm:txEffectClrLst/>
+  </dgm:styleLbl>
+  <dgm:styleLbl name="asst1">
+    <dgm:fillClrLst meth="repeat">
+      <a:schemeClr val="accent1"/>
+    </dgm:fillClrLst>
+    <dgm:linClrLst meth="repeat">
+      <a:schemeClr val="lt1"/>
+    </dgm:linClrLst>
+    <dgm:effectClrLst/>
+    <dgm:txLinClrLst/>
+    <dgm:txFillClrLst/>
+    <dgm:txEffectClrLst/>
+  </dgm:styleLbl>
+  <dgm:styleLbl name="asst2">
+    <dgm:fillClrLst meth="repeat">
+      <a:schemeClr val="accent1"/>
+    </dgm:fillClrLst>
+    <dgm:linClrLst meth="repeat">
+      <a:schemeClr val="lt1"/>
+    </dgm:linClrLst>
+    <dgm:effectClrLst/>
+    <dgm:txLinClrLst/>
+    <dgm:txFillClrLst/>
+    <dgm:txEffectClrLst/>
+  </dgm:styleLbl>
+  <dgm:styleLbl name="asst3">
+    <dgm:fillClrLst meth="repeat">
+      <a:schemeClr val="accent1"/>
+    </dgm:fillClrLst>
+    <dgm:linClrLst meth="repeat">
+      <a:schemeClr val="lt1"/>
+    </dgm:linClrLst>
+    <dgm:effectClrLst/>
+    <dgm:txLinClrLst/>
+    <dgm:txFillClrLst/>
+    <dgm:txEffectClrLst/>
+  </dgm:styleLbl>
+  <dgm:styleLbl name="asst4">
+    <dgm:fillClrLst meth="repeat">
+      <a:schemeClr val="accent1"/>
+    </dgm:fillClrLst>
+    <dgm:linClrLst meth="repeat">
+      <a:schemeClr val="lt1"/>
+    </dgm:linClrLst>
+    <dgm:effectClrLst/>
+    <dgm:txLinClrLst/>
+    <dgm:txFillClrLst/>
+    <dgm:txEffectClrLst/>
+  </dgm:styleLbl>
+  <dgm:styleLbl name="parChTrans2D1">
+    <dgm:fillClrLst meth="repeat">
+      <a:schemeClr val="accent1">
+        <a:tint val="60000"/>
+      </a:schemeClr>
+    </dgm:fillClrLst>
+    <dgm:linClrLst meth="repeat">
+      <a:schemeClr val="accent1">
+        <a:tint val="60000"/>
+      </a:schemeClr>
+    </dgm:linClrLst>
+    <dgm:effectClrLst/>
+    <dgm:txLinClrLst/>
+    <dgm:txFillClrLst meth="repeat">
+      <a:schemeClr val="lt1"/>
+    </dgm:txFillClrLst>
+    <dgm:txEffectClrLst/>
+  </dgm:styleLbl>
+  <dgm:styleLbl name="parChTrans2D2">
+    <dgm:fillClrLst meth="repeat">
+      <a:schemeClr val="accent1"/>
+    </dgm:fillClrLst>
+    <dgm:linClrLst meth="repeat">
+      <a:schemeClr val="accent1"/>
+    </dgm:linClrLst>
+    <dgm:effectClrLst/>
+    <dgm:txLinClrLst/>
+    <dgm:txFillClrLst meth="repeat">
+      <a:schemeClr val="lt1"/>
+    </dgm:txFillClrLst>
+    <dgm:txEffectClrLst/>
+  </dgm:styleLbl>
+  <dgm:styleLbl name="parChTrans2D3">
+    <dgm:fillClrLst meth="repeat">
+      <a:schemeClr val="accent1"/>
+    </dgm:fillClrLst>
+    <dgm:linClrLst meth="repeat">
+      <a:schemeClr val="accent1"/>
+    </dgm:linClrLst>
+    <dgm:effectClrLst/>
+    <dgm:txLinClrLst/>
+    <dgm:txFillClrLst meth="repeat">
+      <a:schemeClr val="lt1"/>
+    </dgm:txFillClrLst>
+    <dgm:txEffectClrLst/>
+  </dgm:styleLbl>
+  <dgm:styleLbl name="parChTrans2D4">
+    <dgm:fillClrLst meth="repeat">
+      <a:schemeClr val="accent1"/>
+    </dgm:fillClrLst>
+    <dgm:linClrLst meth="repeat">
+      <a:schemeClr val="accent1"/>
+    </dgm:linClrLst>
+    <dgm:effectClrLst/>
+    <dgm:txLinClrLst/>
+    <dgm:txFillClrLst meth="repeat">
+      <a:schemeClr val="lt1"/>
+    </dgm:txFillClrLst>
+    <dgm:txEffectClrLst/>
+  </dgm:styleLbl>
+  <dgm:styleLbl name="parChTrans1D1">
+    <dgm:fillClrLst meth="repeat">
+      <a:schemeClr val="accent1"/>
+    </dgm:fillClrLst>
+    <dgm:linClrLst meth="repeat">
+      <a:schemeClr val="accent1">
+        <a:shade val="60000"/>
+      </a:schemeClr>
+    </dgm:linClrLst>
+    <dgm:effectClrLst/>
+    <dgm:txLinClrLst/>
+    <dgm:txFillClrLst meth="repeat">
+      <a:schemeClr val="tx1"/>
+    </dgm:txFillClrLst>
+    <dgm:txEffectClrLst/>
+  </dgm:styleLbl>
+  <dgm:styleLbl name="parChTrans1D2">
+    <dgm:fillClrLst meth="repeat">
+      <a:schemeClr val="accent1"/>
+    </dgm:fillClrLst>
+    <dgm:linClrLst meth="repeat">
+      <a:schemeClr val="accent1">
+        <a:shade val="60000"/>
+      </a:schemeClr>
+    </dgm:linClrLst>
+    <dgm:effectClrLst/>
+    <dgm:txLinClrLst/>
+    <dgm:txFillClrLst meth="repeat">
+      <a:schemeClr val="tx1"/>
+    </dgm:txFillClrLst>
+    <dgm:txEffectClrLst/>
+  </dgm:styleLbl>
+  <dgm:styleLbl name="parChTrans1D3">
+    <dgm:fillClrLst meth="repeat">
+      <a:schemeClr val="accent1"/>
+    </dgm:fillClrLst>
+    <dgm:linClrLst meth="repeat">
+      <a:schemeClr val="accent1">
+        <a:shade val="80000"/>
+      </a:schemeClr>
+    </dgm:linClrLst>
+    <dgm:effectClrLst/>
+    <dgm:txLinClrLst/>
+    <dgm:txFillClrLst meth="repeat">
+      <a:schemeClr val="tx1"/>
+    </dgm:txFillClrLst>
+    <dgm:txEffectClrLst/>
+  </dgm:styleLbl>
+  <dgm:styleLbl name="parChTrans1D4">
+    <dgm:fillClrLst meth="repeat">
+      <a:schemeClr val="accent1"/>
+    </dgm:fillClrLst>
+    <dgm:linClrLst meth="repeat">
+      <a:schemeClr val="accent1">
+        <a:shade val="80000"/>
+      </a:schemeClr>
+    </dgm:linClrLst>
+    <dgm:effectClrLst/>
+    <dgm:txLinClrLst/>
+    <dgm:txFillClrLst meth="repeat">
+      <a:schemeClr val="tx1"/>
+    </dgm:txFillClrLst>
+    <dgm:txEffectClrLst/>
+  </dgm:styleLbl>
+  <dgm:styleLbl name="fgAcc1">
+    <dgm:fillClrLst meth="repeat">
+      <a:schemeClr val="lt1">
+        <a:alpha val="90000"/>
+      </a:schemeClr>
+    </dgm:fillClrLst>
+    <dgm:linClrLst meth="repeat">
+      <a:schemeClr val="accent1"/>
+    </dgm:linClrLst>
+    <dgm:effectClrLst/>
+    <dgm:txLinClrLst/>
+    <dgm:txFillClrLst meth="repeat">
+      <a:schemeClr val="dk1"/>
+    </dgm:txFillClrLst>
+    <dgm:txEffectClrLst/>
+  </dgm:styleLbl>
+  <dgm:styleLbl name="conFgAcc1">
+    <dgm:fillClrLst meth="repeat">
+      <a:schemeClr val="lt1">
+        <a:alpha val="90000"/>
+      </a:schemeClr>
+    </dgm:fillClrLst>
+    <dgm:linClrLst meth="repeat">
+      <a:schemeClr val="accent1"/>
+    </dgm:linClrLst>
+    <dgm:effectClrLst/>
+    <dgm:txLinClrLst/>
+    <dgm:txFillClrLst meth="repeat">
+      <a:schemeClr val="dk1"/>
+    </dgm:txFillClrLst>
+    <dgm:txEffectClrLst/>
+  </dgm:styleLbl>
+  <dgm:styleLbl name="alignAcc1">
+    <dgm:fillClrLst meth="repeat">
+      <a:schemeClr val="lt1">
+        <a:alpha val="90000"/>
+      </a:schemeClr>
+    </dgm:fillClrLst>
+    <dgm:linClrLst meth="repeat">
+      <a:schemeClr val="accent1"/>
+    </dgm:linClrLst>
+    <dgm:effectClrLst/>
+    <dgm:txLinClrLst/>
+    <dgm:txFillClrLst meth="repeat">
+      <a:schemeClr val="dk1"/>
+    </dgm:txFillClrLst>
+    <dgm:txEffectClrLst/>
+  </dgm:styleLbl>
+  <dgm:styleLbl name="trAlignAcc1">
+    <dgm:fillClrLst meth="repeat">
+      <a:schemeClr val="lt1">
+        <a:alpha val="40000"/>
+      </a:schemeClr>
+    </dgm:fillClrLst>
+    <dgm:linClrLst meth="repeat">
+      <a:schemeClr val="accent1"/>
+    </dgm:linClrLst>
+    <dgm:effectClrLst/>
+    <dgm:txLinClrLst/>
+    <dgm:txFillClrLst meth="repeat">
+      <a:schemeClr val="dk1"/>
+    </dgm:txFillClrLst>
+    <dgm:txEffectClrLst/>
+  </dgm:styleLbl>
+  <dgm:styleLbl name="bgAcc1">
+    <dgm:fillClrLst meth="repeat">
+      <a:schemeClr val="lt1">
+        <a:alpha val="90000"/>
+      </a:schemeClr>
+    </dgm:fillClrLst>
+    <dgm:linClrLst meth="repeat">
+      <a:schemeClr val="accent1"/>
+    </dgm:linClrLst>
+    <dgm:effectClrLst/>
+    <dgm:txLinClrLst/>
+    <dgm:txFillClrLst meth="repeat">
+      <a:schemeClr val="dk1"/>
+    </dgm:txFillClrLst>
+    <dgm:txEffectClrLst/>
+  </dgm:styleLbl>
+  <dgm:styleLbl name="solidFgAcc1">
+    <dgm:fillClrLst meth="repeat">
+      <a:schemeClr val="lt1"/>
+    </dgm:fillClrLst>
+    <dgm:linClrLst meth="repeat">
+      <a:schemeClr val="accent1"/>
+    </dgm:linClrLst>
+    <dgm:effectClrLst/>
+    <dgm:txLinClrLst/>
+    <dgm:txFillClrLst meth="repeat">
+      <a:schemeClr val="dk1"/>
+    </dgm:txFillClrLst>
+    <dgm:txEffectClrLst/>
+  </dgm:styleLbl>
+  <dgm:styleLbl name="solidAlignAcc1">
+    <dgm:fillClrLst meth="repeat">
+      <a:schemeClr val="lt1"/>
+    </dgm:fillClrLst>
+    <dgm:linClrLst meth="repeat">
+      <a:schemeClr val="accent1"/>
+    </dgm:linClrLst>
+    <dgm:effectClrLst/>
+    <dgm:txLinClrLst/>
+    <dgm:txFillClrLst meth="repeat">
+      <a:schemeClr val="dk1"/>
+    </dgm:txFillClrLst>
+    <dgm:txEffectClrLst/>
+  </dgm:styleLbl>
+  <dgm:styleLbl name="solidBgAcc1">
+    <dgm:fillClrLst meth="repeat">
+      <a:schemeClr val="lt1"/>
+    </dgm:fillClrLst>
+    <dgm:linClrLst meth="repeat">
+      <a:schemeClr val="accent1"/>
+    </dgm:linClrLst>
+    <dgm:effectClrLst/>
+    <dgm:txLinClrLst/>
+    <dgm:txFillClrLst meth="repeat">
+      <a:schemeClr val="dk1"/>
+    </dgm:txFillClrLst>
+    <dgm:txEffectClrLst/>
+  </dgm:styleLbl>
+  <dgm:styleLbl name="fgAccFollowNode1">
+    <dgm:fillClrLst meth="repeat">
+      <a:schemeClr val="accent1">
+        <a:alpha val="90000"/>
+        <a:tint val="40000"/>
+      </a:schemeClr>
+    </dgm:fillClrLst>
+    <dgm:linClrLst meth="repeat">
+      <a:schemeClr val="accent1">
+        <a:alpha val="90000"/>
+        <a:tint val="40000"/>
+      </a:schemeClr>
+    </dgm:linClrLst>
+    <dgm:effectClrLst/>
+    <dgm:txLinClrLst/>
+    <dgm:txFillClrLst meth="repeat">
+      <a:schemeClr val="dk1"/>
+    </dgm:txFillClrLst>
+    <dgm:txEffectClrLst/>
+  </dgm:styleLbl>
+  <dgm:styleLbl name="alignAccFollowNode1">
+    <dgm:fillClrLst meth="repeat">
+      <a:schemeClr val="accent1">
+        <a:alpha val="90000"/>
+        <a:tint val="40000"/>
+      </a:schemeClr>
+    </dgm:fillClrLst>
+    <dgm:linClrLst meth="repeat">
+      <a:schemeClr val="accent1">
+        <a:alpha val="90000"/>
+        <a:tint val="40000"/>
+      </a:schemeClr>
+    </dgm:linClrLst>
+    <dgm:effectClrLst/>
+    <dgm:txLinClrLst/>
+    <dgm:txFillClrLst meth="repeat">
+      <a:schemeClr val="dk1"/>
+    </dgm:txFillClrLst>
+    <dgm:txEffectClrLst/>
+  </dgm:styleLbl>
+  <dgm:styleLbl name="bgAccFollowNode1">
+    <dgm:fillClrLst meth="repeat">
+      <a:schemeClr val="accent1">
+        <a:alpha val="90000"/>
+        <a:tint val="40000"/>
+      </a:schemeClr>
+    </dgm:fillClrLst>
+    <dgm:linClrLst meth="repeat">
+      <a:schemeClr val="accent1">
+        <a:alpha val="90000"/>
+        <a:tint val="40000"/>
+      </a:schemeClr>
+    </dgm:linClrLst>
+    <dgm:effectClrLst/>
+    <dgm:txLinClrLst/>
+    <dgm:txFillClrLst meth="repeat">
+      <a:schemeClr val="dk1"/>
+    </dgm:txFillClrLst>
+    <dgm:txEffectClrLst/>
+  </dgm:styleLbl>
+  <dgm:styleLbl name="fgAcc0">
+    <dgm:fillClrLst meth="repeat">
+      <a:schemeClr val="lt1">
+        <a:alpha val="90000"/>
+      </a:schemeClr>
+    </dgm:fillClrLst>
+    <dgm:linClrLst meth="repeat">
+      <a:schemeClr val="accent1"/>
+    </dgm:linClrLst>
+    <dgm:effectClrLst/>
+    <dgm:txLinClrLst/>
+    <dgm:txFillClrLst meth="repeat">
+      <a:schemeClr val="dk1"/>
+    </dgm:txFillClrLst>
+    <dgm:txEffectClrLst/>
+  </dgm:styleLbl>
+  <dgm:styleLbl name="fgAcc2">
+    <dgm:fillClrLst meth="repeat">
+      <a:schemeClr val="lt1">
+        <a:alpha val="90000"/>
+      </a:schemeClr>
+    </dgm:fillClrLst>
+    <dgm:linClrLst meth="repeat">
+      <a:schemeClr val="accent1"/>
+    </dgm:linClrLst>
+    <dgm:effectClrLst/>
+    <dgm:txLinClrLst/>
+    <dgm:txFillClrLst meth="repeat">
+      <a:schemeClr val="dk1"/>
+    </dgm:txFillClrLst>
+    <dgm:txEffectClrLst/>
+  </dgm:styleLbl>
+  <dgm:styleLbl name="fgAcc3">
+    <dgm:fillClrLst meth="repeat">
+      <a:schemeClr val="lt1">
+        <a:alpha val="90000"/>
+      </a:schemeClr>
+    </dgm:fillClrLst>
+    <dgm:linClrLst meth="repeat">
+      <a:schemeClr val="accent1"/>
+    </dgm:linClrLst>
+    <dgm:effectClrLst/>
+    <dgm:txLinClrLst/>
+    <dgm:txFillClrLst meth="repeat">
+      <a:schemeClr val="dk1"/>
+    </dgm:txFillClrLst>
+    <dgm:txEffectClrLst/>
+  </dgm:styleLbl>
+  <dgm:styleLbl name="fgAcc4">
+    <dgm:fillClrLst meth="repeat">
+      <a:schemeClr val="lt1">
+        <a:alpha val="90000"/>
+      </a:schemeClr>
+    </dgm:fillClrLst>
+    <dgm:linClrLst meth="repeat">
+      <a:schemeClr val="accent1"/>
+    </dgm:linClrLst>
+    <dgm:effectClrLst/>
+    <dgm:txLinClrLst/>
+    <dgm:txFillClrLst meth="repeat">
+      <a:schemeClr val="dk1"/>
+    </dgm:txFillClrLst>
+    <dgm:txEffectClrLst/>
+  </dgm:styleLbl>
+  <dgm:styleLbl name="bgShp">
+    <dgm:fillClrLst meth="repeat">
+      <a:schemeClr val="accent1">
+        <a:tint val="40000"/>
+      </a:schemeClr>
+    </dgm:fillClrLst>
+    <dgm:linClrLst meth="repeat">
+      <a:schemeClr val="accent1"/>
+    </dgm:linClrLst>
+    <dgm:effectClrLst/>
+    <dgm:txLinClrLst/>
+    <dgm:txFillClrLst meth="repeat">
+      <a:schemeClr val="dk1"/>
+    </dgm:txFillClrLst>
+    <dgm:txEffectClrLst/>
+  </dgm:styleLbl>
+  <dgm:styleLbl name="dkBgShp">
+    <dgm:fillClrLst meth="repeat">
+      <a:schemeClr val="accent1">
+        <a:shade val="80000"/>
+      </a:schemeClr>
+    </dgm:fillClrLst>
+    <dgm:linClrLst meth="repeat">
+      <a:schemeClr val="accent1"/>
+    </dgm:linClrLst>
+    <dgm:effectClrLst/>
+    <dgm:txLinClrLst/>
+    <dgm:txFillClrLst meth="repeat">
+      <a:schemeClr val="lt1"/>
+    </dgm:txFillClrLst>
+    <dgm:txEffectClrLst/>
+  </dgm:styleLbl>
+  <dgm:styleLbl name="trBgShp">
+    <dgm:fillClrLst meth="repeat">
+      <a:schemeClr val="accent1">
+        <a:tint val="50000"/>
+        <a:alpha val="40000"/>
+      </a:schemeClr>
+    </dgm:fillClrLst>
+    <dgm:linClrLst meth="repeat">
+      <a:schemeClr val="accent1"/>
+    </dgm:linClrLst>
+    <dgm:effectClrLst/>
+    <dgm:txLinClrLst/>
+    <dgm:txFillClrLst meth="repeat">
+      <a:schemeClr val="lt1"/>
+    </dgm:txFillClrLst>
+    <dgm:txEffectClrLst/>
+  </dgm:styleLbl>
+  <dgm:styleLbl name="fgShp">
+    <dgm:fillClrLst meth="repeat">
+      <a:schemeClr val="accent1">
+        <a:tint val="60000"/>
+      </a:schemeClr>
+    </dgm:fillClrLst>
+    <dgm:linClrLst meth="repeat">
+      <a:schemeClr val="lt1"/>
+    </dgm:linClrLst>
+    <dgm:effectClrLst/>
+    <dgm:txLinClrLst/>
+    <dgm:txFillClrLst meth="repeat">
+      <a:schemeClr val="dk1"/>
+    </dgm:txFillClrLst>
+    <dgm:txEffectClrLst/>
+  </dgm:styleLbl>
+  <dgm:styleLbl name="revTx">
+    <dgm:fillClrLst meth="repeat">
+      <a:schemeClr val="lt1">
+        <a:alpha val="0"/>
+      </a:schemeClr>
+    </dgm:fillClrLst>
+    <dgm:linClrLst meth="repeat">
+      <a:schemeClr val="dk1">
+        <a:alpha val="0"/>
+      </a:schemeClr>
+    </dgm:linClrLst>
+    <dgm:effectClrLst/>
+    <dgm:txLinClrLst/>
+    <dgm:txFillClrLst meth="repeat">
+      <a:schemeClr val="tx1"/>
+    </dgm:txFillClrLst>
     <dgm:txEffectClrLst/>
   </dgm:styleLbl>
 </dgm:colorsDef>
@@ -3984,6 +4732,502 @@
     <dgm:cxn modelId="{9377E395-F873-4028-BAF3-F5719F41EE86}" type="presParOf" srcId="{89CCAB77-2630-468B-B30B-71D33231C39F}" destId="{E405F61A-488A-4779-837A-6A97BA10590B}" srcOrd="2" destOrd="0" presId="urn:microsoft.com/office/officeart/2005/8/layout/hProcess4#1"/>
     <dgm:cxn modelId="{C02E343A-FD7F-4D51-8E4E-30C8718461DB}" type="presParOf" srcId="{89CCAB77-2630-468B-B30B-71D33231C39F}" destId="{26C43FB0-B911-43DB-A84F-27E616B7B27C}" srcOrd="3" destOrd="0" presId="urn:microsoft.com/office/officeart/2005/8/layout/hProcess4#1"/>
     <dgm:cxn modelId="{FCBF94B3-B07E-4AC6-8E5A-A96A81749EE7}" type="presParOf" srcId="{89CCAB77-2630-468B-B30B-71D33231C39F}" destId="{7C2B59CD-186D-41AA-95AA-E3E1E05BBF42}" srcOrd="4" destOrd="0" presId="urn:microsoft.com/office/officeart/2005/8/layout/hProcess4#1"/>
+  </dgm:cxnLst>
+  <dgm:bg/>
+  <dgm:whole/>
+  <dgm:extLst>
+    <a:ext uri="http://schemas.microsoft.com/office/drawing/2008/diagram">
+      <dsp:dataModelExt xmlns:dsp="http://schemas.microsoft.com/office/drawing/2008/diagram" relId="rId6" minVer="http://schemas.openxmlformats.org/drawingml/2006/diagram"/>
+    </a:ext>
+  </dgm:extLst>
+</dgm:dataModel>
+</file>
+
+<file path=ppt/diagrams/data3.xml><?xml version="1.0" encoding="utf-8"?>
+<dgm:dataModel xmlns:dgm="http://schemas.openxmlformats.org/drawingml/2006/diagram" xmlns:a="http://schemas.openxmlformats.org/drawingml/2006/main">
+  <dgm:ptLst>
+    <dgm:pt modelId="{942EA9E2-DC9B-CD4B-92E4-AFB8B27D4471}" type="doc">
+      <dgm:prSet loTypeId="urn:microsoft.com/office/officeart/2005/8/layout/chevron2" loCatId="" qsTypeId="urn:microsoft.com/office/officeart/2005/8/quickstyle/simple4" qsCatId="simple" csTypeId="urn:microsoft.com/office/officeart/2005/8/colors/accent1_2" csCatId="accent1" phldr="1"/>
+      <dgm:spPr/>
+      <dgm:t>
+        <a:bodyPr/>
+        <a:lstStyle/>
+        <a:p>
+          <a:endParaRPr lang="zh-CN" altLang="en-US"/>
+        </a:p>
+      </dgm:t>
+    </dgm:pt>
+    <dgm:pt modelId="{35C4698C-0D31-6748-BCDC-4F19104DE84A}">
+      <dgm:prSet phldrT="[文本]" custT="1"/>
+      <dgm:spPr/>
+      <dgm:t>
+        <a:bodyPr/>
+        <a:lstStyle/>
+        <a:p>
+          <a:r>
+            <a:rPr lang="zh-CN" altLang="en-US" sz="2000" dirty="0" smtClean="0"/>
+            <a:t>易用性</a:t>
+          </a:r>
+          <a:endParaRPr lang="zh-CN" altLang="en-US" sz="2000" dirty="0"/>
+        </a:p>
+      </dgm:t>
+    </dgm:pt>
+    <dgm:pt modelId="{23C5C1EB-9AA9-314D-9A17-2949AF3FCF3C}" type="parTrans" cxnId="{339A2950-CAE2-934F-A315-04EA5DF6296C}">
+      <dgm:prSet/>
+      <dgm:spPr/>
+      <dgm:t>
+        <a:bodyPr/>
+        <a:lstStyle/>
+        <a:p>
+          <a:endParaRPr lang="zh-CN" altLang="en-US"/>
+        </a:p>
+      </dgm:t>
+    </dgm:pt>
+    <dgm:pt modelId="{873801DD-3048-A948-8E3A-89F0F8DA37AF}" type="sibTrans" cxnId="{339A2950-CAE2-934F-A315-04EA5DF6296C}">
+      <dgm:prSet/>
+      <dgm:spPr/>
+      <dgm:t>
+        <a:bodyPr/>
+        <a:lstStyle/>
+        <a:p>
+          <a:endParaRPr lang="zh-CN" altLang="en-US"/>
+        </a:p>
+      </dgm:t>
+    </dgm:pt>
+    <dgm:pt modelId="{7303BFA1-ACE6-DC46-97BE-5CD20FDA5E91}">
+      <dgm:prSet phldrT="[文本]" custT="1"/>
+      <dgm:spPr/>
+      <dgm:t>
+        <a:bodyPr/>
+        <a:lstStyle/>
+        <a:p>
+          <a:r>
+            <a:rPr lang="zh-CN" altLang="en-US" sz="2000" dirty="0" smtClean="0"/>
+            <a:t>页面简洁明了，交互性好，易操作</a:t>
+          </a:r>
+          <a:endParaRPr lang="zh-CN" altLang="en-US" sz="2000" dirty="0"/>
+        </a:p>
+      </dgm:t>
+    </dgm:pt>
+    <dgm:pt modelId="{80368A49-BC0F-9043-B590-94FBC1CE6094}" type="parTrans" cxnId="{D27F9750-9C3E-B24D-B8A0-6E6C96CF5C91}">
+      <dgm:prSet/>
+      <dgm:spPr/>
+      <dgm:t>
+        <a:bodyPr/>
+        <a:lstStyle/>
+        <a:p>
+          <a:endParaRPr lang="zh-CN" altLang="en-US"/>
+        </a:p>
+      </dgm:t>
+    </dgm:pt>
+    <dgm:pt modelId="{4DF0477F-69F1-5B45-A1D1-EBCCB486827E}" type="sibTrans" cxnId="{D27F9750-9C3E-B24D-B8A0-6E6C96CF5C91}">
+      <dgm:prSet/>
+      <dgm:spPr/>
+      <dgm:t>
+        <a:bodyPr/>
+        <a:lstStyle/>
+        <a:p>
+          <a:endParaRPr lang="zh-CN" altLang="en-US"/>
+        </a:p>
+      </dgm:t>
+    </dgm:pt>
+    <dgm:pt modelId="{96181315-DDF4-BB4A-9AAF-CAEDB7D1CC4C}">
+      <dgm:prSet phldrT="[文本]" custT="1"/>
+      <dgm:spPr/>
+      <dgm:t>
+        <a:bodyPr/>
+        <a:lstStyle/>
+        <a:p>
+          <a:r>
+            <a:rPr lang="zh-CN" altLang="en-US" sz="2000" dirty="0" smtClean="0"/>
+            <a:t>兼容性</a:t>
+          </a:r>
+          <a:endParaRPr lang="zh-CN" altLang="en-US" sz="2000" dirty="0"/>
+        </a:p>
+      </dgm:t>
+    </dgm:pt>
+    <dgm:pt modelId="{CC05CC24-8271-C64D-921A-D22F46A15FC9}" type="parTrans" cxnId="{4BF06375-6A12-D243-B4CA-2EAF4836ED18}">
+      <dgm:prSet/>
+      <dgm:spPr/>
+      <dgm:t>
+        <a:bodyPr/>
+        <a:lstStyle/>
+        <a:p>
+          <a:endParaRPr lang="zh-CN" altLang="en-US"/>
+        </a:p>
+      </dgm:t>
+    </dgm:pt>
+    <dgm:pt modelId="{487ABD20-A085-8D41-8F26-C43D0CCD68F8}" type="sibTrans" cxnId="{4BF06375-6A12-D243-B4CA-2EAF4836ED18}">
+      <dgm:prSet/>
+      <dgm:spPr/>
+      <dgm:t>
+        <a:bodyPr/>
+        <a:lstStyle/>
+        <a:p>
+          <a:endParaRPr lang="zh-CN" altLang="en-US"/>
+        </a:p>
+      </dgm:t>
+    </dgm:pt>
+    <dgm:pt modelId="{BFEA34FF-4FED-FB48-B2E7-84C8E299CE3D}">
+      <dgm:prSet phldrT="[文本]" custT="1"/>
+      <dgm:spPr/>
+      <dgm:t>
+        <a:bodyPr/>
+        <a:lstStyle/>
+        <a:p>
+          <a:r>
+            <a:rPr lang="zh-CN" altLang="en-US" sz="2000" dirty="0" smtClean="0"/>
+            <a:t>可以兼容当前主流浏览器</a:t>
+          </a:r>
+          <a:endParaRPr lang="zh-CN" altLang="en-US" sz="2000" dirty="0"/>
+        </a:p>
+      </dgm:t>
+    </dgm:pt>
+    <dgm:pt modelId="{B04D8A7A-7B9F-DA44-8279-E6C063EE71C3}" type="parTrans" cxnId="{9E239AA4-10A7-9240-B2EC-CD4635A944D9}">
+      <dgm:prSet/>
+      <dgm:spPr/>
+      <dgm:t>
+        <a:bodyPr/>
+        <a:lstStyle/>
+        <a:p>
+          <a:endParaRPr lang="zh-CN" altLang="en-US"/>
+        </a:p>
+      </dgm:t>
+    </dgm:pt>
+    <dgm:pt modelId="{09249EE0-7AED-DB4C-9CE0-048773E522B8}" type="sibTrans" cxnId="{9E239AA4-10A7-9240-B2EC-CD4635A944D9}">
+      <dgm:prSet/>
+      <dgm:spPr/>
+      <dgm:t>
+        <a:bodyPr/>
+        <a:lstStyle/>
+        <a:p>
+          <a:endParaRPr lang="zh-CN" altLang="en-US"/>
+        </a:p>
+      </dgm:t>
+    </dgm:pt>
+    <dgm:pt modelId="{69F69810-2E1C-D543-B620-7C7A4FF10241}">
+      <dgm:prSet phldrT="[文本]" custT="1"/>
+      <dgm:spPr/>
+      <dgm:t>
+        <a:bodyPr/>
+        <a:lstStyle/>
+        <a:p>
+          <a:r>
+            <a:rPr lang="zh-CN" altLang="en-US" sz="2000" dirty="0" smtClean="0"/>
+            <a:t>性能</a:t>
+          </a:r>
+          <a:endParaRPr lang="zh-CN" altLang="en-US" sz="2000" dirty="0"/>
+        </a:p>
+      </dgm:t>
+    </dgm:pt>
+    <dgm:pt modelId="{A4D9B712-8417-3E43-931C-74CDDB5CD447}" type="parTrans" cxnId="{1C8D7890-A155-3D45-A225-9CF3B214658C}">
+      <dgm:prSet/>
+      <dgm:spPr/>
+      <dgm:t>
+        <a:bodyPr/>
+        <a:lstStyle/>
+        <a:p>
+          <a:endParaRPr lang="zh-CN" altLang="en-US"/>
+        </a:p>
+      </dgm:t>
+    </dgm:pt>
+    <dgm:pt modelId="{906E763B-3C88-F743-BBF9-7E93E24EF241}" type="sibTrans" cxnId="{1C8D7890-A155-3D45-A225-9CF3B214658C}">
+      <dgm:prSet/>
+      <dgm:spPr/>
+      <dgm:t>
+        <a:bodyPr/>
+        <a:lstStyle/>
+        <a:p>
+          <a:endParaRPr lang="zh-CN" altLang="en-US"/>
+        </a:p>
+      </dgm:t>
+    </dgm:pt>
+    <dgm:pt modelId="{F4EAC35F-919A-DF45-9617-F145636197AD}">
+      <dgm:prSet phldrT="[文本]" custT="1"/>
+      <dgm:spPr/>
+      <dgm:t>
+        <a:bodyPr/>
+        <a:lstStyle/>
+        <a:p>
+          <a:r>
+            <a:rPr lang="zh-CN" altLang="en-US" sz="2000" dirty="0" smtClean="0"/>
+            <a:t>响应时间达标，满足用户速度体验要求</a:t>
+          </a:r>
+          <a:endParaRPr lang="zh-CN" altLang="en-US" sz="2000" dirty="0"/>
+        </a:p>
+      </dgm:t>
+    </dgm:pt>
+    <dgm:pt modelId="{F4368641-5A91-5F41-A058-0E79C71C0777}" type="parTrans" cxnId="{8E2C5F9B-0165-7547-8BDA-DD6792AFE5AF}">
+      <dgm:prSet/>
+      <dgm:spPr/>
+      <dgm:t>
+        <a:bodyPr/>
+        <a:lstStyle/>
+        <a:p>
+          <a:endParaRPr lang="zh-CN" altLang="en-US"/>
+        </a:p>
+      </dgm:t>
+    </dgm:pt>
+    <dgm:pt modelId="{ED454236-14EE-6D4C-9904-94DFC6DD5437}" type="sibTrans" cxnId="{8E2C5F9B-0165-7547-8BDA-DD6792AFE5AF}">
+      <dgm:prSet/>
+      <dgm:spPr/>
+      <dgm:t>
+        <a:bodyPr/>
+        <a:lstStyle/>
+        <a:p>
+          <a:endParaRPr lang="zh-CN" altLang="en-US"/>
+        </a:p>
+      </dgm:t>
+    </dgm:pt>
+    <dgm:pt modelId="{AEC4D95E-DC36-3746-A9D4-B63761365971}">
+      <dgm:prSet custT="1"/>
+      <dgm:spPr/>
+      <dgm:t>
+        <a:bodyPr/>
+        <a:lstStyle/>
+        <a:p>
+          <a:r>
+            <a:rPr lang="zh-CN" altLang="en-US" sz="2000" dirty="0" smtClean="0"/>
+            <a:t>健壮性</a:t>
+          </a:r>
+          <a:endParaRPr lang="zh-CN" altLang="en-US" sz="2000" dirty="0"/>
+        </a:p>
+      </dgm:t>
+    </dgm:pt>
+    <dgm:pt modelId="{AB293882-DE38-B143-8451-AC624A07561C}" type="parTrans" cxnId="{263301B0-5964-0345-8AC8-426B9393948C}">
+      <dgm:prSet/>
+      <dgm:spPr/>
+      <dgm:t>
+        <a:bodyPr/>
+        <a:lstStyle/>
+        <a:p>
+          <a:endParaRPr lang="zh-CN" altLang="en-US"/>
+        </a:p>
+      </dgm:t>
+    </dgm:pt>
+    <dgm:pt modelId="{40E95149-9C14-244E-9CFC-B2CF50C4987F}" type="sibTrans" cxnId="{263301B0-5964-0345-8AC8-426B9393948C}">
+      <dgm:prSet/>
+      <dgm:spPr/>
+      <dgm:t>
+        <a:bodyPr/>
+        <a:lstStyle/>
+        <a:p>
+          <a:endParaRPr lang="zh-CN" altLang="en-US"/>
+        </a:p>
+      </dgm:t>
+    </dgm:pt>
+    <dgm:pt modelId="{A7E8301E-FACE-5A45-9D21-7339057F6035}">
+      <dgm:prSet custT="1"/>
+      <dgm:spPr/>
+      <dgm:t>
+        <a:bodyPr/>
+        <a:lstStyle/>
+        <a:p>
+          <a:r>
+            <a:rPr lang="zh-CN" altLang="en-US" sz="2000" dirty="0" smtClean="0"/>
+            <a:t>校验逻辑增强系统稳健性，整体功能运行稳定</a:t>
+          </a:r>
+          <a:endParaRPr lang="zh-CN" altLang="en-US" sz="2000" dirty="0"/>
+        </a:p>
+      </dgm:t>
+    </dgm:pt>
+    <dgm:pt modelId="{0F2B41B1-8B65-4748-AB51-C823A4B75993}" type="parTrans" cxnId="{10AF2B2C-E64E-2A4A-82C5-314C9C5420DC}">
+      <dgm:prSet/>
+      <dgm:spPr/>
+      <dgm:t>
+        <a:bodyPr/>
+        <a:lstStyle/>
+        <a:p>
+          <a:endParaRPr lang="zh-CN" altLang="en-US"/>
+        </a:p>
+      </dgm:t>
+    </dgm:pt>
+    <dgm:pt modelId="{DCD4C741-879B-6B43-A404-F99F7DC3FB79}" type="sibTrans" cxnId="{10AF2B2C-E64E-2A4A-82C5-314C9C5420DC}">
+      <dgm:prSet/>
+      <dgm:spPr/>
+      <dgm:t>
+        <a:bodyPr/>
+        <a:lstStyle/>
+        <a:p>
+          <a:endParaRPr lang="zh-CN" altLang="en-US"/>
+        </a:p>
+      </dgm:t>
+    </dgm:pt>
+    <dgm:pt modelId="{F227B109-A21B-2D4C-AFC9-1A495BEBC4A5}" type="pres">
+      <dgm:prSet presAssocID="{942EA9E2-DC9B-CD4B-92E4-AFB8B27D4471}" presName="linearFlow" presStyleCnt="0">
+        <dgm:presLayoutVars>
+          <dgm:dir/>
+          <dgm:animLvl val="lvl"/>
+          <dgm:resizeHandles val="exact"/>
+        </dgm:presLayoutVars>
+      </dgm:prSet>
+      <dgm:spPr/>
+    </dgm:pt>
+    <dgm:pt modelId="{7FD91784-9A70-BA4A-AB2F-614A98915F28}" type="pres">
+      <dgm:prSet presAssocID="{35C4698C-0D31-6748-BCDC-4F19104DE84A}" presName="composite" presStyleCnt="0"/>
+      <dgm:spPr/>
+    </dgm:pt>
+    <dgm:pt modelId="{FBF6573A-D113-E249-A00A-724B53BA522E}" type="pres">
+      <dgm:prSet presAssocID="{35C4698C-0D31-6748-BCDC-4F19104DE84A}" presName="parentText" presStyleLbl="alignNode1" presStyleIdx="0" presStyleCnt="4">
+        <dgm:presLayoutVars>
+          <dgm:chMax val="1"/>
+          <dgm:bulletEnabled val="1"/>
+        </dgm:presLayoutVars>
+      </dgm:prSet>
+      <dgm:spPr/>
+      <dgm:t>
+        <a:bodyPr/>
+        <a:lstStyle/>
+        <a:p>
+          <a:endParaRPr lang="zh-CN" altLang="en-US"/>
+        </a:p>
+      </dgm:t>
+    </dgm:pt>
+    <dgm:pt modelId="{A4573395-58CE-4642-8AA9-F2C223D52831}" type="pres">
+      <dgm:prSet presAssocID="{35C4698C-0D31-6748-BCDC-4F19104DE84A}" presName="descendantText" presStyleLbl="alignAcc1" presStyleIdx="0" presStyleCnt="4">
+        <dgm:presLayoutVars>
+          <dgm:bulletEnabled val="1"/>
+        </dgm:presLayoutVars>
+      </dgm:prSet>
+      <dgm:spPr/>
+      <dgm:t>
+        <a:bodyPr/>
+        <a:lstStyle/>
+        <a:p>
+          <a:endParaRPr lang="zh-CN" altLang="en-US"/>
+        </a:p>
+      </dgm:t>
+    </dgm:pt>
+    <dgm:pt modelId="{5FDDF4EB-2875-8C4B-9C32-1783C67F6AAD}" type="pres">
+      <dgm:prSet presAssocID="{873801DD-3048-A948-8E3A-89F0F8DA37AF}" presName="sp" presStyleCnt="0"/>
+      <dgm:spPr/>
+    </dgm:pt>
+    <dgm:pt modelId="{0A122D0A-6E94-5747-86D1-BED1E3F1E433}" type="pres">
+      <dgm:prSet presAssocID="{96181315-DDF4-BB4A-9AAF-CAEDB7D1CC4C}" presName="composite" presStyleCnt="0"/>
+      <dgm:spPr/>
+    </dgm:pt>
+    <dgm:pt modelId="{2E40469A-BF93-3841-A34A-D7CEF0154140}" type="pres">
+      <dgm:prSet presAssocID="{96181315-DDF4-BB4A-9AAF-CAEDB7D1CC4C}" presName="parentText" presStyleLbl="alignNode1" presStyleIdx="1" presStyleCnt="4">
+        <dgm:presLayoutVars>
+          <dgm:chMax val="1"/>
+          <dgm:bulletEnabled val="1"/>
+        </dgm:presLayoutVars>
+      </dgm:prSet>
+      <dgm:spPr/>
+    </dgm:pt>
+    <dgm:pt modelId="{8B7885CD-A022-D84A-A51A-8740BCDDAFEB}" type="pres">
+      <dgm:prSet presAssocID="{96181315-DDF4-BB4A-9AAF-CAEDB7D1CC4C}" presName="descendantText" presStyleLbl="alignAcc1" presStyleIdx="1" presStyleCnt="4">
+        <dgm:presLayoutVars>
+          <dgm:bulletEnabled val="1"/>
+        </dgm:presLayoutVars>
+      </dgm:prSet>
+      <dgm:spPr/>
+      <dgm:t>
+        <a:bodyPr/>
+        <a:lstStyle/>
+        <a:p>
+          <a:endParaRPr lang="zh-CN" altLang="en-US"/>
+        </a:p>
+      </dgm:t>
+    </dgm:pt>
+    <dgm:pt modelId="{ABAD4437-3FF3-954F-A63F-604462346FD5}" type="pres">
+      <dgm:prSet presAssocID="{487ABD20-A085-8D41-8F26-C43D0CCD68F8}" presName="sp" presStyleCnt="0"/>
+      <dgm:spPr/>
+    </dgm:pt>
+    <dgm:pt modelId="{2EF45223-F1D6-A941-9F36-5F43511B37F3}" type="pres">
+      <dgm:prSet presAssocID="{69F69810-2E1C-D543-B620-7C7A4FF10241}" presName="composite" presStyleCnt="0"/>
+      <dgm:spPr/>
+    </dgm:pt>
+    <dgm:pt modelId="{EFD217E2-80B9-E648-9F71-2B376C498494}" type="pres">
+      <dgm:prSet presAssocID="{69F69810-2E1C-D543-B620-7C7A4FF10241}" presName="parentText" presStyleLbl="alignNode1" presStyleIdx="2" presStyleCnt="4">
+        <dgm:presLayoutVars>
+          <dgm:chMax val="1"/>
+          <dgm:bulletEnabled val="1"/>
+        </dgm:presLayoutVars>
+      </dgm:prSet>
+      <dgm:spPr/>
+    </dgm:pt>
+    <dgm:pt modelId="{1883B4BB-31F3-574B-B44B-409C17EDFECF}" type="pres">
+      <dgm:prSet presAssocID="{69F69810-2E1C-D543-B620-7C7A4FF10241}" presName="descendantText" presStyleLbl="alignAcc1" presStyleIdx="2" presStyleCnt="4">
+        <dgm:presLayoutVars>
+          <dgm:bulletEnabled val="1"/>
+        </dgm:presLayoutVars>
+      </dgm:prSet>
+      <dgm:spPr/>
+      <dgm:t>
+        <a:bodyPr/>
+        <a:lstStyle/>
+        <a:p>
+          <a:endParaRPr lang="zh-CN" altLang="en-US"/>
+        </a:p>
+      </dgm:t>
+    </dgm:pt>
+    <dgm:pt modelId="{D66872DB-238A-E249-AA44-36B75A22B590}" type="pres">
+      <dgm:prSet presAssocID="{906E763B-3C88-F743-BBF9-7E93E24EF241}" presName="sp" presStyleCnt="0"/>
+      <dgm:spPr/>
+    </dgm:pt>
+    <dgm:pt modelId="{E50324C8-BB8E-8B4E-9D8F-4242B288C54E}" type="pres">
+      <dgm:prSet presAssocID="{AEC4D95E-DC36-3746-A9D4-B63761365971}" presName="composite" presStyleCnt="0"/>
+      <dgm:spPr/>
+    </dgm:pt>
+    <dgm:pt modelId="{28365329-6F72-5540-89BB-DA858231571A}" type="pres">
+      <dgm:prSet presAssocID="{AEC4D95E-DC36-3746-A9D4-B63761365971}" presName="parentText" presStyleLbl="alignNode1" presStyleIdx="3" presStyleCnt="4">
+        <dgm:presLayoutVars>
+          <dgm:chMax val="1"/>
+          <dgm:bulletEnabled val="1"/>
+        </dgm:presLayoutVars>
+      </dgm:prSet>
+      <dgm:spPr/>
+    </dgm:pt>
+    <dgm:pt modelId="{3AA7151F-3D45-2249-94DC-EB4190A6B6DB}" type="pres">
+      <dgm:prSet presAssocID="{AEC4D95E-DC36-3746-A9D4-B63761365971}" presName="descendantText" presStyleLbl="alignAcc1" presStyleIdx="3" presStyleCnt="4">
+        <dgm:presLayoutVars>
+          <dgm:bulletEnabled val="1"/>
+        </dgm:presLayoutVars>
+      </dgm:prSet>
+      <dgm:spPr/>
+      <dgm:t>
+        <a:bodyPr/>
+        <a:lstStyle/>
+        <a:p>
+          <a:endParaRPr lang="zh-CN" altLang="en-US"/>
+        </a:p>
+      </dgm:t>
+    </dgm:pt>
+  </dgm:ptLst>
+  <dgm:cxnLst>
+    <dgm:cxn modelId="{815200E9-4338-1B4E-A3FC-31CA1B2739D3}" type="presOf" srcId="{35C4698C-0D31-6748-BCDC-4F19104DE84A}" destId="{FBF6573A-D113-E249-A00A-724B53BA522E}" srcOrd="0" destOrd="0" presId="urn:microsoft.com/office/officeart/2005/8/layout/chevron2"/>
+    <dgm:cxn modelId="{44AC4D63-FD85-8C44-9DD4-816195BA5C91}" type="presOf" srcId="{F4EAC35F-919A-DF45-9617-F145636197AD}" destId="{1883B4BB-31F3-574B-B44B-409C17EDFECF}" srcOrd="0" destOrd="0" presId="urn:microsoft.com/office/officeart/2005/8/layout/chevron2"/>
+    <dgm:cxn modelId="{432BBDC2-8720-F849-9E2D-F0711CE288D6}" type="presOf" srcId="{942EA9E2-DC9B-CD4B-92E4-AFB8B27D4471}" destId="{F227B109-A21B-2D4C-AFC9-1A495BEBC4A5}" srcOrd="0" destOrd="0" presId="urn:microsoft.com/office/officeart/2005/8/layout/chevron2"/>
+    <dgm:cxn modelId="{10AF2B2C-E64E-2A4A-82C5-314C9C5420DC}" srcId="{AEC4D95E-DC36-3746-A9D4-B63761365971}" destId="{A7E8301E-FACE-5A45-9D21-7339057F6035}" srcOrd="0" destOrd="0" parTransId="{0F2B41B1-8B65-4748-AB51-C823A4B75993}" sibTransId="{DCD4C741-879B-6B43-A404-F99F7DC3FB79}"/>
+    <dgm:cxn modelId="{CF5490A6-7475-8E48-AB9B-A19D4D713CC7}" type="presOf" srcId="{69F69810-2E1C-D543-B620-7C7A4FF10241}" destId="{EFD217E2-80B9-E648-9F71-2B376C498494}" srcOrd="0" destOrd="0" presId="urn:microsoft.com/office/officeart/2005/8/layout/chevron2"/>
+    <dgm:cxn modelId="{4BF06375-6A12-D243-B4CA-2EAF4836ED18}" srcId="{942EA9E2-DC9B-CD4B-92E4-AFB8B27D4471}" destId="{96181315-DDF4-BB4A-9AAF-CAEDB7D1CC4C}" srcOrd="1" destOrd="0" parTransId="{CC05CC24-8271-C64D-921A-D22F46A15FC9}" sibTransId="{487ABD20-A085-8D41-8F26-C43D0CCD68F8}"/>
+    <dgm:cxn modelId="{9E239AA4-10A7-9240-B2EC-CD4635A944D9}" srcId="{96181315-DDF4-BB4A-9AAF-CAEDB7D1CC4C}" destId="{BFEA34FF-4FED-FB48-B2E7-84C8E299CE3D}" srcOrd="0" destOrd="0" parTransId="{B04D8A7A-7B9F-DA44-8279-E6C063EE71C3}" sibTransId="{09249EE0-7AED-DB4C-9CE0-048773E522B8}"/>
+    <dgm:cxn modelId="{DC1BEA7A-20EC-3B46-872D-BA341F048F93}" type="presOf" srcId="{A7E8301E-FACE-5A45-9D21-7339057F6035}" destId="{3AA7151F-3D45-2249-94DC-EB4190A6B6DB}" srcOrd="0" destOrd="0" presId="urn:microsoft.com/office/officeart/2005/8/layout/chevron2"/>
+    <dgm:cxn modelId="{D27F9750-9C3E-B24D-B8A0-6E6C96CF5C91}" srcId="{35C4698C-0D31-6748-BCDC-4F19104DE84A}" destId="{7303BFA1-ACE6-DC46-97BE-5CD20FDA5E91}" srcOrd="0" destOrd="0" parTransId="{80368A49-BC0F-9043-B590-94FBC1CE6094}" sibTransId="{4DF0477F-69F1-5B45-A1D1-EBCCB486827E}"/>
+    <dgm:cxn modelId="{BF00CFCD-AACE-C841-8CFD-732D144FA4FD}" type="presOf" srcId="{AEC4D95E-DC36-3746-A9D4-B63761365971}" destId="{28365329-6F72-5540-89BB-DA858231571A}" srcOrd="0" destOrd="0" presId="urn:microsoft.com/office/officeart/2005/8/layout/chevron2"/>
+    <dgm:cxn modelId="{4D18A40E-D367-CD41-A888-839C95564A9C}" type="presOf" srcId="{96181315-DDF4-BB4A-9AAF-CAEDB7D1CC4C}" destId="{2E40469A-BF93-3841-A34A-D7CEF0154140}" srcOrd="0" destOrd="0" presId="urn:microsoft.com/office/officeart/2005/8/layout/chevron2"/>
+    <dgm:cxn modelId="{C28331FA-32E9-5C46-A96B-2EEBAFADB0B0}" type="presOf" srcId="{BFEA34FF-4FED-FB48-B2E7-84C8E299CE3D}" destId="{8B7885CD-A022-D84A-A51A-8740BCDDAFEB}" srcOrd="0" destOrd="0" presId="urn:microsoft.com/office/officeart/2005/8/layout/chevron2"/>
+    <dgm:cxn modelId="{1C8D7890-A155-3D45-A225-9CF3B214658C}" srcId="{942EA9E2-DC9B-CD4B-92E4-AFB8B27D4471}" destId="{69F69810-2E1C-D543-B620-7C7A4FF10241}" srcOrd="2" destOrd="0" parTransId="{A4D9B712-8417-3E43-931C-74CDDB5CD447}" sibTransId="{906E763B-3C88-F743-BBF9-7E93E24EF241}"/>
+    <dgm:cxn modelId="{263301B0-5964-0345-8AC8-426B9393948C}" srcId="{942EA9E2-DC9B-CD4B-92E4-AFB8B27D4471}" destId="{AEC4D95E-DC36-3746-A9D4-B63761365971}" srcOrd="3" destOrd="0" parTransId="{AB293882-DE38-B143-8451-AC624A07561C}" sibTransId="{40E95149-9C14-244E-9CFC-B2CF50C4987F}"/>
+    <dgm:cxn modelId="{584BC30A-1F67-834F-8E0D-2A8A2ECBD0BC}" type="presOf" srcId="{7303BFA1-ACE6-DC46-97BE-5CD20FDA5E91}" destId="{A4573395-58CE-4642-8AA9-F2C223D52831}" srcOrd="0" destOrd="0" presId="urn:microsoft.com/office/officeart/2005/8/layout/chevron2"/>
+    <dgm:cxn modelId="{339A2950-CAE2-934F-A315-04EA5DF6296C}" srcId="{942EA9E2-DC9B-CD4B-92E4-AFB8B27D4471}" destId="{35C4698C-0D31-6748-BCDC-4F19104DE84A}" srcOrd="0" destOrd="0" parTransId="{23C5C1EB-9AA9-314D-9A17-2949AF3FCF3C}" sibTransId="{873801DD-3048-A948-8E3A-89F0F8DA37AF}"/>
+    <dgm:cxn modelId="{8E2C5F9B-0165-7547-8BDA-DD6792AFE5AF}" srcId="{69F69810-2E1C-D543-B620-7C7A4FF10241}" destId="{F4EAC35F-919A-DF45-9617-F145636197AD}" srcOrd="0" destOrd="0" parTransId="{F4368641-5A91-5F41-A058-0E79C71C0777}" sibTransId="{ED454236-14EE-6D4C-9904-94DFC6DD5437}"/>
+    <dgm:cxn modelId="{308C556A-26CD-0A4B-B050-D5F9D7930C57}" type="presParOf" srcId="{F227B109-A21B-2D4C-AFC9-1A495BEBC4A5}" destId="{7FD91784-9A70-BA4A-AB2F-614A98915F28}" srcOrd="0" destOrd="0" presId="urn:microsoft.com/office/officeart/2005/8/layout/chevron2"/>
+    <dgm:cxn modelId="{267C7F10-CAC1-F24B-9094-AF9415DA0982}" type="presParOf" srcId="{7FD91784-9A70-BA4A-AB2F-614A98915F28}" destId="{FBF6573A-D113-E249-A00A-724B53BA522E}" srcOrd="0" destOrd="0" presId="urn:microsoft.com/office/officeart/2005/8/layout/chevron2"/>
+    <dgm:cxn modelId="{C1D8C419-D7AB-654C-875C-5B41CB7E9321}" type="presParOf" srcId="{7FD91784-9A70-BA4A-AB2F-614A98915F28}" destId="{A4573395-58CE-4642-8AA9-F2C223D52831}" srcOrd="1" destOrd="0" presId="urn:microsoft.com/office/officeart/2005/8/layout/chevron2"/>
+    <dgm:cxn modelId="{99F29C08-C21C-1B43-9310-ADB4EAC574FD}" type="presParOf" srcId="{F227B109-A21B-2D4C-AFC9-1A495BEBC4A5}" destId="{5FDDF4EB-2875-8C4B-9C32-1783C67F6AAD}" srcOrd="1" destOrd="0" presId="urn:microsoft.com/office/officeart/2005/8/layout/chevron2"/>
+    <dgm:cxn modelId="{A7416827-B389-4D47-ABAB-733D60D75BA4}" type="presParOf" srcId="{F227B109-A21B-2D4C-AFC9-1A495BEBC4A5}" destId="{0A122D0A-6E94-5747-86D1-BED1E3F1E433}" srcOrd="2" destOrd="0" presId="urn:microsoft.com/office/officeart/2005/8/layout/chevron2"/>
+    <dgm:cxn modelId="{AD545548-1E58-E04C-930A-32B48D6C7F4A}" type="presParOf" srcId="{0A122D0A-6E94-5747-86D1-BED1E3F1E433}" destId="{2E40469A-BF93-3841-A34A-D7CEF0154140}" srcOrd="0" destOrd="0" presId="urn:microsoft.com/office/officeart/2005/8/layout/chevron2"/>
+    <dgm:cxn modelId="{A9F41869-5ACF-7E47-B2ED-EBF4DB051B9B}" type="presParOf" srcId="{0A122D0A-6E94-5747-86D1-BED1E3F1E433}" destId="{8B7885CD-A022-D84A-A51A-8740BCDDAFEB}" srcOrd="1" destOrd="0" presId="urn:microsoft.com/office/officeart/2005/8/layout/chevron2"/>
+    <dgm:cxn modelId="{BF8ECBEF-8421-B446-A16F-2AB38F8F23CB}" type="presParOf" srcId="{F227B109-A21B-2D4C-AFC9-1A495BEBC4A5}" destId="{ABAD4437-3FF3-954F-A63F-604462346FD5}" srcOrd="3" destOrd="0" presId="urn:microsoft.com/office/officeart/2005/8/layout/chevron2"/>
+    <dgm:cxn modelId="{4998C467-3A68-6040-ACB0-1B6847D7110E}" type="presParOf" srcId="{F227B109-A21B-2D4C-AFC9-1A495BEBC4A5}" destId="{2EF45223-F1D6-A941-9F36-5F43511B37F3}" srcOrd="4" destOrd="0" presId="urn:microsoft.com/office/officeart/2005/8/layout/chevron2"/>
+    <dgm:cxn modelId="{89AE82B7-3F7A-2C47-8572-A906D6137EBA}" type="presParOf" srcId="{2EF45223-F1D6-A941-9F36-5F43511B37F3}" destId="{EFD217E2-80B9-E648-9F71-2B376C498494}" srcOrd="0" destOrd="0" presId="urn:microsoft.com/office/officeart/2005/8/layout/chevron2"/>
+    <dgm:cxn modelId="{F6106C6F-D733-D247-87B9-A0119504E286}" type="presParOf" srcId="{2EF45223-F1D6-A941-9F36-5F43511B37F3}" destId="{1883B4BB-31F3-574B-B44B-409C17EDFECF}" srcOrd="1" destOrd="0" presId="urn:microsoft.com/office/officeart/2005/8/layout/chevron2"/>
+    <dgm:cxn modelId="{FA896E89-E453-9841-9A17-D5BC70EAD4EF}" type="presParOf" srcId="{F227B109-A21B-2D4C-AFC9-1A495BEBC4A5}" destId="{D66872DB-238A-E249-AA44-36B75A22B590}" srcOrd="5" destOrd="0" presId="urn:microsoft.com/office/officeart/2005/8/layout/chevron2"/>
+    <dgm:cxn modelId="{09F02FDE-6EA5-584A-BFFB-1897EF39DE1D}" type="presParOf" srcId="{F227B109-A21B-2D4C-AFC9-1A495BEBC4A5}" destId="{E50324C8-BB8E-8B4E-9D8F-4242B288C54E}" srcOrd="6" destOrd="0" presId="urn:microsoft.com/office/officeart/2005/8/layout/chevron2"/>
+    <dgm:cxn modelId="{92207B33-EDE2-C04D-A61F-358937C6AAF5}" type="presParOf" srcId="{E50324C8-BB8E-8B4E-9D8F-4242B288C54E}" destId="{28365329-6F72-5540-89BB-DA858231571A}" srcOrd="0" destOrd="0" presId="urn:microsoft.com/office/officeart/2005/8/layout/chevron2"/>
+    <dgm:cxn modelId="{0501AFAF-7ECB-A141-9D61-DFA57A698376}" type="presParOf" srcId="{E50324C8-BB8E-8B4E-9D8F-4242B288C54E}" destId="{3AA7151F-3D45-2249-94DC-EB4190A6B6DB}" srcOrd="1" destOrd="0" presId="urn:microsoft.com/office/officeart/2005/8/layout/chevron2"/>
   </dgm:cxnLst>
   <dgm:bg/>
   <dgm:whole/>
@@ -6451,6 +7695,762 @@
 </dsp:drawing>
 </file>
 
+<file path=ppt/diagrams/drawing3.xml><?xml version="1.0" encoding="utf-8"?>
+<dsp:drawing xmlns:dgm="http://schemas.openxmlformats.org/drawingml/2006/diagram" xmlns:dsp="http://schemas.microsoft.com/office/drawing/2008/diagram" xmlns:a="http://schemas.openxmlformats.org/drawingml/2006/main">
+  <dsp:spTree>
+    <dsp:nvGrpSpPr>
+      <dsp:cNvPr id="0" name=""/>
+      <dsp:cNvGrpSpPr/>
+    </dsp:nvGrpSpPr>
+    <dsp:grpSpPr/>
+    <dsp:sp modelId="{FBF6573A-D113-E249-A00A-724B53BA522E}">
+      <dsp:nvSpPr>
+        <dsp:cNvPr id="0" name=""/>
+        <dsp:cNvSpPr/>
+      </dsp:nvSpPr>
+      <dsp:spPr>
+        <a:xfrm rot="5400000">
+          <a:off x="-182065" y="184995"/>
+          <a:ext cx="1213771" cy="849640"/>
+        </a:xfrm>
+        <a:prstGeom prst="chevron">
+          <a:avLst/>
+        </a:prstGeom>
+        <a:gradFill rotWithShape="0">
+          <a:gsLst>
+            <a:gs pos="0">
+              <a:schemeClr val="accent1">
+                <a:hueOff val="0"/>
+                <a:satOff val="0"/>
+                <a:lumOff val="0"/>
+                <a:alphaOff val="0"/>
+                <a:satMod val="103000"/>
+                <a:lumMod val="102000"/>
+                <a:tint val="94000"/>
+              </a:schemeClr>
+            </a:gs>
+            <a:gs pos="50000">
+              <a:schemeClr val="accent1">
+                <a:hueOff val="0"/>
+                <a:satOff val="0"/>
+                <a:lumOff val="0"/>
+                <a:alphaOff val="0"/>
+                <a:satMod val="110000"/>
+                <a:lumMod val="100000"/>
+                <a:shade val="100000"/>
+              </a:schemeClr>
+            </a:gs>
+            <a:gs pos="100000">
+              <a:schemeClr val="accent1">
+                <a:hueOff val="0"/>
+                <a:satOff val="0"/>
+                <a:lumOff val="0"/>
+                <a:alphaOff val="0"/>
+                <a:lumMod val="99000"/>
+                <a:satMod val="120000"/>
+                <a:shade val="78000"/>
+              </a:schemeClr>
+            </a:gs>
+          </a:gsLst>
+          <a:lin ang="5400000" scaled="0"/>
+        </a:gradFill>
+        <a:ln w="6350" cap="flat" cmpd="sng" algn="ctr">
+          <a:solidFill>
+            <a:schemeClr val="accent1">
+              <a:hueOff val="0"/>
+              <a:satOff val="0"/>
+              <a:lumOff val="0"/>
+              <a:alphaOff val="0"/>
+            </a:schemeClr>
+          </a:solidFill>
+          <a:prstDash val="solid"/>
+          <a:miter lim="800000"/>
+        </a:ln>
+        <a:effectLst/>
+      </dsp:spPr>
+      <dsp:style>
+        <a:lnRef idx="1">
+          <a:scrgbClr r="0" g="0" b="0"/>
+        </a:lnRef>
+        <a:fillRef idx="3">
+          <a:scrgbClr r="0" g="0" b="0"/>
+        </a:fillRef>
+        <a:effectRef idx="2">
+          <a:scrgbClr r="0" g="0" b="0"/>
+        </a:effectRef>
+        <a:fontRef idx="minor">
+          <a:schemeClr val="lt1"/>
+        </a:fontRef>
+      </dsp:style>
+      <dsp:txBody>
+        <a:bodyPr spcFirstLastPara="0" vert="horz" wrap="square" lIns="12700" tIns="12700" rIns="12700" bIns="12700" numCol="1" spcCol="1270" anchor="ctr" anchorCtr="0">
+          <a:noAutofit/>
+        </a:bodyPr>
+        <a:lstStyle/>
+        <a:p>
+          <a:pPr lvl="0" algn="ctr" defTabSz="889000">
+            <a:lnSpc>
+              <a:spcPct val="90000"/>
+            </a:lnSpc>
+            <a:spcBef>
+              <a:spcPct val="0"/>
+            </a:spcBef>
+            <a:spcAft>
+              <a:spcPct val="35000"/>
+            </a:spcAft>
+          </a:pPr>
+          <a:r>
+            <a:rPr lang="zh-CN" altLang="en-US" sz="2000" kern="1200" dirty="0" smtClean="0"/>
+            <a:t>易用性</a:t>
+          </a:r>
+          <a:endParaRPr lang="zh-CN" altLang="en-US" sz="2000" kern="1200" dirty="0"/>
+        </a:p>
+      </dsp:txBody>
+      <dsp:txXfrm rot="-5400000">
+        <a:off x="1" y="427749"/>
+        <a:ext cx="849640" cy="364131"/>
+      </dsp:txXfrm>
+    </dsp:sp>
+    <dsp:sp modelId="{A4573395-58CE-4642-8AA9-F2C223D52831}">
+      <dsp:nvSpPr>
+        <dsp:cNvPr id="0" name=""/>
+        <dsp:cNvSpPr/>
+      </dsp:nvSpPr>
+      <dsp:spPr>
+        <a:xfrm rot="5400000">
+          <a:off x="3946816" y="-3094246"/>
+          <a:ext cx="789366" cy="6983719"/>
+        </a:xfrm>
+        <a:prstGeom prst="round2SameRect">
+          <a:avLst/>
+        </a:prstGeom>
+        <a:solidFill>
+          <a:schemeClr val="lt1">
+            <a:alpha val="90000"/>
+            <a:hueOff val="0"/>
+            <a:satOff val="0"/>
+            <a:lumOff val="0"/>
+            <a:alphaOff val="0"/>
+          </a:schemeClr>
+        </a:solidFill>
+        <a:ln w="6350" cap="flat" cmpd="sng" algn="ctr">
+          <a:solidFill>
+            <a:schemeClr val="accent1">
+              <a:hueOff val="0"/>
+              <a:satOff val="0"/>
+              <a:lumOff val="0"/>
+              <a:alphaOff val="0"/>
+            </a:schemeClr>
+          </a:solidFill>
+          <a:prstDash val="solid"/>
+          <a:miter lim="800000"/>
+        </a:ln>
+        <a:effectLst/>
+      </dsp:spPr>
+      <dsp:style>
+        <a:lnRef idx="1">
+          <a:scrgbClr r="0" g="0" b="0"/>
+        </a:lnRef>
+        <a:fillRef idx="1">
+          <a:scrgbClr r="0" g="0" b="0"/>
+        </a:fillRef>
+        <a:effectRef idx="0">
+          <a:scrgbClr r="0" g="0" b="0"/>
+        </a:effectRef>
+        <a:fontRef idx="minor"/>
+      </dsp:style>
+      <dsp:txBody>
+        <a:bodyPr spcFirstLastPara="0" vert="horz" wrap="square" lIns="142240" tIns="12700" rIns="12700" bIns="12700" numCol="1" spcCol="1270" anchor="ctr" anchorCtr="0">
+          <a:noAutofit/>
+        </a:bodyPr>
+        <a:lstStyle/>
+        <a:p>
+          <a:pPr marL="228600" lvl="1" indent="-228600" algn="l" defTabSz="889000">
+            <a:lnSpc>
+              <a:spcPct val="90000"/>
+            </a:lnSpc>
+            <a:spcBef>
+              <a:spcPct val="0"/>
+            </a:spcBef>
+            <a:spcAft>
+              <a:spcPct val="15000"/>
+            </a:spcAft>
+            <a:buChar char="•"/>
+          </a:pPr>
+          <a:r>
+            <a:rPr lang="zh-CN" altLang="en-US" sz="2000" kern="1200" dirty="0" smtClean="0"/>
+            <a:t>页面简洁明了，交互性好，易操作</a:t>
+          </a:r>
+          <a:endParaRPr lang="zh-CN" altLang="en-US" sz="2000" kern="1200" dirty="0"/>
+        </a:p>
+      </dsp:txBody>
+      <dsp:txXfrm rot="-5400000">
+        <a:off x="849640" y="41464"/>
+        <a:ext cx="6945185" cy="712298"/>
+      </dsp:txXfrm>
+    </dsp:sp>
+    <dsp:sp modelId="{2E40469A-BF93-3841-A34A-D7CEF0154140}">
+      <dsp:nvSpPr>
+        <dsp:cNvPr id="0" name=""/>
+        <dsp:cNvSpPr/>
+      </dsp:nvSpPr>
+      <dsp:spPr>
+        <a:xfrm rot="5400000">
+          <a:off x="-182065" y="1251651"/>
+          <a:ext cx="1213771" cy="849640"/>
+        </a:xfrm>
+        <a:prstGeom prst="chevron">
+          <a:avLst/>
+        </a:prstGeom>
+        <a:gradFill rotWithShape="0">
+          <a:gsLst>
+            <a:gs pos="0">
+              <a:schemeClr val="accent1">
+                <a:hueOff val="0"/>
+                <a:satOff val="0"/>
+                <a:lumOff val="0"/>
+                <a:alphaOff val="0"/>
+                <a:satMod val="103000"/>
+                <a:lumMod val="102000"/>
+                <a:tint val="94000"/>
+              </a:schemeClr>
+            </a:gs>
+            <a:gs pos="50000">
+              <a:schemeClr val="accent1">
+                <a:hueOff val="0"/>
+                <a:satOff val="0"/>
+                <a:lumOff val="0"/>
+                <a:alphaOff val="0"/>
+                <a:satMod val="110000"/>
+                <a:lumMod val="100000"/>
+                <a:shade val="100000"/>
+              </a:schemeClr>
+            </a:gs>
+            <a:gs pos="100000">
+              <a:schemeClr val="accent1">
+                <a:hueOff val="0"/>
+                <a:satOff val="0"/>
+                <a:lumOff val="0"/>
+                <a:alphaOff val="0"/>
+                <a:lumMod val="99000"/>
+                <a:satMod val="120000"/>
+                <a:shade val="78000"/>
+              </a:schemeClr>
+            </a:gs>
+          </a:gsLst>
+          <a:lin ang="5400000" scaled="0"/>
+        </a:gradFill>
+        <a:ln w="6350" cap="flat" cmpd="sng" algn="ctr">
+          <a:solidFill>
+            <a:schemeClr val="accent1">
+              <a:hueOff val="0"/>
+              <a:satOff val="0"/>
+              <a:lumOff val="0"/>
+              <a:alphaOff val="0"/>
+            </a:schemeClr>
+          </a:solidFill>
+          <a:prstDash val="solid"/>
+          <a:miter lim="800000"/>
+        </a:ln>
+        <a:effectLst/>
+      </dsp:spPr>
+      <dsp:style>
+        <a:lnRef idx="1">
+          <a:scrgbClr r="0" g="0" b="0"/>
+        </a:lnRef>
+        <a:fillRef idx="3">
+          <a:scrgbClr r="0" g="0" b="0"/>
+        </a:fillRef>
+        <a:effectRef idx="2">
+          <a:scrgbClr r="0" g="0" b="0"/>
+        </a:effectRef>
+        <a:fontRef idx="minor">
+          <a:schemeClr val="lt1"/>
+        </a:fontRef>
+      </dsp:style>
+      <dsp:txBody>
+        <a:bodyPr spcFirstLastPara="0" vert="horz" wrap="square" lIns="12700" tIns="12700" rIns="12700" bIns="12700" numCol="1" spcCol="1270" anchor="ctr" anchorCtr="0">
+          <a:noAutofit/>
+        </a:bodyPr>
+        <a:lstStyle/>
+        <a:p>
+          <a:pPr lvl="0" algn="ctr" defTabSz="889000">
+            <a:lnSpc>
+              <a:spcPct val="90000"/>
+            </a:lnSpc>
+            <a:spcBef>
+              <a:spcPct val="0"/>
+            </a:spcBef>
+            <a:spcAft>
+              <a:spcPct val="35000"/>
+            </a:spcAft>
+          </a:pPr>
+          <a:r>
+            <a:rPr lang="zh-CN" altLang="en-US" sz="2000" kern="1200" dirty="0" smtClean="0"/>
+            <a:t>兼容性</a:t>
+          </a:r>
+          <a:endParaRPr lang="zh-CN" altLang="en-US" sz="2000" kern="1200" dirty="0"/>
+        </a:p>
+      </dsp:txBody>
+      <dsp:txXfrm rot="-5400000">
+        <a:off x="1" y="1494405"/>
+        <a:ext cx="849640" cy="364131"/>
+      </dsp:txXfrm>
+    </dsp:sp>
+    <dsp:sp modelId="{8B7885CD-A022-D84A-A51A-8740BCDDAFEB}">
+      <dsp:nvSpPr>
+        <dsp:cNvPr id="0" name=""/>
+        <dsp:cNvSpPr/>
+      </dsp:nvSpPr>
+      <dsp:spPr>
+        <a:xfrm rot="5400000">
+          <a:off x="3947024" y="-2027797"/>
+          <a:ext cx="788951" cy="6983719"/>
+        </a:xfrm>
+        <a:prstGeom prst="round2SameRect">
+          <a:avLst/>
+        </a:prstGeom>
+        <a:solidFill>
+          <a:schemeClr val="lt1">
+            <a:alpha val="90000"/>
+            <a:hueOff val="0"/>
+            <a:satOff val="0"/>
+            <a:lumOff val="0"/>
+            <a:alphaOff val="0"/>
+          </a:schemeClr>
+        </a:solidFill>
+        <a:ln w="6350" cap="flat" cmpd="sng" algn="ctr">
+          <a:solidFill>
+            <a:schemeClr val="accent1">
+              <a:hueOff val="0"/>
+              <a:satOff val="0"/>
+              <a:lumOff val="0"/>
+              <a:alphaOff val="0"/>
+            </a:schemeClr>
+          </a:solidFill>
+          <a:prstDash val="solid"/>
+          <a:miter lim="800000"/>
+        </a:ln>
+        <a:effectLst/>
+      </dsp:spPr>
+      <dsp:style>
+        <a:lnRef idx="1">
+          <a:scrgbClr r="0" g="0" b="0"/>
+        </a:lnRef>
+        <a:fillRef idx="1">
+          <a:scrgbClr r="0" g="0" b="0"/>
+        </a:fillRef>
+        <a:effectRef idx="0">
+          <a:scrgbClr r="0" g="0" b="0"/>
+        </a:effectRef>
+        <a:fontRef idx="minor"/>
+      </dsp:style>
+      <dsp:txBody>
+        <a:bodyPr spcFirstLastPara="0" vert="horz" wrap="square" lIns="142240" tIns="12700" rIns="12700" bIns="12700" numCol="1" spcCol="1270" anchor="ctr" anchorCtr="0">
+          <a:noAutofit/>
+        </a:bodyPr>
+        <a:lstStyle/>
+        <a:p>
+          <a:pPr marL="228600" lvl="1" indent="-228600" algn="l" defTabSz="889000">
+            <a:lnSpc>
+              <a:spcPct val="90000"/>
+            </a:lnSpc>
+            <a:spcBef>
+              <a:spcPct val="0"/>
+            </a:spcBef>
+            <a:spcAft>
+              <a:spcPct val="15000"/>
+            </a:spcAft>
+            <a:buChar char="•"/>
+          </a:pPr>
+          <a:r>
+            <a:rPr lang="zh-CN" altLang="en-US" sz="2000" kern="1200" dirty="0" smtClean="0"/>
+            <a:t>可以兼容当前主流浏览器</a:t>
+          </a:r>
+          <a:endParaRPr lang="zh-CN" altLang="en-US" sz="2000" kern="1200" dirty="0"/>
+        </a:p>
+      </dsp:txBody>
+      <dsp:txXfrm rot="-5400000">
+        <a:off x="849641" y="1108099"/>
+        <a:ext cx="6945206" cy="711925"/>
+      </dsp:txXfrm>
+    </dsp:sp>
+    <dsp:sp modelId="{EFD217E2-80B9-E648-9F71-2B376C498494}">
+      <dsp:nvSpPr>
+        <dsp:cNvPr id="0" name=""/>
+        <dsp:cNvSpPr/>
+      </dsp:nvSpPr>
+      <dsp:spPr>
+        <a:xfrm rot="5400000">
+          <a:off x="-182065" y="2318307"/>
+          <a:ext cx="1213771" cy="849640"/>
+        </a:xfrm>
+        <a:prstGeom prst="chevron">
+          <a:avLst/>
+        </a:prstGeom>
+        <a:gradFill rotWithShape="0">
+          <a:gsLst>
+            <a:gs pos="0">
+              <a:schemeClr val="accent1">
+                <a:hueOff val="0"/>
+                <a:satOff val="0"/>
+                <a:lumOff val="0"/>
+                <a:alphaOff val="0"/>
+                <a:satMod val="103000"/>
+                <a:lumMod val="102000"/>
+                <a:tint val="94000"/>
+              </a:schemeClr>
+            </a:gs>
+            <a:gs pos="50000">
+              <a:schemeClr val="accent1">
+                <a:hueOff val="0"/>
+                <a:satOff val="0"/>
+                <a:lumOff val="0"/>
+                <a:alphaOff val="0"/>
+                <a:satMod val="110000"/>
+                <a:lumMod val="100000"/>
+                <a:shade val="100000"/>
+              </a:schemeClr>
+            </a:gs>
+            <a:gs pos="100000">
+              <a:schemeClr val="accent1">
+                <a:hueOff val="0"/>
+                <a:satOff val="0"/>
+                <a:lumOff val="0"/>
+                <a:alphaOff val="0"/>
+                <a:lumMod val="99000"/>
+                <a:satMod val="120000"/>
+                <a:shade val="78000"/>
+              </a:schemeClr>
+            </a:gs>
+          </a:gsLst>
+          <a:lin ang="5400000" scaled="0"/>
+        </a:gradFill>
+        <a:ln w="6350" cap="flat" cmpd="sng" algn="ctr">
+          <a:solidFill>
+            <a:schemeClr val="accent1">
+              <a:hueOff val="0"/>
+              <a:satOff val="0"/>
+              <a:lumOff val="0"/>
+              <a:alphaOff val="0"/>
+            </a:schemeClr>
+          </a:solidFill>
+          <a:prstDash val="solid"/>
+          <a:miter lim="800000"/>
+        </a:ln>
+        <a:effectLst/>
+      </dsp:spPr>
+      <dsp:style>
+        <a:lnRef idx="1">
+          <a:scrgbClr r="0" g="0" b="0"/>
+        </a:lnRef>
+        <a:fillRef idx="3">
+          <a:scrgbClr r="0" g="0" b="0"/>
+        </a:fillRef>
+        <a:effectRef idx="2">
+          <a:scrgbClr r="0" g="0" b="0"/>
+        </a:effectRef>
+        <a:fontRef idx="minor">
+          <a:schemeClr val="lt1"/>
+        </a:fontRef>
+      </dsp:style>
+      <dsp:txBody>
+        <a:bodyPr spcFirstLastPara="0" vert="horz" wrap="square" lIns="12700" tIns="12700" rIns="12700" bIns="12700" numCol="1" spcCol="1270" anchor="ctr" anchorCtr="0">
+          <a:noAutofit/>
+        </a:bodyPr>
+        <a:lstStyle/>
+        <a:p>
+          <a:pPr lvl="0" algn="ctr" defTabSz="889000">
+            <a:lnSpc>
+              <a:spcPct val="90000"/>
+            </a:lnSpc>
+            <a:spcBef>
+              <a:spcPct val="0"/>
+            </a:spcBef>
+            <a:spcAft>
+              <a:spcPct val="35000"/>
+            </a:spcAft>
+          </a:pPr>
+          <a:r>
+            <a:rPr lang="zh-CN" altLang="en-US" sz="2000" kern="1200" dirty="0" smtClean="0"/>
+            <a:t>性能</a:t>
+          </a:r>
+          <a:endParaRPr lang="zh-CN" altLang="en-US" sz="2000" kern="1200" dirty="0"/>
+        </a:p>
+      </dsp:txBody>
+      <dsp:txXfrm rot="-5400000">
+        <a:off x="1" y="2561061"/>
+        <a:ext cx="849640" cy="364131"/>
+      </dsp:txXfrm>
+    </dsp:sp>
+    <dsp:sp modelId="{1883B4BB-31F3-574B-B44B-409C17EDFECF}">
+      <dsp:nvSpPr>
+        <dsp:cNvPr id="0" name=""/>
+        <dsp:cNvSpPr/>
+      </dsp:nvSpPr>
+      <dsp:spPr>
+        <a:xfrm rot="5400000">
+          <a:off x="3947024" y="-961141"/>
+          <a:ext cx="788951" cy="6983719"/>
+        </a:xfrm>
+        <a:prstGeom prst="round2SameRect">
+          <a:avLst/>
+        </a:prstGeom>
+        <a:solidFill>
+          <a:schemeClr val="lt1">
+            <a:alpha val="90000"/>
+            <a:hueOff val="0"/>
+            <a:satOff val="0"/>
+            <a:lumOff val="0"/>
+            <a:alphaOff val="0"/>
+          </a:schemeClr>
+        </a:solidFill>
+        <a:ln w="6350" cap="flat" cmpd="sng" algn="ctr">
+          <a:solidFill>
+            <a:schemeClr val="accent1">
+              <a:hueOff val="0"/>
+              <a:satOff val="0"/>
+              <a:lumOff val="0"/>
+              <a:alphaOff val="0"/>
+            </a:schemeClr>
+          </a:solidFill>
+          <a:prstDash val="solid"/>
+          <a:miter lim="800000"/>
+        </a:ln>
+        <a:effectLst/>
+      </dsp:spPr>
+      <dsp:style>
+        <a:lnRef idx="1">
+          <a:scrgbClr r="0" g="0" b="0"/>
+        </a:lnRef>
+        <a:fillRef idx="1">
+          <a:scrgbClr r="0" g="0" b="0"/>
+        </a:fillRef>
+        <a:effectRef idx="0">
+          <a:scrgbClr r="0" g="0" b="0"/>
+        </a:effectRef>
+        <a:fontRef idx="minor"/>
+      </dsp:style>
+      <dsp:txBody>
+        <a:bodyPr spcFirstLastPara="0" vert="horz" wrap="square" lIns="142240" tIns="12700" rIns="12700" bIns="12700" numCol="1" spcCol="1270" anchor="ctr" anchorCtr="0">
+          <a:noAutofit/>
+        </a:bodyPr>
+        <a:lstStyle/>
+        <a:p>
+          <a:pPr marL="228600" lvl="1" indent="-228600" algn="l" defTabSz="889000">
+            <a:lnSpc>
+              <a:spcPct val="90000"/>
+            </a:lnSpc>
+            <a:spcBef>
+              <a:spcPct val="0"/>
+            </a:spcBef>
+            <a:spcAft>
+              <a:spcPct val="15000"/>
+            </a:spcAft>
+            <a:buChar char="•"/>
+          </a:pPr>
+          <a:r>
+            <a:rPr lang="zh-CN" altLang="en-US" sz="2000" kern="1200" dirty="0" smtClean="0"/>
+            <a:t>响应时间达标，满足用户速度体验要求</a:t>
+          </a:r>
+          <a:endParaRPr lang="zh-CN" altLang="en-US" sz="2000" kern="1200" dirty="0"/>
+        </a:p>
+      </dsp:txBody>
+      <dsp:txXfrm rot="-5400000">
+        <a:off x="849641" y="2174755"/>
+        <a:ext cx="6945206" cy="711925"/>
+      </dsp:txXfrm>
+    </dsp:sp>
+    <dsp:sp modelId="{28365329-6F72-5540-89BB-DA858231571A}">
+      <dsp:nvSpPr>
+        <dsp:cNvPr id="0" name=""/>
+        <dsp:cNvSpPr/>
+      </dsp:nvSpPr>
+      <dsp:spPr>
+        <a:xfrm rot="5400000">
+          <a:off x="-182065" y="3384963"/>
+          <a:ext cx="1213771" cy="849640"/>
+        </a:xfrm>
+        <a:prstGeom prst="chevron">
+          <a:avLst/>
+        </a:prstGeom>
+        <a:gradFill rotWithShape="0">
+          <a:gsLst>
+            <a:gs pos="0">
+              <a:schemeClr val="accent1">
+                <a:hueOff val="0"/>
+                <a:satOff val="0"/>
+                <a:lumOff val="0"/>
+                <a:alphaOff val="0"/>
+                <a:satMod val="103000"/>
+                <a:lumMod val="102000"/>
+                <a:tint val="94000"/>
+              </a:schemeClr>
+            </a:gs>
+            <a:gs pos="50000">
+              <a:schemeClr val="accent1">
+                <a:hueOff val="0"/>
+                <a:satOff val="0"/>
+                <a:lumOff val="0"/>
+                <a:alphaOff val="0"/>
+                <a:satMod val="110000"/>
+                <a:lumMod val="100000"/>
+                <a:shade val="100000"/>
+              </a:schemeClr>
+            </a:gs>
+            <a:gs pos="100000">
+              <a:schemeClr val="accent1">
+                <a:hueOff val="0"/>
+                <a:satOff val="0"/>
+                <a:lumOff val="0"/>
+                <a:alphaOff val="0"/>
+                <a:lumMod val="99000"/>
+                <a:satMod val="120000"/>
+                <a:shade val="78000"/>
+              </a:schemeClr>
+            </a:gs>
+          </a:gsLst>
+          <a:lin ang="5400000" scaled="0"/>
+        </a:gradFill>
+        <a:ln w="6350" cap="flat" cmpd="sng" algn="ctr">
+          <a:solidFill>
+            <a:schemeClr val="accent1">
+              <a:hueOff val="0"/>
+              <a:satOff val="0"/>
+              <a:lumOff val="0"/>
+              <a:alphaOff val="0"/>
+            </a:schemeClr>
+          </a:solidFill>
+          <a:prstDash val="solid"/>
+          <a:miter lim="800000"/>
+        </a:ln>
+        <a:effectLst/>
+      </dsp:spPr>
+      <dsp:style>
+        <a:lnRef idx="1">
+          <a:scrgbClr r="0" g="0" b="0"/>
+        </a:lnRef>
+        <a:fillRef idx="3">
+          <a:scrgbClr r="0" g="0" b="0"/>
+        </a:fillRef>
+        <a:effectRef idx="2">
+          <a:scrgbClr r="0" g="0" b="0"/>
+        </a:effectRef>
+        <a:fontRef idx="minor">
+          <a:schemeClr val="lt1"/>
+        </a:fontRef>
+      </dsp:style>
+      <dsp:txBody>
+        <a:bodyPr spcFirstLastPara="0" vert="horz" wrap="square" lIns="12700" tIns="12700" rIns="12700" bIns="12700" numCol="1" spcCol="1270" anchor="ctr" anchorCtr="0">
+          <a:noAutofit/>
+        </a:bodyPr>
+        <a:lstStyle/>
+        <a:p>
+          <a:pPr lvl="0" algn="ctr" defTabSz="889000">
+            <a:lnSpc>
+              <a:spcPct val="90000"/>
+            </a:lnSpc>
+            <a:spcBef>
+              <a:spcPct val="0"/>
+            </a:spcBef>
+            <a:spcAft>
+              <a:spcPct val="35000"/>
+            </a:spcAft>
+          </a:pPr>
+          <a:r>
+            <a:rPr lang="zh-CN" altLang="en-US" sz="2000" kern="1200" dirty="0" smtClean="0"/>
+            <a:t>健壮性</a:t>
+          </a:r>
+          <a:endParaRPr lang="zh-CN" altLang="en-US" sz="2000" kern="1200" dirty="0"/>
+        </a:p>
+      </dsp:txBody>
+      <dsp:txXfrm rot="-5400000">
+        <a:off x="1" y="3627717"/>
+        <a:ext cx="849640" cy="364131"/>
+      </dsp:txXfrm>
+    </dsp:sp>
+    <dsp:sp modelId="{3AA7151F-3D45-2249-94DC-EB4190A6B6DB}">
+      <dsp:nvSpPr>
+        <dsp:cNvPr id="0" name=""/>
+        <dsp:cNvSpPr/>
+      </dsp:nvSpPr>
+      <dsp:spPr>
+        <a:xfrm rot="5400000">
+          <a:off x="3947024" y="105514"/>
+          <a:ext cx="788951" cy="6983719"/>
+        </a:xfrm>
+        <a:prstGeom prst="round2SameRect">
+          <a:avLst/>
+        </a:prstGeom>
+        <a:solidFill>
+          <a:schemeClr val="lt1">
+            <a:alpha val="90000"/>
+            <a:hueOff val="0"/>
+            <a:satOff val="0"/>
+            <a:lumOff val="0"/>
+            <a:alphaOff val="0"/>
+          </a:schemeClr>
+        </a:solidFill>
+        <a:ln w="6350" cap="flat" cmpd="sng" algn="ctr">
+          <a:solidFill>
+            <a:schemeClr val="accent1">
+              <a:hueOff val="0"/>
+              <a:satOff val="0"/>
+              <a:lumOff val="0"/>
+              <a:alphaOff val="0"/>
+            </a:schemeClr>
+          </a:solidFill>
+          <a:prstDash val="solid"/>
+          <a:miter lim="800000"/>
+        </a:ln>
+        <a:effectLst/>
+      </dsp:spPr>
+      <dsp:style>
+        <a:lnRef idx="1">
+          <a:scrgbClr r="0" g="0" b="0"/>
+        </a:lnRef>
+        <a:fillRef idx="1">
+          <a:scrgbClr r="0" g="0" b="0"/>
+        </a:fillRef>
+        <a:effectRef idx="0">
+          <a:scrgbClr r="0" g="0" b="0"/>
+        </a:effectRef>
+        <a:fontRef idx="minor"/>
+      </dsp:style>
+      <dsp:txBody>
+        <a:bodyPr spcFirstLastPara="0" vert="horz" wrap="square" lIns="142240" tIns="12700" rIns="12700" bIns="12700" numCol="1" spcCol="1270" anchor="ctr" anchorCtr="0">
+          <a:noAutofit/>
+        </a:bodyPr>
+        <a:lstStyle/>
+        <a:p>
+          <a:pPr marL="228600" lvl="1" indent="-228600" algn="l" defTabSz="889000">
+            <a:lnSpc>
+              <a:spcPct val="90000"/>
+            </a:lnSpc>
+            <a:spcBef>
+              <a:spcPct val="0"/>
+            </a:spcBef>
+            <a:spcAft>
+              <a:spcPct val="15000"/>
+            </a:spcAft>
+            <a:buChar char="•"/>
+          </a:pPr>
+          <a:r>
+            <a:rPr lang="zh-CN" altLang="en-US" sz="2000" kern="1200" dirty="0" smtClean="0"/>
+            <a:t>校验逻辑增强系统稳健性，整体功能运行稳定</a:t>
+          </a:r>
+          <a:endParaRPr lang="zh-CN" altLang="en-US" sz="2000" kern="1200" dirty="0"/>
+        </a:p>
+      </dsp:txBody>
+      <dsp:txXfrm rot="-5400000">
+        <a:off x="849641" y="3241411"/>
+        <a:ext cx="6945206" cy="711925"/>
+      </dsp:txXfrm>
+    </dsp:sp>
+  </dsp:spTree>
+</dsp:drawing>
+</file>
+
 <file path=ppt/diagrams/layout1.xml><?xml version="1.0" encoding="utf-8"?>
 <dgm:layoutDef xmlns:dgm="http://schemas.openxmlformats.org/drawingml/2006/diagram" xmlns:a="http://schemas.openxmlformats.org/drawingml/2006/main" uniqueId="urn:microsoft.com/office/officeart/2005/8/layout/cycle4">
   <dgm:title val=""/>
@@ -7716,6 +9716,262 @@
         </dgm:forEach>
       </dgm:forEach>
     </dgm:layoutNode>
+  </dgm:layoutNode>
+</dgm:layoutDef>
+</file>
+
+<file path=ppt/diagrams/layout3.xml><?xml version="1.0" encoding="utf-8"?>
+<dgm:layoutDef xmlns:dgm="http://schemas.openxmlformats.org/drawingml/2006/diagram" xmlns:a="http://schemas.openxmlformats.org/drawingml/2006/main" uniqueId="urn:microsoft.com/office/officeart/2005/8/layout/chevron2">
+  <dgm:title val=""/>
+  <dgm:desc val=""/>
+  <dgm:catLst>
+    <dgm:cat type="process" pri="12000"/>
+    <dgm:cat type="list" pri="16000"/>
+    <dgm:cat type="convert" pri="11000"/>
+  </dgm:catLst>
+  <dgm:sampData>
+    <dgm:dataModel>
+      <dgm:ptLst>
+        <dgm:pt modelId="0" type="doc"/>
+        <dgm:pt modelId="1">
+          <dgm:prSet phldr="1"/>
+        </dgm:pt>
+        <dgm:pt modelId="11">
+          <dgm:prSet phldr="1"/>
+        </dgm:pt>
+        <dgm:pt modelId="12">
+          <dgm:prSet phldr="1"/>
+        </dgm:pt>
+        <dgm:pt modelId="2">
+          <dgm:prSet phldr="1"/>
+        </dgm:pt>
+        <dgm:pt modelId="21">
+          <dgm:prSet phldr="1"/>
+        </dgm:pt>
+        <dgm:pt modelId="22">
+          <dgm:prSet phldr="1"/>
+        </dgm:pt>
+        <dgm:pt modelId="3">
+          <dgm:prSet phldr="1"/>
+        </dgm:pt>
+        <dgm:pt modelId="31">
+          <dgm:prSet phldr="1"/>
+        </dgm:pt>
+        <dgm:pt modelId="32">
+          <dgm:prSet phldr="1"/>
+        </dgm:pt>
+      </dgm:ptLst>
+      <dgm:cxnLst>
+        <dgm:cxn modelId="4" srcId="0" destId="1" srcOrd="0" destOrd="0"/>
+        <dgm:cxn modelId="5" srcId="0" destId="2" srcOrd="1" destOrd="0"/>
+        <dgm:cxn modelId="6" srcId="0" destId="3" srcOrd="2" destOrd="0"/>
+        <dgm:cxn modelId="13" srcId="1" destId="11" srcOrd="0" destOrd="0"/>
+        <dgm:cxn modelId="14" srcId="1" destId="12" srcOrd="1" destOrd="0"/>
+        <dgm:cxn modelId="23" srcId="2" destId="21" srcOrd="0" destOrd="0"/>
+        <dgm:cxn modelId="24" srcId="2" destId="22" srcOrd="1" destOrd="0"/>
+        <dgm:cxn modelId="33" srcId="3" destId="31" srcOrd="0" destOrd="0"/>
+        <dgm:cxn modelId="34" srcId="3" destId="32" srcOrd="1" destOrd="0"/>
+      </dgm:cxnLst>
+      <dgm:bg/>
+      <dgm:whole/>
+    </dgm:dataModel>
+  </dgm:sampData>
+  <dgm:styleData>
+    <dgm:dataModel>
+      <dgm:ptLst>
+        <dgm:pt modelId="0" type="doc"/>
+        <dgm:pt modelId="1"/>
+      </dgm:ptLst>
+      <dgm:cxnLst>
+        <dgm:cxn modelId="4" srcId="0" destId="1" srcOrd="0" destOrd="0"/>
+      </dgm:cxnLst>
+      <dgm:bg/>
+      <dgm:whole/>
+    </dgm:dataModel>
+  </dgm:styleData>
+  <dgm:clrData>
+    <dgm:dataModel>
+      <dgm:ptLst>
+        <dgm:pt modelId="0" type="doc"/>
+        <dgm:pt modelId="1"/>
+        <dgm:pt modelId="11"/>
+        <dgm:pt modelId="2"/>
+        <dgm:pt modelId="21"/>
+        <dgm:pt modelId="3"/>
+        <dgm:pt modelId="31"/>
+        <dgm:pt modelId="4"/>
+        <dgm:pt modelId="41"/>
+      </dgm:ptLst>
+      <dgm:cxnLst>
+        <dgm:cxn modelId="5" srcId="0" destId="1" srcOrd="0" destOrd="0"/>
+        <dgm:cxn modelId="6" srcId="0" destId="2" srcOrd="1" destOrd="0"/>
+        <dgm:cxn modelId="7" srcId="0" destId="3" srcOrd="2" destOrd="0"/>
+        <dgm:cxn modelId="8" srcId="0" destId="4" srcOrd="3" destOrd="0"/>
+        <dgm:cxn modelId="13" srcId="1" destId="11" srcOrd="0" destOrd="0"/>
+        <dgm:cxn modelId="23" srcId="2" destId="21" srcOrd="0" destOrd="0"/>
+        <dgm:cxn modelId="33" srcId="3" destId="31" srcOrd="0" destOrd="0"/>
+        <dgm:cxn modelId="43" srcId="4" destId="41" srcOrd="0" destOrd="0"/>
+      </dgm:cxnLst>
+      <dgm:bg/>
+      <dgm:whole/>
+    </dgm:dataModel>
+  </dgm:clrData>
+  <dgm:layoutNode name="linearFlow">
+    <dgm:varLst>
+      <dgm:dir/>
+      <dgm:animLvl val="lvl"/>
+      <dgm:resizeHandles val="exact"/>
+    </dgm:varLst>
+    <dgm:alg type="lin">
+      <dgm:param type="linDir" val="fromT"/>
+      <dgm:param type="nodeHorzAlign" val="l"/>
+    </dgm:alg>
+    <dgm:shape xmlns:r="http://schemas.openxmlformats.org/officeDocument/2006/relationships" r:blip="">
+      <dgm:adjLst/>
+    </dgm:shape>
+    <dgm:presOf/>
+    <dgm:constrLst>
+      <dgm:constr type="h" for="ch" forName="composite" refType="h"/>
+      <dgm:constr type="w" for="ch" forName="composite" refType="w"/>
+      <dgm:constr type="h" for="des" forName="parentText" op="equ"/>
+      <dgm:constr type="h" for="ch" forName="sp" val="-14.88"/>
+      <dgm:constr type="h" for="ch" forName="sp" refType="w" refFor="des" refForName="parentText" op="gte" fact="-0.3"/>
+      <dgm:constr type="primFontSz" for="des" forName="parentText" op="equ" val="65"/>
+      <dgm:constr type="primFontSz" for="des" forName="descendantText" op="equ" val="65"/>
+    </dgm:constrLst>
+    <dgm:ruleLst/>
+    <dgm:forEach name="Name0" axis="ch" ptType="node">
+      <dgm:layoutNode name="composite">
+        <dgm:alg type="composite"/>
+        <dgm:shape xmlns:r="http://schemas.openxmlformats.org/officeDocument/2006/relationships" r:blip="">
+          <dgm:adjLst/>
+        </dgm:shape>
+        <dgm:presOf/>
+        <dgm:choose name="Name1">
+          <dgm:if name="Name2" func="var" arg="dir" op="equ" val="norm">
+            <dgm:constrLst>
+              <dgm:constr type="t" for="ch" forName="parentText"/>
+              <dgm:constr type="l" for="ch" forName="parentText"/>
+              <dgm:constr type="w" for="ch" forName="parentText" refType="w" fact="0.4"/>
+              <dgm:constr type="h" for="ch" forName="parentText" refType="h"/>
+              <dgm:constr type="w" for="ch" forName="parentText" refType="w" op="lte" fact="0.5"/>
+              <dgm:constr type="w" for="ch" forName="parentText" refType="h" refFor="ch" refForName="parentText" op="lte" fact="0.7"/>
+              <dgm:constr type="h" for="ch" forName="parentText" refType="w" refFor="ch" refForName="parentText" op="lte" fact="3"/>
+              <dgm:constr type="l" for="ch" forName="descendantText" refType="w" refFor="ch" refForName="parentText"/>
+              <dgm:constr type="w" for="ch" forName="descendantText" refType="w"/>
+              <dgm:constr type="wOff" for="ch" forName="descendantText" refType="w" refFor="ch" refForName="parentText" fact="-1"/>
+              <dgm:constr type="t" for="ch" forName="descendantText"/>
+              <dgm:constr type="b" for="ch" forName="descendantText" refType="h" refFor="ch" refForName="parentText"/>
+              <dgm:constr type="bOff" for="ch" forName="descendantText" refType="w" refFor="ch" refForName="parentText" fact="-0.5"/>
+            </dgm:constrLst>
+          </dgm:if>
+          <dgm:else name="Name3">
+            <dgm:constrLst>
+              <dgm:constr type="t" for="ch" forName="parentText"/>
+              <dgm:constr type="r" for="ch" forName="parentText" refType="w"/>
+              <dgm:constr type="w" for="ch" forName="parentText" refType="w" fact="0.4"/>
+              <dgm:constr type="h" for="ch" forName="parentText" refType="h"/>
+              <dgm:constr type="w" for="ch" forName="parentText" refType="w" op="lte" fact="0.5"/>
+              <dgm:constr type="w" for="ch" forName="parentText" refType="h" refFor="ch" refForName="parentText" op="lte" fact="0.7"/>
+              <dgm:constr type="h" for="ch" forName="parentText" refType="w" refFor="ch" refForName="parentText" op="lte" fact="3"/>
+              <dgm:constr type="l" for="ch" forName="descendantText"/>
+              <dgm:constr type="w" for="ch" forName="descendantText" refType="w"/>
+              <dgm:constr type="wOff" for="ch" forName="descendantText" refType="w" refFor="ch" refForName="parentText" fact="-1"/>
+              <dgm:constr type="t" for="ch" forName="descendantText"/>
+              <dgm:constr type="b" for="ch" forName="descendantText" refType="h" refFor="ch" refForName="parentText"/>
+              <dgm:constr type="bOff" for="ch" forName="descendantText" refType="w" refFor="ch" refForName="parentText" fact="-0.5"/>
+            </dgm:constrLst>
+          </dgm:else>
+        </dgm:choose>
+        <dgm:ruleLst/>
+        <dgm:layoutNode name="parentText" styleLbl="alignNode1">
+          <dgm:varLst>
+            <dgm:chMax val="1"/>
+            <dgm:bulletEnabled val="1"/>
+          </dgm:varLst>
+          <dgm:alg type="tx"/>
+          <dgm:shape xmlns:r="http://schemas.openxmlformats.org/officeDocument/2006/relationships" rot="90" type="chevron" r:blip="">
+            <dgm:adjLst/>
+          </dgm:shape>
+          <dgm:presOf axis="self" ptType="node"/>
+          <dgm:constrLst>
+            <dgm:constr type="lMarg" refType="primFontSz" fact="0.05"/>
+            <dgm:constr type="rMarg" refType="primFontSz" fact="0.05"/>
+            <dgm:constr type="tMarg" refType="primFontSz" fact="0.05"/>
+            <dgm:constr type="bMarg" refType="primFontSz" fact="0.05"/>
+          </dgm:constrLst>
+          <dgm:ruleLst>
+            <dgm:rule type="h" val="100" fact="NaN" max="NaN"/>
+            <dgm:rule type="primFontSz" val="24" fact="NaN" max="NaN"/>
+            <dgm:rule type="h" val="110" fact="NaN" max="NaN"/>
+            <dgm:rule type="primFontSz" val="18" fact="NaN" max="NaN"/>
+            <dgm:rule type="h" val="INF" fact="NaN" max="NaN"/>
+            <dgm:rule type="primFontSz" val="5" fact="NaN" max="NaN"/>
+          </dgm:ruleLst>
+        </dgm:layoutNode>
+        <dgm:layoutNode name="descendantText" styleLbl="alignAcc1">
+          <dgm:varLst>
+            <dgm:bulletEnabled val="1"/>
+          </dgm:varLst>
+          <dgm:choose name="Name4">
+            <dgm:if name="Name5" func="var" arg="dir" op="equ" val="norm">
+              <dgm:alg type="tx">
+                <dgm:param type="stBulletLvl" val="1"/>
+                <dgm:param type="txAnchorVertCh" val="mid"/>
+              </dgm:alg>
+              <dgm:shape xmlns:r="http://schemas.openxmlformats.org/officeDocument/2006/relationships" rot="90" type="round2SameRect" r:blip="">
+                <dgm:adjLst/>
+              </dgm:shape>
+            </dgm:if>
+            <dgm:else name="Name6">
+              <dgm:alg type="tx">
+                <dgm:param type="stBulletLvl" val="1"/>
+                <dgm:param type="txAnchorVertCh" val="mid"/>
+              </dgm:alg>
+              <dgm:shape xmlns:r="http://schemas.openxmlformats.org/officeDocument/2006/relationships" rot="-90" type="round2SameRect" r:blip="">
+                <dgm:adjLst/>
+              </dgm:shape>
+            </dgm:else>
+          </dgm:choose>
+          <dgm:presOf axis="des" ptType="node"/>
+          <dgm:choose name="Name7">
+            <dgm:if name="Name8" func="var" arg="dir" op="equ" val="norm">
+              <dgm:constrLst>
+                <dgm:constr type="secFontSz" refType="primFontSz"/>
+                <dgm:constr type="tMarg" refType="primFontSz" fact="0.05"/>
+                <dgm:constr type="bMarg" refType="primFontSz" fact="0.05"/>
+                <dgm:constr type="rMarg" refType="primFontSz" fact="0.05"/>
+              </dgm:constrLst>
+            </dgm:if>
+            <dgm:else name="Name9">
+              <dgm:constrLst>
+                <dgm:constr type="secFontSz" refType="primFontSz"/>
+                <dgm:constr type="tMarg" refType="primFontSz" fact="0.05"/>
+                <dgm:constr type="bMarg" refType="primFontSz" fact="0.05"/>
+                <dgm:constr type="lMarg" refType="primFontSz" fact="0.05"/>
+              </dgm:constrLst>
+            </dgm:else>
+          </dgm:choose>
+          <dgm:ruleLst>
+            <dgm:rule type="primFontSz" val="5" fact="NaN" max="NaN"/>
+          </dgm:ruleLst>
+        </dgm:layoutNode>
+      </dgm:layoutNode>
+      <dgm:forEach name="Name10" axis="followSib" ptType="sibTrans" cnt="1">
+        <dgm:layoutNode name="sp">
+          <dgm:alg type="sp"/>
+          <dgm:shape xmlns:r="http://schemas.openxmlformats.org/officeDocument/2006/relationships" r:blip="">
+            <dgm:adjLst/>
+          </dgm:shape>
+          <dgm:presOf axis="self"/>
+          <dgm:constrLst>
+            <dgm:constr type="w" val="1"/>
+            <dgm:constr type="h" val="37.5"/>
+          </dgm:constrLst>
+          <dgm:ruleLst/>
+        </dgm:layoutNode>
+      </dgm:forEach>
+    </dgm:forEach>
   </dgm:layoutNode>
 </dgm:layoutDef>
 </file>
@@ -9788,6 +12044,1040 @@
 </dgm:styleDef>
 </file>
 
+<file path=ppt/diagrams/quickStyle3.xml><?xml version="1.0" encoding="utf-8"?>
+<dgm:styleDef xmlns:dgm="http://schemas.openxmlformats.org/drawingml/2006/diagram" xmlns:a="http://schemas.openxmlformats.org/drawingml/2006/main" uniqueId="urn:microsoft.com/office/officeart/2005/8/quickstyle/simple4">
+  <dgm:title val=""/>
+  <dgm:desc val=""/>
+  <dgm:catLst>
+    <dgm:cat type="simple" pri="10400"/>
+  </dgm:catLst>
+  <dgm:scene3d>
+    <a:camera prst="orthographicFront"/>
+    <a:lightRig rig="threePt" dir="t"/>
+  </dgm:scene3d>
+  <dgm:styleLbl name="node0">
+    <dgm:scene3d>
+      <a:camera prst="orthographicFront"/>
+      <a:lightRig rig="threePt" dir="t"/>
+    </dgm:scene3d>
+    <dgm:sp3d/>
+    <dgm:txPr/>
+    <dgm:style>
+      <a:lnRef idx="0">
+        <a:scrgbClr r="0" g="0" b="0"/>
+      </a:lnRef>
+      <a:fillRef idx="3">
+        <a:scrgbClr r="0" g="0" b="0"/>
+      </a:fillRef>
+      <a:effectRef idx="2">
+        <a:scrgbClr r="0" g="0" b="0"/>
+      </a:effectRef>
+      <a:fontRef idx="minor">
+        <a:schemeClr val="lt1"/>
+      </a:fontRef>
+    </dgm:style>
+  </dgm:styleLbl>
+  <dgm:styleLbl name="lnNode1">
+    <dgm:scene3d>
+      <a:camera prst="orthographicFront"/>
+      <a:lightRig rig="threePt" dir="t"/>
+    </dgm:scene3d>
+    <dgm:sp3d/>
+    <dgm:txPr/>
+    <dgm:style>
+      <a:lnRef idx="1">
+        <a:scrgbClr r="0" g="0" b="0"/>
+      </a:lnRef>
+      <a:fillRef idx="3">
+        <a:scrgbClr r="0" g="0" b="0"/>
+      </a:fillRef>
+      <a:effectRef idx="2">
+        <a:scrgbClr r="0" g="0" b="0"/>
+      </a:effectRef>
+      <a:fontRef idx="minor">
+        <a:schemeClr val="lt1"/>
+      </a:fontRef>
+    </dgm:style>
+  </dgm:styleLbl>
+  <dgm:styleLbl name="vennNode1">
+    <dgm:scene3d>
+      <a:camera prst="orthographicFront"/>
+      <a:lightRig rig="threePt" dir="t"/>
+    </dgm:scene3d>
+    <dgm:sp3d/>
+    <dgm:txPr/>
+    <dgm:style>
+      <a:lnRef idx="0">
+        <a:scrgbClr r="0" g="0" b="0"/>
+      </a:lnRef>
+      <a:fillRef idx="3">
+        <a:scrgbClr r="0" g="0" b="0"/>
+      </a:fillRef>
+      <a:effectRef idx="0">
+        <a:scrgbClr r="0" g="0" b="0"/>
+      </a:effectRef>
+      <a:fontRef idx="minor">
+        <a:schemeClr val="tx1"/>
+      </a:fontRef>
+    </dgm:style>
+  </dgm:styleLbl>
+  <dgm:styleLbl name="alignNode1">
+    <dgm:scene3d>
+      <a:camera prst="orthographicFront"/>
+      <a:lightRig rig="threePt" dir="t"/>
+    </dgm:scene3d>
+    <dgm:sp3d/>
+    <dgm:txPr/>
+    <dgm:style>
+      <a:lnRef idx="1">
+        <a:scrgbClr r="0" g="0" b="0"/>
+      </a:lnRef>
+      <a:fillRef idx="3">
+        <a:scrgbClr r="0" g="0" b="0"/>
+      </a:fillRef>
+      <a:effectRef idx="2">
+        <a:scrgbClr r="0" g="0" b="0"/>
+      </a:effectRef>
+      <a:fontRef idx="minor">
+        <a:schemeClr val="lt1"/>
+      </a:fontRef>
+    </dgm:style>
+  </dgm:styleLbl>
+  <dgm:styleLbl name="node1">
+    <dgm:scene3d>
+      <a:camera prst="orthographicFront"/>
+      <a:lightRig rig="threePt" dir="t"/>
+    </dgm:scene3d>
+    <dgm:sp3d/>
+    <dgm:txPr/>
+    <dgm:style>
+      <a:lnRef idx="0">
+        <a:scrgbClr r="0" g="0" b="0"/>
+      </a:lnRef>
+      <a:fillRef idx="3">
+        <a:scrgbClr r="0" g="0" b="0"/>
+      </a:fillRef>
+      <a:effectRef idx="2">
+        <a:scrgbClr r="0" g="0" b="0"/>
+      </a:effectRef>
+      <a:fontRef idx="minor">
+        <a:schemeClr val="lt1"/>
+      </a:fontRef>
+    </dgm:style>
+  </dgm:styleLbl>
+  <dgm:styleLbl name="node2">
+    <dgm:scene3d>
+      <a:camera prst="orthographicFront"/>
+      <a:lightRig rig="threePt" dir="t"/>
+    </dgm:scene3d>
+    <dgm:sp3d/>
+    <dgm:txPr/>
+    <dgm:style>
+      <a:lnRef idx="0">
+        <a:scrgbClr r="0" g="0" b="0"/>
+      </a:lnRef>
+      <a:fillRef idx="3">
+        <a:scrgbClr r="0" g="0" b="0"/>
+      </a:fillRef>
+      <a:effectRef idx="2">
+        <a:scrgbClr r="0" g="0" b="0"/>
+      </a:effectRef>
+      <a:fontRef idx="minor">
+        <a:schemeClr val="lt1"/>
+      </a:fontRef>
+    </dgm:style>
+  </dgm:styleLbl>
+  <dgm:styleLbl name="node3">
+    <dgm:scene3d>
+      <a:camera prst="orthographicFront"/>
+      <a:lightRig rig="threePt" dir="t"/>
+    </dgm:scene3d>
+    <dgm:sp3d/>
+    <dgm:txPr/>
+    <dgm:style>
+      <a:lnRef idx="0">
+        <a:scrgbClr r="0" g="0" b="0"/>
+      </a:lnRef>
+      <a:fillRef idx="3">
+        <a:scrgbClr r="0" g="0" b="0"/>
+      </a:fillRef>
+      <a:effectRef idx="2">
+        <a:scrgbClr r="0" g="0" b="0"/>
+      </a:effectRef>
+      <a:fontRef idx="minor">
+        <a:schemeClr val="lt1"/>
+      </a:fontRef>
+    </dgm:style>
+  </dgm:styleLbl>
+  <dgm:styleLbl name="node4">
+    <dgm:scene3d>
+      <a:camera prst="orthographicFront"/>
+      <a:lightRig rig="threePt" dir="t"/>
+    </dgm:scene3d>
+    <dgm:sp3d/>
+    <dgm:txPr/>
+    <dgm:style>
+      <a:lnRef idx="0">
+        <a:scrgbClr r="0" g="0" b="0"/>
+      </a:lnRef>
+      <a:fillRef idx="3">
+        <a:scrgbClr r="0" g="0" b="0"/>
+      </a:fillRef>
+      <a:effectRef idx="2">
+        <a:scrgbClr r="0" g="0" b="0"/>
+      </a:effectRef>
+      <a:fontRef idx="minor">
+        <a:schemeClr val="lt1"/>
+      </a:fontRef>
+    </dgm:style>
+  </dgm:styleLbl>
+  <dgm:styleLbl name="fgImgPlace1">
+    <dgm:scene3d>
+      <a:camera prst="orthographicFront"/>
+      <a:lightRig rig="threePt" dir="t"/>
+    </dgm:scene3d>
+    <dgm:sp3d/>
+    <dgm:txPr/>
+    <dgm:style>
+      <a:lnRef idx="0">
+        <a:scrgbClr r="0" g="0" b="0"/>
+      </a:lnRef>
+      <a:fillRef idx="1">
+        <a:scrgbClr r="0" g="0" b="0"/>
+      </a:fillRef>
+      <a:effectRef idx="2">
+        <a:scrgbClr r="0" g="0" b="0"/>
+      </a:effectRef>
+      <a:fontRef idx="minor"/>
+    </dgm:style>
+  </dgm:styleLbl>
+  <dgm:styleLbl name="alignImgPlace1">
+    <dgm:scene3d>
+      <a:camera prst="orthographicFront"/>
+      <a:lightRig rig="threePt" dir="t"/>
+    </dgm:scene3d>
+    <dgm:sp3d/>
+    <dgm:txPr/>
+    <dgm:style>
+      <a:lnRef idx="0">
+        <a:scrgbClr r="0" g="0" b="0"/>
+      </a:lnRef>
+      <a:fillRef idx="1">
+        <a:scrgbClr r="0" g="0" b="0"/>
+      </a:fillRef>
+      <a:effectRef idx="2">
+        <a:scrgbClr r="0" g="0" b="0"/>
+      </a:effectRef>
+      <a:fontRef idx="minor"/>
+    </dgm:style>
+  </dgm:styleLbl>
+  <dgm:styleLbl name="bgImgPlace1">
+    <dgm:scene3d>
+      <a:camera prst="orthographicFront"/>
+      <a:lightRig rig="threePt" dir="t"/>
+    </dgm:scene3d>
+    <dgm:sp3d/>
+    <dgm:txPr/>
+    <dgm:style>
+      <a:lnRef idx="0">
+        <a:scrgbClr r="0" g="0" b="0"/>
+      </a:lnRef>
+      <a:fillRef idx="1">
+        <a:scrgbClr r="0" g="0" b="0"/>
+      </a:fillRef>
+      <a:effectRef idx="2">
+        <a:scrgbClr r="0" g="0" b="0"/>
+      </a:effectRef>
+      <a:fontRef idx="minor"/>
+    </dgm:style>
+  </dgm:styleLbl>
+  <dgm:styleLbl name="sibTrans2D1">
+    <dgm:scene3d>
+      <a:camera prst="orthographicFront"/>
+      <a:lightRig rig="threePt" dir="t"/>
+    </dgm:scene3d>
+    <dgm:sp3d/>
+    <dgm:txPr/>
+    <dgm:style>
+      <a:lnRef idx="0">
+        <a:scrgbClr r="0" g="0" b="0"/>
+      </a:lnRef>
+      <a:fillRef idx="3">
+        <a:scrgbClr r="0" g="0" b="0"/>
+      </a:fillRef>
+      <a:effectRef idx="2">
+        <a:scrgbClr r="0" g="0" b="0"/>
+      </a:effectRef>
+      <a:fontRef idx="minor">
+        <a:schemeClr val="lt1"/>
+      </a:fontRef>
+    </dgm:style>
+  </dgm:styleLbl>
+  <dgm:styleLbl name="fgSibTrans2D1">
+    <dgm:scene3d>
+      <a:camera prst="orthographicFront"/>
+      <a:lightRig rig="threePt" dir="t"/>
+    </dgm:scene3d>
+    <dgm:sp3d/>
+    <dgm:txPr/>
+    <dgm:style>
+      <a:lnRef idx="0">
+        <a:scrgbClr r="0" g="0" b="0"/>
+      </a:lnRef>
+      <a:fillRef idx="3">
+        <a:scrgbClr r="0" g="0" b="0"/>
+      </a:fillRef>
+      <a:effectRef idx="2">
+        <a:scrgbClr r="0" g="0" b="0"/>
+      </a:effectRef>
+      <a:fontRef idx="minor">
+        <a:schemeClr val="lt1"/>
+      </a:fontRef>
+    </dgm:style>
+  </dgm:styleLbl>
+  <dgm:styleLbl name="bgSibTrans2D1">
+    <dgm:scene3d>
+      <a:camera prst="orthographicFront"/>
+      <a:lightRig rig="threePt" dir="t"/>
+    </dgm:scene3d>
+    <dgm:sp3d/>
+    <dgm:txPr/>
+    <dgm:style>
+      <a:lnRef idx="0">
+        <a:scrgbClr r="0" g="0" b="0"/>
+      </a:lnRef>
+      <a:fillRef idx="3">
+        <a:scrgbClr r="0" g="0" b="0"/>
+      </a:fillRef>
+      <a:effectRef idx="2">
+        <a:scrgbClr r="0" g="0" b="0"/>
+      </a:effectRef>
+      <a:fontRef idx="minor">
+        <a:schemeClr val="lt1"/>
+      </a:fontRef>
+    </dgm:style>
+  </dgm:styleLbl>
+  <dgm:styleLbl name="sibTrans1D1">
+    <dgm:scene3d>
+      <a:camera prst="orthographicFront"/>
+      <a:lightRig rig="threePt" dir="t"/>
+    </dgm:scene3d>
+    <dgm:sp3d/>
+    <dgm:txPr/>
+    <dgm:style>
+      <a:lnRef idx="1">
+        <a:scrgbClr r="0" g="0" b="0"/>
+      </a:lnRef>
+      <a:fillRef idx="0">
+        <a:scrgbClr r="0" g="0" b="0"/>
+      </a:fillRef>
+      <a:effectRef idx="0">
+        <a:scrgbClr r="0" g="0" b="0"/>
+      </a:effectRef>
+      <a:fontRef idx="minor"/>
+    </dgm:style>
+  </dgm:styleLbl>
+  <dgm:styleLbl name="callout">
+    <dgm:scene3d>
+      <a:camera prst="orthographicFront"/>
+      <a:lightRig rig="threePt" dir="t"/>
+    </dgm:scene3d>
+    <dgm:sp3d/>
+    <dgm:txPr/>
+    <dgm:style>
+      <a:lnRef idx="2">
+        <a:scrgbClr r="0" g="0" b="0"/>
+      </a:lnRef>
+      <a:fillRef idx="1">
+        <a:scrgbClr r="0" g="0" b="0"/>
+      </a:fillRef>
+      <a:effectRef idx="1">
+        <a:scrgbClr r="0" g="0" b="0"/>
+      </a:effectRef>
+      <a:fontRef idx="minor"/>
+    </dgm:style>
+  </dgm:styleLbl>
+  <dgm:styleLbl name="asst0">
+    <dgm:scene3d>
+      <a:camera prst="orthographicFront"/>
+      <a:lightRig rig="threePt" dir="t"/>
+    </dgm:scene3d>
+    <dgm:sp3d/>
+    <dgm:txPr/>
+    <dgm:style>
+      <a:lnRef idx="0">
+        <a:scrgbClr r="0" g="0" b="0"/>
+      </a:lnRef>
+      <a:fillRef idx="3">
+        <a:scrgbClr r="0" g="0" b="0"/>
+      </a:fillRef>
+      <a:effectRef idx="2">
+        <a:scrgbClr r="0" g="0" b="0"/>
+      </a:effectRef>
+      <a:fontRef idx="minor">
+        <a:schemeClr val="lt1"/>
+      </a:fontRef>
+    </dgm:style>
+  </dgm:styleLbl>
+  <dgm:styleLbl name="asst1">
+    <dgm:scene3d>
+      <a:camera prst="orthographicFront"/>
+      <a:lightRig rig="threePt" dir="t"/>
+    </dgm:scene3d>
+    <dgm:sp3d/>
+    <dgm:txPr/>
+    <dgm:style>
+      <a:lnRef idx="0">
+        <a:scrgbClr r="0" g="0" b="0"/>
+      </a:lnRef>
+      <a:fillRef idx="3">
+        <a:scrgbClr r="0" g="0" b="0"/>
+      </a:fillRef>
+      <a:effectRef idx="2">
+        <a:scrgbClr r="0" g="0" b="0"/>
+      </a:effectRef>
+      <a:fontRef idx="minor">
+        <a:schemeClr val="lt1"/>
+      </a:fontRef>
+    </dgm:style>
+  </dgm:styleLbl>
+  <dgm:styleLbl name="asst2">
+    <dgm:scene3d>
+      <a:camera prst="orthographicFront"/>
+      <a:lightRig rig="threePt" dir="t"/>
+    </dgm:scene3d>
+    <dgm:sp3d/>
+    <dgm:txPr/>
+    <dgm:style>
+      <a:lnRef idx="0">
+        <a:scrgbClr r="0" g="0" b="0"/>
+      </a:lnRef>
+      <a:fillRef idx="3">
+        <a:scrgbClr r="0" g="0" b="0"/>
+      </a:fillRef>
+      <a:effectRef idx="2">
+        <a:scrgbClr r="0" g="0" b="0"/>
+      </a:effectRef>
+      <a:fontRef idx="minor">
+        <a:schemeClr val="lt1"/>
+      </a:fontRef>
+    </dgm:style>
+  </dgm:styleLbl>
+  <dgm:styleLbl name="asst3">
+    <dgm:scene3d>
+      <a:camera prst="orthographicFront"/>
+      <a:lightRig rig="threePt" dir="t"/>
+    </dgm:scene3d>
+    <dgm:sp3d/>
+    <dgm:txPr/>
+    <dgm:style>
+      <a:lnRef idx="0">
+        <a:scrgbClr r="0" g="0" b="0"/>
+      </a:lnRef>
+      <a:fillRef idx="3">
+        <a:scrgbClr r="0" g="0" b="0"/>
+      </a:fillRef>
+      <a:effectRef idx="2">
+        <a:scrgbClr r="0" g="0" b="0"/>
+      </a:effectRef>
+      <a:fontRef idx="minor">
+        <a:schemeClr val="lt1"/>
+      </a:fontRef>
+    </dgm:style>
+  </dgm:styleLbl>
+  <dgm:styleLbl name="asst4">
+    <dgm:scene3d>
+      <a:camera prst="orthographicFront"/>
+      <a:lightRig rig="threePt" dir="t"/>
+    </dgm:scene3d>
+    <dgm:sp3d/>
+    <dgm:txPr/>
+    <dgm:style>
+      <a:lnRef idx="0">
+        <a:scrgbClr r="0" g="0" b="0"/>
+      </a:lnRef>
+      <a:fillRef idx="3">
+        <a:scrgbClr r="0" g="0" b="0"/>
+      </a:fillRef>
+      <a:effectRef idx="2">
+        <a:scrgbClr r="0" g="0" b="0"/>
+      </a:effectRef>
+      <a:fontRef idx="minor">
+        <a:schemeClr val="lt1"/>
+      </a:fontRef>
+    </dgm:style>
+  </dgm:styleLbl>
+  <dgm:styleLbl name="parChTrans2D1">
+    <dgm:scene3d>
+      <a:camera prst="orthographicFront"/>
+      <a:lightRig rig="threePt" dir="t"/>
+    </dgm:scene3d>
+    <dgm:sp3d/>
+    <dgm:txPr/>
+    <dgm:style>
+      <a:lnRef idx="0">
+        <a:scrgbClr r="0" g="0" b="0"/>
+      </a:lnRef>
+      <a:fillRef idx="3">
+        <a:scrgbClr r="0" g="0" b="0"/>
+      </a:fillRef>
+      <a:effectRef idx="2">
+        <a:scrgbClr r="0" g="0" b="0"/>
+      </a:effectRef>
+      <a:fontRef idx="minor">
+        <a:schemeClr val="lt1"/>
+      </a:fontRef>
+    </dgm:style>
+  </dgm:styleLbl>
+  <dgm:styleLbl name="parChTrans2D2">
+    <dgm:scene3d>
+      <a:camera prst="orthographicFront"/>
+      <a:lightRig rig="threePt" dir="t"/>
+    </dgm:scene3d>
+    <dgm:sp3d/>
+    <dgm:txPr/>
+    <dgm:style>
+      <a:lnRef idx="0">
+        <a:scrgbClr r="0" g="0" b="0"/>
+      </a:lnRef>
+      <a:fillRef idx="3">
+        <a:scrgbClr r="0" g="0" b="0"/>
+      </a:fillRef>
+      <a:effectRef idx="2">
+        <a:scrgbClr r="0" g="0" b="0"/>
+      </a:effectRef>
+      <a:fontRef idx="minor">
+        <a:schemeClr val="lt1"/>
+      </a:fontRef>
+    </dgm:style>
+  </dgm:styleLbl>
+  <dgm:styleLbl name="parChTrans2D3">
+    <dgm:scene3d>
+      <a:camera prst="orthographicFront"/>
+      <a:lightRig rig="threePt" dir="t"/>
+    </dgm:scene3d>
+    <dgm:sp3d/>
+    <dgm:txPr/>
+    <dgm:style>
+      <a:lnRef idx="1">
+        <a:scrgbClr r="0" g="0" b="0"/>
+      </a:lnRef>
+      <a:fillRef idx="3">
+        <a:scrgbClr r="0" g="0" b="0"/>
+      </a:fillRef>
+      <a:effectRef idx="2">
+        <a:scrgbClr r="0" g="0" b="0"/>
+      </a:effectRef>
+      <a:fontRef idx="minor">
+        <a:schemeClr val="lt1"/>
+      </a:fontRef>
+    </dgm:style>
+  </dgm:styleLbl>
+  <dgm:styleLbl name="parChTrans2D4">
+    <dgm:scene3d>
+      <a:camera prst="orthographicFront"/>
+      <a:lightRig rig="threePt" dir="t"/>
+    </dgm:scene3d>
+    <dgm:sp3d/>
+    <dgm:txPr/>
+    <dgm:style>
+      <a:lnRef idx="1">
+        <a:scrgbClr r="0" g="0" b="0"/>
+      </a:lnRef>
+      <a:fillRef idx="3">
+        <a:scrgbClr r="0" g="0" b="0"/>
+      </a:fillRef>
+      <a:effectRef idx="2">
+        <a:scrgbClr r="0" g="0" b="0"/>
+      </a:effectRef>
+      <a:fontRef idx="minor">
+        <a:schemeClr val="lt1"/>
+      </a:fontRef>
+    </dgm:style>
+  </dgm:styleLbl>
+  <dgm:styleLbl name="parChTrans1D1">
+    <dgm:scene3d>
+      <a:camera prst="orthographicFront"/>
+      <a:lightRig rig="threePt" dir="t"/>
+    </dgm:scene3d>
+    <dgm:sp3d/>
+    <dgm:txPr/>
+    <dgm:style>
+      <a:lnRef idx="1">
+        <a:scrgbClr r="0" g="0" b="0"/>
+      </a:lnRef>
+      <a:fillRef idx="0">
+        <a:scrgbClr r="0" g="0" b="0"/>
+      </a:fillRef>
+      <a:effectRef idx="0">
+        <a:scrgbClr r="0" g="0" b="0"/>
+      </a:effectRef>
+      <a:fontRef idx="minor"/>
+    </dgm:style>
+  </dgm:styleLbl>
+  <dgm:styleLbl name="parChTrans1D2">
+    <dgm:scene3d>
+      <a:camera prst="orthographicFront"/>
+      <a:lightRig rig="threePt" dir="t"/>
+    </dgm:scene3d>
+    <dgm:sp3d/>
+    <dgm:txPr/>
+    <dgm:style>
+      <a:lnRef idx="1">
+        <a:scrgbClr r="0" g="0" b="0"/>
+      </a:lnRef>
+      <a:fillRef idx="0">
+        <a:scrgbClr r="0" g="0" b="0"/>
+      </a:fillRef>
+      <a:effectRef idx="0">
+        <a:scrgbClr r="0" g="0" b="0"/>
+      </a:effectRef>
+      <a:fontRef idx="minor"/>
+    </dgm:style>
+  </dgm:styleLbl>
+  <dgm:styleLbl name="parChTrans1D3">
+    <dgm:scene3d>
+      <a:camera prst="orthographicFront"/>
+      <a:lightRig rig="threePt" dir="t"/>
+    </dgm:scene3d>
+    <dgm:sp3d/>
+    <dgm:txPr/>
+    <dgm:style>
+      <a:lnRef idx="1">
+        <a:scrgbClr r="0" g="0" b="0"/>
+      </a:lnRef>
+      <a:fillRef idx="0">
+        <a:scrgbClr r="0" g="0" b="0"/>
+      </a:fillRef>
+      <a:effectRef idx="0">
+        <a:scrgbClr r="0" g="0" b="0"/>
+      </a:effectRef>
+      <a:fontRef idx="minor"/>
+    </dgm:style>
+  </dgm:styleLbl>
+  <dgm:styleLbl name="parChTrans1D4">
+    <dgm:scene3d>
+      <a:camera prst="orthographicFront"/>
+      <a:lightRig rig="threePt" dir="t"/>
+    </dgm:scene3d>
+    <dgm:sp3d/>
+    <dgm:txPr/>
+    <dgm:style>
+      <a:lnRef idx="1">
+        <a:scrgbClr r="0" g="0" b="0"/>
+      </a:lnRef>
+      <a:fillRef idx="0">
+        <a:scrgbClr r="0" g="0" b="0"/>
+      </a:fillRef>
+      <a:effectRef idx="0">
+        <a:scrgbClr r="0" g="0" b="0"/>
+      </a:effectRef>
+      <a:fontRef idx="minor"/>
+    </dgm:style>
+  </dgm:styleLbl>
+  <dgm:styleLbl name="fgAcc1">
+    <dgm:scene3d>
+      <a:camera prst="orthographicFront"/>
+      <a:lightRig rig="threePt" dir="t"/>
+    </dgm:scene3d>
+    <dgm:sp3d/>
+    <dgm:txPr/>
+    <dgm:style>
+      <a:lnRef idx="1">
+        <a:scrgbClr r="0" g="0" b="0"/>
+      </a:lnRef>
+      <a:fillRef idx="1">
+        <a:scrgbClr r="0" g="0" b="0"/>
+      </a:fillRef>
+      <a:effectRef idx="0">
+        <a:scrgbClr r="0" g="0" b="0"/>
+      </a:effectRef>
+      <a:fontRef idx="minor"/>
+    </dgm:style>
+  </dgm:styleLbl>
+  <dgm:styleLbl name="conFgAcc1">
+    <dgm:scene3d>
+      <a:camera prst="orthographicFront"/>
+      <a:lightRig rig="threePt" dir="t"/>
+    </dgm:scene3d>
+    <dgm:sp3d/>
+    <dgm:txPr/>
+    <dgm:style>
+      <a:lnRef idx="1">
+        <a:scrgbClr r="0" g="0" b="0"/>
+      </a:lnRef>
+      <a:fillRef idx="1">
+        <a:scrgbClr r="0" g="0" b="0"/>
+      </a:fillRef>
+      <a:effectRef idx="0">
+        <a:scrgbClr r="0" g="0" b="0"/>
+      </a:effectRef>
+      <a:fontRef idx="minor"/>
+    </dgm:style>
+  </dgm:styleLbl>
+  <dgm:styleLbl name="alignAcc1">
+    <dgm:scene3d>
+      <a:camera prst="orthographicFront"/>
+      <a:lightRig rig="threePt" dir="t"/>
+    </dgm:scene3d>
+    <dgm:sp3d/>
+    <dgm:txPr/>
+    <dgm:style>
+      <a:lnRef idx="1">
+        <a:scrgbClr r="0" g="0" b="0"/>
+      </a:lnRef>
+      <a:fillRef idx="1">
+        <a:scrgbClr r="0" g="0" b="0"/>
+      </a:fillRef>
+      <a:effectRef idx="0">
+        <a:scrgbClr r="0" g="0" b="0"/>
+      </a:effectRef>
+      <a:fontRef idx="minor"/>
+    </dgm:style>
+  </dgm:styleLbl>
+  <dgm:styleLbl name="trAlignAcc1">
+    <dgm:scene3d>
+      <a:camera prst="orthographicFront"/>
+      <a:lightRig rig="threePt" dir="t"/>
+    </dgm:scene3d>
+    <dgm:sp3d/>
+    <dgm:txPr/>
+    <dgm:style>
+      <a:lnRef idx="1">
+        <a:scrgbClr r="0" g="0" b="0"/>
+      </a:lnRef>
+      <a:fillRef idx="1">
+        <a:scrgbClr r="0" g="0" b="0"/>
+      </a:fillRef>
+      <a:effectRef idx="0">
+        <a:scrgbClr r="0" g="0" b="0"/>
+      </a:effectRef>
+      <a:fontRef idx="minor"/>
+    </dgm:style>
+  </dgm:styleLbl>
+  <dgm:styleLbl name="bgAcc1">
+    <dgm:scene3d>
+      <a:camera prst="orthographicFront"/>
+      <a:lightRig rig="threePt" dir="t"/>
+    </dgm:scene3d>
+    <dgm:sp3d/>
+    <dgm:txPr/>
+    <dgm:style>
+      <a:lnRef idx="1">
+        <a:scrgbClr r="0" g="0" b="0"/>
+      </a:lnRef>
+      <a:fillRef idx="1">
+        <a:scrgbClr r="0" g="0" b="0"/>
+      </a:fillRef>
+      <a:effectRef idx="0">
+        <a:scrgbClr r="0" g="0" b="0"/>
+      </a:effectRef>
+      <a:fontRef idx="minor"/>
+    </dgm:style>
+  </dgm:styleLbl>
+  <dgm:styleLbl name="solidFgAcc1">
+    <dgm:scene3d>
+      <a:camera prst="orthographicFront"/>
+      <a:lightRig rig="threePt" dir="t"/>
+    </dgm:scene3d>
+    <dgm:sp3d/>
+    <dgm:txPr/>
+    <dgm:style>
+      <a:lnRef idx="1">
+        <a:scrgbClr r="0" g="0" b="0"/>
+      </a:lnRef>
+      <a:fillRef idx="1">
+        <a:scrgbClr r="0" g="0" b="0"/>
+      </a:fillRef>
+      <a:effectRef idx="0">
+        <a:scrgbClr r="0" g="0" b="0"/>
+      </a:effectRef>
+      <a:fontRef idx="minor"/>
+    </dgm:style>
+  </dgm:styleLbl>
+  <dgm:styleLbl name="solidAlignAcc1">
+    <dgm:scene3d>
+      <a:camera prst="orthographicFront"/>
+      <a:lightRig rig="threePt" dir="t"/>
+    </dgm:scene3d>
+    <dgm:sp3d/>
+    <dgm:txPr/>
+    <dgm:style>
+      <a:lnRef idx="1">
+        <a:scrgbClr r="0" g="0" b="0"/>
+      </a:lnRef>
+      <a:fillRef idx="1">
+        <a:scrgbClr r="0" g="0" b="0"/>
+      </a:fillRef>
+      <a:effectRef idx="0">
+        <a:scrgbClr r="0" g="0" b="0"/>
+      </a:effectRef>
+      <a:fontRef idx="minor"/>
+    </dgm:style>
+  </dgm:styleLbl>
+  <dgm:styleLbl name="solidBgAcc1">
+    <dgm:scene3d>
+      <a:camera prst="orthographicFront"/>
+      <a:lightRig rig="threePt" dir="t"/>
+    </dgm:scene3d>
+    <dgm:sp3d/>
+    <dgm:txPr/>
+    <dgm:style>
+      <a:lnRef idx="1">
+        <a:scrgbClr r="0" g="0" b="0"/>
+      </a:lnRef>
+      <a:fillRef idx="1">
+        <a:scrgbClr r="0" g="0" b="0"/>
+      </a:fillRef>
+      <a:effectRef idx="0">
+        <a:scrgbClr r="0" g="0" b="0"/>
+      </a:effectRef>
+      <a:fontRef idx="minor"/>
+    </dgm:style>
+  </dgm:styleLbl>
+  <dgm:styleLbl name="fgAccFollowNode1">
+    <dgm:scene3d>
+      <a:camera prst="orthographicFront"/>
+      <a:lightRig rig="threePt" dir="t"/>
+    </dgm:scene3d>
+    <dgm:sp3d/>
+    <dgm:txPr/>
+    <dgm:style>
+      <a:lnRef idx="1">
+        <a:scrgbClr r="0" g="0" b="0"/>
+      </a:lnRef>
+      <a:fillRef idx="1">
+        <a:scrgbClr r="0" g="0" b="0"/>
+      </a:fillRef>
+      <a:effectRef idx="0">
+        <a:scrgbClr r="0" g="0" b="0"/>
+      </a:effectRef>
+      <a:fontRef idx="minor"/>
+    </dgm:style>
+  </dgm:styleLbl>
+  <dgm:styleLbl name="alignAccFollowNode1">
+    <dgm:scene3d>
+      <a:camera prst="orthographicFront"/>
+      <a:lightRig rig="threePt" dir="t"/>
+    </dgm:scene3d>
+    <dgm:sp3d/>
+    <dgm:txPr/>
+    <dgm:style>
+      <a:lnRef idx="1">
+        <a:scrgbClr r="0" g="0" b="0"/>
+      </a:lnRef>
+      <a:fillRef idx="1">
+        <a:scrgbClr r="0" g="0" b="0"/>
+      </a:fillRef>
+      <a:effectRef idx="0">
+        <a:scrgbClr r="0" g="0" b="0"/>
+      </a:effectRef>
+      <a:fontRef idx="minor"/>
+    </dgm:style>
+  </dgm:styleLbl>
+  <dgm:styleLbl name="bgAccFollowNode1">
+    <dgm:scene3d>
+      <a:camera prst="orthographicFront"/>
+      <a:lightRig rig="threePt" dir="t"/>
+    </dgm:scene3d>
+    <dgm:sp3d/>
+    <dgm:txPr/>
+    <dgm:style>
+      <a:lnRef idx="1">
+        <a:scrgbClr r="0" g="0" b="0"/>
+      </a:lnRef>
+      <a:fillRef idx="1">
+        <a:scrgbClr r="0" g="0" b="0"/>
+      </a:fillRef>
+      <a:effectRef idx="0">
+        <a:scrgbClr r="0" g="0" b="0"/>
+      </a:effectRef>
+      <a:fontRef idx="minor"/>
+    </dgm:style>
+  </dgm:styleLbl>
+  <dgm:styleLbl name="fgAcc0">
+    <dgm:scene3d>
+      <a:camera prst="orthographicFront"/>
+      <a:lightRig rig="threePt" dir="t"/>
+    </dgm:scene3d>
+    <dgm:sp3d/>
+    <dgm:txPr/>
+    <dgm:style>
+      <a:lnRef idx="1">
+        <a:scrgbClr r="0" g="0" b="0"/>
+      </a:lnRef>
+      <a:fillRef idx="1">
+        <a:scrgbClr r="0" g="0" b="0"/>
+      </a:fillRef>
+      <a:effectRef idx="0">
+        <a:scrgbClr r="0" g="0" b="0"/>
+      </a:effectRef>
+      <a:fontRef idx="minor"/>
+    </dgm:style>
+  </dgm:styleLbl>
+  <dgm:styleLbl name="fgAcc2">
+    <dgm:scene3d>
+      <a:camera prst="orthographicFront"/>
+      <a:lightRig rig="threePt" dir="t"/>
+    </dgm:scene3d>
+    <dgm:sp3d/>
+    <dgm:txPr/>
+    <dgm:style>
+      <a:lnRef idx="1">
+        <a:scrgbClr r="0" g="0" b="0"/>
+      </a:lnRef>
+      <a:fillRef idx="1">
+        <a:scrgbClr r="0" g="0" b="0"/>
+      </a:fillRef>
+      <a:effectRef idx="0">
+        <a:scrgbClr r="0" g="0" b="0"/>
+      </a:effectRef>
+      <a:fontRef idx="minor"/>
+    </dgm:style>
+  </dgm:styleLbl>
+  <dgm:styleLbl name="fgAcc3">
+    <dgm:scene3d>
+      <a:camera prst="orthographicFront"/>
+      <a:lightRig rig="threePt" dir="t"/>
+    </dgm:scene3d>
+    <dgm:sp3d/>
+    <dgm:txPr/>
+    <dgm:style>
+      <a:lnRef idx="1">
+        <a:scrgbClr r="0" g="0" b="0"/>
+      </a:lnRef>
+      <a:fillRef idx="1">
+        <a:scrgbClr r="0" g="0" b="0"/>
+      </a:fillRef>
+      <a:effectRef idx="0">
+        <a:scrgbClr r="0" g="0" b="0"/>
+      </a:effectRef>
+      <a:fontRef idx="minor"/>
+    </dgm:style>
+  </dgm:styleLbl>
+  <dgm:styleLbl name="fgAcc4">
+    <dgm:scene3d>
+      <a:camera prst="orthographicFront"/>
+      <a:lightRig rig="threePt" dir="t"/>
+    </dgm:scene3d>
+    <dgm:sp3d/>
+    <dgm:txPr/>
+    <dgm:style>
+      <a:lnRef idx="1">
+        <a:scrgbClr r="0" g="0" b="0"/>
+      </a:lnRef>
+      <a:fillRef idx="1">
+        <a:scrgbClr r="0" g="0" b="0"/>
+      </a:fillRef>
+      <a:effectRef idx="0">
+        <a:scrgbClr r="0" g="0" b="0"/>
+      </a:effectRef>
+      <a:fontRef idx="minor"/>
+    </dgm:style>
+  </dgm:styleLbl>
+  <dgm:styleLbl name="bgShp">
+    <dgm:scene3d>
+      <a:camera prst="orthographicFront"/>
+      <a:lightRig rig="threePt" dir="t"/>
+    </dgm:scene3d>
+    <dgm:sp3d/>
+    <dgm:txPr/>
+    <dgm:style>
+      <a:lnRef idx="0">
+        <a:scrgbClr r="0" g="0" b="0"/>
+      </a:lnRef>
+      <a:fillRef idx="1">
+        <a:scrgbClr r="0" g="0" b="0"/>
+      </a:fillRef>
+      <a:effectRef idx="2">
+        <a:scrgbClr r="0" g="0" b="0"/>
+      </a:effectRef>
+      <a:fontRef idx="minor"/>
+    </dgm:style>
+  </dgm:styleLbl>
+  <dgm:styleLbl name="dkBgShp">
+    <dgm:scene3d>
+      <a:camera prst="orthographicFront"/>
+      <a:lightRig rig="threePt" dir="t"/>
+    </dgm:scene3d>
+    <dgm:sp3d/>
+    <dgm:txPr/>
+    <dgm:style>
+      <a:lnRef idx="0">
+        <a:scrgbClr r="0" g="0" b="0"/>
+      </a:lnRef>
+      <a:fillRef idx="1">
+        <a:scrgbClr r="0" g="0" b="0"/>
+      </a:fillRef>
+      <a:effectRef idx="2">
+        <a:scrgbClr r="0" g="0" b="0"/>
+      </a:effectRef>
+      <a:fontRef idx="minor"/>
+    </dgm:style>
+  </dgm:styleLbl>
+  <dgm:styleLbl name="trBgShp">
+    <dgm:scene3d>
+      <a:camera prst="orthographicFront"/>
+      <a:lightRig rig="threePt" dir="t"/>
+    </dgm:scene3d>
+    <dgm:sp3d/>
+    <dgm:txPr/>
+    <dgm:style>
+      <a:lnRef idx="0">
+        <a:scrgbClr r="0" g="0" b="0"/>
+      </a:lnRef>
+      <a:fillRef idx="1">
+        <a:scrgbClr r="0" g="0" b="0"/>
+      </a:fillRef>
+      <a:effectRef idx="0">
+        <a:scrgbClr r="0" g="0" b="0"/>
+      </a:effectRef>
+      <a:fontRef idx="minor"/>
+    </dgm:style>
+  </dgm:styleLbl>
+  <dgm:styleLbl name="fgShp">
+    <dgm:scene3d>
+      <a:camera prst="orthographicFront"/>
+      <a:lightRig rig="threePt" dir="t"/>
+    </dgm:scene3d>
+    <dgm:sp3d/>
+    <dgm:txPr/>
+    <dgm:style>
+      <a:lnRef idx="0">
+        <a:scrgbClr r="0" g="0" b="0"/>
+      </a:lnRef>
+      <a:fillRef idx="3">
+        <a:scrgbClr r="0" g="0" b="0"/>
+      </a:fillRef>
+      <a:effectRef idx="2">
+        <a:scrgbClr r="0" g="0" b="0"/>
+      </a:effectRef>
+      <a:fontRef idx="minor"/>
+    </dgm:style>
+  </dgm:styleLbl>
+  <dgm:styleLbl name="revTx">
+    <dgm:scene3d>
+      <a:camera prst="orthographicFront"/>
+      <a:lightRig rig="threePt" dir="t"/>
+    </dgm:scene3d>
+    <dgm:sp3d/>
+    <dgm:txPr/>
+    <dgm:style>
+      <a:lnRef idx="0">
+        <a:scrgbClr r="0" g="0" b="0"/>
+      </a:lnRef>
+      <a:fillRef idx="0">
+        <a:scrgbClr r="0" g="0" b="0"/>
+      </a:fillRef>
+      <a:effectRef idx="0">
+        <a:scrgbClr r="0" g="0" b="0"/>
+      </a:effectRef>
+      <a:fontRef idx="minor"/>
+    </dgm:style>
+  </dgm:styleLbl>
+</dgm:styleDef>
+</file>
+
 <file path=ppt/notesMasters/notesMaster1.xml><?xml version="1.0" encoding="utf-8"?>
 <p:notesMaster xmlns:a="http://schemas.openxmlformats.org/drawingml/2006/main" xmlns:r="http://schemas.openxmlformats.org/officeDocument/2006/relationships" xmlns:p="http://schemas.openxmlformats.org/presentationml/2006/main">
   <p:cSld>
@@ -41795,10 +45085,16 @@
               <a:t>5.3 </a:t>
             </a:r>
             <a:r>
+              <a:rPr lang="zh-CN" altLang="en-US" sz="2000" dirty="0" smtClean="0">
+                <a:sym typeface="+mn-ea"/>
+              </a:rPr>
+              <a:t>前端功能</a:t>
+            </a:r>
+            <a:r>
               <a:rPr lang="zh-CN" altLang="en-US" sz="2000" dirty="0">
                 <a:sym typeface="+mn-ea"/>
               </a:rPr>
-              <a:t>功能测试</a:t>
+              <a:t>测试</a:t>
             </a:r>
           </a:p>
         </p:txBody>
@@ -41921,6 +45217,219 @@
 </file>
 
 <file path=ppt/slides/slide15.xml><?xml version="1.0" encoding="utf-8"?>
+<p:sld xmlns:a="http://schemas.openxmlformats.org/drawingml/2006/main" xmlns:r="http://schemas.openxmlformats.org/officeDocument/2006/relationships" xmlns:p="http://schemas.openxmlformats.org/presentationml/2006/main">
+  <p:cSld>
+    <p:spTree>
+      <p:nvGrpSpPr>
+        <p:cNvPr id="1" name=""/>
+        <p:cNvGrpSpPr/>
+        <p:nvPr/>
+      </p:nvGrpSpPr>
+      <p:grpSpPr>
+        <a:xfrm>
+          <a:off x="0" y="0"/>
+          <a:ext cx="0" cy="0"/>
+          <a:chOff x="0" y="0"/>
+          <a:chExt cx="0" cy="0"/>
+        </a:xfrm>
+      </p:grpSpPr>
+      <p:sp>
+        <p:nvSpPr>
+          <p:cNvPr id="2" name="标题 1"/>
+          <p:cNvSpPr>
+            <a:spLocks noGrp="1"/>
+          </p:cNvSpPr>
+          <p:nvPr>
+            <p:ph type="title"/>
+          </p:nvPr>
+        </p:nvSpPr>
+        <p:spPr/>
+        <p:txBody>
+          <a:bodyPr>
+            <a:normAutofit/>
+          </a:bodyPr>
+          <a:lstStyle/>
+          <a:p>
+            <a:r>
+              <a:rPr lang="zh-CN" altLang="en-US" sz="2000" dirty="0" smtClean="0">
+                <a:solidFill>
+                  <a:sysClr val="windowText" lastClr="000000"/>
+                </a:solidFill>
+              </a:rPr>
+              <a:t>              </a:t>
+            </a:r>
+            <a:r>
+              <a:rPr lang="en-US" altLang="zh-CN" sz="2000" dirty="0" smtClean="0">
+                <a:solidFill>
+                  <a:sysClr val="windowText" lastClr="000000"/>
+                </a:solidFill>
+              </a:rPr>
+              <a:t>5.4</a:t>
+            </a:r>
+            <a:r>
+              <a:rPr lang="zh-CN" altLang="en-US" sz="2000" dirty="0" smtClean="0">
+                <a:solidFill>
+                  <a:sysClr val="windowText" lastClr="000000"/>
+                </a:solidFill>
+              </a:rPr>
+              <a:t> </a:t>
+            </a:r>
+            <a:r>
+              <a:rPr lang="zh-CN" altLang="en-US" sz="2000" dirty="0">
+                <a:solidFill>
+                  <a:sysClr val="windowText" lastClr="000000"/>
+                </a:solidFill>
+              </a:rPr>
+              <a:t>非功能测试</a:t>
+            </a:r>
+            <a:endParaRPr lang="zh-CN" altLang="en-US" sz="2000" dirty="0">
+              <a:solidFill>
+                <a:sysClr val="windowText" lastClr="000000"/>
+              </a:solidFill>
+            </a:endParaRPr>
+          </a:p>
+        </p:txBody>
+      </p:sp>
+      <p:sp>
+        <p:nvSpPr>
+          <p:cNvPr id="3" name="页脚占位符 2"/>
+          <p:cNvSpPr>
+            <a:spLocks noGrp="1"/>
+          </p:cNvSpPr>
+          <p:nvPr>
+            <p:ph type="ftr" sz="quarter" idx="11"/>
+          </p:nvPr>
+        </p:nvSpPr>
+        <p:spPr/>
+        <p:txBody>
+          <a:bodyPr/>
+          <a:lstStyle/>
+          <a:p>
+            <a:r>
+              <a:rPr lang="en-US" altLang="zh-CN" smtClean="0"/>
+              <a:t>www.islide.cc</a:t>
+            </a:r>
+            <a:endParaRPr lang="zh-CN" altLang="en-US" dirty="0"/>
+          </a:p>
+        </p:txBody>
+      </p:sp>
+      <p:sp>
+        <p:nvSpPr>
+          <p:cNvPr id="4" name="幻灯片编号占位符 3"/>
+          <p:cNvSpPr>
+            <a:spLocks noGrp="1"/>
+          </p:cNvSpPr>
+          <p:nvPr>
+            <p:ph type="sldNum" sz="quarter" idx="12"/>
+          </p:nvPr>
+        </p:nvSpPr>
+        <p:spPr/>
+        <p:txBody>
+          <a:bodyPr/>
+          <a:lstStyle/>
+          <a:p>
+            <a:fld id="{5DD3DB80-B894-403A-B48E-6FDC1A72010E}" type="slidenum">
+              <a:rPr lang="zh-CN" altLang="en-US" smtClean="0"/>
+              <a:t>15</a:t>
+            </a:fld>
+            <a:endParaRPr lang="zh-CN" altLang="en-US"/>
+          </a:p>
+        </p:txBody>
+      </p:sp>
+      <p:graphicFrame>
+        <p:nvGraphicFramePr>
+          <p:cNvPr id="5" name="图表 4"/>
+          <p:cNvGraphicFramePr/>
+          <p:nvPr>
+            <p:extLst>
+              <p:ext uri="{D42A27DB-BD31-4B8C-83A1-F6EECF244321}">
+                <p14:modId xmlns:p14="http://schemas.microsoft.com/office/powerpoint/2010/main" val="1335877695"/>
+              </p:ext>
+            </p:extLst>
+          </p:nvPr>
+        </p:nvGraphicFramePr>
+        <p:xfrm>
+          <a:off x="2011680" y="1463041"/>
+          <a:ext cx="7833360" cy="4419600"/>
+        </p:xfrm>
+        <a:graphic>
+          <a:graphicData uri="http://schemas.openxmlformats.org/drawingml/2006/diagram">
+            <dgm:relIds xmlns:dgm="http://schemas.openxmlformats.org/drawingml/2006/diagram" xmlns:r="http://schemas.openxmlformats.org/officeDocument/2006/relationships" r:dm="rId2" r:lo="rId3" r:qs="rId4" r:cs="rId5"/>
+          </a:graphicData>
+        </a:graphic>
+      </p:graphicFrame>
+      <p:sp>
+        <p:nvSpPr>
+          <p:cNvPr id="6" name="文本框 7"/>
+          <p:cNvSpPr txBox="1"/>
+          <p:nvPr/>
+        </p:nvSpPr>
+        <p:spPr>
+          <a:xfrm>
+            <a:off x="944018" y="444646"/>
+            <a:ext cx="616420" cy="535955"/>
+          </a:xfrm>
+          <a:prstGeom prst="rect">
+            <a:avLst/>
+          </a:prstGeom>
+          <a:noFill/>
+          <a:ln w="117475">
+            <a:noFill/>
+          </a:ln>
+        </p:spPr>
+        <p:txBody>
+          <a:bodyPr wrap="none" rtlCol="0">
+            <a:prstTxWarp prst="textPlain">
+              <a:avLst/>
+            </a:prstTxWarp>
+            <a:spAutoFit/>
+          </a:bodyPr>
+          <a:lstStyle/>
+          <a:p>
+            <a:r>
+              <a:rPr lang="en-US" altLang="zh-CN" spc="100" dirty="0">
+                <a:solidFill>
+                  <a:schemeClr val="accent1"/>
+                </a:solidFill>
+                <a:latin typeface="Impact" panose="020B0806030902050204" pitchFamily="34" charset="0"/>
+                <a:cs typeface="Arial" panose="020B0604020202090204" pitchFamily="34" charset="0"/>
+              </a:rPr>
+              <a:t>/</a:t>
+            </a:r>
+            <a:r>
+              <a:rPr lang="en-US" altLang="zh-CN" spc="100" dirty="0" smtClean="0">
+                <a:solidFill>
+                  <a:schemeClr val="accent1"/>
+                </a:solidFill>
+                <a:latin typeface="Impact" panose="020B0806030902050204" pitchFamily="34" charset="0"/>
+                <a:cs typeface="Arial" panose="020B0604020202090204" pitchFamily="34" charset="0"/>
+              </a:rPr>
+              <a:t>05</a:t>
+            </a:r>
+            <a:endParaRPr lang="zh-CN" altLang="en-US" spc="100" dirty="0">
+              <a:solidFill>
+                <a:schemeClr val="accent1"/>
+              </a:solidFill>
+              <a:latin typeface="Impact" panose="020B0806030902050204" pitchFamily="34" charset="0"/>
+              <a:cs typeface="Arial" panose="020B0604020202090204" pitchFamily="34" charset="0"/>
+            </a:endParaRPr>
+          </a:p>
+        </p:txBody>
+      </p:sp>
+    </p:spTree>
+    <p:extLst>
+      <p:ext uri="{BB962C8B-B14F-4D97-AF65-F5344CB8AC3E}">
+        <p14:creationId xmlns:p14="http://schemas.microsoft.com/office/powerpoint/2010/main" val="1316564260"/>
+      </p:ext>
+    </p:extLst>
+  </p:cSld>
+  <p:clrMapOvr>
+    <a:masterClrMapping/>
+  </p:clrMapOvr>
+</p:sld>
+</file>
+
+<file path=ppt/slides/slide16.xml><?xml version="1.0" encoding="utf-8"?>
 <p:sld xmlns:a="http://schemas.openxmlformats.org/drawingml/2006/main" xmlns:r="http://schemas.openxmlformats.org/officeDocument/2006/relationships" xmlns:p="http://schemas.openxmlformats.org/presentationml/2006/main">
   <p:cSld>
     <p:spTree>
@@ -42122,7 +45631,7 @@
 </p:sld>
 </file>
 
-<file path=ppt/slides/slide16.xml><?xml version="1.0" encoding="utf-8"?>
+<file path=ppt/slides/slide17.xml><?xml version="1.0" encoding="utf-8"?>
 <p:sld xmlns:a="http://schemas.openxmlformats.org/drawingml/2006/main" xmlns:r="http://schemas.openxmlformats.org/officeDocument/2006/relationships" xmlns:p="http://schemas.openxmlformats.org/presentationml/2006/main">
   <p:cSld>
     <p:spTree>

--- a/RelationDocuments/8组_唐诗生成系统的设计与实现.pptx
+++ b/RelationDocuments/8组_唐诗生成系统的设计与实现.pptx
@@ -1,29 +1,30 @@
 
 <file path=ppt/presentation.xml><?xml version="1.0" encoding="utf-8"?>
-<p:presentation xmlns:a="http://schemas.openxmlformats.org/drawingml/2006/main" xmlns:r="http://schemas.openxmlformats.org/officeDocument/2006/relationships" xmlns:p="http://schemas.openxmlformats.org/presentationml/2006/main" showSpecialPlsOnTitleSld="0">
+<p:presentation xmlns:a="http://schemas.openxmlformats.org/drawingml/2006/main" xmlns:r="http://schemas.openxmlformats.org/officeDocument/2006/relationships" xmlns:p="http://schemas.openxmlformats.org/presentationml/2006/main" showSpecialPlsOnTitleSld="0" saveSubsetFonts="1">
   <p:sldMasterIdLst>
     <p:sldMasterId id="2147483648" r:id="rId1"/>
   </p:sldMasterIdLst>
   <p:notesMasterIdLst>
-    <p:notesMasterId r:id="rId14"/>
+    <p:notesMasterId r:id="rId19"/>
   </p:notesMasterIdLst>
   <p:sldIdLst>
-    <p:sldId id="256" r:id="rId3"/>
-    <p:sldId id="269" r:id="rId4"/>
-    <p:sldId id="258" r:id="rId5"/>
-    <p:sldId id="1715" r:id="rId6"/>
-    <p:sldId id="1717" r:id="rId7"/>
-    <p:sldId id="1716" r:id="rId8"/>
-    <p:sldId id="1728" r:id="rId9"/>
-    <p:sldId id="1741" r:id="rId10"/>
-    <p:sldId id="1742" r:id="rId11"/>
-    <p:sldId id="1739" r:id="rId12"/>
-    <p:sldId id="1745" r:id="rId13"/>
-    <p:sldId id="1746" r:id="rId15"/>
-    <p:sldId id="1747" r:id="rId16"/>
-    <p:sldId id="1748" r:id="rId17"/>
-    <p:sldId id="1749" r:id="rId18"/>
-    <p:sldId id="1736" r:id="rId19"/>
+    <p:sldId id="256" r:id="rId2"/>
+    <p:sldId id="269" r:id="rId3"/>
+    <p:sldId id="258" r:id="rId4"/>
+    <p:sldId id="1715" r:id="rId5"/>
+    <p:sldId id="1717" r:id="rId6"/>
+    <p:sldId id="1716" r:id="rId7"/>
+    <p:sldId id="1728" r:id="rId8"/>
+    <p:sldId id="1741" r:id="rId9"/>
+    <p:sldId id="1742" r:id="rId10"/>
+    <p:sldId id="1739" r:id="rId11"/>
+    <p:sldId id="1745" r:id="rId12"/>
+    <p:sldId id="1746" r:id="rId13"/>
+    <p:sldId id="1747" r:id="rId14"/>
+    <p:sldId id="1748" r:id="rId15"/>
+    <p:sldId id="1750" r:id="rId16"/>
+    <p:sldId id="1749" r:id="rId17"/>
+    <p:sldId id="1736" r:id="rId18"/>
   </p:sldIdLst>
   <p:sldSz cx="12192000" cy="6858000"/>
   <p:notesSz cx="6858000" cy="9144000"/>
@@ -122,6 +123,11 @@
       </a:defRPr>
     </a:lvl9pPr>
   </p:defaultTextStyle>
+  <p:extLst>
+    <p:ext uri="{EFAFB233-063F-42B5-8137-9DF3F51BA10A}">
+      <p15:sldGuideLst xmlns:p15="http://schemas.microsoft.com/office/powerpoint/2012/main"/>
+    </p:ext>
+  </p:extLst>
 </p:presentation>
 </file>
 
@@ -134,6 +140,753 @@
 
 <file path=ppt/diagrams/colors1.xml><?xml version="1.0" encoding="utf-8"?>
 <dgm:colorsDef xmlns:dgm="http://schemas.openxmlformats.org/drawingml/2006/diagram" xmlns:a="http://schemas.openxmlformats.org/drawingml/2006/main" uniqueId="urn:microsoft.com/office/officeart/2005/8/colors/accent1_2">
+  <dgm:title val=""/>
+  <dgm:desc val=""/>
+  <dgm:catLst>
+    <dgm:cat type="accent1" pri="11200"/>
+  </dgm:catLst>
+  <dgm:styleLbl name="node0">
+    <dgm:fillClrLst meth="repeat">
+      <a:schemeClr val="accent1"/>
+    </dgm:fillClrLst>
+    <dgm:linClrLst meth="repeat">
+      <a:schemeClr val="lt1"/>
+    </dgm:linClrLst>
+    <dgm:effectClrLst/>
+    <dgm:txLinClrLst/>
+    <dgm:txFillClrLst/>
+    <dgm:txEffectClrLst/>
+  </dgm:styleLbl>
+  <dgm:styleLbl name="alignNode1">
+    <dgm:fillClrLst meth="repeat">
+      <a:schemeClr val="accent1"/>
+    </dgm:fillClrLst>
+    <dgm:linClrLst meth="repeat">
+      <a:schemeClr val="accent1"/>
+    </dgm:linClrLst>
+    <dgm:effectClrLst/>
+    <dgm:txLinClrLst/>
+    <dgm:txFillClrLst/>
+    <dgm:txEffectClrLst/>
+  </dgm:styleLbl>
+  <dgm:styleLbl name="node1">
+    <dgm:fillClrLst meth="repeat">
+      <a:schemeClr val="accent1"/>
+    </dgm:fillClrLst>
+    <dgm:linClrLst meth="repeat">
+      <a:schemeClr val="lt1"/>
+    </dgm:linClrLst>
+    <dgm:effectClrLst/>
+    <dgm:txLinClrLst/>
+    <dgm:txFillClrLst/>
+    <dgm:txEffectClrLst/>
+  </dgm:styleLbl>
+  <dgm:styleLbl name="lnNode1">
+    <dgm:fillClrLst meth="repeat">
+      <a:schemeClr val="accent1"/>
+    </dgm:fillClrLst>
+    <dgm:linClrLst meth="repeat">
+      <a:schemeClr val="lt1"/>
+    </dgm:linClrLst>
+    <dgm:effectClrLst/>
+    <dgm:txLinClrLst/>
+    <dgm:txFillClrLst/>
+    <dgm:txEffectClrLst/>
+  </dgm:styleLbl>
+  <dgm:styleLbl name="vennNode1">
+    <dgm:fillClrLst meth="repeat">
+      <a:schemeClr val="accent1">
+        <a:alpha val="50000"/>
+      </a:schemeClr>
+    </dgm:fillClrLst>
+    <dgm:linClrLst meth="repeat">
+      <a:schemeClr val="lt1"/>
+    </dgm:linClrLst>
+    <dgm:effectClrLst/>
+    <dgm:txLinClrLst/>
+    <dgm:txFillClrLst/>
+    <dgm:txEffectClrLst/>
+  </dgm:styleLbl>
+  <dgm:styleLbl name="node2">
+    <dgm:fillClrLst meth="repeat">
+      <a:schemeClr val="accent1"/>
+    </dgm:fillClrLst>
+    <dgm:linClrLst meth="repeat">
+      <a:schemeClr val="lt1"/>
+    </dgm:linClrLst>
+    <dgm:effectClrLst/>
+    <dgm:txLinClrLst/>
+    <dgm:txFillClrLst/>
+    <dgm:txEffectClrLst/>
+  </dgm:styleLbl>
+  <dgm:styleLbl name="node3">
+    <dgm:fillClrLst meth="repeat">
+      <a:schemeClr val="accent1"/>
+    </dgm:fillClrLst>
+    <dgm:linClrLst meth="repeat">
+      <a:schemeClr val="lt1"/>
+    </dgm:linClrLst>
+    <dgm:effectClrLst/>
+    <dgm:txLinClrLst/>
+    <dgm:txFillClrLst/>
+    <dgm:txEffectClrLst/>
+  </dgm:styleLbl>
+  <dgm:styleLbl name="node4">
+    <dgm:fillClrLst meth="repeat">
+      <a:schemeClr val="accent1"/>
+    </dgm:fillClrLst>
+    <dgm:linClrLst meth="repeat">
+      <a:schemeClr val="lt1"/>
+    </dgm:linClrLst>
+    <dgm:effectClrLst/>
+    <dgm:txLinClrLst/>
+    <dgm:txFillClrLst/>
+    <dgm:txEffectClrLst/>
+  </dgm:styleLbl>
+  <dgm:styleLbl name="fgImgPlace1">
+    <dgm:fillClrLst meth="repeat">
+      <a:schemeClr val="accent1">
+        <a:tint val="50000"/>
+      </a:schemeClr>
+    </dgm:fillClrLst>
+    <dgm:linClrLst meth="repeat">
+      <a:schemeClr val="lt1"/>
+    </dgm:linClrLst>
+    <dgm:effectClrLst/>
+    <dgm:txLinClrLst/>
+    <dgm:txFillClrLst meth="repeat">
+      <a:schemeClr val="lt1"/>
+    </dgm:txFillClrLst>
+    <dgm:txEffectClrLst/>
+  </dgm:styleLbl>
+  <dgm:styleLbl name="alignImgPlace1">
+    <dgm:fillClrLst meth="repeat">
+      <a:schemeClr val="accent1">
+        <a:tint val="50000"/>
+      </a:schemeClr>
+    </dgm:fillClrLst>
+    <dgm:linClrLst meth="repeat">
+      <a:schemeClr val="lt1"/>
+    </dgm:linClrLst>
+    <dgm:effectClrLst/>
+    <dgm:txLinClrLst/>
+    <dgm:txFillClrLst meth="repeat">
+      <a:schemeClr val="lt1"/>
+    </dgm:txFillClrLst>
+    <dgm:txEffectClrLst/>
+  </dgm:styleLbl>
+  <dgm:styleLbl name="bgImgPlace1">
+    <dgm:fillClrLst meth="repeat">
+      <a:schemeClr val="accent1">
+        <a:tint val="50000"/>
+      </a:schemeClr>
+    </dgm:fillClrLst>
+    <dgm:linClrLst meth="repeat">
+      <a:schemeClr val="lt1"/>
+    </dgm:linClrLst>
+    <dgm:effectClrLst/>
+    <dgm:txLinClrLst/>
+    <dgm:txFillClrLst meth="repeat">
+      <a:schemeClr val="lt1"/>
+    </dgm:txFillClrLst>
+    <dgm:txEffectClrLst/>
+  </dgm:styleLbl>
+  <dgm:styleLbl name="sibTrans2D1">
+    <dgm:fillClrLst meth="repeat">
+      <a:schemeClr val="accent1">
+        <a:tint val="60000"/>
+      </a:schemeClr>
+    </dgm:fillClrLst>
+    <dgm:linClrLst meth="repeat">
+      <a:schemeClr val="accent1">
+        <a:tint val="60000"/>
+      </a:schemeClr>
+    </dgm:linClrLst>
+    <dgm:effectClrLst/>
+    <dgm:txLinClrLst/>
+    <dgm:txFillClrLst/>
+    <dgm:txEffectClrLst/>
+  </dgm:styleLbl>
+  <dgm:styleLbl name="fgSibTrans2D1">
+    <dgm:fillClrLst meth="repeat">
+      <a:schemeClr val="accent1">
+        <a:tint val="60000"/>
+      </a:schemeClr>
+    </dgm:fillClrLst>
+    <dgm:linClrLst meth="repeat">
+      <a:schemeClr val="accent1">
+        <a:tint val="60000"/>
+      </a:schemeClr>
+    </dgm:linClrLst>
+    <dgm:effectClrLst/>
+    <dgm:txLinClrLst/>
+    <dgm:txFillClrLst/>
+    <dgm:txEffectClrLst/>
+  </dgm:styleLbl>
+  <dgm:styleLbl name="bgSibTrans2D1">
+    <dgm:fillClrLst meth="repeat">
+      <a:schemeClr val="accent1">
+        <a:tint val="60000"/>
+      </a:schemeClr>
+    </dgm:fillClrLst>
+    <dgm:linClrLst meth="repeat">
+      <a:schemeClr val="accent1">
+        <a:tint val="60000"/>
+      </a:schemeClr>
+    </dgm:linClrLst>
+    <dgm:effectClrLst/>
+    <dgm:txLinClrLst/>
+    <dgm:txFillClrLst/>
+    <dgm:txEffectClrLst/>
+  </dgm:styleLbl>
+  <dgm:styleLbl name="sibTrans1D1">
+    <dgm:fillClrLst meth="repeat">
+      <a:schemeClr val="accent1"/>
+    </dgm:fillClrLst>
+    <dgm:linClrLst meth="repeat">
+      <a:schemeClr val="accent1"/>
+    </dgm:linClrLst>
+    <dgm:effectClrLst/>
+    <dgm:txLinClrLst/>
+    <dgm:txFillClrLst meth="repeat">
+      <a:schemeClr val="tx1"/>
+    </dgm:txFillClrLst>
+    <dgm:txEffectClrLst/>
+  </dgm:styleLbl>
+  <dgm:styleLbl name="callout">
+    <dgm:fillClrLst meth="repeat">
+      <a:schemeClr val="accent1"/>
+    </dgm:fillClrLst>
+    <dgm:linClrLst meth="repeat">
+      <a:schemeClr val="accent1">
+        <a:tint val="50000"/>
+      </a:schemeClr>
+    </dgm:linClrLst>
+    <dgm:effectClrLst/>
+    <dgm:txLinClrLst/>
+    <dgm:txFillClrLst meth="repeat">
+      <a:schemeClr val="tx1"/>
+    </dgm:txFillClrLst>
+    <dgm:txEffectClrLst/>
+  </dgm:styleLbl>
+  <dgm:styleLbl name="asst0">
+    <dgm:fillClrLst meth="repeat">
+      <a:schemeClr val="accent1"/>
+    </dgm:fillClrLst>
+    <dgm:linClrLst meth="repeat">
+      <a:schemeClr val="lt1"/>
+    </dgm:linClrLst>
+    <dgm:effectClrLst/>
+    <dgm:txLinClrLst/>
+    <dgm:txFillClrLst/>
+    <dgm:txEffectClrLst/>
+  </dgm:styleLbl>
+  <dgm:styleLbl name="asst1">
+    <dgm:fillClrLst meth="repeat">
+      <a:schemeClr val="accent1"/>
+    </dgm:fillClrLst>
+    <dgm:linClrLst meth="repeat">
+      <a:schemeClr val="lt1"/>
+    </dgm:linClrLst>
+    <dgm:effectClrLst/>
+    <dgm:txLinClrLst/>
+    <dgm:txFillClrLst/>
+    <dgm:txEffectClrLst/>
+  </dgm:styleLbl>
+  <dgm:styleLbl name="asst2">
+    <dgm:fillClrLst meth="repeat">
+      <a:schemeClr val="accent1"/>
+    </dgm:fillClrLst>
+    <dgm:linClrLst meth="repeat">
+      <a:schemeClr val="lt1"/>
+    </dgm:linClrLst>
+    <dgm:effectClrLst/>
+    <dgm:txLinClrLst/>
+    <dgm:txFillClrLst/>
+    <dgm:txEffectClrLst/>
+  </dgm:styleLbl>
+  <dgm:styleLbl name="asst3">
+    <dgm:fillClrLst meth="repeat">
+      <a:schemeClr val="accent1"/>
+    </dgm:fillClrLst>
+    <dgm:linClrLst meth="repeat">
+      <a:schemeClr val="lt1"/>
+    </dgm:linClrLst>
+    <dgm:effectClrLst/>
+    <dgm:txLinClrLst/>
+    <dgm:txFillClrLst/>
+    <dgm:txEffectClrLst/>
+  </dgm:styleLbl>
+  <dgm:styleLbl name="asst4">
+    <dgm:fillClrLst meth="repeat">
+      <a:schemeClr val="accent1"/>
+    </dgm:fillClrLst>
+    <dgm:linClrLst meth="repeat">
+      <a:schemeClr val="lt1"/>
+    </dgm:linClrLst>
+    <dgm:effectClrLst/>
+    <dgm:txLinClrLst/>
+    <dgm:txFillClrLst/>
+    <dgm:txEffectClrLst/>
+  </dgm:styleLbl>
+  <dgm:styleLbl name="parChTrans2D1">
+    <dgm:fillClrLst meth="repeat">
+      <a:schemeClr val="accent1">
+        <a:tint val="60000"/>
+      </a:schemeClr>
+    </dgm:fillClrLst>
+    <dgm:linClrLst meth="repeat">
+      <a:schemeClr val="accent1">
+        <a:tint val="60000"/>
+      </a:schemeClr>
+    </dgm:linClrLst>
+    <dgm:effectClrLst/>
+    <dgm:txLinClrLst/>
+    <dgm:txFillClrLst meth="repeat">
+      <a:schemeClr val="lt1"/>
+    </dgm:txFillClrLst>
+    <dgm:txEffectClrLst/>
+  </dgm:styleLbl>
+  <dgm:styleLbl name="parChTrans2D2">
+    <dgm:fillClrLst meth="repeat">
+      <a:schemeClr val="accent1"/>
+    </dgm:fillClrLst>
+    <dgm:linClrLst meth="repeat">
+      <a:schemeClr val="accent1"/>
+    </dgm:linClrLst>
+    <dgm:effectClrLst/>
+    <dgm:txLinClrLst/>
+    <dgm:txFillClrLst meth="repeat">
+      <a:schemeClr val="lt1"/>
+    </dgm:txFillClrLst>
+    <dgm:txEffectClrLst/>
+  </dgm:styleLbl>
+  <dgm:styleLbl name="parChTrans2D3">
+    <dgm:fillClrLst meth="repeat">
+      <a:schemeClr val="accent1"/>
+    </dgm:fillClrLst>
+    <dgm:linClrLst meth="repeat">
+      <a:schemeClr val="accent1"/>
+    </dgm:linClrLst>
+    <dgm:effectClrLst/>
+    <dgm:txLinClrLst/>
+    <dgm:txFillClrLst meth="repeat">
+      <a:schemeClr val="lt1"/>
+    </dgm:txFillClrLst>
+    <dgm:txEffectClrLst/>
+  </dgm:styleLbl>
+  <dgm:styleLbl name="parChTrans2D4">
+    <dgm:fillClrLst meth="repeat">
+      <a:schemeClr val="accent1"/>
+    </dgm:fillClrLst>
+    <dgm:linClrLst meth="repeat">
+      <a:schemeClr val="accent1"/>
+    </dgm:linClrLst>
+    <dgm:effectClrLst/>
+    <dgm:txLinClrLst/>
+    <dgm:txFillClrLst meth="repeat">
+      <a:schemeClr val="lt1"/>
+    </dgm:txFillClrLst>
+    <dgm:txEffectClrLst/>
+  </dgm:styleLbl>
+  <dgm:styleLbl name="parChTrans1D1">
+    <dgm:fillClrLst meth="repeat">
+      <a:schemeClr val="accent1"/>
+    </dgm:fillClrLst>
+    <dgm:linClrLst meth="repeat">
+      <a:schemeClr val="accent1">
+        <a:shade val="60000"/>
+      </a:schemeClr>
+    </dgm:linClrLst>
+    <dgm:effectClrLst/>
+    <dgm:txLinClrLst/>
+    <dgm:txFillClrLst meth="repeat">
+      <a:schemeClr val="tx1"/>
+    </dgm:txFillClrLst>
+    <dgm:txEffectClrLst/>
+  </dgm:styleLbl>
+  <dgm:styleLbl name="parChTrans1D2">
+    <dgm:fillClrLst meth="repeat">
+      <a:schemeClr val="accent1"/>
+    </dgm:fillClrLst>
+    <dgm:linClrLst meth="repeat">
+      <a:schemeClr val="accent1">
+        <a:shade val="60000"/>
+      </a:schemeClr>
+    </dgm:linClrLst>
+    <dgm:effectClrLst/>
+    <dgm:txLinClrLst/>
+    <dgm:txFillClrLst meth="repeat">
+      <a:schemeClr val="tx1"/>
+    </dgm:txFillClrLst>
+    <dgm:txEffectClrLst/>
+  </dgm:styleLbl>
+  <dgm:styleLbl name="parChTrans1D3">
+    <dgm:fillClrLst meth="repeat">
+      <a:schemeClr val="accent1"/>
+    </dgm:fillClrLst>
+    <dgm:linClrLst meth="repeat">
+      <a:schemeClr val="accent1">
+        <a:shade val="80000"/>
+      </a:schemeClr>
+    </dgm:linClrLst>
+    <dgm:effectClrLst/>
+    <dgm:txLinClrLst/>
+    <dgm:txFillClrLst meth="repeat">
+      <a:schemeClr val="tx1"/>
+    </dgm:txFillClrLst>
+    <dgm:txEffectClrLst/>
+  </dgm:styleLbl>
+  <dgm:styleLbl name="parChTrans1D4">
+    <dgm:fillClrLst meth="repeat">
+      <a:schemeClr val="accent1"/>
+    </dgm:fillClrLst>
+    <dgm:linClrLst meth="repeat">
+      <a:schemeClr val="accent1">
+        <a:shade val="80000"/>
+      </a:schemeClr>
+    </dgm:linClrLst>
+    <dgm:effectClrLst/>
+    <dgm:txLinClrLst/>
+    <dgm:txFillClrLst meth="repeat">
+      <a:schemeClr val="tx1"/>
+    </dgm:txFillClrLst>
+    <dgm:txEffectClrLst/>
+  </dgm:styleLbl>
+  <dgm:styleLbl name="fgAcc1">
+    <dgm:fillClrLst meth="repeat">
+      <a:schemeClr val="lt1">
+        <a:alpha val="90000"/>
+      </a:schemeClr>
+    </dgm:fillClrLst>
+    <dgm:linClrLst meth="repeat">
+      <a:schemeClr val="accent1"/>
+    </dgm:linClrLst>
+    <dgm:effectClrLst/>
+    <dgm:txLinClrLst/>
+    <dgm:txFillClrLst meth="repeat">
+      <a:schemeClr val="dk1"/>
+    </dgm:txFillClrLst>
+    <dgm:txEffectClrLst/>
+  </dgm:styleLbl>
+  <dgm:styleLbl name="conFgAcc1">
+    <dgm:fillClrLst meth="repeat">
+      <a:schemeClr val="lt1">
+        <a:alpha val="90000"/>
+      </a:schemeClr>
+    </dgm:fillClrLst>
+    <dgm:linClrLst meth="repeat">
+      <a:schemeClr val="accent1"/>
+    </dgm:linClrLst>
+    <dgm:effectClrLst/>
+    <dgm:txLinClrLst/>
+    <dgm:txFillClrLst meth="repeat">
+      <a:schemeClr val="dk1"/>
+    </dgm:txFillClrLst>
+    <dgm:txEffectClrLst/>
+  </dgm:styleLbl>
+  <dgm:styleLbl name="alignAcc1">
+    <dgm:fillClrLst meth="repeat">
+      <a:schemeClr val="lt1">
+        <a:alpha val="90000"/>
+      </a:schemeClr>
+    </dgm:fillClrLst>
+    <dgm:linClrLst meth="repeat">
+      <a:schemeClr val="accent1"/>
+    </dgm:linClrLst>
+    <dgm:effectClrLst/>
+    <dgm:txLinClrLst/>
+    <dgm:txFillClrLst meth="repeat">
+      <a:schemeClr val="dk1"/>
+    </dgm:txFillClrLst>
+    <dgm:txEffectClrLst/>
+  </dgm:styleLbl>
+  <dgm:styleLbl name="trAlignAcc1">
+    <dgm:fillClrLst meth="repeat">
+      <a:schemeClr val="lt1">
+        <a:alpha val="40000"/>
+      </a:schemeClr>
+    </dgm:fillClrLst>
+    <dgm:linClrLst meth="repeat">
+      <a:schemeClr val="accent1"/>
+    </dgm:linClrLst>
+    <dgm:effectClrLst/>
+    <dgm:txLinClrLst/>
+    <dgm:txFillClrLst meth="repeat">
+      <a:schemeClr val="dk1"/>
+    </dgm:txFillClrLst>
+    <dgm:txEffectClrLst/>
+  </dgm:styleLbl>
+  <dgm:styleLbl name="bgAcc1">
+    <dgm:fillClrLst meth="repeat">
+      <a:schemeClr val="lt1">
+        <a:alpha val="90000"/>
+      </a:schemeClr>
+    </dgm:fillClrLst>
+    <dgm:linClrLst meth="repeat">
+      <a:schemeClr val="accent1"/>
+    </dgm:linClrLst>
+    <dgm:effectClrLst/>
+    <dgm:txLinClrLst/>
+    <dgm:txFillClrLst meth="repeat">
+      <a:schemeClr val="dk1"/>
+    </dgm:txFillClrLst>
+    <dgm:txEffectClrLst/>
+  </dgm:styleLbl>
+  <dgm:styleLbl name="solidFgAcc1">
+    <dgm:fillClrLst meth="repeat">
+      <a:schemeClr val="lt1"/>
+    </dgm:fillClrLst>
+    <dgm:linClrLst meth="repeat">
+      <a:schemeClr val="accent1"/>
+    </dgm:linClrLst>
+    <dgm:effectClrLst/>
+    <dgm:txLinClrLst/>
+    <dgm:txFillClrLst meth="repeat">
+      <a:schemeClr val="dk1"/>
+    </dgm:txFillClrLst>
+    <dgm:txEffectClrLst/>
+  </dgm:styleLbl>
+  <dgm:styleLbl name="solidAlignAcc1">
+    <dgm:fillClrLst meth="repeat">
+      <a:schemeClr val="lt1"/>
+    </dgm:fillClrLst>
+    <dgm:linClrLst meth="repeat">
+      <a:schemeClr val="accent1"/>
+    </dgm:linClrLst>
+    <dgm:effectClrLst/>
+    <dgm:txLinClrLst/>
+    <dgm:txFillClrLst meth="repeat">
+      <a:schemeClr val="dk1"/>
+    </dgm:txFillClrLst>
+    <dgm:txEffectClrLst/>
+  </dgm:styleLbl>
+  <dgm:styleLbl name="solidBgAcc1">
+    <dgm:fillClrLst meth="repeat">
+      <a:schemeClr val="lt1"/>
+    </dgm:fillClrLst>
+    <dgm:linClrLst meth="repeat">
+      <a:schemeClr val="accent1"/>
+    </dgm:linClrLst>
+    <dgm:effectClrLst/>
+    <dgm:txLinClrLst/>
+    <dgm:txFillClrLst meth="repeat">
+      <a:schemeClr val="dk1"/>
+    </dgm:txFillClrLst>
+    <dgm:txEffectClrLst/>
+  </dgm:styleLbl>
+  <dgm:styleLbl name="fgAccFollowNode1">
+    <dgm:fillClrLst meth="repeat">
+      <a:schemeClr val="accent1">
+        <a:alpha val="90000"/>
+        <a:tint val="40000"/>
+      </a:schemeClr>
+    </dgm:fillClrLst>
+    <dgm:linClrLst meth="repeat">
+      <a:schemeClr val="accent1">
+        <a:alpha val="90000"/>
+        <a:tint val="40000"/>
+      </a:schemeClr>
+    </dgm:linClrLst>
+    <dgm:effectClrLst/>
+    <dgm:txLinClrLst/>
+    <dgm:txFillClrLst meth="repeat">
+      <a:schemeClr val="dk1"/>
+    </dgm:txFillClrLst>
+    <dgm:txEffectClrLst/>
+  </dgm:styleLbl>
+  <dgm:styleLbl name="alignAccFollowNode1">
+    <dgm:fillClrLst meth="repeat">
+      <a:schemeClr val="accent1">
+        <a:alpha val="90000"/>
+        <a:tint val="40000"/>
+      </a:schemeClr>
+    </dgm:fillClrLst>
+    <dgm:linClrLst meth="repeat">
+      <a:schemeClr val="accent1">
+        <a:alpha val="90000"/>
+        <a:tint val="40000"/>
+      </a:schemeClr>
+    </dgm:linClrLst>
+    <dgm:effectClrLst/>
+    <dgm:txLinClrLst/>
+    <dgm:txFillClrLst meth="repeat">
+      <a:schemeClr val="dk1"/>
+    </dgm:txFillClrLst>
+    <dgm:txEffectClrLst/>
+  </dgm:styleLbl>
+  <dgm:styleLbl name="bgAccFollowNode1">
+    <dgm:fillClrLst meth="repeat">
+      <a:schemeClr val="accent1">
+        <a:alpha val="90000"/>
+        <a:tint val="40000"/>
+      </a:schemeClr>
+    </dgm:fillClrLst>
+    <dgm:linClrLst meth="repeat">
+      <a:schemeClr val="accent1">
+        <a:alpha val="90000"/>
+        <a:tint val="40000"/>
+      </a:schemeClr>
+    </dgm:linClrLst>
+    <dgm:effectClrLst/>
+    <dgm:txLinClrLst/>
+    <dgm:txFillClrLst meth="repeat">
+      <a:schemeClr val="dk1"/>
+    </dgm:txFillClrLst>
+    <dgm:txEffectClrLst/>
+  </dgm:styleLbl>
+  <dgm:styleLbl name="fgAcc0">
+    <dgm:fillClrLst meth="repeat">
+      <a:schemeClr val="lt1">
+        <a:alpha val="90000"/>
+      </a:schemeClr>
+    </dgm:fillClrLst>
+    <dgm:linClrLst meth="repeat">
+      <a:schemeClr val="accent1"/>
+    </dgm:linClrLst>
+    <dgm:effectClrLst/>
+    <dgm:txLinClrLst/>
+    <dgm:txFillClrLst meth="repeat">
+      <a:schemeClr val="dk1"/>
+    </dgm:txFillClrLst>
+    <dgm:txEffectClrLst/>
+  </dgm:styleLbl>
+  <dgm:styleLbl name="fgAcc2">
+    <dgm:fillClrLst meth="repeat">
+      <a:schemeClr val="lt1">
+        <a:alpha val="90000"/>
+      </a:schemeClr>
+    </dgm:fillClrLst>
+    <dgm:linClrLst meth="repeat">
+      <a:schemeClr val="accent1"/>
+    </dgm:linClrLst>
+    <dgm:effectClrLst/>
+    <dgm:txLinClrLst/>
+    <dgm:txFillClrLst meth="repeat">
+      <a:schemeClr val="dk1"/>
+    </dgm:txFillClrLst>
+    <dgm:txEffectClrLst/>
+  </dgm:styleLbl>
+  <dgm:styleLbl name="fgAcc3">
+    <dgm:fillClrLst meth="repeat">
+      <a:schemeClr val="lt1">
+        <a:alpha val="90000"/>
+      </a:schemeClr>
+    </dgm:fillClrLst>
+    <dgm:linClrLst meth="repeat">
+      <a:schemeClr val="accent1"/>
+    </dgm:linClrLst>
+    <dgm:effectClrLst/>
+    <dgm:txLinClrLst/>
+    <dgm:txFillClrLst meth="repeat">
+      <a:schemeClr val="dk1"/>
+    </dgm:txFillClrLst>
+    <dgm:txEffectClrLst/>
+  </dgm:styleLbl>
+  <dgm:styleLbl name="fgAcc4">
+    <dgm:fillClrLst meth="repeat">
+      <a:schemeClr val="lt1">
+        <a:alpha val="90000"/>
+      </a:schemeClr>
+    </dgm:fillClrLst>
+    <dgm:linClrLst meth="repeat">
+      <a:schemeClr val="accent1"/>
+    </dgm:linClrLst>
+    <dgm:effectClrLst/>
+    <dgm:txLinClrLst/>
+    <dgm:txFillClrLst meth="repeat">
+      <a:schemeClr val="dk1"/>
+    </dgm:txFillClrLst>
+    <dgm:txEffectClrLst/>
+  </dgm:styleLbl>
+  <dgm:styleLbl name="bgShp">
+    <dgm:fillClrLst meth="repeat">
+      <a:schemeClr val="accent1">
+        <a:tint val="40000"/>
+      </a:schemeClr>
+    </dgm:fillClrLst>
+    <dgm:linClrLst meth="repeat">
+      <a:schemeClr val="accent1"/>
+    </dgm:linClrLst>
+    <dgm:effectClrLst/>
+    <dgm:txLinClrLst/>
+    <dgm:txFillClrLst meth="repeat">
+      <a:schemeClr val="dk1"/>
+    </dgm:txFillClrLst>
+    <dgm:txEffectClrLst/>
+  </dgm:styleLbl>
+  <dgm:styleLbl name="dkBgShp">
+    <dgm:fillClrLst meth="repeat">
+      <a:schemeClr val="accent1">
+        <a:shade val="80000"/>
+      </a:schemeClr>
+    </dgm:fillClrLst>
+    <dgm:linClrLst meth="repeat">
+      <a:schemeClr val="accent1"/>
+    </dgm:linClrLst>
+    <dgm:effectClrLst/>
+    <dgm:txLinClrLst/>
+    <dgm:txFillClrLst meth="repeat">
+      <a:schemeClr val="lt1"/>
+    </dgm:txFillClrLst>
+    <dgm:txEffectClrLst/>
+  </dgm:styleLbl>
+  <dgm:styleLbl name="trBgShp">
+    <dgm:fillClrLst meth="repeat">
+      <a:schemeClr val="accent1">
+        <a:tint val="50000"/>
+        <a:alpha val="40000"/>
+      </a:schemeClr>
+    </dgm:fillClrLst>
+    <dgm:linClrLst meth="repeat">
+      <a:schemeClr val="accent1"/>
+    </dgm:linClrLst>
+    <dgm:effectClrLst/>
+    <dgm:txLinClrLst/>
+    <dgm:txFillClrLst meth="repeat">
+      <a:schemeClr val="lt1"/>
+    </dgm:txFillClrLst>
+    <dgm:txEffectClrLst/>
+  </dgm:styleLbl>
+  <dgm:styleLbl name="fgShp">
+    <dgm:fillClrLst meth="repeat">
+      <a:schemeClr val="accent1">
+        <a:tint val="60000"/>
+      </a:schemeClr>
+    </dgm:fillClrLst>
+    <dgm:linClrLst meth="repeat">
+      <a:schemeClr val="lt1"/>
+    </dgm:linClrLst>
+    <dgm:effectClrLst/>
+    <dgm:txLinClrLst/>
+    <dgm:txFillClrLst meth="repeat">
+      <a:schemeClr val="dk1"/>
+    </dgm:txFillClrLst>
+    <dgm:txEffectClrLst/>
+  </dgm:styleLbl>
+  <dgm:styleLbl name="revTx">
+    <dgm:fillClrLst meth="repeat">
+      <a:schemeClr val="lt1">
+        <a:alpha val="0"/>
+      </a:schemeClr>
+    </dgm:fillClrLst>
+    <dgm:linClrLst meth="repeat">
+      <a:schemeClr val="dk1">
+        <a:alpha val="0"/>
+      </a:schemeClr>
+    </dgm:linClrLst>
+    <dgm:effectClrLst/>
+    <dgm:txLinClrLst/>
+    <dgm:txFillClrLst meth="repeat">
+      <a:schemeClr val="tx1"/>
+    </dgm:txFillClrLst>
+    <dgm:txEffectClrLst/>
+  </dgm:styleLbl>
+</dgm:colorsDef>
+</file>
+
+<file path=ppt/diagrams/colors2.xml><?xml version="1.0" encoding="utf-8"?>
+<dgm:colorsDef xmlns:dgm="http://schemas.openxmlformats.org/drawingml/2006/diagram" xmlns:a="http://schemas.openxmlformats.org/drawingml/2006/main" uniqueId="urn:microsoft.com/office/officeart/2005/8/colors/accent1_2#1">
   <dgm:title val=""/>
   <dgm:desc val=""/>
   <dgm:catLst>
@@ -879,11 +1632,1308 @@
 </dgm:colorsDef>
 </file>
 
+<file path=ppt/diagrams/colors3.xml><?xml version="1.0" encoding="utf-8"?>
+<dgm:colorsDef xmlns:dgm="http://schemas.openxmlformats.org/drawingml/2006/diagram" xmlns:a="http://schemas.openxmlformats.org/drawingml/2006/main" uniqueId="urn:microsoft.com/office/officeart/2005/8/colors/accent1_2">
+  <dgm:title val=""/>
+  <dgm:desc val=""/>
+  <dgm:catLst>
+    <dgm:cat type="accent1" pri="11200"/>
+  </dgm:catLst>
+  <dgm:styleLbl name="node0">
+    <dgm:fillClrLst meth="repeat">
+      <a:schemeClr val="accent1"/>
+    </dgm:fillClrLst>
+    <dgm:linClrLst meth="repeat">
+      <a:schemeClr val="lt1"/>
+    </dgm:linClrLst>
+    <dgm:effectClrLst/>
+    <dgm:txLinClrLst/>
+    <dgm:txFillClrLst/>
+    <dgm:txEffectClrLst/>
+  </dgm:styleLbl>
+  <dgm:styleLbl name="alignNode1">
+    <dgm:fillClrLst meth="repeat">
+      <a:schemeClr val="accent1"/>
+    </dgm:fillClrLst>
+    <dgm:linClrLst meth="repeat">
+      <a:schemeClr val="accent1"/>
+    </dgm:linClrLst>
+    <dgm:effectClrLst/>
+    <dgm:txLinClrLst/>
+    <dgm:txFillClrLst/>
+    <dgm:txEffectClrLst/>
+  </dgm:styleLbl>
+  <dgm:styleLbl name="node1">
+    <dgm:fillClrLst meth="repeat">
+      <a:schemeClr val="accent1"/>
+    </dgm:fillClrLst>
+    <dgm:linClrLst meth="repeat">
+      <a:schemeClr val="lt1"/>
+    </dgm:linClrLst>
+    <dgm:effectClrLst/>
+    <dgm:txLinClrLst/>
+    <dgm:txFillClrLst/>
+    <dgm:txEffectClrLst/>
+  </dgm:styleLbl>
+  <dgm:styleLbl name="lnNode1">
+    <dgm:fillClrLst meth="repeat">
+      <a:schemeClr val="accent1"/>
+    </dgm:fillClrLst>
+    <dgm:linClrLst meth="repeat">
+      <a:schemeClr val="lt1"/>
+    </dgm:linClrLst>
+    <dgm:effectClrLst/>
+    <dgm:txLinClrLst/>
+    <dgm:txFillClrLst/>
+    <dgm:txEffectClrLst/>
+  </dgm:styleLbl>
+  <dgm:styleLbl name="vennNode1">
+    <dgm:fillClrLst meth="repeat">
+      <a:schemeClr val="accent1">
+        <a:alpha val="50000"/>
+      </a:schemeClr>
+    </dgm:fillClrLst>
+    <dgm:linClrLst meth="repeat">
+      <a:schemeClr val="lt1"/>
+    </dgm:linClrLst>
+    <dgm:effectClrLst/>
+    <dgm:txLinClrLst/>
+    <dgm:txFillClrLst/>
+    <dgm:txEffectClrLst/>
+  </dgm:styleLbl>
+  <dgm:styleLbl name="node2">
+    <dgm:fillClrLst meth="repeat">
+      <a:schemeClr val="accent1"/>
+    </dgm:fillClrLst>
+    <dgm:linClrLst meth="repeat">
+      <a:schemeClr val="lt1"/>
+    </dgm:linClrLst>
+    <dgm:effectClrLst/>
+    <dgm:txLinClrLst/>
+    <dgm:txFillClrLst/>
+    <dgm:txEffectClrLst/>
+  </dgm:styleLbl>
+  <dgm:styleLbl name="node3">
+    <dgm:fillClrLst meth="repeat">
+      <a:schemeClr val="accent1"/>
+    </dgm:fillClrLst>
+    <dgm:linClrLst meth="repeat">
+      <a:schemeClr val="lt1"/>
+    </dgm:linClrLst>
+    <dgm:effectClrLst/>
+    <dgm:txLinClrLst/>
+    <dgm:txFillClrLst/>
+    <dgm:txEffectClrLst/>
+  </dgm:styleLbl>
+  <dgm:styleLbl name="node4">
+    <dgm:fillClrLst meth="repeat">
+      <a:schemeClr val="accent1"/>
+    </dgm:fillClrLst>
+    <dgm:linClrLst meth="repeat">
+      <a:schemeClr val="lt1"/>
+    </dgm:linClrLst>
+    <dgm:effectClrLst/>
+    <dgm:txLinClrLst/>
+    <dgm:txFillClrLst/>
+    <dgm:txEffectClrLst/>
+  </dgm:styleLbl>
+  <dgm:styleLbl name="fgImgPlace1">
+    <dgm:fillClrLst meth="repeat">
+      <a:schemeClr val="accent1">
+        <a:tint val="50000"/>
+      </a:schemeClr>
+    </dgm:fillClrLst>
+    <dgm:linClrLst meth="repeat">
+      <a:schemeClr val="lt1"/>
+    </dgm:linClrLst>
+    <dgm:effectClrLst/>
+    <dgm:txLinClrLst/>
+    <dgm:txFillClrLst meth="repeat">
+      <a:schemeClr val="lt1"/>
+    </dgm:txFillClrLst>
+    <dgm:txEffectClrLst/>
+  </dgm:styleLbl>
+  <dgm:styleLbl name="alignImgPlace1">
+    <dgm:fillClrLst meth="repeat">
+      <a:schemeClr val="accent1">
+        <a:tint val="50000"/>
+      </a:schemeClr>
+    </dgm:fillClrLst>
+    <dgm:linClrLst meth="repeat">
+      <a:schemeClr val="lt1"/>
+    </dgm:linClrLst>
+    <dgm:effectClrLst/>
+    <dgm:txLinClrLst/>
+    <dgm:txFillClrLst meth="repeat">
+      <a:schemeClr val="lt1"/>
+    </dgm:txFillClrLst>
+    <dgm:txEffectClrLst/>
+  </dgm:styleLbl>
+  <dgm:styleLbl name="bgImgPlace1">
+    <dgm:fillClrLst meth="repeat">
+      <a:schemeClr val="accent1">
+        <a:tint val="50000"/>
+      </a:schemeClr>
+    </dgm:fillClrLst>
+    <dgm:linClrLst meth="repeat">
+      <a:schemeClr val="lt1"/>
+    </dgm:linClrLst>
+    <dgm:effectClrLst/>
+    <dgm:txLinClrLst/>
+    <dgm:txFillClrLst meth="repeat">
+      <a:schemeClr val="lt1"/>
+    </dgm:txFillClrLst>
+    <dgm:txEffectClrLst/>
+  </dgm:styleLbl>
+  <dgm:styleLbl name="sibTrans2D1">
+    <dgm:fillClrLst meth="repeat">
+      <a:schemeClr val="accent1">
+        <a:tint val="60000"/>
+      </a:schemeClr>
+    </dgm:fillClrLst>
+    <dgm:linClrLst meth="repeat">
+      <a:schemeClr val="accent1">
+        <a:tint val="60000"/>
+      </a:schemeClr>
+    </dgm:linClrLst>
+    <dgm:effectClrLst/>
+    <dgm:txLinClrLst/>
+    <dgm:txFillClrLst/>
+    <dgm:txEffectClrLst/>
+  </dgm:styleLbl>
+  <dgm:styleLbl name="fgSibTrans2D1">
+    <dgm:fillClrLst meth="repeat">
+      <a:schemeClr val="accent1">
+        <a:tint val="60000"/>
+      </a:schemeClr>
+    </dgm:fillClrLst>
+    <dgm:linClrLst meth="repeat">
+      <a:schemeClr val="accent1">
+        <a:tint val="60000"/>
+      </a:schemeClr>
+    </dgm:linClrLst>
+    <dgm:effectClrLst/>
+    <dgm:txLinClrLst/>
+    <dgm:txFillClrLst/>
+    <dgm:txEffectClrLst/>
+  </dgm:styleLbl>
+  <dgm:styleLbl name="bgSibTrans2D1">
+    <dgm:fillClrLst meth="repeat">
+      <a:schemeClr val="accent1">
+        <a:tint val="60000"/>
+      </a:schemeClr>
+    </dgm:fillClrLst>
+    <dgm:linClrLst meth="repeat">
+      <a:schemeClr val="accent1">
+        <a:tint val="60000"/>
+      </a:schemeClr>
+    </dgm:linClrLst>
+    <dgm:effectClrLst/>
+    <dgm:txLinClrLst/>
+    <dgm:txFillClrLst/>
+    <dgm:txEffectClrLst/>
+  </dgm:styleLbl>
+  <dgm:styleLbl name="sibTrans1D1">
+    <dgm:fillClrLst meth="repeat">
+      <a:schemeClr val="accent1"/>
+    </dgm:fillClrLst>
+    <dgm:linClrLst meth="repeat">
+      <a:schemeClr val="accent1"/>
+    </dgm:linClrLst>
+    <dgm:effectClrLst/>
+    <dgm:txLinClrLst/>
+    <dgm:txFillClrLst meth="repeat">
+      <a:schemeClr val="tx1"/>
+    </dgm:txFillClrLst>
+    <dgm:txEffectClrLst/>
+  </dgm:styleLbl>
+  <dgm:styleLbl name="callout">
+    <dgm:fillClrLst meth="repeat">
+      <a:schemeClr val="accent1"/>
+    </dgm:fillClrLst>
+    <dgm:linClrLst meth="repeat">
+      <a:schemeClr val="accent1">
+        <a:tint val="50000"/>
+      </a:schemeClr>
+    </dgm:linClrLst>
+    <dgm:effectClrLst/>
+    <dgm:txLinClrLst/>
+    <dgm:txFillClrLst meth="repeat">
+      <a:schemeClr val="tx1"/>
+    </dgm:txFillClrLst>
+    <dgm:txEffectClrLst/>
+  </dgm:styleLbl>
+  <dgm:styleLbl name="asst0">
+    <dgm:fillClrLst meth="repeat">
+      <a:schemeClr val="accent1"/>
+    </dgm:fillClrLst>
+    <dgm:linClrLst meth="repeat">
+      <a:schemeClr val="lt1"/>
+    </dgm:linClrLst>
+    <dgm:effectClrLst/>
+    <dgm:txLinClrLst/>
+    <dgm:txFillClrLst/>
+    <dgm:txEffectClrLst/>
+  </dgm:styleLbl>
+  <dgm:styleLbl name="asst1">
+    <dgm:fillClrLst meth="repeat">
+      <a:schemeClr val="accent1"/>
+    </dgm:fillClrLst>
+    <dgm:linClrLst meth="repeat">
+      <a:schemeClr val="lt1"/>
+    </dgm:linClrLst>
+    <dgm:effectClrLst/>
+    <dgm:txLinClrLst/>
+    <dgm:txFillClrLst/>
+    <dgm:txEffectClrLst/>
+  </dgm:styleLbl>
+  <dgm:styleLbl name="asst2">
+    <dgm:fillClrLst meth="repeat">
+      <a:schemeClr val="accent1"/>
+    </dgm:fillClrLst>
+    <dgm:linClrLst meth="repeat">
+      <a:schemeClr val="lt1"/>
+    </dgm:linClrLst>
+    <dgm:effectClrLst/>
+    <dgm:txLinClrLst/>
+    <dgm:txFillClrLst/>
+    <dgm:txEffectClrLst/>
+  </dgm:styleLbl>
+  <dgm:styleLbl name="asst3">
+    <dgm:fillClrLst meth="repeat">
+      <a:schemeClr val="accent1"/>
+    </dgm:fillClrLst>
+    <dgm:linClrLst meth="repeat">
+      <a:schemeClr val="lt1"/>
+    </dgm:linClrLst>
+    <dgm:effectClrLst/>
+    <dgm:txLinClrLst/>
+    <dgm:txFillClrLst/>
+    <dgm:txEffectClrLst/>
+  </dgm:styleLbl>
+  <dgm:styleLbl name="asst4">
+    <dgm:fillClrLst meth="repeat">
+      <a:schemeClr val="accent1"/>
+    </dgm:fillClrLst>
+    <dgm:linClrLst meth="repeat">
+      <a:schemeClr val="lt1"/>
+    </dgm:linClrLst>
+    <dgm:effectClrLst/>
+    <dgm:txLinClrLst/>
+    <dgm:txFillClrLst/>
+    <dgm:txEffectClrLst/>
+  </dgm:styleLbl>
+  <dgm:styleLbl name="parChTrans2D1">
+    <dgm:fillClrLst meth="repeat">
+      <a:schemeClr val="accent1">
+        <a:tint val="60000"/>
+      </a:schemeClr>
+    </dgm:fillClrLst>
+    <dgm:linClrLst meth="repeat">
+      <a:schemeClr val="accent1">
+        <a:tint val="60000"/>
+      </a:schemeClr>
+    </dgm:linClrLst>
+    <dgm:effectClrLst/>
+    <dgm:txLinClrLst/>
+    <dgm:txFillClrLst meth="repeat">
+      <a:schemeClr val="lt1"/>
+    </dgm:txFillClrLst>
+    <dgm:txEffectClrLst/>
+  </dgm:styleLbl>
+  <dgm:styleLbl name="parChTrans2D2">
+    <dgm:fillClrLst meth="repeat">
+      <a:schemeClr val="accent1"/>
+    </dgm:fillClrLst>
+    <dgm:linClrLst meth="repeat">
+      <a:schemeClr val="accent1"/>
+    </dgm:linClrLst>
+    <dgm:effectClrLst/>
+    <dgm:txLinClrLst/>
+    <dgm:txFillClrLst meth="repeat">
+      <a:schemeClr val="lt1"/>
+    </dgm:txFillClrLst>
+    <dgm:txEffectClrLst/>
+  </dgm:styleLbl>
+  <dgm:styleLbl name="parChTrans2D3">
+    <dgm:fillClrLst meth="repeat">
+      <a:schemeClr val="accent1"/>
+    </dgm:fillClrLst>
+    <dgm:linClrLst meth="repeat">
+      <a:schemeClr val="accent1"/>
+    </dgm:linClrLst>
+    <dgm:effectClrLst/>
+    <dgm:txLinClrLst/>
+    <dgm:txFillClrLst meth="repeat">
+      <a:schemeClr val="lt1"/>
+    </dgm:txFillClrLst>
+    <dgm:txEffectClrLst/>
+  </dgm:styleLbl>
+  <dgm:styleLbl name="parChTrans2D4">
+    <dgm:fillClrLst meth="repeat">
+      <a:schemeClr val="accent1"/>
+    </dgm:fillClrLst>
+    <dgm:linClrLst meth="repeat">
+      <a:schemeClr val="accent1"/>
+    </dgm:linClrLst>
+    <dgm:effectClrLst/>
+    <dgm:txLinClrLst/>
+    <dgm:txFillClrLst meth="repeat">
+      <a:schemeClr val="lt1"/>
+    </dgm:txFillClrLst>
+    <dgm:txEffectClrLst/>
+  </dgm:styleLbl>
+  <dgm:styleLbl name="parChTrans1D1">
+    <dgm:fillClrLst meth="repeat">
+      <a:schemeClr val="accent1"/>
+    </dgm:fillClrLst>
+    <dgm:linClrLst meth="repeat">
+      <a:schemeClr val="accent1">
+        <a:shade val="60000"/>
+      </a:schemeClr>
+    </dgm:linClrLst>
+    <dgm:effectClrLst/>
+    <dgm:txLinClrLst/>
+    <dgm:txFillClrLst meth="repeat">
+      <a:schemeClr val="tx1"/>
+    </dgm:txFillClrLst>
+    <dgm:txEffectClrLst/>
+  </dgm:styleLbl>
+  <dgm:styleLbl name="parChTrans1D2">
+    <dgm:fillClrLst meth="repeat">
+      <a:schemeClr val="accent1"/>
+    </dgm:fillClrLst>
+    <dgm:linClrLst meth="repeat">
+      <a:schemeClr val="accent1">
+        <a:shade val="60000"/>
+      </a:schemeClr>
+    </dgm:linClrLst>
+    <dgm:effectClrLst/>
+    <dgm:txLinClrLst/>
+    <dgm:txFillClrLst meth="repeat">
+      <a:schemeClr val="tx1"/>
+    </dgm:txFillClrLst>
+    <dgm:txEffectClrLst/>
+  </dgm:styleLbl>
+  <dgm:styleLbl name="parChTrans1D3">
+    <dgm:fillClrLst meth="repeat">
+      <a:schemeClr val="accent1"/>
+    </dgm:fillClrLst>
+    <dgm:linClrLst meth="repeat">
+      <a:schemeClr val="accent1">
+        <a:shade val="80000"/>
+      </a:schemeClr>
+    </dgm:linClrLst>
+    <dgm:effectClrLst/>
+    <dgm:txLinClrLst/>
+    <dgm:txFillClrLst meth="repeat">
+      <a:schemeClr val="tx1"/>
+    </dgm:txFillClrLst>
+    <dgm:txEffectClrLst/>
+  </dgm:styleLbl>
+  <dgm:styleLbl name="parChTrans1D4">
+    <dgm:fillClrLst meth="repeat">
+      <a:schemeClr val="accent1"/>
+    </dgm:fillClrLst>
+    <dgm:linClrLst meth="repeat">
+      <a:schemeClr val="accent1">
+        <a:shade val="80000"/>
+      </a:schemeClr>
+    </dgm:linClrLst>
+    <dgm:effectClrLst/>
+    <dgm:txLinClrLst/>
+    <dgm:txFillClrLst meth="repeat">
+      <a:schemeClr val="tx1"/>
+    </dgm:txFillClrLst>
+    <dgm:txEffectClrLst/>
+  </dgm:styleLbl>
+  <dgm:styleLbl name="fgAcc1">
+    <dgm:fillClrLst meth="repeat">
+      <a:schemeClr val="lt1">
+        <a:alpha val="90000"/>
+      </a:schemeClr>
+    </dgm:fillClrLst>
+    <dgm:linClrLst meth="repeat">
+      <a:schemeClr val="accent1"/>
+    </dgm:linClrLst>
+    <dgm:effectClrLst/>
+    <dgm:txLinClrLst/>
+    <dgm:txFillClrLst meth="repeat">
+      <a:schemeClr val="dk1"/>
+    </dgm:txFillClrLst>
+    <dgm:txEffectClrLst/>
+  </dgm:styleLbl>
+  <dgm:styleLbl name="conFgAcc1">
+    <dgm:fillClrLst meth="repeat">
+      <a:schemeClr val="lt1">
+        <a:alpha val="90000"/>
+      </a:schemeClr>
+    </dgm:fillClrLst>
+    <dgm:linClrLst meth="repeat">
+      <a:schemeClr val="accent1"/>
+    </dgm:linClrLst>
+    <dgm:effectClrLst/>
+    <dgm:txLinClrLst/>
+    <dgm:txFillClrLst meth="repeat">
+      <a:schemeClr val="dk1"/>
+    </dgm:txFillClrLst>
+    <dgm:txEffectClrLst/>
+  </dgm:styleLbl>
+  <dgm:styleLbl name="alignAcc1">
+    <dgm:fillClrLst meth="repeat">
+      <a:schemeClr val="lt1">
+        <a:alpha val="90000"/>
+      </a:schemeClr>
+    </dgm:fillClrLst>
+    <dgm:linClrLst meth="repeat">
+      <a:schemeClr val="accent1"/>
+    </dgm:linClrLst>
+    <dgm:effectClrLst/>
+    <dgm:txLinClrLst/>
+    <dgm:txFillClrLst meth="repeat">
+      <a:schemeClr val="dk1"/>
+    </dgm:txFillClrLst>
+    <dgm:txEffectClrLst/>
+  </dgm:styleLbl>
+  <dgm:styleLbl name="trAlignAcc1">
+    <dgm:fillClrLst meth="repeat">
+      <a:schemeClr val="lt1">
+        <a:alpha val="40000"/>
+      </a:schemeClr>
+    </dgm:fillClrLst>
+    <dgm:linClrLst meth="repeat">
+      <a:schemeClr val="accent1"/>
+    </dgm:linClrLst>
+    <dgm:effectClrLst/>
+    <dgm:txLinClrLst/>
+    <dgm:txFillClrLst meth="repeat">
+      <a:schemeClr val="dk1"/>
+    </dgm:txFillClrLst>
+    <dgm:txEffectClrLst/>
+  </dgm:styleLbl>
+  <dgm:styleLbl name="bgAcc1">
+    <dgm:fillClrLst meth="repeat">
+      <a:schemeClr val="lt1">
+        <a:alpha val="90000"/>
+      </a:schemeClr>
+    </dgm:fillClrLst>
+    <dgm:linClrLst meth="repeat">
+      <a:schemeClr val="accent1"/>
+    </dgm:linClrLst>
+    <dgm:effectClrLst/>
+    <dgm:txLinClrLst/>
+    <dgm:txFillClrLst meth="repeat">
+      <a:schemeClr val="dk1"/>
+    </dgm:txFillClrLst>
+    <dgm:txEffectClrLst/>
+  </dgm:styleLbl>
+  <dgm:styleLbl name="solidFgAcc1">
+    <dgm:fillClrLst meth="repeat">
+      <a:schemeClr val="lt1"/>
+    </dgm:fillClrLst>
+    <dgm:linClrLst meth="repeat">
+      <a:schemeClr val="accent1"/>
+    </dgm:linClrLst>
+    <dgm:effectClrLst/>
+    <dgm:txLinClrLst/>
+    <dgm:txFillClrLst meth="repeat">
+      <a:schemeClr val="dk1"/>
+    </dgm:txFillClrLst>
+    <dgm:txEffectClrLst/>
+  </dgm:styleLbl>
+  <dgm:styleLbl name="solidAlignAcc1">
+    <dgm:fillClrLst meth="repeat">
+      <a:schemeClr val="lt1"/>
+    </dgm:fillClrLst>
+    <dgm:linClrLst meth="repeat">
+      <a:schemeClr val="accent1"/>
+    </dgm:linClrLst>
+    <dgm:effectClrLst/>
+    <dgm:txLinClrLst/>
+    <dgm:txFillClrLst meth="repeat">
+      <a:schemeClr val="dk1"/>
+    </dgm:txFillClrLst>
+    <dgm:txEffectClrLst/>
+  </dgm:styleLbl>
+  <dgm:styleLbl name="solidBgAcc1">
+    <dgm:fillClrLst meth="repeat">
+      <a:schemeClr val="lt1"/>
+    </dgm:fillClrLst>
+    <dgm:linClrLst meth="repeat">
+      <a:schemeClr val="accent1"/>
+    </dgm:linClrLst>
+    <dgm:effectClrLst/>
+    <dgm:txLinClrLst/>
+    <dgm:txFillClrLst meth="repeat">
+      <a:schemeClr val="dk1"/>
+    </dgm:txFillClrLst>
+    <dgm:txEffectClrLst/>
+  </dgm:styleLbl>
+  <dgm:styleLbl name="fgAccFollowNode1">
+    <dgm:fillClrLst meth="repeat">
+      <a:schemeClr val="accent1">
+        <a:alpha val="90000"/>
+        <a:tint val="40000"/>
+      </a:schemeClr>
+    </dgm:fillClrLst>
+    <dgm:linClrLst meth="repeat">
+      <a:schemeClr val="accent1">
+        <a:alpha val="90000"/>
+        <a:tint val="40000"/>
+      </a:schemeClr>
+    </dgm:linClrLst>
+    <dgm:effectClrLst/>
+    <dgm:txLinClrLst/>
+    <dgm:txFillClrLst meth="repeat">
+      <a:schemeClr val="dk1"/>
+    </dgm:txFillClrLst>
+    <dgm:txEffectClrLst/>
+  </dgm:styleLbl>
+  <dgm:styleLbl name="alignAccFollowNode1">
+    <dgm:fillClrLst meth="repeat">
+      <a:schemeClr val="accent1">
+        <a:alpha val="90000"/>
+        <a:tint val="40000"/>
+      </a:schemeClr>
+    </dgm:fillClrLst>
+    <dgm:linClrLst meth="repeat">
+      <a:schemeClr val="accent1">
+        <a:alpha val="90000"/>
+        <a:tint val="40000"/>
+      </a:schemeClr>
+    </dgm:linClrLst>
+    <dgm:effectClrLst/>
+    <dgm:txLinClrLst/>
+    <dgm:txFillClrLst meth="repeat">
+      <a:schemeClr val="dk1"/>
+    </dgm:txFillClrLst>
+    <dgm:txEffectClrLst/>
+  </dgm:styleLbl>
+  <dgm:styleLbl name="bgAccFollowNode1">
+    <dgm:fillClrLst meth="repeat">
+      <a:schemeClr val="accent1">
+        <a:alpha val="90000"/>
+        <a:tint val="40000"/>
+      </a:schemeClr>
+    </dgm:fillClrLst>
+    <dgm:linClrLst meth="repeat">
+      <a:schemeClr val="accent1">
+        <a:alpha val="90000"/>
+        <a:tint val="40000"/>
+      </a:schemeClr>
+    </dgm:linClrLst>
+    <dgm:effectClrLst/>
+    <dgm:txLinClrLst/>
+    <dgm:txFillClrLst meth="repeat">
+      <a:schemeClr val="dk1"/>
+    </dgm:txFillClrLst>
+    <dgm:txEffectClrLst/>
+  </dgm:styleLbl>
+  <dgm:styleLbl name="fgAcc0">
+    <dgm:fillClrLst meth="repeat">
+      <a:schemeClr val="lt1">
+        <a:alpha val="90000"/>
+      </a:schemeClr>
+    </dgm:fillClrLst>
+    <dgm:linClrLst meth="repeat">
+      <a:schemeClr val="accent1"/>
+    </dgm:linClrLst>
+    <dgm:effectClrLst/>
+    <dgm:txLinClrLst/>
+    <dgm:txFillClrLst meth="repeat">
+      <a:schemeClr val="dk1"/>
+    </dgm:txFillClrLst>
+    <dgm:txEffectClrLst/>
+  </dgm:styleLbl>
+  <dgm:styleLbl name="fgAcc2">
+    <dgm:fillClrLst meth="repeat">
+      <a:schemeClr val="lt1">
+        <a:alpha val="90000"/>
+      </a:schemeClr>
+    </dgm:fillClrLst>
+    <dgm:linClrLst meth="repeat">
+      <a:schemeClr val="accent1"/>
+    </dgm:linClrLst>
+    <dgm:effectClrLst/>
+    <dgm:txLinClrLst/>
+    <dgm:txFillClrLst meth="repeat">
+      <a:schemeClr val="dk1"/>
+    </dgm:txFillClrLst>
+    <dgm:txEffectClrLst/>
+  </dgm:styleLbl>
+  <dgm:styleLbl name="fgAcc3">
+    <dgm:fillClrLst meth="repeat">
+      <a:schemeClr val="lt1">
+        <a:alpha val="90000"/>
+      </a:schemeClr>
+    </dgm:fillClrLst>
+    <dgm:linClrLst meth="repeat">
+      <a:schemeClr val="accent1"/>
+    </dgm:linClrLst>
+    <dgm:effectClrLst/>
+    <dgm:txLinClrLst/>
+    <dgm:txFillClrLst meth="repeat">
+      <a:schemeClr val="dk1"/>
+    </dgm:txFillClrLst>
+    <dgm:txEffectClrLst/>
+  </dgm:styleLbl>
+  <dgm:styleLbl name="fgAcc4">
+    <dgm:fillClrLst meth="repeat">
+      <a:schemeClr val="lt1">
+        <a:alpha val="90000"/>
+      </a:schemeClr>
+    </dgm:fillClrLst>
+    <dgm:linClrLst meth="repeat">
+      <a:schemeClr val="accent1"/>
+    </dgm:linClrLst>
+    <dgm:effectClrLst/>
+    <dgm:txLinClrLst/>
+    <dgm:txFillClrLst meth="repeat">
+      <a:schemeClr val="dk1"/>
+    </dgm:txFillClrLst>
+    <dgm:txEffectClrLst/>
+  </dgm:styleLbl>
+  <dgm:styleLbl name="bgShp">
+    <dgm:fillClrLst meth="repeat">
+      <a:schemeClr val="accent1">
+        <a:tint val="40000"/>
+      </a:schemeClr>
+    </dgm:fillClrLst>
+    <dgm:linClrLst meth="repeat">
+      <a:schemeClr val="accent1"/>
+    </dgm:linClrLst>
+    <dgm:effectClrLst/>
+    <dgm:txLinClrLst/>
+    <dgm:txFillClrLst meth="repeat">
+      <a:schemeClr val="dk1"/>
+    </dgm:txFillClrLst>
+    <dgm:txEffectClrLst/>
+  </dgm:styleLbl>
+  <dgm:styleLbl name="dkBgShp">
+    <dgm:fillClrLst meth="repeat">
+      <a:schemeClr val="accent1">
+        <a:shade val="80000"/>
+      </a:schemeClr>
+    </dgm:fillClrLst>
+    <dgm:linClrLst meth="repeat">
+      <a:schemeClr val="accent1"/>
+    </dgm:linClrLst>
+    <dgm:effectClrLst/>
+    <dgm:txLinClrLst/>
+    <dgm:txFillClrLst meth="repeat">
+      <a:schemeClr val="lt1"/>
+    </dgm:txFillClrLst>
+    <dgm:txEffectClrLst/>
+  </dgm:styleLbl>
+  <dgm:styleLbl name="trBgShp">
+    <dgm:fillClrLst meth="repeat">
+      <a:schemeClr val="accent1">
+        <a:tint val="50000"/>
+        <a:alpha val="40000"/>
+      </a:schemeClr>
+    </dgm:fillClrLst>
+    <dgm:linClrLst meth="repeat">
+      <a:schemeClr val="accent1"/>
+    </dgm:linClrLst>
+    <dgm:effectClrLst/>
+    <dgm:txLinClrLst/>
+    <dgm:txFillClrLst meth="repeat">
+      <a:schemeClr val="lt1"/>
+    </dgm:txFillClrLst>
+    <dgm:txEffectClrLst/>
+  </dgm:styleLbl>
+  <dgm:styleLbl name="fgShp">
+    <dgm:fillClrLst meth="repeat">
+      <a:schemeClr val="accent1">
+        <a:tint val="60000"/>
+      </a:schemeClr>
+    </dgm:fillClrLst>
+    <dgm:linClrLst meth="repeat">
+      <a:schemeClr val="lt1"/>
+    </dgm:linClrLst>
+    <dgm:effectClrLst/>
+    <dgm:txLinClrLst/>
+    <dgm:txFillClrLst meth="repeat">
+      <a:schemeClr val="dk1"/>
+    </dgm:txFillClrLst>
+    <dgm:txEffectClrLst/>
+  </dgm:styleLbl>
+  <dgm:styleLbl name="revTx">
+    <dgm:fillClrLst meth="repeat">
+      <a:schemeClr val="lt1">
+        <a:alpha val="0"/>
+      </a:schemeClr>
+    </dgm:fillClrLst>
+    <dgm:linClrLst meth="repeat">
+      <a:schemeClr val="dk1">
+        <a:alpha val="0"/>
+      </a:schemeClr>
+    </dgm:linClrLst>
+    <dgm:effectClrLst/>
+    <dgm:txLinClrLst/>
+    <dgm:txFillClrLst meth="repeat">
+      <a:schemeClr val="tx1"/>
+    </dgm:txFillClrLst>
+    <dgm:txEffectClrLst/>
+  </dgm:styleLbl>
+</dgm:colorsDef>
+</file>
+
 <file path=ppt/diagrams/data1.xml><?xml version="1.0" encoding="utf-8"?>
 <dgm:dataModel xmlns:dgm="http://schemas.openxmlformats.org/drawingml/2006/diagram" xmlns:a="http://schemas.openxmlformats.org/drawingml/2006/main">
   <dgm:ptLst>
+    <dgm:pt modelId="{2ABC4EB4-3F6E-DF4D-856E-7FD543576C80}" type="doc">
+      <dgm:prSet loTypeId="urn:microsoft.com/office/officeart/2005/8/layout/cycle4" loCatId="" qsTypeId="urn:microsoft.com/office/officeart/2005/8/quickstyle/simple4" qsCatId="simple" csTypeId="urn:microsoft.com/office/officeart/2005/8/colors/accent1_2" csCatId="accent1" phldr="1"/>
+      <dgm:spPr/>
+      <dgm:t>
+        <a:bodyPr/>
+        <a:lstStyle/>
+        <a:p>
+          <a:endParaRPr lang="zh-CN" altLang="en-US"/>
+        </a:p>
+      </dgm:t>
+    </dgm:pt>
+    <dgm:pt modelId="{09B2EDFE-F8E6-F342-972B-E0E6DE99E6F9}">
+      <dgm:prSet phldrT="[文本]"/>
+      <dgm:spPr/>
+      <dgm:t>
+        <a:bodyPr/>
+        <a:lstStyle/>
+        <a:p>
+          <a:r>
+            <a:rPr lang="zh-CN" altLang="en-US" dirty="0" smtClean="0"/>
+            <a:t>易用性</a:t>
+          </a:r>
+          <a:endParaRPr lang="zh-CN" altLang="en-US" dirty="0"/>
+        </a:p>
+      </dgm:t>
+    </dgm:pt>
+    <dgm:pt modelId="{B6589EDB-CFBB-2243-8E11-40E827CBAB43}" type="parTrans" cxnId="{409C1A96-B284-F444-BC8B-07DC1CD72E6E}">
+      <dgm:prSet/>
+      <dgm:spPr/>
+      <dgm:t>
+        <a:bodyPr/>
+        <a:lstStyle/>
+        <a:p>
+          <a:endParaRPr lang="zh-CN" altLang="en-US"/>
+        </a:p>
+      </dgm:t>
+    </dgm:pt>
+    <dgm:pt modelId="{A1F6711C-A614-3343-8C4B-367465A5DF12}" type="sibTrans" cxnId="{409C1A96-B284-F444-BC8B-07DC1CD72E6E}">
+      <dgm:prSet/>
+      <dgm:spPr/>
+      <dgm:t>
+        <a:bodyPr/>
+        <a:lstStyle/>
+        <a:p>
+          <a:endParaRPr lang="zh-CN" altLang="en-US"/>
+        </a:p>
+      </dgm:t>
+    </dgm:pt>
+    <dgm:pt modelId="{97F92224-B5BB-B447-8D7D-E73254FA7336}">
+      <dgm:prSet phldrT="[文本]"/>
+      <dgm:spPr/>
+      <dgm:t>
+        <a:bodyPr/>
+        <a:lstStyle/>
+        <a:p>
+          <a:r>
+            <a:rPr lang="zh-CN" altLang="en-US" dirty="0" smtClean="0"/>
+            <a:t>兼容性</a:t>
+          </a:r>
+          <a:endParaRPr lang="zh-CN" altLang="en-US" dirty="0"/>
+        </a:p>
+      </dgm:t>
+    </dgm:pt>
+    <dgm:pt modelId="{CE26C8B1-D5B1-0542-AA1D-B1BA0BF70C06}" type="parTrans" cxnId="{F6A36F3A-2CD3-E742-8EC9-FB5AE6A2B0C1}">
+      <dgm:prSet/>
+      <dgm:spPr/>
+      <dgm:t>
+        <a:bodyPr/>
+        <a:lstStyle/>
+        <a:p>
+          <a:endParaRPr lang="zh-CN" altLang="en-US"/>
+        </a:p>
+      </dgm:t>
+    </dgm:pt>
+    <dgm:pt modelId="{971B2D31-DD63-C44B-BD23-F3441373773E}" type="sibTrans" cxnId="{F6A36F3A-2CD3-E742-8EC9-FB5AE6A2B0C1}">
+      <dgm:prSet/>
+      <dgm:spPr/>
+      <dgm:t>
+        <a:bodyPr/>
+        <a:lstStyle/>
+        <a:p>
+          <a:endParaRPr lang="zh-CN" altLang="en-US"/>
+        </a:p>
+      </dgm:t>
+    </dgm:pt>
+    <dgm:pt modelId="{91989D48-03BC-3442-8C32-6876CE8C6FCE}">
+      <dgm:prSet phldrT="[文本]"/>
+      <dgm:spPr/>
+      <dgm:t>
+        <a:bodyPr/>
+        <a:lstStyle/>
+        <a:p>
+          <a:r>
+            <a:rPr lang="zh-CN" altLang="en-US" dirty="0" smtClean="0"/>
+            <a:t>健壮性</a:t>
+          </a:r>
+          <a:endParaRPr lang="zh-CN" altLang="en-US" dirty="0"/>
+        </a:p>
+      </dgm:t>
+    </dgm:pt>
+    <dgm:pt modelId="{0024CDD7-9E21-2A4C-9F96-917ED4A84930}" type="parTrans" cxnId="{904A56A4-F82E-AB43-905C-77E8B2A6512F}">
+      <dgm:prSet/>
+      <dgm:spPr/>
+      <dgm:t>
+        <a:bodyPr/>
+        <a:lstStyle/>
+        <a:p>
+          <a:endParaRPr lang="zh-CN" altLang="en-US"/>
+        </a:p>
+      </dgm:t>
+    </dgm:pt>
+    <dgm:pt modelId="{9C1968CF-1A7E-EE40-8EAD-ED7ACC8D209F}" type="sibTrans" cxnId="{904A56A4-F82E-AB43-905C-77E8B2A6512F}">
+      <dgm:prSet/>
+      <dgm:spPr/>
+      <dgm:t>
+        <a:bodyPr/>
+        <a:lstStyle/>
+        <a:p>
+          <a:endParaRPr lang="zh-CN" altLang="en-US"/>
+        </a:p>
+      </dgm:t>
+    </dgm:pt>
+    <dgm:pt modelId="{A9BD28BE-B715-5647-B5B8-A709E68185BB}">
+      <dgm:prSet phldrT="[文本]"/>
+      <dgm:spPr/>
+      <dgm:t>
+        <a:bodyPr/>
+        <a:lstStyle/>
+        <a:p>
+          <a:r>
+            <a:rPr lang="zh-CN" altLang="en-US" dirty="0" smtClean="0"/>
+            <a:t>性能体验</a:t>
+          </a:r>
+          <a:endParaRPr lang="zh-CN" altLang="en-US" dirty="0"/>
+        </a:p>
+      </dgm:t>
+    </dgm:pt>
+    <dgm:pt modelId="{4B0D7E35-BF22-4546-8DF0-C18B7DC98A98}" type="parTrans" cxnId="{E5FDF2E3-768A-7943-9260-AB9302DB6493}">
+      <dgm:prSet/>
+      <dgm:spPr/>
+      <dgm:t>
+        <a:bodyPr/>
+        <a:lstStyle/>
+        <a:p>
+          <a:endParaRPr lang="zh-CN" altLang="en-US"/>
+        </a:p>
+      </dgm:t>
+    </dgm:pt>
+    <dgm:pt modelId="{420A43FB-070B-7A4F-88C9-406B082D7EFD}" type="sibTrans" cxnId="{E5FDF2E3-768A-7943-9260-AB9302DB6493}">
+      <dgm:prSet/>
+      <dgm:spPr/>
+      <dgm:t>
+        <a:bodyPr/>
+        <a:lstStyle/>
+        <a:p>
+          <a:endParaRPr lang="zh-CN" altLang="en-US"/>
+        </a:p>
+      </dgm:t>
+    </dgm:pt>
+    <dgm:pt modelId="{E3A9C0AC-2985-9748-9A3D-A7EA523BE588}">
+      <dgm:prSet custT="1"/>
+      <dgm:spPr/>
+      <dgm:t>
+        <a:bodyPr/>
+        <a:lstStyle/>
+        <a:p>
+          <a:r>
+            <a:rPr lang="zh-CN" altLang="en-US" sz="2000" dirty="0" smtClean="0"/>
+            <a:t>易操作</a:t>
+          </a:r>
+          <a:endParaRPr lang="zh-CN" altLang="en-US" sz="2000" dirty="0"/>
+        </a:p>
+      </dgm:t>
+    </dgm:pt>
+    <dgm:pt modelId="{81A81A2A-BC2E-D746-8550-46F89F68093B}" type="parTrans" cxnId="{7C1221F1-B253-4D49-9379-881131FC7E2E}">
+      <dgm:prSet/>
+      <dgm:spPr/>
+      <dgm:t>
+        <a:bodyPr/>
+        <a:lstStyle/>
+        <a:p>
+          <a:endParaRPr lang="zh-CN" altLang="en-US"/>
+        </a:p>
+      </dgm:t>
+    </dgm:pt>
+    <dgm:pt modelId="{73FADB23-336B-4746-8B7A-69EEC90EE353}" type="sibTrans" cxnId="{7C1221F1-B253-4D49-9379-881131FC7E2E}">
+      <dgm:prSet/>
+      <dgm:spPr/>
+      <dgm:t>
+        <a:bodyPr/>
+        <a:lstStyle/>
+        <a:p>
+          <a:endParaRPr lang="zh-CN" altLang="en-US"/>
+        </a:p>
+      </dgm:t>
+    </dgm:pt>
+    <dgm:pt modelId="{8FC1F4D4-29DD-6148-B001-BF4346F1AA1E}">
+      <dgm:prSet/>
+      <dgm:spPr/>
+      <dgm:t>
+        <a:bodyPr/>
+        <a:lstStyle/>
+        <a:p>
+          <a:r>
+            <a:rPr lang="zh-CN" altLang="en-US" dirty="0" smtClean="0"/>
+            <a:t>兼容主流浏览器</a:t>
+          </a:r>
+          <a:endParaRPr lang="zh-CN" altLang="en-US" dirty="0"/>
+        </a:p>
+      </dgm:t>
+    </dgm:pt>
+    <dgm:pt modelId="{127B7232-0DD7-7941-B496-D9295C3FFC63}" type="parTrans" cxnId="{A5995EDB-0F53-CD44-9AC3-77B735F6287B}">
+      <dgm:prSet/>
+      <dgm:spPr/>
+      <dgm:t>
+        <a:bodyPr/>
+        <a:lstStyle/>
+        <a:p>
+          <a:endParaRPr lang="zh-CN" altLang="en-US"/>
+        </a:p>
+      </dgm:t>
+    </dgm:pt>
+    <dgm:pt modelId="{8A424D5A-F1BA-2D48-AEF5-710B4A6AD54F}" type="sibTrans" cxnId="{A5995EDB-0F53-CD44-9AC3-77B735F6287B}">
+      <dgm:prSet/>
+      <dgm:spPr/>
+      <dgm:t>
+        <a:bodyPr/>
+        <a:lstStyle/>
+        <a:p>
+          <a:endParaRPr lang="zh-CN" altLang="en-US"/>
+        </a:p>
+      </dgm:t>
+    </dgm:pt>
+    <dgm:pt modelId="{B75C7F80-57A3-4F49-BE73-6D52F251B644}">
+      <dgm:prSet/>
+      <dgm:spPr/>
+      <dgm:t>
+        <a:bodyPr/>
+        <a:lstStyle/>
+        <a:p>
+          <a:r>
+            <a:rPr lang="zh-CN" altLang="en-US" dirty="0" smtClean="0"/>
+            <a:t>速度达标</a:t>
+          </a:r>
+          <a:endParaRPr lang="zh-CN" altLang="en-US" dirty="0"/>
+        </a:p>
+      </dgm:t>
+    </dgm:pt>
+    <dgm:pt modelId="{7C423B07-21EA-9149-93E2-431055B024D0}" type="parTrans" cxnId="{C4FEE5C4-2CB6-2042-A668-FF31B18489C1}">
+      <dgm:prSet/>
+      <dgm:spPr/>
+      <dgm:t>
+        <a:bodyPr/>
+        <a:lstStyle/>
+        <a:p>
+          <a:endParaRPr lang="zh-CN" altLang="en-US"/>
+        </a:p>
+      </dgm:t>
+    </dgm:pt>
+    <dgm:pt modelId="{7D188ECC-55B4-A744-8A40-3BD64ACBF74C}" type="sibTrans" cxnId="{C4FEE5C4-2CB6-2042-A668-FF31B18489C1}">
+      <dgm:prSet/>
+      <dgm:spPr/>
+      <dgm:t>
+        <a:bodyPr/>
+        <a:lstStyle/>
+        <a:p>
+          <a:endParaRPr lang="zh-CN" altLang="en-US"/>
+        </a:p>
+      </dgm:t>
+    </dgm:pt>
+    <dgm:pt modelId="{D35F00D1-B677-1040-AFFB-656C8B66B5CB}">
+      <dgm:prSet/>
+      <dgm:spPr/>
+      <dgm:t>
+        <a:bodyPr/>
+        <a:lstStyle/>
+        <a:p>
+          <a:r>
+            <a:rPr lang="zh-CN" altLang="en-US" dirty="0" smtClean="0"/>
+            <a:t>稳定无异常</a:t>
+          </a:r>
+          <a:endParaRPr lang="zh-CN" altLang="en-US" dirty="0"/>
+        </a:p>
+      </dgm:t>
+    </dgm:pt>
+    <dgm:pt modelId="{FEF04160-4052-024E-BB4D-1B174362A932}" type="parTrans" cxnId="{BA763FA0-7BBC-8840-B1B2-B02F70D575C5}">
+      <dgm:prSet/>
+      <dgm:spPr/>
+      <dgm:t>
+        <a:bodyPr/>
+        <a:lstStyle/>
+        <a:p>
+          <a:endParaRPr lang="zh-CN" altLang="en-US"/>
+        </a:p>
+      </dgm:t>
+    </dgm:pt>
+    <dgm:pt modelId="{69D50985-5C20-F841-9894-7E0D1FBFD807}" type="sibTrans" cxnId="{BA763FA0-7BBC-8840-B1B2-B02F70D575C5}">
+      <dgm:prSet/>
+      <dgm:spPr/>
+      <dgm:t>
+        <a:bodyPr/>
+        <a:lstStyle/>
+        <a:p>
+          <a:endParaRPr lang="zh-CN" altLang="en-US"/>
+        </a:p>
+      </dgm:t>
+    </dgm:pt>
+    <dgm:pt modelId="{9BACF3A6-9089-214A-B9BE-DA93EB68FB0B}" type="pres">
+      <dgm:prSet presAssocID="{2ABC4EB4-3F6E-DF4D-856E-7FD543576C80}" presName="cycleMatrixDiagram" presStyleCnt="0">
+        <dgm:presLayoutVars>
+          <dgm:chMax val="1"/>
+          <dgm:dir/>
+          <dgm:animLvl val="lvl"/>
+          <dgm:resizeHandles val="exact"/>
+        </dgm:presLayoutVars>
+      </dgm:prSet>
+      <dgm:spPr/>
+    </dgm:pt>
+    <dgm:pt modelId="{15638F01-E562-F64E-B3D9-E2E01944ABB6}" type="pres">
+      <dgm:prSet presAssocID="{2ABC4EB4-3F6E-DF4D-856E-7FD543576C80}" presName="children" presStyleCnt="0"/>
+      <dgm:spPr/>
+    </dgm:pt>
+    <dgm:pt modelId="{ADB2ADAC-649D-CB4A-9C8A-0B0B9E2B44E9}" type="pres">
+      <dgm:prSet presAssocID="{2ABC4EB4-3F6E-DF4D-856E-7FD543576C80}" presName="child1group" presStyleCnt="0"/>
+      <dgm:spPr/>
+    </dgm:pt>
+    <dgm:pt modelId="{F2EDB17F-4769-6F42-A789-388E4E49784D}" type="pres">
+      <dgm:prSet presAssocID="{2ABC4EB4-3F6E-DF4D-856E-7FD543576C80}" presName="child1" presStyleLbl="bgAcc1" presStyleIdx="0" presStyleCnt="4"/>
+      <dgm:spPr/>
+      <dgm:t>
+        <a:bodyPr/>
+        <a:lstStyle/>
+        <a:p>
+          <a:endParaRPr lang="zh-CN" altLang="en-US"/>
+        </a:p>
+      </dgm:t>
+    </dgm:pt>
+    <dgm:pt modelId="{32531D89-2601-2648-9256-53406600E79A}" type="pres">
+      <dgm:prSet presAssocID="{2ABC4EB4-3F6E-DF4D-856E-7FD543576C80}" presName="child1Text" presStyleLbl="bgAcc1" presStyleIdx="0" presStyleCnt="4">
+        <dgm:presLayoutVars>
+          <dgm:bulletEnabled val="1"/>
+        </dgm:presLayoutVars>
+      </dgm:prSet>
+      <dgm:spPr/>
+      <dgm:t>
+        <a:bodyPr/>
+        <a:lstStyle/>
+        <a:p>
+          <a:endParaRPr lang="zh-CN" altLang="en-US"/>
+        </a:p>
+      </dgm:t>
+    </dgm:pt>
+    <dgm:pt modelId="{691ADFCC-004C-CE4C-A438-492DC749284C}" type="pres">
+      <dgm:prSet presAssocID="{2ABC4EB4-3F6E-DF4D-856E-7FD543576C80}" presName="child2group" presStyleCnt="0"/>
+      <dgm:spPr/>
+    </dgm:pt>
+    <dgm:pt modelId="{BADA15AD-23FD-8C4E-9168-EAFC4C0D34F0}" type="pres">
+      <dgm:prSet presAssocID="{2ABC4EB4-3F6E-DF4D-856E-7FD543576C80}" presName="child2" presStyleLbl="bgAcc1" presStyleIdx="1" presStyleCnt="4"/>
+      <dgm:spPr/>
+      <dgm:t>
+        <a:bodyPr/>
+        <a:lstStyle/>
+        <a:p>
+          <a:endParaRPr lang="zh-CN" altLang="en-US"/>
+        </a:p>
+      </dgm:t>
+    </dgm:pt>
+    <dgm:pt modelId="{445BBD25-C3B3-9F44-95C8-0CD63C6B4849}" type="pres">
+      <dgm:prSet presAssocID="{2ABC4EB4-3F6E-DF4D-856E-7FD543576C80}" presName="child2Text" presStyleLbl="bgAcc1" presStyleIdx="1" presStyleCnt="4">
+        <dgm:presLayoutVars>
+          <dgm:bulletEnabled val="1"/>
+        </dgm:presLayoutVars>
+      </dgm:prSet>
+      <dgm:spPr/>
+    </dgm:pt>
+    <dgm:pt modelId="{3E2061F2-6068-CD46-9E37-7E04A7F0FC01}" type="pres">
+      <dgm:prSet presAssocID="{2ABC4EB4-3F6E-DF4D-856E-7FD543576C80}" presName="child3group" presStyleCnt="0"/>
+      <dgm:spPr/>
+    </dgm:pt>
+    <dgm:pt modelId="{7AEF4479-B363-514E-865A-6BA79DFBD4DE}" type="pres">
+      <dgm:prSet presAssocID="{2ABC4EB4-3F6E-DF4D-856E-7FD543576C80}" presName="child3" presStyleLbl="bgAcc1" presStyleIdx="2" presStyleCnt="4"/>
+      <dgm:spPr/>
+      <dgm:t>
+        <a:bodyPr/>
+        <a:lstStyle/>
+        <a:p>
+          <a:endParaRPr lang="zh-CN" altLang="en-US"/>
+        </a:p>
+      </dgm:t>
+    </dgm:pt>
+    <dgm:pt modelId="{596CBF44-C16C-644C-A6AC-F5C4BEAB2EBF}" type="pres">
+      <dgm:prSet presAssocID="{2ABC4EB4-3F6E-DF4D-856E-7FD543576C80}" presName="child3Text" presStyleLbl="bgAcc1" presStyleIdx="2" presStyleCnt="4">
+        <dgm:presLayoutVars>
+          <dgm:bulletEnabled val="1"/>
+        </dgm:presLayoutVars>
+      </dgm:prSet>
+      <dgm:spPr/>
+      <dgm:t>
+        <a:bodyPr/>
+        <a:lstStyle/>
+        <a:p>
+          <a:endParaRPr lang="zh-CN" altLang="en-US"/>
+        </a:p>
+      </dgm:t>
+    </dgm:pt>
+    <dgm:pt modelId="{DE2E3A50-73DC-334D-A90F-D7FEEF425437}" type="pres">
+      <dgm:prSet presAssocID="{2ABC4EB4-3F6E-DF4D-856E-7FD543576C80}" presName="child4group" presStyleCnt="0"/>
+      <dgm:spPr/>
+    </dgm:pt>
+    <dgm:pt modelId="{14073936-5319-7F42-B873-D3E9746BF551}" type="pres">
+      <dgm:prSet presAssocID="{2ABC4EB4-3F6E-DF4D-856E-7FD543576C80}" presName="child4" presStyleLbl="bgAcc1" presStyleIdx="3" presStyleCnt="4"/>
+      <dgm:spPr/>
+      <dgm:t>
+        <a:bodyPr/>
+        <a:lstStyle/>
+        <a:p>
+          <a:endParaRPr lang="zh-CN" altLang="en-US"/>
+        </a:p>
+      </dgm:t>
+    </dgm:pt>
+    <dgm:pt modelId="{B01519E8-4849-144E-A0F7-7734D1E04CCB}" type="pres">
+      <dgm:prSet presAssocID="{2ABC4EB4-3F6E-DF4D-856E-7FD543576C80}" presName="child4Text" presStyleLbl="bgAcc1" presStyleIdx="3" presStyleCnt="4">
+        <dgm:presLayoutVars>
+          <dgm:bulletEnabled val="1"/>
+        </dgm:presLayoutVars>
+      </dgm:prSet>
+      <dgm:spPr/>
+      <dgm:t>
+        <a:bodyPr/>
+        <a:lstStyle/>
+        <a:p>
+          <a:endParaRPr lang="zh-CN" altLang="en-US"/>
+        </a:p>
+      </dgm:t>
+    </dgm:pt>
+    <dgm:pt modelId="{BFCF0D74-669E-0940-BC66-4D8C78EC971A}" type="pres">
+      <dgm:prSet presAssocID="{2ABC4EB4-3F6E-DF4D-856E-7FD543576C80}" presName="childPlaceholder" presStyleCnt="0"/>
+      <dgm:spPr/>
+    </dgm:pt>
+    <dgm:pt modelId="{9722D883-FF49-AF43-A8F2-5496D30381F3}" type="pres">
+      <dgm:prSet presAssocID="{2ABC4EB4-3F6E-DF4D-856E-7FD543576C80}" presName="circle" presStyleCnt="0"/>
+      <dgm:spPr/>
+    </dgm:pt>
+    <dgm:pt modelId="{295DA211-510E-3F48-B816-95B10DE3D4AF}" type="pres">
+      <dgm:prSet presAssocID="{2ABC4EB4-3F6E-DF4D-856E-7FD543576C80}" presName="quadrant1" presStyleLbl="node1" presStyleIdx="0" presStyleCnt="4">
+        <dgm:presLayoutVars>
+          <dgm:chMax val="1"/>
+          <dgm:bulletEnabled val="1"/>
+        </dgm:presLayoutVars>
+      </dgm:prSet>
+      <dgm:spPr/>
+    </dgm:pt>
+    <dgm:pt modelId="{43728F47-5CBA-514E-BE78-A91513AB7D66}" type="pres">
+      <dgm:prSet presAssocID="{2ABC4EB4-3F6E-DF4D-856E-7FD543576C80}" presName="quadrant2" presStyleLbl="node1" presStyleIdx="1" presStyleCnt="4">
+        <dgm:presLayoutVars>
+          <dgm:chMax val="1"/>
+          <dgm:bulletEnabled val="1"/>
+        </dgm:presLayoutVars>
+      </dgm:prSet>
+      <dgm:spPr/>
+    </dgm:pt>
+    <dgm:pt modelId="{3B4D8E00-1FFC-0E49-8389-C92A4F9E88C3}" type="pres">
+      <dgm:prSet presAssocID="{2ABC4EB4-3F6E-DF4D-856E-7FD543576C80}" presName="quadrant3" presStyleLbl="node1" presStyleIdx="2" presStyleCnt="4">
+        <dgm:presLayoutVars>
+          <dgm:chMax val="1"/>
+          <dgm:bulletEnabled val="1"/>
+        </dgm:presLayoutVars>
+      </dgm:prSet>
+      <dgm:spPr/>
+    </dgm:pt>
+    <dgm:pt modelId="{8D5B65D1-6328-4843-A06C-16E41F9DAC1B}" type="pres">
+      <dgm:prSet presAssocID="{2ABC4EB4-3F6E-DF4D-856E-7FD543576C80}" presName="quadrant4" presStyleLbl="node1" presStyleIdx="3" presStyleCnt="4">
+        <dgm:presLayoutVars>
+          <dgm:chMax val="1"/>
+          <dgm:bulletEnabled val="1"/>
+        </dgm:presLayoutVars>
+      </dgm:prSet>
+      <dgm:spPr/>
+    </dgm:pt>
+    <dgm:pt modelId="{445C8F3F-B00D-A347-A4C8-62BA02C89F0D}" type="pres">
+      <dgm:prSet presAssocID="{2ABC4EB4-3F6E-DF4D-856E-7FD543576C80}" presName="quadrantPlaceholder" presStyleCnt="0"/>
+      <dgm:spPr/>
+    </dgm:pt>
+    <dgm:pt modelId="{90855219-6404-3D40-8146-ECE4F4DC656E}" type="pres">
+      <dgm:prSet presAssocID="{2ABC4EB4-3F6E-DF4D-856E-7FD543576C80}" presName="center1" presStyleLbl="fgShp" presStyleIdx="0" presStyleCnt="2"/>
+      <dgm:spPr/>
+    </dgm:pt>
+    <dgm:pt modelId="{FF989D32-2A85-0543-A1D0-2568A881F07D}" type="pres">
+      <dgm:prSet presAssocID="{2ABC4EB4-3F6E-DF4D-856E-7FD543576C80}" presName="center2" presStyleLbl="fgShp" presStyleIdx="1" presStyleCnt="2"/>
+      <dgm:spPr/>
+    </dgm:pt>
+  </dgm:ptLst>
+  <dgm:cxnLst>
+    <dgm:cxn modelId="{4120BCD4-C2F9-E54B-91B6-1D25D39A9737}" type="presOf" srcId="{A9BD28BE-B715-5647-B5B8-A709E68185BB}" destId="{8D5B65D1-6328-4843-A06C-16E41F9DAC1B}" srcOrd="0" destOrd="0" presId="urn:microsoft.com/office/officeart/2005/8/layout/cycle4"/>
+    <dgm:cxn modelId="{C4FEE5C4-2CB6-2042-A668-FF31B18489C1}" srcId="{A9BD28BE-B715-5647-B5B8-A709E68185BB}" destId="{B75C7F80-57A3-4F49-BE73-6D52F251B644}" srcOrd="0" destOrd="0" parTransId="{7C423B07-21EA-9149-93E2-431055B024D0}" sibTransId="{7D188ECC-55B4-A744-8A40-3BD64ACBF74C}"/>
+    <dgm:cxn modelId="{B40EB6CD-AB68-4B4E-BC32-6EB319123F36}" type="presOf" srcId="{91989D48-03BC-3442-8C32-6876CE8C6FCE}" destId="{3B4D8E00-1FFC-0E49-8389-C92A4F9E88C3}" srcOrd="0" destOrd="0" presId="urn:microsoft.com/office/officeart/2005/8/layout/cycle4"/>
+    <dgm:cxn modelId="{FFF0E220-5BF1-394C-A9CC-B285B907E348}" type="presOf" srcId="{B75C7F80-57A3-4F49-BE73-6D52F251B644}" destId="{14073936-5319-7F42-B873-D3E9746BF551}" srcOrd="0" destOrd="0" presId="urn:microsoft.com/office/officeart/2005/8/layout/cycle4"/>
+    <dgm:cxn modelId="{BA763FA0-7BBC-8840-B1B2-B02F70D575C5}" srcId="{91989D48-03BC-3442-8C32-6876CE8C6FCE}" destId="{D35F00D1-B677-1040-AFFB-656C8B66B5CB}" srcOrd="0" destOrd="0" parTransId="{FEF04160-4052-024E-BB4D-1B174362A932}" sibTransId="{69D50985-5C20-F841-9894-7E0D1FBFD807}"/>
+    <dgm:cxn modelId="{DE50EF89-0690-0D4D-B915-EC2E7C84033C}" type="presOf" srcId="{E3A9C0AC-2985-9748-9A3D-A7EA523BE588}" destId="{F2EDB17F-4769-6F42-A789-388E4E49784D}" srcOrd="0" destOrd="0" presId="urn:microsoft.com/office/officeart/2005/8/layout/cycle4"/>
+    <dgm:cxn modelId="{A5995EDB-0F53-CD44-9AC3-77B735F6287B}" srcId="{97F92224-B5BB-B447-8D7D-E73254FA7336}" destId="{8FC1F4D4-29DD-6148-B001-BF4346F1AA1E}" srcOrd="0" destOrd="0" parTransId="{127B7232-0DD7-7941-B496-D9295C3FFC63}" sibTransId="{8A424D5A-F1BA-2D48-AEF5-710B4A6AD54F}"/>
+    <dgm:cxn modelId="{1BA291B2-B867-8D44-BC69-952FFE909A95}" type="presOf" srcId="{8FC1F4D4-29DD-6148-B001-BF4346F1AA1E}" destId="{445BBD25-C3B3-9F44-95C8-0CD63C6B4849}" srcOrd="1" destOrd="0" presId="urn:microsoft.com/office/officeart/2005/8/layout/cycle4"/>
+    <dgm:cxn modelId="{F6A36F3A-2CD3-E742-8EC9-FB5AE6A2B0C1}" srcId="{2ABC4EB4-3F6E-DF4D-856E-7FD543576C80}" destId="{97F92224-B5BB-B447-8D7D-E73254FA7336}" srcOrd="1" destOrd="0" parTransId="{CE26C8B1-D5B1-0542-AA1D-B1BA0BF70C06}" sibTransId="{971B2D31-DD63-C44B-BD23-F3441373773E}"/>
+    <dgm:cxn modelId="{851CD64A-A11D-C144-B369-F998F8C0F687}" type="presOf" srcId="{97F92224-B5BB-B447-8D7D-E73254FA7336}" destId="{43728F47-5CBA-514E-BE78-A91513AB7D66}" srcOrd="0" destOrd="0" presId="urn:microsoft.com/office/officeart/2005/8/layout/cycle4"/>
+    <dgm:cxn modelId="{271106F1-0A0D-5C45-9263-6EE525920AA0}" type="presOf" srcId="{2ABC4EB4-3F6E-DF4D-856E-7FD543576C80}" destId="{9BACF3A6-9089-214A-B9BE-DA93EB68FB0B}" srcOrd="0" destOrd="0" presId="urn:microsoft.com/office/officeart/2005/8/layout/cycle4"/>
+    <dgm:cxn modelId="{7C1221F1-B253-4D49-9379-881131FC7E2E}" srcId="{09B2EDFE-F8E6-F342-972B-E0E6DE99E6F9}" destId="{E3A9C0AC-2985-9748-9A3D-A7EA523BE588}" srcOrd="0" destOrd="0" parTransId="{81A81A2A-BC2E-D746-8550-46F89F68093B}" sibTransId="{73FADB23-336B-4746-8B7A-69EEC90EE353}"/>
+    <dgm:cxn modelId="{FCD1AADC-2E3A-C246-A905-FC5E3EF6043F}" type="presOf" srcId="{09B2EDFE-F8E6-F342-972B-E0E6DE99E6F9}" destId="{295DA211-510E-3F48-B816-95B10DE3D4AF}" srcOrd="0" destOrd="0" presId="urn:microsoft.com/office/officeart/2005/8/layout/cycle4"/>
+    <dgm:cxn modelId="{CF42EC88-225D-5D47-BE71-E190B2F12A75}" type="presOf" srcId="{E3A9C0AC-2985-9748-9A3D-A7EA523BE588}" destId="{32531D89-2601-2648-9256-53406600E79A}" srcOrd="1" destOrd="0" presId="urn:microsoft.com/office/officeart/2005/8/layout/cycle4"/>
+    <dgm:cxn modelId="{47558C47-8AAC-E14F-B3DA-ED6978D9A276}" type="presOf" srcId="{D35F00D1-B677-1040-AFFB-656C8B66B5CB}" destId="{7AEF4479-B363-514E-865A-6BA79DFBD4DE}" srcOrd="0" destOrd="0" presId="urn:microsoft.com/office/officeart/2005/8/layout/cycle4"/>
+    <dgm:cxn modelId="{76CE6086-164D-834E-9251-0B076B1113A5}" type="presOf" srcId="{8FC1F4D4-29DD-6148-B001-BF4346F1AA1E}" destId="{BADA15AD-23FD-8C4E-9168-EAFC4C0D34F0}" srcOrd="0" destOrd="0" presId="urn:microsoft.com/office/officeart/2005/8/layout/cycle4"/>
+    <dgm:cxn modelId="{409C1A96-B284-F444-BC8B-07DC1CD72E6E}" srcId="{2ABC4EB4-3F6E-DF4D-856E-7FD543576C80}" destId="{09B2EDFE-F8E6-F342-972B-E0E6DE99E6F9}" srcOrd="0" destOrd="0" parTransId="{B6589EDB-CFBB-2243-8E11-40E827CBAB43}" sibTransId="{A1F6711C-A614-3343-8C4B-367465A5DF12}"/>
+    <dgm:cxn modelId="{B89DF01D-3501-2242-9439-F47E8F5FF595}" type="presOf" srcId="{B75C7F80-57A3-4F49-BE73-6D52F251B644}" destId="{B01519E8-4849-144E-A0F7-7734D1E04CCB}" srcOrd="1" destOrd="0" presId="urn:microsoft.com/office/officeart/2005/8/layout/cycle4"/>
+    <dgm:cxn modelId="{904A56A4-F82E-AB43-905C-77E8B2A6512F}" srcId="{2ABC4EB4-3F6E-DF4D-856E-7FD543576C80}" destId="{91989D48-03BC-3442-8C32-6876CE8C6FCE}" srcOrd="2" destOrd="0" parTransId="{0024CDD7-9E21-2A4C-9F96-917ED4A84930}" sibTransId="{9C1968CF-1A7E-EE40-8EAD-ED7ACC8D209F}"/>
+    <dgm:cxn modelId="{ADEEF0B2-23A2-0746-B20D-95B548FC653A}" type="presOf" srcId="{D35F00D1-B677-1040-AFFB-656C8B66B5CB}" destId="{596CBF44-C16C-644C-A6AC-F5C4BEAB2EBF}" srcOrd="1" destOrd="0" presId="urn:microsoft.com/office/officeart/2005/8/layout/cycle4"/>
+    <dgm:cxn modelId="{E5FDF2E3-768A-7943-9260-AB9302DB6493}" srcId="{2ABC4EB4-3F6E-DF4D-856E-7FD543576C80}" destId="{A9BD28BE-B715-5647-B5B8-A709E68185BB}" srcOrd="3" destOrd="0" parTransId="{4B0D7E35-BF22-4546-8DF0-C18B7DC98A98}" sibTransId="{420A43FB-070B-7A4F-88C9-406B082D7EFD}"/>
+    <dgm:cxn modelId="{726C8F5F-43EF-5F42-8D01-31887AED322E}" type="presParOf" srcId="{9BACF3A6-9089-214A-B9BE-DA93EB68FB0B}" destId="{15638F01-E562-F64E-B3D9-E2E01944ABB6}" srcOrd="0" destOrd="0" presId="urn:microsoft.com/office/officeart/2005/8/layout/cycle4"/>
+    <dgm:cxn modelId="{AF00DFC8-67D9-F64C-90EE-8CBC89D29407}" type="presParOf" srcId="{15638F01-E562-F64E-B3D9-E2E01944ABB6}" destId="{ADB2ADAC-649D-CB4A-9C8A-0B0B9E2B44E9}" srcOrd="0" destOrd="0" presId="urn:microsoft.com/office/officeart/2005/8/layout/cycle4"/>
+    <dgm:cxn modelId="{D9F220E4-0A37-184F-9C10-41D84E1BF90C}" type="presParOf" srcId="{ADB2ADAC-649D-CB4A-9C8A-0B0B9E2B44E9}" destId="{F2EDB17F-4769-6F42-A789-388E4E49784D}" srcOrd="0" destOrd="0" presId="urn:microsoft.com/office/officeart/2005/8/layout/cycle4"/>
+    <dgm:cxn modelId="{F45F1793-B8C3-4148-82D8-8549BA649DAB}" type="presParOf" srcId="{ADB2ADAC-649D-CB4A-9C8A-0B0B9E2B44E9}" destId="{32531D89-2601-2648-9256-53406600E79A}" srcOrd="1" destOrd="0" presId="urn:microsoft.com/office/officeart/2005/8/layout/cycle4"/>
+    <dgm:cxn modelId="{523F1F78-6139-4740-BA24-F81D81CF1E4F}" type="presParOf" srcId="{15638F01-E562-F64E-B3D9-E2E01944ABB6}" destId="{691ADFCC-004C-CE4C-A438-492DC749284C}" srcOrd="1" destOrd="0" presId="urn:microsoft.com/office/officeart/2005/8/layout/cycle4"/>
+    <dgm:cxn modelId="{FED2C7E8-58CC-F64C-A174-9401D04D5D6F}" type="presParOf" srcId="{691ADFCC-004C-CE4C-A438-492DC749284C}" destId="{BADA15AD-23FD-8C4E-9168-EAFC4C0D34F0}" srcOrd="0" destOrd="0" presId="urn:microsoft.com/office/officeart/2005/8/layout/cycle4"/>
+    <dgm:cxn modelId="{41F4C1A9-FE51-B440-A750-AC08A070CD5D}" type="presParOf" srcId="{691ADFCC-004C-CE4C-A438-492DC749284C}" destId="{445BBD25-C3B3-9F44-95C8-0CD63C6B4849}" srcOrd="1" destOrd="0" presId="urn:microsoft.com/office/officeart/2005/8/layout/cycle4"/>
+    <dgm:cxn modelId="{5564C393-D7F7-694A-8C5C-2E349D4FBAC3}" type="presParOf" srcId="{15638F01-E562-F64E-B3D9-E2E01944ABB6}" destId="{3E2061F2-6068-CD46-9E37-7E04A7F0FC01}" srcOrd="2" destOrd="0" presId="urn:microsoft.com/office/officeart/2005/8/layout/cycle4"/>
+    <dgm:cxn modelId="{0AB801AC-79FC-6F4A-8EB6-3E1813EAF212}" type="presParOf" srcId="{3E2061F2-6068-CD46-9E37-7E04A7F0FC01}" destId="{7AEF4479-B363-514E-865A-6BA79DFBD4DE}" srcOrd="0" destOrd="0" presId="urn:microsoft.com/office/officeart/2005/8/layout/cycle4"/>
+    <dgm:cxn modelId="{DECA0075-9705-5A42-A64A-ADF2DA754730}" type="presParOf" srcId="{3E2061F2-6068-CD46-9E37-7E04A7F0FC01}" destId="{596CBF44-C16C-644C-A6AC-F5C4BEAB2EBF}" srcOrd="1" destOrd="0" presId="urn:microsoft.com/office/officeart/2005/8/layout/cycle4"/>
+    <dgm:cxn modelId="{FD2B77E7-5E83-5843-9DCA-242CD4FA29D4}" type="presParOf" srcId="{15638F01-E562-F64E-B3D9-E2E01944ABB6}" destId="{DE2E3A50-73DC-334D-A90F-D7FEEF425437}" srcOrd="3" destOrd="0" presId="urn:microsoft.com/office/officeart/2005/8/layout/cycle4"/>
+    <dgm:cxn modelId="{2215A89D-F69B-A745-B0C0-C01759834946}" type="presParOf" srcId="{DE2E3A50-73DC-334D-A90F-D7FEEF425437}" destId="{14073936-5319-7F42-B873-D3E9746BF551}" srcOrd="0" destOrd="0" presId="urn:microsoft.com/office/officeart/2005/8/layout/cycle4"/>
+    <dgm:cxn modelId="{433FB12C-6375-424B-9F5E-1E6CF40F2784}" type="presParOf" srcId="{DE2E3A50-73DC-334D-A90F-D7FEEF425437}" destId="{B01519E8-4849-144E-A0F7-7734D1E04CCB}" srcOrd="1" destOrd="0" presId="urn:microsoft.com/office/officeart/2005/8/layout/cycle4"/>
+    <dgm:cxn modelId="{69D4D0B9-4B4B-1E4B-AC25-914C1EBB061B}" type="presParOf" srcId="{15638F01-E562-F64E-B3D9-E2E01944ABB6}" destId="{BFCF0D74-669E-0940-BC66-4D8C78EC971A}" srcOrd="4" destOrd="0" presId="urn:microsoft.com/office/officeart/2005/8/layout/cycle4"/>
+    <dgm:cxn modelId="{942CF03E-44A5-4248-8B7F-1A70A901145B}" type="presParOf" srcId="{9BACF3A6-9089-214A-B9BE-DA93EB68FB0B}" destId="{9722D883-FF49-AF43-A8F2-5496D30381F3}" srcOrd="1" destOrd="0" presId="urn:microsoft.com/office/officeart/2005/8/layout/cycle4"/>
+    <dgm:cxn modelId="{1EC6C4D8-3DE9-4447-9ECE-5033B30EAA4D}" type="presParOf" srcId="{9722D883-FF49-AF43-A8F2-5496D30381F3}" destId="{295DA211-510E-3F48-B816-95B10DE3D4AF}" srcOrd="0" destOrd="0" presId="urn:microsoft.com/office/officeart/2005/8/layout/cycle4"/>
+    <dgm:cxn modelId="{1414D299-2327-E046-9B74-4A11937F38C2}" type="presParOf" srcId="{9722D883-FF49-AF43-A8F2-5496D30381F3}" destId="{43728F47-5CBA-514E-BE78-A91513AB7D66}" srcOrd="1" destOrd="0" presId="urn:microsoft.com/office/officeart/2005/8/layout/cycle4"/>
+    <dgm:cxn modelId="{EE0BD84F-2578-1B4C-9A0D-998B8B68B8FC}" type="presParOf" srcId="{9722D883-FF49-AF43-A8F2-5496D30381F3}" destId="{3B4D8E00-1FFC-0E49-8389-C92A4F9E88C3}" srcOrd="2" destOrd="0" presId="urn:microsoft.com/office/officeart/2005/8/layout/cycle4"/>
+    <dgm:cxn modelId="{1C82D84D-740F-4D46-BF22-2C519F6015FD}" type="presParOf" srcId="{9722D883-FF49-AF43-A8F2-5496D30381F3}" destId="{8D5B65D1-6328-4843-A06C-16E41F9DAC1B}" srcOrd="3" destOrd="0" presId="urn:microsoft.com/office/officeart/2005/8/layout/cycle4"/>
+    <dgm:cxn modelId="{C8971CAB-681D-FC4E-B8AD-6CC704DE9966}" type="presParOf" srcId="{9722D883-FF49-AF43-A8F2-5496D30381F3}" destId="{445C8F3F-B00D-A347-A4C8-62BA02C89F0D}" srcOrd="4" destOrd="0" presId="urn:microsoft.com/office/officeart/2005/8/layout/cycle4"/>
+    <dgm:cxn modelId="{F855C821-49F9-3F47-8769-EED888DBB4F4}" type="presParOf" srcId="{9BACF3A6-9089-214A-B9BE-DA93EB68FB0B}" destId="{90855219-6404-3D40-8146-ECE4F4DC656E}" srcOrd="2" destOrd="0" presId="urn:microsoft.com/office/officeart/2005/8/layout/cycle4"/>
+    <dgm:cxn modelId="{DD577852-99D3-E441-A504-B82873362FD1}" type="presParOf" srcId="{9BACF3A6-9089-214A-B9BE-DA93EB68FB0B}" destId="{FF989D32-2A85-0543-A1D0-2568A881F07D}" srcOrd="3" destOrd="0" presId="urn:microsoft.com/office/officeart/2005/8/layout/cycle4"/>
+  </dgm:cxnLst>
+  <dgm:bg/>
+  <dgm:whole/>
+  <dgm:extLst>
+    <a:ext uri="http://schemas.microsoft.com/office/drawing/2008/diagram">
+      <dsp:dataModelExt xmlns:dsp="http://schemas.microsoft.com/office/drawing/2008/diagram" relId="rId7" minVer="http://schemas.openxmlformats.org/drawingml/2006/diagram"/>
+    </a:ext>
+  </dgm:extLst>
+</dgm:dataModel>
+</file>
+
+<file path=ppt/diagrams/data2.xml><?xml version="1.0" encoding="utf-8"?>
+<dgm:dataModel xmlns:dgm="http://schemas.openxmlformats.org/drawingml/2006/diagram" xmlns:a="http://schemas.openxmlformats.org/drawingml/2006/main">
+  <dgm:ptLst>
     <dgm:pt modelId="{303AFAEF-C613-415C-88AA-EC91B1262FED}" type="doc">
-      <dgm:prSet loTypeId="urn:microsoft.com/office/officeart/2005/8/layout/hProcess4" loCatId="process" qsTypeId="urn:microsoft.com/office/officeart/2005/8/quickstyle/simple1" qsCatId="simple" csTypeId="urn:microsoft.com/office/officeart/2005/8/colors/accent1_2" csCatId="accent1" phldr="1"/>
+      <dgm:prSet loTypeId="urn:microsoft.com/office/officeart/2005/8/layout/hProcess4#1" loCatId="process" qsTypeId="urn:microsoft.com/office/officeart/2005/8/quickstyle/simple1#1" qsCatId="simple" csTypeId="urn:microsoft.com/office/officeart/2005/8/colors/accent1_2#1" csCatId="accent1" phldr="1"/>
       <dgm:spPr/>
       <dgm:t>
         <a:bodyPr/>
@@ -908,7 +2958,7 @@
         </a:p>
       </dgm:t>
     </dgm:pt>
-    <dgm:pt modelId="{89785933-5AE4-4C21-810E-06EC0BBE4931}" cxnId="{F529E43C-B1E0-4DB4-AB64-7DCAA2291888}" type="parTrans">
+    <dgm:pt modelId="{89785933-5AE4-4C21-810E-06EC0BBE4931}" type="parTrans" cxnId="{F529E43C-B1E0-4DB4-AB64-7DCAA2291888}">
       <dgm:prSet/>
       <dgm:spPr/>
       <dgm:t>
@@ -919,7 +2969,7 @@
         </a:p>
       </dgm:t>
     </dgm:pt>
-    <dgm:pt modelId="{9991DC34-8968-4776-9C7C-51EDA450587E}" cxnId="{F529E43C-B1E0-4DB4-AB64-7DCAA2291888}" type="sibTrans">
+    <dgm:pt modelId="{9991DC34-8968-4776-9C7C-51EDA450587E}" type="sibTrans" cxnId="{F529E43C-B1E0-4DB4-AB64-7DCAA2291888}">
       <dgm:prSet/>
       <dgm:spPr/>
       <dgm:t>
@@ -1008,7 +3058,7 @@
         </a:p>
       </dgm:t>
     </dgm:pt>
-    <dgm:pt modelId="{4CC5FFD5-316E-4548-9F83-B997E94B89B0}" cxnId="{40B7AA86-5C66-4E22-95A8-503C4973DEE2}" type="parTrans">
+    <dgm:pt modelId="{4CC5FFD5-316E-4548-9F83-B997E94B89B0}" type="parTrans" cxnId="{40B7AA86-5C66-4E22-95A8-503C4973DEE2}">
       <dgm:prSet/>
       <dgm:spPr/>
       <dgm:t>
@@ -1019,7 +3069,7 @@
         </a:p>
       </dgm:t>
     </dgm:pt>
-    <dgm:pt modelId="{CB6DCD54-60B1-4F33-980E-39CE2A7D82EF}" cxnId="{40B7AA86-5C66-4E22-95A8-503C4973DEE2}" type="sibTrans">
+    <dgm:pt modelId="{CB6DCD54-60B1-4F33-980E-39CE2A7D82EF}" type="sibTrans" cxnId="{40B7AA86-5C66-4E22-95A8-503C4973DEE2}">
       <dgm:prSet/>
       <dgm:spPr/>
       <dgm:t>
@@ -1053,7 +3103,7 @@
         </a:p>
       </dgm:t>
     </dgm:pt>
-    <dgm:pt modelId="{6D709E5C-2A4B-41CE-A82E-08FA1214F243}" cxnId="{CB0B2B36-C17C-47C6-944B-E02C08C479CB}" type="parTrans">
+    <dgm:pt modelId="{6D709E5C-2A4B-41CE-A82E-08FA1214F243}" type="parTrans" cxnId="{CB0B2B36-C17C-47C6-944B-E02C08C479CB}">
       <dgm:prSet/>
       <dgm:spPr/>
       <dgm:t>
@@ -1064,7 +3114,7 @@
         </a:p>
       </dgm:t>
     </dgm:pt>
-    <dgm:pt modelId="{18336FC2-DAC8-428F-972C-22D22B880AE9}" cxnId="{CB0B2B36-C17C-47C6-944B-E02C08C479CB}" type="sibTrans">
+    <dgm:pt modelId="{18336FC2-DAC8-428F-972C-22D22B880AE9}" type="sibTrans" cxnId="{CB0B2B36-C17C-47C6-944B-E02C08C479CB}">
       <dgm:prSet/>
       <dgm:spPr/>
       <dgm:t>
@@ -1094,7 +3144,7 @@
         </a:p>
       </dgm:t>
     </dgm:pt>
-    <dgm:pt modelId="{3B92EAED-0776-4D1E-A696-A55407B92960}" cxnId="{D30DD26F-CC50-4A02-BDB0-D550E4AD41DF}" type="parTrans">
+    <dgm:pt modelId="{3B92EAED-0776-4D1E-A696-A55407B92960}" type="parTrans" cxnId="{D30DD26F-CC50-4A02-BDB0-D550E4AD41DF}">
       <dgm:prSet/>
       <dgm:spPr/>
       <dgm:t>
@@ -1105,7 +3155,7 @@
         </a:p>
       </dgm:t>
     </dgm:pt>
-    <dgm:pt modelId="{2BC20E87-EC8E-4754-90B1-F0FA0A7CD82B}" cxnId="{D30DD26F-CC50-4A02-BDB0-D550E4AD41DF}" type="sibTrans">
+    <dgm:pt modelId="{2BC20E87-EC8E-4754-90B1-F0FA0A7CD82B}" type="sibTrans" cxnId="{D30DD26F-CC50-4A02-BDB0-D550E4AD41DF}">
       <dgm:prSet/>
       <dgm:spPr/>
       <dgm:t>
@@ -1131,7 +3181,7 @@
         </a:p>
       </dgm:t>
     </dgm:pt>
-    <dgm:pt modelId="{83D96E27-F5E8-423F-9C2A-503E1D0001E4}" cxnId="{60485614-0BF1-4057-8D94-5F14E3C286D5}" type="parTrans">
+    <dgm:pt modelId="{83D96E27-F5E8-423F-9C2A-503E1D0001E4}" type="parTrans" cxnId="{60485614-0BF1-4057-8D94-5F14E3C286D5}">
       <dgm:prSet/>
       <dgm:spPr/>
       <dgm:t>
@@ -1142,7 +3192,7 @@
         </a:p>
       </dgm:t>
     </dgm:pt>
-    <dgm:pt modelId="{EF496E16-ED34-4AA0-940E-42C30B87D9FF}" cxnId="{60485614-0BF1-4057-8D94-5F14E3C286D5}" type="sibTrans">
+    <dgm:pt modelId="{EF496E16-ED34-4AA0-940E-42C30B87D9FF}" type="sibTrans" cxnId="{60485614-0BF1-4057-8D94-5F14E3C286D5}">
       <dgm:prSet/>
       <dgm:spPr/>
       <dgm:t>
@@ -1168,7 +3218,7 @@
         </a:p>
       </dgm:t>
     </dgm:pt>
-    <dgm:pt modelId="{508DB7A1-065D-49E7-8A41-D96E4361C8A1}" cxnId="{FDC4813A-9492-4D8B-BA1E-9E5F62C1B551}" type="parTrans">
+    <dgm:pt modelId="{508DB7A1-065D-49E7-8A41-D96E4361C8A1}" type="parTrans" cxnId="{FDC4813A-9492-4D8B-BA1E-9E5F62C1B551}">
       <dgm:prSet/>
       <dgm:spPr/>
       <dgm:t>
@@ -1179,7 +3229,7 @@
         </a:p>
       </dgm:t>
     </dgm:pt>
-    <dgm:pt modelId="{4D1AA03A-1A26-4E0F-9E40-88612850C8F3}" cxnId="{FDC4813A-9492-4D8B-BA1E-9E5F62C1B551}" type="sibTrans">
+    <dgm:pt modelId="{4D1AA03A-1A26-4E0F-9E40-88612850C8F3}" type="sibTrans" cxnId="{FDC4813A-9492-4D8B-BA1E-9E5F62C1B551}">
       <dgm:prSet/>
       <dgm:spPr/>
       <dgm:t>
@@ -1205,7 +3255,7 @@
         </a:p>
       </dgm:t>
     </dgm:pt>
-    <dgm:pt modelId="{19FF70F2-0A77-4C10-AC7A-27B1D267B0B8}" cxnId="{D6D46CAA-EBDD-4D59-A4E3-B652564B8750}" type="parTrans">
+    <dgm:pt modelId="{19FF70F2-0A77-4C10-AC7A-27B1D267B0B8}" type="parTrans" cxnId="{D6D46CAA-EBDD-4D59-A4E3-B652564B8750}">
       <dgm:prSet/>
       <dgm:spPr/>
       <dgm:t>
@@ -1216,7 +3266,7 @@
         </a:p>
       </dgm:t>
     </dgm:pt>
-    <dgm:pt modelId="{7A796420-6104-457F-A8D1-14BF748A168E}" cxnId="{D6D46CAA-EBDD-4D59-A4E3-B652564B8750}" type="sibTrans">
+    <dgm:pt modelId="{7A796420-6104-457F-A8D1-14BF748A168E}" type="sibTrans" cxnId="{D6D46CAA-EBDD-4D59-A4E3-B652564B8750}">
       <dgm:prSet/>
       <dgm:spPr/>
       <dgm:t>
@@ -1262,7 +3312,7 @@
         </a:p>
       </dgm:t>
     </dgm:pt>
-    <dgm:pt modelId="{D2CB6AA7-46E0-4B48-9149-7CB3C601F619}" cxnId="{1F58A6A6-C90D-46AA-B655-E18B77F5CEE7}" type="parTrans">
+    <dgm:pt modelId="{D2CB6AA7-46E0-4B48-9149-7CB3C601F619}" type="parTrans" cxnId="{1F58A6A6-C90D-46AA-B655-E18B77F5CEE7}">
       <dgm:prSet/>
       <dgm:spPr/>
       <dgm:t>
@@ -1273,7 +3323,7 @@
         </a:p>
       </dgm:t>
     </dgm:pt>
-    <dgm:pt modelId="{66C5ADDE-B42D-4F4D-A398-39424888232B}" cxnId="{1F58A6A6-C90D-46AA-B655-E18B77F5CEE7}" type="sibTrans">
+    <dgm:pt modelId="{66C5ADDE-B42D-4F4D-A398-39424888232B}" type="sibTrans" cxnId="{1F58A6A6-C90D-46AA-B655-E18B77F5CEE7}">
       <dgm:prSet/>
       <dgm:spPr/>
       <dgm:t>
@@ -1347,7 +3397,7 @@
         </a:p>
       </dgm:t>
     </dgm:pt>
-    <dgm:pt modelId="{E978728F-7F73-46B4-9CB2-24B6B07F550A}" cxnId="{80C1D71A-9A89-4E6B-8670-53D09303CCCD}" type="parTrans">
+    <dgm:pt modelId="{E978728F-7F73-46B4-9CB2-24B6B07F550A}" type="parTrans" cxnId="{80C1D71A-9A89-4E6B-8670-53D09303CCCD}">
       <dgm:prSet/>
       <dgm:spPr/>
       <dgm:t>
@@ -1358,7 +3408,7 @@
         </a:p>
       </dgm:t>
     </dgm:pt>
-    <dgm:pt modelId="{B092E527-62F1-4E3C-80FD-DEE2BBB981A9}" cxnId="{80C1D71A-9A89-4E6B-8670-53D09303CCCD}" type="sibTrans">
+    <dgm:pt modelId="{B092E527-62F1-4E3C-80FD-DEE2BBB981A9}" type="sibTrans" cxnId="{80C1D71A-9A89-4E6B-8670-53D09303CCCD}">
       <dgm:prSet/>
       <dgm:spPr/>
       <dgm:t>
@@ -1390,7 +3440,7 @@
         </a:p>
       </dgm:t>
     </dgm:pt>
-    <dgm:pt modelId="{7AC2A66C-BA22-458E-B2B6-C857C89E2E18}" cxnId="{F3ACC138-32DA-4327-BE1B-476AEE725C47}" type="parTrans">
+    <dgm:pt modelId="{7AC2A66C-BA22-458E-B2B6-C857C89E2E18}" type="parTrans" cxnId="{F3ACC138-32DA-4327-BE1B-476AEE725C47}">
       <dgm:prSet/>
       <dgm:spPr/>
       <dgm:t>
@@ -1401,7 +3451,7 @@
         </a:p>
       </dgm:t>
     </dgm:pt>
-    <dgm:pt modelId="{ADA5DFBC-B51B-4C1B-AE5D-64C77F556ACB}" cxnId="{F3ACC138-32DA-4327-BE1B-476AEE725C47}" type="sibTrans">
+    <dgm:pt modelId="{ADA5DFBC-B51B-4C1B-AE5D-64C77F556ACB}" type="sibTrans" cxnId="{F3ACC138-32DA-4327-BE1B-476AEE725C47}">
       <dgm:prSet/>
       <dgm:spPr/>
       <dgm:t>
@@ -1433,7 +3483,7 @@
         </a:p>
       </dgm:t>
     </dgm:pt>
-    <dgm:pt modelId="{8666CB0B-7901-472D-8B03-B5FBAA797DDA}" cxnId="{616FD975-DBCE-40C4-804B-3A0043888F2D}" type="parTrans">
+    <dgm:pt modelId="{8666CB0B-7901-472D-8B03-B5FBAA797DDA}" type="parTrans" cxnId="{616FD975-DBCE-40C4-804B-3A0043888F2D}">
       <dgm:prSet/>
       <dgm:spPr/>
       <dgm:t>
@@ -1444,7 +3494,7 @@
         </a:p>
       </dgm:t>
     </dgm:pt>
-    <dgm:pt modelId="{C39AE20C-27CE-4316-A6CA-51C49DD588DD}" cxnId="{616FD975-DBCE-40C4-804B-3A0043888F2D}" type="sibTrans">
+    <dgm:pt modelId="{C39AE20C-27CE-4316-A6CA-51C49DD588DD}" type="sibTrans" cxnId="{616FD975-DBCE-40C4-804B-3A0043888F2D}">
       <dgm:prSet/>
       <dgm:spPr/>
       <dgm:t>
@@ -1476,7 +3526,7 @@
         </a:p>
       </dgm:t>
     </dgm:pt>
-    <dgm:pt modelId="{6A44672E-6DF4-4F38-A483-FA961183A81B}" cxnId="{DD1E0DA5-37C8-49FF-8FBF-6B9CFDBDA4F5}" type="parTrans">
+    <dgm:pt modelId="{6A44672E-6DF4-4F38-A483-FA961183A81B}" type="parTrans" cxnId="{DD1E0DA5-37C8-49FF-8FBF-6B9CFDBDA4F5}">
       <dgm:prSet/>
       <dgm:spPr/>
       <dgm:t>
@@ -1487,7 +3537,7 @@
         </a:p>
       </dgm:t>
     </dgm:pt>
-    <dgm:pt modelId="{85942B9D-F3F9-43A4-A4C5-FDCE0D29CB73}" cxnId="{DD1E0DA5-37C8-49FF-8FBF-6B9CFDBDA4F5}" type="sibTrans">
+    <dgm:pt modelId="{85942B9D-F3F9-43A4-A4C5-FDCE0D29CB73}" type="sibTrans" cxnId="{DD1E0DA5-37C8-49FF-8FBF-6B9CFDBDA4F5}">
       <dgm:prSet/>
       <dgm:spPr/>
       <dgm:t>
@@ -1560,7 +3610,7 @@
         </a:p>
       </dgm:t>
     </dgm:pt>
-    <dgm:pt modelId="{8F5AE2DF-1EFD-44CA-9DFB-A41DE7060F0B}" cxnId="{5E5D1E05-D15A-4668-B85D-39C555B270E0}" type="parTrans">
+    <dgm:pt modelId="{8F5AE2DF-1EFD-44CA-9DFB-A41DE7060F0B}" type="parTrans" cxnId="{5E5D1E05-D15A-4668-B85D-39C555B270E0}">
       <dgm:prSet/>
       <dgm:spPr/>
       <dgm:t>
@@ -1571,7 +3621,7 @@
         </a:p>
       </dgm:t>
     </dgm:pt>
-    <dgm:pt modelId="{8191D2B1-401C-4BFC-B17A-348E7FD919DB}" cxnId="{5E5D1E05-D15A-4668-B85D-39C555B270E0}" type="sibTrans">
+    <dgm:pt modelId="{8191D2B1-401C-4BFC-B17A-348E7FD919DB}" type="sibTrans" cxnId="{5E5D1E05-D15A-4668-B85D-39C555B270E0}">
       <dgm:prSet/>
       <dgm:spPr/>
       <dgm:t>
@@ -1631,7 +3681,7 @@
         </a:p>
       </dgm:t>
     </dgm:pt>
-    <dgm:pt modelId="{0A6B9D50-940E-4A16-994D-B4D1451D4053}" cxnId="{2BAEC81D-A2FA-4817-B46B-91060C93F8B9}" type="parTrans">
+    <dgm:pt modelId="{0A6B9D50-940E-4A16-994D-B4D1451D4053}" type="parTrans" cxnId="{2BAEC81D-A2FA-4817-B46B-91060C93F8B9}">
       <dgm:prSet/>
       <dgm:spPr/>
       <dgm:t>
@@ -1642,7 +3692,7 @@
         </a:p>
       </dgm:t>
     </dgm:pt>
-    <dgm:pt modelId="{05842D97-F42A-4347-812E-07D04374C44A}" cxnId="{2BAEC81D-A2FA-4817-B46B-91060C93F8B9}" type="sibTrans">
+    <dgm:pt modelId="{05842D97-F42A-4347-812E-07D04374C44A}" type="sibTrans" cxnId="{2BAEC81D-A2FA-4817-B46B-91060C93F8B9}">
       <dgm:prSet/>
       <dgm:spPr/>
       <dgm:t>
@@ -1731,7 +3781,7 @@
         </a:p>
       </dgm:t>
     </dgm:pt>
-    <dgm:pt modelId="{03EEEC97-1AF1-4523-B72F-1836E0DAAB35}" cxnId="{1BBFDA57-798A-42EC-9AD8-8D744BA7F38B}" type="parTrans">
+    <dgm:pt modelId="{03EEEC97-1AF1-4523-B72F-1836E0DAAB35}" type="parTrans" cxnId="{1BBFDA57-798A-42EC-9AD8-8D744BA7F38B}">
       <dgm:prSet/>
       <dgm:spPr/>
       <dgm:t>
@@ -1742,7 +3792,7 @@
         </a:p>
       </dgm:t>
     </dgm:pt>
-    <dgm:pt modelId="{C01C9B3C-0788-42FB-A83E-AB89703AAEDD}" cxnId="{1BBFDA57-798A-42EC-9AD8-8D744BA7F38B}" type="sibTrans">
+    <dgm:pt modelId="{C01C9B3C-0788-42FB-A83E-AB89703AAEDD}" type="sibTrans" cxnId="{1BBFDA57-798A-42EC-9AD8-8D744BA7F38B}">
       <dgm:prSet/>
       <dgm:spPr/>
       <dgm:t>
@@ -1781,7 +3831,7 @@
         </a:p>
       </dgm:t>
     </dgm:pt>
-    <dgm:pt modelId="{90EDFFB6-0EF6-4CC1-91F6-A67CEC4C3CF5}" cxnId="{AA9BDF19-98F6-4517-905D-FCFCE726DE59}" type="parTrans">
+    <dgm:pt modelId="{90EDFFB6-0EF6-4CC1-91F6-A67CEC4C3CF5}" type="parTrans" cxnId="{AA9BDF19-98F6-4517-905D-FCFCE726DE59}">
       <dgm:prSet/>
       <dgm:spPr/>
       <dgm:t>
@@ -1792,7 +3842,7 @@
         </a:p>
       </dgm:t>
     </dgm:pt>
-    <dgm:pt modelId="{0A29E907-3EA1-46B2-8C69-141FE0B3B82C}" cxnId="{AA9BDF19-98F6-4517-905D-FCFCE726DE59}" type="sibTrans">
+    <dgm:pt modelId="{0A29E907-3EA1-46B2-8C69-141FE0B3B82C}" type="sibTrans" cxnId="{AA9BDF19-98F6-4517-905D-FCFCE726DE59}">
       <dgm:prSet/>
       <dgm:spPr/>
       <dgm:t>
@@ -1831,7 +3881,7 @@
         </a:p>
       </dgm:t>
     </dgm:pt>
-    <dgm:pt modelId="{9CE8E416-B41C-4D20-B35E-E2863839F80D}" cxnId="{7AC43043-B904-4DAB-904F-4230CC634FE6}" type="parTrans">
+    <dgm:pt modelId="{9CE8E416-B41C-4D20-B35E-E2863839F80D}" type="parTrans" cxnId="{7AC43043-B904-4DAB-904F-4230CC634FE6}">
       <dgm:prSet/>
       <dgm:spPr/>
       <dgm:t>
@@ -1842,7 +3892,7 @@
         </a:p>
       </dgm:t>
     </dgm:pt>
-    <dgm:pt modelId="{1C32FDCD-2A54-4534-B5A0-8166831EF474}" cxnId="{7AC43043-B904-4DAB-904F-4230CC634FE6}" type="sibTrans">
+    <dgm:pt modelId="{1C32FDCD-2A54-4534-B5A0-8166831EF474}" type="sibTrans" cxnId="{7AC43043-B904-4DAB-904F-4230CC634FE6}">
       <dgm:prSet/>
       <dgm:spPr/>
       <dgm:t>
@@ -1874,7 +3924,7 @@
         </a:p>
       </dgm:t>
     </dgm:pt>
-    <dgm:pt modelId="{A4381F65-E1F9-4F01-B1EA-ECC0C1612330}" cxnId="{72E52B94-DD85-41D9-A73D-91AF76C8B793}" type="parTrans">
+    <dgm:pt modelId="{A4381F65-E1F9-4F01-B1EA-ECC0C1612330}" type="parTrans" cxnId="{72E52B94-DD85-41D9-A73D-91AF76C8B793}">
       <dgm:prSet/>
       <dgm:spPr/>
       <dgm:t>
@@ -1885,7 +3935,7 @@
         </a:p>
       </dgm:t>
     </dgm:pt>
-    <dgm:pt modelId="{0DF80D42-6B9D-498C-802E-374A8D40FC43}" cxnId="{72E52B94-DD85-41D9-A73D-91AF76C8B793}" type="sibTrans">
+    <dgm:pt modelId="{0DF80D42-6B9D-498C-802E-374A8D40FC43}" type="sibTrans" cxnId="{72E52B94-DD85-41D9-A73D-91AF76C8B793}">
       <dgm:prSet/>
       <dgm:spPr/>
       <dgm:t>
@@ -1910,7 +3960,7 @@
         </a:p>
       </dgm:t>
     </dgm:pt>
-    <dgm:pt modelId="{983FF315-0430-4A0D-9DBB-6BCA3F8C61FF}" cxnId="{F46E722C-4D97-479D-9BA2-BACA2DF79FC0}" type="parTrans">
+    <dgm:pt modelId="{983FF315-0430-4A0D-9DBB-6BCA3F8C61FF}" type="parTrans" cxnId="{F46E722C-4D97-479D-9BA2-BACA2DF79FC0}">
       <dgm:prSet/>
       <dgm:spPr/>
       <dgm:t>
@@ -1921,7 +3971,7 @@
         </a:p>
       </dgm:t>
     </dgm:pt>
-    <dgm:pt modelId="{1BE5C39D-9CA0-4926-B893-7A63F9E8D062}" cxnId="{F46E722C-4D97-479D-9BA2-BACA2DF79FC0}" type="sibTrans">
+    <dgm:pt modelId="{1BE5C39D-9CA0-4926-B893-7A63F9E8D062}" type="sibTrans" cxnId="{F46E722C-4D97-479D-9BA2-BACA2DF79FC0}">
       <dgm:prSet/>
       <dgm:spPr/>
       <dgm:t>
@@ -1953,7 +4003,7 @@
         </a:p>
       </dgm:t>
     </dgm:pt>
-    <dgm:pt modelId="{85D68D7D-AE30-406E-B164-2B3F6EFB9506}" cxnId="{35CE9CF5-DA55-4131-8983-859C0DE2AC81}" type="parTrans">
+    <dgm:pt modelId="{85D68D7D-AE30-406E-B164-2B3F6EFB9506}" type="parTrans" cxnId="{35CE9CF5-DA55-4131-8983-859C0DE2AC81}">
       <dgm:prSet/>
       <dgm:spPr/>
       <dgm:t>
@@ -1964,7 +4014,7 @@
         </a:p>
       </dgm:t>
     </dgm:pt>
-    <dgm:pt modelId="{3CF954DE-FA87-4C27-814F-6DA6119C3C4D}" cxnId="{35CE9CF5-DA55-4131-8983-859C0DE2AC81}" type="sibTrans">
+    <dgm:pt modelId="{3CF954DE-FA87-4C27-814F-6DA6119C3C4D}" type="sibTrans" cxnId="{35CE9CF5-DA55-4131-8983-859C0DE2AC81}">
       <dgm:prSet/>
       <dgm:spPr/>
       <dgm:t>
@@ -1996,7 +4046,7 @@
         </a:p>
       </dgm:t>
     </dgm:pt>
-    <dgm:pt modelId="{781B9559-1B7B-4106-9606-4FD5B44856AA}" cxnId="{FFDD7203-BC18-4DDE-93D9-5D20611ABF44}" type="parTrans">
+    <dgm:pt modelId="{781B9559-1B7B-4106-9606-4FD5B44856AA}" type="parTrans" cxnId="{FFDD7203-BC18-4DDE-93D9-5D20611ABF44}">
       <dgm:prSet/>
       <dgm:spPr/>
       <dgm:t>
@@ -2007,7 +4057,7 @@
         </a:p>
       </dgm:t>
     </dgm:pt>
-    <dgm:pt modelId="{2015F317-4F28-4379-A473-F91FD240EEE4}" cxnId="{FFDD7203-BC18-4DDE-93D9-5D20611ABF44}" type="sibTrans">
+    <dgm:pt modelId="{2015F317-4F28-4379-A473-F91FD240EEE4}" type="sibTrans" cxnId="{FFDD7203-BC18-4DDE-93D9-5D20611ABF44}">
       <dgm:prSet/>
       <dgm:spPr/>
       <dgm:t>
@@ -2039,7 +4089,7 @@
         </a:p>
       </dgm:t>
     </dgm:pt>
-    <dgm:pt modelId="{77611221-6355-4772-91CE-28B920F449D2}" cxnId="{2ADA69F6-EE41-4B97-A679-A5297268296A}" type="parTrans">
+    <dgm:pt modelId="{77611221-6355-4772-91CE-28B920F449D2}" type="parTrans" cxnId="{2ADA69F6-EE41-4B97-A679-A5297268296A}">
       <dgm:prSet/>
       <dgm:spPr/>
       <dgm:t>
@@ -2050,7 +4100,7 @@
         </a:p>
       </dgm:t>
     </dgm:pt>
-    <dgm:pt modelId="{C33CE4CB-74F6-4E51-A6FB-71B737D4A2F2}" cxnId="{2ADA69F6-EE41-4B97-A679-A5297268296A}" type="sibTrans">
+    <dgm:pt modelId="{C33CE4CB-74F6-4E51-A6FB-71B737D4A2F2}" type="sibTrans" cxnId="{2ADA69F6-EE41-4B97-A679-A5297268296A}">
       <dgm:prSet/>
       <dgm:spPr/>
       <dgm:t>
@@ -2096,7 +4146,7 @@
         </a:p>
       </dgm:t>
     </dgm:pt>
-    <dgm:pt modelId="{808C58B4-6CC8-4F5A-B012-142BF382926E}" cxnId="{D0BD2105-7806-461C-B736-CE4BB46BE862}" type="parTrans">
+    <dgm:pt modelId="{808C58B4-6CC8-4F5A-B012-142BF382926E}" type="parTrans" cxnId="{D0BD2105-7806-461C-B736-CE4BB46BE862}">
       <dgm:prSet/>
       <dgm:spPr/>
       <dgm:t>
@@ -2107,7 +4157,7 @@
         </a:p>
       </dgm:t>
     </dgm:pt>
-    <dgm:pt modelId="{D6ABBE51-D0FD-4F05-88A2-8AE6EA0CFE93}" cxnId="{D0BD2105-7806-461C-B736-CE4BB46BE862}" type="sibTrans">
+    <dgm:pt modelId="{D6ABBE51-D0FD-4F05-88A2-8AE6EA0CFE93}" type="sibTrans" cxnId="{D0BD2105-7806-461C-B736-CE4BB46BE862}">
       <dgm:prSet/>
       <dgm:spPr/>
       <dgm:t>
@@ -2146,7 +4196,7 @@
         </a:p>
       </dgm:t>
     </dgm:pt>
-    <dgm:pt modelId="{2B3702F9-EAB7-4A8B-B645-52525EFB8965}" cxnId="{AA8C8F12-E362-4113-9F3E-F0B0F6959206}" type="parTrans">
+    <dgm:pt modelId="{2B3702F9-EAB7-4A8B-B645-52525EFB8965}" type="parTrans" cxnId="{AA8C8F12-E362-4113-9F3E-F0B0F6959206}">
       <dgm:prSet/>
       <dgm:spPr/>
       <dgm:t>
@@ -2157,7 +4207,7 @@
         </a:p>
       </dgm:t>
     </dgm:pt>
-    <dgm:pt modelId="{12BD24C7-F3F1-45A2-BBF1-B5AF2AD99E11}" cxnId="{AA8C8F12-E362-4113-9F3E-F0B0F6959206}" type="sibTrans">
+    <dgm:pt modelId="{12BD24C7-F3F1-45A2-BBF1-B5AF2AD99E11}" type="sibTrans" cxnId="{AA8C8F12-E362-4113-9F3E-F0B0F6959206}">
       <dgm:prSet/>
       <dgm:spPr/>
       <dgm:t>
@@ -2183,7 +4233,7 @@
         </a:p>
       </dgm:t>
     </dgm:pt>
-    <dgm:pt modelId="{03AF3346-8F26-4622-8048-D82F429D8F5B}" cxnId="{9E5B18F7-A742-4183-994D-9367A81C6CCC}" type="parTrans">
+    <dgm:pt modelId="{03AF3346-8F26-4622-8048-D82F429D8F5B}" type="parTrans" cxnId="{9E5B18F7-A742-4183-994D-9367A81C6CCC}">
       <dgm:prSet/>
       <dgm:spPr/>
       <dgm:t>
@@ -2194,7 +4244,7 @@
         </a:p>
       </dgm:t>
     </dgm:pt>
-    <dgm:pt modelId="{73AB7D9E-37CD-4F25-992C-DC07DEB3F000}" cxnId="{9E5B18F7-A742-4183-994D-9367A81C6CCC}" type="sibTrans">
+    <dgm:pt modelId="{73AB7D9E-37CD-4F25-992C-DC07DEB3F000}" type="sibTrans" cxnId="{9E5B18F7-A742-4183-994D-9367A81C6CCC}">
       <dgm:prSet/>
       <dgm:spPr/>
       <dgm:t>
@@ -2214,6 +4264,13 @@
         </dgm:presLayoutVars>
       </dgm:prSet>
       <dgm:spPr/>
+      <dgm:t>
+        <a:bodyPr/>
+        <a:lstStyle/>
+        <a:p>
+          <a:endParaRPr lang="zh-CN" altLang="en-US"/>
+        </a:p>
+      </dgm:t>
     </dgm:pt>
     <dgm:pt modelId="{8E5C478E-D80B-41EF-A94C-E948E36B59C0}" type="pres">
       <dgm:prSet presAssocID="{303AFAEF-C613-415C-88AA-EC91B1262FED}" presName="tSp" presStyleCnt="0"/>
@@ -2242,6 +4299,13 @@
         </dgm:presLayoutVars>
       </dgm:prSet>
       <dgm:spPr/>
+      <dgm:t>
+        <a:bodyPr/>
+        <a:lstStyle/>
+        <a:p>
+          <a:endParaRPr lang="zh-CN" altLang="en-US"/>
+        </a:p>
+      </dgm:t>
     </dgm:pt>
     <dgm:pt modelId="{22BD2250-C9DC-4294-9AC9-94FB314FCCC9}" type="pres">
       <dgm:prSet presAssocID="{BEE0B429-5DEE-4AC1-B8F1-F057F97D77AD}" presName="childNode1tx" presStyleLbl="bgAcc1" presStyleIdx="0" presStyleCnt="5">
@@ -2250,6 +4314,13 @@
         </dgm:presLayoutVars>
       </dgm:prSet>
       <dgm:spPr/>
+      <dgm:t>
+        <a:bodyPr/>
+        <a:lstStyle/>
+        <a:p>
+          <a:endParaRPr lang="zh-CN" altLang="en-US"/>
+        </a:p>
+      </dgm:t>
     </dgm:pt>
     <dgm:pt modelId="{18474A94-2007-47C0-92BC-26B7DB8AE5DB}" type="pres">
       <dgm:prSet presAssocID="{BEE0B429-5DEE-4AC1-B8F1-F057F97D77AD}" presName="parentNode1" presStyleLbl="node1" presStyleIdx="0" presStyleCnt="5" custScaleX="106580" custScaleY="134159" custLinFactY="35976" custLinFactNeighborX="17432" custLinFactNeighborY="100000">
@@ -2259,6 +4330,13 @@
         </dgm:presLayoutVars>
       </dgm:prSet>
       <dgm:spPr/>
+      <dgm:t>
+        <a:bodyPr/>
+        <a:lstStyle/>
+        <a:p>
+          <a:endParaRPr lang="zh-CN" altLang="en-US"/>
+        </a:p>
+      </dgm:t>
     </dgm:pt>
     <dgm:pt modelId="{C7512345-8823-437F-A76A-5FA38F1D5756}" type="pres">
       <dgm:prSet presAssocID="{BEE0B429-5DEE-4AC1-B8F1-F057F97D77AD}" presName="connSite1" presStyleCnt="0"/>
@@ -2267,6 +4345,13 @@
     <dgm:pt modelId="{EA524D5B-25AE-4841-840A-DCF5BD829AD0}" type="pres">
       <dgm:prSet presAssocID="{9991DC34-8968-4776-9C7C-51EDA450587E}" presName="Name9" presStyleLbl="sibTrans2D1" presStyleIdx="0" presStyleCnt="4" custAng="570261" custScaleX="129329" custLinFactNeighborX="6004" custLinFactNeighborY="3464"/>
       <dgm:spPr/>
+      <dgm:t>
+        <a:bodyPr/>
+        <a:lstStyle/>
+        <a:p>
+          <a:endParaRPr lang="zh-CN" altLang="en-US"/>
+        </a:p>
+      </dgm:t>
     </dgm:pt>
     <dgm:pt modelId="{CE3BD715-4BBA-4519-A709-FBA2BDADB775}" type="pres">
       <dgm:prSet presAssocID="{72734D70-D7C6-48DF-8782-AF8596BD6ED3}" presName="composite2" presStyleCnt="0"/>
@@ -2283,6 +4368,13 @@
         </dgm:presLayoutVars>
       </dgm:prSet>
       <dgm:spPr/>
+      <dgm:t>
+        <a:bodyPr/>
+        <a:lstStyle/>
+        <a:p>
+          <a:endParaRPr lang="zh-CN" altLang="en-US"/>
+        </a:p>
+      </dgm:t>
     </dgm:pt>
     <dgm:pt modelId="{0EFAE6D7-5B6B-4409-834F-589B06F1616E}" type="pres">
       <dgm:prSet presAssocID="{72734D70-D7C6-48DF-8782-AF8596BD6ED3}" presName="childNode2tx" presStyleLbl="bgAcc1" presStyleIdx="1" presStyleCnt="5">
@@ -2291,6 +4383,13 @@
         </dgm:presLayoutVars>
       </dgm:prSet>
       <dgm:spPr/>
+      <dgm:t>
+        <a:bodyPr/>
+        <a:lstStyle/>
+        <a:p>
+          <a:endParaRPr lang="zh-CN" altLang="en-US"/>
+        </a:p>
+      </dgm:t>
     </dgm:pt>
     <dgm:pt modelId="{043ADA9E-D830-466D-9CF6-6468D6758FEF}" type="pres">
       <dgm:prSet presAssocID="{72734D70-D7C6-48DF-8782-AF8596BD6ED3}" presName="parentNode2" presStyleLbl="node1" presStyleIdx="1" presStyleCnt="5" custScaleY="109709" custLinFactY="-41805" custLinFactNeighborX="6185" custLinFactNeighborY="-100000">
@@ -2300,6 +4399,13 @@
         </dgm:presLayoutVars>
       </dgm:prSet>
       <dgm:spPr/>
+      <dgm:t>
+        <a:bodyPr/>
+        <a:lstStyle/>
+        <a:p>
+          <a:endParaRPr lang="zh-CN" altLang="en-US"/>
+        </a:p>
+      </dgm:t>
     </dgm:pt>
     <dgm:pt modelId="{936D091A-45F2-41B9-B8BD-D0C2ADDDC0DE}" type="pres">
       <dgm:prSet presAssocID="{72734D70-D7C6-48DF-8782-AF8596BD6ED3}" presName="connSite2" presStyleCnt="0"/>
@@ -2308,6 +4414,13 @@
     <dgm:pt modelId="{5521A904-781C-4789-848B-4B2150C451FF}" type="pres">
       <dgm:prSet presAssocID="{4D1AA03A-1A26-4E0F-9E40-88612850C8F3}" presName="Name18" presStyleLbl="sibTrans2D1" presStyleIdx="1" presStyleCnt="4" custAng="20849744" custScaleX="115166" custScaleY="99324" custLinFactNeighborX="7210" custLinFactNeighborY="-6575"/>
       <dgm:spPr/>
+      <dgm:t>
+        <a:bodyPr/>
+        <a:lstStyle/>
+        <a:p>
+          <a:endParaRPr lang="zh-CN" altLang="en-US"/>
+        </a:p>
+      </dgm:t>
     </dgm:pt>
     <dgm:pt modelId="{20201607-7FCB-4E63-B6AD-FC49B1EA9765}" type="pres">
       <dgm:prSet presAssocID="{210FE4F8-7C37-4809-87AD-C89289A227A9}" presName="composite1" presStyleCnt="0"/>
@@ -2324,6 +4437,13 @@
         </dgm:presLayoutVars>
       </dgm:prSet>
       <dgm:spPr/>
+      <dgm:t>
+        <a:bodyPr/>
+        <a:lstStyle/>
+        <a:p>
+          <a:endParaRPr lang="zh-CN" altLang="en-US"/>
+        </a:p>
+      </dgm:t>
     </dgm:pt>
     <dgm:pt modelId="{884B42FE-C313-4F0B-ADC8-6D5EC9178039}" type="pres">
       <dgm:prSet presAssocID="{210FE4F8-7C37-4809-87AD-C89289A227A9}" presName="childNode1tx" presStyleLbl="bgAcc1" presStyleIdx="2" presStyleCnt="5">
@@ -2332,6 +4452,13 @@
         </dgm:presLayoutVars>
       </dgm:prSet>
       <dgm:spPr/>
+      <dgm:t>
+        <a:bodyPr/>
+        <a:lstStyle/>
+        <a:p>
+          <a:endParaRPr lang="zh-CN" altLang="en-US"/>
+        </a:p>
+      </dgm:t>
     </dgm:pt>
     <dgm:pt modelId="{AA15F692-0E57-4AE4-9148-DD16F8E7412C}" type="pres">
       <dgm:prSet presAssocID="{210FE4F8-7C37-4809-87AD-C89289A227A9}" presName="parentNode1" presStyleLbl="node1" presStyleIdx="2" presStyleCnt="5" custLinFactNeighborX="8766" custLinFactNeighborY="88174">
@@ -2341,6 +4468,13 @@
         </dgm:presLayoutVars>
       </dgm:prSet>
       <dgm:spPr/>
+      <dgm:t>
+        <a:bodyPr/>
+        <a:lstStyle/>
+        <a:p>
+          <a:endParaRPr lang="zh-CN" altLang="en-US"/>
+        </a:p>
+      </dgm:t>
     </dgm:pt>
     <dgm:pt modelId="{50949886-0801-43F8-8A48-801119441CF8}" type="pres">
       <dgm:prSet presAssocID="{210FE4F8-7C37-4809-87AD-C89289A227A9}" presName="connSite1" presStyleCnt="0"/>
@@ -2349,6 +4483,13 @@
     <dgm:pt modelId="{7934F4A9-4D1D-470B-99F6-EE7AC1DE1470}" type="pres">
       <dgm:prSet presAssocID="{18336FC2-DAC8-428F-972C-22D22B880AE9}" presName="Name9" presStyleLbl="sibTrans2D1" presStyleIdx="2" presStyleCnt="4" custAng="489214" custLinFactNeighborX="14355" custLinFactNeighborY="6669"/>
       <dgm:spPr/>
+      <dgm:t>
+        <a:bodyPr/>
+        <a:lstStyle/>
+        <a:p>
+          <a:endParaRPr lang="zh-CN" altLang="en-US"/>
+        </a:p>
+      </dgm:t>
     </dgm:pt>
     <dgm:pt modelId="{CEF7E8DD-63EE-4FCA-A62D-D294B4FB4C3B}" type="pres">
       <dgm:prSet presAssocID="{24CBC319-9912-46CD-A81D-38C2BB713844}" presName="composite2" presStyleCnt="0"/>
@@ -2365,6 +4506,13 @@
         </dgm:presLayoutVars>
       </dgm:prSet>
       <dgm:spPr/>
+      <dgm:t>
+        <a:bodyPr/>
+        <a:lstStyle/>
+        <a:p>
+          <a:endParaRPr lang="zh-CN" altLang="en-US"/>
+        </a:p>
+      </dgm:t>
     </dgm:pt>
     <dgm:pt modelId="{52A82C79-9754-40B7-AAB2-3758014C650E}" type="pres">
       <dgm:prSet presAssocID="{24CBC319-9912-46CD-A81D-38C2BB713844}" presName="childNode2tx" presStyleLbl="bgAcc1" presStyleIdx="3" presStyleCnt="5">
@@ -2373,6 +4521,13 @@
         </dgm:presLayoutVars>
       </dgm:prSet>
       <dgm:spPr/>
+      <dgm:t>
+        <a:bodyPr/>
+        <a:lstStyle/>
+        <a:p>
+          <a:endParaRPr lang="zh-CN" altLang="en-US"/>
+        </a:p>
+      </dgm:t>
     </dgm:pt>
     <dgm:pt modelId="{750AE5F0-1562-42E6-A85E-1006048A4ABB}" type="pres">
       <dgm:prSet presAssocID="{24CBC319-9912-46CD-A81D-38C2BB713844}" presName="parentNode2" presStyleLbl="node1" presStyleIdx="3" presStyleCnt="5" custScaleY="94905" custLinFactY="-14300" custLinFactNeighborX="11688" custLinFactNeighborY="-100000">
@@ -2382,6 +4537,13 @@
         </dgm:presLayoutVars>
       </dgm:prSet>
       <dgm:spPr/>
+      <dgm:t>
+        <a:bodyPr/>
+        <a:lstStyle/>
+        <a:p>
+          <a:endParaRPr lang="zh-CN" altLang="en-US"/>
+        </a:p>
+      </dgm:t>
     </dgm:pt>
     <dgm:pt modelId="{F5CD7A39-85D9-4B94-AD19-F2DB85971665}" type="pres">
       <dgm:prSet presAssocID="{24CBC319-9912-46CD-A81D-38C2BB713844}" presName="connSite2" presStyleCnt="0"/>
@@ -2390,6 +4552,13 @@
     <dgm:pt modelId="{28C2E68D-D3EB-4419-BCC8-92D68E4A7601}" type="pres">
       <dgm:prSet presAssocID="{EF496E16-ED34-4AA0-940E-42C30B87D9FF}" presName="Name18" presStyleLbl="sibTrans2D1" presStyleIdx="3" presStyleCnt="4"/>
       <dgm:spPr/>
+      <dgm:t>
+        <a:bodyPr/>
+        <a:lstStyle/>
+        <a:p>
+          <a:endParaRPr lang="zh-CN" altLang="en-US"/>
+        </a:p>
+      </dgm:t>
     </dgm:pt>
     <dgm:pt modelId="{89CCAB77-2630-468B-B30B-71D33231C39F}" type="pres">
       <dgm:prSet presAssocID="{E958A7C6-418E-46BB-973B-85764549DF17}" presName="composite1" presStyleCnt="0"/>
@@ -2406,6 +4575,13 @@
         </dgm:presLayoutVars>
       </dgm:prSet>
       <dgm:spPr/>
+      <dgm:t>
+        <a:bodyPr/>
+        <a:lstStyle/>
+        <a:p>
+          <a:endParaRPr lang="zh-CN" altLang="en-US"/>
+        </a:p>
+      </dgm:t>
     </dgm:pt>
     <dgm:pt modelId="{E405F61A-488A-4779-837A-6A97BA10590B}" type="pres">
       <dgm:prSet presAssocID="{E958A7C6-418E-46BB-973B-85764549DF17}" presName="childNode1tx" presStyleLbl="bgAcc1" presStyleIdx="4" presStyleCnt="5">
@@ -2414,6 +4590,13 @@
         </dgm:presLayoutVars>
       </dgm:prSet>
       <dgm:spPr/>
+      <dgm:t>
+        <a:bodyPr/>
+        <a:lstStyle/>
+        <a:p>
+          <a:endParaRPr lang="zh-CN" altLang="en-US"/>
+        </a:p>
+      </dgm:t>
     </dgm:pt>
     <dgm:pt modelId="{26C43FB0-B911-43DB-A84F-27E616B7B27C}" type="pres">
       <dgm:prSet presAssocID="{E958A7C6-418E-46BB-973B-85764549DF17}" presName="parentNode1" presStyleLbl="node1" presStyleIdx="4" presStyleCnt="5" custLinFactNeighborX="1157" custLinFactNeighborY="75643">
@@ -2423,6 +4606,13 @@
         </dgm:presLayoutVars>
       </dgm:prSet>
       <dgm:spPr/>
+      <dgm:t>
+        <a:bodyPr/>
+        <a:lstStyle/>
+        <a:p>
+          <a:endParaRPr lang="zh-CN" altLang="en-US"/>
+        </a:p>
+      </dgm:t>
     </dgm:pt>
     <dgm:pt modelId="{7C2B59CD-186D-41AA-95AA-E3E1E05BBF42}" type="pres">
       <dgm:prSet presAssocID="{E958A7C6-418E-46BB-973B-85764549DF17}" presName="connSite1" presStyleCnt="0"/>
@@ -2430,130 +4620,1498 @@
     </dgm:pt>
   </dgm:ptLst>
   <dgm:cxnLst>
+    <dgm:cxn modelId="{95502B81-0DED-4547-9BF6-BA8AE34F05E4}" type="presOf" srcId="{03721F47-C015-49C6-AA50-836A5282A095}" destId="{0595DFF3-DEB1-43BD-90A3-F691C69EDB59}" srcOrd="0" destOrd="1" presId="urn:microsoft.com/office/officeart/2005/8/layout/hProcess4#1"/>
+    <dgm:cxn modelId="{C2AA74C7-C186-4CBB-86A4-578A4DB18C80}" type="presOf" srcId="{21FFCBF9-D079-4228-A051-ACD0652BD1E7}" destId="{884B42FE-C313-4F0B-ADC8-6D5EC9178039}" srcOrd="1" destOrd="0" presId="urn:microsoft.com/office/officeart/2005/8/layout/hProcess4#1"/>
+    <dgm:cxn modelId="{616FD975-DBCE-40C4-804B-3A0043888F2D}" srcId="{BEE0B429-5DEE-4AC1-B8F1-F057F97D77AD}" destId="{591971BB-762B-49C3-BA83-96F86A469157}" srcOrd="3" destOrd="0" parTransId="{8666CB0B-7901-472D-8B03-B5FBAA797DDA}" sibTransId="{C39AE20C-27CE-4316-A6CA-51C49DD588DD}"/>
+    <dgm:cxn modelId="{08E16F75-60E8-46F8-B783-1EFBEBC0C2EC}" type="presOf" srcId="{9991DC34-8968-4776-9C7C-51EDA450587E}" destId="{EA524D5B-25AE-4841-840A-DCF5BD829AD0}" srcOrd="0" destOrd="0" presId="urn:microsoft.com/office/officeart/2005/8/layout/hProcess4#1"/>
+    <dgm:cxn modelId="{7AC43043-B904-4DAB-904F-4230CC634FE6}" srcId="{210FE4F8-7C37-4809-87AD-C89289A227A9}" destId="{02503B8C-D262-4294-BA8B-FF80D6486BE2}" srcOrd="1" destOrd="0" parTransId="{9CE8E416-B41C-4D20-B35E-E2863839F80D}" sibTransId="{1C32FDCD-2A54-4534-B5A0-8166831EF474}"/>
+    <dgm:cxn modelId="{F9F4A15D-A5F7-464B-A4D7-DFDABFE20F3F}" type="presOf" srcId="{B1B88494-BC93-4F9F-87F8-20971375A771}" destId="{99F40193-91A9-4512-9F43-43938D3C98C1}" srcOrd="0" destOrd="3" presId="urn:microsoft.com/office/officeart/2005/8/layout/hProcess4#1"/>
+    <dgm:cxn modelId="{9C6DAC0E-2092-472F-B156-0716AB66342C}" type="presOf" srcId="{87EB56C3-82D4-47B9-8BB7-D921D577E5ED}" destId="{22BD2250-C9DC-4294-9AC9-94FB314FCCC9}" srcOrd="1" destOrd="0" presId="urn:microsoft.com/office/officeart/2005/8/layout/hProcess4#1"/>
+    <dgm:cxn modelId="{6504876A-A6AD-4E87-8849-88B4198FF4F5}" type="presOf" srcId="{BEF0E031-6BEE-4360-820C-385C31E2501C}" destId="{5EDB0FCE-5C77-4B2A-8A6D-5F7C98CFF9CB}" srcOrd="0" destOrd="0" presId="urn:microsoft.com/office/officeart/2005/8/layout/hProcess4#1"/>
+    <dgm:cxn modelId="{6442F73C-68DC-4265-9B08-776B3FADEEBC}" type="presOf" srcId="{EBA30CB4-1BEB-42F1-88EA-5548F95C9EF4}" destId="{0EFAE6D7-5B6B-4409-834F-589B06F1616E}" srcOrd="1" destOrd="0" presId="urn:microsoft.com/office/officeart/2005/8/layout/hProcess4#1"/>
+    <dgm:cxn modelId="{E0A465B3-D54B-4F39-A90B-572DD4FF1029}" type="presOf" srcId="{47F0CC13-BB65-41FF-A01A-451FFCF31494}" destId="{22BD2250-C9DC-4294-9AC9-94FB314FCCC9}" srcOrd="1" destOrd="2" presId="urn:microsoft.com/office/officeart/2005/8/layout/hProcess4#1"/>
+    <dgm:cxn modelId="{ADDEA037-585C-40A7-86BA-AD65244CA0D2}" type="presOf" srcId="{B3B43E7B-6B7B-4A75-A7C9-094982CD456E}" destId="{0EFAE6D7-5B6B-4409-834F-589B06F1616E}" srcOrd="1" destOrd="1" presId="urn:microsoft.com/office/officeart/2005/8/layout/hProcess4#1"/>
+    <dgm:cxn modelId="{6D359E99-8816-4CF9-AE86-541234EA071B}" type="presOf" srcId="{B1B88494-BC93-4F9F-87F8-20971375A771}" destId="{0EFAE6D7-5B6B-4409-834F-589B06F1616E}" srcOrd="1" destOrd="3" presId="urn:microsoft.com/office/officeart/2005/8/layout/hProcess4#1"/>
+    <dgm:cxn modelId="{9808A753-695C-4545-B5B5-7D5902DBC165}" type="presOf" srcId="{E5D9B38E-8538-4F47-AC47-B9BE80497391}" destId="{0595DFF3-DEB1-43BD-90A3-F691C69EDB59}" srcOrd="0" destOrd="0" presId="urn:microsoft.com/office/officeart/2005/8/layout/hProcess4#1"/>
+    <dgm:cxn modelId="{AD8C1FB3-9E8A-4C1B-85B4-2D8E8FC9098C}" type="presOf" srcId="{AC6D6280-1457-4331-B947-203AB828256A}" destId="{0EFAE6D7-5B6B-4409-834F-589B06F1616E}" srcOrd="1" destOrd="2" presId="urn:microsoft.com/office/officeart/2005/8/layout/hProcess4#1"/>
+    <dgm:cxn modelId="{F529E43C-B1E0-4DB4-AB64-7DCAA2291888}" srcId="{303AFAEF-C613-415C-88AA-EC91B1262FED}" destId="{BEE0B429-5DEE-4AC1-B8F1-F057F97D77AD}" srcOrd="0" destOrd="0" parTransId="{89785933-5AE4-4C21-810E-06EC0BBE4931}" sibTransId="{9991DC34-8968-4776-9C7C-51EDA450587E}"/>
+    <dgm:cxn modelId="{9206F1E5-5398-47BA-9959-0718D001A323}" type="presOf" srcId="{0E57DC64-DC5B-416C-857D-3FC104E8162A}" destId="{BBC1F3A4-4FFE-461B-8077-246A544B16C4}" srcOrd="0" destOrd="3" presId="urn:microsoft.com/office/officeart/2005/8/layout/hProcess4#1"/>
+    <dgm:cxn modelId="{80C1D71A-9A89-4E6B-8670-53D09303CCCD}" srcId="{BEE0B429-5DEE-4AC1-B8F1-F057F97D77AD}" destId="{1E3BDD9A-81CE-4940-8A57-A762F3654446}" srcOrd="1" destOrd="0" parTransId="{E978728F-7F73-46B4-9CB2-24B6B07F550A}" sibTransId="{B092E527-62F1-4E3C-80FD-DEE2BBB981A9}"/>
+    <dgm:cxn modelId="{1BBFDA57-798A-42EC-9AD8-8D744BA7F38B}" srcId="{72734D70-D7C6-48DF-8782-AF8596BD6ED3}" destId="{B3B43E7B-6B7B-4A75-A7C9-094982CD456E}" srcOrd="1" destOrd="0" parTransId="{03EEEC97-1AF1-4523-B72F-1836E0DAAB35}" sibTransId="{C01C9B3C-0788-42FB-A83E-AB89703AAEDD}"/>
+    <dgm:cxn modelId="{0775D876-621B-48F6-B0AF-7BBC1FE4FBFB}" type="presOf" srcId="{EF496E16-ED34-4AA0-940E-42C30B87D9FF}" destId="{28C2E68D-D3EB-4419-BCC8-92D68E4A7601}" srcOrd="0" destOrd="0" presId="urn:microsoft.com/office/officeart/2005/8/layout/hProcess4#1"/>
+    <dgm:cxn modelId="{9E5B18F7-A742-4183-994D-9367A81C6CCC}" srcId="{E958A7C6-418E-46BB-973B-85764549DF17}" destId="{90931715-5D7E-45DC-87BB-AC5FB1FFD782}" srcOrd="1" destOrd="0" parTransId="{03AF3346-8F26-4622-8048-D82F429D8F5B}" sibTransId="{73AB7D9E-37CD-4F25-992C-DC07DEB3F000}"/>
+    <dgm:cxn modelId="{2E0F9388-7049-4801-B7F0-6A7D3E217915}" type="presOf" srcId="{02503B8C-D262-4294-BA8B-FF80D6486BE2}" destId="{884B42FE-C313-4F0B-ADC8-6D5EC9178039}" srcOrd="1" destOrd="1" presId="urn:microsoft.com/office/officeart/2005/8/layout/hProcess4#1"/>
+    <dgm:cxn modelId="{58C52E30-26D3-4C03-BC79-45FDE138882F}" type="presOf" srcId="{C9BF9BCD-BF72-4067-8E8B-013B58DDE495}" destId="{0595DFF3-DEB1-43BD-90A3-F691C69EDB59}" srcOrd="0" destOrd="3" presId="urn:microsoft.com/office/officeart/2005/8/layout/hProcess4#1"/>
+    <dgm:cxn modelId="{BCF24C79-0BFA-4417-8909-2A373FCDC8BD}" type="presOf" srcId="{591971BB-762B-49C3-BA83-96F86A469157}" destId="{22BD2250-C9DC-4294-9AC9-94FB314FCCC9}" srcOrd="1" destOrd="3" presId="urn:microsoft.com/office/officeart/2005/8/layout/hProcess4#1"/>
+    <dgm:cxn modelId="{CAB599F3-6976-4013-A9E6-2DD56B016B12}" type="presOf" srcId="{58E59BFD-E7D0-4244-B993-05079F6230E2}" destId="{BBC1F3A4-4FFE-461B-8077-246A544B16C4}" srcOrd="0" destOrd="2" presId="urn:microsoft.com/office/officeart/2005/8/layout/hProcess4#1"/>
+    <dgm:cxn modelId="{F9470A16-85E4-43D0-A47D-9A8B44C3843A}" type="presOf" srcId="{18336FC2-DAC8-428F-972C-22D22B880AE9}" destId="{7934F4A9-4D1D-470B-99F6-EE7AC1DE1470}" srcOrd="0" destOrd="0" presId="urn:microsoft.com/office/officeart/2005/8/layout/hProcess4#1"/>
+    <dgm:cxn modelId="{77B61EED-DED8-4158-9C2E-619A95188BA3}" type="presOf" srcId="{BEE0B429-5DEE-4AC1-B8F1-F057F97D77AD}" destId="{18474A94-2007-47C0-92BC-26B7DB8AE5DB}" srcOrd="0" destOrd="0" presId="urn:microsoft.com/office/officeart/2005/8/layout/hProcess4#1"/>
+    <dgm:cxn modelId="{0062EDBC-B6DF-4F15-A4CE-9837A33EE710}" type="presOf" srcId="{33EAB5D2-4105-4924-92A0-E4A092D8765F}" destId="{0595DFF3-DEB1-43BD-90A3-F691C69EDB59}" srcOrd="0" destOrd="2" presId="urn:microsoft.com/office/officeart/2005/8/layout/hProcess4#1"/>
+    <dgm:cxn modelId="{27FFA7F2-0D42-4347-835C-8B915E5E2EDC}" type="presOf" srcId="{EBA30CB4-1BEB-42F1-88EA-5548F95C9EF4}" destId="{99F40193-91A9-4512-9F43-43938D3C98C1}" srcOrd="0" destOrd="0" presId="urn:microsoft.com/office/officeart/2005/8/layout/hProcess4#1"/>
+    <dgm:cxn modelId="{255EC1D9-D84C-415C-BD65-CF218E442EAD}" type="presOf" srcId="{72734D70-D7C6-48DF-8782-AF8596BD6ED3}" destId="{043ADA9E-D830-466D-9CF6-6468D6758FEF}" srcOrd="0" destOrd="0" presId="urn:microsoft.com/office/officeart/2005/8/layout/hProcess4#1"/>
+    <dgm:cxn modelId="{F46E722C-4D97-479D-9BA2-BACA2DF79FC0}" srcId="{210FE4F8-7C37-4809-87AD-C89289A227A9}" destId="{0E57DC64-DC5B-416C-857D-3FC104E8162A}" srcOrd="3" destOrd="0" parTransId="{983FF315-0430-4A0D-9DBB-6BCA3F8C61FF}" sibTransId="{1BE5C39D-9CA0-4926-B893-7A63F9E8D062}"/>
+    <dgm:cxn modelId="{0C1C6A59-730C-4CA0-AAA9-8EF146452B55}" type="presOf" srcId="{03721F47-C015-49C6-AA50-836A5282A095}" destId="{52A82C79-9754-40B7-AAB2-3758014C650E}" srcOrd="1" destOrd="1" presId="urn:microsoft.com/office/officeart/2005/8/layout/hProcess4#1"/>
+    <dgm:cxn modelId="{2BAEC81D-A2FA-4817-B46B-91060C93F8B9}" srcId="{72734D70-D7C6-48DF-8782-AF8596BD6ED3}" destId="{B1B88494-BC93-4F9F-87F8-20971375A771}" srcOrd="3" destOrd="0" parTransId="{0A6B9D50-940E-4A16-994D-B4D1451D4053}" sibTransId="{05842D97-F42A-4347-812E-07D04374C44A}"/>
+    <dgm:cxn modelId="{D30DD26F-CC50-4A02-BDB0-D550E4AD41DF}" srcId="{E958A7C6-418E-46BB-973B-85764549DF17}" destId="{BEF0E031-6BEE-4360-820C-385C31E2501C}" srcOrd="0" destOrd="0" parTransId="{3B92EAED-0776-4D1E-A696-A55407B92960}" sibTransId="{2BC20E87-EC8E-4754-90B1-F0FA0A7CD82B}"/>
+    <dgm:cxn modelId="{8189F3B4-985C-40BC-B8EF-27C5FBD3AA83}" type="presOf" srcId="{87EB56C3-82D4-47B9-8BB7-D921D577E5ED}" destId="{0BE3C607-E9DE-488E-BF96-B45696799A2B}" srcOrd="0" destOrd="0" presId="urn:microsoft.com/office/officeart/2005/8/layout/hProcess4#1"/>
+    <dgm:cxn modelId="{5974E3B9-2032-4F2B-8540-5A59D463B623}" type="presOf" srcId="{24CBC319-9912-46CD-A81D-38C2BB713844}" destId="{750AE5F0-1562-42E6-A85E-1006048A4ABB}" srcOrd="0" destOrd="0" presId="urn:microsoft.com/office/officeart/2005/8/layout/hProcess4#1"/>
+    <dgm:cxn modelId="{60485614-0BF1-4057-8D94-5F14E3C286D5}" srcId="{303AFAEF-C613-415C-88AA-EC91B1262FED}" destId="{24CBC319-9912-46CD-A81D-38C2BB713844}" srcOrd="3" destOrd="0" parTransId="{83D96E27-F5E8-423F-9C2A-503E1D0001E4}" sibTransId="{EF496E16-ED34-4AA0-940E-42C30B87D9FF}"/>
+    <dgm:cxn modelId="{5AA58F62-05A8-4D56-B85C-C03F4662C6FF}" type="presOf" srcId="{210FE4F8-7C37-4809-87AD-C89289A227A9}" destId="{AA15F692-0E57-4AE4-9148-DD16F8E7412C}" srcOrd="0" destOrd="0" presId="urn:microsoft.com/office/officeart/2005/8/layout/hProcess4#1"/>
+    <dgm:cxn modelId="{1D673294-94DC-48A2-ADB3-7EF0114F61DC}" type="presOf" srcId="{02503B8C-D262-4294-BA8B-FF80D6486BE2}" destId="{BBC1F3A4-4FFE-461B-8077-246A544B16C4}" srcOrd="0" destOrd="1" presId="urn:microsoft.com/office/officeart/2005/8/layout/hProcess4#1"/>
+    <dgm:cxn modelId="{72E52B94-DD85-41D9-A73D-91AF76C8B793}" srcId="{210FE4F8-7C37-4809-87AD-C89289A227A9}" destId="{58E59BFD-E7D0-4244-B993-05079F6230E2}" srcOrd="2" destOrd="0" parTransId="{A4381F65-E1F9-4F01-B1EA-ECC0C1612330}" sibTransId="{0DF80D42-6B9D-498C-802E-374A8D40FC43}"/>
+    <dgm:cxn modelId="{9F671D79-735A-497B-AA37-F960C1DB6521}" type="presOf" srcId="{5162DC90-8C3B-44F3-A773-70EB6F341F56}" destId="{0BE3C607-E9DE-488E-BF96-B45696799A2B}" srcOrd="0" destOrd="4" presId="urn:microsoft.com/office/officeart/2005/8/layout/hProcess4#1"/>
+    <dgm:cxn modelId="{40B7AA86-5C66-4E22-95A8-503C4973DEE2}" srcId="{72734D70-D7C6-48DF-8782-AF8596BD6ED3}" destId="{EBA30CB4-1BEB-42F1-88EA-5548F95C9EF4}" srcOrd="0" destOrd="0" parTransId="{4CC5FFD5-316E-4548-9F83-B997E94B89B0}" sibTransId="{CB6DCD54-60B1-4F33-980E-39CE2A7D82EF}"/>
+    <dgm:cxn modelId="{E3B383CF-61C8-49DD-AA2A-505BAE4235FC}" type="presOf" srcId="{303AFAEF-C613-415C-88AA-EC91B1262FED}" destId="{8933267D-5B01-4E46-8868-F4A87687B514}" srcOrd="0" destOrd="0" presId="urn:microsoft.com/office/officeart/2005/8/layout/hProcess4#1"/>
+    <dgm:cxn modelId="{35CE9CF5-DA55-4131-8983-859C0DE2AC81}" srcId="{24CBC319-9912-46CD-A81D-38C2BB713844}" destId="{E5D9B38E-8538-4F47-AC47-B9BE80497391}" srcOrd="0" destOrd="0" parTransId="{85D68D7D-AE30-406E-B164-2B3F6EFB9506}" sibTransId="{3CF954DE-FA87-4C27-814F-6DA6119C3C4D}"/>
+    <dgm:cxn modelId="{FDC4813A-9492-4D8B-BA1E-9E5F62C1B551}" srcId="{303AFAEF-C613-415C-88AA-EC91B1262FED}" destId="{72734D70-D7C6-48DF-8782-AF8596BD6ED3}" srcOrd="1" destOrd="0" parTransId="{508DB7A1-065D-49E7-8A41-D96E4361C8A1}" sibTransId="{4D1AA03A-1A26-4E0F-9E40-88612850C8F3}"/>
+    <dgm:cxn modelId="{C4DE2CD9-F9C1-4E12-BF33-C16E965418FF}" type="presOf" srcId="{1E3BDD9A-81CE-4940-8A57-A762F3654446}" destId="{0BE3C607-E9DE-488E-BF96-B45696799A2B}" srcOrd="0" destOrd="1" presId="urn:microsoft.com/office/officeart/2005/8/layout/hProcess4#1"/>
+    <dgm:cxn modelId="{6CD2A6B0-B677-4922-A5B1-C37CB4947F46}" type="presOf" srcId="{58E59BFD-E7D0-4244-B993-05079F6230E2}" destId="{884B42FE-C313-4F0B-ADC8-6D5EC9178039}" srcOrd="1" destOrd="2" presId="urn:microsoft.com/office/officeart/2005/8/layout/hProcess4#1"/>
+    <dgm:cxn modelId="{6EE337CC-5C9E-49F8-A3DD-5A68E0AA8C94}" type="presOf" srcId="{B3B43E7B-6B7B-4A75-A7C9-094982CD456E}" destId="{99F40193-91A9-4512-9F43-43938D3C98C1}" srcOrd="0" destOrd="1" presId="urn:microsoft.com/office/officeart/2005/8/layout/hProcess4#1"/>
+    <dgm:cxn modelId="{D6D46CAA-EBDD-4D59-A4E3-B652564B8750}" srcId="{303AFAEF-C613-415C-88AA-EC91B1262FED}" destId="{E958A7C6-418E-46BB-973B-85764549DF17}" srcOrd="4" destOrd="0" parTransId="{19FF70F2-0A77-4C10-AC7A-27B1D267B0B8}" sibTransId="{7A796420-6104-457F-A8D1-14BF748A168E}"/>
+    <dgm:cxn modelId="{B951AFF6-0BF2-49BE-B5C9-A5EA5D8D6066}" type="presOf" srcId="{BEF0E031-6BEE-4360-820C-385C31E2501C}" destId="{E405F61A-488A-4779-837A-6A97BA10590B}" srcOrd="1" destOrd="0" presId="urn:microsoft.com/office/officeart/2005/8/layout/hProcess4#1"/>
+    <dgm:cxn modelId="{EDB52757-5983-4D2E-9824-7342A52FB3CF}" type="presOf" srcId="{0E57DC64-DC5B-416C-857D-3FC104E8162A}" destId="{884B42FE-C313-4F0B-ADC8-6D5EC9178039}" srcOrd="1" destOrd="3" presId="urn:microsoft.com/office/officeart/2005/8/layout/hProcess4#1"/>
+    <dgm:cxn modelId="{AA9BDF19-98F6-4517-905D-FCFCE726DE59}" srcId="{210FE4F8-7C37-4809-87AD-C89289A227A9}" destId="{21FFCBF9-D079-4228-A051-ACD0652BD1E7}" srcOrd="0" destOrd="0" parTransId="{90EDFFB6-0EF6-4CC1-91F6-A67CEC4C3CF5}" sibTransId="{0A29E907-3EA1-46B2-8C69-141FE0B3B82C}"/>
+    <dgm:cxn modelId="{8BD3D4B4-065E-4D47-949B-345A13E495D1}" type="presOf" srcId="{21FFCBF9-D079-4228-A051-ACD0652BD1E7}" destId="{BBC1F3A4-4FFE-461B-8077-246A544B16C4}" srcOrd="0" destOrd="0" presId="urn:microsoft.com/office/officeart/2005/8/layout/hProcess4#1"/>
+    <dgm:cxn modelId="{CB0B2B36-C17C-47C6-944B-E02C08C479CB}" srcId="{303AFAEF-C613-415C-88AA-EC91B1262FED}" destId="{210FE4F8-7C37-4809-87AD-C89289A227A9}" srcOrd="2" destOrd="0" parTransId="{6D709E5C-2A4B-41CE-A82E-08FA1214F243}" sibTransId="{18336FC2-DAC8-428F-972C-22D22B880AE9}"/>
+    <dgm:cxn modelId="{D0BD2105-7806-461C-B736-CE4BB46BE862}" srcId="{24CBC319-9912-46CD-A81D-38C2BB713844}" destId="{C9BF9BCD-BF72-4067-8E8B-013B58DDE495}" srcOrd="3" destOrd="0" parTransId="{808C58B4-6CC8-4F5A-B012-142BF382926E}" sibTransId="{D6ABBE51-D0FD-4F05-88A2-8AE6EA0CFE93}"/>
+    <dgm:cxn modelId="{303A0152-1B31-4E43-AD2F-910148251EF2}" type="presOf" srcId="{591971BB-762B-49C3-BA83-96F86A469157}" destId="{0BE3C607-E9DE-488E-BF96-B45696799A2B}" srcOrd="0" destOrd="3" presId="urn:microsoft.com/office/officeart/2005/8/layout/hProcess4#1"/>
+    <dgm:cxn modelId="{ECE27196-CCB0-4575-95C0-827E05B117EA}" type="presOf" srcId="{90931715-5D7E-45DC-87BB-AC5FB1FFD782}" destId="{E405F61A-488A-4779-837A-6A97BA10590B}" srcOrd="1" destOrd="1" presId="urn:microsoft.com/office/officeart/2005/8/layout/hProcess4#1"/>
+    <dgm:cxn modelId="{B1A6D78D-0D67-4A8E-A8B5-0C85B85BC0B1}" type="presOf" srcId="{1E3BDD9A-81CE-4940-8A57-A762F3654446}" destId="{22BD2250-C9DC-4294-9AC9-94FB314FCCC9}" srcOrd="1" destOrd="1" presId="urn:microsoft.com/office/officeart/2005/8/layout/hProcess4#1"/>
+    <dgm:cxn modelId="{E59F014F-1D85-47D4-8FC6-834B3DE6260B}" type="presOf" srcId="{90931715-5D7E-45DC-87BB-AC5FB1FFD782}" destId="{5EDB0FCE-5C77-4B2A-8A6D-5F7C98CFF9CB}" srcOrd="0" destOrd="1" presId="urn:microsoft.com/office/officeart/2005/8/layout/hProcess4#1"/>
+    <dgm:cxn modelId="{F3ACC138-32DA-4327-BE1B-476AEE725C47}" srcId="{BEE0B429-5DEE-4AC1-B8F1-F057F97D77AD}" destId="{47F0CC13-BB65-41FF-A01A-451FFCF31494}" srcOrd="2" destOrd="0" parTransId="{7AC2A66C-BA22-458E-B2B6-C857C89E2E18}" sibTransId="{ADA5DFBC-B51B-4C1B-AE5D-64C77F556ACB}"/>
+    <dgm:cxn modelId="{1F58A6A6-C90D-46AA-B655-E18B77F5CEE7}" srcId="{BEE0B429-5DEE-4AC1-B8F1-F057F97D77AD}" destId="{87EB56C3-82D4-47B9-8BB7-D921D577E5ED}" srcOrd="0" destOrd="0" parTransId="{D2CB6AA7-46E0-4B48-9149-7CB3C601F619}" sibTransId="{66C5ADDE-B42D-4F4D-A398-39424888232B}"/>
+    <dgm:cxn modelId="{AA8C8F12-E362-4113-9F3E-F0B0F6959206}" srcId="{24CBC319-9912-46CD-A81D-38C2BB713844}" destId="{A2650D99-F3BE-4CC9-AE0F-0CA322826589}" srcOrd="4" destOrd="0" parTransId="{2B3702F9-EAB7-4A8B-B645-52525EFB8965}" sibTransId="{12BD24C7-F3F1-45A2-BBF1-B5AF2AD99E11}"/>
     <dgm:cxn modelId="{FFDD7203-BC18-4DDE-93D9-5D20611ABF44}" srcId="{24CBC319-9912-46CD-A81D-38C2BB713844}" destId="{03721F47-C015-49C6-AA50-836A5282A095}" srcOrd="1" destOrd="0" parTransId="{781B9559-1B7B-4106-9606-4FD5B44856AA}" sibTransId="{2015F317-4F28-4379-A473-F91FD240EEE4}"/>
+    <dgm:cxn modelId="{245C66F8-D593-4001-82EF-0B8642BE7996}" type="presOf" srcId="{C9BF9BCD-BF72-4067-8E8B-013B58DDE495}" destId="{52A82C79-9754-40B7-AAB2-3758014C650E}" srcOrd="1" destOrd="3" presId="urn:microsoft.com/office/officeart/2005/8/layout/hProcess4#1"/>
     <dgm:cxn modelId="{5E5D1E05-D15A-4668-B85D-39C555B270E0}" srcId="{72734D70-D7C6-48DF-8782-AF8596BD6ED3}" destId="{AC6D6280-1457-4331-B947-203AB828256A}" srcOrd="2" destOrd="0" parTransId="{8F5AE2DF-1EFD-44CA-9DFB-A41DE7060F0B}" sibTransId="{8191D2B1-401C-4BFC-B17A-348E7FD919DB}"/>
-    <dgm:cxn modelId="{D0BD2105-7806-461C-B736-CE4BB46BE862}" srcId="{24CBC319-9912-46CD-A81D-38C2BB713844}" destId="{C9BF9BCD-BF72-4067-8E8B-013B58DDE495}" srcOrd="3" destOrd="0" parTransId="{808C58B4-6CC8-4F5A-B012-142BF382926E}" sibTransId="{D6ABBE51-D0FD-4F05-88A2-8AE6EA0CFE93}"/>
-    <dgm:cxn modelId="{1ADD1B09-AB09-4DDD-B173-508165F3C9CA}" type="presOf" srcId="{4D1AA03A-1A26-4E0F-9E40-88612850C8F3}" destId="{5521A904-781C-4789-848B-4B2150C451FF}" srcOrd="0" destOrd="0" presId="urn:microsoft.com/office/officeart/2005/8/layout/hProcess4"/>
-    <dgm:cxn modelId="{9C6DAC0E-2092-472F-B156-0716AB66342C}" type="presOf" srcId="{87EB56C3-82D4-47B9-8BB7-D921D577E5ED}" destId="{22BD2250-C9DC-4294-9AC9-94FB314FCCC9}" srcOrd="1" destOrd="0" presId="urn:microsoft.com/office/officeart/2005/8/layout/hProcess4"/>
-    <dgm:cxn modelId="{AA8C8F12-E362-4113-9F3E-F0B0F6959206}" srcId="{24CBC319-9912-46CD-A81D-38C2BB713844}" destId="{A2650D99-F3BE-4CC9-AE0F-0CA322826589}" srcOrd="4" destOrd="0" parTransId="{2B3702F9-EAB7-4A8B-B645-52525EFB8965}" sibTransId="{12BD24C7-F3F1-45A2-BBF1-B5AF2AD99E11}"/>
-    <dgm:cxn modelId="{60485614-0BF1-4057-8D94-5F14E3C286D5}" srcId="{303AFAEF-C613-415C-88AA-EC91B1262FED}" destId="{24CBC319-9912-46CD-A81D-38C2BB713844}" srcOrd="3" destOrd="0" parTransId="{83D96E27-F5E8-423F-9C2A-503E1D0001E4}" sibTransId="{EF496E16-ED34-4AA0-940E-42C30B87D9FF}"/>
-    <dgm:cxn modelId="{F9470A16-85E4-43D0-A47D-9A8B44C3843A}" type="presOf" srcId="{18336FC2-DAC8-428F-972C-22D22B880AE9}" destId="{7934F4A9-4D1D-470B-99F6-EE7AC1DE1470}" srcOrd="0" destOrd="0" presId="urn:microsoft.com/office/officeart/2005/8/layout/hProcess4"/>
-    <dgm:cxn modelId="{AA9BDF19-98F6-4517-905D-FCFCE726DE59}" srcId="{210FE4F8-7C37-4809-87AD-C89289A227A9}" destId="{21FFCBF9-D079-4228-A051-ACD0652BD1E7}" srcOrd="0" destOrd="0" parTransId="{90EDFFB6-0EF6-4CC1-91F6-A67CEC4C3CF5}" sibTransId="{0A29E907-3EA1-46B2-8C69-141FE0B3B82C}"/>
-    <dgm:cxn modelId="{80C1D71A-9A89-4E6B-8670-53D09303CCCD}" srcId="{BEE0B429-5DEE-4AC1-B8F1-F057F97D77AD}" destId="{1E3BDD9A-81CE-4940-8A57-A762F3654446}" srcOrd="1" destOrd="0" parTransId="{E978728F-7F73-46B4-9CB2-24B6B07F550A}" sibTransId="{B092E527-62F1-4E3C-80FD-DEE2BBB981A9}"/>
-    <dgm:cxn modelId="{2BAEC81D-A2FA-4817-B46B-91060C93F8B9}" srcId="{72734D70-D7C6-48DF-8782-AF8596BD6ED3}" destId="{B1B88494-BC93-4F9F-87F8-20971375A771}" srcOrd="3" destOrd="0" parTransId="{0A6B9D50-940E-4A16-994D-B4D1451D4053}" sibTransId="{05842D97-F42A-4347-812E-07D04374C44A}"/>
-    <dgm:cxn modelId="{F46E722C-4D97-479D-9BA2-BACA2DF79FC0}" srcId="{210FE4F8-7C37-4809-87AD-C89289A227A9}" destId="{0E57DC64-DC5B-416C-857D-3FC104E8162A}" srcOrd="3" destOrd="0" parTransId="{983FF315-0430-4A0D-9DBB-6BCA3F8C61FF}" sibTransId="{1BE5C39D-9CA0-4926-B893-7A63F9E8D062}"/>
-    <dgm:cxn modelId="{58C52E30-26D3-4C03-BC79-45FDE138882F}" type="presOf" srcId="{C9BF9BCD-BF72-4067-8E8B-013B58DDE495}" destId="{0595DFF3-DEB1-43BD-90A3-F691C69EDB59}" srcOrd="0" destOrd="3" presId="urn:microsoft.com/office/officeart/2005/8/layout/hProcess4"/>
-    <dgm:cxn modelId="{CB0B2B36-C17C-47C6-944B-E02C08C479CB}" srcId="{303AFAEF-C613-415C-88AA-EC91B1262FED}" destId="{210FE4F8-7C37-4809-87AD-C89289A227A9}" srcOrd="2" destOrd="0" parTransId="{6D709E5C-2A4B-41CE-A82E-08FA1214F243}" sibTransId="{18336FC2-DAC8-428F-972C-22D22B880AE9}"/>
-    <dgm:cxn modelId="{ADDEA037-585C-40A7-86BA-AD65244CA0D2}" type="presOf" srcId="{B3B43E7B-6B7B-4A75-A7C9-094982CD456E}" destId="{0EFAE6D7-5B6B-4409-834F-589B06F1616E}" srcOrd="1" destOrd="1" presId="urn:microsoft.com/office/officeart/2005/8/layout/hProcess4"/>
-    <dgm:cxn modelId="{F3ACC138-32DA-4327-BE1B-476AEE725C47}" srcId="{BEE0B429-5DEE-4AC1-B8F1-F057F97D77AD}" destId="{47F0CC13-BB65-41FF-A01A-451FFCF31494}" srcOrd="2" destOrd="0" parTransId="{7AC2A66C-BA22-458E-B2B6-C857C89E2E18}" sibTransId="{ADA5DFBC-B51B-4C1B-AE5D-64C77F556ACB}"/>
-    <dgm:cxn modelId="{FDC4813A-9492-4D8B-BA1E-9E5F62C1B551}" srcId="{303AFAEF-C613-415C-88AA-EC91B1262FED}" destId="{72734D70-D7C6-48DF-8782-AF8596BD6ED3}" srcOrd="1" destOrd="0" parTransId="{508DB7A1-065D-49E7-8A41-D96E4361C8A1}" sibTransId="{4D1AA03A-1A26-4E0F-9E40-88612850C8F3}"/>
-    <dgm:cxn modelId="{F529E43C-B1E0-4DB4-AB64-7DCAA2291888}" srcId="{303AFAEF-C613-415C-88AA-EC91B1262FED}" destId="{BEE0B429-5DEE-4AC1-B8F1-F057F97D77AD}" srcOrd="0" destOrd="0" parTransId="{89785933-5AE4-4C21-810E-06EC0BBE4931}" sibTransId="{9991DC34-8968-4776-9C7C-51EDA450587E}"/>
-    <dgm:cxn modelId="{6442F73C-68DC-4265-9B08-776B3FADEEBC}" type="presOf" srcId="{EBA30CB4-1BEB-42F1-88EA-5548F95C9EF4}" destId="{0EFAE6D7-5B6B-4409-834F-589B06F1616E}" srcOrd="1" destOrd="0" presId="urn:microsoft.com/office/officeart/2005/8/layout/hProcess4"/>
-    <dgm:cxn modelId="{ABFB683F-DF10-47D2-8DDC-FF21DE7B29B4}" type="presOf" srcId="{E958A7C6-418E-46BB-973B-85764549DF17}" destId="{26C43FB0-B911-43DB-A84F-27E616B7B27C}" srcOrd="0" destOrd="0" presId="urn:microsoft.com/office/officeart/2005/8/layout/hProcess4"/>
-    <dgm:cxn modelId="{F9F4A15D-A5F7-464B-A4D7-DFDABFE20F3F}" type="presOf" srcId="{B1B88494-BC93-4F9F-87F8-20971375A771}" destId="{99F40193-91A9-4512-9F43-43938D3C98C1}" srcOrd="0" destOrd="3" presId="urn:microsoft.com/office/officeart/2005/8/layout/hProcess4"/>
-    <dgm:cxn modelId="{5AA58F62-05A8-4D56-B85C-C03F4662C6FF}" type="presOf" srcId="{210FE4F8-7C37-4809-87AD-C89289A227A9}" destId="{AA15F692-0E57-4AE4-9148-DD16F8E7412C}" srcOrd="0" destOrd="0" presId="urn:microsoft.com/office/officeart/2005/8/layout/hProcess4"/>
-    <dgm:cxn modelId="{7AC43043-B904-4DAB-904F-4230CC634FE6}" srcId="{210FE4F8-7C37-4809-87AD-C89289A227A9}" destId="{02503B8C-D262-4294-BA8B-FF80D6486BE2}" srcOrd="1" destOrd="0" parTransId="{9CE8E416-B41C-4D20-B35E-E2863839F80D}" sibTransId="{1C32FDCD-2A54-4534-B5A0-8166831EF474}"/>
-    <dgm:cxn modelId="{6504876A-A6AD-4E87-8849-88B4198FF4F5}" type="presOf" srcId="{BEF0E031-6BEE-4360-820C-385C31E2501C}" destId="{5EDB0FCE-5C77-4B2A-8A6D-5F7C98CFF9CB}" srcOrd="0" destOrd="0" presId="urn:microsoft.com/office/officeart/2005/8/layout/hProcess4"/>
-    <dgm:cxn modelId="{E59F014F-1D85-47D4-8FC6-834B3DE6260B}" type="presOf" srcId="{90931715-5D7E-45DC-87BB-AC5FB1FFD782}" destId="{5EDB0FCE-5C77-4B2A-8A6D-5F7C98CFF9CB}" srcOrd="0" destOrd="1" presId="urn:microsoft.com/office/officeart/2005/8/layout/hProcess4"/>
-    <dgm:cxn modelId="{D30DD26F-CC50-4A02-BDB0-D550E4AD41DF}" srcId="{E958A7C6-418E-46BB-973B-85764549DF17}" destId="{BEF0E031-6BEE-4360-820C-385C31E2501C}" srcOrd="0" destOrd="0" parTransId="{3B92EAED-0776-4D1E-A696-A55407B92960}" sibTransId="{2BC20E87-EC8E-4754-90B1-F0FA0A7CD82B}"/>
-    <dgm:cxn modelId="{303A0152-1B31-4E43-AD2F-910148251EF2}" type="presOf" srcId="{591971BB-762B-49C3-BA83-96F86A469157}" destId="{0BE3C607-E9DE-488E-BF96-B45696799A2B}" srcOrd="0" destOrd="3" presId="urn:microsoft.com/office/officeart/2005/8/layout/hProcess4"/>
-    <dgm:cxn modelId="{9808A753-695C-4545-B5B5-7D5902DBC165}" type="presOf" srcId="{E5D9B38E-8538-4F47-AC47-B9BE80497391}" destId="{0595DFF3-DEB1-43BD-90A3-F691C69EDB59}" srcOrd="0" destOrd="0" presId="urn:microsoft.com/office/officeart/2005/8/layout/hProcess4"/>
-    <dgm:cxn modelId="{D4247074-0180-4846-B7CB-FE040FC57E19}" type="presOf" srcId="{A2650D99-F3BE-4CC9-AE0F-0CA322826589}" destId="{52A82C79-9754-40B7-AAB2-3758014C650E}" srcOrd="1" destOrd="4" presId="urn:microsoft.com/office/officeart/2005/8/layout/hProcess4"/>
-    <dgm:cxn modelId="{08E16F75-60E8-46F8-B783-1EFBEBC0C2EC}" type="presOf" srcId="{9991DC34-8968-4776-9C7C-51EDA450587E}" destId="{EA524D5B-25AE-4841-840A-DCF5BD829AD0}" srcOrd="0" destOrd="0" presId="urn:microsoft.com/office/officeart/2005/8/layout/hProcess4"/>
-    <dgm:cxn modelId="{616FD975-DBCE-40C4-804B-3A0043888F2D}" srcId="{BEE0B429-5DEE-4AC1-B8F1-F057F97D77AD}" destId="{591971BB-762B-49C3-BA83-96F86A469157}" srcOrd="3" destOrd="0" parTransId="{8666CB0B-7901-472D-8B03-B5FBAA797DDA}" sibTransId="{C39AE20C-27CE-4316-A6CA-51C49DD588DD}"/>
-    <dgm:cxn modelId="{0775D876-621B-48F6-B0AF-7BBC1FE4FBFB}" type="presOf" srcId="{EF496E16-ED34-4AA0-940E-42C30B87D9FF}" destId="{28C2E68D-D3EB-4419-BCC8-92D68E4A7601}" srcOrd="0" destOrd="0" presId="urn:microsoft.com/office/officeart/2005/8/layout/hProcess4"/>
-    <dgm:cxn modelId="{EDB52757-5983-4D2E-9824-7342A52FB3CF}" type="presOf" srcId="{0E57DC64-DC5B-416C-857D-3FC104E8162A}" destId="{884B42FE-C313-4F0B-ADC8-6D5EC9178039}" srcOrd="1" destOrd="3" presId="urn:microsoft.com/office/officeart/2005/8/layout/hProcess4"/>
-    <dgm:cxn modelId="{1BBFDA57-798A-42EC-9AD8-8D744BA7F38B}" srcId="{72734D70-D7C6-48DF-8782-AF8596BD6ED3}" destId="{B3B43E7B-6B7B-4A75-A7C9-094982CD456E}" srcOrd="1" destOrd="0" parTransId="{03EEEC97-1AF1-4523-B72F-1836E0DAAB35}" sibTransId="{C01C9B3C-0788-42FB-A83E-AB89703AAEDD}"/>
-    <dgm:cxn modelId="{9F671D79-735A-497B-AA37-F960C1DB6521}" type="presOf" srcId="{5162DC90-8C3B-44F3-A773-70EB6F341F56}" destId="{0BE3C607-E9DE-488E-BF96-B45696799A2B}" srcOrd="0" destOrd="4" presId="urn:microsoft.com/office/officeart/2005/8/layout/hProcess4"/>
-    <dgm:cxn modelId="{0C1C6A59-730C-4CA0-AAA9-8EF146452B55}" type="presOf" srcId="{03721F47-C015-49C6-AA50-836A5282A095}" destId="{52A82C79-9754-40B7-AAB2-3758014C650E}" srcOrd="1" destOrd="1" presId="urn:microsoft.com/office/officeart/2005/8/layout/hProcess4"/>
-    <dgm:cxn modelId="{BCF24C79-0BFA-4417-8909-2A373FCDC8BD}" type="presOf" srcId="{591971BB-762B-49C3-BA83-96F86A469157}" destId="{22BD2250-C9DC-4294-9AC9-94FB314FCCC9}" srcOrd="1" destOrd="3" presId="urn:microsoft.com/office/officeart/2005/8/layout/hProcess4"/>
-    <dgm:cxn modelId="{95502B81-0DED-4547-9BF6-BA8AE34F05E4}" type="presOf" srcId="{03721F47-C015-49C6-AA50-836A5282A095}" destId="{0595DFF3-DEB1-43BD-90A3-F691C69EDB59}" srcOrd="0" destOrd="1" presId="urn:microsoft.com/office/officeart/2005/8/layout/hProcess4"/>
-    <dgm:cxn modelId="{40B7AA86-5C66-4E22-95A8-503C4973DEE2}" srcId="{72734D70-D7C6-48DF-8782-AF8596BD6ED3}" destId="{EBA30CB4-1BEB-42F1-88EA-5548F95C9EF4}" srcOrd="0" destOrd="0" parTransId="{4CC5FFD5-316E-4548-9F83-B997E94B89B0}" sibTransId="{CB6DCD54-60B1-4F33-980E-39CE2A7D82EF}"/>
-    <dgm:cxn modelId="{2E0F9388-7049-4801-B7F0-6A7D3E217915}" type="presOf" srcId="{02503B8C-D262-4294-BA8B-FF80D6486BE2}" destId="{884B42FE-C313-4F0B-ADC8-6D5EC9178039}" srcOrd="1" destOrd="1" presId="urn:microsoft.com/office/officeart/2005/8/layout/hProcess4"/>
-    <dgm:cxn modelId="{B1A6D78D-0D67-4A8E-A8B5-0C85B85BC0B1}" type="presOf" srcId="{1E3BDD9A-81CE-4940-8A57-A762F3654446}" destId="{22BD2250-C9DC-4294-9AC9-94FB314FCCC9}" srcOrd="1" destOrd="1" presId="urn:microsoft.com/office/officeart/2005/8/layout/hProcess4"/>
-    <dgm:cxn modelId="{72E52B94-DD85-41D9-A73D-91AF76C8B793}" srcId="{210FE4F8-7C37-4809-87AD-C89289A227A9}" destId="{58E59BFD-E7D0-4244-B993-05079F6230E2}" srcOrd="2" destOrd="0" parTransId="{A4381F65-E1F9-4F01-B1EA-ECC0C1612330}" sibTransId="{0DF80D42-6B9D-498C-802E-374A8D40FC43}"/>
-    <dgm:cxn modelId="{1D673294-94DC-48A2-ADB3-7EF0114F61DC}" type="presOf" srcId="{02503B8C-D262-4294-BA8B-FF80D6486BE2}" destId="{BBC1F3A4-4FFE-461B-8077-246A544B16C4}" srcOrd="0" destOrd="1" presId="urn:microsoft.com/office/officeart/2005/8/layout/hProcess4"/>
-    <dgm:cxn modelId="{ECE27196-CCB0-4575-95C0-827E05B117EA}" type="presOf" srcId="{90931715-5D7E-45DC-87BB-AC5FB1FFD782}" destId="{E405F61A-488A-4779-837A-6A97BA10590B}" srcOrd="1" destOrd="1" presId="urn:microsoft.com/office/officeart/2005/8/layout/hProcess4"/>
-    <dgm:cxn modelId="{6D359E99-8816-4CF9-AE86-541234EA071B}" type="presOf" srcId="{B1B88494-BC93-4F9F-87F8-20971375A771}" destId="{0EFAE6D7-5B6B-4409-834F-589B06F1616E}" srcOrd="1" destOrd="3" presId="urn:microsoft.com/office/officeart/2005/8/layout/hProcess4"/>
-    <dgm:cxn modelId="{C10EDB9F-9FD0-4803-8B55-CD5D19789188}" type="presOf" srcId="{A2650D99-F3BE-4CC9-AE0F-0CA322826589}" destId="{0595DFF3-DEB1-43BD-90A3-F691C69EDB59}" srcOrd="0" destOrd="4" presId="urn:microsoft.com/office/officeart/2005/8/layout/hProcess4"/>
+    <dgm:cxn modelId="{E2F9E6C9-D138-4041-8C6F-0C04F67A3E62}" type="presOf" srcId="{E5D9B38E-8538-4F47-AC47-B9BE80497391}" destId="{52A82C79-9754-40B7-AAB2-3758014C650E}" srcOrd="1" destOrd="0" presId="urn:microsoft.com/office/officeart/2005/8/layout/hProcess4#1"/>
+    <dgm:cxn modelId="{ABFB683F-DF10-47D2-8DDC-FF21DE7B29B4}" type="presOf" srcId="{E958A7C6-418E-46BB-973B-85764549DF17}" destId="{26C43FB0-B911-43DB-A84F-27E616B7B27C}" srcOrd="0" destOrd="0" presId="urn:microsoft.com/office/officeart/2005/8/layout/hProcess4#1"/>
     <dgm:cxn modelId="{DD1E0DA5-37C8-49FF-8FBF-6B9CFDBDA4F5}" srcId="{BEE0B429-5DEE-4AC1-B8F1-F057F97D77AD}" destId="{5162DC90-8C3B-44F3-A773-70EB6F341F56}" srcOrd="4" destOrd="0" parTransId="{6A44672E-6DF4-4F38-A483-FA961183A81B}" sibTransId="{85942B9D-F3F9-43A4-A4C5-FDCE0D29CB73}"/>
-    <dgm:cxn modelId="{1F58A6A6-C90D-46AA-B655-E18B77F5CEE7}" srcId="{BEE0B429-5DEE-4AC1-B8F1-F057F97D77AD}" destId="{87EB56C3-82D4-47B9-8BB7-D921D577E5ED}" srcOrd="0" destOrd="0" parTransId="{D2CB6AA7-46E0-4B48-9149-7CB3C601F619}" sibTransId="{66C5ADDE-B42D-4F4D-A398-39424888232B}"/>
-    <dgm:cxn modelId="{D6D46CAA-EBDD-4D59-A4E3-B652564B8750}" srcId="{303AFAEF-C613-415C-88AA-EC91B1262FED}" destId="{E958A7C6-418E-46BB-973B-85764549DF17}" srcOrd="4" destOrd="0" parTransId="{19FF70F2-0A77-4C10-AC7A-27B1D267B0B8}" sibTransId="{7A796420-6104-457F-A8D1-14BF748A168E}"/>
-    <dgm:cxn modelId="{6CD2A6B0-B677-4922-A5B1-C37CB4947F46}" type="presOf" srcId="{58E59BFD-E7D0-4244-B993-05079F6230E2}" destId="{884B42FE-C313-4F0B-ADC8-6D5EC9178039}" srcOrd="1" destOrd="2" presId="urn:microsoft.com/office/officeart/2005/8/layout/hProcess4"/>
-    <dgm:cxn modelId="{AD8C1FB3-9E8A-4C1B-85B4-2D8E8FC9098C}" type="presOf" srcId="{AC6D6280-1457-4331-B947-203AB828256A}" destId="{0EFAE6D7-5B6B-4409-834F-589B06F1616E}" srcOrd="1" destOrd="2" presId="urn:microsoft.com/office/officeart/2005/8/layout/hProcess4"/>
-    <dgm:cxn modelId="{E0A465B3-D54B-4F39-A90B-572DD4FF1029}" type="presOf" srcId="{47F0CC13-BB65-41FF-A01A-451FFCF31494}" destId="{22BD2250-C9DC-4294-9AC9-94FB314FCCC9}" srcOrd="1" destOrd="2" presId="urn:microsoft.com/office/officeart/2005/8/layout/hProcess4"/>
-    <dgm:cxn modelId="{8BD3D4B4-065E-4D47-949B-345A13E495D1}" type="presOf" srcId="{21FFCBF9-D079-4228-A051-ACD0652BD1E7}" destId="{BBC1F3A4-4FFE-461B-8077-246A544B16C4}" srcOrd="0" destOrd="0" presId="urn:microsoft.com/office/officeart/2005/8/layout/hProcess4"/>
-    <dgm:cxn modelId="{8189F3B4-985C-40BC-B8EF-27C5FBD3AA83}" type="presOf" srcId="{87EB56C3-82D4-47B9-8BB7-D921D577E5ED}" destId="{0BE3C607-E9DE-488E-BF96-B45696799A2B}" srcOrd="0" destOrd="0" presId="urn:microsoft.com/office/officeart/2005/8/layout/hProcess4"/>
-    <dgm:cxn modelId="{5974E3B9-2032-4F2B-8540-5A59D463B623}" type="presOf" srcId="{24CBC319-9912-46CD-A81D-38C2BB713844}" destId="{750AE5F0-1562-42E6-A85E-1006048A4ABB}" srcOrd="0" destOrd="0" presId="urn:microsoft.com/office/officeart/2005/8/layout/hProcess4"/>
-    <dgm:cxn modelId="{96DB6FBC-F0B2-421F-8B8A-22BDB754E2AA}" type="presOf" srcId="{47F0CC13-BB65-41FF-A01A-451FFCF31494}" destId="{0BE3C607-E9DE-488E-BF96-B45696799A2B}" srcOrd="0" destOrd="2" presId="urn:microsoft.com/office/officeart/2005/8/layout/hProcess4"/>
-    <dgm:cxn modelId="{0062EDBC-B6DF-4F15-A4CE-9837A33EE710}" type="presOf" srcId="{33EAB5D2-4105-4924-92A0-E4A092D8765F}" destId="{0595DFF3-DEB1-43BD-90A3-F691C69EDB59}" srcOrd="0" destOrd="2" presId="urn:microsoft.com/office/officeart/2005/8/layout/hProcess4"/>
-    <dgm:cxn modelId="{C2AA74C7-C186-4CBB-86A4-578A4DB18C80}" type="presOf" srcId="{21FFCBF9-D079-4228-A051-ACD0652BD1E7}" destId="{884B42FE-C313-4F0B-ADC8-6D5EC9178039}" srcOrd="1" destOrd="0" presId="urn:microsoft.com/office/officeart/2005/8/layout/hProcess4"/>
-    <dgm:cxn modelId="{84E9C2C7-809D-4D95-966F-BC8BD80B5DFF}" type="presOf" srcId="{5162DC90-8C3B-44F3-A773-70EB6F341F56}" destId="{22BD2250-C9DC-4294-9AC9-94FB314FCCC9}" srcOrd="1" destOrd="4" presId="urn:microsoft.com/office/officeart/2005/8/layout/hProcess4"/>
-    <dgm:cxn modelId="{E2F9E6C9-D138-4041-8C6F-0C04F67A3E62}" type="presOf" srcId="{E5D9B38E-8538-4F47-AC47-B9BE80497391}" destId="{52A82C79-9754-40B7-AAB2-3758014C650E}" srcOrd="1" destOrd="0" presId="urn:microsoft.com/office/officeart/2005/8/layout/hProcess4"/>
-    <dgm:cxn modelId="{6EE337CC-5C9E-49F8-A3DD-5A68E0AA8C94}" type="presOf" srcId="{B3B43E7B-6B7B-4A75-A7C9-094982CD456E}" destId="{99F40193-91A9-4512-9F43-43938D3C98C1}" srcOrd="0" destOrd="1" presId="urn:microsoft.com/office/officeart/2005/8/layout/hProcess4"/>
-    <dgm:cxn modelId="{E3B383CF-61C8-49DD-AA2A-505BAE4235FC}" type="presOf" srcId="{303AFAEF-C613-415C-88AA-EC91B1262FED}" destId="{8933267D-5B01-4E46-8868-F4A87687B514}" srcOrd="0" destOrd="0" presId="urn:microsoft.com/office/officeart/2005/8/layout/hProcess4"/>
-    <dgm:cxn modelId="{C4DE2CD9-F9C1-4E12-BF33-C16E965418FF}" type="presOf" srcId="{1E3BDD9A-81CE-4940-8A57-A762F3654446}" destId="{0BE3C607-E9DE-488E-BF96-B45696799A2B}" srcOrd="0" destOrd="1" presId="urn:microsoft.com/office/officeart/2005/8/layout/hProcess4"/>
-    <dgm:cxn modelId="{255EC1D9-D84C-415C-BD65-CF218E442EAD}" type="presOf" srcId="{72734D70-D7C6-48DF-8782-AF8596BD6ED3}" destId="{043ADA9E-D830-466D-9CF6-6468D6758FEF}" srcOrd="0" destOrd="0" presId="urn:microsoft.com/office/officeart/2005/8/layout/hProcess4"/>
-    <dgm:cxn modelId="{643D4DE1-4A45-4018-A490-7C696FA0AED1}" type="presOf" srcId="{AC6D6280-1457-4331-B947-203AB828256A}" destId="{99F40193-91A9-4512-9F43-43938D3C98C1}" srcOrd="0" destOrd="2" presId="urn:microsoft.com/office/officeart/2005/8/layout/hProcess4"/>
-    <dgm:cxn modelId="{9206F1E5-5398-47BA-9959-0718D001A323}" type="presOf" srcId="{0E57DC64-DC5B-416C-857D-3FC104E8162A}" destId="{BBC1F3A4-4FFE-461B-8077-246A544B16C4}" srcOrd="0" destOrd="3" presId="urn:microsoft.com/office/officeart/2005/8/layout/hProcess4"/>
-    <dgm:cxn modelId="{77B61EED-DED8-4158-9C2E-619A95188BA3}" type="presOf" srcId="{BEE0B429-5DEE-4AC1-B8F1-F057F97D77AD}" destId="{18474A94-2007-47C0-92BC-26B7DB8AE5DB}" srcOrd="0" destOrd="0" presId="urn:microsoft.com/office/officeart/2005/8/layout/hProcess4"/>
-    <dgm:cxn modelId="{71D723F2-DA86-40A2-A808-7C775BD148EB}" type="presOf" srcId="{33EAB5D2-4105-4924-92A0-E4A092D8765F}" destId="{52A82C79-9754-40B7-AAB2-3758014C650E}" srcOrd="1" destOrd="2" presId="urn:microsoft.com/office/officeart/2005/8/layout/hProcess4"/>
-    <dgm:cxn modelId="{27FFA7F2-0D42-4347-835C-8B915E5E2EDC}" type="presOf" srcId="{EBA30CB4-1BEB-42F1-88EA-5548F95C9EF4}" destId="{99F40193-91A9-4512-9F43-43938D3C98C1}" srcOrd="0" destOrd="0" presId="urn:microsoft.com/office/officeart/2005/8/layout/hProcess4"/>
-    <dgm:cxn modelId="{CAB599F3-6976-4013-A9E6-2DD56B016B12}" type="presOf" srcId="{58E59BFD-E7D0-4244-B993-05079F6230E2}" destId="{BBC1F3A4-4FFE-461B-8077-246A544B16C4}" srcOrd="0" destOrd="2" presId="urn:microsoft.com/office/officeart/2005/8/layout/hProcess4"/>
-    <dgm:cxn modelId="{35CE9CF5-DA55-4131-8983-859C0DE2AC81}" srcId="{24CBC319-9912-46CD-A81D-38C2BB713844}" destId="{E5D9B38E-8538-4F47-AC47-B9BE80497391}" srcOrd="0" destOrd="0" parTransId="{85D68D7D-AE30-406E-B164-2B3F6EFB9506}" sibTransId="{3CF954DE-FA87-4C27-814F-6DA6119C3C4D}"/>
+    <dgm:cxn modelId="{84E9C2C7-809D-4D95-966F-BC8BD80B5DFF}" type="presOf" srcId="{5162DC90-8C3B-44F3-A773-70EB6F341F56}" destId="{22BD2250-C9DC-4294-9AC9-94FB314FCCC9}" srcOrd="1" destOrd="4" presId="urn:microsoft.com/office/officeart/2005/8/layout/hProcess4#1"/>
+    <dgm:cxn modelId="{643D4DE1-4A45-4018-A490-7C696FA0AED1}" type="presOf" srcId="{AC6D6280-1457-4331-B947-203AB828256A}" destId="{99F40193-91A9-4512-9F43-43938D3C98C1}" srcOrd="0" destOrd="2" presId="urn:microsoft.com/office/officeart/2005/8/layout/hProcess4#1"/>
+    <dgm:cxn modelId="{1ADD1B09-AB09-4DDD-B173-508165F3C9CA}" type="presOf" srcId="{4D1AA03A-1A26-4E0F-9E40-88612850C8F3}" destId="{5521A904-781C-4789-848B-4B2150C451FF}" srcOrd="0" destOrd="0" presId="urn:microsoft.com/office/officeart/2005/8/layout/hProcess4#1"/>
+    <dgm:cxn modelId="{C10EDB9F-9FD0-4803-8B55-CD5D19789188}" type="presOf" srcId="{A2650D99-F3BE-4CC9-AE0F-0CA322826589}" destId="{0595DFF3-DEB1-43BD-90A3-F691C69EDB59}" srcOrd="0" destOrd="4" presId="urn:microsoft.com/office/officeart/2005/8/layout/hProcess4#1"/>
+    <dgm:cxn modelId="{96DB6FBC-F0B2-421F-8B8A-22BDB754E2AA}" type="presOf" srcId="{47F0CC13-BB65-41FF-A01A-451FFCF31494}" destId="{0BE3C607-E9DE-488E-BF96-B45696799A2B}" srcOrd="0" destOrd="2" presId="urn:microsoft.com/office/officeart/2005/8/layout/hProcess4#1"/>
+    <dgm:cxn modelId="{71D723F2-DA86-40A2-A808-7C775BD148EB}" type="presOf" srcId="{33EAB5D2-4105-4924-92A0-E4A092D8765F}" destId="{52A82C79-9754-40B7-AAB2-3758014C650E}" srcOrd="1" destOrd="2" presId="urn:microsoft.com/office/officeart/2005/8/layout/hProcess4#1"/>
     <dgm:cxn modelId="{2ADA69F6-EE41-4B97-A679-A5297268296A}" srcId="{24CBC319-9912-46CD-A81D-38C2BB713844}" destId="{33EAB5D2-4105-4924-92A0-E4A092D8765F}" srcOrd="2" destOrd="0" parTransId="{77611221-6355-4772-91CE-28B920F449D2}" sibTransId="{C33CE4CB-74F6-4E51-A6FB-71B737D4A2F2}"/>
-    <dgm:cxn modelId="{B951AFF6-0BF2-49BE-B5C9-A5EA5D8D6066}" type="presOf" srcId="{BEF0E031-6BEE-4360-820C-385C31E2501C}" destId="{E405F61A-488A-4779-837A-6A97BA10590B}" srcOrd="1" destOrd="0" presId="urn:microsoft.com/office/officeart/2005/8/layout/hProcess4"/>
-    <dgm:cxn modelId="{9E5B18F7-A742-4183-994D-9367A81C6CCC}" srcId="{E958A7C6-418E-46BB-973B-85764549DF17}" destId="{90931715-5D7E-45DC-87BB-AC5FB1FFD782}" srcOrd="1" destOrd="0" parTransId="{03AF3346-8F26-4622-8048-D82F429D8F5B}" sibTransId="{73AB7D9E-37CD-4F25-992C-DC07DEB3F000}"/>
-    <dgm:cxn modelId="{245C66F8-D593-4001-82EF-0B8642BE7996}" type="presOf" srcId="{C9BF9BCD-BF72-4067-8E8B-013B58DDE495}" destId="{52A82C79-9754-40B7-AAB2-3758014C650E}" srcOrd="1" destOrd="3" presId="urn:microsoft.com/office/officeart/2005/8/layout/hProcess4"/>
-    <dgm:cxn modelId="{32E9BBB7-EAA5-4207-B0B5-DFD65036897D}" type="presParOf" srcId="{8933267D-5B01-4E46-8868-F4A87687B514}" destId="{8E5C478E-D80B-41EF-A94C-E948E36B59C0}" srcOrd="0" destOrd="0" presId="urn:microsoft.com/office/officeart/2005/8/layout/hProcess4"/>
-    <dgm:cxn modelId="{455B607E-C90C-4D92-84CA-A278D72AEA7C}" type="presParOf" srcId="{8933267D-5B01-4E46-8868-F4A87687B514}" destId="{9BFC3A4E-44CC-4402-A76E-6E74AB5417AB}" srcOrd="1" destOrd="0" presId="urn:microsoft.com/office/officeart/2005/8/layout/hProcess4"/>
-    <dgm:cxn modelId="{5799DCDA-6F1A-46ED-BB75-A0F48076CAAF}" type="presParOf" srcId="{8933267D-5B01-4E46-8868-F4A87687B514}" destId="{4D7FEF73-9295-4115-8289-4AF0D9122F53}" srcOrd="2" destOrd="0" presId="urn:microsoft.com/office/officeart/2005/8/layout/hProcess4"/>
-    <dgm:cxn modelId="{2F5C816F-4A51-4D2B-BD8E-01A3C509D9A8}" type="presParOf" srcId="{4D7FEF73-9295-4115-8289-4AF0D9122F53}" destId="{6FB99093-9A51-437D-A1B7-E8D1675700F4}" srcOrd="0" destOrd="0" presId="urn:microsoft.com/office/officeart/2005/8/layout/hProcess4"/>
-    <dgm:cxn modelId="{CA21A9FA-F7FD-465E-BFC4-53881EC129B3}" type="presParOf" srcId="{6FB99093-9A51-437D-A1B7-E8D1675700F4}" destId="{C7F7DEF7-0970-46EE-9A77-5ABB3E493285}" srcOrd="0" destOrd="0" presId="urn:microsoft.com/office/officeart/2005/8/layout/hProcess4"/>
-    <dgm:cxn modelId="{32B13FD2-D4C9-41B6-ABAB-AE609850EB65}" type="presParOf" srcId="{6FB99093-9A51-437D-A1B7-E8D1675700F4}" destId="{0BE3C607-E9DE-488E-BF96-B45696799A2B}" srcOrd="1" destOrd="0" presId="urn:microsoft.com/office/officeart/2005/8/layout/hProcess4"/>
-    <dgm:cxn modelId="{90C8BDD0-E7D7-4FEB-AC48-9423CBF5CAFF}" type="presParOf" srcId="{6FB99093-9A51-437D-A1B7-E8D1675700F4}" destId="{22BD2250-C9DC-4294-9AC9-94FB314FCCC9}" srcOrd="2" destOrd="0" presId="urn:microsoft.com/office/officeart/2005/8/layout/hProcess4"/>
-    <dgm:cxn modelId="{D1447685-4633-4BB0-895A-440161688082}" type="presParOf" srcId="{6FB99093-9A51-437D-A1B7-E8D1675700F4}" destId="{18474A94-2007-47C0-92BC-26B7DB8AE5DB}" srcOrd="3" destOrd="0" presId="urn:microsoft.com/office/officeart/2005/8/layout/hProcess4"/>
-    <dgm:cxn modelId="{F95BA20C-6AF0-4D1A-91AA-C4F00282DE91}" type="presParOf" srcId="{6FB99093-9A51-437D-A1B7-E8D1675700F4}" destId="{C7512345-8823-437F-A76A-5FA38F1D5756}" srcOrd="4" destOrd="0" presId="urn:microsoft.com/office/officeart/2005/8/layout/hProcess4"/>
-    <dgm:cxn modelId="{DE5ECF8D-6B8E-4B32-A129-9E029286A132}" type="presParOf" srcId="{4D7FEF73-9295-4115-8289-4AF0D9122F53}" destId="{EA524D5B-25AE-4841-840A-DCF5BD829AD0}" srcOrd="1" destOrd="0" presId="urn:microsoft.com/office/officeart/2005/8/layout/hProcess4"/>
-    <dgm:cxn modelId="{5D604F64-0652-4144-8A93-B3960327935C}" type="presParOf" srcId="{4D7FEF73-9295-4115-8289-4AF0D9122F53}" destId="{CE3BD715-4BBA-4519-A709-FBA2BDADB775}" srcOrd="2" destOrd="0" presId="urn:microsoft.com/office/officeart/2005/8/layout/hProcess4"/>
-    <dgm:cxn modelId="{F8C7860E-A893-4889-87E6-0798C2A5A952}" type="presParOf" srcId="{CE3BD715-4BBA-4519-A709-FBA2BDADB775}" destId="{B3150A5B-AD5E-4BB2-AE98-DBA977B6E7CF}" srcOrd="0" destOrd="0" presId="urn:microsoft.com/office/officeart/2005/8/layout/hProcess4"/>
-    <dgm:cxn modelId="{9DB9448C-C985-42DD-B8DA-3CA95D69168E}" type="presParOf" srcId="{CE3BD715-4BBA-4519-A709-FBA2BDADB775}" destId="{99F40193-91A9-4512-9F43-43938D3C98C1}" srcOrd="1" destOrd="0" presId="urn:microsoft.com/office/officeart/2005/8/layout/hProcess4"/>
-    <dgm:cxn modelId="{4D239E2B-7F6E-49F6-808E-422BDAB9FDB6}" type="presParOf" srcId="{CE3BD715-4BBA-4519-A709-FBA2BDADB775}" destId="{0EFAE6D7-5B6B-4409-834F-589B06F1616E}" srcOrd="2" destOrd="0" presId="urn:microsoft.com/office/officeart/2005/8/layout/hProcess4"/>
-    <dgm:cxn modelId="{2B34FEB1-1747-4EC0-983D-9FED3A8B96A5}" type="presParOf" srcId="{CE3BD715-4BBA-4519-A709-FBA2BDADB775}" destId="{043ADA9E-D830-466D-9CF6-6468D6758FEF}" srcOrd="3" destOrd="0" presId="urn:microsoft.com/office/officeart/2005/8/layout/hProcess4"/>
-    <dgm:cxn modelId="{0CFDC8A3-15C3-4C17-AD36-EA9D7D480A65}" type="presParOf" srcId="{CE3BD715-4BBA-4519-A709-FBA2BDADB775}" destId="{936D091A-45F2-41B9-B8BD-D0C2ADDDC0DE}" srcOrd="4" destOrd="0" presId="urn:microsoft.com/office/officeart/2005/8/layout/hProcess4"/>
-    <dgm:cxn modelId="{40A72A72-7472-4E48-9F4E-347DC16BA476}" type="presParOf" srcId="{4D7FEF73-9295-4115-8289-4AF0D9122F53}" destId="{5521A904-781C-4789-848B-4B2150C451FF}" srcOrd="3" destOrd="0" presId="urn:microsoft.com/office/officeart/2005/8/layout/hProcess4"/>
-    <dgm:cxn modelId="{30461FC7-9333-414E-B1ED-9E241F2100C5}" type="presParOf" srcId="{4D7FEF73-9295-4115-8289-4AF0D9122F53}" destId="{20201607-7FCB-4E63-B6AD-FC49B1EA9765}" srcOrd="4" destOrd="0" presId="urn:microsoft.com/office/officeart/2005/8/layout/hProcess4"/>
-    <dgm:cxn modelId="{3E65D505-A6C9-4BC0-A374-5ECBA75079DE}" type="presParOf" srcId="{20201607-7FCB-4E63-B6AD-FC49B1EA9765}" destId="{B57FF3F2-FFA8-4D91-B4BB-EC2189BFC3AB}" srcOrd="0" destOrd="0" presId="urn:microsoft.com/office/officeart/2005/8/layout/hProcess4"/>
-    <dgm:cxn modelId="{1A952722-5C02-4432-BD49-70BF8FE02F2B}" type="presParOf" srcId="{20201607-7FCB-4E63-B6AD-FC49B1EA9765}" destId="{BBC1F3A4-4FFE-461B-8077-246A544B16C4}" srcOrd="1" destOrd="0" presId="urn:microsoft.com/office/officeart/2005/8/layout/hProcess4"/>
-    <dgm:cxn modelId="{81C3B1A6-D4E4-4102-A840-BC2386E1F924}" type="presParOf" srcId="{20201607-7FCB-4E63-B6AD-FC49B1EA9765}" destId="{884B42FE-C313-4F0B-ADC8-6D5EC9178039}" srcOrd="2" destOrd="0" presId="urn:microsoft.com/office/officeart/2005/8/layout/hProcess4"/>
-    <dgm:cxn modelId="{BBF61C36-FD8F-4AB8-87BA-9C53B470A242}" type="presParOf" srcId="{20201607-7FCB-4E63-B6AD-FC49B1EA9765}" destId="{AA15F692-0E57-4AE4-9148-DD16F8E7412C}" srcOrd="3" destOrd="0" presId="urn:microsoft.com/office/officeart/2005/8/layout/hProcess4"/>
-    <dgm:cxn modelId="{771DC505-EC63-40C6-9401-75AAADDD3610}" type="presParOf" srcId="{20201607-7FCB-4E63-B6AD-FC49B1EA9765}" destId="{50949886-0801-43F8-8A48-801119441CF8}" srcOrd="4" destOrd="0" presId="urn:microsoft.com/office/officeart/2005/8/layout/hProcess4"/>
-    <dgm:cxn modelId="{26A1A92D-0368-4494-B44E-9C2A11DA5D3D}" type="presParOf" srcId="{4D7FEF73-9295-4115-8289-4AF0D9122F53}" destId="{7934F4A9-4D1D-470B-99F6-EE7AC1DE1470}" srcOrd="5" destOrd="0" presId="urn:microsoft.com/office/officeart/2005/8/layout/hProcess4"/>
-    <dgm:cxn modelId="{DD811BA4-36D2-4529-8B02-05A372DA5726}" type="presParOf" srcId="{4D7FEF73-9295-4115-8289-4AF0D9122F53}" destId="{CEF7E8DD-63EE-4FCA-A62D-D294B4FB4C3B}" srcOrd="6" destOrd="0" presId="urn:microsoft.com/office/officeart/2005/8/layout/hProcess4"/>
-    <dgm:cxn modelId="{4DAF9A34-B5B5-48DD-A0CC-C762C7FF753C}" type="presParOf" srcId="{CEF7E8DD-63EE-4FCA-A62D-D294B4FB4C3B}" destId="{75A55C8C-5C99-4868-ACDA-FD7516F176C8}" srcOrd="0" destOrd="0" presId="urn:microsoft.com/office/officeart/2005/8/layout/hProcess4"/>
-    <dgm:cxn modelId="{A7B03012-8887-42FE-BC5D-8AF1453DE75E}" type="presParOf" srcId="{CEF7E8DD-63EE-4FCA-A62D-D294B4FB4C3B}" destId="{0595DFF3-DEB1-43BD-90A3-F691C69EDB59}" srcOrd="1" destOrd="0" presId="urn:microsoft.com/office/officeart/2005/8/layout/hProcess4"/>
-    <dgm:cxn modelId="{61C541B7-6F0C-4581-9CC2-E85E45692F94}" type="presParOf" srcId="{CEF7E8DD-63EE-4FCA-A62D-D294B4FB4C3B}" destId="{52A82C79-9754-40B7-AAB2-3758014C650E}" srcOrd="2" destOrd="0" presId="urn:microsoft.com/office/officeart/2005/8/layout/hProcess4"/>
-    <dgm:cxn modelId="{4C7907EF-ACCD-426A-90DE-B1F535A031C1}" type="presParOf" srcId="{CEF7E8DD-63EE-4FCA-A62D-D294B4FB4C3B}" destId="{750AE5F0-1562-42E6-A85E-1006048A4ABB}" srcOrd="3" destOrd="0" presId="urn:microsoft.com/office/officeart/2005/8/layout/hProcess4"/>
-    <dgm:cxn modelId="{4B557966-53BA-4D7F-8E18-0E3928446C02}" type="presParOf" srcId="{CEF7E8DD-63EE-4FCA-A62D-D294B4FB4C3B}" destId="{F5CD7A39-85D9-4B94-AD19-F2DB85971665}" srcOrd="4" destOrd="0" presId="urn:microsoft.com/office/officeart/2005/8/layout/hProcess4"/>
-    <dgm:cxn modelId="{447F4397-C3C0-4B49-8090-5CD7E4D0E3CE}" type="presParOf" srcId="{4D7FEF73-9295-4115-8289-4AF0D9122F53}" destId="{28C2E68D-D3EB-4419-BCC8-92D68E4A7601}" srcOrd="7" destOrd="0" presId="urn:microsoft.com/office/officeart/2005/8/layout/hProcess4"/>
-    <dgm:cxn modelId="{C0570430-4A53-4615-BAE0-5119DE4D3E9E}" type="presParOf" srcId="{4D7FEF73-9295-4115-8289-4AF0D9122F53}" destId="{89CCAB77-2630-468B-B30B-71D33231C39F}" srcOrd="8" destOrd="0" presId="urn:microsoft.com/office/officeart/2005/8/layout/hProcess4"/>
-    <dgm:cxn modelId="{4067EF2A-3F32-4719-883B-9D9A677E8574}" type="presParOf" srcId="{89CCAB77-2630-468B-B30B-71D33231C39F}" destId="{DF6A3892-5319-4591-BB1E-C5CE12BA6276}" srcOrd="0" destOrd="0" presId="urn:microsoft.com/office/officeart/2005/8/layout/hProcess4"/>
-    <dgm:cxn modelId="{B7363782-0808-4AF7-9DBF-4C8763DCEEAA}" type="presParOf" srcId="{89CCAB77-2630-468B-B30B-71D33231C39F}" destId="{5EDB0FCE-5C77-4B2A-8A6D-5F7C98CFF9CB}" srcOrd="1" destOrd="0" presId="urn:microsoft.com/office/officeart/2005/8/layout/hProcess4"/>
-    <dgm:cxn modelId="{9377E395-F873-4028-BAF3-F5719F41EE86}" type="presParOf" srcId="{89CCAB77-2630-468B-B30B-71D33231C39F}" destId="{E405F61A-488A-4779-837A-6A97BA10590B}" srcOrd="2" destOrd="0" presId="urn:microsoft.com/office/officeart/2005/8/layout/hProcess4"/>
-    <dgm:cxn modelId="{C02E343A-FD7F-4D51-8E4E-30C8718461DB}" type="presParOf" srcId="{89CCAB77-2630-468B-B30B-71D33231C39F}" destId="{26C43FB0-B911-43DB-A84F-27E616B7B27C}" srcOrd="3" destOrd="0" presId="urn:microsoft.com/office/officeart/2005/8/layout/hProcess4"/>
-    <dgm:cxn modelId="{FCBF94B3-B07E-4AC6-8E5A-A96A81749EE7}" type="presParOf" srcId="{89CCAB77-2630-468B-B30B-71D33231C39F}" destId="{7C2B59CD-186D-41AA-95AA-E3E1E05BBF42}" srcOrd="4" destOrd="0" presId="urn:microsoft.com/office/officeart/2005/8/layout/hProcess4"/>
+    <dgm:cxn modelId="{D4247074-0180-4846-B7CB-FE040FC57E19}" type="presOf" srcId="{A2650D99-F3BE-4CC9-AE0F-0CA322826589}" destId="{52A82C79-9754-40B7-AAB2-3758014C650E}" srcOrd="1" destOrd="4" presId="urn:microsoft.com/office/officeart/2005/8/layout/hProcess4#1"/>
+    <dgm:cxn modelId="{32E9BBB7-EAA5-4207-B0B5-DFD65036897D}" type="presParOf" srcId="{8933267D-5B01-4E46-8868-F4A87687B514}" destId="{8E5C478E-D80B-41EF-A94C-E948E36B59C0}" srcOrd="0" destOrd="0" presId="urn:microsoft.com/office/officeart/2005/8/layout/hProcess4#1"/>
+    <dgm:cxn modelId="{455B607E-C90C-4D92-84CA-A278D72AEA7C}" type="presParOf" srcId="{8933267D-5B01-4E46-8868-F4A87687B514}" destId="{9BFC3A4E-44CC-4402-A76E-6E74AB5417AB}" srcOrd="1" destOrd="0" presId="urn:microsoft.com/office/officeart/2005/8/layout/hProcess4#1"/>
+    <dgm:cxn modelId="{5799DCDA-6F1A-46ED-BB75-A0F48076CAAF}" type="presParOf" srcId="{8933267D-5B01-4E46-8868-F4A87687B514}" destId="{4D7FEF73-9295-4115-8289-4AF0D9122F53}" srcOrd="2" destOrd="0" presId="urn:microsoft.com/office/officeart/2005/8/layout/hProcess4#1"/>
+    <dgm:cxn modelId="{2F5C816F-4A51-4D2B-BD8E-01A3C509D9A8}" type="presParOf" srcId="{4D7FEF73-9295-4115-8289-4AF0D9122F53}" destId="{6FB99093-9A51-437D-A1B7-E8D1675700F4}" srcOrd="0" destOrd="0" presId="urn:microsoft.com/office/officeart/2005/8/layout/hProcess4#1"/>
+    <dgm:cxn modelId="{CA21A9FA-F7FD-465E-BFC4-53881EC129B3}" type="presParOf" srcId="{6FB99093-9A51-437D-A1B7-E8D1675700F4}" destId="{C7F7DEF7-0970-46EE-9A77-5ABB3E493285}" srcOrd="0" destOrd="0" presId="urn:microsoft.com/office/officeart/2005/8/layout/hProcess4#1"/>
+    <dgm:cxn modelId="{32B13FD2-D4C9-41B6-ABAB-AE609850EB65}" type="presParOf" srcId="{6FB99093-9A51-437D-A1B7-E8D1675700F4}" destId="{0BE3C607-E9DE-488E-BF96-B45696799A2B}" srcOrd="1" destOrd="0" presId="urn:microsoft.com/office/officeart/2005/8/layout/hProcess4#1"/>
+    <dgm:cxn modelId="{90C8BDD0-E7D7-4FEB-AC48-9423CBF5CAFF}" type="presParOf" srcId="{6FB99093-9A51-437D-A1B7-E8D1675700F4}" destId="{22BD2250-C9DC-4294-9AC9-94FB314FCCC9}" srcOrd="2" destOrd="0" presId="urn:microsoft.com/office/officeart/2005/8/layout/hProcess4#1"/>
+    <dgm:cxn modelId="{D1447685-4633-4BB0-895A-440161688082}" type="presParOf" srcId="{6FB99093-9A51-437D-A1B7-E8D1675700F4}" destId="{18474A94-2007-47C0-92BC-26B7DB8AE5DB}" srcOrd="3" destOrd="0" presId="urn:microsoft.com/office/officeart/2005/8/layout/hProcess4#1"/>
+    <dgm:cxn modelId="{F95BA20C-6AF0-4D1A-91AA-C4F00282DE91}" type="presParOf" srcId="{6FB99093-9A51-437D-A1B7-E8D1675700F4}" destId="{C7512345-8823-437F-A76A-5FA38F1D5756}" srcOrd="4" destOrd="0" presId="urn:microsoft.com/office/officeart/2005/8/layout/hProcess4#1"/>
+    <dgm:cxn modelId="{DE5ECF8D-6B8E-4B32-A129-9E029286A132}" type="presParOf" srcId="{4D7FEF73-9295-4115-8289-4AF0D9122F53}" destId="{EA524D5B-25AE-4841-840A-DCF5BD829AD0}" srcOrd="1" destOrd="0" presId="urn:microsoft.com/office/officeart/2005/8/layout/hProcess4#1"/>
+    <dgm:cxn modelId="{5D604F64-0652-4144-8A93-B3960327935C}" type="presParOf" srcId="{4D7FEF73-9295-4115-8289-4AF0D9122F53}" destId="{CE3BD715-4BBA-4519-A709-FBA2BDADB775}" srcOrd="2" destOrd="0" presId="urn:microsoft.com/office/officeart/2005/8/layout/hProcess4#1"/>
+    <dgm:cxn modelId="{F8C7860E-A893-4889-87E6-0798C2A5A952}" type="presParOf" srcId="{CE3BD715-4BBA-4519-A709-FBA2BDADB775}" destId="{B3150A5B-AD5E-4BB2-AE98-DBA977B6E7CF}" srcOrd="0" destOrd="0" presId="urn:microsoft.com/office/officeart/2005/8/layout/hProcess4#1"/>
+    <dgm:cxn modelId="{9DB9448C-C985-42DD-B8DA-3CA95D69168E}" type="presParOf" srcId="{CE3BD715-4BBA-4519-A709-FBA2BDADB775}" destId="{99F40193-91A9-4512-9F43-43938D3C98C1}" srcOrd="1" destOrd="0" presId="urn:microsoft.com/office/officeart/2005/8/layout/hProcess4#1"/>
+    <dgm:cxn modelId="{4D239E2B-7F6E-49F6-808E-422BDAB9FDB6}" type="presParOf" srcId="{CE3BD715-4BBA-4519-A709-FBA2BDADB775}" destId="{0EFAE6D7-5B6B-4409-834F-589B06F1616E}" srcOrd="2" destOrd="0" presId="urn:microsoft.com/office/officeart/2005/8/layout/hProcess4#1"/>
+    <dgm:cxn modelId="{2B34FEB1-1747-4EC0-983D-9FED3A8B96A5}" type="presParOf" srcId="{CE3BD715-4BBA-4519-A709-FBA2BDADB775}" destId="{043ADA9E-D830-466D-9CF6-6468D6758FEF}" srcOrd="3" destOrd="0" presId="urn:microsoft.com/office/officeart/2005/8/layout/hProcess4#1"/>
+    <dgm:cxn modelId="{0CFDC8A3-15C3-4C17-AD36-EA9D7D480A65}" type="presParOf" srcId="{CE3BD715-4BBA-4519-A709-FBA2BDADB775}" destId="{936D091A-45F2-41B9-B8BD-D0C2ADDDC0DE}" srcOrd="4" destOrd="0" presId="urn:microsoft.com/office/officeart/2005/8/layout/hProcess4#1"/>
+    <dgm:cxn modelId="{40A72A72-7472-4E48-9F4E-347DC16BA476}" type="presParOf" srcId="{4D7FEF73-9295-4115-8289-4AF0D9122F53}" destId="{5521A904-781C-4789-848B-4B2150C451FF}" srcOrd="3" destOrd="0" presId="urn:microsoft.com/office/officeart/2005/8/layout/hProcess4#1"/>
+    <dgm:cxn modelId="{30461FC7-9333-414E-B1ED-9E241F2100C5}" type="presParOf" srcId="{4D7FEF73-9295-4115-8289-4AF0D9122F53}" destId="{20201607-7FCB-4E63-B6AD-FC49B1EA9765}" srcOrd="4" destOrd="0" presId="urn:microsoft.com/office/officeart/2005/8/layout/hProcess4#1"/>
+    <dgm:cxn modelId="{3E65D505-A6C9-4BC0-A374-5ECBA75079DE}" type="presParOf" srcId="{20201607-7FCB-4E63-B6AD-FC49B1EA9765}" destId="{B57FF3F2-FFA8-4D91-B4BB-EC2189BFC3AB}" srcOrd="0" destOrd="0" presId="urn:microsoft.com/office/officeart/2005/8/layout/hProcess4#1"/>
+    <dgm:cxn modelId="{1A952722-5C02-4432-BD49-70BF8FE02F2B}" type="presParOf" srcId="{20201607-7FCB-4E63-B6AD-FC49B1EA9765}" destId="{BBC1F3A4-4FFE-461B-8077-246A544B16C4}" srcOrd="1" destOrd="0" presId="urn:microsoft.com/office/officeart/2005/8/layout/hProcess4#1"/>
+    <dgm:cxn modelId="{81C3B1A6-D4E4-4102-A840-BC2386E1F924}" type="presParOf" srcId="{20201607-7FCB-4E63-B6AD-FC49B1EA9765}" destId="{884B42FE-C313-4F0B-ADC8-6D5EC9178039}" srcOrd="2" destOrd="0" presId="urn:microsoft.com/office/officeart/2005/8/layout/hProcess4#1"/>
+    <dgm:cxn modelId="{BBF61C36-FD8F-4AB8-87BA-9C53B470A242}" type="presParOf" srcId="{20201607-7FCB-4E63-B6AD-FC49B1EA9765}" destId="{AA15F692-0E57-4AE4-9148-DD16F8E7412C}" srcOrd="3" destOrd="0" presId="urn:microsoft.com/office/officeart/2005/8/layout/hProcess4#1"/>
+    <dgm:cxn modelId="{771DC505-EC63-40C6-9401-75AAADDD3610}" type="presParOf" srcId="{20201607-7FCB-4E63-B6AD-FC49B1EA9765}" destId="{50949886-0801-43F8-8A48-801119441CF8}" srcOrd="4" destOrd="0" presId="urn:microsoft.com/office/officeart/2005/8/layout/hProcess4#1"/>
+    <dgm:cxn modelId="{26A1A92D-0368-4494-B44E-9C2A11DA5D3D}" type="presParOf" srcId="{4D7FEF73-9295-4115-8289-4AF0D9122F53}" destId="{7934F4A9-4D1D-470B-99F6-EE7AC1DE1470}" srcOrd="5" destOrd="0" presId="urn:microsoft.com/office/officeart/2005/8/layout/hProcess4#1"/>
+    <dgm:cxn modelId="{DD811BA4-36D2-4529-8B02-05A372DA5726}" type="presParOf" srcId="{4D7FEF73-9295-4115-8289-4AF0D9122F53}" destId="{CEF7E8DD-63EE-4FCA-A62D-D294B4FB4C3B}" srcOrd="6" destOrd="0" presId="urn:microsoft.com/office/officeart/2005/8/layout/hProcess4#1"/>
+    <dgm:cxn modelId="{4DAF9A34-B5B5-48DD-A0CC-C762C7FF753C}" type="presParOf" srcId="{CEF7E8DD-63EE-4FCA-A62D-D294B4FB4C3B}" destId="{75A55C8C-5C99-4868-ACDA-FD7516F176C8}" srcOrd="0" destOrd="0" presId="urn:microsoft.com/office/officeart/2005/8/layout/hProcess4#1"/>
+    <dgm:cxn modelId="{A7B03012-8887-42FE-BC5D-8AF1453DE75E}" type="presParOf" srcId="{CEF7E8DD-63EE-4FCA-A62D-D294B4FB4C3B}" destId="{0595DFF3-DEB1-43BD-90A3-F691C69EDB59}" srcOrd="1" destOrd="0" presId="urn:microsoft.com/office/officeart/2005/8/layout/hProcess4#1"/>
+    <dgm:cxn modelId="{61C541B7-6F0C-4581-9CC2-E85E45692F94}" type="presParOf" srcId="{CEF7E8DD-63EE-4FCA-A62D-D294B4FB4C3B}" destId="{52A82C79-9754-40B7-AAB2-3758014C650E}" srcOrd="2" destOrd="0" presId="urn:microsoft.com/office/officeart/2005/8/layout/hProcess4#1"/>
+    <dgm:cxn modelId="{4C7907EF-ACCD-426A-90DE-B1F535A031C1}" type="presParOf" srcId="{CEF7E8DD-63EE-4FCA-A62D-D294B4FB4C3B}" destId="{750AE5F0-1562-42E6-A85E-1006048A4ABB}" srcOrd="3" destOrd="0" presId="urn:microsoft.com/office/officeart/2005/8/layout/hProcess4#1"/>
+    <dgm:cxn modelId="{4B557966-53BA-4D7F-8E18-0E3928446C02}" type="presParOf" srcId="{CEF7E8DD-63EE-4FCA-A62D-D294B4FB4C3B}" destId="{F5CD7A39-85D9-4B94-AD19-F2DB85971665}" srcOrd="4" destOrd="0" presId="urn:microsoft.com/office/officeart/2005/8/layout/hProcess4#1"/>
+    <dgm:cxn modelId="{447F4397-C3C0-4B49-8090-5CD7E4D0E3CE}" type="presParOf" srcId="{4D7FEF73-9295-4115-8289-4AF0D9122F53}" destId="{28C2E68D-D3EB-4419-BCC8-92D68E4A7601}" srcOrd="7" destOrd="0" presId="urn:microsoft.com/office/officeart/2005/8/layout/hProcess4#1"/>
+    <dgm:cxn modelId="{C0570430-4A53-4615-BAE0-5119DE4D3E9E}" type="presParOf" srcId="{4D7FEF73-9295-4115-8289-4AF0D9122F53}" destId="{89CCAB77-2630-468B-B30B-71D33231C39F}" srcOrd="8" destOrd="0" presId="urn:microsoft.com/office/officeart/2005/8/layout/hProcess4#1"/>
+    <dgm:cxn modelId="{4067EF2A-3F32-4719-883B-9D9A677E8574}" type="presParOf" srcId="{89CCAB77-2630-468B-B30B-71D33231C39F}" destId="{DF6A3892-5319-4591-BB1E-C5CE12BA6276}" srcOrd="0" destOrd="0" presId="urn:microsoft.com/office/officeart/2005/8/layout/hProcess4#1"/>
+    <dgm:cxn modelId="{B7363782-0808-4AF7-9DBF-4C8763DCEEAA}" type="presParOf" srcId="{89CCAB77-2630-468B-B30B-71D33231C39F}" destId="{5EDB0FCE-5C77-4B2A-8A6D-5F7C98CFF9CB}" srcOrd="1" destOrd="0" presId="urn:microsoft.com/office/officeart/2005/8/layout/hProcess4#1"/>
+    <dgm:cxn modelId="{9377E395-F873-4028-BAF3-F5719F41EE86}" type="presParOf" srcId="{89CCAB77-2630-468B-B30B-71D33231C39F}" destId="{E405F61A-488A-4779-837A-6A97BA10590B}" srcOrd="2" destOrd="0" presId="urn:microsoft.com/office/officeart/2005/8/layout/hProcess4#1"/>
+    <dgm:cxn modelId="{C02E343A-FD7F-4D51-8E4E-30C8718461DB}" type="presParOf" srcId="{89CCAB77-2630-468B-B30B-71D33231C39F}" destId="{26C43FB0-B911-43DB-A84F-27E616B7B27C}" srcOrd="3" destOrd="0" presId="urn:microsoft.com/office/officeart/2005/8/layout/hProcess4#1"/>
+    <dgm:cxn modelId="{FCBF94B3-B07E-4AC6-8E5A-A96A81749EE7}" type="presParOf" srcId="{89CCAB77-2630-468B-B30B-71D33231C39F}" destId="{7C2B59CD-186D-41AA-95AA-E3E1E05BBF42}" srcOrd="4" destOrd="0" presId="urn:microsoft.com/office/officeart/2005/8/layout/hProcess4#1"/>
   </dgm:cxnLst>
   <dgm:bg/>
   <dgm:whole/>
   <dgm:extLst>
     <a:ext uri="http://schemas.microsoft.com/office/drawing/2008/diagram">
-      <dsp:dataModelExt xmlns:dsp="http://schemas.microsoft.com/office/drawing/2008/diagram" relId="rId5" minVer="http://schemas.openxmlformats.org/drawingml/2006/diagram"/>
+      <dsp:dataModelExt xmlns:dsp="http://schemas.microsoft.com/office/drawing/2008/diagram" relId="rId6" minVer="http://schemas.openxmlformats.org/drawingml/2006/diagram"/>
+    </a:ext>
+  </dgm:extLst>
+</dgm:dataModel>
+</file>
+
+<file path=ppt/diagrams/data3.xml><?xml version="1.0" encoding="utf-8"?>
+<dgm:dataModel xmlns:dgm="http://schemas.openxmlformats.org/drawingml/2006/diagram" xmlns:a="http://schemas.openxmlformats.org/drawingml/2006/main">
+  <dgm:ptLst>
+    <dgm:pt modelId="{942EA9E2-DC9B-CD4B-92E4-AFB8B27D4471}" type="doc">
+      <dgm:prSet loTypeId="urn:microsoft.com/office/officeart/2005/8/layout/chevron2" loCatId="" qsTypeId="urn:microsoft.com/office/officeart/2005/8/quickstyle/simple4" qsCatId="simple" csTypeId="urn:microsoft.com/office/officeart/2005/8/colors/accent1_2" csCatId="accent1" phldr="1"/>
+      <dgm:spPr/>
+      <dgm:t>
+        <a:bodyPr/>
+        <a:lstStyle/>
+        <a:p>
+          <a:endParaRPr lang="zh-CN" altLang="en-US"/>
+        </a:p>
+      </dgm:t>
+    </dgm:pt>
+    <dgm:pt modelId="{35C4698C-0D31-6748-BCDC-4F19104DE84A}">
+      <dgm:prSet phldrT="[文本]" custT="1"/>
+      <dgm:spPr/>
+      <dgm:t>
+        <a:bodyPr/>
+        <a:lstStyle/>
+        <a:p>
+          <a:r>
+            <a:rPr lang="zh-CN" altLang="en-US" sz="2000" dirty="0" smtClean="0"/>
+            <a:t>易用性</a:t>
+          </a:r>
+          <a:endParaRPr lang="zh-CN" altLang="en-US" sz="2000" dirty="0"/>
+        </a:p>
+      </dgm:t>
+    </dgm:pt>
+    <dgm:pt modelId="{23C5C1EB-9AA9-314D-9A17-2949AF3FCF3C}" type="parTrans" cxnId="{339A2950-CAE2-934F-A315-04EA5DF6296C}">
+      <dgm:prSet/>
+      <dgm:spPr/>
+      <dgm:t>
+        <a:bodyPr/>
+        <a:lstStyle/>
+        <a:p>
+          <a:endParaRPr lang="zh-CN" altLang="en-US"/>
+        </a:p>
+      </dgm:t>
+    </dgm:pt>
+    <dgm:pt modelId="{873801DD-3048-A948-8E3A-89F0F8DA37AF}" type="sibTrans" cxnId="{339A2950-CAE2-934F-A315-04EA5DF6296C}">
+      <dgm:prSet/>
+      <dgm:spPr/>
+      <dgm:t>
+        <a:bodyPr/>
+        <a:lstStyle/>
+        <a:p>
+          <a:endParaRPr lang="zh-CN" altLang="en-US"/>
+        </a:p>
+      </dgm:t>
+    </dgm:pt>
+    <dgm:pt modelId="{7303BFA1-ACE6-DC46-97BE-5CD20FDA5E91}">
+      <dgm:prSet phldrT="[文本]" custT="1"/>
+      <dgm:spPr/>
+      <dgm:t>
+        <a:bodyPr/>
+        <a:lstStyle/>
+        <a:p>
+          <a:r>
+            <a:rPr lang="zh-CN" altLang="en-US" sz="2000" dirty="0" smtClean="0"/>
+            <a:t>页面简洁明了，交互性好，易操作</a:t>
+          </a:r>
+          <a:endParaRPr lang="zh-CN" altLang="en-US" sz="2000" dirty="0"/>
+        </a:p>
+      </dgm:t>
+    </dgm:pt>
+    <dgm:pt modelId="{80368A49-BC0F-9043-B590-94FBC1CE6094}" type="parTrans" cxnId="{D27F9750-9C3E-B24D-B8A0-6E6C96CF5C91}">
+      <dgm:prSet/>
+      <dgm:spPr/>
+      <dgm:t>
+        <a:bodyPr/>
+        <a:lstStyle/>
+        <a:p>
+          <a:endParaRPr lang="zh-CN" altLang="en-US"/>
+        </a:p>
+      </dgm:t>
+    </dgm:pt>
+    <dgm:pt modelId="{4DF0477F-69F1-5B45-A1D1-EBCCB486827E}" type="sibTrans" cxnId="{D27F9750-9C3E-B24D-B8A0-6E6C96CF5C91}">
+      <dgm:prSet/>
+      <dgm:spPr/>
+      <dgm:t>
+        <a:bodyPr/>
+        <a:lstStyle/>
+        <a:p>
+          <a:endParaRPr lang="zh-CN" altLang="en-US"/>
+        </a:p>
+      </dgm:t>
+    </dgm:pt>
+    <dgm:pt modelId="{96181315-DDF4-BB4A-9AAF-CAEDB7D1CC4C}">
+      <dgm:prSet phldrT="[文本]" custT="1"/>
+      <dgm:spPr/>
+      <dgm:t>
+        <a:bodyPr/>
+        <a:lstStyle/>
+        <a:p>
+          <a:r>
+            <a:rPr lang="zh-CN" altLang="en-US" sz="2000" dirty="0" smtClean="0"/>
+            <a:t>兼容性</a:t>
+          </a:r>
+          <a:endParaRPr lang="zh-CN" altLang="en-US" sz="2000" dirty="0"/>
+        </a:p>
+      </dgm:t>
+    </dgm:pt>
+    <dgm:pt modelId="{CC05CC24-8271-C64D-921A-D22F46A15FC9}" type="parTrans" cxnId="{4BF06375-6A12-D243-B4CA-2EAF4836ED18}">
+      <dgm:prSet/>
+      <dgm:spPr/>
+      <dgm:t>
+        <a:bodyPr/>
+        <a:lstStyle/>
+        <a:p>
+          <a:endParaRPr lang="zh-CN" altLang="en-US"/>
+        </a:p>
+      </dgm:t>
+    </dgm:pt>
+    <dgm:pt modelId="{487ABD20-A085-8D41-8F26-C43D0CCD68F8}" type="sibTrans" cxnId="{4BF06375-6A12-D243-B4CA-2EAF4836ED18}">
+      <dgm:prSet/>
+      <dgm:spPr/>
+      <dgm:t>
+        <a:bodyPr/>
+        <a:lstStyle/>
+        <a:p>
+          <a:endParaRPr lang="zh-CN" altLang="en-US"/>
+        </a:p>
+      </dgm:t>
+    </dgm:pt>
+    <dgm:pt modelId="{BFEA34FF-4FED-FB48-B2E7-84C8E299CE3D}">
+      <dgm:prSet phldrT="[文本]" custT="1"/>
+      <dgm:spPr/>
+      <dgm:t>
+        <a:bodyPr/>
+        <a:lstStyle/>
+        <a:p>
+          <a:r>
+            <a:rPr lang="zh-CN" altLang="en-US" sz="2000" dirty="0" smtClean="0"/>
+            <a:t>可以兼容当前主流浏览器</a:t>
+          </a:r>
+          <a:endParaRPr lang="zh-CN" altLang="en-US" sz="2000" dirty="0"/>
+        </a:p>
+      </dgm:t>
+    </dgm:pt>
+    <dgm:pt modelId="{B04D8A7A-7B9F-DA44-8279-E6C063EE71C3}" type="parTrans" cxnId="{9E239AA4-10A7-9240-B2EC-CD4635A944D9}">
+      <dgm:prSet/>
+      <dgm:spPr/>
+      <dgm:t>
+        <a:bodyPr/>
+        <a:lstStyle/>
+        <a:p>
+          <a:endParaRPr lang="zh-CN" altLang="en-US"/>
+        </a:p>
+      </dgm:t>
+    </dgm:pt>
+    <dgm:pt modelId="{09249EE0-7AED-DB4C-9CE0-048773E522B8}" type="sibTrans" cxnId="{9E239AA4-10A7-9240-B2EC-CD4635A944D9}">
+      <dgm:prSet/>
+      <dgm:spPr/>
+      <dgm:t>
+        <a:bodyPr/>
+        <a:lstStyle/>
+        <a:p>
+          <a:endParaRPr lang="zh-CN" altLang="en-US"/>
+        </a:p>
+      </dgm:t>
+    </dgm:pt>
+    <dgm:pt modelId="{69F69810-2E1C-D543-B620-7C7A4FF10241}">
+      <dgm:prSet phldrT="[文本]" custT="1"/>
+      <dgm:spPr/>
+      <dgm:t>
+        <a:bodyPr/>
+        <a:lstStyle/>
+        <a:p>
+          <a:r>
+            <a:rPr lang="zh-CN" altLang="en-US" sz="2000" dirty="0" smtClean="0"/>
+            <a:t>性能</a:t>
+          </a:r>
+          <a:endParaRPr lang="zh-CN" altLang="en-US" sz="2000" dirty="0"/>
+        </a:p>
+      </dgm:t>
+    </dgm:pt>
+    <dgm:pt modelId="{A4D9B712-8417-3E43-931C-74CDDB5CD447}" type="parTrans" cxnId="{1C8D7890-A155-3D45-A225-9CF3B214658C}">
+      <dgm:prSet/>
+      <dgm:spPr/>
+      <dgm:t>
+        <a:bodyPr/>
+        <a:lstStyle/>
+        <a:p>
+          <a:endParaRPr lang="zh-CN" altLang="en-US"/>
+        </a:p>
+      </dgm:t>
+    </dgm:pt>
+    <dgm:pt modelId="{906E763B-3C88-F743-BBF9-7E93E24EF241}" type="sibTrans" cxnId="{1C8D7890-A155-3D45-A225-9CF3B214658C}">
+      <dgm:prSet/>
+      <dgm:spPr/>
+      <dgm:t>
+        <a:bodyPr/>
+        <a:lstStyle/>
+        <a:p>
+          <a:endParaRPr lang="zh-CN" altLang="en-US"/>
+        </a:p>
+      </dgm:t>
+    </dgm:pt>
+    <dgm:pt modelId="{F4EAC35F-919A-DF45-9617-F145636197AD}">
+      <dgm:prSet phldrT="[文本]" custT="1"/>
+      <dgm:spPr/>
+      <dgm:t>
+        <a:bodyPr/>
+        <a:lstStyle/>
+        <a:p>
+          <a:r>
+            <a:rPr lang="zh-CN" altLang="en-US" sz="2000" dirty="0" smtClean="0"/>
+            <a:t>响应时间达标，满足用户速度体验要求</a:t>
+          </a:r>
+          <a:endParaRPr lang="zh-CN" altLang="en-US" sz="2000" dirty="0"/>
+        </a:p>
+      </dgm:t>
+    </dgm:pt>
+    <dgm:pt modelId="{F4368641-5A91-5F41-A058-0E79C71C0777}" type="parTrans" cxnId="{8E2C5F9B-0165-7547-8BDA-DD6792AFE5AF}">
+      <dgm:prSet/>
+      <dgm:spPr/>
+      <dgm:t>
+        <a:bodyPr/>
+        <a:lstStyle/>
+        <a:p>
+          <a:endParaRPr lang="zh-CN" altLang="en-US"/>
+        </a:p>
+      </dgm:t>
+    </dgm:pt>
+    <dgm:pt modelId="{ED454236-14EE-6D4C-9904-94DFC6DD5437}" type="sibTrans" cxnId="{8E2C5F9B-0165-7547-8BDA-DD6792AFE5AF}">
+      <dgm:prSet/>
+      <dgm:spPr/>
+      <dgm:t>
+        <a:bodyPr/>
+        <a:lstStyle/>
+        <a:p>
+          <a:endParaRPr lang="zh-CN" altLang="en-US"/>
+        </a:p>
+      </dgm:t>
+    </dgm:pt>
+    <dgm:pt modelId="{AEC4D95E-DC36-3746-A9D4-B63761365971}">
+      <dgm:prSet custT="1"/>
+      <dgm:spPr/>
+      <dgm:t>
+        <a:bodyPr/>
+        <a:lstStyle/>
+        <a:p>
+          <a:r>
+            <a:rPr lang="zh-CN" altLang="en-US" sz="2000" dirty="0" smtClean="0"/>
+            <a:t>健壮性</a:t>
+          </a:r>
+          <a:endParaRPr lang="zh-CN" altLang="en-US" sz="2000" dirty="0"/>
+        </a:p>
+      </dgm:t>
+    </dgm:pt>
+    <dgm:pt modelId="{AB293882-DE38-B143-8451-AC624A07561C}" type="parTrans" cxnId="{263301B0-5964-0345-8AC8-426B9393948C}">
+      <dgm:prSet/>
+      <dgm:spPr/>
+      <dgm:t>
+        <a:bodyPr/>
+        <a:lstStyle/>
+        <a:p>
+          <a:endParaRPr lang="zh-CN" altLang="en-US"/>
+        </a:p>
+      </dgm:t>
+    </dgm:pt>
+    <dgm:pt modelId="{40E95149-9C14-244E-9CFC-B2CF50C4987F}" type="sibTrans" cxnId="{263301B0-5964-0345-8AC8-426B9393948C}">
+      <dgm:prSet/>
+      <dgm:spPr/>
+      <dgm:t>
+        <a:bodyPr/>
+        <a:lstStyle/>
+        <a:p>
+          <a:endParaRPr lang="zh-CN" altLang="en-US"/>
+        </a:p>
+      </dgm:t>
+    </dgm:pt>
+    <dgm:pt modelId="{A7E8301E-FACE-5A45-9D21-7339057F6035}">
+      <dgm:prSet custT="1"/>
+      <dgm:spPr/>
+      <dgm:t>
+        <a:bodyPr/>
+        <a:lstStyle/>
+        <a:p>
+          <a:r>
+            <a:rPr lang="zh-CN" altLang="en-US" sz="2000" dirty="0" smtClean="0"/>
+            <a:t>校验逻辑增强系统稳健性，整体功能运行稳定</a:t>
+          </a:r>
+          <a:endParaRPr lang="zh-CN" altLang="en-US" sz="2000" dirty="0"/>
+        </a:p>
+      </dgm:t>
+    </dgm:pt>
+    <dgm:pt modelId="{0F2B41B1-8B65-4748-AB51-C823A4B75993}" type="parTrans" cxnId="{10AF2B2C-E64E-2A4A-82C5-314C9C5420DC}">
+      <dgm:prSet/>
+      <dgm:spPr/>
+      <dgm:t>
+        <a:bodyPr/>
+        <a:lstStyle/>
+        <a:p>
+          <a:endParaRPr lang="zh-CN" altLang="en-US"/>
+        </a:p>
+      </dgm:t>
+    </dgm:pt>
+    <dgm:pt modelId="{DCD4C741-879B-6B43-A404-F99F7DC3FB79}" type="sibTrans" cxnId="{10AF2B2C-E64E-2A4A-82C5-314C9C5420DC}">
+      <dgm:prSet/>
+      <dgm:spPr/>
+      <dgm:t>
+        <a:bodyPr/>
+        <a:lstStyle/>
+        <a:p>
+          <a:endParaRPr lang="zh-CN" altLang="en-US"/>
+        </a:p>
+      </dgm:t>
+    </dgm:pt>
+    <dgm:pt modelId="{F227B109-A21B-2D4C-AFC9-1A495BEBC4A5}" type="pres">
+      <dgm:prSet presAssocID="{942EA9E2-DC9B-CD4B-92E4-AFB8B27D4471}" presName="linearFlow" presStyleCnt="0">
+        <dgm:presLayoutVars>
+          <dgm:dir/>
+          <dgm:animLvl val="lvl"/>
+          <dgm:resizeHandles val="exact"/>
+        </dgm:presLayoutVars>
+      </dgm:prSet>
+      <dgm:spPr/>
+    </dgm:pt>
+    <dgm:pt modelId="{7FD91784-9A70-BA4A-AB2F-614A98915F28}" type="pres">
+      <dgm:prSet presAssocID="{35C4698C-0D31-6748-BCDC-4F19104DE84A}" presName="composite" presStyleCnt="0"/>
+      <dgm:spPr/>
+    </dgm:pt>
+    <dgm:pt modelId="{FBF6573A-D113-E249-A00A-724B53BA522E}" type="pres">
+      <dgm:prSet presAssocID="{35C4698C-0D31-6748-BCDC-4F19104DE84A}" presName="parentText" presStyleLbl="alignNode1" presStyleIdx="0" presStyleCnt="4">
+        <dgm:presLayoutVars>
+          <dgm:chMax val="1"/>
+          <dgm:bulletEnabled val="1"/>
+        </dgm:presLayoutVars>
+      </dgm:prSet>
+      <dgm:spPr/>
+      <dgm:t>
+        <a:bodyPr/>
+        <a:lstStyle/>
+        <a:p>
+          <a:endParaRPr lang="zh-CN" altLang="en-US"/>
+        </a:p>
+      </dgm:t>
+    </dgm:pt>
+    <dgm:pt modelId="{A4573395-58CE-4642-8AA9-F2C223D52831}" type="pres">
+      <dgm:prSet presAssocID="{35C4698C-0D31-6748-BCDC-4F19104DE84A}" presName="descendantText" presStyleLbl="alignAcc1" presStyleIdx="0" presStyleCnt="4">
+        <dgm:presLayoutVars>
+          <dgm:bulletEnabled val="1"/>
+        </dgm:presLayoutVars>
+      </dgm:prSet>
+      <dgm:spPr/>
+      <dgm:t>
+        <a:bodyPr/>
+        <a:lstStyle/>
+        <a:p>
+          <a:endParaRPr lang="zh-CN" altLang="en-US"/>
+        </a:p>
+      </dgm:t>
+    </dgm:pt>
+    <dgm:pt modelId="{5FDDF4EB-2875-8C4B-9C32-1783C67F6AAD}" type="pres">
+      <dgm:prSet presAssocID="{873801DD-3048-A948-8E3A-89F0F8DA37AF}" presName="sp" presStyleCnt="0"/>
+      <dgm:spPr/>
+    </dgm:pt>
+    <dgm:pt modelId="{0A122D0A-6E94-5747-86D1-BED1E3F1E433}" type="pres">
+      <dgm:prSet presAssocID="{96181315-DDF4-BB4A-9AAF-CAEDB7D1CC4C}" presName="composite" presStyleCnt="0"/>
+      <dgm:spPr/>
+    </dgm:pt>
+    <dgm:pt modelId="{2E40469A-BF93-3841-A34A-D7CEF0154140}" type="pres">
+      <dgm:prSet presAssocID="{96181315-DDF4-BB4A-9AAF-CAEDB7D1CC4C}" presName="parentText" presStyleLbl="alignNode1" presStyleIdx="1" presStyleCnt="4">
+        <dgm:presLayoutVars>
+          <dgm:chMax val="1"/>
+          <dgm:bulletEnabled val="1"/>
+        </dgm:presLayoutVars>
+      </dgm:prSet>
+      <dgm:spPr/>
+    </dgm:pt>
+    <dgm:pt modelId="{8B7885CD-A022-D84A-A51A-8740BCDDAFEB}" type="pres">
+      <dgm:prSet presAssocID="{96181315-DDF4-BB4A-9AAF-CAEDB7D1CC4C}" presName="descendantText" presStyleLbl="alignAcc1" presStyleIdx="1" presStyleCnt="4">
+        <dgm:presLayoutVars>
+          <dgm:bulletEnabled val="1"/>
+        </dgm:presLayoutVars>
+      </dgm:prSet>
+      <dgm:spPr/>
+      <dgm:t>
+        <a:bodyPr/>
+        <a:lstStyle/>
+        <a:p>
+          <a:endParaRPr lang="zh-CN" altLang="en-US"/>
+        </a:p>
+      </dgm:t>
+    </dgm:pt>
+    <dgm:pt modelId="{ABAD4437-3FF3-954F-A63F-604462346FD5}" type="pres">
+      <dgm:prSet presAssocID="{487ABD20-A085-8D41-8F26-C43D0CCD68F8}" presName="sp" presStyleCnt="0"/>
+      <dgm:spPr/>
+    </dgm:pt>
+    <dgm:pt modelId="{2EF45223-F1D6-A941-9F36-5F43511B37F3}" type="pres">
+      <dgm:prSet presAssocID="{69F69810-2E1C-D543-B620-7C7A4FF10241}" presName="composite" presStyleCnt="0"/>
+      <dgm:spPr/>
+    </dgm:pt>
+    <dgm:pt modelId="{EFD217E2-80B9-E648-9F71-2B376C498494}" type="pres">
+      <dgm:prSet presAssocID="{69F69810-2E1C-D543-B620-7C7A4FF10241}" presName="parentText" presStyleLbl="alignNode1" presStyleIdx="2" presStyleCnt="4">
+        <dgm:presLayoutVars>
+          <dgm:chMax val="1"/>
+          <dgm:bulletEnabled val="1"/>
+        </dgm:presLayoutVars>
+      </dgm:prSet>
+      <dgm:spPr/>
+    </dgm:pt>
+    <dgm:pt modelId="{1883B4BB-31F3-574B-B44B-409C17EDFECF}" type="pres">
+      <dgm:prSet presAssocID="{69F69810-2E1C-D543-B620-7C7A4FF10241}" presName="descendantText" presStyleLbl="alignAcc1" presStyleIdx="2" presStyleCnt="4">
+        <dgm:presLayoutVars>
+          <dgm:bulletEnabled val="1"/>
+        </dgm:presLayoutVars>
+      </dgm:prSet>
+      <dgm:spPr/>
+      <dgm:t>
+        <a:bodyPr/>
+        <a:lstStyle/>
+        <a:p>
+          <a:endParaRPr lang="zh-CN" altLang="en-US"/>
+        </a:p>
+      </dgm:t>
+    </dgm:pt>
+    <dgm:pt modelId="{D66872DB-238A-E249-AA44-36B75A22B590}" type="pres">
+      <dgm:prSet presAssocID="{906E763B-3C88-F743-BBF9-7E93E24EF241}" presName="sp" presStyleCnt="0"/>
+      <dgm:spPr/>
+    </dgm:pt>
+    <dgm:pt modelId="{E50324C8-BB8E-8B4E-9D8F-4242B288C54E}" type="pres">
+      <dgm:prSet presAssocID="{AEC4D95E-DC36-3746-A9D4-B63761365971}" presName="composite" presStyleCnt="0"/>
+      <dgm:spPr/>
+    </dgm:pt>
+    <dgm:pt modelId="{28365329-6F72-5540-89BB-DA858231571A}" type="pres">
+      <dgm:prSet presAssocID="{AEC4D95E-DC36-3746-A9D4-B63761365971}" presName="parentText" presStyleLbl="alignNode1" presStyleIdx="3" presStyleCnt="4">
+        <dgm:presLayoutVars>
+          <dgm:chMax val="1"/>
+          <dgm:bulletEnabled val="1"/>
+        </dgm:presLayoutVars>
+      </dgm:prSet>
+      <dgm:spPr/>
+    </dgm:pt>
+    <dgm:pt modelId="{3AA7151F-3D45-2249-94DC-EB4190A6B6DB}" type="pres">
+      <dgm:prSet presAssocID="{AEC4D95E-DC36-3746-A9D4-B63761365971}" presName="descendantText" presStyleLbl="alignAcc1" presStyleIdx="3" presStyleCnt="4">
+        <dgm:presLayoutVars>
+          <dgm:bulletEnabled val="1"/>
+        </dgm:presLayoutVars>
+      </dgm:prSet>
+      <dgm:spPr/>
+      <dgm:t>
+        <a:bodyPr/>
+        <a:lstStyle/>
+        <a:p>
+          <a:endParaRPr lang="zh-CN" altLang="en-US"/>
+        </a:p>
+      </dgm:t>
+    </dgm:pt>
+  </dgm:ptLst>
+  <dgm:cxnLst>
+    <dgm:cxn modelId="{815200E9-4338-1B4E-A3FC-31CA1B2739D3}" type="presOf" srcId="{35C4698C-0D31-6748-BCDC-4F19104DE84A}" destId="{FBF6573A-D113-E249-A00A-724B53BA522E}" srcOrd="0" destOrd="0" presId="urn:microsoft.com/office/officeart/2005/8/layout/chevron2"/>
+    <dgm:cxn modelId="{44AC4D63-FD85-8C44-9DD4-816195BA5C91}" type="presOf" srcId="{F4EAC35F-919A-DF45-9617-F145636197AD}" destId="{1883B4BB-31F3-574B-B44B-409C17EDFECF}" srcOrd="0" destOrd="0" presId="urn:microsoft.com/office/officeart/2005/8/layout/chevron2"/>
+    <dgm:cxn modelId="{432BBDC2-8720-F849-9E2D-F0711CE288D6}" type="presOf" srcId="{942EA9E2-DC9B-CD4B-92E4-AFB8B27D4471}" destId="{F227B109-A21B-2D4C-AFC9-1A495BEBC4A5}" srcOrd="0" destOrd="0" presId="urn:microsoft.com/office/officeart/2005/8/layout/chevron2"/>
+    <dgm:cxn modelId="{10AF2B2C-E64E-2A4A-82C5-314C9C5420DC}" srcId="{AEC4D95E-DC36-3746-A9D4-B63761365971}" destId="{A7E8301E-FACE-5A45-9D21-7339057F6035}" srcOrd="0" destOrd="0" parTransId="{0F2B41B1-8B65-4748-AB51-C823A4B75993}" sibTransId="{DCD4C741-879B-6B43-A404-F99F7DC3FB79}"/>
+    <dgm:cxn modelId="{CF5490A6-7475-8E48-AB9B-A19D4D713CC7}" type="presOf" srcId="{69F69810-2E1C-D543-B620-7C7A4FF10241}" destId="{EFD217E2-80B9-E648-9F71-2B376C498494}" srcOrd="0" destOrd="0" presId="urn:microsoft.com/office/officeart/2005/8/layout/chevron2"/>
+    <dgm:cxn modelId="{4BF06375-6A12-D243-B4CA-2EAF4836ED18}" srcId="{942EA9E2-DC9B-CD4B-92E4-AFB8B27D4471}" destId="{96181315-DDF4-BB4A-9AAF-CAEDB7D1CC4C}" srcOrd="1" destOrd="0" parTransId="{CC05CC24-8271-C64D-921A-D22F46A15FC9}" sibTransId="{487ABD20-A085-8D41-8F26-C43D0CCD68F8}"/>
+    <dgm:cxn modelId="{9E239AA4-10A7-9240-B2EC-CD4635A944D9}" srcId="{96181315-DDF4-BB4A-9AAF-CAEDB7D1CC4C}" destId="{BFEA34FF-4FED-FB48-B2E7-84C8E299CE3D}" srcOrd="0" destOrd="0" parTransId="{B04D8A7A-7B9F-DA44-8279-E6C063EE71C3}" sibTransId="{09249EE0-7AED-DB4C-9CE0-048773E522B8}"/>
+    <dgm:cxn modelId="{DC1BEA7A-20EC-3B46-872D-BA341F048F93}" type="presOf" srcId="{A7E8301E-FACE-5A45-9D21-7339057F6035}" destId="{3AA7151F-3D45-2249-94DC-EB4190A6B6DB}" srcOrd="0" destOrd="0" presId="urn:microsoft.com/office/officeart/2005/8/layout/chevron2"/>
+    <dgm:cxn modelId="{D27F9750-9C3E-B24D-B8A0-6E6C96CF5C91}" srcId="{35C4698C-0D31-6748-BCDC-4F19104DE84A}" destId="{7303BFA1-ACE6-DC46-97BE-5CD20FDA5E91}" srcOrd="0" destOrd="0" parTransId="{80368A49-BC0F-9043-B590-94FBC1CE6094}" sibTransId="{4DF0477F-69F1-5B45-A1D1-EBCCB486827E}"/>
+    <dgm:cxn modelId="{BF00CFCD-AACE-C841-8CFD-732D144FA4FD}" type="presOf" srcId="{AEC4D95E-DC36-3746-A9D4-B63761365971}" destId="{28365329-6F72-5540-89BB-DA858231571A}" srcOrd="0" destOrd="0" presId="urn:microsoft.com/office/officeart/2005/8/layout/chevron2"/>
+    <dgm:cxn modelId="{4D18A40E-D367-CD41-A888-839C95564A9C}" type="presOf" srcId="{96181315-DDF4-BB4A-9AAF-CAEDB7D1CC4C}" destId="{2E40469A-BF93-3841-A34A-D7CEF0154140}" srcOrd="0" destOrd="0" presId="urn:microsoft.com/office/officeart/2005/8/layout/chevron2"/>
+    <dgm:cxn modelId="{C28331FA-32E9-5C46-A96B-2EEBAFADB0B0}" type="presOf" srcId="{BFEA34FF-4FED-FB48-B2E7-84C8E299CE3D}" destId="{8B7885CD-A022-D84A-A51A-8740BCDDAFEB}" srcOrd="0" destOrd="0" presId="urn:microsoft.com/office/officeart/2005/8/layout/chevron2"/>
+    <dgm:cxn modelId="{1C8D7890-A155-3D45-A225-9CF3B214658C}" srcId="{942EA9E2-DC9B-CD4B-92E4-AFB8B27D4471}" destId="{69F69810-2E1C-D543-B620-7C7A4FF10241}" srcOrd="2" destOrd="0" parTransId="{A4D9B712-8417-3E43-931C-74CDDB5CD447}" sibTransId="{906E763B-3C88-F743-BBF9-7E93E24EF241}"/>
+    <dgm:cxn modelId="{263301B0-5964-0345-8AC8-426B9393948C}" srcId="{942EA9E2-DC9B-CD4B-92E4-AFB8B27D4471}" destId="{AEC4D95E-DC36-3746-A9D4-B63761365971}" srcOrd="3" destOrd="0" parTransId="{AB293882-DE38-B143-8451-AC624A07561C}" sibTransId="{40E95149-9C14-244E-9CFC-B2CF50C4987F}"/>
+    <dgm:cxn modelId="{584BC30A-1F67-834F-8E0D-2A8A2ECBD0BC}" type="presOf" srcId="{7303BFA1-ACE6-DC46-97BE-5CD20FDA5E91}" destId="{A4573395-58CE-4642-8AA9-F2C223D52831}" srcOrd="0" destOrd="0" presId="urn:microsoft.com/office/officeart/2005/8/layout/chevron2"/>
+    <dgm:cxn modelId="{339A2950-CAE2-934F-A315-04EA5DF6296C}" srcId="{942EA9E2-DC9B-CD4B-92E4-AFB8B27D4471}" destId="{35C4698C-0D31-6748-BCDC-4F19104DE84A}" srcOrd="0" destOrd="0" parTransId="{23C5C1EB-9AA9-314D-9A17-2949AF3FCF3C}" sibTransId="{873801DD-3048-A948-8E3A-89F0F8DA37AF}"/>
+    <dgm:cxn modelId="{8E2C5F9B-0165-7547-8BDA-DD6792AFE5AF}" srcId="{69F69810-2E1C-D543-B620-7C7A4FF10241}" destId="{F4EAC35F-919A-DF45-9617-F145636197AD}" srcOrd="0" destOrd="0" parTransId="{F4368641-5A91-5F41-A058-0E79C71C0777}" sibTransId="{ED454236-14EE-6D4C-9904-94DFC6DD5437}"/>
+    <dgm:cxn modelId="{308C556A-26CD-0A4B-B050-D5F9D7930C57}" type="presParOf" srcId="{F227B109-A21B-2D4C-AFC9-1A495BEBC4A5}" destId="{7FD91784-9A70-BA4A-AB2F-614A98915F28}" srcOrd="0" destOrd="0" presId="urn:microsoft.com/office/officeart/2005/8/layout/chevron2"/>
+    <dgm:cxn modelId="{267C7F10-CAC1-F24B-9094-AF9415DA0982}" type="presParOf" srcId="{7FD91784-9A70-BA4A-AB2F-614A98915F28}" destId="{FBF6573A-D113-E249-A00A-724B53BA522E}" srcOrd="0" destOrd="0" presId="urn:microsoft.com/office/officeart/2005/8/layout/chevron2"/>
+    <dgm:cxn modelId="{C1D8C419-D7AB-654C-875C-5B41CB7E9321}" type="presParOf" srcId="{7FD91784-9A70-BA4A-AB2F-614A98915F28}" destId="{A4573395-58CE-4642-8AA9-F2C223D52831}" srcOrd="1" destOrd="0" presId="urn:microsoft.com/office/officeart/2005/8/layout/chevron2"/>
+    <dgm:cxn modelId="{99F29C08-C21C-1B43-9310-ADB4EAC574FD}" type="presParOf" srcId="{F227B109-A21B-2D4C-AFC9-1A495BEBC4A5}" destId="{5FDDF4EB-2875-8C4B-9C32-1783C67F6AAD}" srcOrd="1" destOrd="0" presId="urn:microsoft.com/office/officeart/2005/8/layout/chevron2"/>
+    <dgm:cxn modelId="{A7416827-B389-4D47-ABAB-733D60D75BA4}" type="presParOf" srcId="{F227B109-A21B-2D4C-AFC9-1A495BEBC4A5}" destId="{0A122D0A-6E94-5747-86D1-BED1E3F1E433}" srcOrd="2" destOrd="0" presId="urn:microsoft.com/office/officeart/2005/8/layout/chevron2"/>
+    <dgm:cxn modelId="{AD545548-1E58-E04C-930A-32B48D6C7F4A}" type="presParOf" srcId="{0A122D0A-6E94-5747-86D1-BED1E3F1E433}" destId="{2E40469A-BF93-3841-A34A-D7CEF0154140}" srcOrd="0" destOrd="0" presId="urn:microsoft.com/office/officeart/2005/8/layout/chevron2"/>
+    <dgm:cxn modelId="{A9F41869-5ACF-7E47-B2ED-EBF4DB051B9B}" type="presParOf" srcId="{0A122D0A-6E94-5747-86D1-BED1E3F1E433}" destId="{8B7885CD-A022-D84A-A51A-8740BCDDAFEB}" srcOrd="1" destOrd="0" presId="urn:microsoft.com/office/officeart/2005/8/layout/chevron2"/>
+    <dgm:cxn modelId="{BF8ECBEF-8421-B446-A16F-2AB38F8F23CB}" type="presParOf" srcId="{F227B109-A21B-2D4C-AFC9-1A495BEBC4A5}" destId="{ABAD4437-3FF3-954F-A63F-604462346FD5}" srcOrd="3" destOrd="0" presId="urn:microsoft.com/office/officeart/2005/8/layout/chevron2"/>
+    <dgm:cxn modelId="{4998C467-3A68-6040-ACB0-1B6847D7110E}" type="presParOf" srcId="{F227B109-A21B-2D4C-AFC9-1A495BEBC4A5}" destId="{2EF45223-F1D6-A941-9F36-5F43511B37F3}" srcOrd="4" destOrd="0" presId="urn:microsoft.com/office/officeart/2005/8/layout/chevron2"/>
+    <dgm:cxn modelId="{89AE82B7-3F7A-2C47-8572-A906D6137EBA}" type="presParOf" srcId="{2EF45223-F1D6-A941-9F36-5F43511B37F3}" destId="{EFD217E2-80B9-E648-9F71-2B376C498494}" srcOrd="0" destOrd="0" presId="urn:microsoft.com/office/officeart/2005/8/layout/chevron2"/>
+    <dgm:cxn modelId="{F6106C6F-D733-D247-87B9-A0119504E286}" type="presParOf" srcId="{2EF45223-F1D6-A941-9F36-5F43511B37F3}" destId="{1883B4BB-31F3-574B-B44B-409C17EDFECF}" srcOrd="1" destOrd="0" presId="urn:microsoft.com/office/officeart/2005/8/layout/chevron2"/>
+    <dgm:cxn modelId="{FA896E89-E453-9841-9A17-D5BC70EAD4EF}" type="presParOf" srcId="{F227B109-A21B-2D4C-AFC9-1A495BEBC4A5}" destId="{D66872DB-238A-E249-AA44-36B75A22B590}" srcOrd="5" destOrd="0" presId="urn:microsoft.com/office/officeart/2005/8/layout/chevron2"/>
+    <dgm:cxn modelId="{09F02FDE-6EA5-584A-BFFB-1897EF39DE1D}" type="presParOf" srcId="{F227B109-A21B-2D4C-AFC9-1A495BEBC4A5}" destId="{E50324C8-BB8E-8B4E-9D8F-4242B288C54E}" srcOrd="6" destOrd="0" presId="urn:microsoft.com/office/officeart/2005/8/layout/chevron2"/>
+    <dgm:cxn modelId="{92207B33-EDE2-C04D-A61F-358937C6AAF5}" type="presParOf" srcId="{E50324C8-BB8E-8B4E-9D8F-4242B288C54E}" destId="{28365329-6F72-5540-89BB-DA858231571A}" srcOrd="0" destOrd="0" presId="urn:microsoft.com/office/officeart/2005/8/layout/chevron2"/>
+    <dgm:cxn modelId="{0501AFAF-7ECB-A141-9D61-DFA57A698376}" type="presParOf" srcId="{E50324C8-BB8E-8B4E-9D8F-4242B288C54E}" destId="{3AA7151F-3D45-2249-94DC-EB4190A6B6DB}" srcOrd="1" destOrd="0" presId="urn:microsoft.com/office/officeart/2005/8/layout/chevron2"/>
+  </dgm:cxnLst>
+  <dgm:bg/>
+  <dgm:whole/>
+  <dgm:extLst>
+    <a:ext uri="http://schemas.microsoft.com/office/drawing/2008/diagram">
+      <dsp:dataModelExt xmlns:dsp="http://schemas.microsoft.com/office/drawing/2008/diagram" relId="rId6" minVer="http://schemas.openxmlformats.org/drawingml/2006/diagram"/>
     </a:ext>
   </dgm:extLst>
 </dgm:dataModel>
 </file>
 
 <file path=ppt/diagrams/drawing1.xml><?xml version="1.0" encoding="utf-8"?>
+<dsp:drawing xmlns:dgm="http://schemas.openxmlformats.org/drawingml/2006/diagram" xmlns:dsp="http://schemas.microsoft.com/office/drawing/2008/diagram" xmlns:a="http://schemas.openxmlformats.org/drawingml/2006/main">
+  <dsp:spTree>
+    <dsp:nvGrpSpPr>
+      <dsp:cNvPr id="0" name=""/>
+      <dsp:cNvGrpSpPr/>
+    </dsp:nvGrpSpPr>
+    <dsp:grpSpPr/>
+    <dsp:sp modelId="{7AEF4479-B363-514E-865A-6BA79DFBD4DE}">
+      <dsp:nvSpPr>
+        <dsp:cNvPr id="0" name=""/>
+        <dsp:cNvSpPr/>
+      </dsp:nvSpPr>
+      <dsp:spPr>
+        <a:xfrm>
+          <a:off x="4245782" y="3272468"/>
+          <a:ext cx="2377352" cy="1539985"/>
+        </a:xfrm>
+        <a:prstGeom prst="roundRect">
+          <a:avLst>
+            <a:gd name="adj" fmla="val 10000"/>
+          </a:avLst>
+        </a:prstGeom>
+        <a:solidFill>
+          <a:schemeClr val="lt1">
+            <a:alpha val="90000"/>
+            <a:hueOff val="0"/>
+            <a:satOff val="0"/>
+            <a:lumOff val="0"/>
+            <a:alphaOff val="0"/>
+          </a:schemeClr>
+        </a:solidFill>
+        <a:ln w="6350" cap="flat" cmpd="sng" algn="ctr">
+          <a:solidFill>
+            <a:schemeClr val="accent1">
+              <a:hueOff val="0"/>
+              <a:satOff val="0"/>
+              <a:lumOff val="0"/>
+              <a:alphaOff val="0"/>
+            </a:schemeClr>
+          </a:solidFill>
+          <a:prstDash val="solid"/>
+          <a:miter lim="800000"/>
+        </a:ln>
+        <a:effectLst/>
+      </dsp:spPr>
+      <dsp:style>
+        <a:lnRef idx="1">
+          <a:scrgbClr r="0" g="0" b="0"/>
+        </a:lnRef>
+        <a:fillRef idx="1">
+          <a:scrgbClr r="0" g="0" b="0"/>
+        </a:fillRef>
+        <a:effectRef idx="0">
+          <a:scrgbClr r="0" g="0" b="0"/>
+        </a:effectRef>
+        <a:fontRef idx="minor"/>
+      </dsp:style>
+      <dsp:txBody>
+        <a:bodyPr spcFirstLastPara="0" vert="horz" wrap="square" lIns="102870" tIns="102870" rIns="102870" bIns="102870" numCol="1" spcCol="1270" anchor="t" anchorCtr="0">
+          <a:noAutofit/>
+        </a:bodyPr>
+        <a:lstStyle/>
+        <a:p>
+          <a:pPr marL="228600" lvl="1" indent="-228600" algn="l" defTabSz="933450">
+            <a:lnSpc>
+              <a:spcPct val="90000"/>
+            </a:lnSpc>
+            <a:spcBef>
+              <a:spcPct val="0"/>
+            </a:spcBef>
+            <a:spcAft>
+              <a:spcPct val="15000"/>
+            </a:spcAft>
+            <a:buChar char="•"/>
+          </a:pPr>
+          <a:r>
+            <a:rPr lang="zh-CN" altLang="en-US" sz="2100" kern="1200" dirty="0" smtClean="0"/>
+            <a:t>稳定无异常</a:t>
+          </a:r>
+          <a:endParaRPr lang="zh-CN" altLang="en-US" sz="2100" kern="1200" dirty="0"/>
+        </a:p>
+      </dsp:txBody>
+      <dsp:txXfrm>
+        <a:off x="4992816" y="3691293"/>
+        <a:ext cx="1596490" cy="1087332"/>
+      </dsp:txXfrm>
+    </dsp:sp>
+    <dsp:sp modelId="{14073936-5319-7F42-B873-D3E9746BF551}">
+      <dsp:nvSpPr>
+        <dsp:cNvPr id="0" name=""/>
+        <dsp:cNvSpPr/>
+      </dsp:nvSpPr>
+      <dsp:spPr>
+        <a:xfrm>
+          <a:off x="366944" y="3272468"/>
+          <a:ext cx="2377352" cy="1539985"/>
+        </a:xfrm>
+        <a:prstGeom prst="roundRect">
+          <a:avLst>
+            <a:gd name="adj" fmla="val 10000"/>
+          </a:avLst>
+        </a:prstGeom>
+        <a:solidFill>
+          <a:schemeClr val="lt1">
+            <a:alpha val="90000"/>
+            <a:hueOff val="0"/>
+            <a:satOff val="0"/>
+            <a:lumOff val="0"/>
+            <a:alphaOff val="0"/>
+          </a:schemeClr>
+        </a:solidFill>
+        <a:ln w="6350" cap="flat" cmpd="sng" algn="ctr">
+          <a:solidFill>
+            <a:schemeClr val="accent1">
+              <a:hueOff val="0"/>
+              <a:satOff val="0"/>
+              <a:lumOff val="0"/>
+              <a:alphaOff val="0"/>
+            </a:schemeClr>
+          </a:solidFill>
+          <a:prstDash val="solid"/>
+          <a:miter lim="800000"/>
+        </a:ln>
+        <a:effectLst/>
+      </dsp:spPr>
+      <dsp:style>
+        <a:lnRef idx="1">
+          <a:scrgbClr r="0" g="0" b="0"/>
+        </a:lnRef>
+        <a:fillRef idx="1">
+          <a:scrgbClr r="0" g="0" b="0"/>
+        </a:fillRef>
+        <a:effectRef idx="0">
+          <a:scrgbClr r="0" g="0" b="0"/>
+        </a:effectRef>
+        <a:fontRef idx="minor"/>
+      </dsp:style>
+      <dsp:txBody>
+        <a:bodyPr spcFirstLastPara="0" vert="horz" wrap="square" lIns="102870" tIns="102870" rIns="102870" bIns="102870" numCol="1" spcCol="1270" anchor="t" anchorCtr="0">
+          <a:noAutofit/>
+        </a:bodyPr>
+        <a:lstStyle/>
+        <a:p>
+          <a:pPr marL="228600" lvl="1" indent="-228600" algn="l" defTabSz="933450">
+            <a:lnSpc>
+              <a:spcPct val="90000"/>
+            </a:lnSpc>
+            <a:spcBef>
+              <a:spcPct val="0"/>
+            </a:spcBef>
+            <a:spcAft>
+              <a:spcPct val="15000"/>
+            </a:spcAft>
+            <a:buChar char="•"/>
+          </a:pPr>
+          <a:r>
+            <a:rPr lang="zh-CN" altLang="en-US" sz="2100" kern="1200" dirty="0" smtClean="0"/>
+            <a:t>速度达标</a:t>
+          </a:r>
+          <a:endParaRPr lang="zh-CN" altLang="en-US" sz="2100" kern="1200" dirty="0"/>
+        </a:p>
+      </dsp:txBody>
+      <dsp:txXfrm>
+        <a:off x="400772" y="3691293"/>
+        <a:ext cx="1596490" cy="1087332"/>
+      </dsp:txXfrm>
+    </dsp:sp>
+    <dsp:sp modelId="{BADA15AD-23FD-8C4E-9168-EAFC4C0D34F0}">
+      <dsp:nvSpPr>
+        <dsp:cNvPr id="0" name=""/>
+        <dsp:cNvSpPr/>
+      </dsp:nvSpPr>
+      <dsp:spPr>
+        <a:xfrm>
+          <a:off x="4245782" y="0"/>
+          <a:ext cx="2377352" cy="1539985"/>
+        </a:xfrm>
+        <a:prstGeom prst="roundRect">
+          <a:avLst>
+            <a:gd name="adj" fmla="val 10000"/>
+          </a:avLst>
+        </a:prstGeom>
+        <a:solidFill>
+          <a:schemeClr val="lt1">
+            <a:alpha val="90000"/>
+            <a:hueOff val="0"/>
+            <a:satOff val="0"/>
+            <a:lumOff val="0"/>
+            <a:alphaOff val="0"/>
+          </a:schemeClr>
+        </a:solidFill>
+        <a:ln w="6350" cap="flat" cmpd="sng" algn="ctr">
+          <a:solidFill>
+            <a:schemeClr val="accent1">
+              <a:hueOff val="0"/>
+              <a:satOff val="0"/>
+              <a:lumOff val="0"/>
+              <a:alphaOff val="0"/>
+            </a:schemeClr>
+          </a:solidFill>
+          <a:prstDash val="solid"/>
+          <a:miter lim="800000"/>
+        </a:ln>
+        <a:effectLst/>
+      </dsp:spPr>
+      <dsp:style>
+        <a:lnRef idx="1">
+          <a:scrgbClr r="0" g="0" b="0"/>
+        </a:lnRef>
+        <a:fillRef idx="1">
+          <a:scrgbClr r="0" g="0" b="0"/>
+        </a:fillRef>
+        <a:effectRef idx="0">
+          <a:scrgbClr r="0" g="0" b="0"/>
+        </a:effectRef>
+        <a:fontRef idx="minor"/>
+      </dsp:style>
+      <dsp:txBody>
+        <a:bodyPr spcFirstLastPara="0" vert="horz" wrap="square" lIns="102870" tIns="102870" rIns="102870" bIns="102870" numCol="1" spcCol="1270" anchor="t" anchorCtr="0">
+          <a:noAutofit/>
+        </a:bodyPr>
+        <a:lstStyle/>
+        <a:p>
+          <a:pPr marL="228600" lvl="1" indent="-228600" algn="l" defTabSz="933450">
+            <a:lnSpc>
+              <a:spcPct val="90000"/>
+            </a:lnSpc>
+            <a:spcBef>
+              <a:spcPct val="0"/>
+            </a:spcBef>
+            <a:spcAft>
+              <a:spcPct val="15000"/>
+            </a:spcAft>
+            <a:buChar char="•"/>
+          </a:pPr>
+          <a:r>
+            <a:rPr lang="zh-CN" altLang="en-US" sz="2100" kern="1200" dirty="0" smtClean="0"/>
+            <a:t>兼容主流浏览器</a:t>
+          </a:r>
+          <a:endParaRPr lang="zh-CN" altLang="en-US" sz="2100" kern="1200" dirty="0"/>
+        </a:p>
+      </dsp:txBody>
+      <dsp:txXfrm>
+        <a:off x="4992816" y="33828"/>
+        <a:ext cx="1596490" cy="1087332"/>
+      </dsp:txXfrm>
+    </dsp:sp>
+    <dsp:sp modelId="{F2EDB17F-4769-6F42-A789-388E4E49784D}">
+      <dsp:nvSpPr>
+        <dsp:cNvPr id="0" name=""/>
+        <dsp:cNvSpPr/>
+      </dsp:nvSpPr>
+      <dsp:spPr>
+        <a:xfrm>
+          <a:off x="366944" y="0"/>
+          <a:ext cx="2377352" cy="1539985"/>
+        </a:xfrm>
+        <a:prstGeom prst="roundRect">
+          <a:avLst>
+            <a:gd name="adj" fmla="val 10000"/>
+          </a:avLst>
+        </a:prstGeom>
+        <a:solidFill>
+          <a:schemeClr val="lt1">
+            <a:alpha val="90000"/>
+            <a:hueOff val="0"/>
+            <a:satOff val="0"/>
+            <a:lumOff val="0"/>
+            <a:alphaOff val="0"/>
+          </a:schemeClr>
+        </a:solidFill>
+        <a:ln w="6350" cap="flat" cmpd="sng" algn="ctr">
+          <a:solidFill>
+            <a:schemeClr val="accent1">
+              <a:hueOff val="0"/>
+              <a:satOff val="0"/>
+              <a:lumOff val="0"/>
+              <a:alphaOff val="0"/>
+            </a:schemeClr>
+          </a:solidFill>
+          <a:prstDash val="solid"/>
+          <a:miter lim="800000"/>
+        </a:ln>
+        <a:effectLst/>
+      </dsp:spPr>
+      <dsp:style>
+        <a:lnRef idx="1">
+          <a:scrgbClr r="0" g="0" b="0"/>
+        </a:lnRef>
+        <a:fillRef idx="1">
+          <a:scrgbClr r="0" g="0" b="0"/>
+        </a:fillRef>
+        <a:effectRef idx="0">
+          <a:scrgbClr r="0" g="0" b="0"/>
+        </a:effectRef>
+        <a:fontRef idx="minor"/>
+      </dsp:style>
+      <dsp:txBody>
+        <a:bodyPr spcFirstLastPara="0" vert="horz" wrap="square" lIns="76200" tIns="76200" rIns="76200" bIns="76200" numCol="1" spcCol="1270" anchor="t" anchorCtr="0">
+          <a:noAutofit/>
+        </a:bodyPr>
+        <a:lstStyle/>
+        <a:p>
+          <a:pPr marL="228600" lvl="1" indent="-228600" algn="l" defTabSz="889000">
+            <a:lnSpc>
+              <a:spcPct val="90000"/>
+            </a:lnSpc>
+            <a:spcBef>
+              <a:spcPct val="0"/>
+            </a:spcBef>
+            <a:spcAft>
+              <a:spcPct val="15000"/>
+            </a:spcAft>
+            <a:buChar char="•"/>
+          </a:pPr>
+          <a:r>
+            <a:rPr lang="zh-CN" altLang="en-US" sz="2000" kern="1200" dirty="0" smtClean="0"/>
+            <a:t>易操作</a:t>
+          </a:r>
+          <a:endParaRPr lang="zh-CN" altLang="en-US" sz="2000" kern="1200" dirty="0"/>
+        </a:p>
+      </dsp:txBody>
+      <dsp:txXfrm>
+        <a:off x="400772" y="33828"/>
+        <a:ext cx="1596490" cy="1087332"/>
+      </dsp:txXfrm>
+    </dsp:sp>
+    <dsp:sp modelId="{295DA211-510E-3F48-B816-95B10DE3D4AF}">
+      <dsp:nvSpPr>
+        <dsp:cNvPr id="0" name=""/>
+        <dsp:cNvSpPr/>
+      </dsp:nvSpPr>
+      <dsp:spPr>
+        <a:xfrm>
+          <a:off x="1363122" y="274309"/>
+          <a:ext cx="2083792" cy="2083792"/>
+        </a:xfrm>
+        <a:prstGeom prst="pieWedge">
+          <a:avLst/>
+        </a:prstGeom>
+        <a:gradFill rotWithShape="0">
+          <a:gsLst>
+            <a:gs pos="0">
+              <a:schemeClr val="accent1">
+                <a:hueOff val="0"/>
+                <a:satOff val="0"/>
+                <a:lumOff val="0"/>
+                <a:alphaOff val="0"/>
+                <a:satMod val="103000"/>
+                <a:lumMod val="102000"/>
+                <a:tint val="94000"/>
+              </a:schemeClr>
+            </a:gs>
+            <a:gs pos="50000">
+              <a:schemeClr val="accent1">
+                <a:hueOff val="0"/>
+                <a:satOff val="0"/>
+                <a:lumOff val="0"/>
+                <a:alphaOff val="0"/>
+                <a:satMod val="110000"/>
+                <a:lumMod val="100000"/>
+                <a:shade val="100000"/>
+              </a:schemeClr>
+            </a:gs>
+            <a:gs pos="100000">
+              <a:schemeClr val="accent1">
+                <a:hueOff val="0"/>
+                <a:satOff val="0"/>
+                <a:lumOff val="0"/>
+                <a:alphaOff val="0"/>
+                <a:lumMod val="99000"/>
+                <a:satMod val="120000"/>
+                <a:shade val="78000"/>
+              </a:schemeClr>
+            </a:gs>
+          </a:gsLst>
+          <a:lin ang="5400000" scaled="0"/>
+        </a:gradFill>
+        <a:ln>
+          <a:noFill/>
+        </a:ln>
+        <a:effectLst/>
+      </dsp:spPr>
+      <dsp:style>
+        <a:lnRef idx="0">
+          <a:scrgbClr r="0" g="0" b="0"/>
+        </a:lnRef>
+        <a:fillRef idx="3">
+          <a:scrgbClr r="0" g="0" b="0"/>
+        </a:fillRef>
+        <a:effectRef idx="2">
+          <a:scrgbClr r="0" g="0" b="0"/>
+        </a:effectRef>
+        <a:fontRef idx="minor">
+          <a:schemeClr val="lt1"/>
+        </a:fontRef>
+      </dsp:style>
+      <dsp:txBody>
+        <a:bodyPr spcFirstLastPara="0" vert="horz" wrap="square" lIns="192024" tIns="192024" rIns="192024" bIns="192024" numCol="1" spcCol="1270" anchor="ctr" anchorCtr="0">
+          <a:noAutofit/>
+        </a:bodyPr>
+        <a:lstStyle/>
+        <a:p>
+          <a:pPr lvl="0" algn="ctr" defTabSz="1200150">
+            <a:lnSpc>
+              <a:spcPct val="90000"/>
+            </a:lnSpc>
+            <a:spcBef>
+              <a:spcPct val="0"/>
+            </a:spcBef>
+            <a:spcAft>
+              <a:spcPct val="35000"/>
+            </a:spcAft>
+          </a:pPr>
+          <a:r>
+            <a:rPr lang="zh-CN" altLang="en-US" sz="2700" kern="1200" dirty="0" smtClean="0"/>
+            <a:t>易用性</a:t>
+          </a:r>
+          <a:endParaRPr lang="zh-CN" altLang="en-US" sz="2700" kern="1200" dirty="0"/>
+        </a:p>
+      </dsp:txBody>
+      <dsp:txXfrm>
+        <a:off x="1973451" y="884638"/>
+        <a:ext cx="1473463" cy="1473463"/>
+      </dsp:txXfrm>
+    </dsp:sp>
+    <dsp:sp modelId="{43728F47-5CBA-514E-BE78-A91513AB7D66}">
+      <dsp:nvSpPr>
+        <dsp:cNvPr id="0" name=""/>
+        <dsp:cNvSpPr/>
+      </dsp:nvSpPr>
+      <dsp:spPr>
+        <a:xfrm rot="5400000">
+          <a:off x="3543164" y="274309"/>
+          <a:ext cx="2083792" cy="2083792"/>
+        </a:xfrm>
+        <a:prstGeom prst="pieWedge">
+          <a:avLst/>
+        </a:prstGeom>
+        <a:gradFill rotWithShape="0">
+          <a:gsLst>
+            <a:gs pos="0">
+              <a:schemeClr val="accent1">
+                <a:hueOff val="0"/>
+                <a:satOff val="0"/>
+                <a:lumOff val="0"/>
+                <a:alphaOff val="0"/>
+                <a:satMod val="103000"/>
+                <a:lumMod val="102000"/>
+                <a:tint val="94000"/>
+              </a:schemeClr>
+            </a:gs>
+            <a:gs pos="50000">
+              <a:schemeClr val="accent1">
+                <a:hueOff val="0"/>
+                <a:satOff val="0"/>
+                <a:lumOff val="0"/>
+                <a:alphaOff val="0"/>
+                <a:satMod val="110000"/>
+                <a:lumMod val="100000"/>
+                <a:shade val="100000"/>
+              </a:schemeClr>
+            </a:gs>
+            <a:gs pos="100000">
+              <a:schemeClr val="accent1">
+                <a:hueOff val="0"/>
+                <a:satOff val="0"/>
+                <a:lumOff val="0"/>
+                <a:alphaOff val="0"/>
+                <a:lumMod val="99000"/>
+                <a:satMod val="120000"/>
+                <a:shade val="78000"/>
+              </a:schemeClr>
+            </a:gs>
+          </a:gsLst>
+          <a:lin ang="5400000" scaled="0"/>
+        </a:gradFill>
+        <a:ln>
+          <a:noFill/>
+        </a:ln>
+        <a:effectLst/>
+      </dsp:spPr>
+      <dsp:style>
+        <a:lnRef idx="0">
+          <a:scrgbClr r="0" g="0" b="0"/>
+        </a:lnRef>
+        <a:fillRef idx="3">
+          <a:scrgbClr r="0" g="0" b="0"/>
+        </a:fillRef>
+        <a:effectRef idx="2">
+          <a:scrgbClr r="0" g="0" b="0"/>
+        </a:effectRef>
+        <a:fontRef idx="minor">
+          <a:schemeClr val="lt1"/>
+        </a:fontRef>
+      </dsp:style>
+      <dsp:txBody>
+        <a:bodyPr spcFirstLastPara="0" vert="horz" wrap="square" lIns="192024" tIns="192024" rIns="192024" bIns="192024" numCol="1" spcCol="1270" anchor="ctr" anchorCtr="0">
+          <a:noAutofit/>
+        </a:bodyPr>
+        <a:lstStyle/>
+        <a:p>
+          <a:pPr lvl="0" algn="ctr" defTabSz="1200150">
+            <a:lnSpc>
+              <a:spcPct val="90000"/>
+            </a:lnSpc>
+            <a:spcBef>
+              <a:spcPct val="0"/>
+            </a:spcBef>
+            <a:spcAft>
+              <a:spcPct val="35000"/>
+            </a:spcAft>
+          </a:pPr>
+          <a:r>
+            <a:rPr lang="zh-CN" altLang="en-US" sz="2700" kern="1200" dirty="0" smtClean="0"/>
+            <a:t>兼容性</a:t>
+          </a:r>
+          <a:endParaRPr lang="zh-CN" altLang="en-US" sz="2700" kern="1200" dirty="0"/>
+        </a:p>
+      </dsp:txBody>
+      <dsp:txXfrm rot="-5400000">
+        <a:off x="3543164" y="884638"/>
+        <a:ext cx="1473463" cy="1473463"/>
+      </dsp:txXfrm>
+    </dsp:sp>
+    <dsp:sp modelId="{3B4D8E00-1FFC-0E49-8389-C92A4F9E88C3}">
+      <dsp:nvSpPr>
+        <dsp:cNvPr id="0" name=""/>
+        <dsp:cNvSpPr/>
+      </dsp:nvSpPr>
+      <dsp:spPr>
+        <a:xfrm rot="10800000">
+          <a:off x="3543164" y="2454351"/>
+          <a:ext cx="2083792" cy="2083792"/>
+        </a:xfrm>
+        <a:prstGeom prst="pieWedge">
+          <a:avLst/>
+        </a:prstGeom>
+        <a:gradFill rotWithShape="0">
+          <a:gsLst>
+            <a:gs pos="0">
+              <a:schemeClr val="accent1">
+                <a:hueOff val="0"/>
+                <a:satOff val="0"/>
+                <a:lumOff val="0"/>
+                <a:alphaOff val="0"/>
+                <a:satMod val="103000"/>
+                <a:lumMod val="102000"/>
+                <a:tint val="94000"/>
+              </a:schemeClr>
+            </a:gs>
+            <a:gs pos="50000">
+              <a:schemeClr val="accent1">
+                <a:hueOff val="0"/>
+                <a:satOff val="0"/>
+                <a:lumOff val="0"/>
+                <a:alphaOff val="0"/>
+                <a:satMod val="110000"/>
+                <a:lumMod val="100000"/>
+                <a:shade val="100000"/>
+              </a:schemeClr>
+            </a:gs>
+            <a:gs pos="100000">
+              <a:schemeClr val="accent1">
+                <a:hueOff val="0"/>
+                <a:satOff val="0"/>
+                <a:lumOff val="0"/>
+                <a:alphaOff val="0"/>
+                <a:lumMod val="99000"/>
+                <a:satMod val="120000"/>
+                <a:shade val="78000"/>
+              </a:schemeClr>
+            </a:gs>
+          </a:gsLst>
+          <a:lin ang="5400000" scaled="0"/>
+        </a:gradFill>
+        <a:ln>
+          <a:noFill/>
+        </a:ln>
+        <a:effectLst/>
+      </dsp:spPr>
+      <dsp:style>
+        <a:lnRef idx="0">
+          <a:scrgbClr r="0" g="0" b="0"/>
+        </a:lnRef>
+        <a:fillRef idx="3">
+          <a:scrgbClr r="0" g="0" b="0"/>
+        </a:fillRef>
+        <a:effectRef idx="2">
+          <a:scrgbClr r="0" g="0" b="0"/>
+        </a:effectRef>
+        <a:fontRef idx="minor">
+          <a:schemeClr val="lt1"/>
+        </a:fontRef>
+      </dsp:style>
+      <dsp:txBody>
+        <a:bodyPr spcFirstLastPara="0" vert="horz" wrap="square" lIns="192024" tIns="192024" rIns="192024" bIns="192024" numCol="1" spcCol="1270" anchor="ctr" anchorCtr="0">
+          <a:noAutofit/>
+        </a:bodyPr>
+        <a:lstStyle/>
+        <a:p>
+          <a:pPr lvl="0" algn="ctr" defTabSz="1200150">
+            <a:lnSpc>
+              <a:spcPct val="90000"/>
+            </a:lnSpc>
+            <a:spcBef>
+              <a:spcPct val="0"/>
+            </a:spcBef>
+            <a:spcAft>
+              <a:spcPct val="35000"/>
+            </a:spcAft>
+          </a:pPr>
+          <a:r>
+            <a:rPr lang="zh-CN" altLang="en-US" sz="2700" kern="1200" dirty="0" smtClean="0"/>
+            <a:t>健壮性</a:t>
+          </a:r>
+          <a:endParaRPr lang="zh-CN" altLang="en-US" sz="2700" kern="1200" dirty="0"/>
+        </a:p>
+      </dsp:txBody>
+      <dsp:txXfrm rot="10800000">
+        <a:off x="3543164" y="2454351"/>
+        <a:ext cx="1473463" cy="1473463"/>
+      </dsp:txXfrm>
+    </dsp:sp>
+    <dsp:sp modelId="{8D5B65D1-6328-4843-A06C-16E41F9DAC1B}">
+      <dsp:nvSpPr>
+        <dsp:cNvPr id="0" name=""/>
+        <dsp:cNvSpPr/>
+      </dsp:nvSpPr>
+      <dsp:spPr>
+        <a:xfrm rot="16200000">
+          <a:off x="1363122" y="2454351"/>
+          <a:ext cx="2083792" cy="2083792"/>
+        </a:xfrm>
+        <a:prstGeom prst="pieWedge">
+          <a:avLst/>
+        </a:prstGeom>
+        <a:gradFill rotWithShape="0">
+          <a:gsLst>
+            <a:gs pos="0">
+              <a:schemeClr val="accent1">
+                <a:hueOff val="0"/>
+                <a:satOff val="0"/>
+                <a:lumOff val="0"/>
+                <a:alphaOff val="0"/>
+                <a:satMod val="103000"/>
+                <a:lumMod val="102000"/>
+                <a:tint val="94000"/>
+              </a:schemeClr>
+            </a:gs>
+            <a:gs pos="50000">
+              <a:schemeClr val="accent1">
+                <a:hueOff val="0"/>
+                <a:satOff val="0"/>
+                <a:lumOff val="0"/>
+                <a:alphaOff val="0"/>
+                <a:satMod val="110000"/>
+                <a:lumMod val="100000"/>
+                <a:shade val="100000"/>
+              </a:schemeClr>
+            </a:gs>
+            <a:gs pos="100000">
+              <a:schemeClr val="accent1">
+                <a:hueOff val="0"/>
+                <a:satOff val="0"/>
+                <a:lumOff val="0"/>
+                <a:alphaOff val="0"/>
+                <a:lumMod val="99000"/>
+                <a:satMod val="120000"/>
+                <a:shade val="78000"/>
+              </a:schemeClr>
+            </a:gs>
+          </a:gsLst>
+          <a:lin ang="5400000" scaled="0"/>
+        </a:gradFill>
+        <a:ln>
+          <a:noFill/>
+        </a:ln>
+        <a:effectLst/>
+      </dsp:spPr>
+      <dsp:style>
+        <a:lnRef idx="0">
+          <a:scrgbClr r="0" g="0" b="0"/>
+        </a:lnRef>
+        <a:fillRef idx="3">
+          <a:scrgbClr r="0" g="0" b="0"/>
+        </a:fillRef>
+        <a:effectRef idx="2">
+          <a:scrgbClr r="0" g="0" b="0"/>
+        </a:effectRef>
+        <a:fontRef idx="minor">
+          <a:schemeClr val="lt1"/>
+        </a:fontRef>
+      </dsp:style>
+      <dsp:txBody>
+        <a:bodyPr spcFirstLastPara="0" vert="horz" wrap="square" lIns="192024" tIns="192024" rIns="192024" bIns="192024" numCol="1" spcCol="1270" anchor="ctr" anchorCtr="0">
+          <a:noAutofit/>
+        </a:bodyPr>
+        <a:lstStyle/>
+        <a:p>
+          <a:pPr lvl="0" algn="ctr" defTabSz="1200150">
+            <a:lnSpc>
+              <a:spcPct val="90000"/>
+            </a:lnSpc>
+            <a:spcBef>
+              <a:spcPct val="0"/>
+            </a:spcBef>
+            <a:spcAft>
+              <a:spcPct val="35000"/>
+            </a:spcAft>
+          </a:pPr>
+          <a:r>
+            <a:rPr lang="zh-CN" altLang="en-US" sz="2700" kern="1200" dirty="0" smtClean="0"/>
+            <a:t>性能体验</a:t>
+          </a:r>
+          <a:endParaRPr lang="zh-CN" altLang="en-US" sz="2700" kern="1200" dirty="0"/>
+        </a:p>
+      </dsp:txBody>
+      <dsp:txXfrm rot="5400000">
+        <a:off x="1973451" y="2454351"/>
+        <a:ext cx="1473463" cy="1473463"/>
+      </dsp:txXfrm>
+    </dsp:sp>
+    <dsp:sp modelId="{90855219-6404-3D40-8146-ECE4F4DC656E}">
+      <dsp:nvSpPr>
+        <dsp:cNvPr id="0" name=""/>
+        <dsp:cNvSpPr/>
+      </dsp:nvSpPr>
+      <dsp:spPr>
+        <a:xfrm>
+          <a:off x="3135309" y="1973106"/>
+          <a:ext cx="719461" cy="625619"/>
+        </a:xfrm>
+        <a:prstGeom prst="circularArrow">
+          <a:avLst/>
+        </a:prstGeom>
+        <a:gradFill rotWithShape="0">
+          <a:gsLst>
+            <a:gs pos="0">
+              <a:schemeClr val="accent1">
+                <a:tint val="60000"/>
+                <a:hueOff val="0"/>
+                <a:satOff val="0"/>
+                <a:lumOff val="0"/>
+                <a:alphaOff val="0"/>
+                <a:satMod val="103000"/>
+                <a:lumMod val="102000"/>
+                <a:tint val="94000"/>
+              </a:schemeClr>
+            </a:gs>
+            <a:gs pos="50000">
+              <a:schemeClr val="accent1">
+                <a:tint val="60000"/>
+                <a:hueOff val="0"/>
+                <a:satOff val="0"/>
+                <a:lumOff val="0"/>
+                <a:alphaOff val="0"/>
+                <a:satMod val="110000"/>
+                <a:lumMod val="100000"/>
+                <a:shade val="100000"/>
+              </a:schemeClr>
+            </a:gs>
+            <a:gs pos="100000">
+              <a:schemeClr val="accent1">
+                <a:tint val="60000"/>
+                <a:hueOff val="0"/>
+                <a:satOff val="0"/>
+                <a:lumOff val="0"/>
+                <a:alphaOff val="0"/>
+                <a:lumMod val="99000"/>
+                <a:satMod val="120000"/>
+                <a:shade val="78000"/>
+              </a:schemeClr>
+            </a:gs>
+          </a:gsLst>
+          <a:lin ang="5400000" scaled="0"/>
+        </a:gradFill>
+        <a:ln>
+          <a:noFill/>
+        </a:ln>
+        <a:effectLst/>
+      </dsp:spPr>
+      <dsp:style>
+        <a:lnRef idx="0">
+          <a:scrgbClr r="0" g="0" b="0"/>
+        </a:lnRef>
+        <a:fillRef idx="3">
+          <a:scrgbClr r="0" g="0" b="0"/>
+        </a:fillRef>
+        <a:effectRef idx="2">
+          <a:scrgbClr r="0" g="0" b="0"/>
+        </a:effectRef>
+        <a:fontRef idx="minor"/>
+      </dsp:style>
+    </dsp:sp>
+    <dsp:sp modelId="{FF989D32-2A85-0543-A1D0-2568A881F07D}">
+      <dsp:nvSpPr>
+        <dsp:cNvPr id="0" name=""/>
+        <dsp:cNvSpPr/>
+      </dsp:nvSpPr>
+      <dsp:spPr>
+        <a:xfrm rot="10800000">
+          <a:off x="3135309" y="2213728"/>
+          <a:ext cx="719461" cy="625619"/>
+        </a:xfrm>
+        <a:prstGeom prst="circularArrow">
+          <a:avLst/>
+        </a:prstGeom>
+        <a:gradFill rotWithShape="0">
+          <a:gsLst>
+            <a:gs pos="0">
+              <a:schemeClr val="accent1">
+                <a:tint val="60000"/>
+                <a:hueOff val="0"/>
+                <a:satOff val="0"/>
+                <a:lumOff val="0"/>
+                <a:alphaOff val="0"/>
+                <a:satMod val="103000"/>
+                <a:lumMod val="102000"/>
+                <a:tint val="94000"/>
+              </a:schemeClr>
+            </a:gs>
+            <a:gs pos="50000">
+              <a:schemeClr val="accent1">
+                <a:tint val="60000"/>
+                <a:hueOff val="0"/>
+                <a:satOff val="0"/>
+                <a:lumOff val="0"/>
+                <a:alphaOff val="0"/>
+                <a:satMod val="110000"/>
+                <a:lumMod val="100000"/>
+                <a:shade val="100000"/>
+              </a:schemeClr>
+            </a:gs>
+            <a:gs pos="100000">
+              <a:schemeClr val="accent1">
+                <a:tint val="60000"/>
+                <a:hueOff val="0"/>
+                <a:satOff val="0"/>
+                <a:lumOff val="0"/>
+                <a:alphaOff val="0"/>
+                <a:lumMod val="99000"/>
+                <a:satMod val="120000"/>
+                <a:shade val="78000"/>
+              </a:schemeClr>
+            </a:gs>
+          </a:gsLst>
+          <a:lin ang="5400000" scaled="0"/>
+        </a:gradFill>
+        <a:ln>
+          <a:noFill/>
+        </a:ln>
+        <a:effectLst/>
+      </dsp:spPr>
+      <dsp:style>
+        <a:lnRef idx="0">
+          <a:scrgbClr r="0" g="0" b="0"/>
+        </a:lnRef>
+        <a:fillRef idx="3">
+          <a:scrgbClr r="0" g="0" b="0"/>
+        </a:fillRef>
+        <a:effectRef idx="2">
+          <a:scrgbClr r="0" g="0" b="0"/>
+        </a:effectRef>
+        <a:fontRef idx="minor"/>
+      </dsp:style>
+    </dsp:sp>
+  </dsp:spTree>
+</dsp:drawing>
+</file>
+
+<file path=ppt/diagrams/drawing2.xml><?xml version="1.0" encoding="utf-8"?>
 <dsp:drawing xmlns:dgm="http://schemas.openxmlformats.org/drawingml/2006/diagram" xmlns:dsp="http://schemas.microsoft.com/office/drawing/2008/diagram" xmlns:a="http://schemas.openxmlformats.org/drawingml/2006/main">
   <dsp:spTree>
     <dsp:nvGrpSpPr>
@@ -2908,7 +6466,7 @@
         </a:bodyPr>
         <a:lstStyle/>
         <a:p>
-          <a:pPr marL="0" lvl="0" indent="0" algn="ctr" defTabSz="711200">
+          <a:pPr lvl="0" algn="ctr" defTabSz="711200">
             <a:lnSpc>
               <a:spcPct val="90000"/>
             </a:lnSpc>
@@ -2918,7 +6476,6 @@
             <a:spcAft>
               <a:spcPct val="35000"/>
             </a:spcAft>
-            <a:buNone/>
           </a:pPr>
           <a:r>
             <a:rPr lang="zh-CN" altLang="en-US" sz="1600" kern="1200" dirty="0"/>
@@ -3289,7 +6846,7 @@
         </a:bodyPr>
         <a:lstStyle/>
         <a:p>
-          <a:pPr marL="0" lvl="0" indent="0" algn="ctr" defTabSz="622300">
+          <a:pPr lvl="0" algn="ctr" defTabSz="622300">
             <a:lnSpc>
               <a:spcPct val="90000"/>
             </a:lnSpc>
@@ -3299,7 +6856,6 @@
             <a:spcAft>
               <a:spcPct val="35000"/>
             </a:spcAft>
-            <a:buNone/>
           </a:pPr>
           <a:r>
             <a:rPr lang="zh-CN" altLang="en-US" sz="1400" kern="1200" dirty="0"/>
@@ -3586,7 +7142,7 @@
         </a:bodyPr>
         <a:lstStyle/>
         <a:p>
-          <a:pPr marL="0" lvl="0" indent="0" algn="ctr" defTabSz="622300">
+          <a:pPr lvl="0" algn="ctr" defTabSz="622300">
             <a:lnSpc>
               <a:spcPct val="90000"/>
             </a:lnSpc>
@@ -3596,7 +7152,6 @@
             <a:spcAft>
               <a:spcPct val="35000"/>
             </a:spcAft>
-            <a:buNone/>
           </a:pPr>
           <a:r>
             <a:rPr lang="zh-CN" altLang="en-US" sz="1400" kern="1200" dirty="0"/>
@@ -3930,7 +7485,7 @@
         </a:bodyPr>
         <a:lstStyle/>
         <a:p>
-          <a:pPr marL="0" lvl="0" indent="0" algn="ctr" defTabSz="622300">
+          <a:pPr lvl="0" algn="ctr" defTabSz="622300">
             <a:lnSpc>
               <a:spcPct val="90000"/>
             </a:lnSpc>
@@ -3940,7 +7495,6 @@
             <a:spcAft>
               <a:spcPct val="35000"/>
             </a:spcAft>
-            <a:buNone/>
           </a:pPr>
           <a:r>
             <a:rPr lang="zh-CN" altLang="en-US" sz="1400" kern="1200" dirty="0"/>
@@ -4114,7 +7668,7 @@
         </a:bodyPr>
         <a:lstStyle/>
         <a:p>
-          <a:pPr marL="0" lvl="0" indent="0" algn="ctr" defTabSz="622300">
+          <a:pPr lvl="0" algn="ctr" defTabSz="622300">
             <a:lnSpc>
               <a:spcPct val="90000"/>
             </a:lnSpc>
@@ -4124,7 +7678,6 @@
             <a:spcAft>
               <a:spcPct val="35000"/>
             </a:spcAft>
-            <a:buNone/>
           </a:pPr>
           <a:r>
             <a:rPr lang="zh-CN" altLang="en-US" sz="1400" kern="1200" dirty="0"/>
@@ -4142,8 +7695,1489 @@
 </dsp:drawing>
 </file>
 
+<file path=ppt/diagrams/drawing3.xml><?xml version="1.0" encoding="utf-8"?>
+<dsp:drawing xmlns:dgm="http://schemas.openxmlformats.org/drawingml/2006/diagram" xmlns:dsp="http://schemas.microsoft.com/office/drawing/2008/diagram" xmlns:a="http://schemas.openxmlformats.org/drawingml/2006/main">
+  <dsp:spTree>
+    <dsp:nvGrpSpPr>
+      <dsp:cNvPr id="0" name=""/>
+      <dsp:cNvGrpSpPr/>
+    </dsp:nvGrpSpPr>
+    <dsp:grpSpPr/>
+    <dsp:sp modelId="{FBF6573A-D113-E249-A00A-724B53BA522E}">
+      <dsp:nvSpPr>
+        <dsp:cNvPr id="0" name=""/>
+        <dsp:cNvSpPr/>
+      </dsp:nvSpPr>
+      <dsp:spPr>
+        <a:xfrm rot="5400000">
+          <a:off x="-182065" y="184995"/>
+          <a:ext cx="1213771" cy="849640"/>
+        </a:xfrm>
+        <a:prstGeom prst="chevron">
+          <a:avLst/>
+        </a:prstGeom>
+        <a:gradFill rotWithShape="0">
+          <a:gsLst>
+            <a:gs pos="0">
+              <a:schemeClr val="accent1">
+                <a:hueOff val="0"/>
+                <a:satOff val="0"/>
+                <a:lumOff val="0"/>
+                <a:alphaOff val="0"/>
+                <a:satMod val="103000"/>
+                <a:lumMod val="102000"/>
+                <a:tint val="94000"/>
+              </a:schemeClr>
+            </a:gs>
+            <a:gs pos="50000">
+              <a:schemeClr val="accent1">
+                <a:hueOff val="0"/>
+                <a:satOff val="0"/>
+                <a:lumOff val="0"/>
+                <a:alphaOff val="0"/>
+                <a:satMod val="110000"/>
+                <a:lumMod val="100000"/>
+                <a:shade val="100000"/>
+              </a:schemeClr>
+            </a:gs>
+            <a:gs pos="100000">
+              <a:schemeClr val="accent1">
+                <a:hueOff val="0"/>
+                <a:satOff val="0"/>
+                <a:lumOff val="0"/>
+                <a:alphaOff val="0"/>
+                <a:lumMod val="99000"/>
+                <a:satMod val="120000"/>
+                <a:shade val="78000"/>
+              </a:schemeClr>
+            </a:gs>
+          </a:gsLst>
+          <a:lin ang="5400000" scaled="0"/>
+        </a:gradFill>
+        <a:ln w="6350" cap="flat" cmpd="sng" algn="ctr">
+          <a:solidFill>
+            <a:schemeClr val="accent1">
+              <a:hueOff val="0"/>
+              <a:satOff val="0"/>
+              <a:lumOff val="0"/>
+              <a:alphaOff val="0"/>
+            </a:schemeClr>
+          </a:solidFill>
+          <a:prstDash val="solid"/>
+          <a:miter lim="800000"/>
+        </a:ln>
+        <a:effectLst/>
+      </dsp:spPr>
+      <dsp:style>
+        <a:lnRef idx="1">
+          <a:scrgbClr r="0" g="0" b="0"/>
+        </a:lnRef>
+        <a:fillRef idx="3">
+          <a:scrgbClr r="0" g="0" b="0"/>
+        </a:fillRef>
+        <a:effectRef idx="2">
+          <a:scrgbClr r="0" g="0" b="0"/>
+        </a:effectRef>
+        <a:fontRef idx="minor">
+          <a:schemeClr val="lt1"/>
+        </a:fontRef>
+      </dsp:style>
+      <dsp:txBody>
+        <a:bodyPr spcFirstLastPara="0" vert="horz" wrap="square" lIns="12700" tIns="12700" rIns="12700" bIns="12700" numCol="1" spcCol="1270" anchor="ctr" anchorCtr="0">
+          <a:noAutofit/>
+        </a:bodyPr>
+        <a:lstStyle/>
+        <a:p>
+          <a:pPr lvl="0" algn="ctr" defTabSz="889000">
+            <a:lnSpc>
+              <a:spcPct val="90000"/>
+            </a:lnSpc>
+            <a:spcBef>
+              <a:spcPct val="0"/>
+            </a:spcBef>
+            <a:spcAft>
+              <a:spcPct val="35000"/>
+            </a:spcAft>
+          </a:pPr>
+          <a:r>
+            <a:rPr lang="zh-CN" altLang="en-US" sz="2000" kern="1200" dirty="0" smtClean="0"/>
+            <a:t>易用性</a:t>
+          </a:r>
+          <a:endParaRPr lang="zh-CN" altLang="en-US" sz="2000" kern="1200" dirty="0"/>
+        </a:p>
+      </dsp:txBody>
+      <dsp:txXfrm rot="-5400000">
+        <a:off x="1" y="427749"/>
+        <a:ext cx="849640" cy="364131"/>
+      </dsp:txXfrm>
+    </dsp:sp>
+    <dsp:sp modelId="{A4573395-58CE-4642-8AA9-F2C223D52831}">
+      <dsp:nvSpPr>
+        <dsp:cNvPr id="0" name=""/>
+        <dsp:cNvSpPr/>
+      </dsp:nvSpPr>
+      <dsp:spPr>
+        <a:xfrm rot="5400000">
+          <a:off x="3946816" y="-3094246"/>
+          <a:ext cx="789366" cy="6983719"/>
+        </a:xfrm>
+        <a:prstGeom prst="round2SameRect">
+          <a:avLst/>
+        </a:prstGeom>
+        <a:solidFill>
+          <a:schemeClr val="lt1">
+            <a:alpha val="90000"/>
+            <a:hueOff val="0"/>
+            <a:satOff val="0"/>
+            <a:lumOff val="0"/>
+            <a:alphaOff val="0"/>
+          </a:schemeClr>
+        </a:solidFill>
+        <a:ln w="6350" cap="flat" cmpd="sng" algn="ctr">
+          <a:solidFill>
+            <a:schemeClr val="accent1">
+              <a:hueOff val="0"/>
+              <a:satOff val="0"/>
+              <a:lumOff val="0"/>
+              <a:alphaOff val="0"/>
+            </a:schemeClr>
+          </a:solidFill>
+          <a:prstDash val="solid"/>
+          <a:miter lim="800000"/>
+        </a:ln>
+        <a:effectLst/>
+      </dsp:spPr>
+      <dsp:style>
+        <a:lnRef idx="1">
+          <a:scrgbClr r="0" g="0" b="0"/>
+        </a:lnRef>
+        <a:fillRef idx="1">
+          <a:scrgbClr r="0" g="0" b="0"/>
+        </a:fillRef>
+        <a:effectRef idx="0">
+          <a:scrgbClr r="0" g="0" b="0"/>
+        </a:effectRef>
+        <a:fontRef idx="minor"/>
+      </dsp:style>
+      <dsp:txBody>
+        <a:bodyPr spcFirstLastPara="0" vert="horz" wrap="square" lIns="142240" tIns="12700" rIns="12700" bIns="12700" numCol="1" spcCol="1270" anchor="ctr" anchorCtr="0">
+          <a:noAutofit/>
+        </a:bodyPr>
+        <a:lstStyle/>
+        <a:p>
+          <a:pPr marL="228600" lvl="1" indent="-228600" algn="l" defTabSz="889000">
+            <a:lnSpc>
+              <a:spcPct val="90000"/>
+            </a:lnSpc>
+            <a:spcBef>
+              <a:spcPct val="0"/>
+            </a:spcBef>
+            <a:spcAft>
+              <a:spcPct val="15000"/>
+            </a:spcAft>
+            <a:buChar char="•"/>
+          </a:pPr>
+          <a:r>
+            <a:rPr lang="zh-CN" altLang="en-US" sz="2000" kern="1200" dirty="0" smtClean="0"/>
+            <a:t>页面简洁明了，交互性好，易操作</a:t>
+          </a:r>
+          <a:endParaRPr lang="zh-CN" altLang="en-US" sz="2000" kern="1200" dirty="0"/>
+        </a:p>
+      </dsp:txBody>
+      <dsp:txXfrm rot="-5400000">
+        <a:off x="849640" y="41464"/>
+        <a:ext cx="6945185" cy="712298"/>
+      </dsp:txXfrm>
+    </dsp:sp>
+    <dsp:sp modelId="{2E40469A-BF93-3841-A34A-D7CEF0154140}">
+      <dsp:nvSpPr>
+        <dsp:cNvPr id="0" name=""/>
+        <dsp:cNvSpPr/>
+      </dsp:nvSpPr>
+      <dsp:spPr>
+        <a:xfrm rot="5400000">
+          <a:off x="-182065" y="1251651"/>
+          <a:ext cx="1213771" cy="849640"/>
+        </a:xfrm>
+        <a:prstGeom prst="chevron">
+          <a:avLst/>
+        </a:prstGeom>
+        <a:gradFill rotWithShape="0">
+          <a:gsLst>
+            <a:gs pos="0">
+              <a:schemeClr val="accent1">
+                <a:hueOff val="0"/>
+                <a:satOff val="0"/>
+                <a:lumOff val="0"/>
+                <a:alphaOff val="0"/>
+                <a:satMod val="103000"/>
+                <a:lumMod val="102000"/>
+                <a:tint val="94000"/>
+              </a:schemeClr>
+            </a:gs>
+            <a:gs pos="50000">
+              <a:schemeClr val="accent1">
+                <a:hueOff val="0"/>
+                <a:satOff val="0"/>
+                <a:lumOff val="0"/>
+                <a:alphaOff val="0"/>
+                <a:satMod val="110000"/>
+                <a:lumMod val="100000"/>
+                <a:shade val="100000"/>
+              </a:schemeClr>
+            </a:gs>
+            <a:gs pos="100000">
+              <a:schemeClr val="accent1">
+                <a:hueOff val="0"/>
+                <a:satOff val="0"/>
+                <a:lumOff val="0"/>
+                <a:alphaOff val="0"/>
+                <a:lumMod val="99000"/>
+                <a:satMod val="120000"/>
+                <a:shade val="78000"/>
+              </a:schemeClr>
+            </a:gs>
+          </a:gsLst>
+          <a:lin ang="5400000" scaled="0"/>
+        </a:gradFill>
+        <a:ln w="6350" cap="flat" cmpd="sng" algn="ctr">
+          <a:solidFill>
+            <a:schemeClr val="accent1">
+              <a:hueOff val="0"/>
+              <a:satOff val="0"/>
+              <a:lumOff val="0"/>
+              <a:alphaOff val="0"/>
+            </a:schemeClr>
+          </a:solidFill>
+          <a:prstDash val="solid"/>
+          <a:miter lim="800000"/>
+        </a:ln>
+        <a:effectLst/>
+      </dsp:spPr>
+      <dsp:style>
+        <a:lnRef idx="1">
+          <a:scrgbClr r="0" g="0" b="0"/>
+        </a:lnRef>
+        <a:fillRef idx="3">
+          <a:scrgbClr r="0" g="0" b="0"/>
+        </a:fillRef>
+        <a:effectRef idx="2">
+          <a:scrgbClr r="0" g="0" b="0"/>
+        </a:effectRef>
+        <a:fontRef idx="minor">
+          <a:schemeClr val="lt1"/>
+        </a:fontRef>
+      </dsp:style>
+      <dsp:txBody>
+        <a:bodyPr spcFirstLastPara="0" vert="horz" wrap="square" lIns="12700" tIns="12700" rIns="12700" bIns="12700" numCol="1" spcCol="1270" anchor="ctr" anchorCtr="0">
+          <a:noAutofit/>
+        </a:bodyPr>
+        <a:lstStyle/>
+        <a:p>
+          <a:pPr lvl="0" algn="ctr" defTabSz="889000">
+            <a:lnSpc>
+              <a:spcPct val="90000"/>
+            </a:lnSpc>
+            <a:spcBef>
+              <a:spcPct val="0"/>
+            </a:spcBef>
+            <a:spcAft>
+              <a:spcPct val="35000"/>
+            </a:spcAft>
+          </a:pPr>
+          <a:r>
+            <a:rPr lang="zh-CN" altLang="en-US" sz="2000" kern="1200" dirty="0" smtClean="0"/>
+            <a:t>兼容性</a:t>
+          </a:r>
+          <a:endParaRPr lang="zh-CN" altLang="en-US" sz="2000" kern="1200" dirty="0"/>
+        </a:p>
+      </dsp:txBody>
+      <dsp:txXfrm rot="-5400000">
+        <a:off x="1" y="1494405"/>
+        <a:ext cx="849640" cy="364131"/>
+      </dsp:txXfrm>
+    </dsp:sp>
+    <dsp:sp modelId="{8B7885CD-A022-D84A-A51A-8740BCDDAFEB}">
+      <dsp:nvSpPr>
+        <dsp:cNvPr id="0" name=""/>
+        <dsp:cNvSpPr/>
+      </dsp:nvSpPr>
+      <dsp:spPr>
+        <a:xfrm rot="5400000">
+          <a:off x="3947024" y="-2027797"/>
+          <a:ext cx="788951" cy="6983719"/>
+        </a:xfrm>
+        <a:prstGeom prst="round2SameRect">
+          <a:avLst/>
+        </a:prstGeom>
+        <a:solidFill>
+          <a:schemeClr val="lt1">
+            <a:alpha val="90000"/>
+            <a:hueOff val="0"/>
+            <a:satOff val="0"/>
+            <a:lumOff val="0"/>
+            <a:alphaOff val="0"/>
+          </a:schemeClr>
+        </a:solidFill>
+        <a:ln w="6350" cap="flat" cmpd="sng" algn="ctr">
+          <a:solidFill>
+            <a:schemeClr val="accent1">
+              <a:hueOff val="0"/>
+              <a:satOff val="0"/>
+              <a:lumOff val="0"/>
+              <a:alphaOff val="0"/>
+            </a:schemeClr>
+          </a:solidFill>
+          <a:prstDash val="solid"/>
+          <a:miter lim="800000"/>
+        </a:ln>
+        <a:effectLst/>
+      </dsp:spPr>
+      <dsp:style>
+        <a:lnRef idx="1">
+          <a:scrgbClr r="0" g="0" b="0"/>
+        </a:lnRef>
+        <a:fillRef idx="1">
+          <a:scrgbClr r="0" g="0" b="0"/>
+        </a:fillRef>
+        <a:effectRef idx="0">
+          <a:scrgbClr r="0" g="0" b="0"/>
+        </a:effectRef>
+        <a:fontRef idx="minor"/>
+      </dsp:style>
+      <dsp:txBody>
+        <a:bodyPr spcFirstLastPara="0" vert="horz" wrap="square" lIns="142240" tIns="12700" rIns="12700" bIns="12700" numCol="1" spcCol="1270" anchor="ctr" anchorCtr="0">
+          <a:noAutofit/>
+        </a:bodyPr>
+        <a:lstStyle/>
+        <a:p>
+          <a:pPr marL="228600" lvl="1" indent="-228600" algn="l" defTabSz="889000">
+            <a:lnSpc>
+              <a:spcPct val="90000"/>
+            </a:lnSpc>
+            <a:spcBef>
+              <a:spcPct val="0"/>
+            </a:spcBef>
+            <a:spcAft>
+              <a:spcPct val="15000"/>
+            </a:spcAft>
+            <a:buChar char="•"/>
+          </a:pPr>
+          <a:r>
+            <a:rPr lang="zh-CN" altLang="en-US" sz="2000" kern="1200" dirty="0" smtClean="0"/>
+            <a:t>可以兼容当前主流浏览器</a:t>
+          </a:r>
+          <a:endParaRPr lang="zh-CN" altLang="en-US" sz="2000" kern="1200" dirty="0"/>
+        </a:p>
+      </dsp:txBody>
+      <dsp:txXfrm rot="-5400000">
+        <a:off x="849641" y="1108099"/>
+        <a:ext cx="6945206" cy="711925"/>
+      </dsp:txXfrm>
+    </dsp:sp>
+    <dsp:sp modelId="{EFD217E2-80B9-E648-9F71-2B376C498494}">
+      <dsp:nvSpPr>
+        <dsp:cNvPr id="0" name=""/>
+        <dsp:cNvSpPr/>
+      </dsp:nvSpPr>
+      <dsp:spPr>
+        <a:xfrm rot="5400000">
+          <a:off x="-182065" y="2318307"/>
+          <a:ext cx="1213771" cy="849640"/>
+        </a:xfrm>
+        <a:prstGeom prst="chevron">
+          <a:avLst/>
+        </a:prstGeom>
+        <a:gradFill rotWithShape="0">
+          <a:gsLst>
+            <a:gs pos="0">
+              <a:schemeClr val="accent1">
+                <a:hueOff val="0"/>
+                <a:satOff val="0"/>
+                <a:lumOff val="0"/>
+                <a:alphaOff val="0"/>
+                <a:satMod val="103000"/>
+                <a:lumMod val="102000"/>
+                <a:tint val="94000"/>
+              </a:schemeClr>
+            </a:gs>
+            <a:gs pos="50000">
+              <a:schemeClr val="accent1">
+                <a:hueOff val="0"/>
+                <a:satOff val="0"/>
+                <a:lumOff val="0"/>
+                <a:alphaOff val="0"/>
+                <a:satMod val="110000"/>
+                <a:lumMod val="100000"/>
+                <a:shade val="100000"/>
+              </a:schemeClr>
+            </a:gs>
+            <a:gs pos="100000">
+              <a:schemeClr val="accent1">
+                <a:hueOff val="0"/>
+                <a:satOff val="0"/>
+                <a:lumOff val="0"/>
+                <a:alphaOff val="0"/>
+                <a:lumMod val="99000"/>
+                <a:satMod val="120000"/>
+                <a:shade val="78000"/>
+              </a:schemeClr>
+            </a:gs>
+          </a:gsLst>
+          <a:lin ang="5400000" scaled="0"/>
+        </a:gradFill>
+        <a:ln w="6350" cap="flat" cmpd="sng" algn="ctr">
+          <a:solidFill>
+            <a:schemeClr val="accent1">
+              <a:hueOff val="0"/>
+              <a:satOff val="0"/>
+              <a:lumOff val="0"/>
+              <a:alphaOff val="0"/>
+            </a:schemeClr>
+          </a:solidFill>
+          <a:prstDash val="solid"/>
+          <a:miter lim="800000"/>
+        </a:ln>
+        <a:effectLst/>
+      </dsp:spPr>
+      <dsp:style>
+        <a:lnRef idx="1">
+          <a:scrgbClr r="0" g="0" b="0"/>
+        </a:lnRef>
+        <a:fillRef idx="3">
+          <a:scrgbClr r="0" g="0" b="0"/>
+        </a:fillRef>
+        <a:effectRef idx="2">
+          <a:scrgbClr r="0" g="0" b="0"/>
+        </a:effectRef>
+        <a:fontRef idx="minor">
+          <a:schemeClr val="lt1"/>
+        </a:fontRef>
+      </dsp:style>
+      <dsp:txBody>
+        <a:bodyPr spcFirstLastPara="0" vert="horz" wrap="square" lIns="12700" tIns="12700" rIns="12700" bIns="12700" numCol="1" spcCol="1270" anchor="ctr" anchorCtr="0">
+          <a:noAutofit/>
+        </a:bodyPr>
+        <a:lstStyle/>
+        <a:p>
+          <a:pPr lvl="0" algn="ctr" defTabSz="889000">
+            <a:lnSpc>
+              <a:spcPct val="90000"/>
+            </a:lnSpc>
+            <a:spcBef>
+              <a:spcPct val="0"/>
+            </a:spcBef>
+            <a:spcAft>
+              <a:spcPct val="35000"/>
+            </a:spcAft>
+          </a:pPr>
+          <a:r>
+            <a:rPr lang="zh-CN" altLang="en-US" sz="2000" kern="1200" dirty="0" smtClean="0"/>
+            <a:t>性能</a:t>
+          </a:r>
+          <a:endParaRPr lang="zh-CN" altLang="en-US" sz="2000" kern="1200" dirty="0"/>
+        </a:p>
+      </dsp:txBody>
+      <dsp:txXfrm rot="-5400000">
+        <a:off x="1" y="2561061"/>
+        <a:ext cx="849640" cy="364131"/>
+      </dsp:txXfrm>
+    </dsp:sp>
+    <dsp:sp modelId="{1883B4BB-31F3-574B-B44B-409C17EDFECF}">
+      <dsp:nvSpPr>
+        <dsp:cNvPr id="0" name=""/>
+        <dsp:cNvSpPr/>
+      </dsp:nvSpPr>
+      <dsp:spPr>
+        <a:xfrm rot="5400000">
+          <a:off x="3947024" y="-961141"/>
+          <a:ext cx="788951" cy="6983719"/>
+        </a:xfrm>
+        <a:prstGeom prst="round2SameRect">
+          <a:avLst/>
+        </a:prstGeom>
+        <a:solidFill>
+          <a:schemeClr val="lt1">
+            <a:alpha val="90000"/>
+            <a:hueOff val="0"/>
+            <a:satOff val="0"/>
+            <a:lumOff val="0"/>
+            <a:alphaOff val="0"/>
+          </a:schemeClr>
+        </a:solidFill>
+        <a:ln w="6350" cap="flat" cmpd="sng" algn="ctr">
+          <a:solidFill>
+            <a:schemeClr val="accent1">
+              <a:hueOff val="0"/>
+              <a:satOff val="0"/>
+              <a:lumOff val="0"/>
+              <a:alphaOff val="0"/>
+            </a:schemeClr>
+          </a:solidFill>
+          <a:prstDash val="solid"/>
+          <a:miter lim="800000"/>
+        </a:ln>
+        <a:effectLst/>
+      </dsp:spPr>
+      <dsp:style>
+        <a:lnRef idx="1">
+          <a:scrgbClr r="0" g="0" b="0"/>
+        </a:lnRef>
+        <a:fillRef idx="1">
+          <a:scrgbClr r="0" g="0" b="0"/>
+        </a:fillRef>
+        <a:effectRef idx="0">
+          <a:scrgbClr r="0" g="0" b="0"/>
+        </a:effectRef>
+        <a:fontRef idx="minor"/>
+      </dsp:style>
+      <dsp:txBody>
+        <a:bodyPr spcFirstLastPara="0" vert="horz" wrap="square" lIns="142240" tIns="12700" rIns="12700" bIns="12700" numCol="1" spcCol="1270" anchor="ctr" anchorCtr="0">
+          <a:noAutofit/>
+        </a:bodyPr>
+        <a:lstStyle/>
+        <a:p>
+          <a:pPr marL="228600" lvl="1" indent="-228600" algn="l" defTabSz="889000">
+            <a:lnSpc>
+              <a:spcPct val="90000"/>
+            </a:lnSpc>
+            <a:spcBef>
+              <a:spcPct val="0"/>
+            </a:spcBef>
+            <a:spcAft>
+              <a:spcPct val="15000"/>
+            </a:spcAft>
+            <a:buChar char="•"/>
+          </a:pPr>
+          <a:r>
+            <a:rPr lang="zh-CN" altLang="en-US" sz="2000" kern="1200" dirty="0" smtClean="0"/>
+            <a:t>响应时间达标，满足用户速度体验要求</a:t>
+          </a:r>
+          <a:endParaRPr lang="zh-CN" altLang="en-US" sz="2000" kern="1200" dirty="0"/>
+        </a:p>
+      </dsp:txBody>
+      <dsp:txXfrm rot="-5400000">
+        <a:off x="849641" y="2174755"/>
+        <a:ext cx="6945206" cy="711925"/>
+      </dsp:txXfrm>
+    </dsp:sp>
+    <dsp:sp modelId="{28365329-6F72-5540-89BB-DA858231571A}">
+      <dsp:nvSpPr>
+        <dsp:cNvPr id="0" name=""/>
+        <dsp:cNvSpPr/>
+      </dsp:nvSpPr>
+      <dsp:spPr>
+        <a:xfrm rot="5400000">
+          <a:off x="-182065" y="3384963"/>
+          <a:ext cx="1213771" cy="849640"/>
+        </a:xfrm>
+        <a:prstGeom prst="chevron">
+          <a:avLst/>
+        </a:prstGeom>
+        <a:gradFill rotWithShape="0">
+          <a:gsLst>
+            <a:gs pos="0">
+              <a:schemeClr val="accent1">
+                <a:hueOff val="0"/>
+                <a:satOff val="0"/>
+                <a:lumOff val="0"/>
+                <a:alphaOff val="0"/>
+                <a:satMod val="103000"/>
+                <a:lumMod val="102000"/>
+                <a:tint val="94000"/>
+              </a:schemeClr>
+            </a:gs>
+            <a:gs pos="50000">
+              <a:schemeClr val="accent1">
+                <a:hueOff val="0"/>
+                <a:satOff val="0"/>
+                <a:lumOff val="0"/>
+                <a:alphaOff val="0"/>
+                <a:satMod val="110000"/>
+                <a:lumMod val="100000"/>
+                <a:shade val="100000"/>
+              </a:schemeClr>
+            </a:gs>
+            <a:gs pos="100000">
+              <a:schemeClr val="accent1">
+                <a:hueOff val="0"/>
+                <a:satOff val="0"/>
+                <a:lumOff val="0"/>
+                <a:alphaOff val="0"/>
+                <a:lumMod val="99000"/>
+                <a:satMod val="120000"/>
+                <a:shade val="78000"/>
+              </a:schemeClr>
+            </a:gs>
+          </a:gsLst>
+          <a:lin ang="5400000" scaled="0"/>
+        </a:gradFill>
+        <a:ln w="6350" cap="flat" cmpd="sng" algn="ctr">
+          <a:solidFill>
+            <a:schemeClr val="accent1">
+              <a:hueOff val="0"/>
+              <a:satOff val="0"/>
+              <a:lumOff val="0"/>
+              <a:alphaOff val="0"/>
+            </a:schemeClr>
+          </a:solidFill>
+          <a:prstDash val="solid"/>
+          <a:miter lim="800000"/>
+        </a:ln>
+        <a:effectLst/>
+      </dsp:spPr>
+      <dsp:style>
+        <a:lnRef idx="1">
+          <a:scrgbClr r="0" g="0" b="0"/>
+        </a:lnRef>
+        <a:fillRef idx="3">
+          <a:scrgbClr r="0" g="0" b="0"/>
+        </a:fillRef>
+        <a:effectRef idx="2">
+          <a:scrgbClr r="0" g="0" b="0"/>
+        </a:effectRef>
+        <a:fontRef idx="minor">
+          <a:schemeClr val="lt1"/>
+        </a:fontRef>
+      </dsp:style>
+      <dsp:txBody>
+        <a:bodyPr spcFirstLastPara="0" vert="horz" wrap="square" lIns="12700" tIns="12700" rIns="12700" bIns="12700" numCol="1" spcCol="1270" anchor="ctr" anchorCtr="0">
+          <a:noAutofit/>
+        </a:bodyPr>
+        <a:lstStyle/>
+        <a:p>
+          <a:pPr lvl="0" algn="ctr" defTabSz="889000">
+            <a:lnSpc>
+              <a:spcPct val="90000"/>
+            </a:lnSpc>
+            <a:spcBef>
+              <a:spcPct val="0"/>
+            </a:spcBef>
+            <a:spcAft>
+              <a:spcPct val="35000"/>
+            </a:spcAft>
+          </a:pPr>
+          <a:r>
+            <a:rPr lang="zh-CN" altLang="en-US" sz="2000" kern="1200" dirty="0" smtClean="0"/>
+            <a:t>健壮性</a:t>
+          </a:r>
+          <a:endParaRPr lang="zh-CN" altLang="en-US" sz="2000" kern="1200" dirty="0"/>
+        </a:p>
+      </dsp:txBody>
+      <dsp:txXfrm rot="-5400000">
+        <a:off x="1" y="3627717"/>
+        <a:ext cx="849640" cy="364131"/>
+      </dsp:txXfrm>
+    </dsp:sp>
+    <dsp:sp modelId="{3AA7151F-3D45-2249-94DC-EB4190A6B6DB}">
+      <dsp:nvSpPr>
+        <dsp:cNvPr id="0" name=""/>
+        <dsp:cNvSpPr/>
+      </dsp:nvSpPr>
+      <dsp:spPr>
+        <a:xfrm rot="5400000">
+          <a:off x="3947024" y="105514"/>
+          <a:ext cx="788951" cy="6983719"/>
+        </a:xfrm>
+        <a:prstGeom prst="round2SameRect">
+          <a:avLst/>
+        </a:prstGeom>
+        <a:solidFill>
+          <a:schemeClr val="lt1">
+            <a:alpha val="90000"/>
+            <a:hueOff val="0"/>
+            <a:satOff val="0"/>
+            <a:lumOff val="0"/>
+            <a:alphaOff val="0"/>
+          </a:schemeClr>
+        </a:solidFill>
+        <a:ln w="6350" cap="flat" cmpd="sng" algn="ctr">
+          <a:solidFill>
+            <a:schemeClr val="accent1">
+              <a:hueOff val="0"/>
+              <a:satOff val="0"/>
+              <a:lumOff val="0"/>
+              <a:alphaOff val="0"/>
+            </a:schemeClr>
+          </a:solidFill>
+          <a:prstDash val="solid"/>
+          <a:miter lim="800000"/>
+        </a:ln>
+        <a:effectLst/>
+      </dsp:spPr>
+      <dsp:style>
+        <a:lnRef idx="1">
+          <a:scrgbClr r="0" g="0" b="0"/>
+        </a:lnRef>
+        <a:fillRef idx="1">
+          <a:scrgbClr r="0" g="0" b="0"/>
+        </a:fillRef>
+        <a:effectRef idx="0">
+          <a:scrgbClr r="0" g="0" b="0"/>
+        </a:effectRef>
+        <a:fontRef idx="minor"/>
+      </dsp:style>
+      <dsp:txBody>
+        <a:bodyPr spcFirstLastPara="0" vert="horz" wrap="square" lIns="142240" tIns="12700" rIns="12700" bIns="12700" numCol="1" spcCol="1270" anchor="ctr" anchorCtr="0">
+          <a:noAutofit/>
+        </a:bodyPr>
+        <a:lstStyle/>
+        <a:p>
+          <a:pPr marL="228600" lvl="1" indent="-228600" algn="l" defTabSz="889000">
+            <a:lnSpc>
+              <a:spcPct val="90000"/>
+            </a:lnSpc>
+            <a:spcBef>
+              <a:spcPct val="0"/>
+            </a:spcBef>
+            <a:spcAft>
+              <a:spcPct val="15000"/>
+            </a:spcAft>
+            <a:buChar char="•"/>
+          </a:pPr>
+          <a:r>
+            <a:rPr lang="zh-CN" altLang="en-US" sz="2000" kern="1200" dirty="0" smtClean="0"/>
+            <a:t>校验逻辑增强系统稳健性，整体功能运行稳定</a:t>
+          </a:r>
+          <a:endParaRPr lang="zh-CN" altLang="en-US" sz="2000" kern="1200" dirty="0"/>
+        </a:p>
+      </dsp:txBody>
+      <dsp:txXfrm rot="-5400000">
+        <a:off x="849641" y="3241411"/>
+        <a:ext cx="6945206" cy="711925"/>
+      </dsp:txXfrm>
+    </dsp:sp>
+  </dsp:spTree>
+</dsp:drawing>
+</file>
+
 <file path=ppt/diagrams/layout1.xml><?xml version="1.0" encoding="utf-8"?>
-<dgm:layoutDef xmlns:dgm="http://schemas.openxmlformats.org/drawingml/2006/diagram" xmlns:a="http://schemas.openxmlformats.org/drawingml/2006/main" uniqueId="urn:microsoft.com/office/officeart/2005/8/layout/hProcess4">
+<dgm:layoutDef xmlns:dgm="http://schemas.openxmlformats.org/drawingml/2006/diagram" xmlns:a="http://schemas.openxmlformats.org/drawingml/2006/main" uniqueId="urn:microsoft.com/office/officeart/2005/8/layout/cycle4">
+  <dgm:title val=""/>
+  <dgm:desc val=""/>
+  <dgm:catLst>
+    <dgm:cat type="relationship" pri="26000"/>
+    <dgm:cat type="cycle" pri="13000"/>
+    <dgm:cat type="matrix" pri="4000"/>
+  </dgm:catLst>
+  <dgm:sampData>
+    <dgm:dataModel>
+      <dgm:ptLst>
+        <dgm:pt modelId="0" type="doc"/>
+        <dgm:pt modelId="1">
+          <dgm:prSet phldr="1"/>
+        </dgm:pt>
+        <dgm:pt modelId="11">
+          <dgm:prSet phldr="1"/>
+        </dgm:pt>
+        <dgm:pt modelId="2">
+          <dgm:prSet phldr="1"/>
+        </dgm:pt>
+        <dgm:pt modelId="21">
+          <dgm:prSet phldr="1"/>
+        </dgm:pt>
+        <dgm:pt modelId="3">
+          <dgm:prSet phldr="1"/>
+        </dgm:pt>
+        <dgm:pt modelId="31">
+          <dgm:prSet phldr="1"/>
+        </dgm:pt>
+        <dgm:pt modelId="4">
+          <dgm:prSet phldr="1"/>
+        </dgm:pt>
+        <dgm:pt modelId="41">
+          <dgm:prSet phldr="1"/>
+        </dgm:pt>
+      </dgm:ptLst>
+      <dgm:cxnLst>
+        <dgm:cxn modelId="5" srcId="0" destId="1" srcOrd="0" destOrd="0"/>
+        <dgm:cxn modelId="6" srcId="0" destId="2" srcOrd="1" destOrd="0"/>
+        <dgm:cxn modelId="7" srcId="0" destId="3" srcOrd="2" destOrd="0"/>
+        <dgm:cxn modelId="8" srcId="0" destId="4" srcOrd="3" destOrd="0"/>
+        <dgm:cxn modelId="13" srcId="1" destId="11" srcOrd="0" destOrd="0"/>
+        <dgm:cxn modelId="23" srcId="2" destId="21" srcOrd="0" destOrd="0"/>
+        <dgm:cxn modelId="33" srcId="3" destId="31" srcOrd="0" destOrd="0"/>
+        <dgm:cxn modelId="43" srcId="4" destId="41" srcOrd="0" destOrd="0"/>
+      </dgm:cxnLst>
+      <dgm:bg/>
+      <dgm:whole/>
+    </dgm:dataModel>
+  </dgm:sampData>
+  <dgm:styleData>
+    <dgm:dataModel>
+      <dgm:ptLst>
+        <dgm:pt modelId="0" type="doc"/>
+        <dgm:pt modelId="1"/>
+        <dgm:pt modelId="11"/>
+        <dgm:pt modelId="2"/>
+        <dgm:pt modelId="21"/>
+        <dgm:pt modelId="3"/>
+        <dgm:pt modelId="31"/>
+        <dgm:pt modelId="4"/>
+        <dgm:pt modelId="41"/>
+      </dgm:ptLst>
+      <dgm:cxnLst>
+        <dgm:cxn modelId="5" srcId="0" destId="1" srcOrd="0" destOrd="0"/>
+        <dgm:cxn modelId="6" srcId="0" destId="2" srcOrd="1" destOrd="0"/>
+        <dgm:cxn modelId="7" srcId="0" destId="3" srcOrd="2" destOrd="0"/>
+        <dgm:cxn modelId="8" srcId="0" destId="4" srcOrd="3" destOrd="0"/>
+        <dgm:cxn modelId="13" srcId="1" destId="11" srcOrd="0" destOrd="0"/>
+        <dgm:cxn modelId="23" srcId="2" destId="21" srcOrd="0" destOrd="0"/>
+        <dgm:cxn modelId="33" srcId="3" destId="31" srcOrd="0" destOrd="0"/>
+        <dgm:cxn modelId="43" srcId="4" destId="41" srcOrd="0" destOrd="0"/>
+      </dgm:cxnLst>
+      <dgm:bg/>
+      <dgm:whole/>
+    </dgm:dataModel>
+  </dgm:styleData>
+  <dgm:clrData>
+    <dgm:dataModel>
+      <dgm:ptLst>
+        <dgm:pt modelId="0" type="doc"/>
+        <dgm:pt modelId="1"/>
+        <dgm:pt modelId="11"/>
+        <dgm:pt modelId="2"/>
+        <dgm:pt modelId="21"/>
+        <dgm:pt modelId="3"/>
+        <dgm:pt modelId="31"/>
+        <dgm:pt modelId="4"/>
+        <dgm:pt modelId="41"/>
+      </dgm:ptLst>
+      <dgm:cxnLst>
+        <dgm:cxn modelId="5" srcId="0" destId="1" srcOrd="0" destOrd="0"/>
+        <dgm:cxn modelId="6" srcId="0" destId="2" srcOrd="1" destOrd="0"/>
+        <dgm:cxn modelId="7" srcId="0" destId="3" srcOrd="2" destOrd="0"/>
+        <dgm:cxn modelId="8" srcId="0" destId="4" srcOrd="3" destOrd="0"/>
+        <dgm:cxn modelId="13" srcId="1" destId="11" srcOrd="0" destOrd="0"/>
+        <dgm:cxn modelId="23" srcId="2" destId="21" srcOrd="0" destOrd="0"/>
+        <dgm:cxn modelId="33" srcId="3" destId="31" srcOrd="0" destOrd="0"/>
+        <dgm:cxn modelId="43" srcId="4" destId="41" srcOrd="0" destOrd="0"/>
+      </dgm:cxnLst>
+      <dgm:bg/>
+      <dgm:whole/>
+    </dgm:dataModel>
+  </dgm:clrData>
+  <dgm:layoutNode name="cycleMatrixDiagram">
+    <dgm:varLst>
+      <dgm:chMax val="1"/>
+      <dgm:dir/>
+      <dgm:animLvl val="lvl"/>
+      <dgm:resizeHandles val="exact"/>
+    </dgm:varLst>
+    <dgm:alg type="composite">
+      <dgm:param type="ar" val="1.3"/>
+    </dgm:alg>
+    <dgm:shape xmlns:r="http://schemas.openxmlformats.org/officeDocument/2006/relationships" r:blip="">
+      <dgm:adjLst/>
+    </dgm:shape>
+    <dgm:presOf/>
+    <dgm:constrLst>
+      <dgm:constr type="w" for="ch" forName="children" refType="w"/>
+      <dgm:constr type="h" for="ch" forName="children" refType="w" refFor="ch" refForName="children" fact="0.77"/>
+      <dgm:constr type="ctrX" for="ch" forName="children" refType="w" fact="0.5"/>
+      <dgm:constr type="ctrY" for="ch" forName="children" refType="h" fact="0.5"/>
+      <dgm:constr type="w" for="ch" forName="circle" refType="w"/>
+      <dgm:constr type="h" for="ch" forName="circle" refType="h"/>
+      <dgm:constr type="ctrX" for="ch" forName="circle" refType="w" fact="0.5"/>
+      <dgm:constr type="ctrY" for="ch" forName="circle" refType="h" fact="0.5"/>
+      <dgm:constr type="w" for="ch" forName="center1" refType="w" fact="0.115"/>
+      <dgm:constr type="h" for="ch" forName="center1" refType="w" fact="0.1"/>
+      <dgm:constr type="ctrX" for="ch" forName="center1" refType="w" fact="0.5"/>
+      <dgm:constr type="ctrY" for="ch" forName="center1" refType="h" fact="0.475"/>
+      <dgm:constr type="w" for="ch" forName="center2" refType="w" fact="0.115"/>
+      <dgm:constr type="h" for="ch" forName="center2" refType="w" fact="0.1"/>
+      <dgm:constr type="ctrX" for="ch" forName="center2" refType="w" fact="0.5"/>
+      <dgm:constr type="ctrY" for="ch" forName="center2" refType="h" fact="0.525"/>
+    </dgm:constrLst>
+    <dgm:ruleLst/>
+    <dgm:choose name="Name0">
+      <dgm:if name="Name1" axis="ch" ptType="node" func="cnt" op="gte" val="1">
+        <dgm:layoutNode name="children">
+          <dgm:alg type="composite">
+            <dgm:param type="ar" val="1.3"/>
+          </dgm:alg>
+          <dgm:shape xmlns:r="http://schemas.openxmlformats.org/officeDocument/2006/relationships" r:blip="">
+            <dgm:adjLst/>
+          </dgm:shape>
+          <dgm:presOf/>
+          <dgm:choose name="Name2">
+            <dgm:if name="Name3" func="var" arg="dir" op="equ" val="norm">
+              <dgm:constrLst>
+                <dgm:constr type="primFontSz" for="des" ptType="node" op="equ" val="65"/>
+                <dgm:constr type="w" for="ch" forName="child1group" refType="w" fact="0.38"/>
+                <dgm:constr type="h" for="ch" forName="child1group" refType="h" fact="0.32"/>
+                <dgm:constr type="t" for="ch" forName="child1group"/>
+                <dgm:constr type="l" for="ch" forName="child1group"/>
+                <dgm:constr type="w" for="ch" forName="child2group" refType="w" fact="0.38"/>
+                <dgm:constr type="h" for="ch" forName="child2group" refType="h" fact="0.32"/>
+                <dgm:constr type="t" for="ch" forName="child2group"/>
+                <dgm:constr type="r" for="ch" forName="child2group" refType="w"/>
+                <dgm:constr type="w" for="ch" forName="child3group" refType="w" fact="0.38"/>
+                <dgm:constr type="h" for="ch" forName="child3group" refType="h" fact="0.32"/>
+                <dgm:constr type="b" for="ch" forName="child3group" refType="h"/>
+                <dgm:constr type="r" for="ch" forName="child3group" refType="w"/>
+                <dgm:constr type="w" for="ch" forName="child4group" refType="w" fact="0.38"/>
+                <dgm:constr type="h" for="ch" forName="child4group" refType="h" fact="0.32"/>
+                <dgm:constr type="b" for="ch" forName="child4group" refType="h"/>
+                <dgm:constr type="l" for="ch" forName="child4group"/>
+              </dgm:constrLst>
+            </dgm:if>
+            <dgm:else name="Name4">
+              <dgm:constrLst>
+                <dgm:constr type="primFontSz" for="des" ptType="node" op="equ" val="65"/>
+                <dgm:constr type="w" for="ch" forName="child1group" refType="w" fact="0.38"/>
+                <dgm:constr type="h" for="ch" forName="child1group" refType="h" fact="0.32"/>
+                <dgm:constr type="t" for="ch" forName="child1group"/>
+                <dgm:constr type="r" for="ch" forName="child1group" refType="w"/>
+                <dgm:constr type="w" for="ch" forName="child2group" refType="w" fact="0.38"/>
+                <dgm:constr type="h" for="ch" forName="child2group" refType="h" fact="0.32"/>
+                <dgm:constr type="t" for="ch" forName="child2group"/>
+                <dgm:constr type="l" for="ch" forName="child2group"/>
+                <dgm:constr type="w" for="ch" forName="child3group" refType="w" fact="0.38"/>
+                <dgm:constr type="h" for="ch" forName="child3group" refType="h" fact="0.32"/>
+                <dgm:constr type="b" for="ch" forName="child3group" refType="h"/>
+                <dgm:constr type="l" for="ch" forName="child3group"/>
+                <dgm:constr type="w" for="ch" forName="child4group" refType="w" fact="0.38"/>
+                <dgm:constr type="h" for="ch" forName="child4group" refType="h" fact="0.32"/>
+                <dgm:constr type="b" for="ch" forName="child4group" refType="h"/>
+                <dgm:constr type="r" for="ch" forName="child4group" refType="w"/>
+              </dgm:constrLst>
+            </dgm:else>
+          </dgm:choose>
+          <dgm:ruleLst/>
+          <dgm:choose name="Name5">
+            <dgm:if name="Name6" axis="ch ch" ptType="node node" st="1 1" cnt="1 0" func="cnt" op="gte" val="1">
+              <dgm:layoutNode name="child1group">
+                <dgm:alg type="composite">
+                  <dgm:param type="horzAlign" val="none"/>
+                  <dgm:param type="vertAlign" val="none"/>
+                </dgm:alg>
+                <dgm:shape xmlns:r="http://schemas.openxmlformats.org/officeDocument/2006/relationships" r:blip="">
+                  <dgm:adjLst/>
+                </dgm:shape>
+                <dgm:presOf/>
+                <dgm:choose name="Name7">
+                  <dgm:if name="Name8" func="var" arg="dir" op="equ" val="norm">
+                    <dgm:constrLst>
+                      <dgm:constr type="w" for="ch" forName="child1" refType="w"/>
+                      <dgm:constr type="h" for="ch" forName="child1" refType="h"/>
+                      <dgm:constr type="t" for="ch" forName="child1"/>
+                      <dgm:constr type="l" for="ch" forName="child1"/>
+                      <dgm:constr type="w" for="ch" forName="child1Text" refType="w" fact="0.7"/>
+                      <dgm:constr type="h" for="ch" forName="child1Text" refType="h" fact="0.75"/>
+                      <dgm:constr type="t" for="ch" forName="child1Text"/>
+                      <dgm:constr type="l" for="ch" forName="child1Text"/>
+                    </dgm:constrLst>
+                  </dgm:if>
+                  <dgm:else name="Name9">
+                    <dgm:constrLst>
+                      <dgm:constr type="w" for="ch" forName="child1" refType="w"/>
+                      <dgm:constr type="h" for="ch" forName="child1" refType="h"/>
+                      <dgm:constr type="t" for="ch" forName="child1"/>
+                      <dgm:constr type="r" for="ch" forName="child1" refType="w"/>
+                      <dgm:constr type="w" for="ch" forName="child1Text" refType="w" fact="0.7"/>
+                      <dgm:constr type="h" for="ch" forName="child1Text" refType="h" fact="0.75"/>
+                      <dgm:constr type="t" for="ch" forName="child1Text"/>
+                      <dgm:constr type="r" for="ch" forName="child1Text" refType="w"/>
+                    </dgm:constrLst>
+                  </dgm:else>
+                </dgm:choose>
+                <dgm:ruleLst/>
+                <dgm:layoutNode name="child1" styleLbl="bgAcc1">
+                  <dgm:alg type="sp"/>
+                  <dgm:shape xmlns:r="http://schemas.openxmlformats.org/officeDocument/2006/relationships" type="roundRect" r:blip="" zOrderOff="-2">
+                    <dgm:adjLst>
+                      <dgm:adj idx="1" val="0.1"/>
+                    </dgm:adjLst>
+                  </dgm:shape>
+                  <dgm:presOf axis="ch des" ptType="node node" st="1 1" cnt="1 0"/>
+                  <dgm:constrLst/>
+                  <dgm:ruleLst/>
+                </dgm:layoutNode>
+                <dgm:layoutNode name="child1Text" styleLbl="bgAcc1">
+                  <dgm:varLst>
+                    <dgm:bulletEnabled val="1"/>
+                  </dgm:varLst>
+                  <dgm:alg type="tx">
+                    <dgm:param type="stBulletLvl" val="1"/>
+                  </dgm:alg>
+                  <dgm:shape xmlns:r="http://schemas.openxmlformats.org/officeDocument/2006/relationships" type="roundRect" r:blip="" zOrderOff="-2" hideGeom="1">
+                    <dgm:adjLst>
+                      <dgm:adj idx="1" val="0.1"/>
+                    </dgm:adjLst>
+                  </dgm:shape>
+                  <dgm:presOf axis="ch des" ptType="node node" st="1 1" cnt="1 0"/>
+                  <dgm:constrLst>
+                    <dgm:constr type="tMarg" refType="primFontSz" fact="0.3"/>
+                    <dgm:constr type="bMarg" refType="primFontSz" fact="0.3"/>
+                    <dgm:constr type="lMarg" refType="primFontSz" fact="0.3"/>
+                    <dgm:constr type="rMarg" refType="primFontSz" fact="0.3"/>
+                  </dgm:constrLst>
+                  <dgm:ruleLst>
+                    <dgm:rule type="primFontSz" val="5" fact="NaN" max="NaN"/>
+                  </dgm:ruleLst>
+                </dgm:layoutNode>
+              </dgm:layoutNode>
+            </dgm:if>
+            <dgm:else name="Name10"/>
+          </dgm:choose>
+          <dgm:choose name="Name11">
+            <dgm:if name="Name12" axis="ch ch" ptType="node node" st="2 1" cnt="1 0" func="cnt" op="gte" val="1">
+              <dgm:layoutNode name="child2group">
+                <dgm:alg type="composite">
+                  <dgm:param type="horzAlign" val="none"/>
+                  <dgm:param type="vertAlign" val="none"/>
+                </dgm:alg>
+                <dgm:shape xmlns:r="http://schemas.openxmlformats.org/officeDocument/2006/relationships" r:blip="">
+                  <dgm:adjLst/>
+                </dgm:shape>
+                <dgm:choose name="Name13">
+                  <dgm:if name="Name14" func="var" arg="dir" op="equ" val="norm">
+                    <dgm:constrLst>
+                      <dgm:constr type="w" for="ch" forName="child2" refType="w"/>
+                      <dgm:constr type="h" for="ch" forName="child2" refType="h"/>
+                      <dgm:constr type="t" for="ch" forName="child2"/>
+                      <dgm:constr type="r" for="ch" forName="child2" refType="w"/>
+                      <dgm:constr type="w" for="ch" forName="child2Text" refType="w" fact="0.7"/>
+                      <dgm:constr type="h" for="ch" forName="child2Text" refType="h" fact="0.75"/>
+                      <dgm:constr type="t" for="ch" forName="child2Text"/>
+                      <dgm:constr type="r" for="ch" forName="child2Text" refType="w"/>
+                    </dgm:constrLst>
+                  </dgm:if>
+                  <dgm:else name="Name15">
+                    <dgm:constrLst>
+                      <dgm:constr type="w" for="ch" forName="child2" refType="w"/>
+                      <dgm:constr type="h" for="ch" forName="child2" refType="h"/>
+                      <dgm:constr type="t" for="ch" forName="child2"/>
+                      <dgm:constr type="l" for="ch" forName="child2"/>
+                      <dgm:constr type="w" for="ch" forName="child2Text" refType="w" fact="0.7"/>
+                      <dgm:constr type="h" for="ch" forName="child2Text" refType="h" fact="0.75"/>
+                      <dgm:constr type="t" for="ch" forName="child2Text"/>
+                      <dgm:constr type="l" for="ch" forName="child2Text"/>
+                    </dgm:constrLst>
+                  </dgm:else>
+                </dgm:choose>
+                <dgm:ruleLst/>
+                <dgm:layoutNode name="child2" styleLbl="bgAcc1">
+                  <dgm:alg type="sp"/>
+                  <dgm:shape xmlns:r="http://schemas.openxmlformats.org/officeDocument/2006/relationships" type="roundRect" r:blip="" zOrderOff="-2">
+                    <dgm:adjLst>
+                      <dgm:adj idx="1" val="0.1"/>
+                    </dgm:adjLst>
+                  </dgm:shape>
+                  <dgm:presOf axis="ch des" ptType="node node" st="2 1" cnt="1 0"/>
+                  <dgm:constrLst/>
+                  <dgm:ruleLst/>
+                </dgm:layoutNode>
+                <dgm:layoutNode name="child2Text" styleLbl="bgAcc1">
+                  <dgm:varLst>
+                    <dgm:bulletEnabled val="1"/>
+                  </dgm:varLst>
+                  <dgm:alg type="tx">
+                    <dgm:param type="stBulletLvl" val="1"/>
+                  </dgm:alg>
+                  <dgm:shape xmlns:r="http://schemas.openxmlformats.org/officeDocument/2006/relationships" type="roundRect" r:blip="" zOrderOff="-2" hideGeom="1">
+                    <dgm:adjLst>
+                      <dgm:adj idx="1" val="0.1"/>
+                    </dgm:adjLst>
+                  </dgm:shape>
+                  <dgm:presOf axis="ch des" ptType="node node" st="2 1" cnt="1 0"/>
+                  <dgm:constrLst>
+                    <dgm:constr type="tMarg" refType="primFontSz" fact="0.3"/>
+                    <dgm:constr type="bMarg" refType="primFontSz" fact="0.3"/>
+                    <dgm:constr type="lMarg" refType="primFontSz" fact="0.3"/>
+                    <dgm:constr type="rMarg" refType="primFontSz" fact="0.3"/>
+                  </dgm:constrLst>
+                  <dgm:ruleLst>
+                    <dgm:rule type="primFontSz" val="5" fact="NaN" max="NaN"/>
+                  </dgm:ruleLst>
+                </dgm:layoutNode>
+              </dgm:layoutNode>
+            </dgm:if>
+            <dgm:else name="Name16"/>
+          </dgm:choose>
+          <dgm:choose name="Name17">
+            <dgm:if name="Name18" axis="ch ch" ptType="node node" st="3 1" cnt="1 0" func="cnt" op="gte" val="1">
+              <dgm:layoutNode name="child3group">
+                <dgm:alg type="composite">
+                  <dgm:param type="horzAlign" val="none"/>
+                  <dgm:param type="vertAlign" val="none"/>
+                </dgm:alg>
+                <dgm:shape xmlns:r="http://schemas.openxmlformats.org/officeDocument/2006/relationships" r:blip="">
+                  <dgm:adjLst/>
+                </dgm:shape>
+                <dgm:presOf/>
+                <dgm:choose name="Name19">
+                  <dgm:if name="Name20" func="var" arg="dir" op="equ" val="norm">
+                    <dgm:constrLst>
+                      <dgm:constr type="w" for="ch" forName="child3" refType="w"/>
+                      <dgm:constr type="h" for="ch" forName="child3" refType="h"/>
+                      <dgm:constr type="b" for="ch" forName="child3" refType="h"/>
+                      <dgm:constr type="r" for="ch" forName="child3" refType="w"/>
+                      <dgm:constr type="w" for="ch" forName="child3Text" refType="w" fact="0.7"/>
+                      <dgm:constr type="h" for="ch" forName="child3Text" refType="h" fact="0.75"/>
+                      <dgm:constr type="b" for="ch" forName="child3Text" refType="h"/>
+                      <dgm:constr type="r" for="ch" forName="child3Text" refType="w"/>
+                    </dgm:constrLst>
+                  </dgm:if>
+                  <dgm:else name="Name21">
+                    <dgm:constrLst>
+                      <dgm:constr type="w" for="ch" forName="child3" refType="w"/>
+                      <dgm:constr type="h" for="ch" forName="child3" refType="h"/>
+                      <dgm:constr type="b" for="ch" forName="child3" refType="h"/>
+                      <dgm:constr type="l" for="ch" forName="child3"/>
+                      <dgm:constr type="w" for="ch" forName="child3Text" refType="w" fact="0.7"/>
+                      <dgm:constr type="h" for="ch" forName="child3Text" refType="h" fact="0.75"/>
+                      <dgm:constr type="b" for="ch" forName="child3Text" refType="h"/>
+                      <dgm:constr type="l" for="ch" forName="child3Text"/>
+                    </dgm:constrLst>
+                  </dgm:else>
+                </dgm:choose>
+                <dgm:ruleLst/>
+                <dgm:layoutNode name="child3" styleLbl="bgAcc1">
+                  <dgm:alg type="sp"/>
+                  <dgm:shape xmlns:r="http://schemas.openxmlformats.org/officeDocument/2006/relationships" type="roundRect" r:blip="" zOrderOff="-4">
+                    <dgm:adjLst>
+                      <dgm:adj idx="1" val="0.1"/>
+                    </dgm:adjLst>
+                  </dgm:shape>
+                  <dgm:presOf axis="ch des" ptType="node node" st="3 1" cnt="1 0"/>
+                  <dgm:constrLst/>
+                  <dgm:ruleLst/>
+                </dgm:layoutNode>
+                <dgm:layoutNode name="child3Text" styleLbl="bgAcc1">
+                  <dgm:varLst>
+                    <dgm:bulletEnabled val="1"/>
+                  </dgm:varLst>
+                  <dgm:alg type="tx">
+                    <dgm:param type="stBulletLvl" val="1"/>
+                  </dgm:alg>
+                  <dgm:shape xmlns:r="http://schemas.openxmlformats.org/officeDocument/2006/relationships" type="roundRect" r:blip="" zOrderOff="-4" hideGeom="1">
+                    <dgm:adjLst>
+                      <dgm:adj idx="1" val="0.1"/>
+                    </dgm:adjLst>
+                  </dgm:shape>
+                  <dgm:presOf axis="ch des" ptType="node node" st="3 1" cnt="1 0"/>
+                  <dgm:constrLst>
+                    <dgm:constr type="tMarg" refType="primFontSz" fact="0.3"/>
+                    <dgm:constr type="bMarg" refType="primFontSz" fact="0.3"/>
+                    <dgm:constr type="lMarg" refType="primFontSz" fact="0.3"/>
+                    <dgm:constr type="rMarg" refType="primFontSz" fact="0.3"/>
+                  </dgm:constrLst>
+                  <dgm:ruleLst>
+                    <dgm:rule type="primFontSz" val="5" fact="NaN" max="NaN"/>
+                  </dgm:ruleLst>
+                </dgm:layoutNode>
+              </dgm:layoutNode>
+            </dgm:if>
+            <dgm:else name="Name22"/>
+          </dgm:choose>
+          <dgm:choose name="Name23">
+            <dgm:if name="Name24" axis="ch ch" ptType="node node" st="4 1" cnt="1 0" func="cnt" op="gte" val="1">
+              <dgm:layoutNode name="child4group">
+                <dgm:alg type="composite">
+                  <dgm:param type="horzAlign" val="none"/>
+                  <dgm:param type="vertAlign" val="none"/>
+                </dgm:alg>
+                <dgm:shape xmlns:r="http://schemas.openxmlformats.org/officeDocument/2006/relationships" r:blip="">
+                  <dgm:adjLst/>
+                </dgm:shape>
+                <dgm:presOf/>
+                <dgm:choose name="Name25">
+                  <dgm:if name="Name26" func="var" arg="dir" op="equ" val="norm">
+                    <dgm:constrLst>
+                      <dgm:constr type="w" for="ch" forName="child4" refType="w"/>
+                      <dgm:constr type="h" for="ch" forName="child4" refType="h"/>
+                      <dgm:constr type="b" for="ch" forName="child4" refType="h"/>
+                      <dgm:constr type="l" for="ch" forName="child4"/>
+                      <dgm:constr type="w" for="ch" forName="child4Text" refType="w" fact="0.7"/>
+                      <dgm:constr type="h" for="ch" forName="child4Text" refType="h" fact="0.75"/>
+                      <dgm:constr type="b" for="ch" forName="child4Text" refType="h"/>
+                      <dgm:constr type="l" for="ch" forName="child4Text"/>
+                    </dgm:constrLst>
+                  </dgm:if>
+                  <dgm:else name="Name27">
+                    <dgm:constrLst>
+                      <dgm:constr type="w" for="ch" forName="child4" refType="w"/>
+                      <dgm:constr type="h" for="ch" forName="child4" refType="h"/>
+                      <dgm:constr type="b" for="ch" forName="child4" refType="h"/>
+                      <dgm:constr type="r" for="ch" forName="child4" refType="w"/>
+                      <dgm:constr type="w" for="ch" forName="child4Text" refType="w" fact="0.7"/>
+                      <dgm:constr type="h" for="ch" forName="child4Text" refType="h" fact="0.75"/>
+                      <dgm:constr type="b" for="ch" forName="child4Text" refType="h"/>
+                      <dgm:constr type="r" for="ch" forName="child4Text" refType="w"/>
+                    </dgm:constrLst>
+                  </dgm:else>
+                </dgm:choose>
+                <dgm:ruleLst/>
+                <dgm:layoutNode name="child4" styleLbl="bgAcc1">
+                  <dgm:alg type="sp"/>
+                  <dgm:shape xmlns:r="http://schemas.openxmlformats.org/officeDocument/2006/relationships" type="roundRect" r:blip="" zOrderOff="-4">
+                    <dgm:adjLst>
+                      <dgm:adj idx="1" val="0.1"/>
+                    </dgm:adjLst>
+                  </dgm:shape>
+                  <dgm:presOf axis="ch des" ptType="node node" st="4 1" cnt="1 0"/>
+                  <dgm:constrLst/>
+                  <dgm:ruleLst/>
+                </dgm:layoutNode>
+                <dgm:layoutNode name="child4Text" styleLbl="bgAcc1">
+                  <dgm:varLst>
+                    <dgm:bulletEnabled val="1"/>
+                  </dgm:varLst>
+                  <dgm:alg type="tx">
+                    <dgm:param type="stBulletLvl" val="1"/>
+                  </dgm:alg>
+                  <dgm:shape xmlns:r="http://schemas.openxmlformats.org/officeDocument/2006/relationships" type="roundRect" r:blip="" zOrderOff="-4" hideGeom="1">
+                    <dgm:adjLst>
+                      <dgm:adj idx="1" val="0.1"/>
+                    </dgm:adjLst>
+                  </dgm:shape>
+                  <dgm:presOf axis="ch des" ptType="node node" st="4 1" cnt="1 0"/>
+                  <dgm:constrLst>
+                    <dgm:constr type="tMarg" refType="primFontSz" fact="0.3"/>
+                    <dgm:constr type="bMarg" refType="primFontSz" fact="0.3"/>
+                    <dgm:constr type="lMarg" refType="primFontSz" fact="0.3"/>
+                    <dgm:constr type="rMarg" refType="primFontSz" fact="0.3"/>
+                  </dgm:constrLst>
+                  <dgm:ruleLst>
+                    <dgm:rule type="primFontSz" val="5" fact="NaN" max="NaN"/>
+                  </dgm:ruleLst>
+                </dgm:layoutNode>
+              </dgm:layoutNode>
+            </dgm:if>
+            <dgm:else name="Name28"/>
+          </dgm:choose>
+          <dgm:layoutNode name="childPlaceholder">
+            <dgm:alg type="sp"/>
+            <dgm:shape xmlns:r="http://schemas.openxmlformats.org/officeDocument/2006/relationships" r:blip="">
+              <dgm:adjLst/>
+            </dgm:shape>
+            <dgm:presOf/>
+            <dgm:constrLst/>
+            <dgm:ruleLst/>
+          </dgm:layoutNode>
+        </dgm:layoutNode>
+        <dgm:layoutNode name="circle">
+          <dgm:alg type="composite">
+            <dgm:param type="ar" val="1"/>
+          </dgm:alg>
+          <dgm:shape xmlns:r="http://schemas.openxmlformats.org/officeDocument/2006/relationships" r:blip="">
+            <dgm:adjLst/>
+          </dgm:shape>
+          <dgm:presOf/>
+          <dgm:choose name="Name29">
+            <dgm:if name="Name30" func="var" arg="dir" op="equ" val="norm">
+              <dgm:constrLst>
+                <dgm:constr type="primFontSz" for="ch" ptType="node" op="equ" val="65"/>
+                <dgm:constr type="w" for="ch" forName="quadrant1" refType="w" fact="0.433"/>
+                <dgm:constr type="h" for="ch" forName="quadrant1" refType="h" fact="0.433"/>
+                <dgm:constr type="b" for="ch" forName="quadrant1" refType="h" fact="0.5"/>
+                <dgm:constr type="bOff" for="ch" forName="quadrant1" refType="h" fact="-0.01"/>
+                <dgm:constr type="r" for="ch" forName="quadrant1" refType="w" fact="0.5"/>
+                <dgm:constr type="rOff" for="ch" forName="quadrant1" refType="w" fact="-0.01"/>
+                <dgm:constr type="w" for="ch" forName="quadrant2" refType="w" fact="0.433"/>
+                <dgm:constr type="h" for="ch" forName="quadrant2" refType="h" fact="0.433"/>
+                <dgm:constr type="b" for="ch" forName="quadrant2" refType="h" fact="0.5"/>
+                <dgm:constr type="bOff" for="ch" forName="quadrant2" refType="h" fact="-0.01"/>
+                <dgm:constr type="l" for="ch" forName="quadrant2" refType="w" fact="0.5"/>
+                <dgm:constr type="lOff" for="ch" forName="quadrant2" refType="w" fact="0.01"/>
+                <dgm:constr type="w" for="ch" forName="quadrant3" refType="w" fact="0.433"/>
+                <dgm:constr type="h" for="ch" forName="quadrant3" refType="h" fact="0.433"/>
+                <dgm:constr type="t" for="ch" forName="quadrant3" refType="h" fact="0.5"/>
+                <dgm:constr type="tOff" for="ch" forName="quadrant3" refType="h" fact="0.01"/>
+                <dgm:constr type="l" for="ch" forName="quadrant3" refType="w" fact="0.5"/>
+                <dgm:constr type="lOff" for="ch" forName="quadrant3" refType="w" fact="0.01"/>
+                <dgm:constr type="w" for="ch" forName="quadrant4" refType="w" fact="0.433"/>
+                <dgm:constr type="h" for="ch" forName="quadrant4" refType="h" fact="0.433"/>
+                <dgm:constr type="t" for="ch" forName="quadrant4" refType="h" fact="0.5"/>
+                <dgm:constr type="tOff" for="ch" forName="quadrant4" refType="h" fact="0.01"/>
+                <dgm:constr type="r" for="ch" forName="quadrant4" refType="w" fact="0.5"/>
+                <dgm:constr type="rOff" for="ch" forName="quadrant4" refType="w" fact="-0.01"/>
+              </dgm:constrLst>
+            </dgm:if>
+            <dgm:else name="Name31">
+              <dgm:constrLst>
+                <dgm:constr type="primFontSz" for="ch" ptType="node" op="equ" val="65"/>
+                <dgm:constr type="w" for="ch" forName="quadrant1" refType="w" fact="0.433"/>
+                <dgm:constr type="h" for="ch" forName="quadrant1" refType="h" fact="0.433"/>
+                <dgm:constr type="b" for="ch" forName="quadrant1" refType="h" fact="0.5"/>
+                <dgm:constr type="bOff" for="ch" forName="quadrant1" refType="h" fact="-0.01"/>
+                <dgm:constr type="l" for="ch" forName="quadrant1" refType="w" fact="0.5"/>
+                <dgm:constr type="lOff" for="ch" forName="quadrant1" refType="w" fact="0.01"/>
+                <dgm:constr type="w" for="ch" forName="quadrant2" refType="w" fact="0.433"/>
+                <dgm:constr type="h" for="ch" forName="quadrant2" refType="h" fact="0.433"/>
+                <dgm:constr type="b" for="ch" forName="quadrant2" refType="h" fact="0.5"/>
+                <dgm:constr type="bOff" for="ch" forName="quadrant2" refType="h" fact="-0.01"/>
+                <dgm:constr type="r" for="ch" forName="quadrant2" refType="w" fact="0.5"/>
+                <dgm:constr type="rOff" for="ch" forName="quadrant2" refType="w" fact="-0.01"/>
+                <dgm:constr type="w" for="ch" forName="quadrant3" refType="w" fact="0.433"/>
+                <dgm:constr type="h" for="ch" forName="quadrant3" refType="h" fact="0.433"/>
+                <dgm:constr type="t" for="ch" forName="quadrant3" refType="h" fact="0.5"/>
+                <dgm:constr type="tOff" for="ch" forName="quadrant3" refType="h" fact="0.01"/>
+                <dgm:constr type="r" for="ch" forName="quadrant3" refType="w" fact="0.5"/>
+                <dgm:constr type="rOff" for="ch" forName="quadrant3" refType="w" fact="-0.01"/>
+                <dgm:constr type="w" for="ch" forName="quadrant4" refType="w" fact="0.433"/>
+                <dgm:constr type="h" for="ch" forName="quadrant4" refType="h" fact="0.433"/>
+                <dgm:constr type="t" for="ch" forName="quadrant4" refType="h" fact="0.5"/>
+                <dgm:constr type="tOff" for="ch" forName="quadrant4" refType="h" fact="0.01"/>
+                <dgm:constr type="l" for="ch" forName="quadrant4" refType="w" fact="0.5"/>
+                <dgm:constr type="lOff" for="ch" forName="quadrant4" refType="w" fact="0.01"/>
+              </dgm:constrLst>
+            </dgm:else>
+          </dgm:choose>
+          <dgm:ruleLst/>
+          <dgm:layoutNode name="quadrant1" styleLbl="node1">
+            <dgm:varLst>
+              <dgm:chMax val="1"/>
+              <dgm:bulletEnabled val="1"/>
+            </dgm:varLst>
+            <dgm:alg type="tx"/>
+            <dgm:choose name="Name32">
+              <dgm:if name="Name33" func="var" arg="dir" op="equ" val="norm">
+                <dgm:shape xmlns:r="http://schemas.openxmlformats.org/officeDocument/2006/relationships" type="pieWedge" r:blip="">
+                  <dgm:adjLst/>
+                </dgm:shape>
+              </dgm:if>
+              <dgm:else name="Name34">
+                <dgm:shape xmlns:r="http://schemas.openxmlformats.org/officeDocument/2006/relationships" rot="90" type="pieWedge" r:blip="">
+                  <dgm:adjLst/>
+                </dgm:shape>
+              </dgm:else>
+            </dgm:choose>
+            <dgm:presOf axis="ch" ptType="node" cnt="1"/>
+            <dgm:constrLst/>
+            <dgm:ruleLst>
+              <dgm:rule type="primFontSz" val="5" fact="NaN" max="NaN"/>
+            </dgm:ruleLst>
+          </dgm:layoutNode>
+          <dgm:layoutNode name="quadrant2" styleLbl="node1">
+            <dgm:varLst>
+              <dgm:chMax val="1"/>
+              <dgm:bulletEnabled val="1"/>
+            </dgm:varLst>
+            <dgm:alg type="tx"/>
+            <dgm:choose name="Name35">
+              <dgm:if name="Name36" func="var" arg="dir" op="equ" val="norm">
+                <dgm:shape xmlns:r="http://schemas.openxmlformats.org/officeDocument/2006/relationships" rot="90" type="pieWedge" r:blip="">
+                  <dgm:adjLst/>
+                </dgm:shape>
+              </dgm:if>
+              <dgm:else name="Name37">
+                <dgm:shape xmlns:r="http://schemas.openxmlformats.org/officeDocument/2006/relationships" type="pieWedge" r:blip="">
+                  <dgm:adjLst/>
+                </dgm:shape>
+              </dgm:else>
+            </dgm:choose>
+            <dgm:presOf axis="ch" ptType="node" st="2" cnt="1"/>
+            <dgm:constrLst/>
+            <dgm:ruleLst>
+              <dgm:rule type="primFontSz" val="5" fact="NaN" max="NaN"/>
+            </dgm:ruleLst>
+          </dgm:layoutNode>
+          <dgm:layoutNode name="quadrant3" styleLbl="node1">
+            <dgm:varLst>
+              <dgm:chMax val="1"/>
+              <dgm:bulletEnabled val="1"/>
+            </dgm:varLst>
+            <dgm:alg type="tx"/>
+            <dgm:choose name="Name38">
+              <dgm:if name="Name39" func="var" arg="dir" op="equ" val="norm">
+                <dgm:shape xmlns:r="http://schemas.openxmlformats.org/officeDocument/2006/relationships" rot="180" type="pieWedge" r:blip="">
+                  <dgm:adjLst/>
+                </dgm:shape>
+              </dgm:if>
+              <dgm:else name="Name40">
+                <dgm:shape xmlns:r="http://schemas.openxmlformats.org/officeDocument/2006/relationships" rot="270" type="pieWedge" r:blip="">
+                  <dgm:adjLst/>
+                </dgm:shape>
+              </dgm:else>
+            </dgm:choose>
+            <dgm:presOf axis="ch" ptType="node" st="3" cnt="1"/>
+            <dgm:constrLst/>
+            <dgm:ruleLst>
+              <dgm:rule type="primFontSz" val="5" fact="NaN" max="NaN"/>
+            </dgm:ruleLst>
+          </dgm:layoutNode>
+          <dgm:layoutNode name="quadrant4" styleLbl="node1">
+            <dgm:varLst>
+              <dgm:chMax val="1"/>
+              <dgm:bulletEnabled val="1"/>
+            </dgm:varLst>
+            <dgm:alg type="tx"/>
+            <dgm:choose name="Name41">
+              <dgm:if name="Name42" func="var" arg="dir" op="equ" val="norm">
+                <dgm:shape xmlns:r="http://schemas.openxmlformats.org/officeDocument/2006/relationships" rot="270" type="pieWedge" r:blip="">
+                  <dgm:adjLst/>
+                </dgm:shape>
+              </dgm:if>
+              <dgm:else name="Name43">
+                <dgm:shape xmlns:r="http://schemas.openxmlformats.org/officeDocument/2006/relationships" rot="180" type="pieWedge" r:blip="">
+                  <dgm:adjLst/>
+                </dgm:shape>
+              </dgm:else>
+            </dgm:choose>
+            <dgm:presOf axis="ch" ptType="node" st="4" cnt="1"/>
+            <dgm:constrLst/>
+            <dgm:ruleLst>
+              <dgm:rule type="primFontSz" val="5" fact="NaN" max="NaN"/>
+            </dgm:ruleLst>
+          </dgm:layoutNode>
+          <dgm:layoutNode name="quadrantPlaceholder">
+            <dgm:alg type="sp"/>
+            <dgm:shape xmlns:r="http://schemas.openxmlformats.org/officeDocument/2006/relationships" r:blip="">
+              <dgm:adjLst/>
+            </dgm:shape>
+            <dgm:presOf/>
+            <dgm:constrLst/>
+            <dgm:ruleLst/>
+          </dgm:layoutNode>
+        </dgm:layoutNode>
+        <dgm:layoutNode name="center1" styleLbl="fgShp">
+          <dgm:alg type="sp"/>
+          <dgm:choose name="Name44">
+            <dgm:if name="Name45" func="var" arg="dir" op="equ" val="norm">
+              <dgm:shape xmlns:r="http://schemas.openxmlformats.org/officeDocument/2006/relationships" type="circularArrow" r:blip="" zOrderOff="16">
+                <dgm:adjLst/>
+              </dgm:shape>
+            </dgm:if>
+            <dgm:else name="Name46">
+              <dgm:shape xmlns:r="http://schemas.openxmlformats.org/officeDocument/2006/relationships" rot="180" type="leftCircularArrow" r:blip="" zOrderOff="16">
+                <dgm:adjLst/>
+              </dgm:shape>
+            </dgm:else>
+          </dgm:choose>
+          <dgm:presOf/>
+          <dgm:constrLst/>
+          <dgm:ruleLst/>
+        </dgm:layoutNode>
+        <dgm:layoutNode name="center2" styleLbl="fgShp">
+          <dgm:alg type="sp"/>
+          <dgm:choose name="Name47">
+            <dgm:if name="Name48" func="var" arg="dir" op="equ" val="norm">
+              <dgm:shape xmlns:r="http://schemas.openxmlformats.org/officeDocument/2006/relationships" rot="180" type="circularArrow" r:blip="" zOrderOff="16">
+                <dgm:adjLst/>
+              </dgm:shape>
+            </dgm:if>
+            <dgm:else name="Name49">
+              <dgm:shape xmlns:r="http://schemas.openxmlformats.org/officeDocument/2006/relationships" type="leftCircularArrow" r:blip="" zOrderOff="16">
+                <dgm:adjLst/>
+              </dgm:shape>
+            </dgm:else>
+          </dgm:choose>
+          <dgm:presOf/>
+          <dgm:constrLst/>
+          <dgm:ruleLst/>
+        </dgm:layoutNode>
+      </dgm:if>
+      <dgm:else name="Name50"/>
+    </dgm:choose>
+  </dgm:layoutNode>
+</dgm:layoutDef>
+</file>
+
+<file path=ppt/diagrams/layout2.xml><?xml version="1.0" encoding="utf-8"?>
+<dgm:layoutDef xmlns:dgm="http://schemas.openxmlformats.org/drawingml/2006/diagram" xmlns:a="http://schemas.openxmlformats.org/drawingml/2006/main" uniqueId="urn:microsoft.com/office/officeart/2005/8/layout/hProcess4#1">
   <dgm:title val=""/>
   <dgm:desc val=""/>
   <dgm:catLst>
@@ -4686,8 +9720,1298 @@
 </dgm:layoutDef>
 </file>
 
+<file path=ppt/diagrams/layout3.xml><?xml version="1.0" encoding="utf-8"?>
+<dgm:layoutDef xmlns:dgm="http://schemas.openxmlformats.org/drawingml/2006/diagram" xmlns:a="http://schemas.openxmlformats.org/drawingml/2006/main" uniqueId="urn:microsoft.com/office/officeart/2005/8/layout/chevron2">
+  <dgm:title val=""/>
+  <dgm:desc val=""/>
+  <dgm:catLst>
+    <dgm:cat type="process" pri="12000"/>
+    <dgm:cat type="list" pri="16000"/>
+    <dgm:cat type="convert" pri="11000"/>
+  </dgm:catLst>
+  <dgm:sampData>
+    <dgm:dataModel>
+      <dgm:ptLst>
+        <dgm:pt modelId="0" type="doc"/>
+        <dgm:pt modelId="1">
+          <dgm:prSet phldr="1"/>
+        </dgm:pt>
+        <dgm:pt modelId="11">
+          <dgm:prSet phldr="1"/>
+        </dgm:pt>
+        <dgm:pt modelId="12">
+          <dgm:prSet phldr="1"/>
+        </dgm:pt>
+        <dgm:pt modelId="2">
+          <dgm:prSet phldr="1"/>
+        </dgm:pt>
+        <dgm:pt modelId="21">
+          <dgm:prSet phldr="1"/>
+        </dgm:pt>
+        <dgm:pt modelId="22">
+          <dgm:prSet phldr="1"/>
+        </dgm:pt>
+        <dgm:pt modelId="3">
+          <dgm:prSet phldr="1"/>
+        </dgm:pt>
+        <dgm:pt modelId="31">
+          <dgm:prSet phldr="1"/>
+        </dgm:pt>
+        <dgm:pt modelId="32">
+          <dgm:prSet phldr="1"/>
+        </dgm:pt>
+      </dgm:ptLst>
+      <dgm:cxnLst>
+        <dgm:cxn modelId="4" srcId="0" destId="1" srcOrd="0" destOrd="0"/>
+        <dgm:cxn modelId="5" srcId="0" destId="2" srcOrd="1" destOrd="0"/>
+        <dgm:cxn modelId="6" srcId="0" destId="3" srcOrd="2" destOrd="0"/>
+        <dgm:cxn modelId="13" srcId="1" destId="11" srcOrd="0" destOrd="0"/>
+        <dgm:cxn modelId="14" srcId="1" destId="12" srcOrd="1" destOrd="0"/>
+        <dgm:cxn modelId="23" srcId="2" destId="21" srcOrd="0" destOrd="0"/>
+        <dgm:cxn modelId="24" srcId="2" destId="22" srcOrd="1" destOrd="0"/>
+        <dgm:cxn modelId="33" srcId="3" destId="31" srcOrd="0" destOrd="0"/>
+        <dgm:cxn modelId="34" srcId="3" destId="32" srcOrd="1" destOrd="0"/>
+      </dgm:cxnLst>
+      <dgm:bg/>
+      <dgm:whole/>
+    </dgm:dataModel>
+  </dgm:sampData>
+  <dgm:styleData>
+    <dgm:dataModel>
+      <dgm:ptLst>
+        <dgm:pt modelId="0" type="doc"/>
+        <dgm:pt modelId="1"/>
+      </dgm:ptLst>
+      <dgm:cxnLst>
+        <dgm:cxn modelId="4" srcId="0" destId="1" srcOrd="0" destOrd="0"/>
+      </dgm:cxnLst>
+      <dgm:bg/>
+      <dgm:whole/>
+    </dgm:dataModel>
+  </dgm:styleData>
+  <dgm:clrData>
+    <dgm:dataModel>
+      <dgm:ptLst>
+        <dgm:pt modelId="0" type="doc"/>
+        <dgm:pt modelId="1"/>
+        <dgm:pt modelId="11"/>
+        <dgm:pt modelId="2"/>
+        <dgm:pt modelId="21"/>
+        <dgm:pt modelId="3"/>
+        <dgm:pt modelId="31"/>
+        <dgm:pt modelId="4"/>
+        <dgm:pt modelId="41"/>
+      </dgm:ptLst>
+      <dgm:cxnLst>
+        <dgm:cxn modelId="5" srcId="0" destId="1" srcOrd="0" destOrd="0"/>
+        <dgm:cxn modelId="6" srcId="0" destId="2" srcOrd="1" destOrd="0"/>
+        <dgm:cxn modelId="7" srcId="0" destId="3" srcOrd="2" destOrd="0"/>
+        <dgm:cxn modelId="8" srcId="0" destId="4" srcOrd="3" destOrd="0"/>
+        <dgm:cxn modelId="13" srcId="1" destId="11" srcOrd="0" destOrd="0"/>
+        <dgm:cxn modelId="23" srcId="2" destId="21" srcOrd="0" destOrd="0"/>
+        <dgm:cxn modelId="33" srcId="3" destId="31" srcOrd="0" destOrd="0"/>
+        <dgm:cxn modelId="43" srcId="4" destId="41" srcOrd="0" destOrd="0"/>
+      </dgm:cxnLst>
+      <dgm:bg/>
+      <dgm:whole/>
+    </dgm:dataModel>
+  </dgm:clrData>
+  <dgm:layoutNode name="linearFlow">
+    <dgm:varLst>
+      <dgm:dir/>
+      <dgm:animLvl val="lvl"/>
+      <dgm:resizeHandles val="exact"/>
+    </dgm:varLst>
+    <dgm:alg type="lin">
+      <dgm:param type="linDir" val="fromT"/>
+      <dgm:param type="nodeHorzAlign" val="l"/>
+    </dgm:alg>
+    <dgm:shape xmlns:r="http://schemas.openxmlformats.org/officeDocument/2006/relationships" r:blip="">
+      <dgm:adjLst/>
+    </dgm:shape>
+    <dgm:presOf/>
+    <dgm:constrLst>
+      <dgm:constr type="h" for="ch" forName="composite" refType="h"/>
+      <dgm:constr type="w" for="ch" forName="composite" refType="w"/>
+      <dgm:constr type="h" for="des" forName="parentText" op="equ"/>
+      <dgm:constr type="h" for="ch" forName="sp" val="-14.88"/>
+      <dgm:constr type="h" for="ch" forName="sp" refType="w" refFor="des" refForName="parentText" op="gte" fact="-0.3"/>
+      <dgm:constr type="primFontSz" for="des" forName="parentText" op="equ" val="65"/>
+      <dgm:constr type="primFontSz" for="des" forName="descendantText" op="equ" val="65"/>
+    </dgm:constrLst>
+    <dgm:ruleLst/>
+    <dgm:forEach name="Name0" axis="ch" ptType="node">
+      <dgm:layoutNode name="composite">
+        <dgm:alg type="composite"/>
+        <dgm:shape xmlns:r="http://schemas.openxmlformats.org/officeDocument/2006/relationships" r:blip="">
+          <dgm:adjLst/>
+        </dgm:shape>
+        <dgm:presOf/>
+        <dgm:choose name="Name1">
+          <dgm:if name="Name2" func="var" arg="dir" op="equ" val="norm">
+            <dgm:constrLst>
+              <dgm:constr type="t" for="ch" forName="parentText"/>
+              <dgm:constr type="l" for="ch" forName="parentText"/>
+              <dgm:constr type="w" for="ch" forName="parentText" refType="w" fact="0.4"/>
+              <dgm:constr type="h" for="ch" forName="parentText" refType="h"/>
+              <dgm:constr type="w" for="ch" forName="parentText" refType="w" op="lte" fact="0.5"/>
+              <dgm:constr type="w" for="ch" forName="parentText" refType="h" refFor="ch" refForName="parentText" op="lte" fact="0.7"/>
+              <dgm:constr type="h" for="ch" forName="parentText" refType="w" refFor="ch" refForName="parentText" op="lte" fact="3"/>
+              <dgm:constr type="l" for="ch" forName="descendantText" refType="w" refFor="ch" refForName="parentText"/>
+              <dgm:constr type="w" for="ch" forName="descendantText" refType="w"/>
+              <dgm:constr type="wOff" for="ch" forName="descendantText" refType="w" refFor="ch" refForName="parentText" fact="-1"/>
+              <dgm:constr type="t" for="ch" forName="descendantText"/>
+              <dgm:constr type="b" for="ch" forName="descendantText" refType="h" refFor="ch" refForName="parentText"/>
+              <dgm:constr type="bOff" for="ch" forName="descendantText" refType="w" refFor="ch" refForName="parentText" fact="-0.5"/>
+            </dgm:constrLst>
+          </dgm:if>
+          <dgm:else name="Name3">
+            <dgm:constrLst>
+              <dgm:constr type="t" for="ch" forName="parentText"/>
+              <dgm:constr type="r" for="ch" forName="parentText" refType="w"/>
+              <dgm:constr type="w" for="ch" forName="parentText" refType="w" fact="0.4"/>
+              <dgm:constr type="h" for="ch" forName="parentText" refType="h"/>
+              <dgm:constr type="w" for="ch" forName="parentText" refType="w" op="lte" fact="0.5"/>
+              <dgm:constr type="w" for="ch" forName="parentText" refType="h" refFor="ch" refForName="parentText" op="lte" fact="0.7"/>
+              <dgm:constr type="h" for="ch" forName="parentText" refType="w" refFor="ch" refForName="parentText" op="lte" fact="3"/>
+              <dgm:constr type="l" for="ch" forName="descendantText"/>
+              <dgm:constr type="w" for="ch" forName="descendantText" refType="w"/>
+              <dgm:constr type="wOff" for="ch" forName="descendantText" refType="w" refFor="ch" refForName="parentText" fact="-1"/>
+              <dgm:constr type="t" for="ch" forName="descendantText"/>
+              <dgm:constr type="b" for="ch" forName="descendantText" refType="h" refFor="ch" refForName="parentText"/>
+              <dgm:constr type="bOff" for="ch" forName="descendantText" refType="w" refFor="ch" refForName="parentText" fact="-0.5"/>
+            </dgm:constrLst>
+          </dgm:else>
+        </dgm:choose>
+        <dgm:ruleLst/>
+        <dgm:layoutNode name="parentText" styleLbl="alignNode1">
+          <dgm:varLst>
+            <dgm:chMax val="1"/>
+            <dgm:bulletEnabled val="1"/>
+          </dgm:varLst>
+          <dgm:alg type="tx"/>
+          <dgm:shape xmlns:r="http://schemas.openxmlformats.org/officeDocument/2006/relationships" rot="90" type="chevron" r:blip="">
+            <dgm:adjLst/>
+          </dgm:shape>
+          <dgm:presOf axis="self" ptType="node"/>
+          <dgm:constrLst>
+            <dgm:constr type="lMarg" refType="primFontSz" fact="0.05"/>
+            <dgm:constr type="rMarg" refType="primFontSz" fact="0.05"/>
+            <dgm:constr type="tMarg" refType="primFontSz" fact="0.05"/>
+            <dgm:constr type="bMarg" refType="primFontSz" fact="0.05"/>
+          </dgm:constrLst>
+          <dgm:ruleLst>
+            <dgm:rule type="h" val="100" fact="NaN" max="NaN"/>
+            <dgm:rule type="primFontSz" val="24" fact="NaN" max="NaN"/>
+            <dgm:rule type="h" val="110" fact="NaN" max="NaN"/>
+            <dgm:rule type="primFontSz" val="18" fact="NaN" max="NaN"/>
+            <dgm:rule type="h" val="INF" fact="NaN" max="NaN"/>
+            <dgm:rule type="primFontSz" val="5" fact="NaN" max="NaN"/>
+          </dgm:ruleLst>
+        </dgm:layoutNode>
+        <dgm:layoutNode name="descendantText" styleLbl="alignAcc1">
+          <dgm:varLst>
+            <dgm:bulletEnabled val="1"/>
+          </dgm:varLst>
+          <dgm:choose name="Name4">
+            <dgm:if name="Name5" func="var" arg="dir" op="equ" val="norm">
+              <dgm:alg type="tx">
+                <dgm:param type="stBulletLvl" val="1"/>
+                <dgm:param type="txAnchorVertCh" val="mid"/>
+              </dgm:alg>
+              <dgm:shape xmlns:r="http://schemas.openxmlformats.org/officeDocument/2006/relationships" rot="90" type="round2SameRect" r:blip="">
+                <dgm:adjLst/>
+              </dgm:shape>
+            </dgm:if>
+            <dgm:else name="Name6">
+              <dgm:alg type="tx">
+                <dgm:param type="stBulletLvl" val="1"/>
+                <dgm:param type="txAnchorVertCh" val="mid"/>
+              </dgm:alg>
+              <dgm:shape xmlns:r="http://schemas.openxmlformats.org/officeDocument/2006/relationships" rot="-90" type="round2SameRect" r:blip="">
+                <dgm:adjLst/>
+              </dgm:shape>
+            </dgm:else>
+          </dgm:choose>
+          <dgm:presOf axis="des" ptType="node"/>
+          <dgm:choose name="Name7">
+            <dgm:if name="Name8" func="var" arg="dir" op="equ" val="norm">
+              <dgm:constrLst>
+                <dgm:constr type="secFontSz" refType="primFontSz"/>
+                <dgm:constr type="tMarg" refType="primFontSz" fact="0.05"/>
+                <dgm:constr type="bMarg" refType="primFontSz" fact="0.05"/>
+                <dgm:constr type="rMarg" refType="primFontSz" fact="0.05"/>
+              </dgm:constrLst>
+            </dgm:if>
+            <dgm:else name="Name9">
+              <dgm:constrLst>
+                <dgm:constr type="secFontSz" refType="primFontSz"/>
+                <dgm:constr type="tMarg" refType="primFontSz" fact="0.05"/>
+                <dgm:constr type="bMarg" refType="primFontSz" fact="0.05"/>
+                <dgm:constr type="lMarg" refType="primFontSz" fact="0.05"/>
+              </dgm:constrLst>
+            </dgm:else>
+          </dgm:choose>
+          <dgm:ruleLst>
+            <dgm:rule type="primFontSz" val="5" fact="NaN" max="NaN"/>
+          </dgm:ruleLst>
+        </dgm:layoutNode>
+      </dgm:layoutNode>
+      <dgm:forEach name="Name10" axis="followSib" ptType="sibTrans" cnt="1">
+        <dgm:layoutNode name="sp">
+          <dgm:alg type="sp"/>
+          <dgm:shape xmlns:r="http://schemas.openxmlformats.org/officeDocument/2006/relationships" r:blip="">
+            <dgm:adjLst/>
+          </dgm:shape>
+          <dgm:presOf axis="self"/>
+          <dgm:constrLst>
+            <dgm:constr type="w" val="1"/>
+            <dgm:constr type="h" val="37.5"/>
+          </dgm:constrLst>
+          <dgm:ruleLst/>
+        </dgm:layoutNode>
+      </dgm:forEach>
+    </dgm:forEach>
+  </dgm:layoutNode>
+</dgm:layoutDef>
+</file>
+
 <file path=ppt/diagrams/quickStyle1.xml><?xml version="1.0" encoding="utf-8"?>
-<dgm:styleDef xmlns:dgm="http://schemas.openxmlformats.org/drawingml/2006/diagram" xmlns:a="http://schemas.openxmlformats.org/drawingml/2006/main" uniqueId="urn:microsoft.com/office/officeart/2005/8/quickstyle/simple1">
+<dgm:styleDef xmlns:dgm="http://schemas.openxmlformats.org/drawingml/2006/diagram" xmlns:a="http://schemas.openxmlformats.org/drawingml/2006/main" uniqueId="urn:microsoft.com/office/officeart/2005/8/quickstyle/simple4">
+  <dgm:title val=""/>
+  <dgm:desc val=""/>
+  <dgm:catLst>
+    <dgm:cat type="simple" pri="10400"/>
+  </dgm:catLst>
+  <dgm:scene3d>
+    <a:camera prst="orthographicFront"/>
+    <a:lightRig rig="threePt" dir="t"/>
+  </dgm:scene3d>
+  <dgm:styleLbl name="node0">
+    <dgm:scene3d>
+      <a:camera prst="orthographicFront"/>
+      <a:lightRig rig="threePt" dir="t"/>
+    </dgm:scene3d>
+    <dgm:sp3d/>
+    <dgm:txPr/>
+    <dgm:style>
+      <a:lnRef idx="0">
+        <a:scrgbClr r="0" g="0" b="0"/>
+      </a:lnRef>
+      <a:fillRef idx="3">
+        <a:scrgbClr r="0" g="0" b="0"/>
+      </a:fillRef>
+      <a:effectRef idx="2">
+        <a:scrgbClr r="0" g="0" b="0"/>
+      </a:effectRef>
+      <a:fontRef idx="minor">
+        <a:schemeClr val="lt1"/>
+      </a:fontRef>
+    </dgm:style>
+  </dgm:styleLbl>
+  <dgm:styleLbl name="lnNode1">
+    <dgm:scene3d>
+      <a:camera prst="orthographicFront"/>
+      <a:lightRig rig="threePt" dir="t"/>
+    </dgm:scene3d>
+    <dgm:sp3d/>
+    <dgm:txPr/>
+    <dgm:style>
+      <a:lnRef idx="1">
+        <a:scrgbClr r="0" g="0" b="0"/>
+      </a:lnRef>
+      <a:fillRef idx="3">
+        <a:scrgbClr r="0" g="0" b="0"/>
+      </a:fillRef>
+      <a:effectRef idx="2">
+        <a:scrgbClr r="0" g="0" b="0"/>
+      </a:effectRef>
+      <a:fontRef idx="minor">
+        <a:schemeClr val="lt1"/>
+      </a:fontRef>
+    </dgm:style>
+  </dgm:styleLbl>
+  <dgm:styleLbl name="vennNode1">
+    <dgm:scene3d>
+      <a:camera prst="orthographicFront"/>
+      <a:lightRig rig="threePt" dir="t"/>
+    </dgm:scene3d>
+    <dgm:sp3d/>
+    <dgm:txPr/>
+    <dgm:style>
+      <a:lnRef idx="0">
+        <a:scrgbClr r="0" g="0" b="0"/>
+      </a:lnRef>
+      <a:fillRef idx="3">
+        <a:scrgbClr r="0" g="0" b="0"/>
+      </a:fillRef>
+      <a:effectRef idx="0">
+        <a:scrgbClr r="0" g="0" b="0"/>
+      </a:effectRef>
+      <a:fontRef idx="minor">
+        <a:schemeClr val="tx1"/>
+      </a:fontRef>
+    </dgm:style>
+  </dgm:styleLbl>
+  <dgm:styleLbl name="alignNode1">
+    <dgm:scene3d>
+      <a:camera prst="orthographicFront"/>
+      <a:lightRig rig="threePt" dir="t"/>
+    </dgm:scene3d>
+    <dgm:sp3d/>
+    <dgm:txPr/>
+    <dgm:style>
+      <a:lnRef idx="1">
+        <a:scrgbClr r="0" g="0" b="0"/>
+      </a:lnRef>
+      <a:fillRef idx="3">
+        <a:scrgbClr r="0" g="0" b="0"/>
+      </a:fillRef>
+      <a:effectRef idx="2">
+        <a:scrgbClr r="0" g="0" b="0"/>
+      </a:effectRef>
+      <a:fontRef idx="minor">
+        <a:schemeClr val="lt1"/>
+      </a:fontRef>
+    </dgm:style>
+  </dgm:styleLbl>
+  <dgm:styleLbl name="node1">
+    <dgm:scene3d>
+      <a:camera prst="orthographicFront"/>
+      <a:lightRig rig="threePt" dir="t"/>
+    </dgm:scene3d>
+    <dgm:sp3d/>
+    <dgm:txPr/>
+    <dgm:style>
+      <a:lnRef idx="0">
+        <a:scrgbClr r="0" g="0" b="0"/>
+      </a:lnRef>
+      <a:fillRef idx="3">
+        <a:scrgbClr r="0" g="0" b="0"/>
+      </a:fillRef>
+      <a:effectRef idx="2">
+        <a:scrgbClr r="0" g="0" b="0"/>
+      </a:effectRef>
+      <a:fontRef idx="minor">
+        <a:schemeClr val="lt1"/>
+      </a:fontRef>
+    </dgm:style>
+  </dgm:styleLbl>
+  <dgm:styleLbl name="node2">
+    <dgm:scene3d>
+      <a:camera prst="orthographicFront"/>
+      <a:lightRig rig="threePt" dir="t"/>
+    </dgm:scene3d>
+    <dgm:sp3d/>
+    <dgm:txPr/>
+    <dgm:style>
+      <a:lnRef idx="0">
+        <a:scrgbClr r="0" g="0" b="0"/>
+      </a:lnRef>
+      <a:fillRef idx="3">
+        <a:scrgbClr r="0" g="0" b="0"/>
+      </a:fillRef>
+      <a:effectRef idx="2">
+        <a:scrgbClr r="0" g="0" b="0"/>
+      </a:effectRef>
+      <a:fontRef idx="minor">
+        <a:schemeClr val="lt1"/>
+      </a:fontRef>
+    </dgm:style>
+  </dgm:styleLbl>
+  <dgm:styleLbl name="node3">
+    <dgm:scene3d>
+      <a:camera prst="orthographicFront"/>
+      <a:lightRig rig="threePt" dir="t"/>
+    </dgm:scene3d>
+    <dgm:sp3d/>
+    <dgm:txPr/>
+    <dgm:style>
+      <a:lnRef idx="0">
+        <a:scrgbClr r="0" g="0" b="0"/>
+      </a:lnRef>
+      <a:fillRef idx="3">
+        <a:scrgbClr r="0" g="0" b="0"/>
+      </a:fillRef>
+      <a:effectRef idx="2">
+        <a:scrgbClr r="0" g="0" b="0"/>
+      </a:effectRef>
+      <a:fontRef idx="minor">
+        <a:schemeClr val="lt1"/>
+      </a:fontRef>
+    </dgm:style>
+  </dgm:styleLbl>
+  <dgm:styleLbl name="node4">
+    <dgm:scene3d>
+      <a:camera prst="orthographicFront"/>
+      <a:lightRig rig="threePt" dir="t"/>
+    </dgm:scene3d>
+    <dgm:sp3d/>
+    <dgm:txPr/>
+    <dgm:style>
+      <a:lnRef idx="0">
+        <a:scrgbClr r="0" g="0" b="0"/>
+      </a:lnRef>
+      <a:fillRef idx="3">
+        <a:scrgbClr r="0" g="0" b="0"/>
+      </a:fillRef>
+      <a:effectRef idx="2">
+        <a:scrgbClr r="0" g="0" b="0"/>
+      </a:effectRef>
+      <a:fontRef idx="minor">
+        <a:schemeClr val="lt1"/>
+      </a:fontRef>
+    </dgm:style>
+  </dgm:styleLbl>
+  <dgm:styleLbl name="fgImgPlace1">
+    <dgm:scene3d>
+      <a:camera prst="orthographicFront"/>
+      <a:lightRig rig="threePt" dir="t"/>
+    </dgm:scene3d>
+    <dgm:sp3d/>
+    <dgm:txPr/>
+    <dgm:style>
+      <a:lnRef idx="0">
+        <a:scrgbClr r="0" g="0" b="0"/>
+      </a:lnRef>
+      <a:fillRef idx="1">
+        <a:scrgbClr r="0" g="0" b="0"/>
+      </a:fillRef>
+      <a:effectRef idx="2">
+        <a:scrgbClr r="0" g="0" b="0"/>
+      </a:effectRef>
+      <a:fontRef idx="minor"/>
+    </dgm:style>
+  </dgm:styleLbl>
+  <dgm:styleLbl name="alignImgPlace1">
+    <dgm:scene3d>
+      <a:camera prst="orthographicFront"/>
+      <a:lightRig rig="threePt" dir="t"/>
+    </dgm:scene3d>
+    <dgm:sp3d/>
+    <dgm:txPr/>
+    <dgm:style>
+      <a:lnRef idx="0">
+        <a:scrgbClr r="0" g="0" b="0"/>
+      </a:lnRef>
+      <a:fillRef idx="1">
+        <a:scrgbClr r="0" g="0" b="0"/>
+      </a:fillRef>
+      <a:effectRef idx="2">
+        <a:scrgbClr r="0" g="0" b="0"/>
+      </a:effectRef>
+      <a:fontRef idx="minor"/>
+    </dgm:style>
+  </dgm:styleLbl>
+  <dgm:styleLbl name="bgImgPlace1">
+    <dgm:scene3d>
+      <a:camera prst="orthographicFront"/>
+      <a:lightRig rig="threePt" dir="t"/>
+    </dgm:scene3d>
+    <dgm:sp3d/>
+    <dgm:txPr/>
+    <dgm:style>
+      <a:lnRef idx="0">
+        <a:scrgbClr r="0" g="0" b="0"/>
+      </a:lnRef>
+      <a:fillRef idx="1">
+        <a:scrgbClr r="0" g="0" b="0"/>
+      </a:fillRef>
+      <a:effectRef idx="2">
+        <a:scrgbClr r="0" g="0" b="0"/>
+      </a:effectRef>
+      <a:fontRef idx="minor"/>
+    </dgm:style>
+  </dgm:styleLbl>
+  <dgm:styleLbl name="sibTrans2D1">
+    <dgm:scene3d>
+      <a:camera prst="orthographicFront"/>
+      <a:lightRig rig="threePt" dir="t"/>
+    </dgm:scene3d>
+    <dgm:sp3d/>
+    <dgm:txPr/>
+    <dgm:style>
+      <a:lnRef idx="0">
+        <a:scrgbClr r="0" g="0" b="0"/>
+      </a:lnRef>
+      <a:fillRef idx="3">
+        <a:scrgbClr r="0" g="0" b="0"/>
+      </a:fillRef>
+      <a:effectRef idx="2">
+        <a:scrgbClr r="0" g="0" b="0"/>
+      </a:effectRef>
+      <a:fontRef idx="minor">
+        <a:schemeClr val="lt1"/>
+      </a:fontRef>
+    </dgm:style>
+  </dgm:styleLbl>
+  <dgm:styleLbl name="fgSibTrans2D1">
+    <dgm:scene3d>
+      <a:camera prst="orthographicFront"/>
+      <a:lightRig rig="threePt" dir="t"/>
+    </dgm:scene3d>
+    <dgm:sp3d/>
+    <dgm:txPr/>
+    <dgm:style>
+      <a:lnRef idx="0">
+        <a:scrgbClr r="0" g="0" b="0"/>
+      </a:lnRef>
+      <a:fillRef idx="3">
+        <a:scrgbClr r="0" g="0" b="0"/>
+      </a:fillRef>
+      <a:effectRef idx="2">
+        <a:scrgbClr r="0" g="0" b="0"/>
+      </a:effectRef>
+      <a:fontRef idx="minor">
+        <a:schemeClr val="lt1"/>
+      </a:fontRef>
+    </dgm:style>
+  </dgm:styleLbl>
+  <dgm:styleLbl name="bgSibTrans2D1">
+    <dgm:scene3d>
+      <a:camera prst="orthographicFront"/>
+      <a:lightRig rig="threePt" dir="t"/>
+    </dgm:scene3d>
+    <dgm:sp3d/>
+    <dgm:txPr/>
+    <dgm:style>
+      <a:lnRef idx="0">
+        <a:scrgbClr r="0" g="0" b="0"/>
+      </a:lnRef>
+      <a:fillRef idx="3">
+        <a:scrgbClr r="0" g="0" b="0"/>
+      </a:fillRef>
+      <a:effectRef idx="2">
+        <a:scrgbClr r="0" g="0" b="0"/>
+      </a:effectRef>
+      <a:fontRef idx="minor">
+        <a:schemeClr val="lt1"/>
+      </a:fontRef>
+    </dgm:style>
+  </dgm:styleLbl>
+  <dgm:styleLbl name="sibTrans1D1">
+    <dgm:scene3d>
+      <a:camera prst="orthographicFront"/>
+      <a:lightRig rig="threePt" dir="t"/>
+    </dgm:scene3d>
+    <dgm:sp3d/>
+    <dgm:txPr/>
+    <dgm:style>
+      <a:lnRef idx="1">
+        <a:scrgbClr r="0" g="0" b="0"/>
+      </a:lnRef>
+      <a:fillRef idx="0">
+        <a:scrgbClr r="0" g="0" b="0"/>
+      </a:fillRef>
+      <a:effectRef idx="0">
+        <a:scrgbClr r="0" g="0" b="0"/>
+      </a:effectRef>
+      <a:fontRef idx="minor"/>
+    </dgm:style>
+  </dgm:styleLbl>
+  <dgm:styleLbl name="callout">
+    <dgm:scene3d>
+      <a:camera prst="orthographicFront"/>
+      <a:lightRig rig="threePt" dir="t"/>
+    </dgm:scene3d>
+    <dgm:sp3d/>
+    <dgm:txPr/>
+    <dgm:style>
+      <a:lnRef idx="2">
+        <a:scrgbClr r="0" g="0" b="0"/>
+      </a:lnRef>
+      <a:fillRef idx="1">
+        <a:scrgbClr r="0" g="0" b="0"/>
+      </a:fillRef>
+      <a:effectRef idx="1">
+        <a:scrgbClr r="0" g="0" b="0"/>
+      </a:effectRef>
+      <a:fontRef idx="minor"/>
+    </dgm:style>
+  </dgm:styleLbl>
+  <dgm:styleLbl name="asst0">
+    <dgm:scene3d>
+      <a:camera prst="orthographicFront"/>
+      <a:lightRig rig="threePt" dir="t"/>
+    </dgm:scene3d>
+    <dgm:sp3d/>
+    <dgm:txPr/>
+    <dgm:style>
+      <a:lnRef idx="0">
+        <a:scrgbClr r="0" g="0" b="0"/>
+      </a:lnRef>
+      <a:fillRef idx="3">
+        <a:scrgbClr r="0" g="0" b="0"/>
+      </a:fillRef>
+      <a:effectRef idx="2">
+        <a:scrgbClr r="0" g="0" b="0"/>
+      </a:effectRef>
+      <a:fontRef idx="minor">
+        <a:schemeClr val="lt1"/>
+      </a:fontRef>
+    </dgm:style>
+  </dgm:styleLbl>
+  <dgm:styleLbl name="asst1">
+    <dgm:scene3d>
+      <a:camera prst="orthographicFront"/>
+      <a:lightRig rig="threePt" dir="t"/>
+    </dgm:scene3d>
+    <dgm:sp3d/>
+    <dgm:txPr/>
+    <dgm:style>
+      <a:lnRef idx="0">
+        <a:scrgbClr r="0" g="0" b="0"/>
+      </a:lnRef>
+      <a:fillRef idx="3">
+        <a:scrgbClr r="0" g="0" b="0"/>
+      </a:fillRef>
+      <a:effectRef idx="2">
+        <a:scrgbClr r="0" g="0" b="0"/>
+      </a:effectRef>
+      <a:fontRef idx="minor">
+        <a:schemeClr val="lt1"/>
+      </a:fontRef>
+    </dgm:style>
+  </dgm:styleLbl>
+  <dgm:styleLbl name="asst2">
+    <dgm:scene3d>
+      <a:camera prst="orthographicFront"/>
+      <a:lightRig rig="threePt" dir="t"/>
+    </dgm:scene3d>
+    <dgm:sp3d/>
+    <dgm:txPr/>
+    <dgm:style>
+      <a:lnRef idx="0">
+        <a:scrgbClr r="0" g="0" b="0"/>
+      </a:lnRef>
+      <a:fillRef idx="3">
+        <a:scrgbClr r="0" g="0" b="0"/>
+      </a:fillRef>
+      <a:effectRef idx="2">
+        <a:scrgbClr r="0" g="0" b="0"/>
+      </a:effectRef>
+      <a:fontRef idx="minor">
+        <a:schemeClr val="lt1"/>
+      </a:fontRef>
+    </dgm:style>
+  </dgm:styleLbl>
+  <dgm:styleLbl name="asst3">
+    <dgm:scene3d>
+      <a:camera prst="orthographicFront"/>
+      <a:lightRig rig="threePt" dir="t"/>
+    </dgm:scene3d>
+    <dgm:sp3d/>
+    <dgm:txPr/>
+    <dgm:style>
+      <a:lnRef idx="0">
+        <a:scrgbClr r="0" g="0" b="0"/>
+      </a:lnRef>
+      <a:fillRef idx="3">
+        <a:scrgbClr r="0" g="0" b="0"/>
+      </a:fillRef>
+      <a:effectRef idx="2">
+        <a:scrgbClr r="0" g="0" b="0"/>
+      </a:effectRef>
+      <a:fontRef idx="minor">
+        <a:schemeClr val="lt1"/>
+      </a:fontRef>
+    </dgm:style>
+  </dgm:styleLbl>
+  <dgm:styleLbl name="asst4">
+    <dgm:scene3d>
+      <a:camera prst="orthographicFront"/>
+      <a:lightRig rig="threePt" dir="t"/>
+    </dgm:scene3d>
+    <dgm:sp3d/>
+    <dgm:txPr/>
+    <dgm:style>
+      <a:lnRef idx="0">
+        <a:scrgbClr r="0" g="0" b="0"/>
+      </a:lnRef>
+      <a:fillRef idx="3">
+        <a:scrgbClr r="0" g="0" b="0"/>
+      </a:fillRef>
+      <a:effectRef idx="2">
+        <a:scrgbClr r="0" g="0" b="0"/>
+      </a:effectRef>
+      <a:fontRef idx="minor">
+        <a:schemeClr val="lt1"/>
+      </a:fontRef>
+    </dgm:style>
+  </dgm:styleLbl>
+  <dgm:styleLbl name="parChTrans2D1">
+    <dgm:scene3d>
+      <a:camera prst="orthographicFront"/>
+      <a:lightRig rig="threePt" dir="t"/>
+    </dgm:scene3d>
+    <dgm:sp3d/>
+    <dgm:txPr/>
+    <dgm:style>
+      <a:lnRef idx="0">
+        <a:scrgbClr r="0" g="0" b="0"/>
+      </a:lnRef>
+      <a:fillRef idx="3">
+        <a:scrgbClr r="0" g="0" b="0"/>
+      </a:fillRef>
+      <a:effectRef idx="2">
+        <a:scrgbClr r="0" g="0" b="0"/>
+      </a:effectRef>
+      <a:fontRef idx="minor">
+        <a:schemeClr val="lt1"/>
+      </a:fontRef>
+    </dgm:style>
+  </dgm:styleLbl>
+  <dgm:styleLbl name="parChTrans2D2">
+    <dgm:scene3d>
+      <a:camera prst="orthographicFront"/>
+      <a:lightRig rig="threePt" dir="t"/>
+    </dgm:scene3d>
+    <dgm:sp3d/>
+    <dgm:txPr/>
+    <dgm:style>
+      <a:lnRef idx="0">
+        <a:scrgbClr r="0" g="0" b="0"/>
+      </a:lnRef>
+      <a:fillRef idx="3">
+        <a:scrgbClr r="0" g="0" b="0"/>
+      </a:fillRef>
+      <a:effectRef idx="2">
+        <a:scrgbClr r="0" g="0" b="0"/>
+      </a:effectRef>
+      <a:fontRef idx="minor">
+        <a:schemeClr val="lt1"/>
+      </a:fontRef>
+    </dgm:style>
+  </dgm:styleLbl>
+  <dgm:styleLbl name="parChTrans2D3">
+    <dgm:scene3d>
+      <a:camera prst="orthographicFront"/>
+      <a:lightRig rig="threePt" dir="t"/>
+    </dgm:scene3d>
+    <dgm:sp3d/>
+    <dgm:txPr/>
+    <dgm:style>
+      <a:lnRef idx="1">
+        <a:scrgbClr r="0" g="0" b="0"/>
+      </a:lnRef>
+      <a:fillRef idx="3">
+        <a:scrgbClr r="0" g="0" b="0"/>
+      </a:fillRef>
+      <a:effectRef idx="2">
+        <a:scrgbClr r="0" g="0" b="0"/>
+      </a:effectRef>
+      <a:fontRef idx="minor">
+        <a:schemeClr val="lt1"/>
+      </a:fontRef>
+    </dgm:style>
+  </dgm:styleLbl>
+  <dgm:styleLbl name="parChTrans2D4">
+    <dgm:scene3d>
+      <a:camera prst="orthographicFront"/>
+      <a:lightRig rig="threePt" dir="t"/>
+    </dgm:scene3d>
+    <dgm:sp3d/>
+    <dgm:txPr/>
+    <dgm:style>
+      <a:lnRef idx="1">
+        <a:scrgbClr r="0" g="0" b="0"/>
+      </a:lnRef>
+      <a:fillRef idx="3">
+        <a:scrgbClr r="0" g="0" b="0"/>
+      </a:fillRef>
+      <a:effectRef idx="2">
+        <a:scrgbClr r="0" g="0" b="0"/>
+      </a:effectRef>
+      <a:fontRef idx="minor">
+        <a:schemeClr val="lt1"/>
+      </a:fontRef>
+    </dgm:style>
+  </dgm:styleLbl>
+  <dgm:styleLbl name="parChTrans1D1">
+    <dgm:scene3d>
+      <a:camera prst="orthographicFront"/>
+      <a:lightRig rig="threePt" dir="t"/>
+    </dgm:scene3d>
+    <dgm:sp3d/>
+    <dgm:txPr/>
+    <dgm:style>
+      <a:lnRef idx="1">
+        <a:scrgbClr r="0" g="0" b="0"/>
+      </a:lnRef>
+      <a:fillRef idx="0">
+        <a:scrgbClr r="0" g="0" b="0"/>
+      </a:fillRef>
+      <a:effectRef idx="0">
+        <a:scrgbClr r="0" g="0" b="0"/>
+      </a:effectRef>
+      <a:fontRef idx="minor"/>
+    </dgm:style>
+  </dgm:styleLbl>
+  <dgm:styleLbl name="parChTrans1D2">
+    <dgm:scene3d>
+      <a:camera prst="orthographicFront"/>
+      <a:lightRig rig="threePt" dir="t"/>
+    </dgm:scene3d>
+    <dgm:sp3d/>
+    <dgm:txPr/>
+    <dgm:style>
+      <a:lnRef idx="1">
+        <a:scrgbClr r="0" g="0" b="0"/>
+      </a:lnRef>
+      <a:fillRef idx="0">
+        <a:scrgbClr r="0" g="0" b="0"/>
+      </a:fillRef>
+      <a:effectRef idx="0">
+        <a:scrgbClr r="0" g="0" b="0"/>
+      </a:effectRef>
+      <a:fontRef idx="minor"/>
+    </dgm:style>
+  </dgm:styleLbl>
+  <dgm:styleLbl name="parChTrans1D3">
+    <dgm:scene3d>
+      <a:camera prst="orthographicFront"/>
+      <a:lightRig rig="threePt" dir="t"/>
+    </dgm:scene3d>
+    <dgm:sp3d/>
+    <dgm:txPr/>
+    <dgm:style>
+      <a:lnRef idx="1">
+        <a:scrgbClr r="0" g="0" b="0"/>
+      </a:lnRef>
+      <a:fillRef idx="0">
+        <a:scrgbClr r="0" g="0" b="0"/>
+      </a:fillRef>
+      <a:effectRef idx="0">
+        <a:scrgbClr r="0" g="0" b="0"/>
+      </a:effectRef>
+      <a:fontRef idx="minor"/>
+    </dgm:style>
+  </dgm:styleLbl>
+  <dgm:styleLbl name="parChTrans1D4">
+    <dgm:scene3d>
+      <a:camera prst="orthographicFront"/>
+      <a:lightRig rig="threePt" dir="t"/>
+    </dgm:scene3d>
+    <dgm:sp3d/>
+    <dgm:txPr/>
+    <dgm:style>
+      <a:lnRef idx="1">
+        <a:scrgbClr r="0" g="0" b="0"/>
+      </a:lnRef>
+      <a:fillRef idx="0">
+        <a:scrgbClr r="0" g="0" b="0"/>
+      </a:fillRef>
+      <a:effectRef idx="0">
+        <a:scrgbClr r="0" g="0" b="0"/>
+      </a:effectRef>
+      <a:fontRef idx="minor"/>
+    </dgm:style>
+  </dgm:styleLbl>
+  <dgm:styleLbl name="fgAcc1">
+    <dgm:scene3d>
+      <a:camera prst="orthographicFront"/>
+      <a:lightRig rig="threePt" dir="t"/>
+    </dgm:scene3d>
+    <dgm:sp3d/>
+    <dgm:txPr/>
+    <dgm:style>
+      <a:lnRef idx="1">
+        <a:scrgbClr r="0" g="0" b="0"/>
+      </a:lnRef>
+      <a:fillRef idx="1">
+        <a:scrgbClr r="0" g="0" b="0"/>
+      </a:fillRef>
+      <a:effectRef idx="0">
+        <a:scrgbClr r="0" g="0" b="0"/>
+      </a:effectRef>
+      <a:fontRef idx="minor"/>
+    </dgm:style>
+  </dgm:styleLbl>
+  <dgm:styleLbl name="conFgAcc1">
+    <dgm:scene3d>
+      <a:camera prst="orthographicFront"/>
+      <a:lightRig rig="threePt" dir="t"/>
+    </dgm:scene3d>
+    <dgm:sp3d/>
+    <dgm:txPr/>
+    <dgm:style>
+      <a:lnRef idx="1">
+        <a:scrgbClr r="0" g="0" b="0"/>
+      </a:lnRef>
+      <a:fillRef idx="1">
+        <a:scrgbClr r="0" g="0" b="0"/>
+      </a:fillRef>
+      <a:effectRef idx="0">
+        <a:scrgbClr r="0" g="0" b="0"/>
+      </a:effectRef>
+      <a:fontRef idx="minor"/>
+    </dgm:style>
+  </dgm:styleLbl>
+  <dgm:styleLbl name="alignAcc1">
+    <dgm:scene3d>
+      <a:camera prst="orthographicFront"/>
+      <a:lightRig rig="threePt" dir="t"/>
+    </dgm:scene3d>
+    <dgm:sp3d/>
+    <dgm:txPr/>
+    <dgm:style>
+      <a:lnRef idx="1">
+        <a:scrgbClr r="0" g="0" b="0"/>
+      </a:lnRef>
+      <a:fillRef idx="1">
+        <a:scrgbClr r="0" g="0" b="0"/>
+      </a:fillRef>
+      <a:effectRef idx="0">
+        <a:scrgbClr r="0" g="0" b="0"/>
+      </a:effectRef>
+      <a:fontRef idx="minor"/>
+    </dgm:style>
+  </dgm:styleLbl>
+  <dgm:styleLbl name="trAlignAcc1">
+    <dgm:scene3d>
+      <a:camera prst="orthographicFront"/>
+      <a:lightRig rig="threePt" dir="t"/>
+    </dgm:scene3d>
+    <dgm:sp3d/>
+    <dgm:txPr/>
+    <dgm:style>
+      <a:lnRef idx="1">
+        <a:scrgbClr r="0" g="0" b="0"/>
+      </a:lnRef>
+      <a:fillRef idx="1">
+        <a:scrgbClr r="0" g="0" b="0"/>
+      </a:fillRef>
+      <a:effectRef idx="0">
+        <a:scrgbClr r="0" g="0" b="0"/>
+      </a:effectRef>
+      <a:fontRef idx="minor"/>
+    </dgm:style>
+  </dgm:styleLbl>
+  <dgm:styleLbl name="bgAcc1">
+    <dgm:scene3d>
+      <a:camera prst="orthographicFront"/>
+      <a:lightRig rig="threePt" dir="t"/>
+    </dgm:scene3d>
+    <dgm:sp3d/>
+    <dgm:txPr/>
+    <dgm:style>
+      <a:lnRef idx="1">
+        <a:scrgbClr r="0" g="0" b="0"/>
+      </a:lnRef>
+      <a:fillRef idx="1">
+        <a:scrgbClr r="0" g="0" b="0"/>
+      </a:fillRef>
+      <a:effectRef idx="0">
+        <a:scrgbClr r="0" g="0" b="0"/>
+      </a:effectRef>
+      <a:fontRef idx="minor"/>
+    </dgm:style>
+  </dgm:styleLbl>
+  <dgm:styleLbl name="solidFgAcc1">
+    <dgm:scene3d>
+      <a:camera prst="orthographicFront"/>
+      <a:lightRig rig="threePt" dir="t"/>
+    </dgm:scene3d>
+    <dgm:sp3d/>
+    <dgm:txPr/>
+    <dgm:style>
+      <a:lnRef idx="1">
+        <a:scrgbClr r="0" g="0" b="0"/>
+      </a:lnRef>
+      <a:fillRef idx="1">
+        <a:scrgbClr r="0" g="0" b="0"/>
+      </a:fillRef>
+      <a:effectRef idx="0">
+        <a:scrgbClr r="0" g="0" b="0"/>
+      </a:effectRef>
+      <a:fontRef idx="minor"/>
+    </dgm:style>
+  </dgm:styleLbl>
+  <dgm:styleLbl name="solidAlignAcc1">
+    <dgm:scene3d>
+      <a:camera prst="orthographicFront"/>
+      <a:lightRig rig="threePt" dir="t"/>
+    </dgm:scene3d>
+    <dgm:sp3d/>
+    <dgm:txPr/>
+    <dgm:style>
+      <a:lnRef idx="1">
+        <a:scrgbClr r="0" g="0" b="0"/>
+      </a:lnRef>
+      <a:fillRef idx="1">
+        <a:scrgbClr r="0" g="0" b="0"/>
+      </a:fillRef>
+      <a:effectRef idx="0">
+        <a:scrgbClr r="0" g="0" b="0"/>
+      </a:effectRef>
+      <a:fontRef idx="minor"/>
+    </dgm:style>
+  </dgm:styleLbl>
+  <dgm:styleLbl name="solidBgAcc1">
+    <dgm:scene3d>
+      <a:camera prst="orthographicFront"/>
+      <a:lightRig rig="threePt" dir="t"/>
+    </dgm:scene3d>
+    <dgm:sp3d/>
+    <dgm:txPr/>
+    <dgm:style>
+      <a:lnRef idx="1">
+        <a:scrgbClr r="0" g="0" b="0"/>
+      </a:lnRef>
+      <a:fillRef idx="1">
+        <a:scrgbClr r="0" g="0" b="0"/>
+      </a:fillRef>
+      <a:effectRef idx="0">
+        <a:scrgbClr r="0" g="0" b="0"/>
+      </a:effectRef>
+      <a:fontRef idx="minor"/>
+    </dgm:style>
+  </dgm:styleLbl>
+  <dgm:styleLbl name="fgAccFollowNode1">
+    <dgm:scene3d>
+      <a:camera prst="orthographicFront"/>
+      <a:lightRig rig="threePt" dir="t"/>
+    </dgm:scene3d>
+    <dgm:sp3d/>
+    <dgm:txPr/>
+    <dgm:style>
+      <a:lnRef idx="1">
+        <a:scrgbClr r="0" g="0" b="0"/>
+      </a:lnRef>
+      <a:fillRef idx="1">
+        <a:scrgbClr r="0" g="0" b="0"/>
+      </a:fillRef>
+      <a:effectRef idx="0">
+        <a:scrgbClr r="0" g="0" b="0"/>
+      </a:effectRef>
+      <a:fontRef idx="minor"/>
+    </dgm:style>
+  </dgm:styleLbl>
+  <dgm:styleLbl name="alignAccFollowNode1">
+    <dgm:scene3d>
+      <a:camera prst="orthographicFront"/>
+      <a:lightRig rig="threePt" dir="t"/>
+    </dgm:scene3d>
+    <dgm:sp3d/>
+    <dgm:txPr/>
+    <dgm:style>
+      <a:lnRef idx="1">
+        <a:scrgbClr r="0" g="0" b="0"/>
+      </a:lnRef>
+      <a:fillRef idx="1">
+        <a:scrgbClr r="0" g="0" b="0"/>
+      </a:fillRef>
+      <a:effectRef idx="0">
+        <a:scrgbClr r="0" g="0" b="0"/>
+      </a:effectRef>
+      <a:fontRef idx="minor"/>
+    </dgm:style>
+  </dgm:styleLbl>
+  <dgm:styleLbl name="bgAccFollowNode1">
+    <dgm:scene3d>
+      <a:camera prst="orthographicFront"/>
+      <a:lightRig rig="threePt" dir="t"/>
+    </dgm:scene3d>
+    <dgm:sp3d/>
+    <dgm:txPr/>
+    <dgm:style>
+      <a:lnRef idx="1">
+        <a:scrgbClr r="0" g="0" b="0"/>
+      </a:lnRef>
+      <a:fillRef idx="1">
+        <a:scrgbClr r="0" g="0" b="0"/>
+      </a:fillRef>
+      <a:effectRef idx="0">
+        <a:scrgbClr r="0" g="0" b="0"/>
+      </a:effectRef>
+      <a:fontRef idx="minor"/>
+    </dgm:style>
+  </dgm:styleLbl>
+  <dgm:styleLbl name="fgAcc0">
+    <dgm:scene3d>
+      <a:camera prst="orthographicFront"/>
+      <a:lightRig rig="threePt" dir="t"/>
+    </dgm:scene3d>
+    <dgm:sp3d/>
+    <dgm:txPr/>
+    <dgm:style>
+      <a:lnRef idx="1">
+        <a:scrgbClr r="0" g="0" b="0"/>
+      </a:lnRef>
+      <a:fillRef idx="1">
+        <a:scrgbClr r="0" g="0" b="0"/>
+      </a:fillRef>
+      <a:effectRef idx="0">
+        <a:scrgbClr r="0" g="0" b="0"/>
+      </a:effectRef>
+      <a:fontRef idx="minor"/>
+    </dgm:style>
+  </dgm:styleLbl>
+  <dgm:styleLbl name="fgAcc2">
+    <dgm:scene3d>
+      <a:camera prst="orthographicFront"/>
+      <a:lightRig rig="threePt" dir="t"/>
+    </dgm:scene3d>
+    <dgm:sp3d/>
+    <dgm:txPr/>
+    <dgm:style>
+      <a:lnRef idx="1">
+        <a:scrgbClr r="0" g="0" b="0"/>
+      </a:lnRef>
+      <a:fillRef idx="1">
+        <a:scrgbClr r="0" g="0" b="0"/>
+      </a:fillRef>
+      <a:effectRef idx="0">
+        <a:scrgbClr r="0" g="0" b="0"/>
+      </a:effectRef>
+      <a:fontRef idx="minor"/>
+    </dgm:style>
+  </dgm:styleLbl>
+  <dgm:styleLbl name="fgAcc3">
+    <dgm:scene3d>
+      <a:camera prst="orthographicFront"/>
+      <a:lightRig rig="threePt" dir="t"/>
+    </dgm:scene3d>
+    <dgm:sp3d/>
+    <dgm:txPr/>
+    <dgm:style>
+      <a:lnRef idx="1">
+        <a:scrgbClr r="0" g="0" b="0"/>
+      </a:lnRef>
+      <a:fillRef idx="1">
+        <a:scrgbClr r="0" g="0" b="0"/>
+      </a:fillRef>
+      <a:effectRef idx="0">
+        <a:scrgbClr r="0" g="0" b="0"/>
+      </a:effectRef>
+      <a:fontRef idx="minor"/>
+    </dgm:style>
+  </dgm:styleLbl>
+  <dgm:styleLbl name="fgAcc4">
+    <dgm:scene3d>
+      <a:camera prst="orthographicFront"/>
+      <a:lightRig rig="threePt" dir="t"/>
+    </dgm:scene3d>
+    <dgm:sp3d/>
+    <dgm:txPr/>
+    <dgm:style>
+      <a:lnRef idx="1">
+        <a:scrgbClr r="0" g="0" b="0"/>
+      </a:lnRef>
+      <a:fillRef idx="1">
+        <a:scrgbClr r="0" g="0" b="0"/>
+      </a:fillRef>
+      <a:effectRef idx="0">
+        <a:scrgbClr r="0" g="0" b="0"/>
+      </a:effectRef>
+      <a:fontRef idx="minor"/>
+    </dgm:style>
+  </dgm:styleLbl>
+  <dgm:styleLbl name="bgShp">
+    <dgm:scene3d>
+      <a:camera prst="orthographicFront"/>
+      <a:lightRig rig="threePt" dir="t"/>
+    </dgm:scene3d>
+    <dgm:sp3d/>
+    <dgm:txPr/>
+    <dgm:style>
+      <a:lnRef idx="0">
+        <a:scrgbClr r="0" g="0" b="0"/>
+      </a:lnRef>
+      <a:fillRef idx="1">
+        <a:scrgbClr r="0" g="0" b="0"/>
+      </a:fillRef>
+      <a:effectRef idx="2">
+        <a:scrgbClr r="0" g="0" b="0"/>
+      </a:effectRef>
+      <a:fontRef idx="minor"/>
+    </dgm:style>
+  </dgm:styleLbl>
+  <dgm:styleLbl name="dkBgShp">
+    <dgm:scene3d>
+      <a:camera prst="orthographicFront"/>
+      <a:lightRig rig="threePt" dir="t"/>
+    </dgm:scene3d>
+    <dgm:sp3d/>
+    <dgm:txPr/>
+    <dgm:style>
+      <a:lnRef idx="0">
+        <a:scrgbClr r="0" g="0" b="0"/>
+      </a:lnRef>
+      <a:fillRef idx="1">
+        <a:scrgbClr r="0" g="0" b="0"/>
+      </a:fillRef>
+      <a:effectRef idx="2">
+        <a:scrgbClr r="0" g="0" b="0"/>
+      </a:effectRef>
+      <a:fontRef idx="minor"/>
+    </dgm:style>
+  </dgm:styleLbl>
+  <dgm:styleLbl name="trBgShp">
+    <dgm:scene3d>
+      <a:camera prst="orthographicFront"/>
+      <a:lightRig rig="threePt" dir="t"/>
+    </dgm:scene3d>
+    <dgm:sp3d/>
+    <dgm:txPr/>
+    <dgm:style>
+      <a:lnRef idx="0">
+        <a:scrgbClr r="0" g="0" b="0"/>
+      </a:lnRef>
+      <a:fillRef idx="1">
+        <a:scrgbClr r="0" g="0" b="0"/>
+      </a:fillRef>
+      <a:effectRef idx="0">
+        <a:scrgbClr r="0" g="0" b="0"/>
+      </a:effectRef>
+      <a:fontRef idx="minor"/>
+    </dgm:style>
+  </dgm:styleLbl>
+  <dgm:styleLbl name="fgShp">
+    <dgm:scene3d>
+      <a:camera prst="orthographicFront"/>
+      <a:lightRig rig="threePt" dir="t"/>
+    </dgm:scene3d>
+    <dgm:sp3d/>
+    <dgm:txPr/>
+    <dgm:style>
+      <a:lnRef idx="0">
+        <a:scrgbClr r="0" g="0" b="0"/>
+      </a:lnRef>
+      <a:fillRef idx="3">
+        <a:scrgbClr r="0" g="0" b="0"/>
+      </a:fillRef>
+      <a:effectRef idx="2">
+        <a:scrgbClr r="0" g="0" b="0"/>
+      </a:effectRef>
+      <a:fontRef idx="minor"/>
+    </dgm:style>
+  </dgm:styleLbl>
+  <dgm:styleLbl name="revTx">
+    <dgm:scene3d>
+      <a:camera prst="orthographicFront"/>
+      <a:lightRig rig="threePt" dir="t"/>
+    </dgm:scene3d>
+    <dgm:sp3d/>
+    <dgm:txPr/>
+    <dgm:style>
+      <a:lnRef idx="0">
+        <a:scrgbClr r="0" g="0" b="0"/>
+      </a:lnRef>
+      <a:fillRef idx="0">
+        <a:scrgbClr r="0" g="0" b="0"/>
+      </a:fillRef>
+      <a:effectRef idx="0">
+        <a:scrgbClr r="0" g="0" b="0"/>
+      </a:effectRef>
+      <a:fontRef idx="minor"/>
+    </dgm:style>
+  </dgm:styleLbl>
+</dgm:styleDef>
+</file>
+
+<file path=ppt/diagrams/quickStyle2.xml><?xml version="1.0" encoding="utf-8"?>
+<dgm:styleDef xmlns:dgm="http://schemas.openxmlformats.org/drawingml/2006/diagram" xmlns:a="http://schemas.openxmlformats.org/drawingml/2006/main" uniqueId="urn:microsoft.com/office/officeart/2005/8/quickstyle/simple1#1">
   <dgm:title val=""/>
   <dgm:desc val=""/>
   <dgm:catLst>
@@ -4702,6 +11026,7 @@
       <a:camera prst="orthographicFront"/>
       <a:lightRig rig="threePt" dir="t"/>
     </dgm:scene3d>
+    <dgm:sp3d/>
     <dgm:txPr/>
     <dgm:style>
       <a:lnRef idx="2">
@@ -4721,6 +11046,7 @@
       <a:camera prst="orthographicFront"/>
       <a:lightRig rig="threePt" dir="t"/>
     </dgm:scene3d>
+    <dgm:sp3d/>
     <dgm:txPr/>
     <dgm:style>
       <a:lnRef idx="2">
@@ -4740,6 +11066,7 @@
       <a:camera prst="orthographicFront"/>
       <a:lightRig rig="threePt" dir="t"/>
     </dgm:scene3d>
+    <dgm:sp3d/>
     <dgm:txPr/>
     <dgm:style>
       <a:lnRef idx="2">
@@ -4759,6 +11086,7 @@
       <a:camera prst="orthographicFront"/>
       <a:lightRig rig="threePt" dir="t"/>
     </dgm:scene3d>
+    <dgm:sp3d/>
     <dgm:txPr/>
     <dgm:style>
       <a:lnRef idx="2">
@@ -4780,6 +11108,7 @@
       <a:camera prst="orthographicFront"/>
       <a:lightRig rig="threePt" dir="t"/>
     </dgm:scene3d>
+    <dgm:sp3d/>
     <dgm:txPr/>
     <dgm:style>
       <a:lnRef idx="2">
@@ -4801,6 +11130,7 @@
       <a:camera prst="orthographicFront"/>
       <a:lightRig rig="threePt" dir="t"/>
     </dgm:scene3d>
+    <dgm:sp3d/>
     <dgm:txPr/>
     <dgm:style>
       <a:lnRef idx="2">
@@ -4822,6 +11152,7 @@
       <a:camera prst="orthographicFront"/>
       <a:lightRig rig="threePt" dir="t"/>
     </dgm:scene3d>
+    <dgm:sp3d/>
     <dgm:txPr/>
     <dgm:style>
       <a:lnRef idx="2">
@@ -4843,6 +11174,7 @@
       <a:camera prst="orthographicFront"/>
       <a:lightRig rig="threePt" dir="t"/>
     </dgm:scene3d>
+    <dgm:sp3d/>
     <dgm:txPr/>
     <dgm:style>
       <a:lnRef idx="2">
@@ -4864,6 +11196,7 @@
       <a:camera prst="orthographicFront"/>
       <a:lightRig rig="threePt" dir="t"/>
     </dgm:scene3d>
+    <dgm:sp3d/>
     <dgm:txPr/>
     <dgm:style>
       <a:lnRef idx="2">
@@ -4885,6 +11218,7 @@
       <a:camera prst="orthographicFront"/>
       <a:lightRig rig="threePt" dir="t"/>
     </dgm:scene3d>
+    <dgm:sp3d/>
     <dgm:txPr/>
     <dgm:style>
       <a:lnRef idx="2">
@@ -4904,6 +11238,7 @@
       <a:camera prst="orthographicFront"/>
       <a:lightRig rig="threePt" dir="t"/>
     </dgm:scene3d>
+    <dgm:sp3d/>
     <dgm:txPr/>
     <dgm:style>
       <a:lnRef idx="2">
@@ -4923,6 +11258,7 @@
       <a:camera prst="orthographicFront"/>
       <a:lightRig rig="threePt" dir="t"/>
     </dgm:scene3d>
+    <dgm:sp3d/>
     <dgm:txPr/>
     <dgm:style>
       <a:lnRef idx="2">
@@ -4942,6 +11278,7 @@
       <a:camera prst="orthographicFront"/>
       <a:lightRig rig="threePt" dir="t"/>
     </dgm:scene3d>
+    <dgm:sp3d/>
     <dgm:txPr/>
     <dgm:style>
       <a:lnRef idx="0">
@@ -4961,6 +11298,7 @@
       <a:camera prst="orthographicFront"/>
       <a:lightRig rig="threePt" dir="t"/>
     </dgm:scene3d>
+    <dgm:sp3d/>
     <dgm:txPr/>
     <dgm:style>
       <a:lnRef idx="0">
@@ -4982,6 +11320,7 @@
       <a:camera prst="orthographicFront"/>
       <a:lightRig rig="threePt" dir="t"/>
     </dgm:scene3d>
+    <dgm:sp3d/>
     <dgm:txPr/>
     <dgm:style>
       <a:lnRef idx="2">
@@ -5001,6 +11340,7 @@
       <a:camera prst="orthographicFront"/>
       <a:lightRig rig="threePt" dir="t"/>
     </dgm:scene3d>
+    <dgm:sp3d/>
     <dgm:txPr/>
     <dgm:style>
       <a:lnRef idx="2">
@@ -5020,6 +11360,7 @@
       <a:camera prst="orthographicFront"/>
       <a:lightRig rig="threePt" dir="t"/>
     </dgm:scene3d>
+    <dgm:sp3d/>
     <dgm:txPr/>
     <dgm:style>
       <a:lnRef idx="0">
@@ -5039,6 +11380,7 @@
       <a:camera prst="orthographicFront"/>
       <a:lightRig rig="threePt" dir="t"/>
     </dgm:scene3d>
+    <dgm:sp3d/>
     <dgm:txPr/>
     <dgm:style>
       <a:lnRef idx="2">
@@ -5058,6 +11400,7 @@
       <a:camera prst="orthographicFront"/>
       <a:lightRig rig="threePt" dir="t"/>
     </dgm:scene3d>
+    <dgm:sp3d/>
     <dgm:txPr/>
     <dgm:style>
       <a:lnRef idx="2">
@@ -5077,6 +11420,7 @@
       <a:camera prst="orthographicFront"/>
       <a:lightRig rig="threePt" dir="t"/>
     </dgm:scene3d>
+    <dgm:sp3d/>
     <dgm:txPr/>
     <dgm:style>
       <a:lnRef idx="2">
@@ -5096,6 +11440,7 @@
       <a:camera prst="orthographicFront"/>
       <a:lightRig rig="threePt" dir="t"/>
     </dgm:scene3d>
+    <dgm:sp3d/>
     <dgm:txPr/>
     <dgm:style>
       <a:lnRef idx="2">
@@ -5115,6 +11460,7 @@
       <a:camera prst="orthographicFront"/>
       <a:lightRig rig="threePt" dir="t"/>
     </dgm:scene3d>
+    <dgm:sp3d/>
     <dgm:txPr/>
     <dgm:style>
       <a:lnRef idx="2">
@@ -5134,6 +11480,7 @@
       <a:camera prst="orthographicFront"/>
       <a:lightRig rig="threePt" dir="t"/>
     </dgm:scene3d>
+    <dgm:sp3d/>
     <dgm:txPr/>
     <dgm:style>
       <a:lnRef idx="2">
@@ -5153,6 +11500,7 @@
       <a:camera prst="orthographicFront"/>
       <a:lightRig rig="threePt" dir="t"/>
     </dgm:scene3d>
+    <dgm:sp3d/>
     <dgm:txPr/>
     <dgm:style>
       <a:lnRef idx="2">
@@ -5172,6 +11520,7 @@
       <a:camera prst="orthographicFront"/>
       <a:lightRig rig="threePt" dir="t"/>
     </dgm:scene3d>
+    <dgm:sp3d/>
     <dgm:txPr/>
     <dgm:style>
       <a:lnRef idx="2">
@@ -5191,6 +11540,7 @@
       <a:camera prst="orthographicFront"/>
       <a:lightRig rig="threePt" dir="t"/>
     </dgm:scene3d>
+    <dgm:sp3d/>
     <dgm:txPr/>
     <dgm:style>
       <a:lnRef idx="0">
@@ -5212,6 +11562,7 @@
       <a:camera prst="orthographicFront"/>
       <a:lightRig rig="threePt" dir="t"/>
     </dgm:scene3d>
+    <dgm:sp3d/>
     <dgm:txPr/>
     <dgm:style>
       <a:lnRef idx="2">
@@ -5233,6 +11584,7 @@
       <a:camera prst="orthographicFront"/>
       <a:lightRig rig="threePt" dir="t"/>
     </dgm:scene3d>
+    <dgm:sp3d/>
     <dgm:txPr/>
     <dgm:style>
       <a:lnRef idx="2">
@@ -5254,6 +11606,7 @@
       <a:camera prst="orthographicFront"/>
       <a:lightRig rig="threePt" dir="t"/>
     </dgm:scene3d>
+    <dgm:sp3d/>
     <dgm:txPr/>
     <dgm:style>
       <a:lnRef idx="2">
@@ -5275,6 +11628,7 @@
       <a:camera prst="orthographicFront"/>
       <a:lightRig rig="threePt" dir="t"/>
     </dgm:scene3d>
+    <dgm:sp3d/>
     <dgm:txPr/>
     <dgm:style>
       <a:lnRef idx="2">
@@ -5296,6 +11650,7 @@
       <a:camera prst="orthographicFront"/>
       <a:lightRig rig="threePt" dir="t"/>
     </dgm:scene3d>
+    <dgm:sp3d/>
     <dgm:txPr/>
     <dgm:style>
       <a:lnRef idx="2">
@@ -5317,6 +11672,7 @@
       <a:camera prst="orthographicFront"/>
       <a:lightRig rig="threePt" dir="t"/>
     </dgm:scene3d>
+    <dgm:sp3d/>
     <dgm:txPr/>
     <dgm:style>
       <a:lnRef idx="2">
@@ -5338,6 +11694,7 @@
       <a:camera prst="orthographicFront"/>
       <a:lightRig rig="threePt" dir="t"/>
     </dgm:scene3d>
+    <dgm:sp3d/>
     <dgm:txPr/>
     <dgm:style>
       <a:lnRef idx="2">
@@ -5357,6 +11714,7 @@
       <a:camera prst="orthographicFront"/>
       <a:lightRig rig="threePt" dir="t"/>
     </dgm:scene3d>
+    <dgm:sp3d/>
     <dgm:txPr/>
     <dgm:style>
       <a:lnRef idx="2">
@@ -5376,6 +11734,7 @@
       <a:camera prst="orthographicFront"/>
       <a:lightRig rig="threePt" dir="t"/>
     </dgm:scene3d>
+    <dgm:sp3d/>
     <dgm:txPr/>
     <dgm:style>
       <a:lnRef idx="2">
@@ -5395,6 +11754,7 @@
       <a:camera prst="orthographicFront"/>
       <a:lightRig rig="threePt" dir="t"/>
     </dgm:scene3d>
+    <dgm:sp3d/>
     <dgm:txPr/>
     <dgm:style>
       <a:lnRef idx="2">
@@ -5414,6 +11774,7 @@
       <a:camera prst="orthographicFront"/>
       <a:lightRig rig="threePt" dir="t"/>
     </dgm:scene3d>
+    <dgm:sp3d/>
     <dgm:txPr/>
     <dgm:style>
       <a:lnRef idx="2">
@@ -5435,6 +11796,7 @@
       <a:camera prst="orthographicFront"/>
       <a:lightRig rig="threePt" dir="t"/>
     </dgm:scene3d>
+    <dgm:sp3d/>
     <dgm:txPr/>
     <dgm:style>
       <a:lnRef idx="2">
@@ -5456,6 +11818,7 @@
       <a:camera prst="orthographicFront"/>
       <a:lightRig rig="threePt" dir="t"/>
     </dgm:scene3d>
+    <dgm:sp3d/>
     <dgm:txPr/>
     <dgm:style>
       <a:lnRef idx="2">
@@ -5477,6 +11840,7 @@
       <a:camera prst="orthographicFront"/>
       <a:lightRig rig="threePt" dir="t"/>
     </dgm:scene3d>
+    <dgm:sp3d/>
     <dgm:txPr/>
     <dgm:style>
       <a:lnRef idx="2">
@@ -5498,6 +11862,7 @@
       <a:camera prst="orthographicFront"/>
       <a:lightRig rig="threePt" dir="t"/>
     </dgm:scene3d>
+    <dgm:sp3d/>
     <dgm:txPr/>
     <dgm:style>
       <a:lnRef idx="0">
@@ -5517,6 +11882,7 @@
       <a:camera prst="orthographicFront"/>
       <a:lightRig rig="threePt" dir="t"/>
     </dgm:scene3d>
+    <dgm:sp3d/>
     <dgm:txPr/>
     <dgm:style>
       <a:lnRef idx="1">
@@ -5536,6 +11902,7 @@
       <a:camera prst="orthographicFront"/>
       <a:lightRig rig="threePt" dir="t"/>
     </dgm:scene3d>
+    <dgm:sp3d/>
     <dgm:txPr/>
     <dgm:style>
       <a:lnRef idx="0">
@@ -5557,6 +11924,7 @@
       <a:camera prst="orthographicFront"/>
       <a:lightRig rig="threePt" dir="t"/>
     </dgm:scene3d>
+    <dgm:sp3d/>
     <dgm:txPr/>
     <dgm:style>
       <a:lnRef idx="2">
@@ -5576,6 +11944,7 @@
       <a:camera prst="orthographicFront"/>
       <a:lightRig rig="threePt" dir="t"/>
     </dgm:scene3d>
+    <dgm:sp3d/>
     <dgm:txPr/>
     <dgm:style>
       <a:lnRef idx="2">
@@ -5595,6 +11964,7 @@
       <a:camera prst="orthographicFront"/>
       <a:lightRig rig="threePt" dir="t"/>
     </dgm:scene3d>
+    <dgm:sp3d/>
     <dgm:txPr/>
     <dgm:style>
       <a:lnRef idx="2">
@@ -5614,6 +11984,7 @@
       <a:camera prst="orthographicFront"/>
       <a:lightRig rig="threePt" dir="t"/>
     </dgm:scene3d>
+    <dgm:sp3d/>
     <dgm:txPr/>
     <dgm:style>
       <a:lnRef idx="1">
@@ -5633,6 +12004,7 @@
       <a:camera prst="orthographicFront"/>
       <a:lightRig rig="threePt" dir="t"/>
     </dgm:scene3d>
+    <dgm:sp3d/>
     <dgm:txPr/>
     <dgm:style>
       <a:lnRef idx="0">
@@ -5652,6 +12024,7 @@
       <a:camera prst="orthographicFront"/>
       <a:lightRig rig="threePt" dir="t"/>
     </dgm:scene3d>
+    <dgm:sp3d/>
     <dgm:txPr/>
     <dgm:style>
       <a:lnRef idx="2">
@@ -5666,6 +12039,1040 @@
       <a:fontRef idx="minor">
         <a:schemeClr val="tx1"/>
       </a:fontRef>
+    </dgm:style>
+  </dgm:styleLbl>
+</dgm:styleDef>
+</file>
+
+<file path=ppt/diagrams/quickStyle3.xml><?xml version="1.0" encoding="utf-8"?>
+<dgm:styleDef xmlns:dgm="http://schemas.openxmlformats.org/drawingml/2006/diagram" xmlns:a="http://schemas.openxmlformats.org/drawingml/2006/main" uniqueId="urn:microsoft.com/office/officeart/2005/8/quickstyle/simple4">
+  <dgm:title val=""/>
+  <dgm:desc val=""/>
+  <dgm:catLst>
+    <dgm:cat type="simple" pri="10400"/>
+  </dgm:catLst>
+  <dgm:scene3d>
+    <a:camera prst="orthographicFront"/>
+    <a:lightRig rig="threePt" dir="t"/>
+  </dgm:scene3d>
+  <dgm:styleLbl name="node0">
+    <dgm:scene3d>
+      <a:camera prst="orthographicFront"/>
+      <a:lightRig rig="threePt" dir="t"/>
+    </dgm:scene3d>
+    <dgm:sp3d/>
+    <dgm:txPr/>
+    <dgm:style>
+      <a:lnRef idx="0">
+        <a:scrgbClr r="0" g="0" b="0"/>
+      </a:lnRef>
+      <a:fillRef idx="3">
+        <a:scrgbClr r="0" g="0" b="0"/>
+      </a:fillRef>
+      <a:effectRef idx="2">
+        <a:scrgbClr r="0" g="0" b="0"/>
+      </a:effectRef>
+      <a:fontRef idx="minor">
+        <a:schemeClr val="lt1"/>
+      </a:fontRef>
+    </dgm:style>
+  </dgm:styleLbl>
+  <dgm:styleLbl name="lnNode1">
+    <dgm:scene3d>
+      <a:camera prst="orthographicFront"/>
+      <a:lightRig rig="threePt" dir="t"/>
+    </dgm:scene3d>
+    <dgm:sp3d/>
+    <dgm:txPr/>
+    <dgm:style>
+      <a:lnRef idx="1">
+        <a:scrgbClr r="0" g="0" b="0"/>
+      </a:lnRef>
+      <a:fillRef idx="3">
+        <a:scrgbClr r="0" g="0" b="0"/>
+      </a:fillRef>
+      <a:effectRef idx="2">
+        <a:scrgbClr r="0" g="0" b="0"/>
+      </a:effectRef>
+      <a:fontRef idx="minor">
+        <a:schemeClr val="lt1"/>
+      </a:fontRef>
+    </dgm:style>
+  </dgm:styleLbl>
+  <dgm:styleLbl name="vennNode1">
+    <dgm:scene3d>
+      <a:camera prst="orthographicFront"/>
+      <a:lightRig rig="threePt" dir="t"/>
+    </dgm:scene3d>
+    <dgm:sp3d/>
+    <dgm:txPr/>
+    <dgm:style>
+      <a:lnRef idx="0">
+        <a:scrgbClr r="0" g="0" b="0"/>
+      </a:lnRef>
+      <a:fillRef idx="3">
+        <a:scrgbClr r="0" g="0" b="0"/>
+      </a:fillRef>
+      <a:effectRef idx="0">
+        <a:scrgbClr r="0" g="0" b="0"/>
+      </a:effectRef>
+      <a:fontRef idx="minor">
+        <a:schemeClr val="tx1"/>
+      </a:fontRef>
+    </dgm:style>
+  </dgm:styleLbl>
+  <dgm:styleLbl name="alignNode1">
+    <dgm:scene3d>
+      <a:camera prst="orthographicFront"/>
+      <a:lightRig rig="threePt" dir="t"/>
+    </dgm:scene3d>
+    <dgm:sp3d/>
+    <dgm:txPr/>
+    <dgm:style>
+      <a:lnRef idx="1">
+        <a:scrgbClr r="0" g="0" b="0"/>
+      </a:lnRef>
+      <a:fillRef idx="3">
+        <a:scrgbClr r="0" g="0" b="0"/>
+      </a:fillRef>
+      <a:effectRef idx="2">
+        <a:scrgbClr r="0" g="0" b="0"/>
+      </a:effectRef>
+      <a:fontRef idx="minor">
+        <a:schemeClr val="lt1"/>
+      </a:fontRef>
+    </dgm:style>
+  </dgm:styleLbl>
+  <dgm:styleLbl name="node1">
+    <dgm:scene3d>
+      <a:camera prst="orthographicFront"/>
+      <a:lightRig rig="threePt" dir="t"/>
+    </dgm:scene3d>
+    <dgm:sp3d/>
+    <dgm:txPr/>
+    <dgm:style>
+      <a:lnRef idx="0">
+        <a:scrgbClr r="0" g="0" b="0"/>
+      </a:lnRef>
+      <a:fillRef idx="3">
+        <a:scrgbClr r="0" g="0" b="0"/>
+      </a:fillRef>
+      <a:effectRef idx="2">
+        <a:scrgbClr r="0" g="0" b="0"/>
+      </a:effectRef>
+      <a:fontRef idx="minor">
+        <a:schemeClr val="lt1"/>
+      </a:fontRef>
+    </dgm:style>
+  </dgm:styleLbl>
+  <dgm:styleLbl name="node2">
+    <dgm:scene3d>
+      <a:camera prst="orthographicFront"/>
+      <a:lightRig rig="threePt" dir="t"/>
+    </dgm:scene3d>
+    <dgm:sp3d/>
+    <dgm:txPr/>
+    <dgm:style>
+      <a:lnRef idx="0">
+        <a:scrgbClr r="0" g="0" b="0"/>
+      </a:lnRef>
+      <a:fillRef idx="3">
+        <a:scrgbClr r="0" g="0" b="0"/>
+      </a:fillRef>
+      <a:effectRef idx="2">
+        <a:scrgbClr r="0" g="0" b="0"/>
+      </a:effectRef>
+      <a:fontRef idx="minor">
+        <a:schemeClr val="lt1"/>
+      </a:fontRef>
+    </dgm:style>
+  </dgm:styleLbl>
+  <dgm:styleLbl name="node3">
+    <dgm:scene3d>
+      <a:camera prst="orthographicFront"/>
+      <a:lightRig rig="threePt" dir="t"/>
+    </dgm:scene3d>
+    <dgm:sp3d/>
+    <dgm:txPr/>
+    <dgm:style>
+      <a:lnRef idx="0">
+        <a:scrgbClr r="0" g="0" b="0"/>
+      </a:lnRef>
+      <a:fillRef idx="3">
+        <a:scrgbClr r="0" g="0" b="0"/>
+      </a:fillRef>
+      <a:effectRef idx="2">
+        <a:scrgbClr r="0" g="0" b="0"/>
+      </a:effectRef>
+      <a:fontRef idx="minor">
+        <a:schemeClr val="lt1"/>
+      </a:fontRef>
+    </dgm:style>
+  </dgm:styleLbl>
+  <dgm:styleLbl name="node4">
+    <dgm:scene3d>
+      <a:camera prst="orthographicFront"/>
+      <a:lightRig rig="threePt" dir="t"/>
+    </dgm:scene3d>
+    <dgm:sp3d/>
+    <dgm:txPr/>
+    <dgm:style>
+      <a:lnRef idx="0">
+        <a:scrgbClr r="0" g="0" b="0"/>
+      </a:lnRef>
+      <a:fillRef idx="3">
+        <a:scrgbClr r="0" g="0" b="0"/>
+      </a:fillRef>
+      <a:effectRef idx="2">
+        <a:scrgbClr r="0" g="0" b="0"/>
+      </a:effectRef>
+      <a:fontRef idx="minor">
+        <a:schemeClr val="lt1"/>
+      </a:fontRef>
+    </dgm:style>
+  </dgm:styleLbl>
+  <dgm:styleLbl name="fgImgPlace1">
+    <dgm:scene3d>
+      <a:camera prst="orthographicFront"/>
+      <a:lightRig rig="threePt" dir="t"/>
+    </dgm:scene3d>
+    <dgm:sp3d/>
+    <dgm:txPr/>
+    <dgm:style>
+      <a:lnRef idx="0">
+        <a:scrgbClr r="0" g="0" b="0"/>
+      </a:lnRef>
+      <a:fillRef idx="1">
+        <a:scrgbClr r="0" g="0" b="0"/>
+      </a:fillRef>
+      <a:effectRef idx="2">
+        <a:scrgbClr r="0" g="0" b="0"/>
+      </a:effectRef>
+      <a:fontRef idx="minor"/>
+    </dgm:style>
+  </dgm:styleLbl>
+  <dgm:styleLbl name="alignImgPlace1">
+    <dgm:scene3d>
+      <a:camera prst="orthographicFront"/>
+      <a:lightRig rig="threePt" dir="t"/>
+    </dgm:scene3d>
+    <dgm:sp3d/>
+    <dgm:txPr/>
+    <dgm:style>
+      <a:lnRef idx="0">
+        <a:scrgbClr r="0" g="0" b="0"/>
+      </a:lnRef>
+      <a:fillRef idx="1">
+        <a:scrgbClr r="0" g="0" b="0"/>
+      </a:fillRef>
+      <a:effectRef idx="2">
+        <a:scrgbClr r="0" g="0" b="0"/>
+      </a:effectRef>
+      <a:fontRef idx="minor"/>
+    </dgm:style>
+  </dgm:styleLbl>
+  <dgm:styleLbl name="bgImgPlace1">
+    <dgm:scene3d>
+      <a:camera prst="orthographicFront"/>
+      <a:lightRig rig="threePt" dir="t"/>
+    </dgm:scene3d>
+    <dgm:sp3d/>
+    <dgm:txPr/>
+    <dgm:style>
+      <a:lnRef idx="0">
+        <a:scrgbClr r="0" g="0" b="0"/>
+      </a:lnRef>
+      <a:fillRef idx="1">
+        <a:scrgbClr r="0" g="0" b="0"/>
+      </a:fillRef>
+      <a:effectRef idx="2">
+        <a:scrgbClr r="0" g="0" b="0"/>
+      </a:effectRef>
+      <a:fontRef idx="minor"/>
+    </dgm:style>
+  </dgm:styleLbl>
+  <dgm:styleLbl name="sibTrans2D1">
+    <dgm:scene3d>
+      <a:camera prst="orthographicFront"/>
+      <a:lightRig rig="threePt" dir="t"/>
+    </dgm:scene3d>
+    <dgm:sp3d/>
+    <dgm:txPr/>
+    <dgm:style>
+      <a:lnRef idx="0">
+        <a:scrgbClr r="0" g="0" b="0"/>
+      </a:lnRef>
+      <a:fillRef idx="3">
+        <a:scrgbClr r="0" g="0" b="0"/>
+      </a:fillRef>
+      <a:effectRef idx="2">
+        <a:scrgbClr r="0" g="0" b="0"/>
+      </a:effectRef>
+      <a:fontRef idx="minor">
+        <a:schemeClr val="lt1"/>
+      </a:fontRef>
+    </dgm:style>
+  </dgm:styleLbl>
+  <dgm:styleLbl name="fgSibTrans2D1">
+    <dgm:scene3d>
+      <a:camera prst="orthographicFront"/>
+      <a:lightRig rig="threePt" dir="t"/>
+    </dgm:scene3d>
+    <dgm:sp3d/>
+    <dgm:txPr/>
+    <dgm:style>
+      <a:lnRef idx="0">
+        <a:scrgbClr r="0" g="0" b="0"/>
+      </a:lnRef>
+      <a:fillRef idx="3">
+        <a:scrgbClr r="0" g="0" b="0"/>
+      </a:fillRef>
+      <a:effectRef idx="2">
+        <a:scrgbClr r="0" g="0" b="0"/>
+      </a:effectRef>
+      <a:fontRef idx="minor">
+        <a:schemeClr val="lt1"/>
+      </a:fontRef>
+    </dgm:style>
+  </dgm:styleLbl>
+  <dgm:styleLbl name="bgSibTrans2D1">
+    <dgm:scene3d>
+      <a:camera prst="orthographicFront"/>
+      <a:lightRig rig="threePt" dir="t"/>
+    </dgm:scene3d>
+    <dgm:sp3d/>
+    <dgm:txPr/>
+    <dgm:style>
+      <a:lnRef idx="0">
+        <a:scrgbClr r="0" g="0" b="0"/>
+      </a:lnRef>
+      <a:fillRef idx="3">
+        <a:scrgbClr r="0" g="0" b="0"/>
+      </a:fillRef>
+      <a:effectRef idx="2">
+        <a:scrgbClr r="0" g="0" b="0"/>
+      </a:effectRef>
+      <a:fontRef idx="minor">
+        <a:schemeClr val="lt1"/>
+      </a:fontRef>
+    </dgm:style>
+  </dgm:styleLbl>
+  <dgm:styleLbl name="sibTrans1D1">
+    <dgm:scene3d>
+      <a:camera prst="orthographicFront"/>
+      <a:lightRig rig="threePt" dir="t"/>
+    </dgm:scene3d>
+    <dgm:sp3d/>
+    <dgm:txPr/>
+    <dgm:style>
+      <a:lnRef idx="1">
+        <a:scrgbClr r="0" g="0" b="0"/>
+      </a:lnRef>
+      <a:fillRef idx="0">
+        <a:scrgbClr r="0" g="0" b="0"/>
+      </a:fillRef>
+      <a:effectRef idx="0">
+        <a:scrgbClr r="0" g="0" b="0"/>
+      </a:effectRef>
+      <a:fontRef idx="minor"/>
+    </dgm:style>
+  </dgm:styleLbl>
+  <dgm:styleLbl name="callout">
+    <dgm:scene3d>
+      <a:camera prst="orthographicFront"/>
+      <a:lightRig rig="threePt" dir="t"/>
+    </dgm:scene3d>
+    <dgm:sp3d/>
+    <dgm:txPr/>
+    <dgm:style>
+      <a:lnRef idx="2">
+        <a:scrgbClr r="0" g="0" b="0"/>
+      </a:lnRef>
+      <a:fillRef idx="1">
+        <a:scrgbClr r="0" g="0" b="0"/>
+      </a:fillRef>
+      <a:effectRef idx="1">
+        <a:scrgbClr r="0" g="0" b="0"/>
+      </a:effectRef>
+      <a:fontRef idx="minor"/>
+    </dgm:style>
+  </dgm:styleLbl>
+  <dgm:styleLbl name="asst0">
+    <dgm:scene3d>
+      <a:camera prst="orthographicFront"/>
+      <a:lightRig rig="threePt" dir="t"/>
+    </dgm:scene3d>
+    <dgm:sp3d/>
+    <dgm:txPr/>
+    <dgm:style>
+      <a:lnRef idx="0">
+        <a:scrgbClr r="0" g="0" b="0"/>
+      </a:lnRef>
+      <a:fillRef idx="3">
+        <a:scrgbClr r="0" g="0" b="0"/>
+      </a:fillRef>
+      <a:effectRef idx="2">
+        <a:scrgbClr r="0" g="0" b="0"/>
+      </a:effectRef>
+      <a:fontRef idx="minor">
+        <a:schemeClr val="lt1"/>
+      </a:fontRef>
+    </dgm:style>
+  </dgm:styleLbl>
+  <dgm:styleLbl name="asst1">
+    <dgm:scene3d>
+      <a:camera prst="orthographicFront"/>
+      <a:lightRig rig="threePt" dir="t"/>
+    </dgm:scene3d>
+    <dgm:sp3d/>
+    <dgm:txPr/>
+    <dgm:style>
+      <a:lnRef idx="0">
+        <a:scrgbClr r="0" g="0" b="0"/>
+      </a:lnRef>
+      <a:fillRef idx="3">
+        <a:scrgbClr r="0" g="0" b="0"/>
+      </a:fillRef>
+      <a:effectRef idx="2">
+        <a:scrgbClr r="0" g="0" b="0"/>
+      </a:effectRef>
+      <a:fontRef idx="minor">
+        <a:schemeClr val="lt1"/>
+      </a:fontRef>
+    </dgm:style>
+  </dgm:styleLbl>
+  <dgm:styleLbl name="asst2">
+    <dgm:scene3d>
+      <a:camera prst="orthographicFront"/>
+      <a:lightRig rig="threePt" dir="t"/>
+    </dgm:scene3d>
+    <dgm:sp3d/>
+    <dgm:txPr/>
+    <dgm:style>
+      <a:lnRef idx="0">
+        <a:scrgbClr r="0" g="0" b="0"/>
+      </a:lnRef>
+      <a:fillRef idx="3">
+        <a:scrgbClr r="0" g="0" b="0"/>
+      </a:fillRef>
+      <a:effectRef idx="2">
+        <a:scrgbClr r="0" g="0" b="0"/>
+      </a:effectRef>
+      <a:fontRef idx="minor">
+        <a:schemeClr val="lt1"/>
+      </a:fontRef>
+    </dgm:style>
+  </dgm:styleLbl>
+  <dgm:styleLbl name="asst3">
+    <dgm:scene3d>
+      <a:camera prst="orthographicFront"/>
+      <a:lightRig rig="threePt" dir="t"/>
+    </dgm:scene3d>
+    <dgm:sp3d/>
+    <dgm:txPr/>
+    <dgm:style>
+      <a:lnRef idx="0">
+        <a:scrgbClr r="0" g="0" b="0"/>
+      </a:lnRef>
+      <a:fillRef idx="3">
+        <a:scrgbClr r="0" g="0" b="0"/>
+      </a:fillRef>
+      <a:effectRef idx="2">
+        <a:scrgbClr r="0" g="0" b="0"/>
+      </a:effectRef>
+      <a:fontRef idx="minor">
+        <a:schemeClr val="lt1"/>
+      </a:fontRef>
+    </dgm:style>
+  </dgm:styleLbl>
+  <dgm:styleLbl name="asst4">
+    <dgm:scene3d>
+      <a:camera prst="orthographicFront"/>
+      <a:lightRig rig="threePt" dir="t"/>
+    </dgm:scene3d>
+    <dgm:sp3d/>
+    <dgm:txPr/>
+    <dgm:style>
+      <a:lnRef idx="0">
+        <a:scrgbClr r="0" g="0" b="0"/>
+      </a:lnRef>
+      <a:fillRef idx="3">
+        <a:scrgbClr r="0" g="0" b="0"/>
+      </a:fillRef>
+      <a:effectRef idx="2">
+        <a:scrgbClr r="0" g="0" b="0"/>
+      </a:effectRef>
+      <a:fontRef idx="minor">
+        <a:schemeClr val="lt1"/>
+      </a:fontRef>
+    </dgm:style>
+  </dgm:styleLbl>
+  <dgm:styleLbl name="parChTrans2D1">
+    <dgm:scene3d>
+      <a:camera prst="orthographicFront"/>
+      <a:lightRig rig="threePt" dir="t"/>
+    </dgm:scene3d>
+    <dgm:sp3d/>
+    <dgm:txPr/>
+    <dgm:style>
+      <a:lnRef idx="0">
+        <a:scrgbClr r="0" g="0" b="0"/>
+      </a:lnRef>
+      <a:fillRef idx="3">
+        <a:scrgbClr r="0" g="0" b="0"/>
+      </a:fillRef>
+      <a:effectRef idx="2">
+        <a:scrgbClr r="0" g="0" b="0"/>
+      </a:effectRef>
+      <a:fontRef idx="minor">
+        <a:schemeClr val="lt1"/>
+      </a:fontRef>
+    </dgm:style>
+  </dgm:styleLbl>
+  <dgm:styleLbl name="parChTrans2D2">
+    <dgm:scene3d>
+      <a:camera prst="orthographicFront"/>
+      <a:lightRig rig="threePt" dir="t"/>
+    </dgm:scene3d>
+    <dgm:sp3d/>
+    <dgm:txPr/>
+    <dgm:style>
+      <a:lnRef idx="0">
+        <a:scrgbClr r="0" g="0" b="0"/>
+      </a:lnRef>
+      <a:fillRef idx="3">
+        <a:scrgbClr r="0" g="0" b="0"/>
+      </a:fillRef>
+      <a:effectRef idx="2">
+        <a:scrgbClr r="0" g="0" b="0"/>
+      </a:effectRef>
+      <a:fontRef idx="minor">
+        <a:schemeClr val="lt1"/>
+      </a:fontRef>
+    </dgm:style>
+  </dgm:styleLbl>
+  <dgm:styleLbl name="parChTrans2D3">
+    <dgm:scene3d>
+      <a:camera prst="orthographicFront"/>
+      <a:lightRig rig="threePt" dir="t"/>
+    </dgm:scene3d>
+    <dgm:sp3d/>
+    <dgm:txPr/>
+    <dgm:style>
+      <a:lnRef idx="1">
+        <a:scrgbClr r="0" g="0" b="0"/>
+      </a:lnRef>
+      <a:fillRef idx="3">
+        <a:scrgbClr r="0" g="0" b="0"/>
+      </a:fillRef>
+      <a:effectRef idx="2">
+        <a:scrgbClr r="0" g="0" b="0"/>
+      </a:effectRef>
+      <a:fontRef idx="minor">
+        <a:schemeClr val="lt1"/>
+      </a:fontRef>
+    </dgm:style>
+  </dgm:styleLbl>
+  <dgm:styleLbl name="parChTrans2D4">
+    <dgm:scene3d>
+      <a:camera prst="orthographicFront"/>
+      <a:lightRig rig="threePt" dir="t"/>
+    </dgm:scene3d>
+    <dgm:sp3d/>
+    <dgm:txPr/>
+    <dgm:style>
+      <a:lnRef idx="1">
+        <a:scrgbClr r="0" g="0" b="0"/>
+      </a:lnRef>
+      <a:fillRef idx="3">
+        <a:scrgbClr r="0" g="0" b="0"/>
+      </a:fillRef>
+      <a:effectRef idx="2">
+        <a:scrgbClr r="0" g="0" b="0"/>
+      </a:effectRef>
+      <a:fontRef idx="minor">
+        <a:schemeClr val="lt1"/>
+      </a:fontRef>
+    </dgm:style>
+  </dgm:styleLbl>
+  <dgm:styleLbl name="parChTrans1D1">
+    <dgm:scene3d>
+      <a:camera prst="orthographicFront"/>
+      <a:lightRig rig="threePt" dir="t"/>
+    </dgm:scene3d>
+    <dgm:sp3d/>
+    <dgm:txPr/>
+    <dgm:style>
+      <a:lnRef idx="1">
+        <a:scrgbClr r="0" g="0" b="0"/>
+      </a:lnRef>
+      <a:fillRef idx="0">
+        <a:scrgbClr r="0" g="0" b="0"/>
+      </a:fillRef>
+      <a:effectRef idx="0">
+        <a:scrgbClr r="0" g="0" b="0"/>
+      </a:effectRef>
+      <a:fontRef idx="minor"/>
+    </dgm:style>
+  </dgm:styleLbl>
+  <dgm:styleLbl name="parChTrans1D2">
+    <dgm:scene3d>
+      <a:camera prst="orthographicFront"/>
+      <a:lightRig rig="threePt" dir="t"/>
+    </dgm:scene3d>
+    <dgm:sp3d/>
+    <dgm:txPr/>
+    <dgm:style>
+      <a:lnRef idx="1">
+        <a:scrgbClr r="0" g="0" b="0"/>
+      </a:lnRef>
+      <a:fillRef idx="0">
+        <a:scrgbClr r="0" g="0" b="0"/>
+      </a:fillRef>
+      <a:effectRef idx="0">
+        <a:scrgbClr r="0" g="0" b="0"/>
+      </a:effectRef>
+      <a:fontRef idx="minor"/>
+    </dgm:style>
+  </dgm:styleLbl>
+  <dgm:styleLbl name="parChTrans1D3">
+    <dgm:scene3d>
+      <a:camera prst="orthographicFront"/>
+      <a:lightRig rig="threePt" dir="t"/>
+    </dgm:scene3d>
+    <dgm:sp3d/>
+    <dgm:txPr/>
+    <dgm:style>
+      <a:lnRef idx="1">
+        <a:scrgbClr r="0" g="0" b="0"/>
+      </a:lnRef>
+      <a:fillRef idx="0">
+        <a:scrgbClr r="0" g="0" b="0"/>
+      </a:fillRef>
+      <a:effectRef idx="0">
+        <a:scrgbClr r="0" g="0" b="0"/>
+      </a:effectRef>
+      <a:fontRef idx="minor"/>
+    </dgm:style>
+  </dgm:styleLbl>
+  <dgm:styleLbl name="parChTrans1D4">
+    <dgm:scene3d>
+      <a:camera prst="orthographicFront"/>
+      <a:lightRig rig="threePt" dir="t"/>
+    </dgm:scene3d>
+    <dgm:sp3d/>
+    <dgm:txPr/>
+    <dgm:style>
+      <a:lnRef idx="1">
+        <a:scrgbClr r="0" g="0" b="0"/>
+      </a:lnRef>
+      <a:fillRef idx="0">
+        <a:scrgbClr r="0" g="0" b="0"/>
+      </a:fillRef>
+      <a:effectRef idx="0">
+        <a:scrgbClr r="0" g="0" b="0"/>
+      </a:effectRef>
+      <a:fontRef idx="minor"/>
+    </dgm:style>
+  </dgm:styleLbl>
+  <dgm:styleLbl name="fgAcc1">
+    <dgm:scene3d>
+      <a:camera prst="orthographicFront"/>
+      <a:lightRig rig="threePt" dir="t"/>
+    </dgm:scene3d>
+    <dgm:sp3d/>
+    <dgm:txPr/>
+    <dgm:style>
+      <a:lnRef idx="1">
+        <a:scrgbClr r="0" g="0" b="0"/>
+      </a:lnRef>
+      <a:fillRef idx="1">
+        <a:scrgbClr r="0" g="0" b="0"/>
+      </a:fillRef>
+      <a:effectRef idx="0">
+        <a:scrgbClr r="0" g="0" b="0"/>
+      </a:effectRef>
+      <a:fontRef idx="minor"/>
+    </dgm:style>
+  </dgm:styleLbl>
+  <dgm:styleLbl name="conFgAcc1">
+    <dgm:scene3d>
+      <a:camera prst="orthographicFront"/>
+      <a:lightRig rig="threePt" dir="t"/>
+    </dgm:scene3d>
+    <dgm:sp3d/>
+    <dgm:txPr/>
+    <dgm:style>
+      <a:lnRef idx="1">
+        <a:scrgbClr r="0" g="0" b="0"/>
+      </a:lnRef>
+      <a:fillRef idx="1">
+        <a:scrgbClr r="0" g="0" b="0"/>
+      </a:fillRef>
+      <a:effectRef idx="0">
+        <a:scrgbClr r="0" g="0" b="0"/>
+      </a:effectRef>
+      <a:fontRef idx="minor"/>
+    </dgm:style>
+  </dgm:styleLbl>
+  <dgm:styleLbl name="alignAcc1">
+    <dgm:scene3d>
+      <a:camera prst="orthographicFront"/>
+      <a:lightRig rig="threePt" dir="t"/>
+    </dgm:scene3d>
+    <dgm:sp3d/>
+    <dgm:txPr/>
+    <dgm:style>
+      <a:lnRef idx="1">
+        <a:scrgbClr r="0" g="0" b="0"/>
+      </a:lnRef>
+      <a:fillRef idx="1">
+        <a:scrgbClr r="0" g="0" b="0"/>
+      </a:fillRef>
+      <a:effectRef idx="0">
+        <a:scrgbClr r="0" g="0" b="0"/>
+      </a:effectRef>
+      <a:fontRef idx="minor"/>
+    </dgm:style>
+  </dgm:styleLbl>
+  <dgm:styleLbl name="trAlignAcc1">
+    <dgm:scene3d>
+      <a:camera prst="orthographicFront"/>
+      <a:lightRig rig="threePt" dir="t"/>
+    </dgm:scene3d>
+    <dgm:sp3d/>
+    <dgm:txPr/>
+    <dgm:style>
+      <a:lnRef idx="1">
+        <a:scrgbClr r="0" g="0" b="0"/>
+      </a:lnRef>
+      <a:fillRef idx="1">
+        <a:scrgbClr r="0" g="0" b="0"/>
+      </a:fillRef>
+      <a:effectRef idx="0">
+        <a:scrgbClr r="0" g="0" b="0"/>
+      </a:effectRef>
+      <a:fontRef idx="minor"/>
+    </dgm:style>
+  </dgm:styleLbl>
+  <dgm:styleLbl name="bgAcc1">
+    <dgm:scene3d>
+      <a:camera prst="orthographicFront"/>
+      <a:lightRig rig="threePt" dir="t"/>
+    </dgm:scene3d>
+    <dgm:sp3d/>
+    <dgm:txPr/>
+    <dgm:style>
+      <a:lnRef idx="1">
+        <a:scrgbClr r="0" g="0" b="0"/>
+      </a:lnRef>
+      <a:fillRef idx="1">
+        <a:scrgbClr r="0" g="0" b="0"/>
+      </a:fillRef>
+      <a:effectRef idx="0">
+        <a:scrgbClr r="0" g="0" b="0"/>
+      </a:effectRef>
+      <a:fontRef idx="minor"/>
+    </dgm:style>
+  </dgm:styleLbl>
+  <dgm:styleLbl name="solidFgAcc1">
+    <dgm:scene3d>
+      <a:camera prst="orthographicFront"/>
+      <a:lightRig rig="threePt" dir="t"/>
+    </dgm:scene3d>
+    <dgm:sp3d/>
+    <dgm:txPr/>
+    <dgm:style>
+      <a:lnRef idx="1">
+        <a:scrgbClr r="0" g="0" b="0"/>
+      </a:lnRef>
+      <a:fillRef idx="1">
+        <a:scrgbClr r="0" g="0" b="0"/>
+      </a:fillRef>
+      <a:effectRef idx="0">
+        <a:scrgbClr r="0" g="0" b="0"/>
+      </a:effectRef>
+      <a:fontRef idx="minor"/>
+    </dgm:style>
+  </dgm:styleLbl>
+  <dgm:styleLbl name="solidAlignAcc1">
+    <dgm:scene3d>
+      <a:camera prst="orthographicFront"/>
+      <a:lightRig rig="threePt" dir="t"/>
+    </dgm:scene3d>
+    <dgm:sp3d/>
+    <dgm:txPr/>
+    <dgm:style>
+      <a:lnRef idx="1">
+        <a:scrgbClr r="0" g="0" b="0"/>
+      </a:lnRef>
+      <a:fillRef idx="1">
+        <a:scrgbClr r="0" g="0" b="0"/>
+      </a:fillRef>
+      <a:effectRef idx="0">
+        <a:scrgbClr r="0" g="0" b="0"/>
+      </a:effectRef>
+      <a:fontRef idx="minor"/>
+    </dgm:style>
+  </dgm:styleLbl>
+  <dgm:styleLbl name="solidBgAcc1">
+    <dgm:scene3d>
+      <a:camera prst="orthographicFront"/>
+      <a:lightRig rig="threePt" dir="t"/>
+    </dgm:scene3d>
+    <dgm:sp3d/>
+    <dgm:txPr/>
+    <dgm:style>
+      <a:lnRef idx="1">
+        <a:scrgbClr r="0" g="0" b="0"/>
+      </a:lnRef>
+      <a:fillRef idx="1">
+        <a:scrgbClr r="0" g="0" b="0"/>
+      </a:fillRef>
+      <a:effectRef idx="0">
+        <a:scrgbClr r="0" g="0" b="0"/>
+      </a:effectRef>
+      <a:fontRef idx="minor"/>
+    </dgm:style>
+  </dgm:styleLbl>
+  <dgm:styleLbl name="fgAccFollowNode1">
+    <dgm:scene3d>
+      <a:camera prst="orthographicFront"/>
+      <a:lightRig rig="threePt" dir="t"/>
+    </dgm:scene3d>
+    <dgm:sp3d/>
+    <dgm:txPr/>
+    <dgm:style>
+      <a:lnRef idx="1">
+        <a:scrgbClr r="0" g="0" b="0"/>
+      </a:lnRef>
+      <a:fillRef idx="1">
+        <a:scrgbClr r="0" g="0" b="0"/>
+      </a:fillRef>
+      <a:effectRef idx="0">
+        <a:scrgbClr r="0" g="0" b="0"/>
+      </a:effectRef>
+      <a:fontRef idx="minor"/>
+    </dgm:style>
+  </dgm:styleLbl>
+  <dgm:styleLbl name="alignAccFollowNode1">
+    <dgm:scene3d>
+      <a:camera prst="orthographicFront"/>
+      <a:lightRig rig="threePt" dir="t"/>
+    </dgm:scene3d>
+    <dgm:sp3d/>
+    <dgm:txPr/>
+    <dgm:style>
+      <a:lnRef idx="1">
+        <a:scrgbClr r="0" g="0" b="0"/>
+      </a:lnRef>
+      <a:fillRef idx="1">
+        <a:scrgbClr r="0" g="0" b="0"/>
+      </a:fillRef>
+      <a:effectRef idx="0">
+        <a:scrgbClr r="0" g="0" b="0"/>
+      </a:effectRef>
+      <a:fontRef idx="minor"/>
+    </dgm:style>
+  </dgm:styleLbl>
+  <dgm:styleLbl name="bgAccFollowNode1">
+    <dgm:scene3d>
+      <a:camera prst="orthographicFront"/>
+      <a:lightRig rig="threePt" dir="t"/>
+    </dgm:scene3d>
+    <dgm:sp3d/>
+    <dgm:txPr/>
+    <dgm:style>
+      <a:lnRef idx="1">
+        <a:scrgbClr r="0" g="0" b="0"/>
+      </a:lnRef>
+      <a:fillRef idx="1">
+        <a:scrgbClr r="0" g="0" b="0"/>
+      </a:fillRef>
+      <a:effectRef idx="0">
+        <a:scrgbClr r="0" g="0" b="0"/>
+      </a:effectRef>
+      <a:fontRef idx="minor"/>
+    </dgm:style>
+  </dgm:styleLbl>
+  <dgm:styleLbl name="fgAcc0">
+    <dgm:scene3d>
+      <a:camera prst="orthographicFront"/>
+      <a:lightRig rig="threePt" dir="t"/>
+    </dgm:scene3d>
+    <dgm:sp3d/>
+    <dgm:txPr/>
+    <dgm:style>
+      <a:lnRef idx="1">
+        <a:scrgbClr r="0" g="0" b="0"/>
+      </a:lnRef>
+      <a:fillRef idx="1">
+        <a:scrgbClr r="0" g="0" b="0"/>
+      </a:fillRef>
+      <a:effectRef idx="0">
+        <a:scrgbClr r="0" g="0" b="0"/>
+      </a:effectRef>
+      <a:fontRef idx="minor"/>
+    </dgm:style>
+  </dgm:styleLbl>
+  <dgm:styleLbl name="fgAcc2">
+    <dgm:scene3d>
+      <a:camera prst="orthographicFront"/>
+      <a:lightRig rig="threePt" dir="t"/>
+    </dgm:scene3d>
+    <dgm:sp3d/>
+    <dgm:txPr/>
+    <dgm:style>
+      <a:lnRef idx="1">
+        <a:scrgbClr r="0" g="0" b="0"/>
+      </a:lnRef>
+      <a:fillRef idx="1">
+        <a:scrgbClr r="0" g="0" b="0"/>
+      </a:fillRef>
+      <a:effectRef idx="0">
+        <a:scrgbClr r="0" g="0" b="0"/>
+      </a:effectRef>
+      <a:fontRef idx="minor"/>
+    </dgm:style>
+  </dgm:styleLbl>
+  <dgm:styleLbl name="fgAcc3">
+    <dgm:scene3d>
+      <a:camera prst="orthographicFront"/>
+      <a:lightRig rig="threePt" dir="t"/>
+    </dgm:scene3d>
+    <dgm:sp3d/>
+    <dgm:txPr/>
+    <dgm:style>
+      <a:lnRef idx="1">
+        <a:scrgbClr r="0" g="0" b="0"/>
+      </a:lnRef>
+      <a:fillRef idx="1">
+        <a:scrgbClr r="0" g="0" b="0"/>
+      </a:fillRef>
+      <a:effectRef idx="0">
+        <a:scrgbClr r="0" g="0" b="0"/>
+      </a:effectRef>
+      <a:fontRef idx="minor"/>
+    </dgm:style>
+  </dgm:styleLbl>
+  <dgm:styleLbl name="fgAcc4">
+    <dgm:scene3d>
+      <a:camera prst="orthographicFront"/>
+      <a:lightRig rig="threePt" dir="t"/>
+    </dgm:scene3d>
+    <dgm:sp3d/>
+    <dgm:txPr/>
+    <dgm:style>
+      <a:lnRef idx="1">
+        <a:scrgbClr r="0" g="0" b="0"/>
+      </a:lnRef>
+      <a:fillRef idx="1">
+        <a:scrgbClr r="0" g="0" b="0"/>
+      </a:fillRef>
+      <a:effectRef idx="0">
+        <a:scrgbClr r="0" g="0" b="0"/>
+      </a:effectRef>
+      <a:fontRef idx="minor"/>
+    </dgm:style>
+  </dgm:styleLbl>
+  <dgm:styleLbl name="bgShp">
+    <dgm:scene3d>
+      <a:camera prst="orthographicFront"/>
+      <a:lightRig rig="threePt" dir="t"/>
+    </dgm:scene3d>
+    <dgm:sp3d/>
+    <dgm:txPr/>
+    <dgm:style>
+      <a:lnRef idx="0">
+        <a:scrgbClr r="0" g="0" b="0"/>
+      </a:lnRef>
+      <a:fillRef idx="1">
+        <a:scrgbClr r="0" g="0" b="0"/>
+      </a:fillRef>
+      <a:effectRef idx="2">
+        <a:scrgbClr r="0" g="0" b="0"/>
+      </a:effectRef>
+      <a:fontRef idx="minor"/>
+    </dgm:style>
+  </dgm:styleLbl>
+  <dgm:styleLbl name="dkBgShp">
+    <dgm:scene3d>
+      <a:camera prst="orthographicFront"/>
+      <a:lightRig rig="threePt" dir="t"/>
+    </dgm:scene3d>
+    <dgm:sp3d/>
+    <dgm:txPr/>
+    <dgm:style>
+      <a:lnRef idx="0">
+        <a:scrgbClr r="0" g="0" b="0"/>
+      </a:lnRef>
+      <a:fillRef idx="1">
+        <a:scrgbClr r="0" g="0" b="0"/>
+      </a:fillRef>
+      <a:effectRef idx="2">
+        <a:scrgbClr r="0" g="0" b="0"/>
+      </a:effectRef>
+      <a:fontRef idx="minor"/>
+    </dgm:style>
+  </dgm:styleLbl>
+  <dgm:styleLbl name="trBgShp">
+    <dgm:scene3d>
+      <a:camera prst="orthographicFront"/>
+      <a:lightRig rig="threePt" dir="t"/>
+    </dgm:scene3d>
+    <dgm:sp3d/>
+    <dgm:txPr/>
+    <dgm:style>
+      <a:lnRef idx="0">
+        <a:scrgbClr r="0" g="0" b="0"/>
+      </a:lnRef>
+      <a:fillRef idx="1">
+        <a:scrgbClr r="0" g="0" b="0"/>
+      </a:fillRef>
+      <a:effectRef idx="0">
+        <a:scrgbClr r="0" g="0" b="0"/>
+      </a:effectRef>
+      <a:fontRef idx="minor"/>
+    </dgm:style>
+  </dgm:styleLbl>
+  <dgm:styleLbl name="fgShp">
+    <dgm:scene3d>
+      <a:camera prst="orthographicFront"/>
+      <a:lightRig rig="threePt" dir="t"/>
+    </dgm:scene3d>
+    <dgm:sp3d/>
+    <dgm:txPr/>
+    <dgm:style>
+      <a:lnRef idx="0">
+        <a:scrgbClr r="0" g="0" b="0"/>
+      </a:lnRef>
+      <a:fillRef idx="3">
+        <a:scrgbClr r="0" g="0" b="0"/>
+      </a:fillRef>
+      <a:effectRef idx="2">
+        <a:scrgbClr r="0" g="0" b="0"/>
+      </a:effectRef>
+      <a:fontRef idx="minor"/>
+    </dgm:style>
+  </dgm:styleLbl>
+  <dgm:styleLbl name="revTx">
+    <dgm:scene3d>
+      <a:camera prst="orthographicFront"/>
+      <a:lightRig rig="threePt" dir="t"/>
+    </dgm:scene3d>
+    <dgm:sp3d/>
+    <dgm:txPr/>
+    <dgm:style>
+      <a:lnRef idx="0">
+        <a:scrgbClr r="0" g="0" b="0"/>
+      </a:lnRef>
+      <a:fillRef idx="0">
+        <a:scrgbClr r="0" g="0" b="0"/>
+      </a:fillRef>
+      <a:effectRef idx="0">
+        <a:scrgbClr r="0" g="0" b="0"/>
+      </a:effectRef>
+      <a:fontRef idx="minor"/>
     </dgm:style>
   </dgm:styleLbl>
 </dgm:styleDef>
@@ -5753,6 +13160,7 @@
           <a:p>
             <a:fld id="{EB5F2A4E-D34B-4806-99A1-02910183DDE4}" type="datetimeFigureOut">
               <a:rPr lang="zh-CN" altLang="en-US" smtClean="0"/>
+              <a:t>2019/9/6</a:t>
             </a:fld>
             <a:endParaRPr lang="zh-CN" altLang="en-US"/>
           </a:p>
@@ -5819,7 +13227,6 @@
               <a:rPr lang="zh-CN" altLang="en-US"/>
               <a:t>编辑母版文本样式</a:t>
             </a:r>
-            <a:endParaRPr lang="zh-CN" altLang="en-US"/>
           </a:p>
           <a:p>
             <a:pPr lvl="1"/>
@@ -5827,7 +13234,6 @@
               <a:rPr lang="zh-CN" altLang="en-US"/>
               <a:t>第二级</a:t>
             </a:r>
-            <a:endParaRPr lang="zh-CN" altLang="en-US"/>
           </a:p>
           <a:p>
             <a:pPr lvl="2"/>
@@ -5835,7 +13241,6 @@
               <a:rPr lang="zh-CN" altLang="en-US"/>
               <a:t>第三级</a:t>
             </a:r>
-            <a:endParaRPr lang="zh-CN" altLang="en-US"/>
           </a:p>
           <a:p>
             <a:pPr lvl="3"/>
@@ -5843,7 +13248,6 @@
               <a:rPr lang="zh-CN" altLang="en-US"/>
               <a:t>第四级</a:t>
             </a:r>
-            <a:endParaRPr lang="zh-CN" altLang="en-US"/>
           </a:p>
           <a:p>
             <a:pPr lvl="4"/>
@@ -5851,7 +13255,6 @@
               <a:rPr lang="zh-CN" altLang="en-US"/>
               <a:t>第五级</a:t>
             </a:r>
-            <a:endParaRPr lang="zh-CN" altLang="en-US"/>
           </a:p>
         </p:txBody>
       </p:sp>
@@ -5915,6 +13318,7 @@
           <a:p>
             <a:fld id="{FD1E3519-AA41-4C8F-81B1-98F81BDCD14B}" type="slidenum">
               <a:rPr lang="zh-CN" altLang="en-US" smtClean="0"/>
+              <a:t>‹#›</a:t>
             </a:fld>
             <a:endParaRPr lang="zh-CN" altLang="en-US"/>
           </a:p>
@@ -6027,11 +13431,20 @@
         <p:cNvGrpSpPr/>
         <p:nvPr/>
       </p:nvGrpSpPr>
-      <p:grpSpPr/>
+      <p:grpSpPr>
+        <a:xfrm>
+          <a:off x="0" y="0"/>
+          <a:ext cx="0" cy="0"/>
+          <a:chOff x="0" y="0"/>
+          <a:chExt cx="0" cy="0"/>
+        </a:xfrm>
+      </p:grpSpPr>
       <p:sp>
         <p:nvSpPr>
           <p:cNvPr id="2" name="幻灯片图像占位符 1"/>
-          <p:cNvSpPr/>
+          <p:cNvSpPr>
+            <a:spLocks noGrp="1" noRot="1" noChangeAspect="1"/>
+          </p:cNvSpPr>
           <p:nvPr>
             <p:ph type="sldImg" idx="2"/>
           </p:nvPr>
@@ -6041,7 +13454,9 @@
       <p:sp>
         <p:nvSpPr>
           <p:cNvPr id="3" name="文本占位符 2"/>
-          <p:cNvSpPr/>
+          <p:cNvSpPr>
+            <a:spLocks noGrp="1"/>
+          </p:cNvSpPr>
           <p:nvPr>
             <p:ph type="body" idx="3"/>
           </p:nvPr>
@@ -6049,6 +13464,7 @@
         <p:spPr/>
         <p:txBody>
           <a:bodyPr/>
+          <a:lstStyle/>
           <a:p>
             <a:endParaRPr lang="zh-CN" altLang="en-US"/>
           </a:p>
@@ -6071,11 +13487,20 @@
         <p:cNvGrpSpPr/>
         <p:nvPr/>
       </p:nvGrpSpPr>
-      <p:grpSpPr/>
+      <p:grpSpPr>
+        <a:xfrm>
+          <a:off x="0" y="0"/>
+          <a:ext cx="0" cy="0"/>
+          <a:chOff x="0" y="0"/>
+          <a:chExt cx="0" cy="0"/>
+        </a:xfrm>
+      </p:grpSpPr>
       <p:sp>
         <p:nvSpPr>
           <p:cNvPr id="2" name="幻灯片图像占位符 1"/>
-          <p:cNvSpPr/>
+          <p:cNvSpPr>
+            <a:spLocks noGrp="1" noRot="1" noChangeAspect="1"/>
+          </p:cNvSpPr>
           <p:nvPr>
             <p:ph type="sldImg" idx="2"/>
           </p:nvPr>
@@ -6085,7 +13510,9 @@
       <p:sp>
         <p:nvSpPr>
           <p:cNvPr id="3" name="文本占位符 2"/>
-          <p:cNvSpPr/>
+          <p:cNvSpPr>
+            <a:spLocks noGrp="1"/>
+          </p:cNvSpPr>
           <p:nvPr>
             <p:ph type="body" idx="3"/>
           </p:nvPr>
@@ -6093,6 +13520,7 @@
         <p:spPr/>
         <p:txBody>
           <a:bodyPr/>
+          <a:lstStyle/>
           <a:p>
             <a:endParaRPr lang="zh-CN" altLang="en-US"/>
           </a:p>
@@ -6107,7 +13535,7 @@
 </file>
 
 <file path=ppt/slideLayouts/slideLayout1.xml><?xml version="1.0" encoding="utf-8"?>
-<p:sldLayout xmlns:a="http://schemas.openxmlformats.org/drawingml/2006/main" xmlns:r="http://schemas.openxmlformats.org/officeDocument/2006/relationships" xmlns:p="http://schemas.openxmlformats.org/presentationml/2006/main" preserve="1" showMasterSp="0" userDrawn="1">
+<p:sldLayout xmlns:a="http://schemas.openxmlformats.org/drawingml/2006/main" xmlns:r="http://schemas.openxmlformats.org/officeDocument/2006/relationships" xmlns:p="http://schemas.openxmlformats.org/presentationml/2006/main" showMasterSp="0" preserve="1" userDrawn="1">
   <p:cSld name="标题幻灯片">
     <p:bg>
       <p:bgRef idx="1001">
@@ -6223,7 +13651,6 @@
               <a:rPr lang="en-US" altLang="zh-CN" dirty="0"/>
               <a:t>Click to edit Master subtitle style</a:t>
             </a:r>
-            <a:endParaRPr lang="en-US" altLang="zh-CN" dirty="0"/>
           </a:p>
         </p:txBody>
       </p:sp>
@@ -6317,7 +13744,6 @@
               <a:rPr lang="en-US" altLang="zh-CN" dirty="0"/>
               <a:t>Signature</a:t>
             </a:r>
-            <a:endParaRPr lang="en-US" altLang="zh-CN" dirty="0"/>
           </a:p>
         </p:txBody>
       </p:sp>
@@ -19006,7 +26432,7 @@
 </file>
 
 <file path=ppt/slideLayouts/slideLayout2.xml><?xml version="1.0" encoding="utf-8"?>
-<p:sldLayout xmlns:a="http://schemas.openxmlformats.org/drawingml/2006/main" xmlns:r="http://schemas.openxmlformats.org/officeDocument/2006/relationships" xmlns:p="http://schemas.openxmlformats.org/presentationml/2006/main" preserve="1" showMasterSp="0" userDrawn="1">
+<p:sldLayout xmlns:a="http://schemas.openxmlformats.org/drawingml/2006/main" xmlns:r="http://schemas.openxmlformats.org/officeDocument/2006/relationships" xmlns:p="http://schemas.openxmlformats.org/presentationml/2006/main" showMasterSp="0" preserve="1" userDrawn="1">
   <p:cSld name="节标题">
     <p:bg>
       <p:bgRef idx="1001">
@@ -19181,7 +26607,6 @@
               <a:rPr lang="en-US" altLang="zh-CN" dirty="0"/>
               <a:t>Edit Master text styles</a:t>
             </a:r>
-            <a:endParaRPr lang="en-US" altLang="zh-CN" dirty="0"/>
           </a:p>
         </p:txBody>
       </p:sp>
@@ -20877,6 +28302,7 @@
           <a:p>
             <a:fld id="{6489D9C7-5DC6-4263-87FF-7C99F6FB63C3}" type="datetime1">
               <a:rPr lang="zh-CN" altLang="en-US" smtClean="0"/>
+              <a:t>2019/9/6</a:t>
             </a:fld>
             <a:endParaRPr lang="zh-CN" altLang="en-US"/>
           </a:p>
@@ -20922,6 +28348,7 @@
           <a:p>
             <a:fld id="{5DD3DB80-B894-403A-B48E-6FDC1A72010E}" type="slidenum">
               <a:rPr lang="zh-CN" altLang="en-US" smtClean="0"/>
+              <a:t>‹#›</a:t>
             </a:fld>
             <a:endParaRPr lang="zh-CN" altLang="en-US"/>
           </a:p>
@@ -21015,7 +28442,6 @@
               <a:rPr lang="en-US" altLang="zh-CN" dirty="0"/>
               <a:t>Edit Master text styles</a:t>
             </a:r>
-            <a:endParaRPr lang="en-US" altLang="zh-CN" dirty="0"/>
           </a:p>
           <a:p>
             <a:pPr lvl="1"/>
@@ -21023,7 +28449,6 @@
               <a:rPr lang="en-US" altLang="zh-CN" dirty="0"/>
               <a:t>Second level</a:t>
             </a:r>
-            <a:endParaRPr lang="en-US" altLang="zh-CN" dirty="0"/>
           </a:p>
           <a:p>
             <a:pPr lvl="2"/>
@@ -21031,7 +28456,6 @@
               <a:rPr lang="en-US" altLang="zh-CN" dirty="0"/>
               <a:t>Third level</a:t>
             </a:r>
-            <a:endParaRPr lang="en-US" altLang="zh-CN" dirty="0"/>
           </a:p>
           <a:p>
             <a:pPr lvl="3"/>
@@ -21039,7 +28463,6 @@
               <a:rPr lang="en-US" altLang="zh-CN" dirty="0"/>
               <a:t>Fourth level</a:t>
             </a:r>
-            <a:endParaRPr lang="en-US" altLang="zh-CN" dirty="0"/>
           </a:p>
           <a:p>
             <a:pPr lvl="4"/>
@@ -21068,6 +28491,7 @@
           <a:p>
             <a:fld id="{6489D9C7-5DC6-4263-87FF-7C99F6FB63C3}" type="datetime1">
               <a:rPr lang="zh-CN" altLang="en-US" smtClean="0"/>
+              <a:t>2019/9/6</a:t>
             </a:fld>
             <a:endParaRPr lang="zh-CN" altLang="en-US"/>
           </a:p>
@@ -21113,6 +28537,7 @@
           <a:p>
             <a:fld id="{5DD3DB80-B894-403A-B48E-6FDC1A72010E}" type="slidenum">
               <a:rPr lang="zh-CN" altLang="en-US" smtClean="0"/>
+              <a:t>‹#›</a:t>
             </a:fld>
             <a:endParaRPr lang="zh-CN" altLang="en-US"/>
           </a:p>
@@ -21127,7 +28552,7 @@
 </file>
 
 <file path=ppt/slideLayouts/slideLayout4.xml><?xml version="1.0" encoding="utf-8"?>
-<p:sldLayout xmlns:a="http://schemas.openxmlformats.org/drawingml/2006/main" xmlns:r="http://schemas.openxmlformats.org/officeDocument/2006/relationships" xmlns:p="http://schemas.openxmlformats.org/presentationml/2006/main" type="titleOnly" preserve="1" showMasterSp="0">
+<p:sldLayout xmlns:a="http://schemas.openxmlformats.org/drawingml/2006/main" xmlns:r="http://schemas.openxmlformats.org/officeDocument/2006/relationships" xmlns:p="http://schemas.openxmlformats.org/presentationml/2006/main" showMasterSp="0" type="titleOnly" preserve="1">
   <p:cSld name="仅标题">
     <p:spTree>
       <p:nvGrpSpPr>
@@ -21187,6 +28612,7 @@
           <a:p>
             <a:fld id="{6489D9C7-5DC6-4263-87FF-7C99F6FB63C3}" type="datetime1">
               <a:rPr lang="zh-CN" altLang="en-US" smtClean="0"/>
+              <a:t>2019/9/6</a:t>
             </a:fld>
             <a:endParaRPr lang="zh-CN" altLang="en-US"/>
           </a:p>
@@ -21232,6 +28658,7 @@
           <a:p>
             <a:fld id="{5DD3DB80-B894-403A-B48E-6FDC1A72010E}" type="slidenum">
               <a:rPr lang="zh-CN" altLang="en-US" smtClean="0"/>
+              <a:t>‹#›</a:t>
             </a:fld>
             <a:endParaRPr lang="zh-CN" altLang="en-US"/>
           </a:p>
@@ -21283,7 +28710,7 @@
 </file>
 
 <file path=ppt/slideLayouts/slideLayout5.xml><?xml version="1.0" encoding="utf-8"?>
-<p:sldLayout xmlns:a="http://schemas.openxmlformats.org/drawingml/2006/main" xmlns:r="http://schemas.openxmlformats.org/officeDocument/2006/relationships" xmlns:p="http://schemas.openxmlformats.org/presentationml/2006/main" type="blank" preserve="1" showMasterSp="0">
+<p:sldLayout xmlns:a="http://schemas.openxmlformats.org/drawingml/2006/main" xmlns:r="http://schemas.openxmlformats.org/officeDocument/2006/relationships" xmlns:p="http://schemas.openxmlformats.org/presentationml/2006/main" showMasterSp="0" type="blank" preserve="1">
   <p:cSld name="空白">
     <p:spTree>
       <p:nvGrpSpPr>
@@ -21308,7 +28735,7 @@
 </file>
 
 <file path=ppt/slideLayouts/slideLayout6.xml><?xml version="1.0" encoding="utf-8"?>
-<p:sldLayout xmlns:a="http://schemas.openxmlformats.org/drawingml/2006/main" xmlns:r="http://schemas.openxmlformats.org/officeDocument/2006/relationships" xmlns:p="http://schemas.openxmlformats.org/presentationml/2006/main" preserve="1" showMasterSp="0" userDrawn="1">
+<p:sldLayout xmlns:a="http://schemas.openxmlformats.org/drawingml/2006/main" xmlns:r="http://schemas.openxmlformats.org/officeDocument/2006/relationships" xmlns:p="http://schemas.openxmlformats.org/presentationml/2006/main" showMasterSp="0" preserve="1" userDrawn="1">
   <p:cSld name="末尾幻灯片">
     <p:bg>
       <p:bgRef idx="1001">
@@ -21413,7 +28840,6 @@
               <a:rPr lang="en-US" altLang="zh-CN" dirty="0"/>
               <a:t>Signature</a:t>
             </a:r>
-            <a:endParaRPr lang="en-US" altLang="zh-CN" dirty="0"/>
           </a:p>
         </p:txBody>
       </p:sp>
@@ -21465,6 +28891,7 @@
             </a:pPr>
             <a:fld id="{CB3FFC9E-A4C1-40CB-8E0E-23B63E3543C5}" type="datetime1">
               <a:rPr lang="zh-CN" altLang="en-US" smtClean="0"/>
+              <a:t>​</a:t>
             </a:fld>
             <a:endParaRPr lang="en-US" altLang="zh-CN" dirty="0"/>
           </a:p>
@@ -33525,7 +40952,6 @@
               <a:rPr lang="en-US" altLang="zh-CN" dirty="0"/>
               <a:t>Edit Master text styles</a:t>
             </a:r>
-            <a:endParaRPr lang="en-US" altLang="zh-CN" dirty="0"/>
           </a:p>
           <a:p>
             <a:pPr lvl="1"/>
@@ -33533,7 +40959,6 @@
               <a:rPr lang="en-US" altLang="zh-CN" dirty="0"/>
               <a:t>Second level</a:t>
             </a:r>
-            <a:endParaRPr lang="en-US" altLang="zh-CN" dirty="0"/>
           </a:p>
           <a:p>
             <a:pPr lvl="2"/>
@@ -33541,7 +40966,6 @@
               <a:rPr lang="en-US" altLang="zh-CN" dirty="0"/>
               <a:t>Third level</a:t>
             </a:r>
-            <a:endParaRPr lang="en-US" altLang="zh-CN" dirty="0"/>
           </a:p>
           <a:p>
             <a:pPr lvl="3"/>
@@ -33549,7 +40973,6 @@
               <a:rPr lang="en-US" altLang="zh-CN" dirty="0"/>
               <a:t>Fourth level</a:t>
             </a:r>
-            <a:endParaRPr lang="en-US" altLang="zh-CN" dirty="0"/>
           </a:p>
           <a:p>
             <a:pPr lvl="4"/>
@@ -33597,6 +41020,7 @@
           <a:p>
             <a:fld id="{6489D9C7-5DC6-4263-87FF-7C99F6FB63C3}" type="datetime1">
               <a:rPr lang="zh-CN" altLang="en-US" smtClean="0"/>
+              <a:t>2019/9/6</a:t>
             </a:fld>
             <a:endParaRPr lang="zh-CN" altLang="en-US"/>
           </a:p>
@@ -33680,6 +41104,7 @@
           <a:p>
             <a:fld id="{5DD3DB80-B894-403A-B48E-6FDC1A72010E}" type="slidenum">
               <a:rPr lang="zh-CN" altLang="en-US" smtClean="0"/>
+              <a:t>‹#›</a:t>
             </a:fld>
             <a:endParaRPr lang="zh-CN" altLang="en-US"/>
           </a:p>
@@ -36580,7 +44005,6 @@
               <a:rPr lang="zh-CN" altLang="en-US" dirty="0"/>
               <a:t>唐诗自动生成系统的设计与实现</a:t>
             </a:r>
-            <a:endParaRPr lang="zh-CN" altLang="en-US" dirty="0"/>
           </a:p>
         </p:txBody>
       </p:sp>
@@ -36614,7 +44038,6 @@
               <a:rPr lang="en-US" altLang="zh-CN" sz="1600" dirty="0"/>
               <a:t>ZF1821251</a:t>
             </a:r>
-            <a:endParaRPr lang="en-US" altLang="zh-CN" sz="1600" dirty="0"/>
           </a:p>
           <a:p>
             <a:r>
@@ -36625,7 +44048,6 @@
               <a:rPr lang="en-US" altLang="zh-CN" sz="1600" dirty="0"/>
               <a:t>ZF1821102</a:t>
             </a:r>
-            <a:endParaRPr lang="en-US" altLang="zh-CN" sz="1600" dirty="0"/>
           </a:p>
           <a:p>
             <a:r>
@@ -36636,7 +44058,6 @@
               <a:rPr lang="en-US" altLang="zh-CN" sz="1600" dirty="0"/>
               <a:t>ZF1821302</a:t>
             </a:r>
-            <a:endParaRPr lang="en-US" altLang="zh-CN" sz="1600" dirty="0"/>
           </a:p>
         </p:txBody>
       </p:sp>
@@ -36807,7 +44228,7 @@
           <p:nvPr/>
         </p:nvPicPr>
         <p:blipFill>
-          <a:blip r:embed="rId1"/>
+          <a:blip r:embed="rId3"/>
           <a:stretch>
             <a:fillRect/>
           </a:stretch>
@@ -36873,7 +44294,6 @@
               <a:rPr lang="zh-CN" altLang="en-US" dirty="0"/>
               <a:t>系统测试</a:t>
             </a:r>
-            <a:endParaRPr lang="zh-CN" altLang="en-US" dirty="0"/>
           </a:p>
         </p:txBody>
       </p:sp>
@@ -37016,6 +44436,7 @@
           <a:bodyPr wrap="square" rtlCol="0" anchor="t">
             <a:spAutoFit/>
           </a:bodyPr>
+          <a:lstStyle/>
           <a:p>
             <a:r>
               <a:rPr lang="en-US" altLang="zh-CN" sz="2400"/>
@@ -37025,7 +44446,6 @@
               <a:rPr lang="zh-CN" altLang="en-US" sz="2400"/>
               <a:t>数据库测试</a:t>
             </a:r>
-            <a:endParaRPr lang="zh-CN" altLang="en-US" sz="2400"/>
           </a:p>
           <a:p>
             <a:endParaRPr lang="zh-CN" altLang="en-US" sz="2400"/>
@@ -37039,7 +44459,6 @@
               <a:rPr lang="zh-CN" altLang="en-US" sz="2400"/>
               <a:t>接口测试</a:t>
             </a:r>
-            <a:endParaRPr lang="zh-CN" altLang="en-US" sz="2400"/>
           </a:p>
           <a:p>
             <a:endParaRPr lang="en-US" altLang="zh-CN" sz="2400"/>
@@ -37053,7 +44472,6 @@
               <a:rPr lang="zh-CN" altLang="en-US" sz="2400"/>
               <a:t>功能测试</a:t>
             </a:r>
-            <a:endParaRPr lang="zh-CN" altLang="en-US" sz="2400"/>
           </a:p>
         </p:txBody>
       </p:sp>
@@ -37099,6 +44517,7 @@
           <a:p>
             <a:fld id="{5DD3DB80-B894-403A-B48E-6FDC1A72010E}" type="slidenum">
               <a:rPr lang="zh-CN" altLang="en-US" smtClean="0"/>
+              <a:t>12</a:t>
             </a:fld>
             <a:endParaRPr lang="zh-CN" altLang="en-US"/>
           </a:p>
@@ -37203,17 +44622,8 @@
               <a:rPr lang="zh-CN" altLang="en-US" sz="2000" dirty="0">
                 <a:sym typeface="+mn-ea"/>
               </a:rPr>
-              <a:t>数据库</a:t>
+              <a:t>数据库测试</a:t>
             </a:r>
-            <a:r>
-              <a:rPr lang="zh-CN" altLang="en-US" sz="2000" dirty="0">
-                <a:sym typeface="+mn-ea"/>
-              </a:rPr>
-              <a:t>测试</a:t>
-            </a:r>
-            <a:endParaRPr lang="zh-CN" altLang="en-US" sz="2000" dirty="0">
-              <a:sym typeface="+mn-ea"/>
-            </a:endParaRPr>
           </a:p>
         </p:txBody>
       </p:sp>
@@ -37237,13 +44647,13 @@
           <a:bodyPr wrap="none" rtlCol="0">
             <a:spAutoFit/>
           </a:bodyPr>
+          <a:lstStyle/>
           <a:p>
             <a:pPr algn="l"/>
             <a:r>
               <a:rPr lang="zh-CN" altLang="en-US"/>
               <a:t>在本环节测试中，由于create.py中的sql语句：</a:t>
             </a:r>
-            <a:endParaRPr lang="zh-CN" altLang="en-US"/>
           </a:p>
           <a:p>
             <a:pPr algn="l"/>
@@ -37255,7 +44665,6 @@
               <a:rPr lang="zh-CN" altLang="en-US" sz="1400"/>
               <a:t>create table if not exists result_id(id int not null AUTO_INCREMENT，</a:t>
             </a:r>
-            <a:endParaRPr lang="zh-CN" altLang="en-US" sz="1400"/>
           </a:p>
           <a:p>
             <a:pPr lvl="1" algn="l"/>
@@ -37263,7 +44672,6 @@
               <a:rPr lang="zh-CN" altLang="en-US" sz="1400"/>
               <a:t>        user_id VARCHAR(45) NULL，</a:t>
             </a:r>
-            <a:endParaRPr lang="zh-CN" altLang="en-US" sz="1400"/>
           </a:p>
           <a:p>
             <a:pPr lvl="1" algn="l"/>
@@ -37271,7 +44679,6 @@
               <a:rPr lang="zh-CN" altLang="en-US" sz="1400"/>
               <a:t>        celery_id VARCHAR(45) NULL，</a:t>
             </a:r>
-            <a:endParaRPr lang="zh-CN" altLang="en-US" sz="1400"/>
           </a:p>
           <a:p>
             <a:pPr lvl="1" algn="l"/>
@@ -37279,7 +44686,6 @@
               <a:rPr lang="zh-CN" altLang="en-US" sz="1400"/>
               <a:t>        list_num VARCHAR(45) NULL，</a:t>
             </a:r>
-            <a:endParaRPr lang="zh-CN" altLang="en-US" sz="1400"/>
           </a:p>
           <a:p>
             <a:pPr lvl="1" algn="l"/>
@@ -37287,7 +44693,6 @@
               <a:rPr lang="zh-CN" altLang="en-US" sz="1400"/>
               <a:t>        PRIMARY KEY (`id`))</a:t>
             </a:r>
-            <a:endParaRPr lang="zh-CN" altLang="en-US" sz="1400"/>
           </a:p>
           <a:p>
             <a:pPr algn="l"/>
@@ -37299,7 +44704,6 @@
               <a:rPr lang="zh-CN" altLang="en-US"/>
               <a:t>字符集编码未定义，导致创建数据库表失败，修改为以utf-8为默认编码后成功</a:t>
             </a:r>
-            <a:endParaRPr lang="zh-CN" altLang="en-US"/>
           </a:p>
         </p:txBody>
       </p:sp>
@@ -37312,7 +44716,7 @@
           <p:nvPr/>
         </p:nvPicPr>
         <p:blipFill>
-          <a:blip r:embed="rId1"/>
+          <a:blip r:embed="rId2"/>
           <a:stretch>
             <a:fillRect/>
           </a:stretch>
@@ -37373,6 +44777,7 @@
           <a:p>
             <a:fld id="{5DD3DB80-B894-403A-B48E-6FDC1A72010E}" type="slidenum">
               <a:rPr lang="zh-CN" altLang="en-US" smtClean="0"/>
+              <a:t>13</a:t>
             </a:fld>
             <a:endParaRPr lang="zh-CN" altLang="en-US"/>
           </a:p>
@@ -37477,17 +44882,8 @@
               <a:rPr lang="zh-CN" altLang="en-US" sz="2000" dirty="0">
                 <a:sym typeface="+mn-ea"/>
               </a:rPr>
-              <a:t>接口</a:t>
+              <a:t>接口测试</a:t>
             </a:r>
-            <a:r>
-              <a:rPr lang="zh-CN" altLang="en-US" sz="2000" dirty="0">
-                <a:sym typeface="+mn-ea"/>
-              </a:rPr>
-              <a:t>测试</a:t>
-            </a:r>
-            <a:endParaRPr lang="zh-CN" altLang="en-US" sz="2000" dirty="0">
-              <a:sym typeface="+mn-ea"/>
-            </a:endParaRPr>
           </a:p>
         </p:txBody>
       </p:sp>
@@ -37511,13 +44907,13 @@
           <a:bodyPr wrap="none" rtlCol="0">
             <a:spAutoFit/>
           </a:bodyPr>
+          <a:lstStyle/>
           <a:p>
             <a:pPr algn="l"/>
             <a:r>
               <a:rPr lang="zh-CN" altLang="en-US"/>
               <a:t>经过测试，接口功能能够正常调用，参数也并无问题</a:t>
             </a:r>
-            <a:endParaRPr lang="zh-CN" altLang="en-US"/>
           </a:p>
         </p:txBody>
       </p:sp>
@@ -37530,7 +44926,7 @@
           <p:nvPr/>
         </p:nvPicPr>
         <p:blipFill>
-          <a:blip r:embed="rId1"/>
+          <a:blip r:embed="rId2"/>
           <a:stretch>
             <a:fillRect/>
           </a:stretch>
@@ -37587,6 +44983,7 @@
           <a:p>
             <a:fld id="{5DD3DB80-B894-403A-B48E-6FDC1A72010E}" type="slidenum">
               <a:rPr lang="zh-CN" altLang="en-US" smtClean="0"/>
+              <a:t>14</a:t>
             </a:fld>
             <a:endParaRPr lang="zh-CN" altLang="en-US"/>
           </a:p>
@@ -37688,14 +45085,17 @@
               <a:t>5.3 </a:t>
             </a:r>
             <a:r>
+              <a:rPr lang="zh-CN" altLang="en-US" sz="2000" dirty="0" smtClean="0">
+                <a:sym typeface="+mn-ea"/>
+              </a:rPr>
+              <a:t>前端功能</a:t>
+            </a:r>
+            <a:r>
               <a:rPr lang="zh-CN" altLang="en-US" sz="2000" dirty="0">
                 <a:sym typeface="+mn-ea"/>
               </a:rPr>
-              <a:t>功能测试</a:t>
+              <a:t>测试</a:t>
             </a:r>
-            <a:endParaRPr lang="zh-CN" altLang="en-US" sz="2000" dirty="0">
-              <a:sym typeface="+mn-ea"/>
-            </a:endParaRPr>
           </a:p>
         </p:txBody>
       </p:sp>
@@ -37719,17 +45119,13 @@
           <a:bodyPr wrap="square" rtlCol="0">
             <a:spAutoFit/>
           </a:bodyPr>
+          <a:lstStyle/>
           <a:p>
             <a:pPr algn="l"/>
             <a:r>
               <a:rPr lang="zh-CN" altLang="en-US"/>
-              <a:t>在生成图片时，</a:t>
+              <a:t>在生成图片时，当诗句不足四行时，点击生成图片程序则会报错，原因是生成图片时产生了数组越界</a:t>
             </a:r>
-            <a:r>
-              <a:rPr lang="zh-CN" altLang="en-US"/>
-              <a:t>当诗句不足四行时，点击生成图片程序则会报错，原因是生成图片时产生了数组越界</a:t>
-            </a:r>
-            <a:endParaRPr lang="zh-CN" altLang="en-US"/>
           </a:p>
           <a:p>
             <a:pPr algn="l"/>
@@ -37757,7 +45153,6 @@
               <a:rPr lang="zh-CN" altLang="en-US"/>
               <a:t>对此我们已经进行了优化处理，解决了当诗句不足四行时程序报错。</a:t>
             </a:r>
-            <a:endParaRPr lang="zh-CN" altLang="en-US"/>
           </a:p>
         </p:txBody>
       </p:sp>
@@ -37770,7 +45165,7 @@
           <p:nvPr/>
         </p:nvPicPr>
         <p:blipFill>
-          <a:blip r:embed="rId1"/>
+          <a:blip r:embed="rId2"/>
           <a:stretch>
             <a:fillRect/>
           </a:stretch>
@@ -37798,7 +45193,7 @@
           <p:nvPr/>
         </p:nvPicPr>
         <p:blipFill>
-          <a:blip r:embed="rId2"/>
+          <a:blip r:embed="rId3"/>
           <a:stretch>
             <a:fillRect/>
           </a:stretch>
@@ -37822,6 +45217,219 @@
 </file>
 
 <file path=ppt/slides/slide15.xml><?xml version="1.0" encoding="utf-8"?>
+<p:sld xmlns:a="http://schemas.openxmlformats.org/drawingml/2006/main" xmlns:r="http://schemas.openxmlformats.org/officeDocument/2006/relationships" xmlns:p="http://schemas.openxmlformats.org/presentationml/2006/main">
+  <p:cSld>
+    <p:spTree>
+      <p:nvGrpSpPr>
+        <p:cNvPr id="1" name=""/>
+        <p:cNvGrpSpPr/>
+        <p:nvPr/>
+      </p:nvGrpSpPr>
+      <p:grpSpPr>
+        <a:xfrm>
+          <a:off x="0" y="0"/>
+          <a:ext cx="0" cy="0"/>
+          <a:chOff x="0" y="0"/>
+          <a:chExt cx="0" cy="0"/>
+        </a:xfrm>
+      </p:grpSpPr>
+      <p:sp>
+        <p:nvSpPr>
+          <p:cNvPr id="2" name="标题 1"/>
+          <p:cNvSpPr>
+            <a:spLocks noGrp="1"/>
+          </p:cNvSpPr>
+          <p:nvPr>
+            <p:ph type="title"/>
+          </p:nvPr>
+        </p:nvSpPr>
+        <p:spPr/>
+        <p:txBody>
+          <a:bodyPr>
+            <a:normAutofit/>
+          </a:bodyPr>
+          <a:lstStyle/>
+          <a:p>
+            <a:r>
+              <a:rPr lang="zh-CN" altLang="en-US" sz="2000" dirty="0" smtClean="0">
+                <a:solidFill>
+                  <a:sysClr val="windowText" lastClr="000000"/>
+                </a:solidFill>
+              </a:rPr>
+              <a:t>              </a:t>
+            </a:r>
+            <a:r>
+              <a:rPr lang="en-US" altLang="zh-CN" sz="2000" dirty="0" smtClean="0">
+                <a:solidFill>
+                  <a:sysClr val="windowText" lastClr="000000"/>
+                </a:solidFill>
+              </a:rPr>
+              <a:t>5.4</a:t>
+            </a:r>
+            <a:r>
+              <a:rPr lang="zh-CN" altLang="en-US" sz="2000" dirty="0" smtClean="0">
+                <a:solidFill>
+                  <a:sysClr val="windowText" lastClr="000000"/>
+                </a:solidFill>
+              </a:rPr>
+              <a:t> </a:t>
+            </a:r>
+            <a:r>
+              <a:rPr lang="zh-CN" altLang="en-US" sz="2000" dirty="0">
+                <a:solidFill>
+                  <a:sysClr val="windowText" lastClr="000000"/>
+                </a:solidFill>
+              </a:rPr>
+              <a:t>非功能测试</a:t>
+            </a:r>
+            <a:endParaRPr lang="zh-CN" altLang="en-US" sz="2000" dirty="0">
+              <a:solidFill>
+                <a:sysClr val="windowText" lastClr="000000"/>
+              </a:solidFill>
+            </a:endParaRPr>
+          </a:p>
+        </p:txBody>
+      </p:sp>
+      <p:sp>
+        <p:nvSpPr>
+          <p:cNvPr id="3" name="页脚占位符 2"/>
+          <p:cNvSpPr>
+            <a:spLocks noGrp="1"/>
+          </p:cNvSpPr>
+          <p:nvPr>
+            <p:ph type="ftr" sz="quarter" idx="11"/>
+          </p:nvPr>
+        </p:nvSpPr>
+        <p:spPr/>
+        <p:txBody>
+          <a:bodyPr/>
+          <a:lstStyle/>
+          <a:p>
+            <a:r>
+              <a:rPr lang="en-US" altLang="zh-CN" smtClean="0"/>
+              <a:t>www.islide.cc</a:t>
+            </a:r>
+            <a:endParaRPr lang="zh-CN" altLang="en-US" dirty="0"/>
+          </a:p>
+        </p:txBody>
+      </p:sp>
+      <p:sp>
+        <p:nvSpPr>
+          <p:cNvPr id="4" name="幻灯片编号占位符 3"/>
+          <p:cNvSpPr>
+            <a:spLocks noGrp="1"/>
+          </p:cNvSpPr>
+          <p:nvPr>
+            <p:ph type="sldNum" sz="quarter" idx="12"/>
+          </p:nvPr>
+        </p:nvSpPr>
+        <p:spPr/>
+        <p:txBody>
+          <a:bodyPr/>
+          <a:lstStyle/>
+          <a:p>
+            <a:fld id="{5DD3DB80-B894-403A-B48E-6FDC1A72010E}" type="slidenum">
+              <a:rPr lang="zh-CN" altLang="en-US" smtClean="0"/>
+              <a:t>15</a:t>
+            </a:fld>
+            <a:endParaRPr lang="zh-CN" altLang="en-US"/>
+          </a:p>
+        </p:txBody>
+      </p:sp>
+      <p:graphicFrame>
+        <p:nvGraphicFramePr>
+          <p:cNvPr id="5" name="图表 4"/>
+          <p:cNvGraphicFramePr/>
+          <p:nvPr>
+            <p:extLst>
+              <p:ext uri="{D42A27DB-BD31-4B8C-83A1-F6EECF244321}">
+                <p14:modId xmlns:p14="http://schemas.microsoft.com/office/powerpoint/2010/main" val="1335877695"/>
+              </p:ext>
+            </p:extLst>
+          </p:nvPr>
+        </p:nvGraphicFramePr>
+        <p:xfrm>
+          <a:off x="2011680" y="1463041"/>
+          <a:ext cx="7833360" cy="4419600"/>
+        </p:xfrm>
+        <a:graphic>
+          <a:graphicData uri="http://schemas.openxmlformats.org/drawingml/2006/diagram">
+            <dgm:relIds xmlns:dgm="http://schemas.openxmlformats.org/drawingml/2006/diagram" xmlns:r="http://schemas.openxmlformats.org/officeDocument/2006/relationships" r:dm="rId2" r:lo="rId3" r:qs="rId4" r:cs="rId5"/>
+          </a:graphicData>
+        </a:graphic>
+      </p:graphicFrame>
+      <p:sp>
+        <p:nvSpPr>
+          <p:cNvPr id="6" name="文本框 7"/>
+          <p:cNvSpPr txBox="1"/>
+          <p:nvPr/>
+        </p:nvSpPr>
+        <p:spPr>
+          <a:xfrm>
+            <a:off x="944018" y="444646"/>
+            <a:ext cx="616420" cy="535955"/>
+          </a:xfrm>
+          <a:prstGeom prst="rect">
+            <a:avLst/>
+          </a:prstGeom>
+          <a:noFill/>
+          <a:ln w="117475">
+            <a:noFill/>
+          </a:ln>
+        </p:spPr>
+        <p:txBody>
+          <a:bodyPr wrap="none" rtlCol="0">
+            <a:prstTxWarp prst="textPlain">
+              <a:avLst/>
+            </a:prstTxWarp>
+            <a:spAutoFit/>
+          </a:bodyPr>
+          <a:lstStyle/>
+          <a:p>
+            <a:r>
+              <a:rPr lang="en-US" altLang="zh-CN" spc="100" dirty="0">
+                <a:solidFill>
+                  <a:schemeClr val="accent1"/>
+                </a:solidFill>
+                <a:latin typeface="Impact" panose="020B0806030902050204" pitchFamily="34" charset="0"/>
+                <a:cs typeface="Arial" panose="020B0604020202090204" pitchFamily="34" charset="0"/>
+              </a:rPr>
+              <a:t>/</a:t>
+            </a:r>
+            <a:r>
+              <a:rPr lang="en-US" altLang="zh-CN" spc="100" dirty="0" smtClean="0">
+                <a:solidFill>
+                  <a:schemeClr val="accent1"/>
+                </a:solidFill>
+                <a:latin typeface="Impact" panose="020B0806030902050204" pitchFamily="34" charset="0"/>
+                <a:cs typeface="Arial" panose="020B0604020202090204" pitchFamily="34" charset="0"/>
+              </a:rPr>
+              <a:t>05</a:t>
+            </a:r>
+            <a:endParaRPr lang="zh-CN" altLang="en-US" spc="100" dirty="0">
+              <a:solidFill>
+                <a:schemeClr val="accent1"/>
+              </a:solidFill>
+              <a:latin typeface="Impact" panose="020B0806030902050204" pitchFamily="34" charset="0"/>
+              <a:cs typeface="Arial" panose="020B0604020202090204" pitchFamily="34" charset="0"/>
+            </a:endParaRPr>
+          </a:p>
+        </p:txBody>
+      </p:sp>
+    </p:spTree>
+    <p:extLst>
+      <p:ext uri="{BB962C8B-B14F-4D97-AF65-F5344CB8AC3E}">
+        <p14:creationId xmlns:p14="http://schemas.microsoft.com/office/powerpoint/2010/main" val="1316564260"/>
+      </p:ext>
+    </p:extLst>
+  </p:cSld>
+  <p:clrMapOvr>
+    <a:masterClrMapping/>
+  </p:clrMapOvr>
+</p:sld>
+</file>
+
+<file path=ppt/slides/slide16.xml><?xml version="1.0" encoding="utf-8"?>
 <p:sld xmlns:a="http://schemas.openxmlformats.org/drawingml/2006/main" xmlns:r="http://schemas.openxmlformats.org/officeDocument/2006/relationships" xmlns:p="http://schemas.openxmlformats.org/presentationml/2006/main">
   <p:cSld>
     <p:spTree>
@@ -37864,7 +45472,6 @@
               <a:rPr lang="zh-CN" altLang="en-US" dirty="0"/>
               <a:t>效果展示</a:t>
             </a:r>
-            <a:endParaRPr lang="zh-CN" altLang="en-US" dirty="0"/>
           </a:p>
         </p:txBody>
       </p:sp>
@@ -38007,12 +45614,12 @@
           <a:bodyPr wrap="square" rtlCol="0" anchor="t">
             <a:spAutoFit/>
           </a:bodyPr>
+          <a:lstStyle/>
           <a:p>
             <a:r>
               <a:rPr lang="zh-CN" altLang="en-US" sz="2400"/>
               <a:t>请看演示</a:t>
             </a:r>
-            <a:endParaRPr lang="zh-CN" altLang="en-US" sz="2400"/>
           </a:p>
         </p:txBody>
       </p:sp>
@@ -38024,7 +45631,7 @@
 </p:sld>
 </file>
 
-<file path=ppt/slides/slide16.xml><?xml version="1.0" encoding="utf-8"?>
+<file path=ppt/slides/slide17.xml><?xml version="1.0" encoding="utf-8"?>
 <p:sld xmlns:a="http://schemas.openxmlformats.org/drawingml/2006/main" xmlns:r="http://schemas.openxmlformats.org/officeDocument/2006/relationships" xmlns:p="http://schemas.openxmlformats.org/presentationml/2006/main">
   <p:cSld>
     <p:spTree>
@@ -38145,6 +45752,10 @@
           </a:bodyPr>
           <a:lstStyle/>
           <a:p>
+            <a:r>
+              <a:rPr lang="zh-CN" altLang="en-US" dirty="0"/>
+              <a:t/>
+            </a:r>
             <a:br>
               <a:rPr lang="zh-CN" altLang="en-US" dirty="0"/>
             </a:br>
@@ -38192,20 +45803,6 @@
               </a:rPr>
               <a:t>Thank You !</a:t>
             </a:r>
-            <a:endParaRPr lang="en-US" altLang="zh-CN" sz="5400" b="1" dirty="0">
-              <a:ln w="22225">
-                <a:solidFill>
-                  <a:schemeClr val="accent2"/>
-                </a:solidFill>
-                <a:prstDash val="solid"/>
-              </a:ln>
-              <a:solidFill>
-                <a:schemeClr val="accent2">
-                  <a:lumMod val="40000"/>
-                  <a:lumOff val="60000"/>
-                </a:schemeClr>
-              </a:solidFill>
-            </a:endParaRPr>
           </a:p>
         </p:txBody>
       </p:sp>
@@ -39254,7 +46851,6 @@
               <a:rPr lang="zh-CN" altLang="en-US" dirty="0"/>
               <a:t>项目背景及意义</a:t>
             </a:r>
-            <a:endParaRPr lang="zh-CN" altLang="en-US" dirty="0"/>
           </a:p>
         </p:txBody>
       </p:sp>
@@ -39442,7 +47038,6 @@
               <a:rPr lang="zh-CN" altLang="zh-CN" sz="2000" dirty="0"/>
               <a:t>七言唐诗</a:t>
             </a:r>
-            <a:endParaRPr lang="zh-CN" altLang="zh-CN" sz="2000" dirty="0"/>
           </a:p>
           <a:p>
             <a:endParaRPr lang="zh-CN" altLang="en-US" sz="2000" dirty="0"/>
@@ -39511,7 +47106,19 @@
               <a:rPr lang="zh-CN" altLang="en-US" dirty="0">
                 <a:sym typeface="+mn-lt"/>
               </a:rPr>
-              <a:t>系统功能</a:t>
+              <a:t>系统</a:t>
+            </a:r>
+            <a:r>
+              <a:rPr lang="zh-CN" altLang="en-US" dirty="0" smtClean="0">
+                <a:sym typeface="+mn-lt"/>
+              </a:rPr>
+              <a:t>功能</a:t>
+            </a:r>
+            <a:r>
+              <a:rPr lang="zh-CN" altLang="en-US" dirty="0" smtClean="0">
+                <a:sym typeface="+mn-lt"/>
+              </a:rPr>
+              <a:t>性需求</a:t>
             </a:r>
             <a:endParaRPr lang="en-US" altLang="zh-CN" dirty="0">
               <a:sym typeface="+mn-lt"/>
@@ -39606,35 +47213,26 @@
       </p:sp>
       <p:pic>
         <p:nvPicPr>
-          <p:cNvPr id="9" name="图片 3"/>
-          <p:cNvPicPr/>
+          <p:cNvPr id="2" name="图片 1"/>
+          <p:cNvPicPr>
+            <a:picLocks noChangeAspect="1"/>
+          </p:cNvPicPr>
           <p:nvPr/>
         </p:nvPicPr>
         <p:blipFill>
-          <a:blip r:embed="rId1">
-            <a:extLst>
-              <a:ext uri="{28A0092B-C50C-407E-A947-70E740481C1C}">
-                <a14:useLocalDpi xmlns:a14="http://schemas.microsoft.com/office/drawing/2010/main" val="0"/>
-              </a:ext>
-            </a:extLst>
-          </a:blip>
-          <a:srcRect/>
+          <a:blip r:embed="rId3"/>
           <a:stretch>
             <a:fillRect/>
           </a:stretch>
         </p:blipFill>
         <p:spPr>
           <a:xfrm>
-            <a:off x="3292007" y="2330889"/>
-            <a:ext cx="6856040" cy="3941565"/>
+            <a:off x="4707890" y="2330889"/>
+            <a:ext cx="4344670" cy="4317796"/>
           </a:xfrm>
           <a:prstGeom prst="rect">
             <a:avLst/>
           </a:prstGeom>
-          <a:noFill/>
-          <a:ln>
-            <a:noFill/>
-          </a:ln>
         </p:spPr>
       </p:pic>
     </p:spTree>
@@ -39696,10 +47294,16 @@
               <a:t>2.2</a:t>
             </a:r>
             <a:r>
-              <a:rPr lang="zh-CN" altLang="en-US" dirty="0">
+              <a:rPr lang="zh-CN" altLang="en-US" dirty="0" smtClean="0">
                 <a:sym typeface="+mn-lt"/>
               </a:rPr>
-              <a:t>系统需求流程</a:t>
+              <a:t>系统</a:t>
+            </a:r>
+            <a:r>
+              <a:rPr lang="zh-CN" altLang="en-US" dirty="0" smtClean="0">
+                <a:sym typeface="+mn-lt"/>
+              </a:rPr>
+              <a:t>非功能性需求</a:t>
             </a:r>
             <a:endParaRPr lang="en-US" altLang="zh-CN" dirty="0">
               <a:sym typeface="+mn-lt"/>
@@ -39792,39 +47396,28 @@
           </a:p>
         </p:txBody>
       </p:sp>
-      <p:pic>
-        <p:nvPicPr>
-          <p:cNvPr id="6" name="图片 1"/>
-          <p:cNvPicPr/>
-          <p:nvPr/>
-        </p:nvPicPr>
-        <p:blipFill>
-          <a:blip r:embed="rId1" cstate="print">
-            <a:extLst>
-              <a:ext uri="{28A0092B-C50C-407E-A947-70E740481C1C}">
-                <a14:useLocalDpi xmlns:a14="http://schemas.microsoft.com/office/drawing/2010/main" val="0"/>
-              </a:ext>
-            </a:extLst>
-          </a:blip>
-          <a:srcRect/>
-          <a:stretch>
-            <a:fillRect/>
-          </a:stretch>
-        </p:blipFill>
-        <p:spPr>
-          <a:xfrm>
-            <a:off x="3349407" y="1982812"/>
-            <a:ext cx="6713476" cy="4562363"/>
-          </a:xfrm>
-          <a:prstGeom prst="rect">
-            <a:avLst/>
-          </a:prstGeom>
-          <a:noFill/>
-          <a:ln>
-            <a:noFill/>
-          </a:ln>
-        </p:spPr>
-      </p:pic>
+      <p:graphicFrame>
+        <p:nvGraphicFramePr>
+          <p:cNvPr id="2" name="图表 1"/>
+          <p:cNvGraphicFramePr/>
+          <p:nvPr>
+            <p:extLst>
+              <p:ext uri="{D42A27DB-BD31-4B8C-83A1-F6EECF244321}">
+                <p14:modId xmlns:p14="http://schemas.microsoft.com/office/powerpoint/2010/main" val="1671187317"/>
+              </p:ext>
+            </p:extLst>
+          </p:nvPr>
+        </p:nvGraphicFramePr>
+        <p:xfrm>
+          <a:off x="3365621" y="1904245"/>
+          <a:ext cx="6990080" cy="4812454"/>
+        </p:xfrm>
+        <a:graphic>
+          <a:graphicData uri="http://schemas.openxmlformats.org/drawingml/2006/diagram">
+            <dgm:relIds xmlns:dgm="http://schemas.openxmlformats.org/drawingml/2006/diagram" xmlns:r="http://schemas.openxmlformats.org/officeDocument/2006/relationships" r:dm="rId3" r:lo="rId4" r:qs="rId5" r:cs="rId6"/>
+          </a:graphicData>
+        </a:graphic>
+      </p:graphicFrame>
     </p:spTree>
   </p:cSld>
   <p:clrMapOvr>
@@ -39880,7 +47473,6 @@
               <a:rPr lang="zh-CN" altLang="en-US" dirty="0"/>
               <a:t>系统总体架构图</a:t>
             </a:r>
-            <a:endParaRPr lang="zh-CN" altLang="en-US" dirty="0"/>
           </a:p>
         </p:txBody>
       </p:sp>
@@ -39976,7 +47568,7 @@
           <p:nvPr/>
         </p:nvPicPr>
         <p:blipFill>
-          <a:blip r:embed="rId1"/>
+          <a:blip r:embed="rId3"/>
           <a:stretch>
             <a:fillRect/>
           </a:stretch>
@@ -40187,7 +47779,6 @@
               <a:rPr lang="zh-CN" altLang="en-US" dirty="0"/>
               <a:t>系统整体技术图</a:t>
             </a:r>
-            <a:endParaRPr lang="zh-CN" altLang="en-US" dirty="0"/>
           </a:p>
         </p:txBody>
       </p:sp>
@@ -40283,7 +47874,7 @@
           <p:nvPr/>
         </p:nvPicPr>
         <p:blipFill>
-          <a:blip r:embed="rId1"/>
+          <a:blip r:embed="rId3"/>
           <a:stretch>
             <a:fillRect/>
           </a:stretch>
@@ -40340,6 +47931,7 @@
           <a:p>
             <a:fld id="{5DD3DB80-B894-403A-B48E-6FDC1A72010E}" type="slidenum">
               <a:rPr lang="zh-CN" altLang="en-US" smtClean="0"/>
+              <a:t>8</a:t>
             </a:fld>
             <a:endParaRPr lang="zh-CN" altLang="en-US"/>
           </a:p>
@@ -40470,7 +48062,7 @@
         </p:xfrm>
         <a:graphic>
           <a:graphicData uri="http://schemas.openxmlformats.org/drawingml/2006/diagram">
-            <dgm:relIds xmlns:dgm="http://schemas.openxmlformats.org/drawingml/2006/diagram" xmlns:r="http://schemas.openxmlformats.org/officeDocument/2006/relationships" r:dm="rId1" r:lo="rId2" r:qs="rId3" r:cs="rId4"/>
+            <dgm:relIds xmlns:dgm="http://schemas.openxmlformats.org/drawingml/2006/diagram" xmlns:r="http://schemas.openxmlformats.org/officeDocument/2006/relationships" r:dm="rId2" r:lo="rId3" r:qs="rId4" r:cs="rId5"/>
           </a:graphicData>
         </a:graphic>
       </p:graphicFrame>
@@ -40516,6 +48108,7 @@
           <a:p>
             <a:fld id="{5DD3DB80-B894-403A-B48E-6FDC1A72010E}" type="slidenum">
               <a:rPr lang="zh-CN" altLang="en-US" smtClean="0"/>
+              <a:t>9</a:t>
             </a:fld>
             <a:endParaRPr lang="zh-CN" altLang="en-US"/>
           </a:p>
@@ -40635,7 +48228,7 @@
           <p:nvPr/>
         </p:nvPicPr>
         <p:blipFill>
-          <a:blip r:embed="rId1">
+          <a:blip r:embed="rId2">
             <a:extLst>
               <a:ext uri="{28A0092B-C50C-407E-A947-70E740481C1C}">
                 <a14:useLocalDpi xmlns:a14="http://schemas.microsoft.com/office/drawing/2010/main" val="0"/>
@@ -40686,7 +48279,6 @@
               <a:rPr lang="en-US" altLang="zh-CN" b="1" dirty="0"/>
               <a:t>Tasks</a:t>
             </a:r>
-            <a:endParaRPr lang="en-US" altLang="zh-CN" b="1" dirty="0"/>
           </a:p>
           <a:p>
             <a:r>
@@ -40851,7 +48443,7 @@
 </file>
 
 <file path=ppt/tags/tag1.xml><?xml version="1.0" encoding="utf-8"?>
-<p:tagLst xmlns:p="http://schemas.openxmlformats.org/presentationml/2006/main">
+<p:tagLst xmlns:a="http://schemas.openxmlformats.org/drawingml/2006/main" xmlns:r="http://schemas.openxmlformats.org/officeDocument/2006/relationships" xmlns:p="http://schemas.openxmlformats.org/presentationml/2006/main">
   <p:tag name="ISLIDE.DIAGRAM" val="2b751056-6b97-492c-b763-340acee7e99d"/>
 </p:tagLst>
 </file>
@@ -41047,6 +48639,8 @@
       </a:bgFillStyleLst>
     </a:fmtScheme>
   </a:themeElements>
+  <a:objectDefaults/>
+  <a:extraClrSchemeLst/>
   <a:extLst>
     <a:ext uri="{05A4C25C-085E-4340-85A3-A5531E510DB2}">
       <thm15:themeFamily xmlns:thm15="http://schemas.microsoft.com/office/thememl/2012/main" name="Office Theme" id="{62F939B6-93AF-4DB8-9C6B-D6C7DFDC589F}" vid="{4A3C46E8-61CC-4603-A589-7422A47A8E4A}"/>
@@ -41306,6 +48900,8 @@
       </a:bgFillStyleLst>
     </a:fmtScheme>
   </a:themeElements>
+  <a:objectDefaults/>
+  <a:extraClrSchemeLst/>
   <a:extLst>
     <a:ext uri="{05A4C25C-085E-4340-85A3-A5531E510DB2}">
       <thm15:themeFamily xmlns:thm15="http://schemas.microsoft.com/office/thememl/2012/main" name="Office Theme" id="{62F939B6-93AF-4DB8-9C6B-D6C7DFDC589F}" vid="{4A3C46E8-61CC-4603-A589-7422A47A8E4A}"/>
